--- a/presentation/Graph DBs.pptx
+++ b/presentation/Graph DBs.pptx
@@ -13001,7 +13001,7 @@
         <p:spPr/>
         <p:txBody>
           <a:bodyPr>
-            <a:normAutofit lnSpcReduction="10000"/>
+            <a:normAutofit fontScale="70000" lnSpcReduction="20000"/>
           </a:bodyPr>
           <a:lstStyle/>
           <a:p>
@@ -13040,6 +13040,23 @@
               <a:rPr lang="en-US" dirty="0"/>
               <a:t> - Cypher query language</a:t>
             </a:r>
+          </a:p>
+          <a:p>
+            <a:pPr marL="342900" indent="-342900">
+              <a:buFont typeface="Arial" panose="020B0604020202020204" pitchFamily="34" charset="0"/>
+              <a:buChar char="•"/>
+            </a:pPr>
+            <a:r>
+              <a:rPr lang="en-US" dirty="0">
+                <a:hlinkClick r:id="rId4"/>
+              </a:rPr>
+              <a:t>https://github.com/Readify/Neo4jClient/wiki</a:t>
+            </a:r>
+            <a:r>
+              <a:rPr lang="en-US" dirty="0"/>
+              <a:t> - Neo4j Client Documentation</a:t>
+            </a:r>
+            <a:endParaRPr lang="en-US" dirty="0"/>
           </a:p>
         </p:txBody>
       </p:sp>

--- a/presentation/Graph DBs.pptx
+++ b/presentation/Graph DBs.pptx
@@ -12457,7 +12457,7 @@
             </a:r>
             <a:r>
               <a:rPr lang="en-US" dirty="0"/>
-              <a:t>'})-[:FRIENDS_WITH*1..5]-&gt;(</a:t>
+              <a:t>'})-[:FRIENDS_WITH*2..5]-&gt;(</a:t>
             </a:r>
             <a:r>
               <a:rPr lang="en-US" dirty="0" err="1"/>
@@ -12471,15 +12471,7 @@
           <a:p>
             <a:r>
               <a:rPr lang="en-US" dirty="0"/>
-              <a:t>WHERE NOT (user)-[:FRIENDS_WITH]-&gt;(</a:t>
-            </a:r>
-            <a:r>
-              <a:rPr lang="en-US" dirty="0" err="1"/>
-              <a:t>fof</a:t>
-            </a:r>
-            <a:r>
-              <a:rPr lang="en-US" dirty="0"/>
-              <a:t>) return </a:t>
+              <a:t>return </a:t>
             </a:r>
             <a:r>
               <a:rPr lang="en-US" dirty="0" err="1"/>

--- a/presentation/Graph DBs.pptx
+++ b/presentation/Graph DBs.pptx
@@ -8948,7 +8948,7 @@
             <a:fld id="{08B9EBBA-996F-894A-B54A-D6246ED52CEA}" type="datetimeFigureOut">
               <a:rPr lang="en-US" smtClean="0"/>
               <a:pPr/>
-              <a:t>3/20/2017</a:t>
+              <a:t>3/21/2017</a:t>
             </a:fld>
             <a:endParaRPr lang="en-US" dirty="0"/>
           </a:p>
@@ -9157,7 +9157,7 @@
             <a:fld id="{C6C52C72-DE31-F449-A4ED-4C594FD91407}" type="datetimeFigureOut">
               <a:rPr lang="en-US" smtClean="0"/>
               <a:pPr/>
-              <a:t>3/20/2017</a:t>
+              <a:t>3/21/2017</a:t>
             </a:fld>
             <a:endParaRPr lang="en-US" dirty="0"/>
           </a:p>
@@ -9339,7 +9339,7 @@
             <a:fld id="{ED62726E-379B-B349-9EED-81ED093FA806}" type="datetimeFigureOut">
               <a:rPr lang="en-US" smtClean="0"/>
               <a:pPr/>
-              <a:t>3/20/2017</a:t>
+              <a:t>3/21/2017</a:t>
             </a:fld>
             <a:endParaRPr lang="en-US" dirty="0"/>
           </a:p>
@@ -9546,7 +9546,7 @@
             <a:fld id="{9B3A1323-8D79-1946-B0D7-40001CF92E9D}" type="datetimeFigureOut">
               <a:rPr lang="en-US" smtClean="0"/>
               <a:pPr/>
-              <a:t>3/20/2017</a:t>
+              <a:t>3/21/2017</a:t>
             </a:fld>
             <a:endParaRPr lang="en-US" dirty="0"/>
           </a:p>
@@ -18446,7 +18446,7 @@
             <a:fld id="{8DFA1846-DA80-1C48-A609-854EA85C59AD}" type="datetimeFigureOut">
               <a:rPr lang="en-US" smtClean="0"/>
               <a:pPr/>
-              <a:t>3/20/2017</a:t>
+              <a:t>3/21/2017</a:t>
             </a:fld>
             <a:endParaRPr lang="en-US" dirty="0"/>
           </a:p>
@@ -18722,7 +18722,7 @@
             <a:fld id="{57302355-E14B-8545-A8F8-0FE83CC9D524}" type="datetimeFigureOut">
               <a:rPr lang="en-US" smtClean="0"/>
               <a:pPr/>
-              <a:t>3/20/2017</a:t>
+              <a:t>3/21/2017</a:t>
             </a:fld>
             <a:endParaRPr lang="en-US" dirty="0"/>
           </a:p>
@@ -19122,7 +19122,7 @@
             <a:fld id="{02640F58-564D-2B4F-AE67-E407BA4FCF45}" type="datetimeFigureOut">
               <a:rPr lang="en-US" smtClean="0"/>
               <a:pPr/>
-              <a:t>3/20/2017</a:t>
+              <a:t>3/21/2017</a:t>
             </a:fld>
             <a:endParaRPr lang="en-US" dirty="0"/>
           </a:p>
@@ -19242,7 +19242,7 @@
             <a:fld id="{F13A34C8-038E-2045-AF43-DF7DBB8E0E9E}" type="datetimeFigureOut">
               <a:rPr lang="en-US" smtClean="0"/>
               <a:pPr/>
-              <a:t>3/20/2017</a:t>
+              <a:t>3/21/2017</a:t>
             </a:fld>
             <a:endParaRPr lang="en-US" dirty="0"/>
           </a:p>
@@ -19339,7 +19339,7 @@
             <a:fld id="{8818C68F-D26B-8F47-958C-23B49CF8A634}" type="datetimeFigureOut">
               <a:rPr lang="en-US" smtClean="0"/>
               <a:pPr/>
-              <a:t>3/20/2017</a:t>
+              <a:t>3/21/2017</a:t>
             </a:fld>
             <a:endParaRPr lang="en-US" dirty="0"/>
           </a:p>
@@ -19631,7 +19631,7 @@
             <a:fld id="{D0DF5E60-9974-AC48-9591-99C2BB44B7CF}" type="datetimeFigureOut">
               <a:rPr lang="en-US" smtClean="0"/>
               <a:pPr/>
-              <a:t>3/20/2017</a:t>
+              <a:t>3/21/2017</a:t>
             </a:fld>
             <a:endParaRPr lang="en-US" dirty="0"/>
           </a:p>
@@ -19913,7 +19913,7 @@
             <a:fld id="{18C79C5D-2A6F-F04D-97DA-BEF2467B64E4}" type="datetimeFigureOut">
               <a:rPr lang="en-US" smtClean="0"/>
               <a:pPr/>
-              <a:t>3/20/2017</a:t>
+              <a:t>3/21/2017</a:t>
             </a:fld>
             <a:endParaRPr lang="en-US" dirty="0"/>
           </a:p>
@@ -20165,7 +20165,7 @@
             <a:fld id="{09B482E8-6E0E-1B4F-B1FD-C69DB9E858D9}" type="datetimeFigureOut">
               <a:rPr lang="en-US" smtClean="0"/>
               <a:pPr/>
-              <a:t>3/20/2017</a:t>
+              <a:t>3/21/2017</a:t>
             </a:fld>
             <a:endParaRPr lang="en-US" dirty="0"/>
           </a:p>
@@ -24032,9 +24032,120 @@
           </a:p>
         </p:txBody>
       </p:sp>
+      <p:sp>
+        <p:nvSpPr>
+          <p:cNvPr id="8" name="TextBox 7"/>
+          <p:cNvSpPr txBox="1"/>
+          <p:nvPr/>
+        </p:nvSpPr>
+        <p:spPr>
+          <a:xfrm>
+            <a:off x="884847" y="2084832"/>
+            <a:ext cx="7153048" cy="2585323"/>
+          </a:xfrm>
+          <a:prstGeom prst="rect">
+            <a:avLst/>
+          </a:prstGeom>
+          <a:noFill/>
+        </p:spPr>
+        <p:txBody>
+          <a:bodyPr wrap="none" rtlCol="0">
+            <a:spAutoFit/>
+          </a:bodyPr>
+          <a:lstStyle/>
+          <a:p>
+            <a:r>
+              <a:rPr lang="en-US" dirty="0"/>
+              <a:t>CREATE p = (</a:t>
+            </a:r>
+            <a:r>
+              <a:rPr lang="en-US" dirty="0" err="1"/>
+              <a:t>person:Person</a:t>
+            </a:r>
+            <a:r>
+              <a:rPr lang="en-US" dirty="0"/>
+              <a:t> {name: 'Jen', </a:t>
+            </a:r>
+          </a:p>
+          <a:p>
+            <a:r>
+              <a:rPr lang="en-US" dirty="0"/>
+              <a:t>email: 'jenparker1975@gmail.com', </a:t>
+            </a:r>
+          </a:p>
+          <a:p>
+            <a:r>
+              <a:rPr lang="en-US" dirty="0" err="1"/>
+              <a:t>github:'https</a:t>
+            </a:r>
+            <a:r>
+              <a:rPr lang="en-US" dirty="0"/>
+              <a:t>://https://github.com/jenparker1975'})</a:t>
+            </a:r>
+          </a:p>
+          <a:p>
+            <a:r>
+              <a:rPr lang="en-US" dirty="0"/>
+              <a:t> – [:WORKS_AT] -&gt; (</a:t>
+            </a:r>
+            <a:r>
+              <a:rPr lang="en-US" dirty="0" err="1"/>
+              <a:t>company:Company</a:t>
+            </a:r>
+            <a:r>
+              <a:rPr lang="en-US" dirty="0"/>
+              <a:t> {name: 'HealthcareSource', </a:t>
+            </a:r>
+          </a:p>
+          <a:p>
+            <a:r>
+              <a:rPr lang="en-US" dirty="0"/>
+              <a:t>tag: 'Leading provider of talent management solutions for Healthcare' }) </a:t>
+            </a:r>
+          </a:p>
+          <a:p>
+            <a:r>
+              <a:rPr lang="en-US" dirty="0"/>
+              <a:t>RETURN p </a:t>
+            </a:r>
+          </a:p>
+          <a:p>
+            <a:endParaRPr lang="en-US" dirty="0"/>
+          </a:p>
+          <a:p>
+            <a:r>
+              <a:rPr lang="en-US" dirty="0"/>
+              <a:t>MATCH (</a:t>
+            </a:r>
+            <a:r>
+              <a:rPr lang="en-US" dirty="0" err="1"/>
+              <a:t>person:Person</a:t>
+            </a:r>
+            <a:r>
+              <a:rPr lang="en-US" dirty="0"/>
+              <a:t> {name: 'Jen'}) </a:t>
+            </a:r>
+          </a:p>
+          <a:p>
+            <a:r>
+              <a:rPr lang="en-US" dirty="0"/>
+              <a:t>CREATE (person) -[:IS_LEARNING]-&gt;(</a:t>
+            </a:r>
+            <a:r>
+              <a:rPr lang="en-US" dirty="0" err="1"/>
+              <a:t>technology:Technology</a:t>
+            </a:r>
+            <a:r>
+              <a:rPr lang="en-US" dirty="0"/>
+              <a:t> {name: 'Neo4j'})</a:t>
+            </a:r>
+            <a:endParaRPr lang="en-US" dirty="0"/>
+          </a:p>
+        </p:txBody>
+      </p:sp>
       <p:pic>
         <p:nvPicPr>
-          <p:cNvPr id="5" name="Content Placeholder 4"/>
+          <p:cNvPr id="10" name="Content Placeholder 9"/>
           <p:cNvPicPr>
             <a:picLocks noGrp="1" noChangeAspect="1"/>
           </p:cNvPicPr>
@@ -24050,8 +24161,8 @@
         </p:blipFill>
         <p:spPr>
           <a:xfrm>
-            <a:off x="1456475" y="1633689"/>
-            <a:ext cx="5193708" cy="4051300"/>
+            <a:off x="8313393" y="1791581"/>
+            <a:ext cx="2845586" cy="3171825"/>
           </a:xfrm>
         </p:spPr>
       </p:pic>
@@ -29116,6 +29227,18 @@
   <p:clrMapOvr>
     <a:masterClrMapping/>
   </p:clrMapOvr>
+  <mc:AlternateContent xmlns:mc="http://schemas.openxmlformats.org/markup-compatibility/2006">
+    <mc:Choice xmlns:p14="http://schemas.microsoft.com/office/powerpoint/2010/main" Requires="p14">
+      <p:transition spd="med" p14:dur="700">
+        <p:fade/>
+      </p:transition>
+    </mc:Choice>
+    <mc:Fallback>
+      <p:transition spd="med">
+        <p:fade/>
+      </p:transition>
+    </mc:Fallback>
+  </mc:AlternateContent>
 </p:sld>
 </file>
 
@@ -32133,6 +32256,18 @@
   <p:clrMapOvr>
     <a:masterClrMapping/>
   </p:clrMapOvr>
+  <mc:AlternateContent xmlns:mc="http://schemas.openxmlformats.org/markup-compatibility/2006">
+    <mc:Choice xmlns:p15="http://schemas.microsoft.com/office/powerpoint/2012/main" Requires="p15">
+      <p:transition xmlns:p14="http://schemas.microsoft.com/office/powerpoint/2010/main" spd="slow" p14:dur="6000">
+        <p15:prstTrans prst="curtains"/>
+      </p:transition>
+    </mc:Choice>
+    <mc:Fallback>
+      <p:transition spd="slow">
+        <p:fade/>
+      </p:transition>
+    </mc:Fallback>
+  </mc:AlternateContent>
 </p:sld>
 </file>
 
@@ -33007,13 +33142,13 @@
   <p:clrMapOvr>
     <a:masterClrMapping/>
   </p:clrMapOvr>
-  <mc:AlternateContent xmlns:mc="http://schemas.openxmlformats.org/markup-compatibility/2006">
-    <mc:Choice xmlns:p14="http://schemas.microsoft.com/office/powerpoint/2010/main" Requires="p14">
+  <mc:AlternateContent xmlns:mc="http://schemas.openxmlformats.org/markup-compatibility/2006" xmlns:p14="http://schemas.microsoft.com/office/powerpoint/2010/main">
+    <mc:Choice Requires="p14">
       <p:transition spd="slow" p14:dur="1400">
         <p14:doors dir="vert"/>
       </p:transition>
     </mc:Choice>
-    <mc:Fallback>
+    <mc:Fallback xmlns="">
       <p:transition spd="slow">
         <p:fade/>
       </p:transition>

--- a/presentation/Graph DBs.pptx
+++ b/presentation/Graph DBs.pptx
@@ -24040,8 +24040,8 @@
         </p:nvSpPr>
         <p:spPr>
           <a:xfrm>
-            <a:off x="884847" y="2084832"/>
-            <a:ext cx="7153048" cy="2585323"/>
+            <a:off x="743445" y="2018844"/>
+            <a:ext cx="5700511" cy="3416320"/>
           </a:xfrm>
           <a:prstGeom prst="rect">
             <a:avLst/>
@@ -24049,7 +24049,7 @@
           <a:noFill/>
         </p:spPr>
         <p:txBody>
-          <a:bodyPr wrap="none" rtlCol="0">
+          <a:bodyPr wrap="square" rtlCol="0">
             <a:spAutoFit/>
           </a:bodyPr>
           <a:lstStyle/>
@@ -24139,19 +24139,16 @@
               <a:rPr lang="en-US" dirty="0"/>
               <a:t> {name: 'Neo4j'})</a:t>
             </a:r>
-            <a:endParaRPr lang="en-US" dirty="0"/>
           </a:p>
         </p:txBody>
       </p:sp>
       <p:pic>
         <p:nvPicPr>
-          <p:cNvPr id="10" name="Content Placeholder 9"/>
+          <p:cNvPr id="4" name="Picture 3"/>
           <p:cNvPicPr>
-            <a:picLocks noGrp="1" noChangeAspect="1"/>
+            <a:picLocks noChangeAspect="1"/>
           </p:cNvPicPr>
-          <p:nvPr>
-            <p:ph idx="1"/>
-          </p:nvPr>
+          <p:nvPr/>
         </p:nvPicPr>
         <p:blipFill>
           <a:blip r:embed="rId2"/>
@@ -24161,9 +24158,12 @@
         </p:blipFill>
         <p:spPr>
           <a:xfrm>
-            <a:off x="8313393" y="1791581"/>
-            <a:ext cx="2845586" cy="3171825"/>
+            <a:off x="6443956" y="0"/>
+            <a:ext cx="6152620" cy="6858000"/>
           </a:xfrm>
+          <a:prstGeom prst="rect">
+            <a:avLst/>
+          </a:prstGeom>
         </p:spPr>
       </p:pic>
     </p:spTree>
@@ -27280,7 +27280,7 @@
           <a:p>
             <a:r>
               <a:rPr lang="en-US" dirty="0"/>
-              <a:t>You can’t model that      (</a:t>
+              <a:t>You can’t model that       (</a:t>
             </a:r>
             <a:r>
               <a:rPr lang="en-US" dirty="0" err="1"/>
@@ -27618,7 +27618,7 @@
         </p:blipFill>
         <p:spPr>
           <a:xfrm>
-            <a:off x="2965077" y="2120900"/>
+            <a:off x="3174802" y="1760174"/>
             <a:ext cx="5800176" cy="4051300"/>
           </a:xfrm>
         </p:spPr>
@@ -28048,7 +28048,7 @@
         <p:spPr>
           <a:xfrm>
             <a:off x="1206321" y="2093976"/>
-            <a:ext cx="8246772" cy="923330"/>
+            <a:ext cx="8246772" cy="1200329"/>
           </a:xfrm>
           <a:prstGeom prst="rect">
             <a:avLst/>
@@ -28061,44 +28061,44 @@
           <a:lstStyle/>
           <a:p>
             <a:r>
-              <a:rPr lang="en-US" dirty="0"/>
+              <a:rPr lang="en-US" sz="2400" dirty="0"/>
               <a:t>MATCH (</a:t>
             </a:r>
             <a:r>
-              <a:rPr lang="en-US" dirty="0" err="1"/>
+              <a:rPr lang="en-US" sz="2400" dirty="0" err="1"/>
               <a:t>user:Person</a:t>
             </a:r>
             <a:r>
-              <a:rPr lang="en-US" dirty="0"/>
+              <a:rPr lang="en-US" sz="2400" dirty="0"/>
               <a:t> {</a:t>
             </a:r>
             <a:r>
-              <a:rPr lang="en-US" dirty="0" err="1"/>
+              <a:rPr lang="en-US" sz="2400" dirty="0" err="1"/>
               <a:t>name:'Bill</a:t>
             </a:r>
             <a:r>
-              <a:rPr lang="en-US" dirty="0"/>
+              <a:rPr lang="en-US" sz="2400" dirty="0"/>
               <a:t>'})-[:FRIENDS_WITH*2..5]-&gt;(</a:t>
             </a:r>
             <a:r>
-              <a:rPr lang="en-US" dirty="0" err="1"/>
+              <a:rPr lang="en-US" sz="2400" dirty="0" err="1"/>
               <a:t>fof</a:t>
             </a:r>
             <a:r>
-              <a:rPr lang="en-US" dirty="0"/>
+              <a:rPr lang="en-US" sz="2400" dirty="0"/>
               <a:t>)-[:DIAGNOSED_WITH]-&gt;(disease)</a:t>
             </a:r>
           </a:p>
           <a:p>
             <a:r>
-              <a:rPr lang="en-US" dirty="0"/>
+              <a:rPr lang="en-US" sz="2400" dirty="0"/>
               <a:t>return </a:t>
             </a:r>
             <a:r>
-              <a:rPr lang="en-US" dirty="0" err="1"/>
+              <a:rPr lang="en-US" sz="2400" dirty="0" err="1"/>
               <a:t>fof</a:t>
             </a:r>
-            <a:endParaRPr lang="en-US" dirty="0"/>
+            <a:endParaRPr lang="en-US" sz="2400" dirty="0"/>
           </a:p>
         </p:txBody>
       </p:sp>
@@ -29227,13 +29227,13 @@
   <p:clrMapOvr>
     <a:masterClrMapping/>
   </p:clrMapOvr>
-  <mc:AlternateContent xmlns:mc="http://schemas.openxmlformats.org/markup-compatibility/2006">
-    <mc:Choice xmlns:p14="http://schemas.microsoft.com/office/powerpoint/2010/main" Requires="p14">
+  <mc:AlternateContent xmlns:mc="http://schemas.openxmlformats.org/markup-compatibility/2006" xmlns:p14="http://schemas.microsoft.com/office/powerpoint/2010/main">
+    <mc:Choice Requires="p14">
       <p:transition spd="med" p14:dur="700">
         <p:fade/>
       </p:transition>
     </mc:Choice>
-    <mc:Fallback>
+    <mc:Fallback xmlns="">
       <p:transition spd="med">
         <p:fade/>
       </p:transition>
@@ -29299,7 +29299,7 @@
         </p:spPr>
         <p:txBody>
           <a:bodyPr>
-            <a:normAutofit/>
+            <a:normAutofit lnSpcReduction="10000"/>
           </a:bodyPr>
           <a:lstStyle/>
           <a:p>
@@ -29308,7 +29308,7 @@
               <a:buChar char="Ø"/>
             </a:pPr>
             <a:r>
-              <a:rPr lang="en-US" dirty="0"/>
+              <a:rPr lang="en-US" sz="2400" dirty="0"/>
               <a:t>Manually create nodes without relationships:</a:t>
             </a:r>
           </a:p>
@@ -29586,13 +29586,13 @@
           <a:p>
             <a:pPr>
               <a:buClr>
-                <a:schemeClr val="tx1"/>
+                <a:schemeClr val="accent1"/>
               </a:buClr>
               <a:buFont typeface="Wingdings" panose="05000000000000000000" pitchFamily="2" charset="2"/>
               <a:buChar char="Ø"/>
             </a:pPr>
             <a:r>
-              <a:rPr lang="en-US" dirty="0"/>
+              <a:rPr lang="en-US" sz="2400" dirty="0"/>
               <a:t>Manually create nodes with relationships:</a:t>
             </a:r>
           </a:p>
@@ -29614,7 +29614,7 @@
         <p:spPr>
           <a:xfrm>
             <a:off x="1676400" y="4106809"/>
-            <a:ext cx="6096000" cy="923330"/>
+            <a:ext cx="6096000" cy="1015663"/>
           </a:xfrm>
           <a:prstGeom prst="rect">
             <a:avLst/>
@@ -29627,23 +29627,23 @@
           <a:lstStyle/>
           <a:p>
             <a:r>
-              <a:rPr lang="en-US" dirty="0"/>
+              <a:rPr lang="en-US" sz="2000" dirty="0"/>
               <a:t>CREATE p = (</a:t>
             </a:r>
             <a:r>
-              <a:rPr lang="en-US" dirty="0" err="1"/>
+              <a:rPr lang="en-US" sz="2000" dirty="0" err="1"/>
               <a:t>person:Person</a:t>
             </a:r>
             <a:r>
-              <a:rPr lang="en-US" dirty="0"/>
+              <a:rPr lang="en-US" sz="2000" dirty="0"/>
               <a:t> {name: 'Bill', age: '14'}) – [:DIAGNOSED_WITH] -&gt; (</a:t>
             </a:r>
             <a:r>
-              <a:rPr lang="en-US" dirty="0" err="1"/>
+              <a:rPr lang="en-US" sz="2000" dirty="0" err="1"/>
               <a:t>disease:Disease</a:t>
             </a:r>
             <a:r>
-              <a:rPr lang="en-US" dirty="0"/>
+              <a:rPr lang="en-US" sz="2000" dirty="0"/>
               <a:t> { name: 'Type 1 Diabetes' }) RETURN p</a:t>
             </a:r>
           </a:p>
@@ -29658,7 +29658,7 @@
         <p:spPr>
           <a:xfrm>
             <a:off x="1542585" y="2238301"/>
-            <a:ext cx="6096000" cy="369332"/>
+            <a:ext cx="6096000" cy="707886"/>
           </a:xfrm>
           <a:prstGeom prst="rect">
             <a:avLst/>
@@ -29671,15 +29671,15 @@
           <a:lstStyle/>
           <a:p>
             <a:r>
-              <a:rPr lang="en-US" dirty="0"/>
+              <a:rPr lang="en-US" sz="2000" dirty="0"/>
               <a:t>CREATE (</a:t>
             </a:r>
             <a:r>
-              <a:rPr lang="en-US" dirty="0" err="1"/>
+              <a:rPr lang="en-US" sz="2000" dirty="0" err="1"/>
               <a:t>person:Person</a:t>
             </a:r>
             <a:r>
-              <a:rPr lang="en-US" dirty="0"/>
+              <a:rPr lang="en-US" sz="2000" dirty="0"/>
               <a:t> {name: 'Jan', age: '42'}) return person</a:t>
             </a:r>
           </a:p>
@@ -30407,8 +30407,8 @@
               <a:buChar char="Ø"/>
             </a:pPr>
             <a:r>
-              <a:rPr lang="en-US" dirty="0"/>
-              <a:t>Set additional properties on the S340 case</a:t>
+              <a:rPr lang="en-US" sz="2400" dirty="0"/>
+              <a:t>Set additional properties on a node</a:t>
             </a:r>
           </a:p>
         </p:txBody>
@@ -30422,7 +30422,7 @@
         <p:spPr>
           <a:xfrm>
             <a:off x="1654097" y="2603364"/>
-            <a:ext cx="6096000" cy="923330"/>
+            <a:ext cx="6096000" cy="1015663"/>
           </a:xfrm>
           <a:prstGeom prst="rect">
             <a:avLst/>
@@ -30435,43 +30435,35 @@
           <a:lstStyle/>
           <a:p>
             <a:r>
-              <a:rPr lang="en-US" dirty="0"/>
+              <a:rPr lang="en-US" sz="2000" dirty="0"/>
               <a:t>MATCH (</a:t>
             </a:r>
             <a:r>
-              <a:rPr lang="en-US" dirty="0" err="1"/>
+              <a:rPr lang="en-US" sz="2000" dirty="0" err="1"/>
               <a:t>person:Person</a:t>
             </a:r>
             <a:r>
-              <a:rPr lang="en-US" dirty="0"/>
-              <a:t> { name</a:t>
-            </a:r>
-            <a:r>
-              <a:rPr lang="en-US"/>
-              <a:t>: 'Jan</a:t>
-            </a:r>
-            <a:r>
-              <a:rPr lang="en-US" dirty="0"/>
-              <a:t>' })</a:t>
+              <a:rPr lang="en-US" sz="2000" dirty="0"/>
+              <a:t> { name: 'Jan' })</a:t>
             </a:r>
           </a:p>
           <a:p>
             <a:r>
-              <a:rPr lang="en-US" dirty="0"/>
+              <a:rPr lang="en-US" sz="2000" dirty="0"/>
               <a:t>SET </a:t>
             </a:r>
             <a:r>
-              <a:rPr lang="en-US" dirty="0" err="1"/>
+              <a:rPr lang="en-US" sz="2000" dirty="0" err="1"/>
               <a:t>person.profession</a:t>
             </a:r>
             <a:r>
-              <a:rPr lang="en-US" dirty="0"/>
+              <a:rPr lang="en-US" sz="2000" dirty="0"/>
               <a:t> = 'Software Engineer'</a:t>
             </a:r>
           </a:p>
           <a:p>
             <a:r>
-              <a:rPr lang="en-US" dirty="0"/>
+              <a:rPr lang="en-US" sz="2000" dirty="0"/>
               <a:t>RETURN person</a:t>
             </a:r>
           </a:p>
@@ -30680,7 +30672,7 @@
               <a:buChar char="Ø"/>
             </a:pPr>
             <a:r>
-              <a:rPr lang="en-US" dirty="0"/>
+              <a:rPr lang="en-US" sz="2400" dirty="0"/>
               <a:t>Deletes a relationship</a:t>
             </a:r>
           </a:p>
@@ -30695,7 +30687,7 @@
         <p:spPr>
           <a:xfrm>
             <a:off x="1654097" y="2642839"/>
-            <a:ext cx="6096000" cy="646331"/>
+            <a:ext cx="6096000" cy="707886"/>
           </a:xfrm>
           <a:prstGeom prst="rect">
             <a:avLst/>
@@ -30708,21 +30700,21 @@
           <a:lstStyle/>
           <a:p>
             <a:r>
-              <a:rPr lang="en-US" dirty="0"/>
+              <a:rPr lang="en-US" sz="2000" dirty="0"/>
               <a:t>MATCH ()-[</a:t>
             </a:r>
             <a:r>
-              <a:rPr lang="en-US" dirty="0" err="1"/>
+              <a:rPr lang="en-US" sz="2000" dirty="0" err="1"/>
               <a:t>r:FRIENDS_WITH</a:t>
             </a:r>
             <a:r>
-              <a:rPr lang="en-US" dirty="0"/>
+              <a:rPr lang="en-US" sz="2000" dirty="0"/>
               <a:t>]-() </a:t>
             </a:r>
           </a:p>
           <a:p>
             <a:r>
-              <a:rPr lang="en-US" dirty="0"/>
+              <a:rPr lang="en-US" sz="2000" dirty="0"/>
               <a:t>DELETE r</a:t>
             </a:r>
           </a:p>
@@ -30737,7 +30729,7 @@
         <p:spPr>
           <a:xfrm>
             <a:off x="1654097" y="4463834"/>
-            <a:ext cx="4739268" cy="923330"/>
+            <a:ext cx="4739268" cy="1015663"/>
           </a:xfrm>
           <a:prstGeom prst="rect">
             <a:avLst/>
@@ -30750,27 +30742,27 @@
           <a:lstStyle/>
           <a:p>
             <a:r>
-              <a:rPr lang="en-US" dirty="0"/>
+              <a:rPr lang="en-US" sz="2000" dirty="0"/>
               <a:t>MATCH (</a:t>
             </a:r>
             <a:r>
-              <a:rPr lang="en-US" dirty="0" err="1"/>
+              <a:rPr lang="en-US" sz="2000" dirty="0" err="1"/>
               <a:t>a:Camp</a:t>
             </a:r>
             <a:r>
-              <a:rPr lang="en-US" dirty="0"/>
+              <a:rPr lang="en-US" sz="2000" dirty="0"/>
               <a:t>)</a:t>
             </a:r>
           </a:p>
           <a:p>
             <a:r>
-              <a:rPr lang="en-US" dirty="0"/>
+              <a:rPr lang="en-US" sz="2000" dirty="0"/>
               <a:t>WHERE a.name='Joselin Diabetes Camp'</a:t>
             </a:r>
           </a:p>
           <a:p>
             <a:r>
-              <a:rPr lang="en-US" dirty="0"/>
+              <a:rPr lang="en-US" sz="2000" dirty="0"/>
               <a:t>DELETE a</a:t>
             </a:r>
           </a:p>
@@ -31042,13 +31034,13 @@
           <a:p>
             <a:pPr>
               <a:buClr>
-                <a:schemeClr val="tx1"/>
+                <a:schemeClr val="accent1"/>
               </a:buClr>
               <a:buFont typeface="Wingdings" panose="05000000000000000000" pitchFamily="2" charset="2"/>
               <a:buChar char="Ø"/>
             </a:pPr>
             <a:r>
-              <a:rPr lang="en-US" dirty="0"/>
+              <a:rPr lang="en-US" sz="2400" dirty="0"/>
               <a:t>Deletes a node</a:t>
             </a:r>
           </a:p>
@@ -31354,7 +31346,11 @@
             </a:pPr>
             <a:r>
               <a:rPr lang="en-US" dirty="0"/>
-              <a:t> POST to http://localhost:7474/db/data/transaction/commit</a:t>
+              <a:t> </a:t>
+            </a:r>
+            <a:r>
+              <a:rPr lang="en-US" sz="2400" dirty="0"/>
+              <a:t>POST to http://localhost:7474/db/data/transaction/commit</a:t>
             </a:r>
           </a:p>
         </p:txBody>
@@ -31369,7 +31365,7 @@
         </p:nvSpPr>
         <p:spPr>
           <a:xfrm>
-            <a:off x="1069848" y="4190056"/>
+            <a:off x="1069848" y="4609506"/>
             <a:ext cx="10058400" cy="521431"/>
           </a:xfrm>
           <a:prstGeom prst="rect">
@@ -31625,7 +31621,7 @@
           <a:p>
             <a:pPr>
               <a:buClr>
-                <a:schemeClr val="tx1"/>
+                <a:schemeClr val="accent1"/>
               </a:buClr>
               <a:buFont typeface="Wingdings" panose="05000000000000000000" pitchFamily="2" charset="2"/>
               <a:buChar char="Ø"/>
@@ -31646,7 +31642,7 @@
         <p:spPr>
           <a:xfrm>
             <a:off x="1267731" y="2481463"/>
-            <a:ext cx="6096000" cy="1477328"/>
+            <a:ext cx="6096000" cy="1631216"/>
           </a:xfrm>
           <a:prstGeom prst="rect">
             <a:avLst/>
@@ -31659,31 +31655,31 @@
           <a:lstStyle/>
           <a:p>
             <a:r>
-              <a:rPr lang="en-US" dirty="0"/>
+              <a:rPr lang="en-US" sz="2000" dirty="0"/>
               <a:t>{</a:t>
             </a:r>
           </a:p>
           <a:p>
             <a:r>
-              <a:rPr lang="en-US" dirty="0"/>
+              <a:rPr lang="en-US" sz="2000" dirty="0"/>
               <a:t>  "statements" : [ {</a:t>
             </a:r>
           </a:p>
           <a:p>
             <a:r>
-              <a:rPr lang="en-US" dirty="0"/>
+              <a:rPr lang="en-US" sz="2000" dirty="0"/>
               <a:t>    "statement" : "CREATE (n) RETURN id(n)"</a:t>
             </a:r>
           </a:p>
           <a:p>
             <a:r>
-              <a:rPr lang="en-US" dirty="0"/>
+              <a:rPr lang="en-US" sz="2000" dirty="0"/>
               <a:t>  } ]</a:t>
             </a:r>
           </a:p>
           <a:p>
             <a:r>
-              <a:rPr lang="en-US" dirty="0"/>
+              <a:rPr lang="en-US" sz="2000" dirty="0"/>
               <a:t>}</a:t>
             </a:r>
           </a:p>
@@ -32256,13 +32252,13 @@
   <p:clrMapOvr>
     <a:masterClrMapping/>
   </p:clrMapOvr>
-  <mc:AlternateContent xmlns:mc="http://schemas.openxmlformats.org/markup-compatibility/2006">
-    <mc:Choice xmlns:p15="http://schemas.microsoft.com/office/powerpoint/2012/main" Requires="p15">
+  <mc:AlternateContent xmlns:mc="http://schemas.openxmlformats.org/markup-compatibility/2006" xmlns:p15="http://schemas.microsoft.com/office/powerpoint/2012/main">
+    <mc:Choice Requires="p15">
       <p:transition xmlns:p14="http://schemas.microsoft.com/office/powerpoint/2010/main" spd="slow" p14:dur="6000">
         <p15:prstTrans prst="curtains"/>
       </p:transition>
     </mc:Choice>
-    <mc:Fallback>
+    <mc:Fallback xmlns="">
       <p:transition spd="slow">
         <p:fade/>
       </p:transition>

--- a/presentation/Graph DBs.pptx
+++ b/presentation/Graph DBs.pptx
@@ -4,6 +4,9 @@
   <p:sldMasterIdLst>
     <p:sldMasterId id="2147484045" r:id="rId1"/>
   </p:sldMasterIdLst>
+  <p:notesMasterIdLst>
+    <p:notesMasterId r:id="rId45"/>
+  </p:notesMasterIdLst>
   <p:sldIdLst>
     <p:sldId id="256" r:id="rId2"/>
     <p:sldId id="259" r:id="rId3"/>
@@ -11,36 +14,36 @@
     <p:sldId id="287" r:id="rId5"/>
     <p:sldId id="257" r:id="rId6"/>
     <p:sldId id="266" r:id="rId7"/>
-    <p:sldId id="290" r:id="rId8"/>
-    <p:sldId id="260" r:id="rId9"/>
-    <p:sldId id="261" r:id="rId10"/>
-    <p:sldId id="291" r:id="rId11"/>
-    <p:sldId id="258" r:id="rId12"/>
-    <p:sldId id="262" r:id="rId13"/>
-    <p:sldId id="263" r:id="rId14"/>
-    <p:sldId id="264" r:id="rId15"/>
-    <p:sldId id="288" r:id="rId16"/>
-    <p:sldId id="265" r:id="rId17"/>
-    <p:sldId id="300" r:id="rId18"/>
-    <p:sldId id="268" r:id="rId19"/>
-    <p:sldId id="286" r:id="rId20"/>
-    <p:sldId id="269" r:id="rId21"/>
-    <p:sldId id="281" r:id="rId22"/>
-    <p:sldId id="267" r:id="rId23"/>
-    <p:sldId id="301" r:id="rId24"/>
-    <p:sldId id="271" r:id="rId25"/>
-    <p:sldId id="272" r:id="rId26"/>
-    <p:sldId id="280" r:id="rId27"/>
-    <p:sldId id="292" r:id="rId28"/>
-    <p:sldId id="279" r:id="rId29"/>
-    <p:sldId id="285" r:id="rId30"/>
-    <p:sldId id="273" r:id="rId31"/>
-    <p:sldId id="293" r:id="rId32"/>
-    <p:sldId id="295" r:id="rId33"/>
-    <p:sldId id="296" r:id="rId34"/>
-    <p:sldId id="297" r:id="rId35"/>
-    <p:sldId id="299" r:id="rId36"/>
-    <p:sldId id="298" r:id="rId37"/>
+    <p:sldId id="293" r:id="rId8"/>
+    <p:sldId id="295" r:id="rId9"/>
+    <p:sldId id="296" r:id="rId10"/>
+    <p:sldId id="297" r:id="rId11"/>
+    <p:sldId id="299" r:id="rId12"/>
+    <p:sldId id="298" r:id="rId13"/>
+    <p:sldId id="290" r:id="rId14"/>
+    <p:sldId id="261" r:id="rId15"/>
+    <p:sldId id="260" r:id="rId16"/>
+    <p:sldId id="291" r:id="rId17"/>
+    <p:sldId id="258" r:id="rId18"/>
+    <p:sldId id="262" r:id="rId19"/>
+    <p:sldId id="263" r:id="rId20"/>
+    <p:sldId id="264" r:id="rId21"/>
+    <p:sldId id="288" r:id="rId22"/>
+    <p:sldId id="265" r:id="rId23"/>
+    <p:sldId id="300" r:id="rId24"/>
+    <p:sldId id="286" r:id="rId25"/>
+    <p:sldId id="268" r:id="rId26"/>
+    <p:sldId id="269" r:id="rId27"/>
+    <p:sldId id="281" r:id="rId28"/>
+    <p:sldId id="267" r:id="rId29"/>
+    <p:sldId id="301" r:id="rId30"/>
+    <p:sldId id="271" r:id="rId31"/>
+    <p:sldId id="292" r:id="rId32"/>
+    <p:sldId id="272" r:id="rId33"/>
+    <p:sldId id="280" r:id="rId34"/>
+    <p:sldId id="279" r:id="rId35"/>
+    <p:sldId id="285" r:id="rId36"/>
+    <p:sldId id="273" r:id="rId37"/>
     <p:sldId id="294" r:id="rId38"/>
     <p:sldId id="275" r:id="rId39"/>
     <p:sldId id="276" r:id="rId40"/>
@@ -147,11 +150,2505 @@
     </a:lvl9pPr>
   </p:defaultTextStyle>
   <p:extLst>
+    <p:ext uri="{521415D9-36F7-43E2-AB2F-B90AF26B5E84}">
+      <p14:sectionLst xmlns:p14="http://schemas.microsoft.com/office/powerpoint/2010/main">
+        <p14:section name="Intro" id="{025B0794-FCBA-4111-A16C-F53BD9B70CDD}">
+          <p14:sldIdLst>
+            <p14:sldId id="256"/>
+            <p14:sldId id="259"/>
+          </p14:sldIdLst>
+        </p14:section>
+        <p14:section name="what's a graph db anyway" id="{A5FB7BA0-486B-4112-8AEA-4D2C08833283}">
+          <p14:sldIdLst>
+            <p14:sldId id="289"/>
+            <p14:sldId id="287"/>
+            <p14:sldId id="257"/>
+            <p14:sldId id="266"/>
+          </p14:sldIdLst>
+        </p14:section>
+        <p14:section name="Core Concepts" id="{20AF009B-C0DD-44CC-978F-BB491CFE06D9}">
+          <p14:sldIdLst>
+            <p14:sldId id="293"/>
+            <p14:sldId id="295"/>
+            <p14:sldId id="296"/>
+            <p14:sldId id="297"/>
+            <p14:sldId id="299"/>
+            <p14:sldId id="298"/>
+          </p14:sldIdLst>
+        </p14:section>
+        <p14:section name="DBs with Benefits" id="{699DE00D-4415-4D71-AEF6-954299289060}">
+          <p14:sldIdLst>
+            <p14:sldId id="290"/>
+            <p14:sldId id="261"/>
+            <p14:sldId id="260"/>
+          </p14:sldIdLst>
+        </p14:section>
+        <p14:section name="popular graphDBs" id="{3B1727E6-89F9-40C9-BFF0-4D320CABFF97}">
+          <p14:sldIdLst>
+            <p14:sldId id="291"/>
+            <p14:sldId id="258"/>
+            <p14:sldId id="262"/>
+            <p14:sldId id="263"/>
+            <p14:sldId id="264"/>
+          </p14:sldIdLst>
+        </p14:section>
+        <p14:section name="Neo4j" id="{602767FC-E052-45B1-AB15-5DCE9B9EC65A}">
+          <p14:sldIdLst>
+            <p14:sldId id="288"/>
+            <p14:sldId id="265"/>
+            <p14:sldId id="300"/>
+            <p14:sldId id="286"/>
+          </p14:sldIdLst>
+        </p14:section>
+        <p14:section name="Complex Use Cases" id="{C5B56D8B-81C2-4883-A294-C39ED6B65345}">
+          <p14:sldIdLst>
+            <p14:sldId id="268"/>
+            <p14:sldId id="269"/>
+            <p14:sldId id="281"/>
+            <p14:sldId id="267"/>
+            <p14:sldId id="301"/>
+          </p14:sldIdLst>
+        </p14:section>
+        <p14:section name="Social Network" id="{5D7C49C7-64AD-4513-A198-DE984D1B63A3}">
+          <p14:sldIdLst>
+            <p14:sldId id="271"/>
+            <p14:sldId id="292"/>
+            <p14:sldId id="272"/>
+            <p14:sldId id="280"/>
+            <p14:sldId id="279"/>
+            <p14:sldId id="285"/>
+            <p14:sldId id="273"/>
+          </p14:sldIdLst>
+        </p14:section>
+        <p14:section name="Building the network" id="{91472AB3-B541-46D7-B513-2D04264C1984}">
+          <p14:sldIdLst>
+            <p14:sldId id="294"/>
+            <p14:sldId id="275"/>
+            <p14:sldId id="276"/>
+            <p14:sldId id="277"/>
+            <p14:sldId id="278"/>
+            <p14:sldId id="282"/>
+            <p14:sldId id="284"/>
+          </p14:sldIdLst>
+        </p14:section>
+      </p14:sectionLst>
+    </p:ext>
     <p:ext uri="{EFAFB233-063F-42B5-8137-9DF3F51BA10A}">
       <p15:sldGuideLst xmlns:p15="http://schemas.microsoft.com/office/powerpoint/2012/main"/>
     </p:ext>
   </p:extLst>
 </p:presentation>
+</file>
+
+<file path=ppt/notesMasters/notesMaster1.xml><?xml version="1.0" encoding="utf-8"?>
+<p:notesMaster xmlns:a="http://schemas.openxmlformats.org/drawingml/2006/main" xmlns:r="http://schemas.openxmlformats.org/officeDocument/2006/relationships" xmlns:p="http://schemas.openxmlformats.org/presentationml/2006/main">
+  <p:cSld>
+    <p:bg>
+      <p:bgRef idx="1001">
+        <a:schemeClr val="bg1"/>
+      </p:bgRef>
+    </p:bg>
+    <p:spTree>
+      <p:nvGrpSpPr>
+        <p:cNvPr id="1" name=""/>
+        <p:cNvGrpSpPr/>
+        <p:nvPr/>
+      </p:nvGrpSpPr>
+      <p:grpSpPr>
+        <a:xfrm>
+          <a:off x="0" y="0"/>
+          <a:ext cx="0" cy="0"/>
+          <a:chOff x="0" y="0"/>
+          <a:chExt cx="0" cy="0"/>
+        </a:xfrm>
+      </p:grpSpPr>
+      <p:sp>
+        <p:nvSpPr>
+          <p:cNvPr id="2" name="Header Placeholder 1"/>
+          <p:cNvSpPr>
+            <a:spLocks noGrp="1"/>
+          </p:cNvSpPr>
+          <p:nvPr>
+            <p:ph type="hdr" sz="quarter"/>
+          </p:nvPr>
+        </p:nvSpPr>
+        <p:spPr>
+          <a:xfrm>
+            <a:off x="0" y="0"/>
+            <a:ext cx="2971800" cy="458788"/>
+          </a:xfrm>
+          <a:prstGeom prst="rect">
+            <a:avLst/>
+          </a:prstGeom>
+        </p:spPr>
+        <p:txBody>
+          <a:bodyPr vert="horz" lIns="91440" tIns="45720" rIns="91440" bIns="45720" rtlCol="0"/>
+          <a:lstStyle>
+            <a:lvl1pPr algn="l">
+              <a:defRPr sz="1200"/>
+            </a:lvl1pPr>
+          </a:lstStyle>
+          <a:p>
+            <a:endParaRPr lang="en-US"/>
+          </a:p>
+        </p:txBody>
+      </p:sp>
+      <p:sp>
+        <p:nvSpPr>
+          <p:cNvPr id="3" name="Date Placeholder 2"/>
+          <p:cNvSpPr>
+            <a:spLocks noGrp="1"/>
+          </p:cNvSpPr>
+          <p:nvPr>
+            <p:ph type="dt" idx="1"/>
+          </p:nvPr>
+        </p:nvSpPr>
+        <p:spPr>
+          <a:xfrm>
+            <a:off x="3884613" y="0"/>
+            <a:ext cx="2971800" cy="458788"/>
+          </a:xfrm>
+          <a:prstGeom prst="rect">
+            <a:avLst/>
+          </a:prstGeom>
+        </p:spPr>
+        <p:txBody>
+          <a:bodyPr vert="horz" lIns="91440" tIns="45720" rIns="91440" bIns="45720" rtlCol="0"/>
+          <a:lstStyle>
+            <a:lvl1pPr algn="r">
+              <a:defRPr sz="1200"/>
+            </a:lvl1pPr>
+          </a:lstStyle>
+          <a:p>
+            <a:fld id="{F6529B8E-13CB-4C11-974D-DD895F60A2CF}" type="datetimeFigureOut">
+              <a:rPr lang="en-US" smtClean="0"/>
+              <a:t>3/21/17</a:t>
+            </a:fld>
+            <a:endParaRPr lang="en-US"/>
+          </a:p>
+        </p:txBody>
+      </p:sp>
+      <p:sp>
+        <p:nvSpPr>
+          <p:cNvPr id="4" name="Slide Image Placeholder 3"/>
+          <p:cNvSpPr>
+            <a:spLocks noGrp="1" noRot="1" noChangeAspect="1"/>
+          </p:cNvSpPr>
+          <p:nvPr>
+            <p:ph type="sldImg" idx="2"/>
+          </p:nvPr>
+        </p:nvSpPr>
+        <p:spPr>
+          <a:xfrm>
+            <a:off x="685800" y="1143000"/>
+            <a:ext cx="5486400" cy="3086100"/>
+          </a:xfrm>
+          <a:prstGeom prst="rect">
+            <a:avLst/>
+          </a:prstGeom>
+          <a:noFill/>
+          <a:ln w="12700">
+            <a:solidFill>
+              <a:prstClr val="black"/>
+            </a:solidFill>
+          </a:ln>
+        </p:spPr>
+        <p:txBody>
+          <a:bodyPr vert="horz" lIns="91440" tIns="45720" rIns="91440" bIns="45720" rtlCol="0" anchor="ctr"/>
+          <a:lstStyle/>
+          <a:p>
+            <a:endParaRPr lang="en-US"/>
+          </a:p>
+        </p:txBody>
+      </p:sp>
+      <p:sp>
+        <p:nvSpPr>
+          <p:cNvPr id="5" name="Notes Placeholder 4"/>
+          <p:cNvSpPr>
+            <a:spLocks noGrp="1"/>
+          </p:cNvSpPr>
+          <p:nvPr>
+            <p:ph type="body" sz="quarter" idx="3"/>
+          </p:nvPr>
+        </p:nvSpPr>
+        <p:spPr>
+          <a:xfrm>
+            <a:off x="685800" y="4400550"/>
+            <a:ext cx="5486400" cy="3600450"/>
+          </a:xfrm>
+          <a:prstGeom prst="rect">
+            <a:avLst/>
+          </a:prstGeom>
+        </p:spPr>
+        <p:txBody>
+          <a:bodyPr vert="horz" lIns="91440" tIns="45720" rIns="91440" bIns="45720" rtlCol="0"/>
+          <a:lstStyle/>
+          <a:p>
+            <a:pPr lvl="0"/>
+            <a:r>
+              <a:rPr lang="en-US"/>
+              <a:t>Edit Master text styles</a:t>
+            </a:r>
+          </a:p>
+          <a:p>
+            <a:pPr lvl="1"/>
+            <a:r>
+              <a:rPr lang="en-US"/>
+              <a:t>Second level</a:t>
+            </a:r>
+          </a:p>
+          <a:p>
+            <a:pPr lvl="2"/>
+            <a:r>
+              <a:rPr lang="en-US"/>
+              <a:t>Third level</a:t>
+            </a:r>
+          </a:p>
+          <a:p>
+            <a:pPr lvl="3"/>
+            <a:r>
+              <a:rPr lang="en-US"/>
+              <a:t>Fourth level</a:t>
+            </a:r>
+          </a:p>
+          <a:p>
+            <a:pPr lvl="4"/>
+            <a:r>
+              <a:rPr lang="en-US"/>
+              <a:t>Fifth level</a:t>
+            </a:r>
+            <a:endParaRPr lang="en-US"/>
+          </a:p>
+        </p:txBody>
+      </p:sp>
+      <p:sp>
+        <p:nvSpPr>
+          <p:cNvPr id="6" name="Footer Placeholder 5"/>
+          <p:cNvSpPr>
+            <a:spLocks noGrp="1"/>
+          </p:cNvSpPr>
+          <p:nvPr>
+            <p:ph type="ftr" sz="quarter" idx="4"/>
+          </p:nvPr>
+        </p:nvSpPr>
+        <p:spPr>
+          <a:xfrm>
+            <a:off x="0" y="8685213"/>
+            <a:ext cx="2971800" cy="458787"/>
+          </a:xfrm>
+          <a:prstGeom prst="rect">
+            <a:avLst/>
+          </a:prstGeom>
+        </p:spPr>
+        <p:txBody>
+          <a:bodyPr vert="horz" lIns="91440" tIns="45720" rIns="91440" bIns="45720" rtlCol="0" anchor="b"/>
+          <a:lstStyle>
+            <a:lvl1pPr algn="l">
+              <a:defRPr sz="1200"/>
+            </a:lvl1pPr>
+          </a:lstStyle>
+          <a:p>
+            <a:endParaRPr lang="en-US"/>
+          </a:p>
+        </p:txBody>
+      </p:sp>
+      <p:sp>
+        <p:nvSpPr>
+          <p:cNvPr id="7" name="Slide Number Placeholder 6"/>
+          <p:cNvSpPr>
+            <a:spLocks noGrp="1"/>
+          </p:cNvSpPr>
+          <p:nvPr>
+            <p:ph type="sldNum" sz="quarter" idx="5"/>
+          </p:nvPr>
+        </p:nvSpPr>
+        <p:spPr>
+          <a:xfrm>
+            <a:off x="3884613" y="8685213"/>
+            <a:ext cx="2971800" cy="458787"/>
+          </a:xfrm>
+          <a:prstGeom prst="rect">
+            <a:avLst/>
+          </a:prstGeom>
+        </p:spPr>
+        <p:txBody>
+          <a:bodyPr vert="horz" lIns="91440" tIns="45720" rIns="91440" bIns="45720" rtlCol="0" anchor="b"/>
+          <a:lstStyle>
+            <a:lvl1pPr algn="r">
+              <a:defRPr sz="1200"/>
+            </a:lvl1pPr>
+          </a:lstStyle>
+          <a:p>
+            <a:fld id="{DEED50C7-8D19-4923-9863-FA7237BBE36B}" type="slidenum">
+              <a:rPr lang="en-US" smtClean="0"/>
+              <a:t>‹#›</a:t>
+            </a:fld>
+            <a:endParaRPr lang="en-US"/>
+          </a:p>
+        </p:txBody>
+      </p:sp>
+    </p:spTree>
+    <p:extLst>
+      <p:ext uri="{BB962C8B-B14F-4D97-AF65-F5344CB8AC3E}">
+        <p14:creationId xmlns:p14="http://schemas.microsoft.com/office/powerpoint/2010/main" val="3286988643"/>
+      </p:ext>
+    </p:extLst>
+  </p:cSld>
+  <p:clrMap bg1="lt1" tx1="dk1" bg2="lt2" tx2="dk2" accent1="accent1" accent2="accent2" accent3="accent3" accent4="accent4" accent5="accent5" accent6="accent6" hlink="hlink" folHlink="folHlink"/>
+  <p:notesStyle>
+    <a:lvl1pPr marL="0" algn="l" defTabSz="914400" rtl="0" eaLnBrk="1" latinLnBrk="0" hangingPunct="1">
+      <a:defRPr sz="1200" kern="1200">
+        <a:solidFill>
+          <a:schemeClr val="tx1"/>
+        </a:solidFill>
+        <a:latin typeface="+mn-lt"/>
+        <a:ea typeface="+mn-ea"/>
+        <a:cs typeface="+mn-cs"/>
+      </a:defRPr>
+    </a:lvl1pPr>
+    <a:lvl2pPr marL="457200" algn="l" defTabSz="914400" rtl="0" eaLnBrk="1" latinLnBrk="0" hangingPunct="1">
+      <a:defRPr sz="1200" kern="1200">
+        <a:solidFill>
+          <a:schemeClr val="tx1"/>
+        </a:solidFill>
+        <a:latin typeface="+mn-lt"/>
+        <a:ea typeface="+mn-ea"/>
+        <a:cs typeface="+mn-cs"/>
+      </a:defRPr>
+    </a:lvl2pPr>
+    <a:lvl3pPr marL="914400" algn="l" defTabSz="914400" rtl="0" eaLnBrk="1" latinLnBrk="0" hangingPunct="1">
+      <a:defRPr sz="1200" kern="1200">
+        <a:solidFill>
+          <a:schemeClr val="tx1"/>
+        </a:solidFill>
+        <a:latin typeface="+mn-lt"/>
+        <a:ea typeface="+mn-ea"/>
+        <a:cs typeface="+mn-cs"/>
+      </a:defRPr>
+    </a:lvl3pPr>
+    <a:lvl4pPr marL="1371600" algn="l" defTabSz="914400" rtl="0" eaLnBrk="1" latinLnBrk="0" hangingPunct="1">
+      <a:defRPr sz="1200" kern="1200">
+        <a:solidFill>
+          <a:schemeClr val="tx1"/>
+        </a:solidFill>
+        <a:latin typeface="+mn-lt"/>
+        <a:ea typeface="+mn-ea"/>
+        <a:cs typeface="+mn-cs"/>
+      </a:defRPr>
+    </a:lvl4pPr>
+    <a:lvl5pPr marL="1828800" algn="l" defTabSz="914400" rtl="0" eaLnBrk="1" latinLnBrk="0" hangingPunct="1">
+      <a:defRPr sz="1200" kern="1200">
+        <a:solidFill>
+          <a:schemeClr val="tx1"/>
+        </a:solidFill>
+        <a:latin typeface="+mn-lt"/>
+        <a:ea typeface="+mn-ea"/>
+        <a:cs typeface="+mn-cs"/>
+      </a:defRPr>
+    </a:lvl5pPr>
+    <a:lvl6pPr marL="2286000" algn="l" defTabSz="914400" rtl="0" eaLnBrk="1" latinLnBrk="0" hangingPunct="1">
+      <a:defRPr sz="1200" kern="1200">
+        <a:solidFill>
+          <a:schemeClr val="tx1"/>
+        </a:solidFill>
+        <a:latin typeface="+mn-lt"/>
+        <a:ea typeface="+mn-ea"/>
+        <a:cs typeface="+mn-cs"/>
+      </a:defRPr>
+    </a:lvl6pPr>
+    <a:lvl7pPr marL="2743200" algn="l" defTabSz="914400" rtl="0" eaLnBrk="1" latinLnBrk="0" hangingPunct="1">
+      <a:defRPr sz="1200" kern="1200">
+        <a:solidFill>
+          <a:schemeClr val="tx1"/>
+        </a:solidFill>
+        <a:latin typeface="+mn-lt"/>
+        <a:ea typeface="+mn-ea"/>
+        <a:cs typeface="+mn-cs"/>
+      </a:defRPr>
+    </a:lvl7pPr>
+    <a:lvl8pPr marL="3200400" algn="l" defTabSz="914400" rtl="0" eaLnBrk="1" latinLnBrk="0" hangingPunct="1">
+      <a:defRPr sz="1200" kern="1200">
+        <a:solidFill>
+          <a:schemeClr val="tx1"/>
+        </a:solidFill>
+        <a:latin typeface="+mn-lt"/>
+        <a:ea typeface="+mn-ea"/>
+        <a:cs typeface="+mn-cs"/>
+      </a:defRPr>
+    </a:lvl8pPr>
+    <a:lvl9pPr marL="3657600" algn="l" defTabSz="914400" rtl="0" eaLnBrk="1" latinLnBrk="0" hangingPunct="1">
+      <a:defRPr sz="1200" kern="1200">
+        <a:solidFill>
+          <a:schemeClr val="tx1"/>
+        </a:solidFill>
+        <a:latin typeface="+mn-lt"/>
+        <a:ea typeface="+mn-ea"/>
+        <a:cs typeface="+mn-cs"/>
+      </a:defRPr>
+    </a:lvl9pPr>
+  </p:notesStyle>
+</p:notesMaster>
+</file>
+
+<file path=ppt/notesSlides/notesSlide1.xml><?xml version="1.0" encoding="utf-8"?>
+<p:notes xmlns:a="http://schemas.openxmlformats.org/drawingml/2006/main" xmlns:r="http://schemas.openxmlformats.org/officeDocument/2006/relationships" xmlns:p="http://schemas.openxmlformats.org/presentationml/2006/main">
+  <p:cSld>
+    <p:spTree>
+      <p:nvGrpSpPr>
+        <p:cNvPr id="1" name=""/>
+        <p:cNvGrpSpPr/>
+        <p:nvPr/>
+      </p:nvGrpSpPr>
+      <p:grpSpPr>
+        <a:xfrm>
+          <a:off x="0" y="0"/>
+          <a:ext cx="0" cy="0"/>
+          <a:chOff x="0" y="0"/>
+          <a:chExt cx="0" cy="0"/>
+        </a:xfrm>
+      </p:grpSpPr>
+      <p:sp>
+        <p:nvSpPr>
+          <p:cNvPr id="2" name="Slide Image Placeholder 1"/>
+          <p:cNvSpPr>
+            <a:spLocks noGrp="1" noRot="1" noChangeAspect="1"/>
+          </p:cNvSpPr>
+          <p:nvPr>
+            <p:ph type="sldImg"/>
+          </p:nvPr>
+        </p:nvSpPr>
+        <p:spPr/>
+      </p:sp>
+      <p:sp>
+        <p:nvSpPr>
+          <p:cNvPr id="3" name="Notes Placeholder 2"/>
+          <p:cNvSpPr>
+            <a:spLocks noGrp="1"/>
+          </p:cNvSpPr>
+          <p:nvPr>
+            <p:ph type="body" idx="1"/>
+          </p:nvPr>
+        </p:nvSpPr>
+        <p:spPr/>
+        <p:txBody>
+          <a:bodyPr/>
+          <a:lstStyle/>
+          <a:p>
+            <a:r>
+              <a:rPr lang="en-US" dirty="0"/>
+              <a:t>I plan to cover:</a:t>
+            </a:r>
+          </a:p>
+          <a:p>
+            <a:r>
+              <a:rPr lang="en-US" dirty="0"/>
+              <a:t>Some general graph DB concepts</a:t>
+            </a:r>
+          </a:p>
+          <a:p>
+            <a:r>
+              <a:rPr lang="en-US" dirty="0"/>
+              <a:t>Some popular</a:t>
+            </a:r>
+            <a:r>
+              <a:rPr lang="en-US" baseline="0" dirty="0"/>
+              <a:t> graph DB engines</a:t>
+            </a:r>
+          </a:p>
+          <a:p>
+            <a:r>
+              <a:rPr lang="en-US" baseline="0" dirty="0"/>
+              <a:t>Why you might use graph DBs</a:t>
+            </a:r>
+          </a:p>
+          <a:p>
+            <a:r>
+              <a:rPr lang="en-US" baseline="0" dirty="0"/>
+              <a:t>Use cases and case studies</a:t>
+            </a:r>
+          </a:p>
+          <a:p>
+            <a:r>
+              <a:rPr lang="en-US" baseline="0" dirty="0"/>
+              <a:t>Query syntax for Neo4j – specifically the Cypher query language</a:t>
+            </a:r>
+          </a:p>
+          <a:p>
+            <a:r>
+              <a:rPr lang="en-US" baseline="0" dirty="0"/>
+              <a:t>And a brief web API showing Neo4j in action</a:t>
+            </a:r>
+            <a:endParaRPr lang="en-US" dirty="0"/>
+          </a:p>
+        </p:txBody>
+      </p:sp>
+      <p:sp>
+        <p:nvSpPr>
+          <p:cNvPr id="4" name="Slide Number Placeholder 3"/>
+          <p:cNvSpPr>
+            <a:spLocks noGrp="1"/>
+          </p:cNvSpPr>
+          <p:nvPr>
+            <p:ph type="sldNum" sz="quarter" idx="10"/>
+          </p:nvPr>
+        </p:nvSpPr>
+        <p:spPr/>
+        <p:txBody>
+          <a:bodyPr/>
+          <a:lstStyle/>
+          <a:p>
+            <a:fld id="{DEED50C7-8D19-4923-9863-FA7237BBE36B}" type="slidenum">
+              <a:rPr lang="en-US" smtClean="0"/>
+              <a:t>1</a:t>
+            </a:fld>
+            <a:endParaRPr lang="en-US"/>
+          </a:p>
+        </p:txBody>
+      </p:sp>
+    </p:spTree>
+    <p:extLst>
+      <p:ext uri="{BB962C8B-B14F-4D97-AF65-F5344CB8AC3E}">
+        <p14:creationId xmlns:p14="http://schemas.microsoft.com/office/powerpoint/2010/main" val="466480781"/>
+      </p:ext>
+    </p:extLst>
+  </p:cSld>
+  <p:clrMapOvr>
+    <a:masterClrMapping/>
+  </p:clrMapOvr>
+</p:notes>
+</file>
+
+<file path=ppt/notesSlides/notesSlide10.xml><?xml version="1.0" encoding="utf-8"?>
+<p:notes xmlns:a="http://schemas.openxmlformats.org/drawingml/2006/main" xmlns:r="http://schemas.openxmlformats.org/officeDocument/2006/relationships" xmlns:p="http://schemas.openxmlformats.org/presentationml/2006/main">
+  <p:cSld>
+    <p:spTree>
+      <p:nvGrpSpPr>
+        <p:cNvPr id="1" name=""/>
+        <p:cNvGrpSpPr/>
+        <p:nvPr/>
+      </p:nvGrpSpPr>
+      <p:grpSpPr>
+        <a:xfrm>
+          <a:off x="0" y="0"/>
+          <a:ext cx="0" cy="0"/>
+          <a:chOff x="0" y="0"/>
+          <a:chExt cx="0" cy="0"/>
+        </a:xfrm>
+      </p:grpSpPr>
+      <p:sp>
+        <p:nvSpPr>
+          <p:cNvPr id="2" name="Slide Image Placeholder 1"/>
+          <p:cNvSpPr>
+            <a:spLocks noGrp="1" noRot="1" noChangeAspect="1"/>
+          </p:cNvSpPr>
+          <p:nvPr>
+            <p:ph type="sldImg"/>
+          </p:nvPr>
+        </p:nvSpPr>
+        <p:spPr/>
+      </p:sp>
+      <p:sp>
+        <p:nvSpPr>
+          <p:cNvPr id="3" name="Notes Placeholder 2"/>
+          <p:cNvSpPr>
+            <a:spLocks noGrp="1"/>
+          </p:cNvSpPr>
+          <p:nvPr>
+            <p:ph type="body" idx="1"/>
+          </p:nvPr>
+        </p:nvSpPr>
+        <p:spPr/>
+        <p:txBody>
+          <a:bodyPr/>
+          <a:lstStyle/>
+          <a:p>
+            <a:r>
+              <a:rPr lang="en-US" baseline="0" dirty="0"/>
+              <a:t>As you can see there are many different graph DB players in the market.   I’m going to compare a few of them next, but there are many others out there as well.</a:t>
+            </a:r>
+          </a:p>
+        </p:txBody>
+      </p:sp>
+      <p:sp>
+        <p:nvSpPr>
+          <p:cNvPr id="4" name="Slide Number Placeholder 3"/>
+          <p:cNvSpPr>
+            <a:spLocks noGrp="1"/>
+          </p:cNvSpPr>
+          <p:nvPr>
+            <p:ph type="sldNum" sz="quarter" idx="10"/>
+          </p:nvPr>
+        </p:nvSpPr>
+        <p:spPr/>
+        <p:txBody>
+          <a:bodyPr/>
+          <a:lstStyle/>
+          <a:p>
+            <a:fld id="{DEED50C7-8D19-4923-9863-FA7237BBE36B}" type="slidenum">
+              <a:rPr lang="en-US" smtClean="0"/>
+              <a:t>17</a:t>
+            </a:fld>
+            <a:endParaRPr lang="en-US"/>
+          </a:p>
+        </p:txBody>
+      </p:sp>
+    </p:spTree>
+    <p:extLst>
+      <p:ext uri="{BB962C8B-B14F-4D97-AF65-F5344CB8AC3E}">
+        <p14:creationId xmlns:p14="http://schemas.microsoft.com/office/powerpoint/2010/main" val="3332592352"/>
+      </p:ext>
+    </p:extLst>
+  </p:cSld>
+  <p:clrMapOvr>
+    <a:masterClrMapping/>
+  </p:clrMapOvr>
+</p:notes>
+</file>
+
+<file path=ppt/notesSlides/notesSlide11.xml><?xml version="1.0" encoding="utf-8"?>
+<p:notes xmlns:a="http://schemas.openxmlformats.org/drawingml/2006/main" xmlns:r="http://schemas.openxmlformats.org/officeDocument/2006/relationships" xmlns:p="http://schemas.openxmlformats.org/presentationml/2006/main">
+  <p:cSld>
+    <p:spTree>
+      <p:nvGrpSpPr>
+        <p:cNvPr id="1" name=""/>
+        <p:cNvGrpSpPr/>
+        <p:nvPr/>
+      </p:nvGrpSpPr>
+      <p:grpSpPr>
+        <a:xfrm>
+          <a:off x="0" y="0"/>
+          <a:ext cx="0" cy="0"/>
+          <a:chOff x="0" y="0"/>
+          <a:chExt cx="0" cy="0"/>
+        </a:xfrm>
+      </p:grpSpPr>
+      <p:sp>
+        <p:nvSpPr>
+          <p:cNvPr id="2" name="Slide Image Placeholder 1"/>
+          <p:cNvSpPr>
+            <a:spLocks noGrp="1" noRot="1" noChangeAspect="1"/>
+          </p:cNvSpPr>
+          <p:nvPr>
+            <p:ph type="sldImg"/>
+          </p:nvPr>
+        </p:nvSpPr>
+        <p:spPr/>
+      </p:sp>
+      <p:sp>
+        <p:nvSpPr>
+          <p:cNvPr id="3" name="Notes Placeholder 2"/>
+          <p:cNvSpPr>
+            <a:spLocks noGrp="1"/>
+          </p:cNvSpPr>
+          <p:nvPr>
+            <p:ph type="body" idx="1"/>
+          </p:nvPr>
+        </p:nvSpPr>
+        <p:spPr/>
+        <p:txBody>
+          <a:bodyPr/>
+          <a:lstStyle/>
+          <a:p>
+            <a:r>
+              <a:rPr lang="en-US" dirty="0"/>
+              <a:t>Pros</a:t>
+            </a:r>
+            <a:r>
+              <a:rPr lang="en-US" baseline="0" dirty="0"/>
+              <a:t> – you can find answers easily, very mature, there are yearly neo4j conferences available and lots of training options</a:t>
+            </a:r>
+          </a:p>
+          <a:p>
+            <a:r>
+              <a:rPr lang="en-US" baseline="0" dirty="0"/>
+              <a:t>Cons – means you cannot segment your data at the database level.  If you need that kind of segmentation, you need to create root nodes and query based on your root nodes.</a:t>
+            </a:r>
+            <a:endParaRPr lang="en-US" dirty="0"/>
+          </a:p>
+        </p:txBody>
+      </p:sp>
+      <p:sp>
+        <p:nvSpPr>
+          <p:cNvPr id="4" name="Slide Number Placeholder 3"/>
+          <p:cNvSpPr>
+            <a:spLocks noGrp="1"/>
+          </p:cNvSpPr>
+          <p:nvPr>
+            <p:ph type="sldNum" sz="quarter" idx="10"/>
+          </p:nvPr>
+        </p:nvSpPr>
+        <p:spPr/>
+        <p:txBody>
+          <a:bodyPr/>
+          <a:lstStyle/>
+          <a:p>
+            <a:fld id="{DEED50C7-8D19-4923-9863-FA7237BBE36B}" type="slidenum">
+              <a:rPr lang="en-US" smtClean="0"/>
+              <a:t>18</a:t>
+            </a:fld>
+            <a:endParaRPr lang="en-US"/>
+          </a:p>
+        </p:txBody>
+      </p:sp>
+    </p:spTree>
+    <p:extLst>
+      <p:ext uri="{BB962C8B-B14F-4D97-AF65-F5344CB8AC3E}">
+        <p14:creationId xmlns:p14="http://schemas.microsoft.com/office/powerpoint/2010/main" val="3431311784"/>
+      </p:ext>
+    </p:extLst>
+  </p:cSld>
+  <p:clrMapOvr>
+    <a:masterClrMapping/>
+  </p:clrMapOvr>
+</p:notes>
+</file>
+
+<file path=ppt/notesSlides/notesSlide12.xml><?xml version="1.0" encoding="utf-8"?>
+<p:notes xmlns:a="http://schemas.openxmlformats.org/drawingml/2006/main" xmlns:r="http://schemas.openxmlformats.org/officeDocument/2006/relationships" xmlns:p="http://schemas.openxmlformats.org/presentationml/2006/main">
+  <p:cSld>
+    <p:spTree>
+      <p:nvGrpSpPr>
+        <p:cNvPr id="1" name=""/>
+        <p:cNvGrpSpPr/>
+        <p:nvPr/>
+      </p:nvGrpSpPr>
+      <p:grpSpPr>
+        <a:xfrm>
+          <a:off x="0" y="0"/>
+          <a:ext cx="0" cy="0"/>
+          <a:chOff x="0" y="0"/>
+          <a:chExt cx="0" cy="0"/>
+        </a:xfrm>
+      </p:grpSpPr>
+      <p:sp>
+        <p:nvSpPr>
+          <p:cNvPr id="2" name="Slide Image Placeholder 1"/>
+          <p:cNvSpPr>
+            <a:spLocks noGrp="1" noRot="1" noChangeAspect="1"/>
+          </p:cNvSpPr>
+          <p:nvPr>
+            <p:ph type="sldImg"/>
+          </p:nvPr>
+        </p:nvSpPr>
+        <p:spPr/>
+      </p:sp>
+      <p:sp>
+        <p:nvSpPr>
+          <p:cNvPr id="3" name="Notes Placeholder 2"/>
+          <p:cNvSpPr>
+            <a:spLocks noGrp="1"/>
+          </p:cNvSpPr>
+          <p:nvPr>
+            <p:ph type="body" idx="1"/>
+          </p:nvPr>
+        </p:nvSpPr>
+        <p:spPr/>
+        <p:txBody>
+          <a:bodyPr/>
+          <a:lstStyle/>
+          <a:p>
+            <a:r>
+              <a:rPr lang="en-US" dirty="0"/>
+              <a:t>Cons</a:t>
+            </a:r>
+            <a:r>
+              <a:rPr lang="en-US" baseline="0" dirty="0"/>
+              <a:t> – need to wrap the java application in something like </a:t>
+            </a:r>
+            <a:r>
+              <a:rPr lang="en-US" baseline="0" dirty="0" err="1"/>
+              <a:t>Procrun</a:t>
+            </a:r>
+            <a:r>
+              <a:rPr lang="en-US" baseline="0" dirty="0"/>
+              <a:t> in order to run as a windows service – no production support for windows service installation</a:t>
+            </a:r>
+          </a:p>
+          <a:p>
+            <a:endParaRPr lang="en-US" dirty="0"/>
+          </a:p>
+        </p:txBody>
+      </p:sp>
+      <p:sp>
+        <p:nvSpPr>
+          <p:cNvPr id="4" name="Slide Number Placeholder 3"/>
+          <p:cNvSpPr>
+            <a:spLocks noGrp="1"/>
+          </p:cNvSpPr>
+          <p:nvPr>
+            <p:ph type="sldNum" sz="quarter" idx="10"/>
+          </p:nvPr>
+        </p:nvSpPr>
+        <p:spPr/>
+        <p:txBody>
+          <a:bodyPr/>
+          <a:lstStyle/>
+          <a:p>
+            <a:fld id="{DEED50C7-8D19-4923-9863-FA7237BBE36B}" type="slidenum">
+              <a:rPr lang="en-US" smtClean="0"/>
+              <a:t>19</a:t>
+            </a:fld>
+            <a:endParaRPr lang="en-US"/>
+          </a:p>
+        </p:txBody>
+      </p:sp>
+    </p:spTree>
+    <p:extLst>
+      <p:ext uri="{BB962C8B-B14F-4D97-AF65-F5344CB8AC3E}">
+        <p14:creationId xmlns:p14="http://schemas.microsoft.com/office/powerpoint/2010/main" val="750881907"/>
+      </p:ext>
+    </p:extLst>
+  </p:cSld>
+  <p:clrMapOvr>
+    <a:masterClrMapping/>
+  </p:clrMapOvr>
+</p:notes>
+</file>
+
+<file path=ppt/notesSlides/notesSlide13.xml><?xml version="1.0" encoding="utf-8"?>
+<p:notes xmlns:a="http://schemas.openxmlformats.org/drawingml/2006/main" xmlns:r="http://schemas.openxmlformats.org/officeDocument/2006/relationships" xmlns:p="http://schemas.openxmlformats.org/presentationml/2006/main">
+  <p:cSld>
+    <p:spTree>
+      <p:nvGrpSpPr>
+        <p:cNvPr id="1" name=""/>
+        <p:cNvGrpSpPr/>
+        <p:nvPr/>
+      </p:nvGrpSpPr>
+      <p:grpSpPr>
+        <a:xfrm>
+          <a:off x="0" y="0"/>
+          <a:ext cx="0" cy="0"/>
+          <a:chOff x="0" y="0"/>
+          <a:chExt cx="0" cy="0"/>
+        </a:xfrm>
+      </p:grpSpPr>
+      <p:sp>
+        <p:nvSpPr>
+          <p:cNvPr id="2" name="Slide Image Placeholder 1"/>
+          <p:cNvSpPr>
+            <a:spLocks noGrp="1" noRot="1" noChangeAspect="1"/>
+          </p:cNvSpPr>
+          <p:nvPr>
+            <p:ph type="sldImg"/>
+          </p:nvPr>
+        </p:nvSpPr>
+        <p:spPr/>
+      </p:sp>
+      <p:sp>
+        <p:nvSpPr>
+          <p:cNvPr id="3" name="Notes Placeholder 2"/>
+          <p:cNvSpPr>
+            <a:spLocks noGrp="1"/>
+          </p:cNvSpPr>
+          <p:nvPr>
+            <p:ph type="body" idx="1"/>
+          </p:nvPr>
+        </p:nvSpPr>
+        <p:spPr/>
+        <p:txBody>
+          <a:bodyPr/>
+          <a:lstStyle/>
+          <a:p>
+            <a:r>
+              <a:rPr lang="en-US" dirty="0" err="1"/>
+              <a:t>GraphQL</a:t>
+            </a:r>
+            <a:r>
+              <a:rPr lang="en-US" baseline="0" dirty="0"/>
+              <a:t> – a query language for your API</a:t>
+            </a:r>
+          </a:p>
+          <a:p>
+            <a:r>
+              <a:rPr lang="en-US" baseline="0" dirty="0"/>
+              <a:t>Pros – Up and comer</a:t>
+            </a:r>
+          </a:p>
+          <a:p>
+            <a:r>
+              <a:rPr lang="en-US" baseline="0" dirty="0"/>
+              <a:t>Cons – not mature, not a lot of community support, and absolutely no ability to run it in Windows in production.</a:t>
+            </a:r>
+            <a:endParaRPr lang="en-US" dirty="0"/>
+          </a:p>
+        </p:txBody>
+      </p:sp>
+      <p:sp>
+        <p:nvSpPr>
+          <p:cNvPr id="4" name="Slide Number Placeholder 3"/>
+          <p:cNvSpPr>
+            <a:spLocks noGrp="1"/>
+          </p:cNvSpPr>
+          <p:nvPr>
+            <p:ph type="sldNum" sz="quarter" idx="10"/>
+          </p:nvPr>
+        </p:nvSpPr>
+        <p:spPr/>
+        <p:txBody>
+          <a:bodyPr/>
+          <a:lstStyle/>
+          <a:p>
+            <a:fld id="{DEED50C7-8D19-4923-9863-FA7237BBE36B}" type="slidenum">
+              <a:rPr lang="en-US" smtClean="0"/>
+              <a:t>20</a:t>
+            </a:fld>
+            <a:endParaRPr lang="en-US"/>
+          </a:p>
+        </p:txBody>
+      </p:sp>
+    </p:spTree>
+    <p:extLst>
+      <p:ext uri="{BB962C8B-B14F-4D97-AF65-F5344CB8AC3E}">
+        <p14:creationId xmlns:p14="http://schemas.microsoft.com/office/powerpoint/2010/main" val="4249862613"/>
+      </p:ext>
+    </p:extLst>
+  </p:cSld>
+  <p:clrMapOvr>
+    <a:masterClrMapping/>
+  </p:clrMapOvr>
+</p:notes>
+</file>
+
+<file path=ppt/notesSlides/notesSlide14.xml><?xml version="1.0" encoding="utf-8"?>
+<p:notes xmlns:a="http://schemas.openxmlformats.org/drawingml/2006/main" xmlns:r="http://schemas.openxmlformats.org/officeDocument/2006/relationships" xmlns:p="http://schemas.openxmlformats.org/presentationml/2006/main">
+  <p:cSld>
+    <p:spTree>
+      <p:nvGrpSpPr>
+        <p:cNvPr id="1" name=""/>
+        <p:cNvGrpSpPr/>
+        <p:nvPr/>
+      </p:nvGrpSpPr>
+      <p:grpSpPr>
+        <a:xfrm>
+          <a:off x="0" y="0"/>
+          <a:ext cx="0" cy="0"/>
+          <a:chOff x="0" y="0"/>
+          <a:chExt cx="0" cy="0"/>
+        </a:xfrm>
+      </p:grpSpPr>
+      <p:sp>
+        <p:nvSpPr>
+          <p:cNvPr id="2" name="Slide Image Placeholder 1"/>
+          <p:cNvSpPr>
+            <a:spLocks noGrp="1" noRot="1" noChangeAspect="1"/>
+          </p:cNvSpPr>
+          <p:nvPr>
+            <p:ph type="sldImg"/>
+          </p:nvPr>
+        </p:nvSpPr>
+        <p:spPr/>
+      </p:sp>
+      <p:sp>
+        <p:nvSpPr>
+          <p:cNvPr id="3" name="Notes Placeholder 2"/>
+          <p:cNvSpPr>
+            <a:spLocks noGrp="1"/>
+          </p:cNvSpPr>
+          <p:nvPr>
+            <p:ph type="body" idx="1"/>
+          </p:nvPr>
+        </p:nvSpPr>
+        <p:spPr/>
+        <p:txBody>
+          <a:bodyPr/>
+          <a:lstStyle/>
+          <a:p>
+            <a:r>
+              <a:rPr lang="en-US" dirty="0"/>
+              <a:t>From</a:t>
+            </a:r>
+            <a:r>
+              <a:rPr lang="en-US" baseline="0" dirty="0"/>
+              <a:t> here on out, I’ll be focusing on Neo4j as it is the most mature and easiest to get up and running.</a:t>
+            </a:r>
+            <a:endParaRPr lang="en-US" dirty="0"/>
+          </a:p>
+        </p:txBody>
+      </p:sp>
+      <p:sp>
+        <p:nvSpPr>
+          <p:cNvPr id="4" name="Slide Number Placeholder 3"/>
+          <p:cNvSpPr>
+            <a:spLocks noGrp="1"/>
+          </p:cNvSpPr>
+          <p:nvPr>
+            <p:ph type="sldNum" sz="quarter" idx="10"/>
+          </p:nvPr>
+        </p:nvSpPr>
+        <p:spPr/>
+        <p:txBody>
+          <a:bodyPr/>
+          <a:lstStyle/>
+          <a:p>
+            <a:fld id="{DEED50C7-8D19-4923-9863-FA7237BBE36B}" type="slidenum">
+              <a:rPr lang="en-US" smtClean="0"/>
+              <a:t>21</a:t>
+            </a:fld>
+            <a:endParaRPr lang="en-US"/>
+          </a:p>
+        </p:txBody>
+      </p:sp>
+    </p:spTree>
+    <p:extLst>
+      <p:ext uri="{BB962C8B-B14F-4D97-AF65-F5344CB8AC3E}">
+        <p14:creationId xmlns:p14="http://schemas.microsoft.com/office/powerpoint/2010/main" val="3332112049"/>
+      </p:ext>
+    </p:extLst>
+  </p:cSld>
+  <p:clrMapOvr>
+    <a:masterClrMapping/>
+  </p:clrMapOvr>
+</p:notes>
+</file>
+
+<file path=ppt/notesSlides/notesSlide15.xml><?xml version="1.0" encoding="utf-8"?>
+<p:notes xmlns:a="http://schemas.openxmlformats.org/drawingml/2006/main" xmlns:r="http://schemas.openxmlformats.org/officeDocument/2006/relationships" xmlns:p="http://schemas.openxmlformats.org/presentationml/2006/main">
+  <p:cSld>
+    <p:spTree>
+      <p:nvGrpSpPr>
+        <p:cNvPr id="1" name=""/>
+        <p:cNvGrpSpPr/>
+        <p:nvPr/>
+      </p:nvGrpSpPr>
+      <p:grpSpPr>
+        <a:xfrm>
+          <a:off x="0" y="0"/>
+          <a:ext cx="0" cy="0"/>
+          <a:chOff x="0" y="0"/>
+          <a:chExt cx="0" cy="0"/>
+        </a:xfrm>
+      </p:grpSpPr>
+      <p:sp>
+        <p:nvSpPr>
+          <p:cNvPr id="2" name="Slide Image Placeholder 1"/>
+          <p:cNvSpPr>
+            <a:spLocks noGrp="1" noRot="1" noChangeAspect="1"/>
+          </p:cNvSpPr>
+          <p:nvPr>
+            <p:ph type="sldImg"/>
+          </p:nvPr>
+        </p:nvSpPr>
+        <p:spPr/>
+      </p:sp>
+      <p:sp>
+        <p:nvSpPr>
+          <p:cNvPr id="3" name="Notes Placeholder 2"/>
+          <p:cNvSpPr>
+            <a:spLocks noGrp="1"/>
+          </p:cNvSpPr>
+          <p:nvPr>
+            <p:ph type="body" idx="1"/>
+          </p:nvPr>
+        </p:nvSpPr>
+        <p:spPr/>
+        <p:txBody>
+          <a:bodyPr/>
+          <a:lstStyle/>
+          <a:p>
+            <a:r>
+              <a:rPr lang="en-US" dirty="0"/>
+              <a:t>Lucene index – elastic search and </a:t>
+            </a:r>
+            <a:r>
+              <a:rPr lang="en-US" dirty="0" err="1"/>
+              <a:t>solr</a:t>
+            </a:r>
+            <a:endParaRPr lang="en-US" dirty="0"/>
+          </a:p>
+          <a:p>
+            <a:r>
+              <a:rPr lang="en-US" dirty="0"/>
+              <a:t>REST API – all crud operations can be performed using</a:t>
+            </a:r>
+            <a:r>
+              <a:rPr lang="en-US" baseline="0" dirty="0"/>
+              <a:t> the REST API or one of the SDKs available.</a:t>
+            </a:r>
+            <a:endParaRPr lang="en-US" dirty="0"/>
+          </a:p>
+        </p:txBody>
+      </p:sp>
+      <p:sp>
+        <p:nvSpPr>
+          <p:cNvPr id="4" name="Slide Number Placeholder 3"/>
+          <p:cNvSpPr>
+            <a:spLocks noGrp="1"/>
+          </p:cNvSpPr>
+          <p:nvPr>
+            <p:ph type="sldNum" sz="quarter" idx="10"/>
+          </p:nvPr>
+        </p:nvSpPr>
+        <p:spPr/>
+        <p:txBody>
+          <a:bodyPr/>
+          <a:lstStyle/>
+          <a:p>
+            <a:fld id="{DEED50C7-8D19-4923-9863-FA7237BBE36B}" type="slidenum">
+              <a:rPr lang="en-US" smtClean="0"/>
+              <a:t>22</a:t>
+            </a:fld>
+            <a:endParaRPr lang="en-US"/>
+          </a:p>
+        </p:txBody>
+      </p:sp>
+    </p:spTree>
+    <p:extLst>
+      <p:ext uri="{BB962C8B-B14F-4D97-AF65-F5344CB8AC3E}">
+        <p14:creationId xmlns:p14="http://schemas.microsoft.com/office/powerpoint/2010/main" val="3992437412"/>
+      </p:ext>
+    </p:extLst>
+  </p:cSld>
+  <p:clrMapOvr>
+    <a:masterClrMapping/>
+  </p:clrMapOvr>
+</p:notes>
+</file>
+
+<file path=ppt/notesSlides/notesSlide16.xml><?xml version="1.0" encoding="utf-8"?>
+<p:notes xmlns:a="http://schemas.openxmlformats.org/drawingml/2006/main" xmlns:r="http://schemas.openxmlformats.org/officeDocument/2006/relationships" xmlns:p="http://schemas.openxmlformats.org/presentationml/2006/main">
+  <p:cSld>
+    <p:spTree>
+      <p:nvGrpSpPr>
+        <p:cNvPr id="1" name=""/>
+        <p:cNvGrpSpPr/>
+        <p:nvPr/>
+      </p:nvGrpSpPr>
+      <p:grpSpPr>
+        <a:xfrm>
+          <a:off x="0" y="0"/>
+          <a:ext cx="0" cy="0"/>
+          <a:chOff x="0" y="0"/>
+          <a:chExt cx="0" cy="0"/>
+        </a:xfrm>
+      </p:grpSpPr>
+      <p:sp>
+        <p:nvSpPr>
+          <p:cNvPr id="2" name="Slide Image Placeholder 1"/>
+          <p:cNvSpPr>
+            <a:spLocks noGrp="1" noRot="1" noChangeAspect="1"/>
+          </p:cNvSpPr>
+          <p:nvPr>
+            <p:ph type="sldImg"/>
+          </p:nvPr>
+        </p:nvSpPr>
+        <p:spPr/>
+      </p:sp>
+      <p:sp>
+        <p:nvSpPr>
+          <p:cNvPr id="3" name="Notes Placeholder 2"/>
+          <p:cNvSpPr>
+            <a:spLocks noGrp="1"/>
+          </p:cNvSpPr>
+          <p:nvPr>
+            <p:ph type="body" idx="1"/>
+          </p:nvPr>
+        </p:nvSpPr>
+        <p:spPr/>
+        <p:txBody>
+          <a:bodyPr/>
+          <a:lstStyle/>
+          <a:p>
+            <a:r>
+              <a:rPr lang="en-US" dirty="0"/>
+              <a:t>CTE or cursor or stored proc</a:t>
+            </a:r>
+          </a:p>
+          <a:p>
+            <a:r>
+              <a:rPr lang="en-US" dirty="0"/>
+              <a:t>Self – joins,</a:t>
+            </a:r>
+            <a:r>
+              <a:rPr lang="en-US" baseline="0" dirty="0"/>
+              <a:t> hierarchical data</a:t>
+            </a:r>
+            <a:endParaRPr lang="en-US" dirty="0"/>
+          </a:p>
+        </p:txBody>
+      </p:sp>
+      <p:sp>
+        <p:nvSpPr>
+          <p:cNvPr id="4" name="Slide Number Placeholder 3"/>
+          <p:cNvSpPr>
+            <a:spLocks noGrp="1"/>
+          </p:cNvSpPr>
+          <p:nvPr>
+            <p:ph type="sldNum" sz="quarter" idx="10"/>
+          </p:nvPr>
+        </p:nvSpPr>
+        <p:spPr/>
+        <p:txBody>
+          <a:bodyPr/>
+          <a:lstStyle/>
+          <a:p>
+            <a:fld id="{DEED50C7-8D19-4923-9863-FA7237BBE36B}" type="slidenum">
+              <a:rPr lang="en-US" smtClean="0"/>
+              <a:t>23</a:t>
+            </a:fld>
+            <a:endParaRPr lang="en-US"/>
+          </a:p>
+        </p:txBody>
+      </p:sp>
+    </p:spTree>
+    <p:extLst>
+      <p:ext uri="{BB962C8B-B14F-4D97-AF65-F5344CB8AC3E}">
+        <p14:creationId xmlns:p14="http://schemas.microsoft.com/office/powerpoint/2010/main" val="951891663"/>
+      </p:ext>
+    </p:extLst>
+  </p:cSld>
+  <p:clrMapOvr>
+    <a:masterClrMapping/>
+  </p:clrMapOvr>
+</p:notes>
+</file>
+
+<file path=ppt/notesSlides/notesSlide17.xml><?xml version="1.0" encoding="utf-8"?>
+<p:notes xmlns:a="http://schemas.openxmlformats.org/drawingml/2006/main" xmlns:r="http://schemas.openxmlformats.org/officeDocument/2006/relationships" xmlns:p="http://schemas.openxmlformats.org/presentationml/2006/main">
+  <p:cSld>
+    <p:spTree>
+      <p:nvGrpSpPr>
+        <p:cNvPr id="1" name=""/>
+        <p:cNvGrpSpPr/>
+        <p:nvPr/>
+      </p:nvGrpSpPr>
+      <p:grpSpPr>
+        <a:xfrm>
+          <a:off x="0" y="0"/>
+          <a:ext cx="0" cy="0"/>
+          <a:chOff x="0" y="0"/>
+          <a:chExt cx="0" cy="0"/>
+        </a:xfrm>
+      </p:grpSpPr>
+      <p:sp>
+        <p:nvSpPr>
+          <p:cNvPr id="2" name="Slide Image Placeholder 1"/>
+          <p:cNvSpPr>
+            <a:spLocks noGrp="1" noRot="1" noChangeAspect="1"/>
+          </p:cNvSpPr>
+          <p:nvPr>
+            <p:ph type="sldImg"/>
+          </p:nvPr>
+        </p:nvSpPr>
+        <p:spPr/>
+      </p:sp>
+      <p:sp>
+        <p:nvSpPr>
+          <p:cNvPr id="3" name="Notes Placeholder 2"/>
+          <p:cNvSpPr>
+            <a:spLocks noGrp="1"/>
+          </p:cNvSpPr>
+          <p:nvPr>
+            <p:ph type="body" idx="1"/>
+          </p:nvPr>
+        </p:nvSpPr>
+        <p:spPr/>
+        <p:txBody>
+          <a:bodyPr/>
+          <a:lstStyle/>
+          <a:p>
+            <a:endParaRPr lang="en-US" dirty="0"/>
+          </a:p>
+        </p:txBody>
+      </p:sp>
+      <p:sp>
+        <p:nvSpPr>
+          <p:cNvPr id="4" name="Slide Number Placeholder 3"/>
+          <p:cNvSpPr>
+            <a:spLocks noGrp="1"/>
+          </p:cNvSpPr>
+          <p:nvPr>
+            <p:ph type="sldNum" sz="quarter" idx="10"/>
+          </p:nvPr>
+        </p:nvSpPr>
+        <p:spPr/>
+        <p:txBody>
+          <a:bodyPr/>
+          <a:lstStyle/>
+          <a:p>
+            <a:fld id="{DEED50C7-8D19-4923-9863-FA7237BBE36B}" type="slidenum">
+              <a:rPr lang="en-US" smtClean="0"/>
+              <a:t>24</a:t>
+            </a:fld>
+            <a:endParaRPr lang="en-US"/>
+          </a:p>
+        </p:txBody>
+      </p:sp>
+    </p:spTree>
+    <p:extLst>
+      <p:ext uri="{BB962C8B-B14F-4D97-AF65-F5344CB8AC3E}">
+        <p14:creationId xmlns:p14="http://schemas.microsoft.com/office/powerpoint/2010/main" val="3609070906"/>
+      </p:ext>
+    </p:extLst>
+  </p:cSld>
+  <p:clrMapOvr>
+    <a:masterClrMapping/>
+  </p:clrMapOvr>
+</p:notes>
+</file>
+
+<file path=ppt/notesSlides/notesSlide18.xml><?xml version="1.0" encoding="utf-8"?>
+<p:notes xmlns:a="http://schemas.openxmlformats.org/drawingml/2006/main" xmlns:r="http://schemas.openxmlformats.org/officeDocument/2006/relationships" xmlns:p="http://schemas.openxmlformats.org/presentationml/2006/main">
+  <p:cSld>
+    <p:spTree>
+      <p:nvGrpSpPr>
+        <p:cNvPr id="1" name=""/>
+        <p:cNvGrpSpPr/>
+        <p:nvPr/>
+      </p:nvGrpSpPr>
+      <p:grpSpPr>
+        <a:xfrm>
+          <a:off x="0" y="0"/>
+          <a:ext cx="0" cy="0"/>
+          <a:chOff x="0" y="0"/>
+          <a:chExt cx="0" cy="0"/>
+        </a:xfrm>
+      </p:grpSpPr>
+      <p:sp>
+        <p:nvSpPr>
+          <p:cNvPr id="2" name="Slide Image Placeholder 1"/>
+          <p:cNvSpPr>
+            <a:spLocks noGrp="1" noRot="1" noChangeAspect="1"/>
+          </p:cNvSpPr>
+          <p:nvPr>
+            <p:ph type="sldImg"/>
+          </p:nvPr>
+        </p:nvSpPr>
+        <p:spPr/>
+      </p:sp>
+      <p:sp>
+        <p:nvSpPr>
+          <p:cNvPr id="3" name="Notes Placeholder 2"/>
+          <p:cNvSpPr>
+            <a:spLocks noGrp="1"/>
+          </p:cNvSpPr>
+          <p:nvPr>
+            <p:ph type="body" idx="1"/>
+          </p:nvPr>
+        </p:nvSpPr>
+        <p:spPr/>
+        <p:txBody>
+          <a:bodyPr/>
+          <a:lstStyle/>
+          <a:p>
+            <a:endParaRPr lang="en-US" dirty="0"/>
+          </a:p>
+        </p:txBody>
+      </p:sp>
+      <p:sp>
+        <p:nvSpPr>
+          <p:cNvPr id="4" name="Slide Number Placeholder 3"/>
+          <p:cNvSpPr>
+            <a:spLocks noGrp="1"/>
+          </p:cNvSpPr>
+          <p:nvPr>
+            <p:ph type="sldNum" sz="quarter" idx="10"/>
+          </p:nvPr>
+        </p:nvSpPr>
+        <p:spPr/>
+        <p:txBody>
+          <a:bodyPr/>
+          <a:lstStyle/>
+          <a:p>
+            <a:fld id="{DEED50C7-8D19-4923-9863-FA7237BBE36B}" type="slidenum">
+              <a:rPr lang="en-US" smtClean="0"/>
+              <a:t>25</a:t>
+            </a:fld>
+            <a:endParaRPr lang="en-US"/>
+          </a:p>
+        </p:txBody>
+      </p:sp>
+    </p:spTree>
+    <p:extLst>
+      <p:ext uri="{BB962C8B-B14F-4D97-AF65-F5344CB8AC3E}">
+        <p14:creationId xmlns:p14="http://schemas.microsoft.com/office/powerpoint/2010/main" val="2745185784"/>
+      </p:ext>
+    </p:extLst>
+  </p:cSld>
+  <p:clrMapOvr>
+    <a:masterClrMapping/>
+  </p:clrMapOvr>
+</p:notes>
+</file>
+
+<file path=ppt/notesSlides/notesSlide19.xml><?xml version="1.0" encoding="utf-8"?>
+<p:notes xmlns:a="http://schemas.openxmlformats.org/drawingml/2006/main" xmlns:r="http://schemas.openxmlformats.org/officeDocument/2006/relationships" xmlns:p="http://schemas.openxmlformats.org/presentationml/2006/main">
+  <p:cSld>
+    <p:spTree>
+      <p:nvGrpSpPr>
+        <p:cNvPr id="1" name=""/>
+        <p:cNvGrpSpPr/>
+        <p:nvPr/>
+      </p:nvGrpSpPr>
+      <p:grpSpPr>
+        <a:xfrm>
+          <a:off x="0" y="0"/>
+          <a:ext cx="0" cy="0"/>
+          <a:chOff x="0" y="0"/>
+          <a:chExt cx="0" cy="0"/>
+        </a:xfrm>
+      </p:grpSpPr>
+      <p:sp>
+        <p:nvSpPr>
+          <p:cNvPr id="2" name="Slide Image Placeholder 1"/>
+          <p:cNvSpPr>
+            <a:spLocks noGrp="1" noRot="1" noChangeAspect="1"/>
+          </p:cNvSpPr>
+          <p:nvPr>
+            <p:ph type="sldImg"/>
+          </p:nvPr>
+        </p:nvSpPr>
+        <p:spPr/>
+      </p:sp>
+      <p:sp>
+        <p:nvSpPr>
+          <p:cNvPr id="3" name="Notes Placeholder 2"/>
+          <p:cNvSpPr>
+            <a:spLocks noGrp="1"/>
+          </p:cNvSpPr>
+          <p:nvPr>
+            <p:ph type="body" idx="1"/>
+          </p:nvPr>
+        </p:nvSpPr>
+        <p:spPr/>
+        <p:txBody>
+          <a:bodyPr/>
+          <a:lstStyle/>
+          <a:p>
+            <a:endParaRPr lang="en-US" dirty="0"/>
+          </a:p>
+        </p:txBody>
+      </p:sp>
+      <p:sp>
+        <p:nvSpPr>
+          <p:cNvPr id="4" name="Slide Number Placeholder 3"/>
+          <p:cNvSpPr>
+            <a:spLocks noGrp="1"/>
+          </p:cNvSpPr>
+          <p:nvPr>
+            <p:ph type="sldNum" sz="quarter" idx="10"/>
+          </p:nvPr>
+        </p:nvSpPr>
+        <p:spPr/>
+        <p:txBody>
+          <a:bodyPr/>
+          <a:lstStyle/>
+          <a:p>
+            <a:fld id="{DEED50C7-8D19-4923-9863-FA7237BBE36B}" type="slidenum">
+              <a:rPr lang="en-US" smtClean="0"/>
+              <a:t>26</a:t>
+            </a:fld>
+            <a:endParaRPr lang="en-US"/>
+          </a:p>
+        </p:txBody>
+      </p:sp>
+    </p:spTree>
+    <p:extLst>
+      <p:ext uri="{BB962C8B-B14F-4D97-AF65-F5344CB8AC3E}">
+        <p14:creationId xmlns:p14="http://schemas.microsoft.com/office/powerpoint/2010/main" val="543897719"/>
+      </p:ext>
+    </p:extLst>
+  </p:cSld>
+  <p:clrMapOvr>
+    <a:masterClrMapping/>
+  </p:clrMapOvr>
+</p:notes>
+</file>
+
+<file path=ppt/notesSlides/notesSlide2.xml><?xml version="1.0" encoding="utf-8"?>
+<p:notes xmlns:a="http://schemas.openxmlformats.org/drawingml/2006/main" xmlns:r="http://schemas.openxmlformats.org/officeDocument/2006/relationships" xmlns:p="http://schemas.openxmlformats.org/presentationml/2006/main">
+  <p:cSld>
+    <p:spTree>
+      <p:nvGrpSpPr>
+        <p:cNvPr id="1" name=""/>
+        <p:cNvGrpSpPr/>
+        <p:nvPr/>
+      </p:nvGrpSpPr>
+      <p:grpSpPr>
+        <a:xfrm>
+          <a:off x="0" y="0"/>
+          <a:ext cx="0" cy="0"/>
+          <a:chOff x="0" y="0"/>
+          <a:chExt cx="0" cy="0"/>
+        </a:xfrm>
+      </p:grpSpPr>
+      <p:sp>
+        <p:nvSpPr>
+          <p:cNvPr id="2" name="Slide Image Placeholder 1"/>
+          <p:cNvSpPr>
+            <a:spLocks noGrp="1" noRot="1" noChangeAspect="1"/>
+          </p:cNvSpPr>
+          <p:nvPr>
+            <p:ph type="sldImg"/>
+          </p:nvPr>
+        </p:nvSpPr>
+        <p:spPr/>
+      </p:sp>
+      <p:sp>
+        <p:nvSpPr>
+          <p:cNvPr id="3" name="Notes Placeholder 2"/>
+          <p:cNvSpPr>
+            <a:spLocks noGrp="1"/>
+          </p:cNvSpPr>
+          <p:nvPr>
+            <p:ph type="body" idx="1"/>
+          </p:nvPr>
+        </p:nvSpPr>
+        <p:spPr/>
+        <p:txBody>
+          <a:bodyPr/>
+          <a:lstStyle/>
+          <a:p>
+            <a:r>
+              <a:rPr lang="en-US" dirty="0"/>
+              <a:t>Talk</a:t>
+            </a:r>
+            <a:r>
+              <a:rPr lang="en-US" baseline="0" dirty="0"/>
+              <a:t> about my career a little bit – almost 20 years experience in development, most of that full-stack – gravitate toward back end</a:t>
+            </a:r>
+          </a:p>
+          <a:p>
+            <a:r>
+              <a:rPr lang="en-US" baseline="0" dirty="0"/>
+              <a:t>Started looking at data modelling outside the scope of relational databases a few years ago – started with full text search and elastic search, evolving to </a:t>
+            </a:r>
+            <a:r>
+              <a:rPr lang="en-US" baseline="0" dirty="0" err="1"/>
+              <a:t>nosql</a:t>
+            </a:r>
+            <a:r>
+              <a:rPr lang="en-US" baseline="0" dirty="0"/>
+              <a:t> databases and now to graph </a:t>
+            </a:r>
+            <a:r>
+              <a:rPr lang="en-US" baseline="0" dirty="0" err="1"/>
+              <a:t>dbs</a:t>
+            </a:r>
+            <a:endParaRPr lang="en-US" baseline="0" dirty="0"/>
+          </a:p>
+        </p:txBody>
+      </p:sp>
+      <p:sp>
+        <p:nvSpPr>
+          <p:cNvPr id="4" name="Slide Number Placeholder 3"/>
+          <p:cNvSpPr>
+            <a:spLocks noGrp="1"/>
+          </p:cNvSpPr>
+          <p:nvPr>
+            <p:ph type="sldNum" sz="quarter" idx="10"/>
+          </p:nvPr>
+        </p:nvSpPr>
+        <p:spPr/>
+        <p:txBody>
+          <a:bodyPr/>
+          <a:lstStyle/>
+          <a:p>
+            <a:fld id="{DEED50C7-8D19-4923-9863-FA7237BBE36B}" type="slidenum">
+              <a:rPr lang="en-US" smtClean="0"/>
+              <a:t>2</a:t>
+            </a:fld>
+            <a:endParaRPr lang="en-US"/>
+          </a:p>
+        </p:txBody>
+      </p:sp>
+    </p:spTree>
+    <p:extLst>
+      <p:ext uri="{BB962C8B-B14F-4D97-AF65-F5344CB8AC3E}">
+        <p14:creationId xmlns:p14="http://schemas.microsoft.com/office/powerpoint/2010/main" val="941184426"/>
+      </p:ext>
+    </p:extLst>
+  </p:cSld>
+  <p:clrMapOvr>
+    <a:masterClrMapping/>
+  </p:clrMapOvr>
+</p:notes>
+</file>
+
+<file path=ppt/notesSlides/notesSlide20.xml><?xml version="1.0" encoding="utf-8"?>
+<p:notes xmlns:a="http://schemas.openxmlformats.org/drawingml/2006/main" xmlns:r="http://schemas.openxmlformats.org/officeDocument/2006/relationships" xmlns:p="http://schemas.openxmlformats.org/presentationml/2006/main">
+  <p:cSld>
+    <p:spTree>
+      <p:nvGrpSpPr>
+        <p:cNvPr id="1" name=""/>
+        <p:cNvGrpSpPr/>
+        <p:nvPr/>
+      </p:nvGrpSpPr>
+      <p:grpSpPr>
+        <a:xfrm>
+          <a:off x="0" y="0"/>
+          <a:ext cx="0" cy="0"/>
+          <a:chOff x="0" y="0"/>
+          <a:chExt cx="0" cy="0"/>
+        </a:xfrm>
+      </p:grpSpPr>
+      <p:sp>
+        <p:nvSpPr>
+          <p:cNvPr id="2" name="Slide Image Placeholder 1"/>
+          <p:cNvSpPr>
+            <a:spLocks noGrp="1" noRot="1" noChangeAspect="1"/>
+          </p:cNvSpPr>
+          <p:nvPr>
+            <p:ph type="sldImg"/>
+          </p:nvPr>
+        </p:nvSpPr>
+        <p:spPr/>
+      </p:sp>
+      <p:sp>
+        <p:nvSpPr>
+          <p:cNvPr id="3" name="Notes Placeholder 2"/>
+          <p:cNvSpPr>
+            <a:spLocks noGrp="1"/>
+          </p:cNvSpPr>
+          <p:nvPr>
+            <p:ph type="body" idx="1"/>
+          </p:nvPr>
+        </p:nvSpPr>
+        <p:spPr/>
+        <p:txBody>
+          <a:bodyPr/>
+          <a:lstStyle/>
+          <a:p>
+            <a:r>
+              <a:rPr lang="en-US" dirty="0"/>
+              <a:t>The with clause allows query parts to be chained together, and passed the results on</a:t>
+            </a:r>
+            <a:r>
+              <a:rPr lang="en-US" baseline="0" dirty="0"/>
+              <a:t> in the query</a:t>
+            </a:r>
+          </a:p>
+          <a:p>
+            <a:r>
+              <a:rPr lang="en-US" baseline="0" dirty="0"/>
+              <a:t>Collect – collects values into a list</a:t>
+            </a:r>
+          </a:p>
+          <a:p>
+            <a:r>
+              <a:rPr lang="en-US" baseline="0" dirty="0"/>
+              <a:t>Unwind transforms back into individual rows</a:t>
+            </a:r>
+          </a:p>
+          <a:p>
+            <a:r>
+              <a:rPr lang="en-US" baseline="0" dirty="0"/>
+              <a:t>Labels – returns a string representation for the labels attached to a node as an array</a:t>
+            </a:r>
+          </a:p>
+          <a:p>
+            <a:endParaRPr lang="en-US" dirty="0"/>
+          </a:p>
+        </p:txBody>
+      </p:sp>
+      <p:sp>
+        <p:nvSpPr>
+          <p:cNvPr id="4" name="Slide Number Placeholder 3"/>
+          <p:cNvSpPr>
+            <a:spLocks noGrp="1"/>
+          </p:cNvSpPr>
+          <p:nvPr>
+            <p:ph type="sldNum" sz="quarter" idx="10"/>
+          </p:nvPr>
+        </p:nvSpPr>
+        <p:spPr/>
+        <p:txBody>
+          <a:bodyPr/>
+          <a:lstStyle/>
+          <a:p>
+            <a:fld id="{DEED50C7-8D19-4923-9863-FA7237BBE36B}" type="slidenum">
+              <a:rPr lang="en-US" smtClean="0"/>
+              <a:t>28</a:t>
+            </a:fld>
+            <a:endParaRPr lang="en-US"/>
+          </a:p>
+        </p:txBody>
+      </p:sp>
+    </p:spTree>
+    <p:extLst>
+      <p:ext uri="{BB962C8B-B14F-4D97-AF65-F5344CB8AC3E}">
+        <p14:creationId xmlns:p14="http://schemas.microsoft.com/office/powerpoint/2010/main" val="1933768834"/>
+      </p:ext>
+    </p:extLst>
+  </p:cSld>
+  <p:clrMapOvr>
+    <a:masterClrMapping/>
+  </p:clrMapOvr>
+</p:notes>
+</file>
+
+<file path=ppt/notesSlides/notesSlide21.xml><?xml version="1.0" encoding="utf-8"?>
+<p:notes xmlns:a="http://schemas.openxmlformats.org/drawingml/2006/main" xmlns:r="http://schemas.openxmlformats.org/officeDocument/2006/relationships" xmlns:p="http://schemas.openxmlformats.org/presentationml/2006/main">
+  <p:cSld>
+    <p:spTree>
+      <p:nvGrpSpPr>
+        <p:cNvPr id="1" name=""/>
+        <p:cNvGrpSpPr/>
+        <p:nvPr/>
+      </p:nvGrpSpPr>
+      <p:grpSpPr>
+        <a:xfrm>
+          <a:off x="0" y="0"/>
+          <a:ext cx="0" cy="0"/>
+          <a:chOff x="0" y="0"/>
+          <a:chExt cx="0" cy="0"/>
+        </a:xfrm>
+      </p:grpSpPr>
+      <p:sp>
+        <p:nvSpPr>
+          <p:cNvPr id="2" name="Slide Image Placeholder 1"/>
+          <p:cNvSpPr>
+            <a:spLocks noGrp="1" noRot="1" noChangeAspect="1"/>
+          </p:cNvSpPr>
+          <p:nvPr>
+            <p:ph type="sldImg"/>
+          </p:nvPr>
+        </p:nvSpPr>
+        <p:spPr/>
+      </p:sp>
+      <p:sp>
+        <p:nvSpPr>
+          <p:cNvPr id="3" name="Notes Placeholder 2"/>
+          <p:cNvSpPr>
+            <a:spLocks noGrp="1"/>
+          </p:cNvSpPr>
+          <p:nvPr>
+            <p:ph type="body" idx="1"/>
+          </p:nvPr>
+        </p:nvSpPr>
+        <p:spPr/>
+        <p:txBody>
+          <a:bodyPr/>
+          <a:lstStyle/>
+          <a:p>
+            <a:r>
+              <a:rPr lang="en-US" baseline="0" dirty="0"/>
+              <a:t>Describe the problem:</a:t>
+            </a:r>
+          </a:p>
+          <a:p>
+            <a:r>
+              <a:rPr lang="en-US" baseline="0" dirty="0"/>
+              <a:t>I want to create a social network of people that have Type 1 diabetes.  This should allow them to connect for support and to share what’s working for them and not working for them.  I want to be able to connect to friends-of-friends that have Type 1 diabetes and also keep track of where people are being seen and what medications they are taking.</a:t>
+            </a:r>
+          </a:p>
+        </p:txBody>
+      </p:sp>
+      <p:sp>
+        <p:nvSpPr>
+          <p:cNvPr id="4" name="Slide Number Placeholder 3"/>
+          <p:cNvSpPr>
+            <a:spLocks noGrp="1"/>
+          </p:cNvSpPr>
+          <p:nvPr>
+            <p:ph type="sldNum" sz="quarter" idx="10"/>
+          </p:nvPr>
+        </p:nvSpPr>
+        <p:spPr/>
+        <p:txBody>
+          <a:bodyPr/>
+          <a:lstStyle/>
+          <a:p>
+            <a:fld id="{DEED50C7-8D19-4923-9863-FA7237BBE36B}" type="slidenum">
+              <a:rPr lang="en-US" smtClean="0"/>
+              <a:t>30</a:t>
+            </a:fld>
+            <a:endParaRPr lang="en-US"/>
+          </a:p>
+        </p:txBody>
+      </p:sp>
+    </p:spTree>
+    <p:extLst>
+      <p:ext uri="{BB962C8B-B14F-4D97-AF65-F5344CB8AC3E}">
+        <p14:creationId xmlns:p14="http://schemas.microsoft.com/office/powerpoint/2010/main" val="1337434519"/>
+      </p:ext>
+    </p:extLst>
+  </p:cSld>
+  <p:clrMapOvr>
+    <a:masterClrMapping/>
+  </p:clrMapOvr>
+</p:notes>
+</file>
+
+<file path=ppt/notesSlides/notesSlide3.xml><?xml version="1.0" encoding="utf-8"?>
+<p:notes xmlns:a="http://schemas.openxmlformats.org/drawingml/2006/main" xmlns:r="http://schemas.openxmlformats.org/officeDocument/2006/relationships" xmlns:p="http://schemas.openxmlformats.org/presentationml/2006/main">
+  <p:cSld>
+    <p:spTree>
+      <p:nvGrpSpPr>
+        <p:cNvPr id="1" name=""/>
+        <p:cNvGrpSpPr/>
+        <p:nvPr/>
+      </p:nvGrpSpPr>
+      <p:grpSpPr>
+        <a:xfrm>
+          <a:off x="0" y="0"/>
+          <a:ext cx="0" cy="0"/>
+          <a:chOff x="0" y="0"/>
+          <a:chExt cx="0" cy="0"/>
+        </a:xfrm>
+      </p:grpSpPr>
+      <p:sp>
+        <p:nvSpPr>
+          <p:cNvPr id="2" name="Slide Image Placeholder 1"/>
+          <p:cNvSpPr>
+            <a:spLocks noGrp="1" noRot="1" noChangeAspect="1"/>
+          </p:cNvSpPr>
+          <p:nvPr>
+            <p:ph type="sldImg"/>
+          </p:nvPr>
+        </p:nvSpPr>
+        <p:spPr/>
+      </p:sp>
+      <p:sp>
+        <p:nvSpPr>
+          <p:cNvPr id="3" name="Notes Placeholder 2"/>
+          <p:cNvSpPr>
+            <a:spLocks noGrp="1"/>
+          </p:cNvSpPr>
+          <p:nvPr>
+            <p:ph type="body" idx="1"/>
+          </p:nvPr>
+        </p:nvSpPr>
+        <p:spPr/>
+        <p:txBody>
+          <a:bodyPr/>
+          <a:lstStyle/>
+          <a:p>
+            <a:r>
+              <a:rPr lang="en-US" dirty="0"/>
+              <a:t>Not a pie graph or chart</a:t>
+            </a:r>
+          </a:p>
+          <a:p>
+            <a:r>
+              <a:rPr lang="en-US" dirty="0"/>
+              <a:t>Not</a:t>
+            </a:r>
+            <a:r>
+              <a:rPr lang="en-US" baseline="0" dirty="0"/>
+              <a:t> reporting</a:t>
+            </a:r>
+          </a:p>
+          <a:p>
+            <a:r>
+              <a:rPr lang="en-US" baseline="0" dirty="0"/>
+              <a:t>Talking about modelling the data as nodes and relationships</a:t>
+            </a:r>
+            <a:endParaRPr lang="en-US" dirty="0"/>
+          </a:p>
+        </p:txBody>
+      </p:sp>
+      <p:sp>
+        <p:nvSpPr>
+          <p:cNvPr id="4" name="Slide Number Placeholder 3"/>
+          <p:cNvSpPr>
+            <a:spLocks noGrp="1"/>
+          </p:cNvSpPr>
+          <p:nvPr>
+            <p:ph type="sldNum" sz="quarter" idx="10"/>
+          </p:nvPr>
+        </p:nvSpPr>
+        <p:spPr/>
+        <p:txBody>
+          <a:bodyPr/>
+          <a:lstStyle/>
+          <a:p>
+            <a:fld id="{DEED50C7-8D19-4923-9863-FA7237BBE36B}" type="slidenum">
+              <a:rPr lang="en-US" smtClean="0"/>
+              <a:t>3</a:t>
+            </a:fld>
+            <a:endParaRPr lang="en-US"/>
+          </a:p>
+        </p:txBody>
+      </p:sp>
+    </p:spTree>
+    <p:extLst>
+      <p:ext uri="{BB962C8B-B14F-4D97-AF65-F5344CB8AC3E}">
+        <p14:creationId xmlns:p14="http://schemas.microsoft.com/office/powerpoint/2010/main" val="1356644729"/>
+      </p:ext>
+    </p:extLst>
+  </p:cSld>
+  <p:clrMapOvr>
+    <a:masterClrMapping/>
+  </p:clrMapOvr>
+</p:notes>
+</file>
+
+<file path=ppt/notesSlides/notesSlide4.xml><?xml version="1.0" encoding="utf-8"?>
+<p:notes xmlns:a="http://schemas.openxmlformats.org/drawingml/2006/main" xmlns:r="http://schemas.openxmlformats.org/officeDocument/2006/relationships" xmlns:p="http://schemas.openxmlformats.org/presentationml/2006/main">
+  <p:cSld>
+    <p:spTree>
+      <p:nvGrpSpPr>
+        <p:cNvPr id="1" name=""/>
+        <p:cNvGrpSpPr/>
+        <p:nvPr/>
+      </p:nvGrpSpPr>
+      <p:grpSpPr>
+        <a:xfrm>
+          <a:off x="0" y="0"/>
+          <a:ext cx="0" cy="0"/>
+          <a:chOff x="0" y="0"/>
+          <a:chExt cx="0" cy="0"/>
+        </a:xfrm>
+      </p:grpSpPr>
+      <p:sp>
+        <p:nvSpPr>
+          <p:cNvPr id="2" name="Slide Image Placeholder 1"/>
+          <p:cNvSpPr>
+            <a:spLocks noGrp="1" noRot="1" noChangeAspect="1"/>
+          </p:cNvSpPr>
+          <p:nvPr>
+            <p:ph type="sldImg"/>
+          </p:nvPr>
+        </p:nvSpPr>
+        <p:spPr/>
+      </p:sp>
+      <p:sp>
+        <p:nvSpPr>
+          <p:cNvPr id="3" name="Notes Placeholder 2"/>
+          <p:cNvSpPr>
+            <a:spLocks noGrp="1"/>
+          </p:cNvSpPr>
+          <p:nvPr>
+            <p:ph type="body" idx="1"/>
+          </p:nvPr>
+        </p:nvSpPr>
+        <p:spPr/>
+        <p:txBody>
+          <a:bodyPr/>
+          <a:lstStyle/>
+          <a:p>
+            <a:r>
+              <a:rPr lang="en-US" dirty="0"/>
+              <a:t>Illustrate the various</a:t>
+            </a:r>
+            <a:r>
+              <a:rPr lang="en-US" baseline="0" dirty="0"/>
+              <a:t> uses of graphs</a:t>
+            </a:r>
+          </a:p>
+          <a:p>
+            <a:r>
+              <a:rPr lang="en-US" baseline="0" dirty="0"/>
+              <a:t>Talk about white boarding and object modelling as a natural precursor to graph DBs</a:t>
+            </a:r>
+            <a:endParaRPr lang="en-US" dirty="0"/>
+          </a:p>
+        </p:txBody>
+      </p:sp>
+      <p:sp>
+        <p:nvSpPr>
+          <p:cNvPr id="4" name="Slide Number Placeholder 3"/>
+          <p:cNvSpPr>
+            <a:spLocks noGrp="1"/>
+          </p:cNvSpPr>
+          <p:nvPr>
+            <p:ph type="sldNum" sz="quarter" idx="10"/>
+          </p:nvPr>
+        </p:nvSpPr>
+        <p:spPr/>
+        <p:txBody>
+          <a:bodyPr/>
+          <a:lstStyle/>
+          <a:p>
+            <a:fld id="{DEED50C7-8D19-4923-9863-FA7237BBE36B}" type="slidenum">
+              <a:rPr lang="en-US" smtClean="0"/>
+              <a:t>4</a:t>
+            </a:fld>
+            <a:endParaRPr lang="en-US"/>
+          </a:p>
+        </p:txBody>
+      </p:sp>
+    </p:spTree>
+    <p:extLst>
+      <p:ext uri="{BB962C8B-B14F-4D97-AF65-F5344CB8AC3E}">
+        <p14:creationId xmlns:p14="http://schemas.microsoft.com/office/powerpoint/2010/main" val="892401305"/>
+      </p:ext>
+    </p:extLst>
+  </p:cSld>
+  <p:clrMapOvr>
+    <a:masterClrMapping/>
+  </p:clrMapOvr>
+</p:notes>
+</file>
+
+<file path=ppt/notesSlides/notesSlide5.xml><?xml version="1.0" encoding="utf-8"?>
+<p:notes xmlns:a="http://schemas.openxmlformats.org/drawingml/2006/main" xmlns:r="http://schemas.openxmlformats.org/officeDocument/2006/relationships" xmlns:p="http://schemas.openxmlformats.org/presentationml/2006/main">
+  <p:cSld>
+    <p:spTree>
+      <p:nvGrpSpPr>
+        <p:cNvPr id="1" name=""/>
+        <p:cNvGrpSpPr/>
+        <p:nvPr/>
+      </p:nvGrpSpPr>
+      <p:grpSpPr>
+        <a:xfrm>
+          <a:off x="0" y="0"/>
+          <a:ext cx="0" cy="0"/>
+          <a:chOff x="0" y="0"/>
+          <a:chExt cx="0" cy="0"/>
+        </a:xfrm>
+      </p:grpSpPr>
+      <p:sp>
+        <p:nvSpPr>
+          <p:cNvPr id="2" name="Slide Image Placeholder 1"/>
+          <p:cNvSpPr>
+            <a:spLocks noGrp="1" noRot="1" noChangeAspect="1"/>
+          </p:cNvSpPr>
+          <p:nvPr>
+            <p:ph type="sldImg"/>
+          </p:nvPr>
+        </p:nvSpPr>
+        <p:spPr/>
+      </p:sp>
+      <p:sp>
+        <p:nvSpPr>
+          <p:cNvPr id="3" name="Notes Placeholder 2"/>
+          <p:cNvSpPr>
+            <a:spLocks noGrp="1"/>
+          </p:cNvSpPr>
+          <p:nvPr>
+            <p:ph type="body" idx="1"/>
+          </p:nvPr>
+        </p:nvSpPr>
+        <p:spPr/>
+        <p:txBody>
+          <a:bodyPr/>
+          <a:lstStyle/>
+          <a:p>
+            <a:r>
+              <a:rPr lang="en-US" dirty="0"/>
+              <a:t>Talk about relationships</a:t>
+            </a:r>
+            <a:r>
+              <a:rPr lang="en-US" baseline="0" dirty="0"/>
+              <a:t> being emphasized and relationships having their own properties</a:t>
+            </a:r>
+            <a:endParaRPr lang="en-US" dirty="0"/>
+          </a:p>
+        </p:txBody>
+      </p:sp>
+      <p:sp>
+        <p:nvSpPr>
+          <p:cNvPr id="4" name="Slide Number Placeholder 3"/>
+          <p:cNvSpPr>
+            <a:spLocks noGrp="1"/>
+          </p:cNvSpPr>
+          <p:nvPr>
+            <p:ph type="sldNum" sz="quarter" idx="10"/>
+          </p:nvPr>
+        </p:nvSpPr>
+        <p:spPr/>
+        <p:txBody>
+          <a:bodyPr/>
+          <a:lstStyle/>
+          <a:p>
+            <a:fld id="{DEED50C7-8D19-4923-9863-FA7237BBE36B}" type="slidenum">
+              <a:rPr lang="en-US" smtClean="0"/>
+              <a:t>5</a:t>
+            </a:fld>
+            <a:endParaRPr lang="en-US"/>
+          </a:p>
+        </p:txBody>
+      </p:sp>
+    </p:spTree>
+    <p:extLst>
+      <p:ext uri="{BB962C8B-B14F-4D97-AF65-F5344CB8AC3E}">
+        <p14:creationId xmlns:p14="http://schemas.microsoft.com/office/powerpoint/2010/main" val="3305115276"/>
+      </p:ext>
+    </p:extLst>
+  </p:cSld>
+  <p:clrMapOvr>
+    <a:masterClrMapping/>
+  </p:clrMapOvr>
+</p:notes>
+</file>
+
+<file path=ppt/notesSlides/notesSlide6.xml><?xml version="1.0" encoding="utf-8"?>
+<p:notes xmlns:a="http://schemas.openxmlformats.org/drawingml/2006/main" xmlns:r="http://schemas.openxmlformats.org/officeDocument/2006/relationships" xmlns:p="http://schemas.openxmlformats.org/presentationml/2006/main">
+  <p:cSld>
+    <p:spTree>
+      <p:nvGrpSpPr>
+        <p:cNvPr id="1" name=""/>
+        <p:cNvGrpSpPr/>
+        <p:nvPr/>
+      </p:nvGrpSpPr>
+      <p:grpSpPr>
+        <a:xfrm>
+          <a:off x="0" y="0"/>
+          <a:ext cx="0" cy="0"/>
+          <a:chOff x="0" y="0"/>
+          <a:chExt cx="0" cy="0"/>
+        </a:xfrm>
+      </p:grpSpPr>
+      <p:sp>
+        <p:nvSpPr>
+          <p:cNvPr id="2" name="Slide Image Placeholder 1"/>
+          <p:cNvSpPr>
+            <a:spLocks noGrp="1" noRot="1" noChangeAspect="1"/>
+          </p:cNvSpPr>
+          <p:nvPr>
+            <p:ph type="sldImg"/>
+          </p:nvPr>
+        </p:nvSpPr>
+        <p:spPr/>
+      </p:sp>
+      <p:sp>
+        <p:nvSpPr>
+          <p:cNvPr id="3" name="Notes Placeholder 2"/>
+          <p:cNvSpPr>
+            <a:spLocks noGrp="1"/>
+          </p:cNvSpPr>
+          <p:nvPr>
+            <p:ph type="body" idx="1"/>
+          </p:nvPr>
+        </p:nvSpPr>
+        <p:spPr/>
+        <p:txBody>
+          <a:bodyPr/>
+          <a:lstStyle/>
+          <a:p>
+            <a:r>
+              <a:rPr lang="en-US" dirty="0"/>
+              <a:t>Facebook,</a:t>
+            </a:r>
+            <a:r>
+              <a:rPr lang="en-US" baseline="0" dirty="0"/>
+              <a:t> Linked in</a:t>
+            </a:r>
+            <a:endParaRPr lang="en-US" dirty="0"/>
+          </a:p>
+        </p:txBody>
+      </p:sp>
+      <p:sp>
+        <p:nvSpPr>
+          <p:cNvPr id="4" name="Slide Number Placeholder 3"/>
+          <p:cNvSpPr>
+            <a:spLocks noGrp="1"/>
+          </p:cNvSpPr>
+          <p:nvPr>
+            <p:ph type="sldNum" sz="quarter" idx="10"/>
+          </p:nvPr>
+        </p:nvSpPr>
+        <p:spPr/>
+        <p:txBody>
+          <a:bodyPr/>
+          <a:lstStyle/>
+          <a:p>
+            <a:fld id="{DEED50C7-8D19-4923-9863-FA7237BBE36B}" type="slidenum">
+              <a:rPr lang="en-US" smtClean="0"/>
+              <a:t>6</a:t>
+            </a:fld>
+            <a:endParaRPr lang="en-US"/>
+          </a:p>
+        </p:txBody>
+      </p:sp>
+    </p:spTree>
+    <p:extLst>
+      <p:ext uri="{BB962C8B-B14F-4D97-AF65-F5344CB8AC3E}">
+        <p14:creationId xmlns:p14="http://schemas.microsoft.com/office/powerpoint/2010/main" val="4007776910"/>
+      </p:ext>
+    </p:extLst>
+  </p:cSld>
+  <p:clrMapOvr>
+    <a:masterClrMapping/>
+  </p:clrMapOvr>
+</p:notes>
+</file>
+
+<file path=ppt/notesSlides/notesSlide7.xml><?xml version="1.0" encoding="utf-8"?>
+<p:notes xmlns:a="http://schemas.openxmlformats.org/drawingml/2006/main" xmlns:r="http://schemas.openxmlformats.org/officeDocument/2006/relationships" xmlns:p="http://schemas.openxmlformats.org/presentationml/2006/main">
+  <p:cSld>
+    <p:spTree>
+      <p:nvGrpSpPr>
+        <p:cNvPr id="1" name=""/>
+        <p:cNvGrpSpPr/>
+        <p:nvPr/>
+      </p:nvGrpSpPr>
+      <p:grpSpPr>
+        <a:xfrm>
+          <a:off x="0" y="0"/>
+          <a:ext cx="0" cy="0"/>
+          <a:chOff x="0" y="0"/>
+          <a:chExt cx="0" cy="0"/>
+        </a:xfrm>
+      </p:grpSpPr>
+      <p:sp>
+        <p:nvSpPr>
+          <p:cNvPr id="2" name="Slide Image Placeholder 1"/>
+          <p:cNvSpPr>
+            <a:spLocks noGrp="1" noRot="1" noChangeAspect="1"/>
+          </p:cNvSpPr>
+          <p:nvPr>
+            <p:ph type="sldImg"/>
+          </p:nvPr>
+        </p:nvSpPr>
+        <p:spPr/>
+      </p:sp>
+      <p:sp>
+        <p:nvSpPr>
+          <p:cNvPr id="3" name="Notes Placeholder 2"/>
+          <p:cNvSpPr>
+            <a:spLocks noGrp="1"/>
+          </p:cNvSpPr>
+          <p:nvPr>
+            <p:ph type="body" idx="1"/>
+          </p:nvPr>
+        </p:nvSpPr>
+        <p:spPr/>
+        <p:txBody>
+          <a:bodyPr/>
+          <a:lstStyle/>
+          <a:p>
+            <a:endParaRPr lang="en-US" dirty="0"/>
+          </a:p>
+        </p:txBody>
+      </p:sp>
+      <p:sp>
+        <p:nvSpPr>
+          <p:cNvPr id="4" name="Slide Number Placeholder 3"/>
+          <p:cNvSpPr>
+            <a:spLocks noGrp="1"/>
+          </p:cNvSpPr>
+          <p:nvPr>
+            <p:ph type="sldNum" sz="quarter" idx="10"/>
+          </p:nvPr>
+        </p:nvSpPr>
+        <p:spPr/>
+        <p:txBody>
+          <a:bodyPr/>
+          <a:lstStyle/>
+          <a:p>
+            <a:fld id="{DEED50C7-8D19-4923-9863-FA7237BBE36B}" type="slidenum">
+              <a:rPr lang="en-US" smtClean="0"/>
+              <a:t>13</a:t>
+            </a:fld>
+            <a:endParaRPr lang="en-US"/>
+          </a:p>
+        </p:txBody>
+      </p:sp>
+    </p:spTree>
+    <p:extLst>
+      <p:ext uri="{BB962C8B-B14F-4D97-AF65-F5344CB8AC3E}">
+        <p14:creationId xmlns:p14="http://schemas.microsoft.com/office/powerpoint/2010/main" val="716299051"/>
+      </p:ext>
+    </p:extLst>
+  </p:cSld>
+  <p:clrMapOvr>
+    <a:masterClrMapping/>
+  </p:clrMapOvr>
+</p:notes>
+</file>
+
+<file path=ppt/notesSlides/notesSlide8.xml><?xml version="1.0" encoding="utf-8"?>
+<p:notes xmlns:a="http://schemas.openxmlformats.org/drawingml/2006/main" xmlns:r="http://schemas.openxmlformats.org/officeDocument/2006/relationships" xmlns:p="http://schemas.openxmlformats.org/presentationml/2006/main">
+  <p:cSld>
+    <p:spTree>
+      <p:nvGrpSpPr>
+        <p:cNvPr id="1" name=""/>
+        <p:cNvGrpSpPr/>
+        <p:nvPr/>
+      </p:nvGrpSpPr>
+      <p:grpSpPr>
+        <a:xfrm>
+          <a:off x="0" y="0"/>
+          <a:ext cx="0" cy="0"/>
+          <a:chOff x="0" y="0"/>
+          <a:chExt cx="0" cy="0"/>
+        </a:xfrm>
+      </p:grpSpPr>
+      <p:sp>
+        <p:nvSpPr>
+          <p:cNvPr id="2" name="Slide Image Placeholder 1"/>
+          <p:cNvSpPr>
+            <a:spLocks noGrp="1" noRot="1" noChangeAspect="1"/>
+          </p:cNvSpPr>
+          <p:nvPr>
+            <p:ph type="sldImg"/>
+          </p:nvPr>
+        </p:nvSpPr>
+        <p:spPr/>
+      </p:sp>
+      <p:sp>
+        <p:nvSpPr>
+          <p:cNvPr id="3" name="Notes Placeholder 2"/>
+          <p:cNvSpPr>
+            <a:spLocks noGrp="1"/>
+          </p:cNvSpPr>
+          <p:nvPr>
+            <p:ph type="body" idx="1"/>
+          </p:nvPr>
+        </p:nvSpPr>
+        <p:spPr/>
+        <p:txBody>
+          <a:bodyPr/>
+          <a:lstStyle/>
+          <a:p>
+            <a:r>
+              <a:rPr lang="en-US" dirty="0"/>
+              <a:t>Relational</a:t>
+            </a:r>
+            <a:r>
+              <a:rPr lang="en-US" baseline="0" dirty="0"/>
+              <a:t> – data in tabular format – focused on making sure there is no duplicate data – making querying costly</a:t>
+            </a:r>
+          </a:p>
+          <a:p>
+            <a:r>
+              <a:rPr lang="en-US" baseline="0" dirty="0"/>
+              <a:t>Graphs – focus on the connections, making path finding and querying straight forward</a:t>
+            </a:r>
+            <a:endParaRPr lang="en-US" dirty="0"/>
+          </a:p>
+        </p:txBody>
+      </p:sp>
+      <p:sp>
+        <p:nvSpPr>
+          <p:cNvPr id="4" name="Slide Number Placeholder 3"/>
+          <p:cNvSpPr>
+            <a:spLocks noGrp="1"/>
+          </p:cNvSpPr>
+          <p:nvPr>
+            <p:ph type="sldNum" sz="quarter" idx="10"/>
+          </p:nvPr>
+        </p:nvSpPr>
+        <p:spPr/>
+        <p:txBody>
+          <a:bodyPr/>
+          <a:lstStyle/>
+          <a:p>
+            <a:fld id="{DEED50C7-8D19-4923-9863-FA7237BBE36B}" type="slidenum">
+              <a:rPr lang="en-US" smtClean="0"/>
+              <a:t>14</a:t>
+            </a:fld>
+            <a:endParaRPr lang="en-US"/>
+          </a:p>
+        </p:txBody>
+      </p:sp>
+    </p:spTree>
+    <p:extLst>
+      <p:ext uri="{BB962C8B-B14F-4D97-AF65-F5344CB8AC3E}">
+        <p14:creationId xmlns:p14="http://schemas.microsoft.com/office/powerpoint/2010/main" val="1812334159"/>
+      </p:ext>
+    </p:extLst>
+  </p:cSld>
+  <p:clrMapOvr>
+    <a:masterClrMapping/>
+  </p:clrMapOvr>
+</p:notes>
+</file>
+
+<file path=ppt/notesSlides/notesSlide9.xml><?xml version="1.0" encoding="utf-8"?>
+<p:notes xmlns:a="http://schemas.openxmlformats.org/drawingml/2006/main" xmlns:r="http://schemas.openxmlformats.org/officeDocument/2006/relationships" xmlns:p="http://schemas.openxmlformats.org/presentationml/2006/main">
+  <p:cSld>
+    <p:spTree>
+      <p:nvGrpSpPr>
+        <p:cNvPr id="1" name=""/>
+        <p:cNvGrpSpPr/>
+        <p:nvPr/>
+      </p:nvGrpSpPr>
+      <p:grpSpPr>
+        <a:xfrm>
+          <a:off x="0" y="0"/>
+          <a:ext cx="0" cy="0"/>
+          <a:chOff x="0" y="0"/>
+          <a:chExt cx="0" cy="0"/>
+        </a:xfrm>
+      </p:grpSpPr>
+      <p:sp>
+        <p:nvSpPr>
+          <p:cNvPr id="2" name="Slide Image Placeholder 1"/>
+          <p:cNvSpPr>
+            <a:spLocks noGrp="1" noRot="1" noChangeAspect="1"/>
+          </p:cNvSpPr>
+          <p:nvPr>
+            <p:ph type="sldImg"/>
+          </p:nvPr>
+        </p:nvSpPr>
+        <p:spPr/>
+      </p:sp>
+      <p:sp>
+        <p:nvSpPr>
+          <p:cNvPr id="3" name="Notes Placeholder 2"/>
+          <p:cNvSpPr>
+            <a:spLocks noGrp="1"/>
+          </p:cNvSpPr>
+          <p:nvPr>
+            <p:ph type="body" idx="1"/>
+          </p:nvPr>
+        </p:nvSpPr>
+        <p:spPr/>
+        <p:txBody>
+          <a:bodyPr/>
+          <a:lstStyle/>
+          <a:p>
+            <a:r>
+              <a:rPr lang="en-US" dirty="0"/>
+              <a:t>Cons – instead</a:t>
+            </a:r>
+            <a:r>
+              <a:rPr lang="en-US" baseline="0" dirty="0"/>
+              <a:t> of looking at data as 3</a:t>
+            </a:r>
+            <a:r>
+              <a:rPr lang="en-US" baseline="30000" dirty="0"/>
+              <a:t>rd</a:t>
+            </a:r>
+            <a:r>
+              <a:rPr lang="en-US" baseline="0" dirty="0"/>
+              <a:t> normal form with all your candidate keys and foreign keys, you have to start thinking about the data in terms of its interconnectivity.</a:t>
+            </a:r>
+          </a:p>
+          <a:p>
+            <a:r>
+              <a:rPr lang="en-US" baseline="0" dirty="0"/>
+              <a:t>Cons – Cypher, </a:t>
+            </a:r>
+            <a:r>
+              <a:rPr lang="en-US" baseline="0" dirty="0" err="1"/>
+              <a:t>tinkerpop</a:t>
+            </a:r>
+            <a:r>
+              <a:rPr lang="en-US" baseline="0" dirty="0"/>
+              <a:t>, Gremlin, SPARQL</a:t>
+            </a:r>
+            <a:endParaRPr lang="en-US" dirty="0"/>
+          </a:p>
+        </p:txBody>
+      </p:sp>
+      <p:sp>
+        <p:nvSpPr>
+          <p:cNvPr id="4" name="Slide Number Placeholder 3"/>
+          <p:cNvSpPr>
+            <a:spLocks noGrp="1"/>
+          </p:cNvSpPr>
+          <p:nvPr>
+            <p:ph type="sldNum" sz="quarter" idx="10"/>
+          </p:nvPr>
+        </p:nvSpPr>
+        <p:spPr/>
+        <p:txBody>
+          <a:bodyPr/>
+          <a:lstStyle/>
+          <a:p>
+            <a:fld id="{DEED50C7-8D19-4923-9863-FA7237BBE36B}" type="slidenum">
+              <a:rPr lang="en-US" smtClean="0"/>
+              <a:t>15</a:t>
+            </a:fld>
+            <a:endParaRPr lang="en-US"/>
+          </a:p>
+        </p:txBody>
+      </p:sp>
+    </p:spTree>
+    <p:extLst>
+      <p:ext uri="{BB962C8B-B14F-4D97-AF65-F5344CB8AC3E}">
+        <p14:creationId xmlns:p14="http://schemas.microsoft.com/office/powerpoint/2010/main" val="1951698221"/>
+      </p:ext>
+    </p:extLst>
+  </p:cSld>
+  <p:clrMapOvr>
+    <a:masterClrMapping/>
+  </p:clrMapOvr>
+</p:notes>
 </file>
 
 <file path=ppt/slideLayouts/slideLayout1.xml><?xml version="1.0" encoding="utf-8"?>
@@ -8948,7 +11445,7 @@
             <a:fld id="{08B9EBBA-996F-894A-B54A-D6246ED52CEA}" type="datetimeFigureOut">
               <a:rPr lang="en-US" smtClean="0"/>
               <a:pPr/>
-              <a:t>3/21/2017</a:t>
+              <a:t>3/21/17</a:t>
             </a:fld>
             <a:endParaRPr lang="en-US" dirty="0"/>
           </a:p>
@@ -9157,7 +11654,7 @@
             <a:fld id="{C6C52C72-DE31-F449-A4ED-4C594FD91407}" type="datetimeFigureOut">
               <a:rPr lang="en-US" smtClean="0"/>
               <a:pPr/>
-              <a:t>3/21/2017</a:t>
+              <a:t>3/21/17</a:t>
             </a:fld>
             <a:endParaRPr lang="en-US" dirty="0"/>
           </a:p>
@@ -9339,7 +11836,7 @@
             <a:fld id="{ED62726E-379B-B349-9EED-81ED093FA806}" type="datetimeFigureOut">
               <a:rPr lang="en-US" smtClean="0"/>
               <a:pPr/>
-              <a:t>3/21/2017</a:t>
+              <a:t>3/21/17</a:t>
             </a:fld>
             <a:endParaRPr lang="en-US" dirty="0"/>
           </a:p>
@@ -9546,7 +12043,7 @@
             <a:fld id="{9B3A1323-8D79-1946-B0D7-40001CF92E9D}" type="datetimeFigureOut">
               <a:rPr lang="en-US" smtClean="0"/>
               <a:pPr/>
-              <a:t>3/21/2017</a:t>
+              <a:t>3/21/17</a:t>
             </a:fld>
             <a:endParaRPr lang="en-US" dirty="0"/>
           </a:p>
@@ -18446,7 +20943,7 @@
             <a:fld id="{8DFA1846-DA80-1C48-A609-854EA85C59AD}" type="datetimeFigureOut">
               <a:rPr lang="en-US" smtClean="0"/>
               <a:pPr/>
-              <a:t>3/21/2017</a:t>
+              <a:t>3/21/17</a:t>
             </a:fld>
             <a:endParaRPr lang="en-US" dirty="0"/>
           </a:p>
@@ -18722,7 +21219,7 @@
             <a:fld id="{57302355-E14B-8545-A8F8-0FE83CC9D524}" type="datetimeFigureOut">
               <a:rPr lang="en-US" smtClean="0"/>
               <a:pPr/>
-              <a:t>3/21/2017</a:t>
+              <a:t>3/21/17</a:t>
             </a:fld>
             <a:endParaRPr lang="en-US" dirty="0"/>
           </a:p>
@@ -19122,7 +21619,7 @@
             <a:fld id="{02640F58-564D-2B4F-AE67-E407BA4FCF45}" type="datetimeFigureOut">
               <a:rPr lang="en-US" smtClean="0"/>
               <a:pPr/>
-              <a:t>3/21/2017</a:t>
+              <a:t>3/21/17</a:t>
             </a:fld>
             <a:endParaRPr lang="en-US" dirty="0"/>
           </a:p>
@@ -19242,7 +21739,7 @@
             <a:fld id="{F13A34C8-038E-2045-AF43-DF7DBB8E0E9E}" type="datetimeFigureOut">
               <a:rPr lang="en-US" smtClean="0"/>
               <a:pPr/>
-              <a:t>3/21/2017</a:t>
+              <a:t>3/21/17</a:t>
             </a:fld>
             <a:endParaRPr lang="en-US" dirty="0"/>
           </a:p>
@@ -19339,7 +21836,7 @@
             <a:fld id="{8818C68F-D26B-8F47-958C-23B49CF8A634}" type="datetimeFigureOut">
               <a:rPr lang="en-US" smtClean="0"/>
               <a:pPr/>
-              <a:t>3/21/2017</a:t>
+              <a:t>3/21/17</a:t>
             </a:fld>
             <a:endParaRPr lang="en-US" dirty="0"/>
           </a:p>
@@ -19631,7 +22128,7 @@
             <a:fld id="{D0DF5E60-9974-AC48-9591-99C2BB44B7CF}" type="datetimeFigureOut">
               <a:rPr lang="en-US" smtClean="0"/>
               <a:pPr/>
-              <a:t>3/21/2017</a:t>
+              <a:t>3/21/17</a:t>
             </a:fld>
             <a:endParaRPr lang="en-US" dirty="0"/>
           </a:p>
@@ -19913,7 +22410,7 @@
             <a:fld id="{18C79C5D-2A6F-F04D-97DA-BEF2467B64E4}" type="datetimeFigureOut">
               <a:rPr lang="en-US" smtClean="0"/>
               <a:pPr/>
-              <a:t>3/21/2017</a:t>
+              <a:t>3/21/17</a:t>
             </a:fld>
             <a:endParaRPr lang="en-US" dirty="0"/>
           </a:p>
@@ -20165,7 +22662,7 @@
             <a:fld id="{09B482E8-6E0E-1B4F-B1FD-C69DB9E858D9}" type="datetimeFigureOut">
               <a:rPr lang="en-US" smtClean="0"/>
               <a:pPr/>
-              <a:t>3/21/2017</a:t>
+              <a:t>3/21/17</a:t>
             </a:fld>
             <a:endParaRPr lang="en-US" dirty="0"/>
           </a:p>
@@ -20846,7 +23343,7 @@
             <a:avLst/>
           </a:prstGeom>
           <a:blipFill dpi="0" rotWithShape="1">
-            <a:blip r:embed="rId2">
+            <a:blip r:embed="rId3">
               <a:duotone>
                 <a:schemeClr val="accent1">
                   <a:shade val="45000"/>
@@ -20972,6 +23469,957 @@
 </file>
 
 <file path=ppt/slides/slide10.xml><?xml version="1.0" encoding="utf-8"?>
+<p:sld xmlns:a="http://schemas.openxmlformats.org/drawingml/2006/main" xmlns:r="http://schemas.openxmlformats.org/officeDocument/2006/relationships" xmlns:p="http://schemas.openxmlformats.org/presentationml/2006/main">
+  <p:cSld>
+    <p:spTree>
+      <p:nvGrpSpPr>
+        <p:cNvPr id="1" name=""/>
+        <p:cNvGrpSpPr/>
+        <p:nvPr/>
+      </p:nvGrpSpPr>
+      <p:grpSpPr>
+        <a:xfrm>
+          <a:off x="0" y="0"/>
+          <a:ext cx="0" cy="0"/>
+          <a:chOff x="0" y="0"/>
+          <a:chExt cx="0" cy="0"/>
+        </a:xfrm>
+      </p:grpSpPr>
+      <p:sp>
+        <p:nvSpPr>
+          <p:cNvPr id="2" name="Title 1"/>
+          <p:cNvSpPr>
+            <a:spLocks noGrp="1"/>
+          </p:cNvSpPr>
+          <p:nvPr>
+            <p:ph type="title"/>
+          </p:nvPr>
+        </p:nvSpPr>
+        <p:spPr/>
+        <p:txBody>
+          <a:bodyPr/>
+          <a:lstStyle/>
+          <a:p>
+            <a:r>
+              <a:rPr lang="en-US" dirty="0"/>
+              <a:t>Relationships</a:t>
+            </a:r>
+          </a:p>
+        </p:txBody>
+      </p:sp>
+      <p:sp>
+        <p:nvSpPr>
+          <p:cNvPr id="3" name="Content Placeholder 2"/>
+          <p:cNvSpPr>
+            <a:spLocks noGrp="1"/>
+          </p:cNvSpPr>
+          <p:nvPr>
+            <p:ph idx="1"/>
+          </p:nvPr>
+        </p:nvSpPr>
+        <p:spPr/>
+        <p:txBody>
+          <a:bodyPr/>
+          <a:lstStyle/>
+          <a:p>
+            <a:pPr>
+              <a:buFont typeface="Wingdings" panose="05000000000000000000" pitchFamily="2" charset="2"/>
+              <a:buChar char="Ø"/>
+            </a:pPr>
+            <a:r>
+              <a:rPr lang="en-US" dirty="0"/>
+              <a:t>Every relationship has a name and direction</a:t>
+            </a:r>
+          </a:p>
+          <a:p>
+            <a:pPr>
+              <a:buFont typeface="Wingdings" panose="05000000000000000000" pitchFamily="2" charset="2"/>
+              <a:buChar char="Ø"/>
+            </a:pPr>
+            <a:r>
+              <a:rPr lang="en-US" dirty="0"/>
+              <a:t>Relationships can contain properties, which can further clarify the relationship</a:t>
+            </a:r>
+          </a:p>
+          <a:p>
+            <a:pPr>
+              <a:buFont typeface="Wingdings" panose="05000000000000000000" pitchFamily="2" charset="2"/>
+              <a:buChar char="Ø"/>
+            </a:pPr>
+            <a:r>
+              <a:rPr lang="en-US" dirty="0"/>
+              <a:t>Must have a start and end node</a:t>
+            </a:r>
+          </a:p>
+        </p:txBody>
+      </p:sp>
+    </p:spTree>
+    <p:extLst>
+      <p:ext uri="{BB962C8B-B14F-4D97-AF65-F5344CB8AC3E}">
+        <p14:creationId xmlns:p14="http://schemas.microsoft.com/office/powerpoint/2010/main" val="1281301520"/>
+      </p:ext>
+    </p:extLst>
+  </p:cSld>
+  <p:clrMapOvr>
+    <a:masterClrMapping/>
+  </p:clrMapOvr>
+</p:sld>
+</file>
+
+<file path=ppt/slides/slide11.xml><?xml version="1.0" encoding="utf-8"?>
+<p:sld xmlns:a="http://schemas.openxmlformats.org/drawingml/2006/main" xmlns:r="http://schemas.openxmlformats.org/officeDocument/2006/relationships" xmlns:p="http://schemas.openxmlformats.org/presentationml/2006/main">
+  <p:cSld>
+    <p:spTree>
+      <p:nvGrpSpPr>
+        <p:cNvPr id="1" name=""/>
+        <p:cNvGrpSpPr/>
+        <p:nvPr/>
+      </p:nvGrpSpPr>
+      <p:grpSpPr>
+        <a:xfrm>
+          <a:off x="0" y="0"/>
+          <a:ext cx="0" cy="0"/>
+          <a:chOff x="0" y="0"/>
+          <a:chExt cx="0" cy="0"/>
+        </a:xfrm>
+      </p:grpSpPr>
+      <p:sp>
+        <p:nvSpPr>
+          <p:cNvPr id="2" name="Title 1"/>
+          <p:cNvSpPr>
+            <a:spLocks noGrp="1"/>
+          </p:cNvSpPr>
+          <p:nvPr>
+            <p:ph type="title"/>
+          </p:nvPr>
+        </p:nvSpPr>
+        <p:spPr/>
+        <p:txBody>
+          <a:bodyPr/>
+          <a:lstStyle/>
+          <a:p>
+            <a:r>
+              <a:rPr lang="en-US" dirty="0"/>
+              <a:t>Properties</a:t>
+            </a:r>
+          </a:p>
+        </p:txBody>
+      </p:sp>
+      <p:sp>
+        <p:nvSpPr>
+          <p:cNvPr id="3" name="Content Placeholder 2"/>
+          <p:cNvSpPr>
+            <a:spLocks noGrp="1"/>
+          </p:cNvSpPr>
+          <p:nvPr>
+            <p:ph idx="1"/>
+          </p:nvPr>
+        </p:nvSpPr>
+        <p:spPr/>
+        <p:txBody>
+          <a:bodyPr/>
+          <a:lstStyle/>
+          <a:p>
+            <a:pPr>
+              <a:buFont typeface="Wingdings" panose="05000000000000000000" pitchFamily="2" charset="2"/>
+              <a:buChar char="Ø"/>
+            </a:pPr>
+            <a:r>
+              <a:rPr lang="en-US" dirty="0"/>
+              <a:t>Key value pairs used for nodes and relationships</a:t>
+            </a:r>
+          </a:p>
+          <a:p>
+            <a:pPr>
+              <a:buFont typeface="Wingdings" panose="05000000000000000000" pitchFamily="2" charset="2"/>
+              <a:buChar char="Ø"/>
+            </a:pPr>
+            <a:r>
+              <a:rPr lang="en-US" dirty="0"/>
+              <a:t>Adds metadata to your nodes and relationships</a:t>
+            </a:r>
+          </a:p>
+          <a:p>
+            <a:pPr>
+              <a:buFont typeface="Wingdings" panose="05000000000000000000" pitchFamily="2" charset="2"/>
+              <a:buChar char="Ø"/>
+            </a:pPr>
+            <a:r>
+              <a:rPr lang="en-US" dirty="0"/>
+              <a:t>Entity attributes</a:t>
+            </a:r>
+          </a:p>
+          <a:p>
+            <a:pPr>
+              <a:buFont typeface="Wingdings" panose="05000000000000000000" pitchFamily="2" charset="2"/>
+              <a:buChar char="Ø"/>
+            </a:pPr>
+            <a:r>
+              <a:rPr lang="en-US" dirty="0"/>
+              <a:t>Relationship qualities</a:t>
+            </a:r>
+          </a:p>
+        </p:txBody>
+      </p:sp>
+    </p:spTree>
+    <p:extLst>
+      <p:ext uri="{BB962C8B-B14F-4D97-AF65-F5344CB8AC3E}">
+        <p14:creationId xmlns:p14="http://schemas.microsoft.com/office/powerpoint/2010/main" val="2637711824"/>
+      </p:ext>
+    </p:extLst>
+  </p:cSld>
+  <p:clrMapOvr>
+    <a:masterClrMapping/>
+  </p:clrMapOvr>
+</p:sld>
+</file>
+
+<file path=ppt/slides/slide12.xml><?xml version="1.0" encoding="utf-8"?>
+<p:sld xmlns:a="http://schemas.openxmlformats.org/drawingml/2006/main" xmlns:r="http://schemas.openxmlformats.org/officeDocument/2006/relationships" xmlns:p="http://schemas.openxmlformats.org/presentationml/2006/main">
+  <p:cSld>
+    <p:spTree>
+      <p:nvGrpSpPr>
+        <p:cNvPr id="1" name=""/>
+        <p:cNvGrpSpPr/>
+        <p:nvPr/>
+      </p:nvGrpSpPr>
+      <p:grpSpPr>
+        <a:xfrm>
+          <a:off x="0" y="0"/>
+          <a:ext cx="0" cy="0"/>
+          <a:chOff x="0" y="0"/>
+          <a:chExt cx="0" cy="0"/>
+        </a:xfrm>
+      </p:grpSpPr>
+      <p:sp>
+        <p:nvSpPr>
+          <p:cNvPr id="2" name="Title 1"/>
+          <p:cNvSpPr>
+            <a:spLocks noGrp="1"/>
+          </p:cNvSpPr>
+          <p:nvPr>
+            <p:ph type="title"/>
+          </p:nvPr>
+        </p:nvSpPr>
+        <p:spPr/>
+        <p:txBody>
+          <a:bodyPr/>
+          <a:lstStyle/>
+          <a:p>
+            <a:r>
+              <a:rPr lang="en-US" dirty="0"/>
+              <a:t>Labels</a:t>
+            </a:r>
+          </a:p>
+        </p:txBody>
+      </p:sp>
+      <p:sp>
+        <p:nvSpPr>
+          <p:cNvPr id="3" name="Content Placeholder 2"/>
+          <p:cNvSpPr>
+            <a:spLocks noGrp="1"/>
+          </p:cNvSpPr>
+          <p:nvPr>
+            <p:ph idx="1"/>
+          </p:nvPr>
+        </p:nvSpPr>
+        <p:spPr/>
+        <p:txBody>
+          <a:bodyPr/>
+          <a:lstStyle/>
+          <a:p>
+            <a:pPr>
+              <a:buFont typeface="Wingdings" panose="05000000000000000000" pitchFamily="2" charset="2"/>
+              <a:buChar char="Ø"/>
+            </a:pPr>
+            <a:r>
+              <a:rPr lang="en-US" dirty="0"/>
+              <a:t>Used to represent objects in your domain (e.g. user, person, movie)</a:t>
+            </a:r>
+          </a:p>
+          <a:p>
+            <a:pPr>
+              <a:buFont typeface="Wingdings" panose="05000000000000000000" pitchFamily="2" charset="2"/>
+              <a:buChar char="Ø"/>
+            </a:pPr>
+            <a:r>
+              <a:rPr lang="en-US" dirty="0"/>
+              <a:t>With labels, you can group nodes</a:t>
+            </a:r>
+          </a:p>
+          <a:p>
+            <a:pPr>
+              <a:buFont typeface="Wingdings" panose="05000000000000000000" pitchFamily="2" charset="2"/>
+              <a:buChar char="Ø"/>
+            </a:pPr>
+            <a:r>
+              <a:rPr lang="en-US" dirty="0"/>
+              <a:t>Allows us to create indexes and constraints with groups of nodes</a:t>
+            </a:r>
+          </a:p>
+        </p:txBody>
+      </p:sp>
+    </p:spTree>
+    <p:extLst>
+      <p:ext uri="{BB962C8B-B14F-4D97-AF65-F5344CB8AC3E}">
+        <p14:creationId xmlns:p14="http://schemas.microsoft.com/office/powerpoint/2010/main" val="2552325323"/>
+      </p:ext>
+    </p:extLst>
+  </p:cSld>
+  <p:clrMapOvr>
+    <a:masterClrMapping/>
+  </p:clrMapOvr>
+</p:sld>
+</file>
+
+<file path=ppt/slides/slide13.xml><?xml version="1.0" encoding="utf-8"?>
+<p:sld xmlns:a="http://schemas.openxmlformats.org/drawingml/2006/main" xmlns:r="http://schemas.openxmlformats.org/officeDocument/2006/relationships" xmlns:p="http://schemas.openxmlformats.org/presentationml/2006/main">
+  <p:cSld>
+    <p:spTree>
+      <p:nvGrpSpPr>
+        <p:cNvPr id="1" name=""/>
+        <p:cNvGrpSpPr/>
+        <p:nvPr/>
+      </p:nvGrpSpPr>
+      <p:grpSpPr>
+        <a:xfrm>
+          <a:off x="0" y="0"/>
+          <a:ext cx="0" cy="0"/>
+          <a:chOff x="0" y="0"/>
+          <a:chExt cx="0" cy="0"/>
+        </a:xfrm>
+      </p:grpSpPr>
+      <p:sp>
+        <p:nvSpPr>
+          <p:cNvPr id="8" name="Rectangle 7"/>
+          <p:cNvSpPr>
+            <a:spLocks noGrp="1" noRot="1" noChangeAspect="1" noMove="1" noResize="1" noEditPoints="1" noAdjustHandles="1" noChangeArrowheads="1" noChangeShapeType="1" noTextEdit="1"/>
+          </p:cNvSpPr>
+          <p:nvPr>
+            <p:extLst>
+              <p:ext uri="{386F3935-93C4-4BCD-93E2-E3B085C9AB24}">
+                <p16:designElem xmlns:p16="http://schemas.microsoft.com/office/powerpoint/2015/main" val="1"/>
+              </p:ext>
+            </p:extLst>
+          </p:nvPr>
+        </p:nvSpPr>
+        <p:spPr>
+          <a:xfrm flipH="1">
+            <a:off x="0" y="0"/>
+            <a:ext cx="12188726" cy="6858975"/>
+          </a:xfrm>
+          <a:prstGeom prst="rect">
+            <a:avLst/>
+          </a:prstGeom>
+          <a:solidFill>
+            <a:schemeClr val="bg1"/>
+          </a:solidFill>
+          <a:ln>
+            <a:noFill/>
+          </a:ln>
+        </p:spPr>
+        <p:style>
+          <a:lnRef idx="2">
+            <a:schemeClr val="accent1">
+              <a:shade val="50000"/>
+            </a:schemeClr>
+          </a:lnRef>
+          <a:fillRef idx="1">
+            <a:schemeClr val="accent1"/>
+          </a:fillRef>
+          <a:effectRef idx="0">
+            <a:schemeClr val="accent1"/>
+          </a:effectRef>
+          <a:fontRef idx="minor">
+            <a:schemeClr val="lt1"/>
+          </a:fontRef>
+        </p:style>
+        <p:txBody>
+          <a:bodyPr rtlCol="0" anchor="ctr"/>
+          <a:lstStyle/>
+          <a:p>
+            <a:pPr algn="ctr"/>
+            <a:endParaRPr lang="en-US"/>
+          </a:p>
+        </p:txBody>
+      </p:sp>
+      <p:sp>
+        <p:nvSpPr>
+          <p:cNvPr id="10" name="Rectangle 9"/>
+          <p:cNvSpPr>
+            <a:spLocks noGrp="1" noRot="1" noChangeAspect="1" noMove="1" noResize="1" noEditPoints="1" noAdjustHandles="1" noChangeArrowheads="1" noChangeShapeType="1" noTextEdit="1"/>
+          </p:cNvSpPr>
+          <p:nvPr>
+            <p:extLst>
+              <p:ext uri="{386F3935-93C4-4BCD-93E2-E3B085C9AB24}">
+                <p16:designElem xmlns:p16="http://schemas.microsoft.com/office/powerpoint/2015/main" val="1"/>
+              </p:ext>
+            </p:extLst>
+          </p:nvPr>
+        </p:nvSpPr>
+        <p:spPr>
+          <a:xfrm>
+            <a:off x="5109343" y="620720"/>
+            <a:ext cx="6442480" cy="5593163"/>
+          </a:xfrm>
+          <a:prstGeom prst="rect">
+            <a:avLst/>
+          </a:prstGeom>
+          <a:solidFill>
+            <a:schemeClr val="tx1">
+              <a:lumMod val="75000"/>
+              <a:lumOff val="25000"/>
+            </a:schemeClr>
+          </a:solidFill>
+          <a:ln>
+            <a:noFill/>
+          </a:ln>
+        </p:spPr>
+        <p:style>
+          <a:lnRef idx="2">
+            <a:schemeClr val="accent1">
+              <a:shade val="50000"/>
+            </a:schemeClr>
+          </a:lnRef>
+          <a:fillRef idx="1">
+            <a:schemeClr val="accent1"/>
+          </a:fillRef>
+          <a:effectRef idx="0">
+            <a:schemeClr val="accent1"/>
+          </a:effectRef>
+          <a:fontRef idx="minor">
+            <a:schemeClr val="lt1"/>
+          </a:fontRef>
+        </p:style>
+        <p:txBody>
+          <a:bodyPr rtlCol="0" anchor="ctr"/>
+          <a:lstStyle/>
+          <a:p>
+            <a:pPr algn="ctr"/>
+            <a:endParaRPr lang="en-US"/>
+          </a:p>
+        </p:txBody>
+      </p:sp>
+      <p:cxnSp>
+        <p:nvCxnSpPr>
+          <p:cNvPr id="12" name="Straight Connector 11"/>
+          <p:cNvCxnSpPr>
+            <a:cxnSpLocks noGrp="1" noRot="1" noChangeAspect="1" noMove="1" noResize="1" noEditPoints="1" noAdjustHandles="1" noChangeArrowheads="1" noChangeShapeType="1"/>
+          </p:cNvCxnSpPr>
+          <p:nvPr>
+            <p:extLst>
+              <p:ext uri="{386F3935-93C4-4BCD-93E2-E3B085C9AB24}">
+                <p16:designElem xmlns:p16="http://schemas.microsoft.com/office/powerpoint/2015/main" val="1"/>
+              </p:ext>
+            </p:extLst>
+          </p:nvPr>
+        </p:nvCxnSpPr>
+        <p:spPr>
+          <a:xfrm>
+            <a:off x="5609960" y="4214336"/>
+            <a:ext cx="5120640" cy="0"/>
+          </a:xfrm>
+          <a:prstGeom prst="line">
+            <a:avLst/>
+          </a:prstGeom>
+          <a:ln w="19050">
+            <a:solidFill>
+              <a:schemeClr val="bg1"/>
+            </a:solidFill>
+          </a:ln>
+        </p:spPr>
+        <p:style>
+          <a:lnRef idx="1">
+            <a:schemeClr val="accent1"/>
+          </a:lnRef>
+          <a:fillRef idx="0">
+            <a:schemeClr val="accent1"/>
+          </a:fillRef>
+          <a:effectRef idx="0">
+            <a:schemeClr val="accent1"/>
+          </a:effectRef>
+          <a:fontRef idx="minor">
+            <a:schemeClr val="tx1"/>
+          </a:fontRef>
+        </p:style>
+      </p:cxnSp>
+      <p:sp>
+        <p:nvSpPr>
+          <p:cNvPr id="14" name="Rectangle 13"/>
+          <p:cNvSpPr>
+            <a:spLocks noGrp="1" noRot="1" noChangeAspect="1" noMove="1" noResize="1" noEditPoints="1" noAdjustHandles="1" noChangeArrowheads="1" noChangeShapeType="1" noTextEdit="1"/>
+          </p:cNvSpPr>
+          <p:nvPr>
+            <p:extLst>
+              <p:ext uri="{386F3935-93C4-4BCD-93E2-E3B085C9AB24}">
+                <p16:designElem xmlns:p16="http://schemas.microsoft.com/office/powerpoint/2015/main" val="1"/>
+              </p:ext>
+            </p:extLst>
+          </p:nvPr>
+        </p:nvSpPr>
+        <p:spPr>
+          <a:xfrm>
+            <a:off x="643467" y="621695"/>
+            <a:ext cx="4305009" cy="5592188"/>
+          </a:xfrm>
+          <a:prstGeom prst="rect">
+            <a:avLst/>
+          </a:prstGeom>
+          <a:blipFill dpi="0" rotWithShape="1">
+            <a:blip r:embed="rId3">
+              <a:duotone>
+                <a:schemeClr val="accent1">
+                  <a:shade val="45000"/>
+                  <a:satMod val="135000"/>
+                </a:schemeClr>
+                <a:prstClr val="white"/>
+              </a:duotone>
+            </a:blip>
+            <a:srcRect/>
+            <a:tile tx="-444500" ty="-127000" sx="50000" sy="50000" flip="xy" algn="tl"/>
+          </a:blipFill>
+          <a:ln>
+            <a:noFill/>
+          </a:ln>
+        </p:spPr>
+        <p:style>
+          <a:lnRef idx="2">
+            <a:schemeClr val="accent1">
+              <a:shade val="50000"/>
+            </a:schemeClr>
+          </a:lnRef>
+          <a:fillRef idx="1">
+            <a:schemeClr val="accent1"/>
+          </a:fillRef>
+          <a:effectRef idx="0">
+            <a:schemeClr val="accent1"/>
+          </a:effectRef>
+          <a:fontRef idx="minor">
+            <a:schemeClr val="lt1"/>
+          </a:fontRef>
+        </p:style>
+        <p:txBody>
+          <a:bodyPr rtlCol="0" anchor="ctr"/>
+          <a:lstStyle/>
+          <a:p>
+            <a:pPr lvl="0" algn="ctr"/>
+            <a:endParaRPr lang="en-US" dirty="0">
+              <a:solidFill>
+                <a:prstClr val="white"/>
+              </a:solidFill>
+            </a:endParaRPr>
+          </a:p>
+        </p:txBody>
+      </p:sp>
+      <p:sp>
+        <p:nvSpPr>
+          <p:cNvPr id="2" name="Title 1"/>
+          <p:cNvSpPr>
+            <a:spLocks noGrp="1"/>
+          </p:cNvSpPr>
+          <p:nvPr>
+            <p:ph type="ctrTitle"/>
+          </p:nvPr>
+        </p:nvSpPr>
+        <p:spPr>
+          <a:xfrm>
+            <a:off x="5590120" y="1105351"/>
+            <a:ext cx="5477071" cy="3023981"/>
+          </a:xfrm>
+        </p:spPr>
+        <p:txBody>
+          <a:bodyPr anchor="b">
+            <a:normAutofit/>
+          </a:bodyPr>
+          <a:lstStyle/>
+          <a:p>
+            <a:pPr algn="l"/>
+            <a:r>
+              <a:rPr lang="en-US" sz="4400">
+                <a:solidFill>
+                  <a:schemeClr val="bg1"/>
+                </a:solidFill>
+              </a:rPr>
+              <a:t>DBs with Benefits…</a:t>
+            </a:r>
+          </a:p>
+        </p:txBody>
+      </p:sp>
+      <p:sp>
+        <p:nvSpPr>
+          <p:cNvPr id="3" name="Subtitle 2"/>
+          <p:cNvSpPr>
+            <a:spLocks noGrp="1"/>
+          </p:cNvSpPr>
+          <p:nvPr>
+            <p:ph type="subTitle" idx="1"/>
+          </p:nvPr>
+        </p:nvSpPr>
+        <p:spPr>
+          <a:xfrm>
+            <a:off x="5590120" y="4297556"/>
+            <a:ext cx="5477071" cy="1431695"/>
+          </a:xfrm>
+        </p:spPr>
+        <p:txBody>
+          <a:bodyPr anchor="t">
+            <a:normAutofit/>
+          </a:bodyPr>
+          <a:lstStyle/>
+          <a:p>
+            <a:r>
+              <a:rPr lang="en-US" sz="1600">
+                <a:solidFill>
+                  <a:schemeClr val="bg1"/>
+                </a:solidFill>
+              </a:rPr>
+              <a:t>GraphDBs focus on relationships over normalization</a:t>
+            </a:r>
+          </a:p>
+        </p:txBody>
+      </p:sp>
+    </p:spTree>
+    <p:extLst>
+      <p:ext uri="{BB962C8B-B14F-4D97-AF65-F5344CB8AC3E}">
+        <p14:creationId xmlns:p14="http://schemas.microsoft.com/office/powerpoint/2010/main" val="442976295"/>
+      </p:ext>
+    </p:extLst>
+  </p:cSld>
+  <p:clrMapOvr>
+    <a:masterClrMapping/>
+  </p:clrMapOvr>
+  <mc:AlternateContent xmlns:mc="http://schemas.openxmlformats.org/markup-compatibility/2006" xmlns:p14="http://schemas.microsoft.com/office/powerpoint/2010/main">
+    <mc:Choice Requires="p14">
+      <p:transition spd="slow" p14:dur="1400">
+        <p14:doors dir="vert"/>
+      </p:transition>
+    </mc:Choice>
+    <mc:Fallback xmlns="">
+      <p:transition spd="slow">
+        <p:fade/>
+      </p:transition>
+    </mc:Fallback>
+  </mc:AlternateContent>
+</p:sld>
+</file>
+
+<file path=ppt/slides/slide14.xml><?xml version="1.0" encoding="utf-8"?>
+<p:sld xmlns:a="http://schemas.openxmlformats.org/drawingml/2006/main" xmlns:r="http://schemas.openxmlformats.org/officeDocument/2006/relationships" xmlns:p="http://schemas.openxmlformats.org/presentationml/2006/main">
+  <p:cSld>
+    <p:spTree>
+      <p:nvGrpSpPr>
+        <p:cNvPr id="1" name=""/>
+        <p:cNvGrpSpPr/>
+        <p:nvPr/>
+      </p:nvGrpSpPr>
+      <p:grpSpPr>
+        <a:xfrm>
+          <a:off x="0" y="0"/>
+          <a:ext cx="0" cy="0"/>
+          <a:chOff x="0" y="0"/>
+          <a:chExt cx="0" cy="0"/>
+        </a:xfrm>
+      </p:grpSpPr>
+      <p:sp>
+        <p:nvSpPr>
+          <p:cNvPr id="2" name="Title 1"/>
+          <p:cNvSpPr>
+            <a:spLocks noGrp="1"/>
+          </p:cNvSpPr>
+          <p:nvPr>
+            <p:ph type="title"/>
+          </p:nvPr>
+        </p:nvSpPr>
+        <p:spPr/>
+        <p:txBody>
+          <a:bodyPr/>
+          <a:lstStyle/>
+          <a:p>
+            <a:r>
+              <a:rPr lang="en-US" dirty="0"/>
+              <a:t>Graph DB vs Relational DB</a:t>
+            </a:r>
+          </a:p>
+        </p:txBody>
+      </p:sp>
+      <p:sp>
+        <p:nvSpPr>
+          <p:cNvPr id="3" name="Text Placeholder 2"/>
+          <p:cNvSpPr>
+            <a:spLocks noGrp="1"/>
+          </p:cNvSpPr>
+          <p:nvPr>
+            <p:ph type="body" idx="1"/>
+          </p:nvPr>
+        </p:nvSpPr>
+        <p:spPr/>
+        <p:txBody>
+          <a:bodyPr/>
+          <a:lstStyle/>
+          <a:p>
+            <a:r>
+              <a:rPr lang="en-US" dirty="0"/>
+              <a:t>Graph DB</a:t>
+            </a:r>
+          </a:p>
+        </p:txBody>
+      </p:sp>
+      <p:pic>
+        <p:nvPicPr>
+          <p:cNvPr id="10" name="Content Placeholder 6"/>
+          <p:cNvPicPr>
+            <a:picLocks noGrp="1" noChangeAspect="1"/>
+          </p:cNvPicPr>
+          <p:nvPr>
+            <p:ph sz="half" idx="2"/>
+          </p:nvPr>
+        </p:nvPicPr>
+        <p:blipFill>
+          <a:blip r:embed="rId3"/>
+          <a:stretch>
+            <a:fillRect/>
+          </a:stretch>
+        </p:blipFill>
+        <p:spPr>
+          <a:xfrm>
+            <a:off x="2434431" y="3537744"/>
+            <a:ext cx="1933575" cy="2200275"/>
+          </a:xfrm>
+          <a:prstGeom prst="rect">
+            <a:avLst/>
+          </a:prstGeom>
+        </p:spPr>
+      </p:pic>
+      <p:sp>
+        <p:nvSpPr>
+          <p:cNvPr id="5" name="Text Placeholder 4"/>
+          <p:cNvSpPr>
+            <a:spLocks noGrp="1"/>
+          </p:cNvSpPr>
+          <p:nvPr>
+            <p:ph type="body" sz="quarter" idx="3"/>
+          </p:nvPr>
+        </p:nvSpPr>
+        <p:spPr/>
+        <p:txBody>
+          <a:bodyPr/>
+          <a:lstStyle/>
+          <a:p>
+            <a:r>
+              <a:rPr lang="en-US" dirty="0"/>
+              <a:t>Relational DB</a:t>
+            </a:r>
+          </a:p>
+        </p:txBody>
+      </p:sp>
+      <p:pic>
+        <p:nvPicPr>
+          <p:cNvPr id="9" name="Content Placeholder 11"/>
+          <p:cNvPicPr>
+            <a:picLocks noGrp="1" noChangeAspect="1"/>
+          </p:cNvPicPr>
+          <p:nvPr>
+            <p:ph sz="quarter" idx="4"/>
+          </p:nvPr>
+        </p:nvPicPr>
+        <p:blipFill>
+          <a:blip r:embed="rId4"/>
+          <a:stretch>
+            <a:fillRect/>
+          </a:stretch>
+        </p:blipFill>
+        <p:spPr>
+          <a:xfrm>
+            <a:off x="7439613" y="3506828"/>
+            <a:ext cx="2152650" cy="1123950"/>
+          </a:xfrm>
+          <a:prstGeom prst="rect">
+            <a:avLst/>
+          </a:prstGeom>
+        </p:spPr>
+      </p:pic>
+    </p:spTree>
+    <p:extLst>
+      <p:ext uri="{BB962C8B-B14F-4D97-AF65-F5344CB8AC3E}">
+        <p14:creationId xmlns:p14="http://schemas.microsoft.com/office/powerpoint/2010/main" val="3028700599"/>
+      </p:ext>
+    </p:extLst>
+  </p:cSld>
+  <p:clrMapOvr>
+    <a:masterClrMapping/>
+  </p:clrMapOvr>
+</p:sld>
+</file>
+
+<file path=ppt/slides/slide15.xml><?xml version="1.0" encoding="utf-8"?>
+<p:sld xmlns:a="http://schemas.openxmlformats.org/drawingml/2006/main" xmlns:r="http://schemas.openxmlformats.org/officeDocument/2006/relationships" xmlns:p="http://schemas.openxmlformats.org/presentationml/2006/main">
+  <p:cSld>
+    <p:spTree>
+      <p:nvGrpSpPr>
+        <p:cNvPr id="1" name=""/>
+        <p:cNvGrpSpPr/>
+        <p:nvPr/>
+      </p:nvGrpSpPr>
+      <p:grpSpPr>
+        <a:xfrm>
+          <a:off x="0" y="0"/>
+          <a:ext cx="0" cy="0"/>
+          <a:chOff x="0" y="0"/>
+          <a:chExt cx="0" cy="0"/>
+        </a:xfrm>
+      </p:grpSpPr>
+      <p:sp>
+        <p:nvSpPr>
+          <p:cNvPr id="2" name="Title 1"/>
+          <p:cNvSpPr>
+            <a:spLocks noGrp="1"/>
+          </p:cNvSpPr>
+          <p:nvPr>
+            <p:ph type="title"/>
+          </p:nvPr>
+        </p:nvSpPr>
+        <p:spPr/>
+        <p:txBody>
+          <a:bodyPr/>
+          <a:lstStyle/>
+          <a:p>
+            <a:r>
+              <a:rPr lang="en-US" dirty="0"/>
+              <a:t>Graph Databases: Pros and Cons</a:t>
+            </a:r>
+          </a:p>
+        </p:txBody>
+      </p:sp>
+      <p:sp>
+        <p:nvSpPr>
+          <p:cNvPr id="3" name="Text Placeholder 2"/>
+          <p:cNvSpPr>
+            <a:spLocks noGrp="1"/>
+          </p:cNvSpPr>
+          <p:nvPr>
+            <p:ph type="body" idx="1"/>
+          </p:nvPr>
+        </p:nvSpPr>
+        <p:spPr/>
+        <p:txBody>
+          <a:bodyPr/>
+          <a:lstStyle/>
+          <a:p>
+            <a:r>
+              <a:rPr lang="en-US" dirty="0"/>
+              <a:t>Pros:</a:t>
+            </a:r>
+          </a:p>
+        </p:txBody>
+      </p:sp>
+      <p:sp>
+        <p:nvSpPr>
+          <p:cNvPr id="4" name="Content Placeholder 3"/>
+          <p:cNvSpPr>
+            <a:spLocks noGrp="1"/>
+          </p:cNvSpPr>
+          <p:nvPr>
+            <p:ph sz="half" idx="2"/>
+          </p:nvPr>
+        </p:nvSpPr>
+        <p:spPr/>
+        <p:txBody>
+          <a:bodyPr/>
+          <a:lstStyle/>
+          <a:p>
+            <a:pPr>
+              <a:buFont typeface="Wingdings" panose="05000000000000000000" pitchFamily="2" charset="2"/>
+              <a:buChar char="ü"/>
+            </a:pPr>
+            <a:r>
+              <a:rPr lang="en-US" dirty="0"/>
+              <a:t>Easy to query</a:t>
+            </a:r>
+          </a:p>
+          <a:p>
+            <a:pPr>
+              <a:buFont typeface="Wingdings" panose="05000000000000000000" pitchFamily="2" charset="2"/>
+              <a:buChar char="ü"/>
+            </a:pPr>
+            <a:r>
+              <a:rPr lang="en-US" dirty="0"/>
+              <a:t>Ability to connect disparate data easily without needing a common data model</a:t>
+            </a:r>
+          </a:p>
+        </p:txBody>
+      </p:sp>
+      <p:sp>
+        <p:nvSpPr>
+          <p:cNvPr id="5" name="Text Placeholder 4"/>
+          <p:cNvSpPr>
+            <a:spLocks noGrp="1"/>
+          </p:cNvSpPr>
+          <p:nvPr>
+            <p:ph type="body" sz="quarter" idx="3"/>
+          </p:nvPr>
+        </p:nvSpPr>
+        <p:spPr/>
+        <p:txBody>
+          <a:bodyPr/>
+          <a:lstStyle/>
+          <a:p>
+            <a:r>
+              <a:rPr lang="en-US" dirty="0"/>
+              <a:t>Cons:</a:t>
+            </a:r>
+          </a:p>
+        </p:txBody>
+      </p:sp>
+      <p:sp>
+        <p:nvSpPr>
+          <p:cNvPr id="6" name="Content Placeholder 5"/>
+          <p:cNvSpPr>
+            <a:spLocks noGrp="1"/>
+          </p:cNvSpPr>
+          <p:nvPr>
+            <p:ph sz="quarter" idx="4"/>
+          </p:nvPr>
+        </p:nvSpPr>
+        <p:spPr/>
+        <p:txBody>
+          <a:bodyPr/>
+          <a:lstStyle/>
+          <a:p>
+            <a:pPr>
+              <a:buFont typeface="Wingdings" panose="05000000000000000000" pitchFamily="2" charset="2"/>
+              <a:buChar char="§"/>
+            </a:pPr>
+            <a:r>
+              <a:rPr lang="en-US" dirty="0"/>
+              <a:t>Requires a different way to think about data</a:t>
+            </a:r>
+          </a:p>
+          <a:p>
+            <a:pPr>
+              <a:buFont typeface="Wingdings" panose="05000000000000000000" pitchFamily="2" charset="2"/>
+              <a:buChar char="§"/>
+            </a:pPr>
+            <a:r>
+              <a:rPr lang="en-US" dirty="0"/>
+              <a:t>No single graph query language </a:t>
+            </a:r>
+          </a:p>
+        </p:txBody>
+      </p:sp>
+    </p:spTree>
+    <p:extLst>
+      <p:ext uri="{BB962C8B-B14F-4D97-AF65-F5344CB8AC3E}">
+        <p14:creationId xmlns:p14="http://schemas.microsoft.com/office/powerpoint/2010/main" val="3025704246"/>
+      </p:ext>
+    </p:extLst>
+  </p:cSld>
+  <p:clrMapOvr>
+    <a:masterClrMapping/>
+  </p:clrMapOvr>
+</p:sld>
+</file>
+
+<file path=ppt/slides/slide16.xml><?xml version="1.0" encoding="utf-8"?>
 <p:sld xmlns:a="http://schemas.openxmlformats.org/drawingml/2006/main" xmlns:r="http://schemas.openxmlformats.org/officeDocument/2006/relationships" xmlns:p="http://schemas.openxmlformats.org/presentationml/2006/main">
   <p:cSld>
     <p:spTree>
@@ -21234,12 +24682,28 @@
           <a:p>
             <a:pPr algn="l"/>
             <a:r>
-              <a:rPr lang="en-US" sz="4400">
+              <a:rPr lang="en-US" sz="4400" dirty="0">
                 <a:solidFill>
                   <a:schemeClr val="bg1"/>
                 </a:solidFill>
               </a:rPr>
-              <a:t>Popular graphdbs</a:t>
+              <a:t>Popular </a:t>
+            </a:r>
+            <a:r>
+              <a:rPr lang="en-US" sz="4400" dirty="0" err="1">
+                <a:solidFill>
+                  <a:schemeClr val="bg1"/>
+                </a:solidFill>
+              </a:rPr>
+              <a:t>graphdb</a:t>
+            </a:r>
+            <a:r>
+              <a:rPr lang="en-US" sz="4400" dirty="0">
+                <a:solidFill>
+                  <a:schemeClr val="bg1"/>
+                </a:solidFill>
+              </a:rPr>
+              <a:t> Engines</a:t>
             </a:r>
           </a:p>
         </p:txBody>
@@ -21257,7 +24721,7 @@
 </p:sld>
 </file>
 
-<file path=ppt/slides/slide11.xml><?xml version="1.0" encoding="utf-8"?>
+<file path=ppt/slides/slide17.xml><?xml version="1.0" encoding="utf-8"?>
 <p:sld xmlns:a="http://schemas.openxmlformats.org/drawingml/2006/main" xmlns:r="http://schemas.openxmlformats.org/officeDocument/2006/relationships" xmlns:p="http://schemas.openxmlformats.org/presentationml/2006/main" showMasterSp="0">
   <p:cSld>
     <p:spTree>
@@ -21285,7 +24749,7 @@
           </p:nvPr>
         </p:nvPicPr>
         <p:blipFill>
-          <a:blip r:embed="rId2"/>
+          <a:blip r:embed="rId3"/>
           <a:stretch>
             <a:fillRect/>
           </a:stretch>
@@ -21306,7 +24770,7 @@
           <p:nvPr/>
         </p:nvPicPr>
         <p:blipFill>
-          <a:blip r:embed="rId3"/>
+          <a:blip r:embed="rId4"/>
           <a:stretch>
             <a:fillRect/>
           </a:stretch>
@@ -21330,7 +24794,7 @@
           <p:nvPr/>
         </p:nvPicPr>
         <p:blipFill>
-          <a:blip r:embed="rId4"/>
+          <a:blip r:embed="rId5"/>
           <a:stretch>
             <a:fillRect/>
           </a:stretch>
@@ -21354,7 +24818,7 @@
           <p:nvPr/>
         </p:nvPicPr>
         <p:blipFill>
-          <a:blip r:embed="rId5"/>
+          <a:blip r:embed="rId6"/>
           <a:stretch>
             <a:fillRect/>
           </a:stretch>
@@ -21378,7 +24842,7 @@
           <p:nvPr/>
         </p:nvPicPr>
         <p:blipFill>
-          <a:blip r:embed="rId6"/>
+          <a:blip r:embed="rId7"/>
           <a:stretch>
             <a:fillRect/>
           </a:stretch>
@@ -21402,7 +24866,7 @@
           <p:nvPr/>
         </p:nvPicPr>
         <p:blipFill>
-          <a:blip r:embed="rId7"/>
+          <a:blip r:embed="rId8"/>
           <a:stretch>
             <a:fillRect/>
           </a:stretch>
@@ -21426,7 +24890,7 @@
           <p:nvPr/>
         </p:nvPicPr>
         <p:blipFill>
-          <a:blip r:embed="rId8"/>
+          <a:blip r:embed="rId9"/>
           <a:stretch>
             <a:fillRect/>
           </a:stretch>
@@ -21450,7 +24914,7 @@
           <p:nvPr/>
         </p:nvPicPr>
         <p:blipFill>
-          <a:blip r:embed="rId9"/>
+          <a:blip r:embed="rId10"/>
           <a:stretch>
             <a:fillRect/>
           </a:stretch>
@@ -21474,7 +24938,7 @@
           <p:nvPr/>
         </p:nvPicPr>
         <p:blipFill>
-          <a:blip r:embed="rId10"/>
+          <a:blip r:embed="rId11"/>
           <a:stretch>
             <a:fillRect/>
           </a:stretch>
@@ -21498,7 +24962,7 @@
           <p:nvPr/>
         </p:nvPicPr>
         <p:blipFill>
-          <a:blip r:embed="rId11"/>
+          <a:blip r:embed="rId12"/>
           <a:stretch>
             <a:fillRect/>
           </a:stretch>
@@ -21522,7 +24986,7 @@
           <p:nvPr/>
         </p:nvPicPr>
         <p:blipFill>
-          <a:blip r:embed="rId12"/>
+          <a:blip r:embed="rId13"/>
           <a:stretch>
             <a:fillRect/>
           </a:stretch>
@@ -21550,7 +25014,7 @@
 </p:sld>
 </file>
 
-<file path=ppt/slides/slide12.xml><?xml version="1.0" encoding="utf-8"?>
+<file path=ppt/slides/slide18.xml><?xml version="1.0" encoding="utf-8"?>
 <p:sld xmlns:a="http://schemas.openxmlformats.org/drawingml/2006/main" xmlns:r="http://schemas.openxmlformats.org/officeDocument/2006/relationships" xmlns:p="http://schemas.openxmlformats.org/presentationml/2006/main">
   <p:cSld>
     <p:spTree>
@@ -21610,7 +25074,7 @@
             </a:pPr>
             <a:r>
               <a:rPr lang="en-US" dirty="0"/>
-              <a:t>Only one DB can be running on one port at a time</a:t>
+              <a:t> Only one DB can be running on one port at a time</a:t>
             </a:r>
           </a:p>
           <a:p>
@@ -21627,7 +25091,7 @@
           <p:nvPr/>
         </p:nvPicPr>
         <p:blipFill>
-          <a:blip r:embed="rId2"/>
+          <a:blip r:embed="rId3"/>
           <a:stretch>
             <a:fillRect/>
           </a:stretch>
@@ -21651,7 +25115,7 @@
         <p:spPr>
           <a:xfrm>
             <a:off x="5159830" y="451527"/>
-            <a:ext cx="6018228" cy="3231654"/>
+            <a:ext cx="6018228" cy="3785652"/>
           </a:xfrm>
           <a:prstGeom prst="rect">
             <a:avLst/>
@@ -21684,7 +25148,7 @@
             </a:pPr>
             <a:r>
               <a:rPr lang="en-US" sz="2400" dirty="0"/>
-              <a:t>Runs on Windows natively - in either console or as a service</a:t>
+              <a:t>Runs on Windows natively - in either a console or as a service</a:t>
             </a:r>
           </a:p>
           <a:p>
@@ -21697,7 +25161,7 @@
             </a:pPr>
             <a:r>
               <a:rPr lang="en-US" sz="2400" dirty="0"/>
-              <a:t>24/7 production since 2003 – Mature</a:t>
+              <a:t>24/7 production support since 2003 – Mature</a:t>
             </a:r>
           </a:p>
           <a:p>
@@ -21855,7 +25319,7 @@
 </p:sld>
 </file>
 
-<file path=ppt/slides/slide13.xml><?xml version="1.0" encoding="utf-8"?>
+<file path=ppt/slides/slide19.xml><?xml version="1.0" encoding="utf-8"?>
 <p:sld xmlns:a="http://schemas.openxmlformats.org/drawingml/2006/main" xmlns:r="http://schemas.openxmlformats.org/officeDocument/2006/relationships" xmlns:p="http://schemas.openxmlformats.org/presentationml/2006/main">
   <p:cSld>
     <p:spTree>
@@ -21915,7 +25379,7 @@
             </a:pPr>
             <a:r>
               <a:rPr lang="en-US" dirty="0"/>
-              <a:t>No native windows service installation</a:t>
+              <a:t> No native windows service installation</a:t>
             </a:r>
           </a:p>
           <a:p>
@@ -21925,7 +25389,7 @@
             </a:pPr>
             <a:r>
               <a:rPr lang="en-US" dirty="0"/>
-              <a:t>Requires more schema design up front</a:t>
+              <a:t> Requires more schema design up front</a:t>
             </a:r>
           </a:p>
         </p:txBody>
@@ -21939,7 +25403,7 @@
           <p:nvPr/>
         </p:nvPicPr>
         <p:blipFill>
-          <a:blip r:embed="rId2"/>
+          <a:blip r:embed="rId3"/>
           <a:stretch>
             <a:fillRect/>
           </a:stretch>
@@ -22167,7 +25631,193 @@
 </p:sld>
 </file>
 
-<file path=ppt/slides/slide14.xml><?xml version="1.0" encoding="utf-8"?>
+<file path=ppt/slides/slide2.xml><?xml version="1.0" encoding="utf-8"?>
+<p:sld xmlns:a="http://schemas.openxmlformats.org/drawingml/2006/main" xmlns:r="http://schemas.openxmlformats.org/officeDocument/2006/relationships" xmlns:p="http://schemas.openxmlformats.org/presentationml/2006/main">
+  <p:cSld>
+    <p:spTree>
+      <p:nvGrpSpPr>
+        <p:cNvPr id="1" name=""/>
+        <p:cNvGrpSpPr/>
+        <p:nvPr/>
+      </p:nvGrpSpPr>
+      <p:grpSpPr>
+        <a:xfrm>
+          <a:off x="0" y="0"/>
+          <a:ext cx="0" cy="0"/>
+          <a:chOff x="0" y="0"/>
+          <a:chExt cx="0" cy="0"/>
+        </a:xfrm>
+      </p:grpSpPr>
+      <p:sp>
+        <p:nvSpPr>
+          <p:cNvPr id="2" name="Title 1"/>
+          <p:cNvSpPr>
+            <a:spLocks noGrp="1"/>
+          </p:cNvSpPr>
+          <p:nvPr>
+            <p:ph type="title"/>
+          </p:nvPr>
+        </p:nvSpPr>
+        <p:spPr/>
+        <p:txBody>
+          <a:bodyPr/>
+          <a:lstStyle/>
+          <a:p>
+            <a:r>
+              <a:rPr lang="en-US" dirty="0"/>
+              <a:t>About Me</a:t>
+            </a:r>
+          </a:p>
+        </p:txBody>
+      </p:sp>
+      <p:sp>
+        <p:nvSpPr>
+          <p:cNvPr id="8" name="TextBox 7"/>
+          <p:cNvSpPr txBox="1"/>
+          <p:nvPr/>
+        </p:nvSpPr>
+        <p:spPr>
+          <a:xfrm>
+            <a:off x="743445" y="2018844"/>
+            <a:ext cx="5700511" cy="3416320"/>
+          </a:xfrm>
+          <a:prstGeom prst="rect">
+            <a:avLst/>
+          </a:prstGeom>
+          <a:noFill/>
+        </p:spPr>
+        <p:txBody>
+          <a:bodyPr wrap="square" rtlCol="0">
+            <a:spAutoFit/>
+          </a:bodyPr>
+          <a:lstStyle/>
+          <a:p>
+            <a:r>
+              <a:rPr lang="en-US" dirty="0"/>
+              <a:t>CREATE p = (</a:t>
+            </a:r>
+            <a:r>
+              <a:rPr lang="en-US" dirty="0" err="1"/>
+              <a:t>person:Person</a:t>
+            </a:r>
+            <a:r>
+              <a:rPr lang="en-US" dirty="0"/>
+              <a:t> {name: 'Jen', </a:t>
+            </a:r>
+          </a:p>
+          <a:p>
+            <a:r>
+              <a:rPr lang="en-US" dirty="0"/>
+              <a:t>email: 'jenparker1975@gmail.com', </a:t>
+            </a:r>
+          </a:p>
+          <a:p>
+            <a:r>
+              <a:rPr lang="en-US" dirty="0" err="1"/>
+              <a:t>github:'https</a:t>
+            </a:r>
+            <a:r>
+              <a:rPr lang="en-US" dirty="0"/>
+              <a:t>://https://github.com/jenparker1975'})</a:t>
+            </a:r>
+          </a:p>
+          <a:p>
+            <a:r>
+              <a:rPr lang="en-US" dirty="0"/>
+              <a:t> – [:WORKS_AT] -&gt; (</a:t>
+            </a:r>
+            <a:r>
+              <a:rPr lang="en-US" dirty="0" err="1"/>
+              <a:t>company:Company</a:t>
+            </a:r>
+            <a:r>
+              <a:rPr lang="en-US" dirty="0"/>
+              <a:t> {name: 'HealthcareSource', </a:t>
+            </a:r>
+          </a:p>
+          <a:p>
+            <a:r>
+              <a:rPr lang="en-US" dirty="0"/>
+              <a:t>tag: 'Leading provider of talent management solutions for Healthcare' }) </a:t>
+            </a:r>
+          </a:p>
+          <a:p>
+            <a:r>
+              <a:rPr lang="en-US" dirty="0"/>
+              <a:t>RETURN p </a:t>
+            </a:r>
+          </a:p>
+          <a:p>
+            <a:endParaRPr lang="en-US" dirty="0"/>
+          </a:p>
+          <a:p>
+            <a:r>
+              <a:rPr lang="en-US" dirty="0"/>
+              <a:t>MATCH (</a:t>
+            </a:r>
+            <a:r>
+              <a:rPr lang="en-US" dirty="0" err="1"/>
+              <a:t>person:Person</a:t>
+            </a:r>
+            <a:r>
+              <a:rPr lang="en-US" dirty="0"/>
+              <a:t> {name: 'Jen'}) </a:t>
+            </a:r>
+          </a:p>
+          <a:p>
+            <a:r>
+              <a:rPr lang="en-US" dirty="0"/>
+              <a:t>CREATE (person) -[:IS_LEARNING]-&gt;(</a:t>
+            </a:r>
+            <a:r>
+              <a:rPr lang="en-US" dirty="0" err="1"/>
+              <a:t>technology:Technology</a:t>
+            </a:r>
+            <a:r>
+              <a:rPr lang="en-US" dirty="0"/>
+              <a:t> {name: 'Neo4j'})</a:t>
+            </a:r>
+          </a:p>
+        </p:txBody>
+      </p:sp>
+      <p:pic>
+        <p:nvPicPr>
+          <p:cNvPr id="4" name="Picture 3"/>
+          <p:cNvPicPr>
+            <a:picLocks noChangeAspect="1"/>
+          </p:cNvPicPr>
+          <p:nvPr/>
+        </p:nvPicPr>
+        <p:blipFill>
+          <a:blip r:embed="rId3"/>
+          <a:stretch>
+            <a:fillRect/>
+          </a:stretch>
+        </p:blipFill>
+        <p:spPr>
+          <a:xfrm>
+            <a:off x="6443956" y="0"/>
+            <a:ext cx="6152620" cy="6858000"/>
+          </a:xfrm>
+          <a:prstGeom prst="rect">
+            <a:avLst/>
+          </a:prstGeom>
+        </p:spPr>
+      </p:pic>
+    </p:spTree>
+    <p:extLst>
+      <p:ext uri="{BB962C8B-B14F-4D97-AF65-F5344CB8AC3E}">
+        <p14:creationId xmlns:p14="http://schemas.microsoft.com/office/powerpoint/2010/main" val="16365372"/>
+      </p:ext>
+    </p:extLst>
+  </p:cSld>
+  <p:clrMapOvr>
+    <a:masterClrMapping/>
+  </p:clrMapOvr>
+</p:sld>
+</file>
+
+<file path=ppt/slides/slide20.xml><?xml version="1.0" encoding="utf-8"?>
 <p:sld xmlns:a="http://schemas.openxmlformats.org/drawingml/2006/main" xmlns:r="http://schemas.openxmlformats.org/officeDocument/2006/relationships" xmlns:p="http://schemas.openxmlformats.org/presentationml/2006/main">
   <p:cSld>
     <p:spTree>
@@ -22196,7 +25846,7 @@
         </p:nvSpPr>
         <p:spPr>
           <a:xfrm>
-            <a:off x="5239270" y="3513587"/>
+            <a:off x="5239270" y="4067585"/>
             <a:ext cx="6410094" cy="2447826"/>
           </a:xfrm>
         </p:spPr>
@@ -22221,7 +25871,7 @@
             </a:pPr>
             <a:r>
               <a:rPr lang="en-US" dirty="0"/>
-              <a:t>No native windows installation</a:t>
+              <a:t> No native windows installation</a:t>
             </a:r>
           </a:p>
           <a:p>
@@ -22231,7 +25881,7 @@
             </a:pPr>
             <a:r>
               <a:rPr lang="en-US" dirty="0"/>
-              <a:t>No support for windows in a production environment</a:t>
+              <a:t> No support for windows in a production environment</a:t>
             </a:r>
           </a:p>
         </p:txBody>
@@ -22245,7 +25895,7 @@
           <p:nvPr/>
         </p:nvPicPr>
         <p:blipFill>
-          <a:blip r:embed="rId2"/>
+          <a:blip r:embed="rId3"/>
           <a:stretch>
             <a:fillRect/>
           </a:stretch>
@@ -22269,7 +25919,7 @@
         <p:spPr>
           <a:xfrm>
             <a:off x="5239270" y="558932"/>
-            <a:ext cx="6315422" cy="2954655"/>
+            <a:ext cx="6315422" cy="3508653"/>
           </a:xfrm>
           <a:prstGeom prst="rect">
             <a:avLst/>
@@ -22333,6 +25983,24 @@
               <a:rPr lang="en-US" sz="2400" dirty="0"/>
               <a:t>Returns data natively in JSON, making it ideally suited for web development</a:t>
             </a:r>
+          </a:p>
+          <a:p>
+            <a:pPr marL="285750" indent="-285750">
+              <a:lnSpc>
+                <a:spcPct val="150000"/>
+              </a:lnSpc>
+              <a:buFont typeface="Wingdings" panose="05000000000000000000" pitchFamily="2" charset="2"/>
+              <a:buChar char="Ø"/>
+            </a:pPr>
+            <a:r>
+              <a:rPr lang="en-US" sz="2400" dirty="0"/>
+              <a:t>Written on top of </a:t>
+            </a:r>
+            <a:r>
+              <a:rPr lang="en-US" sz="2400" dirty="0" err="1"/>
+              <a:t>GraphQL</a:t>
+            </a:r>
+            <a:endParaRPr lang="en-US" sz="2400" dirty="0"/>
           </a:p>
           <a:p>
             <a:endParaRPr lang="en-US" dirty="0"/>
@@ -22476,7 +26144,7 @@
 </p:sld>
 </file>
 
-<file path=ppt/slides/slide15.xml><?xml version="1.0" encoding="utf-8"?>
+<file path=ppt/slides/slide21.xml><?xml version="1.0" encoding="utf-8"?>
 <p:sld xmlns:a="http://schemas.openxmlformats.org/drawingml/2006/main" xmlns:r="http://schemas.openxmlformats.org/officeDocument/2006/relationships" xmlns:p="http://schemas.openxmlformats.org/presentationml/2006/main">
   <p:cSld>
     <p:spTree>
@@ -22670,7 +26338,7 @@
             <a:avLst/>
           </a:prstGeom>
           <a:blipFill dpi="0" rotWithShape="1">
-            <a:blip r:embed="rId2">
+            <a:blip r:embed="rId3">
               <a:duotone>
                 <a:schemeClr val="accent1">
                   <a:shade val="45000"/>
@@ -22739,12 +26407,12 @@
           <a:p>
             <a:pPr algn="l"/>
             <a:r>
-              <a:rPr lang="en-US" sz="4400">
+              <a:rPr lang="en-US" sz="4400" dirty="0">
                 <a:solidFill>
                   <a:schemeClr val="bg1"/>
                 </a:solidFill>
               </a:rPr>
-              <a:t>Neo4j</a:t>
+              <a:t>Neo4j Introduction</a:t>
             </a:r>
           </a:p>
         </p:txBody>
@@ -22762,7 +26430,7 @@
 </p:sld>
 </file>
 
-<file path=ppt/slides/slide16.xml><?xml version="1.0" encoding="utf-8"?>
+<file path=ppt/slides/slide22.xml><?xml version="1.0" encoding="utf-8"?>
 <p:sld xmlns:a="http://schemas.openxmlformats.org/drawingml/2006/main" xmlns:r="http://schemas.openxmlformats.org/officeDocument/2006/relationships" xmlns:p="http://schemas.openxmlformats.org/presentationml/2006/main">
   <p:cSld>
     <p:spTree>
@@ -22796,7 +26464,7 @@
           <a:p>
             <a:r>
               <a:rPr lang="en-US" dirty="0"/>
-              <a:t>What is Neo4j?</a:t>
+              <a:t>What does Neo4j provide?</a:t>
             </a:r>
           </a:p>
         </p:txBody>
@@ -22880,7 +26548,7 @@
 </p:sld>
 </file>
 
-<file path=ppt/slides/slide17.xml><?xml version="1.0" encoding="utf-8"?>
+<file path=ppt/slides/slide23.xml><?xml version="1.0" encoding="utf-8"?>
 <p:sld xmlns:a="http://schemas.openxmlformats.org/drawingml/2006/main" xmlns:r="http://schemas.openxmlformats.org/officeDocument/2006/relationships" xmlns:p="http://schemas.openxmlformats.org/presentationml/2006/main">
   <p:cSld>
     <p:spTree>
@@ -22915,10 +26583,9 @@
           <a:lstStyle/>
           <a:p>
             <a:r>
-              <a:rPr lang="en-US" b="1" dirty="0"/>
+              <a:rPr lang="en-US" dirty="0"/>
               <a:t>Consider using Neo4j, if you’ve ever done any of the following:</a:t>
             </a:r>
-            <a:endParaRPr lang="en-US" dirty="0"/>
           </a:p>
         </p:txBody>
       </p:sp>
@@ -22936,16 +26603,6 @@
         <p:txBody>
           <a:bodyPr/>
           <a:lstStyle/>
-          <a:p>
-            <a:pPr>
-              <a:buFont typeface="Wingdings" panose="05000000000000000000" pitchFamily="2" charset="2"/>
-              <a:buChar char="Ø"/>
-            </a:pPr>
-            <a:r>
-              <a:rPr lang="en-US" dirty="0"/>
-              <a:t>Modeled a graph in a table</a:t>
-            </a:r>
-          </a:p>
           <a:p>
             <a:pPr>
               <a:buFont typeface="Wingdings" panose="05000000000000000000" pitchFamily="2" charset="2"/>
@@ -23250,67 +26907,6 @@
                       </p:childTnLst>
                     </p:cTn>
                   </p:par>
-                  <p:par>
-                    <p:cTn id="23" fill="hold">
-                      <p:stCondLst>
-                        <p:cond delay="indefinite"/>
-                      </p:stCondLst>
-                      <p:childTnLst>
-                        <p:par>
-                          <p:cTn id="24" fill="hold">
-                            <p:stCondLst>
-                              <p:cond delay="0"/>
-                            </p:stCondLst>
-                            <p:childTnLst>
-                              <p:par>
-                                <p:cTn id="25" presetID="22" presetClass="entr" presetSubtype="4" fill="hold" grpId="0" nodeType="clickEffect">
-                                  <p:stCondLst>
-                                    <p:cond delay="0"/>
-                                  </p:stCondLst>
-                                  <p:childTnLst>
-                                    <p:set>
-                                      <p:cBhvr>
-                                        <p:cTn id="26" dur="1" fill="hold">
-                                          <p:stCondLst>
-                                            <p:cond delay="0"/>
-                                          </p:stCondLst>
-                                        </p:cTn>
-                                        <p:tgtEl>
-                                          <p:spTgt spid="3">
-                                            <p:txEl>
-                                              <p:pRg st="4" end="4"/>
-                                            </p:txEl>
-                                          </p:spTgt>
-                                        </p:tgtEl>
-                                        <p:attrNameLst>
-                                          <p:attrName>style.visibility</p:attrName>
-                                        </p:attrNameLst>
-                                      </p:cBhvr>
-                                      <p:to>
-                                        <p:strVal val="visible"/>
-                                      </p:to>
-                                    </p:set>
-                                    <p:animEffect transition="in" filter="wipe(down)">
-                                      <p:cBhvr>
-                                        <p:cTn id="27" dur="500"/>
-                                        <p:tgtEl>
-                                          <p:spTgt spid="3">
-                                            <p:txEl>
-                                              <p:pRg st="4" end="4"/>
-                                            </p:txEl>
-                                          </p:spTgt>
-                                        </p:tgtEl>
-                                      </p:cBhvr>
-                                    </p:animEffect>
-                                  </p:childTnLst>
-                                </p:cTn>
-                              </p:par>
-                            </p:childTnLst>
-                          </p:cTn>
-                        </p:par>
-                      </p:childTnLst>
-                    </p:cTn>
-                  </p:par>
                 </p:childTnLst>
               </p:cTn>
               <p:prevCondLst>
@@ -23339,293 +26935,7 @@
 </p:sld>
 </file>
 
-<file path=ppt/slides/slide18.xml><?xml version="1.0" encoding="utf-8"?>
-<p:sld xmlns:a="http://schemas.openxmlformats.org/drawingml/2006/main" xmlns:r="http://schemas.openxmlformats.org/officeDocument/2006/relationships" xmlns:p="http://schemas.openxmlformats.org/presentationml/2006/main">
-  <p:cSld>
-    <p:spTree>
-      <p:nvGrpSpPr>
-        <p:cNvPr id="1" name=""/>
-        <p:cNvGrpSpPr/>
-        <p:nvPr/>
-      </p:nvGrpSpPr>
-      <p:grpSpPr>
-        <a:xfrm>
-          <a:off x="0" y="0"/>
-          <a:ext cx="0" cy="0"/>
-          <a:chOff x="0" y="0"/>
-          <a:chExt cx="0" cy="0"/>
-        </a:xfrm>
-      </p:grpSpPr>
-      <p:sp>
-        <p:nvSpPr>
-          <p:cNvPr id="7" name="Rectangle 6"/>
-          <p:cNvSpPr>
-            <a:spLocks noGrp="1" noRot="1" noChangeAspect="1" noMove="1" noResize="1" noEditPoints="1" noAdjustHandles="1" noChangeArrowheads="1" noChangeShapeType="1" noTextEdit="1"/>
-          </p:cNvSpPr>
-          <p:nvPr>
-            <p:extLst>
-              <p:ext uri="{386F3935-93C4-4BCD-93E2-E3B085C9AB24}">
-                <p16:designElem xmlns:p16="http://schemas.microsoft.com/office/powerpoint/2015/main" val="1"/>
-              </p:ext>
-            </p:extLst>
-          </p:nvPr>
-        </p:nvSpPr>
-        <p:spPr>
-          <a:xfrm flipH="1">
-            <a:off x="0" y="0"/>
-            <a:ext cx="12188726" cy="6858975"/>
-          </a:xfrm>
-          <a:prstGeom prst="rect">
-            <a:avLst/>
-          </a:prstGeom>
-          <a:solidFill>
-            <a:schemeClr val="bg1"/>
-          </a:solidFill>
-          <a:ln>
-            <a:noFill/>
-          </a:ln>
-        </p:spPr>
-        <p:style>
-          <a:lnRef idx="2">
-            <a:schemeClr val="accent1">
-              <a:shade val="50000"/>
-            </a:schemeClr>
-          </a:lnRef>
-          <a:fillRef idx="1">
-            <a:schemeClr val="accent1"/>
-          </a:fillRef>
-          <a:effectRef idx="0">
-            <a:schemeClr val="accent1"/>
-          </a:effectRef>
-          <a:fontRef idx="minor">
-            <a:schemeClr val="lt1"/>
-          </a:fontRef>
-        </p:style>
-        <p:txBody>
-          <a:bodyPr rtlCol="0" anchor="ctr"/>
-          <a:lstStyle/>
-          <a:p>
-            <a:pPr algn="ctr"/>
-            <a:endParaRPr lang="en-US"/>
-          </a:p>
-        </p:txBody>
-      </p:sp>
-      <p:sp>
-        <p:nvSpPr>
-          <p:cNvPr id="9" name="Rectangle 8"/>
-          <p:cNvSpPr>
-            <a:spLocks noGrp="1" noRot="1" noChangeAspect="1" noMove="1" noResize="1" noEditPoints="1" noAdjustHandles="1" noChangeArrowheads="1" noChangeShapeType="1" noTextEdit="1"/>
-          </p:cNvSpPr>
-          <p:nvPr>
-            <p:extLst>
-              <p:ext uri="{386F3935-93C4-4BCD-93E2-E3B085C9AB24}">
-                <p16:designElem xmlns:p16="http://schemas.microsoft.com/office/powerpoint/2015/main" val="1"/>
-              </p:ext>
-            </p:extLst>
-          </p:nvPr>
-        </p:nvSpPr>
-        <p:spPr>
-          <a:xfrm>
-            <a:off x="5109343" y="620720"/>
-            <a:ext cx="6442480" cy="5593163"/>
-          </a:xfrm>
-          <a:prstGeom prst="rect">
-            <a:avLst/>
-          </a:prstGeom>
-          <a:solidFill>
-            <a:schemeClr val="tx1">
-              <a:lumMod val="75000"/>
-              <a:lumOff val="25000"/>
-            </a:schemeClr>
-          </a:solidFill>
-          <a:ln>
-            <a:noFill/>
-          </a:ln>
-        </p:spPr>
-        <p:style>
-          <a:lnRef idx="2">
-            <a:schemeClr val="accent1">
-              <a:shade val="50000"/>
-            </a:schemeClr>
-          </a:lnRef>
-          <a:fillRef idx="1">
-            <a:schemeClr val="accent1"/>
-          </a:fillRef>
-          <a:effectRef idx="0">
-            <a:schemeClr val="accent1"/>
-          </a:effectRef>
-          <a:fontRef idx="minor">
-            <a:schemeClr val="lt1"/>
-          </a:fontRef>
-        </p:style>
-        <p:txBody>
-          <a:bodyPr rtlCol="0" anchor="ctr"/>
-          <a:lstStyle/>
-          <a:p>
-            <a:pPr algn="ctr"/>
-            <a:endParaRPr lang="en-US"/>
-          </a:p>
-        </p:txBody>
-      </p:sp>
-      <p:cxnSp>
-        <p:nvCxnSpPr>
-          <p:cNvPr id="11" name="Straight Connector 10"/>
-          <p:cNvCxnSpPr>
-            <a:cxnSpLocks noGrp="1" noRot="1" noChangeAspect="1" noMove="1" noResize="1" noEditPoints="1" noAdjustHandles="1" noChangeArrowheads="1" noChangeShapeType="1"/>
-          </p:cNvCxnSpPr>
-          <p:nvPr>
-            <p:extLst>
-              <p:ext uri="{386F3935-93C4-4BCD-93E2-E3B085C9AB24}">
-                <p16:designElem xmlns:p16="http://schemas.microsoft.com/office/powerpoint/2015/main" val="1"/>
-              </p:ext>
-            </p:extLst>
-          </p:nvPr>
-        </p:nvCxnSpPr>
-        <p:spPr>
-          <a:xfrm>
-            <a:off x="5609960" y="4214336"/>
-            <a:ext cx="5120640" cy="0"/>
-          </a:xfrm>
-          <a:prstGeom prst="line">
-            <a:avLst/>
-          </a:prstGeom>
-          <a:ln w="19050">
-            <a:solidFill>
-              <a:schemeClr val="bg1"/>
-            </a:solidFill>
-          </a:ln>
-        </p:spPr>
-        <p:style>
-          <a:lnRef idx="1">
-            <a:schemeClr val="accent1"/>
-          </a:lnRef>
-          <a:fillRef idx="0">
-            <a:schemeClr val="accent1"/>
-          </a:fillRef>
-          <a:effectRef idx="0">
-            <a:schemeClr val="accent1"/>
-          </a:effectRef>
-          <a:fontRef idx="minor">
-            <a:schemeClr val="tx1"/>
-          </a:fontRef>
-        </p:style>
-      </p:cxnSp>
-      <p:sp>
-        <p:nvSpPr>
-          <p:cNvPr id="13" name="Rectangle 12"/>
-          <p:cNvSpPr>
-            <a:spLocks noGrp="1" noRot="1" noChangeAspect="1" noMove="1" noResize="1" noEditPoints="1" noAdjustHandles="1" noChangeArrowheads="1" noChangeShapeType="1" noTextEdit="1"/>
-          </p:cNvSpPr>
-          <p:nvPr>
-            <p:extLst>
-              <p:ext uri="{386F3935-93C4-4BCD-93E2-E3B085C9AB24}">
-                <p16:designElem xmlns:p16="http://schemas.microsoft.com/office/powerpoint/2015/main" val="1"/>
-              </p:ext>
-            </p:extLst>
-          </p:nvPr>
-        </p:nvSpPr>
-        <p:spPr>
-          <a:xfrm>
-            <a:off x="643467" y="621695"/>
-            <a:ext cx="4305009" cy="5592188"/>
-          </a:xfrm>
-          <a:prstGeom prst="rect">
-            <a:avLst/>
-          </a:prstGeom>
-          <a:blipFill dpi="0" rotWithShape="1">
-            <a:blip r:embed="rId2">
-              <a:duotone>
-                <a:schemeClr val="accent1">
-                  <a:shade val="45000"/>
-                  <a:satMod val="135000"/>
-                </a:schemeClr>
-                <a:prstClr val="white"/>
-              </a:duotone>
-            </a:blip>
-            <a:srcRect/>
-            <a:tile tx="-444500" ty="-127000" sx="50000" sy="50000" flip="xy" algn="tl"/>
-          </a:blipFill>
-          <a:ln>
-            <a:noFill/>
-          </a:ln>
-        </p:spPr>
-        <p:style>
-          <a:lnRef idx="2">
-            <a:schemeClr val="accent1">
-              <a:shade val="50000"/>
-            </a:schemeClr>
-          </a:lnRef>
-          <a:fillRef idx="1">
-            <a:schemeClr val="accent1"/>
-          </a:fillRef>
-          <a:effectRef idx="0">
-            <a:schemeClr val="accent1"/>
-          </a:effectRef>
-          <a:fontRef idx="minor">
-            <a:schemeClr val="lt1"/>
-          </a:fontRef>
-        </p:style>
-        <p:txBody>
-          <a:bodyPr rtlCol="0" anchor="ctr"/>
-          <a:lstStyle/>
-          <a:p>
-            <a:pPr lvl="0" algn="ctr"/>
-            <a:endParaRPr lang="en-US" dirty="0">
-              <a:solidFill>
-                <a:prstClr val="white"/>
-              </a:solidFill>
-            </a:endParaRPr>
-          </a:p>
-        </p:txBody>
-      </p:sp>
-      <p:sp>
-        <p:nvSpPr>
-          <p:cNvPr id="2" name="Title 1"/>
-          <p:cNvSpPr>
-            <a:spLocks noGrp="1"/>
-          </p:cNvSpPr>
-          <p:nvPr>
-            <p:ph type="ctrTitle"/>
-          </p:nvPr>
-        </p:nvSpPr>
-        <p:spPr>
-          <a:xfrm>
-            <a:off x="5590120" y="1105351"/>
-            <a:ext cx="5477071" cy="3023981"/>
-          </a:xfrm>
-        </p:spPr>
-        <p:txBody>
-          <a:bodyPr anchor="b">
-            <a:normAutofit/>
-          </a:bodyPr>
-          <a:lstStyle/>
-          <a:p>
-            <a:pPr algn="l"/>
-            <a:r>
-              <a:rPr lang="en-US" sz="4400">
-                <a:solidFill>
-                  <a:schemeClr val="bg1"/>
-                </a:solidFill>
-              </a:rPr>
-              <a:t>Use Cases and Case Studies</a:t>
-            </a:r>
-          </a:p>
-        </p:txBody>
-      </p:sp>
-    </p:spTree>
-    <p:extLst>
-      <p:ext uri="{BB962C8B-B14F-4D97-AF65-F5344CB8AC3E}">
-        <p14:creationId xmlns:p14="http://schemas.microsoft.com/office/powerpoint/2010/main" val="218535451"/>
-      </p:ext>
-    </p:extLst>
-  </p:cSld>
-  <p:clrMapOvr>
-    <a:masterClrMapping/>
-  </p:clrMapOvr>
-</p:sld>
-</file>
-
-<file path=ppt/slides/slide19.xml><?xml version="1.0" encoding="utf-8"?>
+<file path=ppt/slides/slide24.xml><?xml version="1.0" encoding="utf-8"?>
 <p:sld xmlns:a="http://schemas.openxmlformats.org/drawingml/2006/main" xmlns:r="http://schemas.openxmlformats.org/officeDocument/2006/relationships" xmlns:p="http://schemas.openxmlformats.org/presentationml/2006/main">
   <p:cSld>
     <p:spTree>
@@ -23715,7 +27025,7 @@
           <p:nvPr/>
         </p:nvPicPr>
         <p:blipFill>
-          <a:blip r:embed="rId2"/>
+          <a:blip r:embed="rId3"/>
           <a:stretch>
             <a:fillRect/>
           </a:stretch>
@@ -23739,7 +27049,7 @@
           <p:nvPr/>
         </p:nvPicPr>
         <p:blipFill>
-          <a:blip r:embed="rId3"/>
+          <a:blip r:embed="rId4"/>
           <a:stretch>
             <a:fillRect/>
           </a:stretch>
@@ -23993,7 +27303,7 @@
 </p:sld>
 </file>
 
-<file path=ppt/slides/slide2.xml><?xml version="1.0" encoding="utf-8"?>
+<file path=ppt/slides/slide25.xml><?xml version="1.0" encoding="utf-8"?>
 <p:sld xmlns:a="http://schemas.openxmlformats.org/drawingml/2006/main" xmlns:r="http://schemas.openxmlformats.org/officeDocument/2006/relationships" xmlns:p="http://schemas.openxmlformats.org/presentationml/2006/main">
   <p:cSld>
     <p:spTree>
@@ -24012,164 +27322,264 @@
       </p:grpSpPr>
       <p:sp>
         <p:nvSpPr>
+          <p:cNvPr id="7" name="Rectangle 6"/>
+          <p:cNvSpPr>
+            <a:spLocks noGrp="1" noRot="1" noChangeAspect="1" noMove="1" noResize="1" noEditPoints="1" noAdjustHandles="1" noChangeArrowheads="1" noChangeShapeType="1" noTextEdit="1"/>
+          </p:cNvSpPr>
+          <p:nvPr>
+            <p:extLst>
+              <p:ext uri="{386F3935-93C4-4BCD-93E2-E3B085C9AB24}">
+                <p16:designElem xmlns:p16="http://schemas.microsoft.com/office/powerpoint/2015/main" val="1"/>
+              </p:ext>
+            </p:extLst>
+          </p:nvPr>
+        </p:nvSpPr>
+        <p:spPr>
+          <a:xfrm flipH="1">
+            <a:off x="0" y="0"/>
+            <a:ext cx="12188726" cy="6858975"/>
+          </a:xfrm>
+          <a:prstGeom prst="rect">
+            <a:avLst/>
+          </a:prstGeom>
+          <a:solidFill>
+            <a:schemeClr val="bg1"/>
+          </a:solidFill>
+          <a:ln>
+            <a:noFill/>
+          </a:ln>
+        </p:spPr>
+        <p:style>
+          <a:lnRef idx="2">
+            <a:schemeClr val="accent1">
+              <a:shade val="50000"/>
+            </a:schemeClr>
+          </a:lnRef>
+          <a:fillRef idx="1">
+            <a:schemeClr val="accent1"/>
+          </a:fillRef>
+          <a:effectRef idx="0">
+            <a:schemeClr val="accent1"/>
+          </a:effectRef>
+          <a:fontRef idx="minor">
+            <a:schemeClr val="lt1"/>
+          </a:fontRef>
+        </p:style>
+        <p:txBody>
+          <a:bodyPr rtlCol="0" anchor="ctr"/>
+          <a:lstStyle/>
+          <a:p>
+            <a:pPr algn="ctr"/>
+            <a:endParaRPr lang="en-US"/>
+          </a:p>
+        </p:txBody>
+      </p:sp>
+      <p:sp>
+        <p:nvSpPr>
+          <p:cNvPr id="9" name="Rectangle 8"/>
+          <p:cNvSpPr>
+            <a:spLocks noGrp="1" noRot="1" noChangeAspect="1" noMove="1" noResize="1" noEditPoints="1" noAdjustHandles="1" noChangeArrowheads="1" noChangeShapeType="1" noTextEdit="1"/>
+          </p:cNvSpPr>
+          <p:nvPr>
+            <p:extLst>
+              <p:ext uri="{386F3935-93C4-4BCD-93E2-E3B085C9AB24}">
+                <p16:designElem xmlns:p16="http://schemas.microsoft.com/office/powerpoint/2015/main" val="1"/>
+              </p:ext>
+            </p:extLst>
+          </p:nvPr>
+        </p:nvSpPr>
+        <p:spPr>
+          <a:xfrm>
+            <a:off x="5109343" y="620720"/>
+            <a:ext cx="6442480" cy="5593163"/>
+          </a:xfrm>
+          <a:prstGeom prst="rect">
+            <a:avLst/>
+          </a:prstGeom>
+          <a:solidFill>
+            <a:schemeClr val="tx1">
+              <a:lumMod val="75000"/>
+              <a:lumOff val="25000"/>
+            </a:schemeClr>
+          </a:solidFill>
+          <a:ln>
+            <a:noFill/>
+          </a:ln>
+        </p:spPr>
+        <p:style>
+          <a:lnRef idx="2">
+            <a:schemeClr val="accent1">
+              <a:shade val="50000"/>
+            </a:schemeClr>
+          </a:lnRef>
+          <a:fillRef idx="1">
+            <a:schemeClr val="accent1"/>
+          </a:fillRef>
+          <a:effectRef idx="0">
+            <a:schemeClr val="accent1"/>
+          </a:effectRef>
+          <a:fontRef idx="minor">
+            <a:schemeClr val="lt1"/>
+          </a:fontRef>
+        </p:style>
+        <p:txBody>
+          <a:bodyPr rtlCol="0" anchor="ctr"/>
+          <a:lstStyle/>
+          <a:p>
+            <a:pPr algn="ctr"/>
+            <a:endParaRPr lang="en-US"/>
+          </a:p>
+        </p:txBody>
+      </p:sp>
+      <p:cxnSp>
+        <p:nvCxnSpPr>
+          <p:cNvPr id="11" name="Straight Connector 10"/>
+          <p:cNvCxnSpPr>
+            <a:cxnSpLocks noGrp="1" noRot="1" noChangeAspect="1" noMove="1" noResize="1" noEditPoints="1" noAdjustHandles="1" noChangeArrowheads="1" noChangeShapeType="1"/>
+          </p:cNvCxnSpPr>
+          <p:nvPr>
+            <p:extLst>
+              <p:ext uri="{386F3935-93C4-4BCD-93E2-E3B085C9AB24}">
+                <p16:designElem xmlns:p16="http://schemas.microsoft.com/office/powerpoint/2015/main" val="1"/>
+              </p:ext>
+            </p:extLst>
+          </p:nvPr>
+        </p:nvCxnSpPr>
+        <p:spPr>
+          <a:xfrm>
+            <a:off x="5609960" y="4214336"/>
+            <a:ext cx="5120640" cy="0"/>
+          </a:xfrm>
+          <a:prstGeom prst="line">
+            <a:avLst/>
+          </a:prstGeom>
+          <a:ln w="19050">
+            <a:solidFill>
+              <a:schemeClr val="bg1"/>
+            </a:solidFill>
+          </a:ln>
+        </p:spPr>
+        <p:style>
+          <a:lnRef idx="1">
+            <a:schemeClr val="accent1"/>
+          </a:lnRef>
+          <a:fillRef idx="0">
+            <a:schemeClr val="accent1"/>
+          </a:fillRef>
+          <a:effectRef idx="0">
+            <a:schemeClr val="accent1"/>
+          </a:effectRef>
+          <a:fontRef idx="minor">
+            <a:schemeClr val="tx1"/>
+          </a:fontRef>
+        </p:style>
+      </p:cxnSp>
+      <p:sp>
+        <p:nvSpPr>
+          <p:cNvPr id="13" name="Rectangle 12"/>
+          <p:cNvSpPr>
+            <a:spLocks noGrp="1" noRot="1" noChangeAspect="1" noMove="1" noResize="1" noEditPoints="1" noAdjustHandles="1" noChangeArrowheads="1" noChangeShapeType="1" noTextEdit="1"/>
+          </p:cNvSpPr>
+          <p:nvPr>
+            <p:extLst>
+              <p:ext uri="{386F3935-93C4-4BCD-93E2-E3B085C9AB24}">
+                <p16:designElem xmlns:p16="http://schemas.microsoft.com/office/powerpoint/2015/main" val="1"/>
+              </p:ext>
+            </p:extLst>
+          </p:nvPr>
+        </p:nvSpPr>
+        <p:spPr>
+          <a:xfrm>
+            <a:off x="643467" y="621695"/>
+            <a:ext cx="4305009" cy="5592188"/>
+          </a:xfrm>
+          <a:prstGeom prst="rect">
+            <a:avLst/>
+          </a:prstGeom>
+          <a:blipFill dpi="0" rotWithShape="1">
+            <a:blip r:embed="rId3">
+              <a:duotone>
+                <a:schemeClr val="accent1">
+                  <a:shade val="45000"/>
+                  <a:satMod val="135000"/>
+                </a:schemeClr>
+                <a:prstClr val="white"/>
+              </a:duotone>
+            </a:blip>
+            <a:srcRect/>
+            <a:tile tx="-444500" ty="-127000" sx="50000" sy="50000" flip="xy" algn="tl"/>
+          </a:blipFill>
+          <a:ln>
+            <a:noFill/>
+          </a:ln>
+        </p:spPr>
+        <p:style>
+          <a:lnRef idx="2">
+            <a:schemeClr val="accent1">
+              <a:shade val="50000"/>
+            </a:schemeClr>
+          </a:lnRef>
+          <a:fillRef idx="1">
+            <a:schemeClr val="accent1"/>
+          </a:fillRef>
+          <a:effectRef idx="0">
+            <a:schemeClr val="accent1"/>
+          </a:effectRef>
+          <a:fontRef idx="minor">
+            <a:schemeClr val="lt1"/>
+          </a:fontRef>
+        </p:style>
+        <p:txBody>
+          <a:bodyPr rtlCol="0" anchor="ctr"/>
+          <a:lstStyle/>
+          <a:p>
+            <a:pPr lvl="0" algn="ctr"/>
+            <a:endParaRPr lang="en-US" dirty="0">
+              <a:solidFill>
+                <a:prstClr val="white"/>
+              </a:solidFill>
+            </a:endParaRPr>
+          </a:p>
+        </p:txBody>
+      </p:sp>
+      <p:sp>
+        <p:nvSpPr>
           <p:cNvPr id="2" name="Title 1"/>
           <p:cNvSpPr>
             <a:spLocks noGrp="1"/>
           </p:cNvSpPr>
           <p:nvPr>
-            <p:ph type="title"/>
+            <p:ph type="ctrTitle"/>
           </p:nvPr>
-        </p:nvSpPr>
-        <p:spPr/>
-        <p:txBody>
-          <a:bodyPr/>
-          <a:lstStyle/>
-          <a:p>
-            <a:r>
-              <a:rPr lang="en-US" dirty="0"/>
-              <a:t>About Me</a:t>
-            </a:r>
-          </a:p>
-        </p:txBody>
-      </p:sp>
-      <p:sp>
-        <p:nvSpPr>
-          <p:cNvPr id="8" name="TextBox 7"/>
-          <p:cNvSpPr txBox="1"/>
-          <p:nvPr/>
         </p:nvSpPr>
         <p:spPr>
           <a:xfrm>
-            <a:off x="743445" y="2018844"/>
-            <a:ext cx="5700511" cy="3416320"/>
+            <a:off x="5590120" y="1105351"/>
+            <a:ext cx="5477071" cy="3023981"/>
           </a:xfrm>
-          <a:prstGeom prst="rect">
-            <a:avLst/>
-          </a:prstGeom>
-          <a:noFill/>
         </p:spPr>
         <p:txBody>
-          <a:bodyPr wrap="square" rtlCol="0">
-            <a:spAutoFit/>
+          <a:bodyPr anchor="b">
+            <a:normAutofit/>
           </a:bodyPr>
           <a:lstStyle/>
           <a:p>
-            <a:r>
-              <a:rPr lang="en-US" dirty="0"/>
-              <a:t>CREATE p = (</a:t>
-            </a:r>
-            <a:r>
-              <a:rPr lang="en-US" dirty="0" err="1"/>
-              <a:t>person:Person</a:t>
-            </a:r>
-            <a:r>
-              <a:rPr lang="en-US" dirty="0"/>
-              <a:t> {name: 'Jen', </a:t>
-            </a:r>
-          </a:p>
-          <a:p>
-            <a:r>
-              <a:rPr lang="en-US" dirty="0"/>
-              <a:t>email: 'jenparker1975@gmail.com', </a:t>
-            </a:r>
-          </a:p>
-          <a:p>
-            <a:r>
-              <a:rPr lang="en-US" dirty="0" err="1"/>
-              <a:t>github:'https</a:t>
-            </a:r>
-            <a:r>
-              <a:rPr lang="en-US" dirty="0"/>
-              <a:t>://https://github.com/jenparker1975'})</a:t>
-            </a:r>
-          </a:p>
-          <a:p>
-            <a:r>
-              <a:rPr lang="en-US" dirty="0"/>
-              <a:t> – [:WORKS_AT] -&gt; (</a:t>
-            </a:r>
-            <a:r>
-              <a:rPr lang="en-US" dirty="0" err="1"/>
-              <a:t>company:Company</a:t>
-            </a:r>
-            <a:r>
-              <a:rPr lang="en-US" dirty="0"/>
-              <a:t> {name: 'HealthcareSource', </a:t>
-            </a:r>
-          </a:p>
-          <a:p>
-            <a:r>
-              <a:rPr lang="en-US" dirty="0"/>
-              <a:t>tag: 'Leading provider of talent management solutions for Healthcare' }) </a:t>
-            </a:r>
-          </a:p>
-          <a:p>
-            <a:r>
-              <a:rPr lang="en-US" dirty="0"/>
-              <a:t>RETURN p </a:t>
-            </a:r>
-          </a:p>
-          <a:p>
-            <a:endParaRPr lang="en-US" dirty="0"/>
-          </a:p>
-          <a:p>
-            <a:r>
-              <a:rPr lang="en-US" dirty="0"/>
-              <a:t>MATCH (</a:t>
-            </a:r>
-            <a:r>
-              <a:rPr lang="en-US" dirty="0" err="1"/>
-              <a:t>person:Person</a:t>
-            </a:r>
-            <a:r>
-              <a:rPr lang="en-US" dirty="0"/>
-              <a:t> {name: 'Jen'}) </a:t>
-            </a:r>
-          </a:p>
-          <a:p>
-            <a:r>
-              <a:rPr lang="en-US" dirty="0"/>
-              <a:t>CREATE (person) -[:IS_LEARNING]-&gt;(</a:t>
-            </a:r>
-            <a:r>
-              <a:rPr lang="en-US" dirty="0" err="1"/>
-              <a:t>technology:Technology</a:t>
-            </a:r>
-            <a:r>
-              <a:rPr lang="en-US" dirty="0"/>
-              <a:t> {name: 'Neo4j'})</a:t>
+            <a:pPr algn="l"/>
+            <a:r>
+              <a:rPr lang="en-US" sz="4400" dirty="0">
+                <a:solidFill>
+                  <a:schemeClr val="bg1"/>
+                </a:solidFill>
+              </a:rPr>
+              <a:t>More complex Use Cases</a:t>
             </a:r>
           </a:p>
         </p:txBody>
       </p:sp>
-      <p:pic>
-        <p:nvPicPr>
-          <p:cNvPr id="4" name="Picture 3"/>
-          <p:cNvPicPr>
-            <a:picLocks noChangeAspect="1"/>
-          </p:cNvPicPr>
-          <p:nvPr/>
-        </p:nvPicPr>
-        <p:blipFill>
-          <a:blip r:embed="rId2"/>
-          <a:stretch>
-            <a:fillRect/>
-          </a:stretch>
-        </p:blipFill>
-        <p:spPr>
-          <a:xfrm>
-            <a:off x="6443956" y="0"/>
-            <a:ext cx="6152620" cy="6858000"/>
-          </a:xfrm>
-          <a:prstGeom prst="rect">
-            <a:avLst/>
-          </a:prstGeom>
-        </p:spPr>
-      </p:pic>
     </p:spTree>
     <p:extLst>
       <p:ext uri="{BB962C8B-B14F-4D97-AF65-F5344CB8AC3E}">
-        <p14:creationId xmlns:p14="http://schemas.microsoft.com/office/powerpoint/2010/main" val="16365372"/>
+        <p14:creationId xmlns:p14="http://schemas.microsoft.com/office/powerpoint/2010/main" val="218535451"/>
       </p:ext>
     </p:extLst>
   </p:cSld>
@@ -24179,7 +27589,7 @@
 </p:sld>
 </file>
 
-<file path=ppt/slides/slide20.xml><?xml version="1.0" encoding="utf-8"?>
+<file path=ppt/slides/slide26.xml><?xml version="1.0" encoding="utf-8"?>
 <p:sld xmlns:a="http://schemas.openxmlformats.org/drawingml/2006/main" xmlns:r="http://schemas.openxmlformats.org/officeDocument/2006/relationships" xmlns:p="http://schemas.openxmlformats.org/presentationml/2006/main">
   <p:cSld>
     <p:spTree>
@@ -24264,7 +27674,7 @@
           <p:nvPr/>
         </p:nvPicPr>
         <p:blipFill>
-          <a:blip r:embed="rId2"/>
+          <a:blip r:embed="rId3"/>
           <a:stretch>
             <a:fillRect/>
           </a:stretch>
@@ -24823,7 +28233,7 @@
 </p:sld>
 </file>
 
-<file path=ppt/slides/slide21.xml><?xml version="1.0" encoding="utf-8"?>
+<file path=ppt/slides/slide27.xml><?xml version="1.0" encoding="utf-8"?>
 <p:sld xmlns:a="http://schemas.openxmlformats.org/drawingml/2006/main" xmlns:r="http://schemas.openxmlformats.org/officeDocument/2006/relationships" xmlns:p="http://schemas.openxmlformats.org/presentationml/2006/main">
   <p:cSld>
     <p:spTree>
@@ -24915,7 +28325,7 @@
         </p:blipFill>
         <p:spPr>
           <a:xfrm>
-            <a:off x="4136506" y="1857175"/>
+            <a:off x="4186995" y="2162253"/>
             <a:ext cx="6268701" cy="4701525"/>
           </a:xfrm>
           <a:prstGeom prst="rect">
@@ -24932,7 +28342,7 @@
         <p:spPr>
           <a:xfrm>
             <a:off x="1458621" y="1464714"/>
-            <a:ext cx="9246984" cy="646331"/>
+            <a:ext cx="9246984" cy="923330"/>
           </a:xfrm>
           <a:prstGeom prst="rect">
             <a:avLst/>
@@ -24999,7 +28409,7 @@
               <a:t>{</a:t>
             </a:r>
             <a:r>
-              <a:rPr lang="en-US" b="1" dirty="0">
+              <a:rPr lang="en-US" b="1" dirty="0" err="1">
                 <a:solidFill>
                   <a:srgbClr val="75438A"/>
                 </a:solidFill>
@@ -25008,13 +28418,22 @@
               <a:t>name:</a:t>
             </a:r>
             <a:r>
+              <a:rPr lang="en-US" b="1" dirty="0" err="1">
+                <a:solidFill>
+                  <a:srgbClr val="B35E14"/>
+                </a:solidFill>
+                <a:latin typeface="Consolas" panose="020B0609020204030204" pitchFamily="49" charset="0"/>
+              </a:rPr>
+              <a:t>“Certification</a:t>
+            </a:r>
+            <a:r>
               <a:rPr lang="en-US" b="1" dirty="0">
                 <a:solidFill>
                   <a:srgbClr val="B35E14"/>
                 </a:solidFill>
                 <a:latin typeface="Consolas" panose="020B0609020204030204" pitchFamily="49" charset="0"/>
               </a:rPr>
-              <a:t>"Cert3"</a:t>
+              <a:t>"</a:t>
             </a:r>
             <a:r>
               <a:rPr lang="en-US" b="1" dirty="0">
@@ -25032,7 +28451,7 @@
                 </a:solidFill>
                 <a:latin typeface="Consolas" panose="020B0609020204030204" pitchFamily="49" charset="0"/>
               </a:rPr>
-              <a:t>&lt;-</a:t>
+              <a:t>-</a:t>
             </a:r>
             <a:r>
               <a:rPr lang="en-US" b="1" dirty="0">
@@ -25050,7 +28469,7 @@
                 </a:solidFill>
                 <a:latin typeface="Consolas" panose="020B0609020204030204" pitchFamily="49" charset="0"/>
               </a:rPr>
-              <a:t>:IS_PREREQUISITE</a:t>
+              <a:t>:NEXT_LEARNING</a:t>
             </a:r>
             <a:r>
               <a:rPr lang="en-US" b="1" dirty="0">
@@ -25059,16 +28478,16 @@
                 </a:solidFill>
                 <a:latin typeface="Consolas" panose="020B0609020204030204" pitchFamily="49" charset="0"/>
               </a:rPr>
-              <a:t>]</a:t>
-            </a:r>
-            <a:r>
-              <a:rPr lang="en-US" b="1" dirty="0">
+              <a:t>]-&gt; (</a:t>
+            </a:r>
+            <a:r>
+              <a:rPr lang="en-US" b="1" dirty="0" err="1">
                 <a:solidFill>
-                  <a:srgbClr val="000000"/>
+                  <a:srgbClr val="047D65"/>
                 </a:solidFill>
                 <a:latin typeface="Consolas" panose="020B0609020204030204" pitchFamily="49" charset="0"/>
               </a:rPr>
-              <a:t>-</a:t>
+              <a:t>learning:LearningItem</a:t>
             </a:r>
             <a:r>
               <a:rPr lang="en-US" b="1" dirty="0">
@@ -25077,16 +28496,16 @@
                 </a:solidFill>
                 <a:latin typeface="Consolas" panose="020B0609020204030204" pitchFamily="49" charset="0"/>
               </a:rPr>
-              <a:t>(</a:t>
+              <a:t>)-[:FULFILLED_BY]-&gt;(</a:t>
             </a:r>
             <a:r>
               <a:rPr lang="en-US" b="1" dirty="0" err="1">
                 <a:solidFill>
-                  <a:srgbClr val="047D65"/>
+                  <a:srgbClr val="9C3328"/>
                 </a:solidFill>
                 <a:latin typeface="Consolas" panose="020B0609020204030204" pitchFamily="49" charset="0"/>
               </a:rPr>
-              <a:t>prereq</a:t>
+              <a:t>course:Course</a:t>
             </a:r>
             <a:r>
               <a:rPr lang="en-US" b="1" dirty="0">
@@ -25125,25 +28544,7 @@
                 </a:solidFill>
                 <a:latin typeface="Consolas" panose="020B0609020204030204" pitchFamily="49" charset="0"/>
               </a:rPr>
-              <a:t>prereq</a:t>
-            </a:r>
-            <a:r>
-              <a:rPr lang="en-US" b="1" dirty="0">
-                <a:solidFill>
-                  <a:srgbClr val="9C3328"/>
-                </a:solidFill>
-                <a:latin typeface="Consolas" panose="020B0609020204030204" pitchFamily="49" charset="0"/>
-              </a:rPr>
-              <a:t>.</a:t>
-            </a:r>
-            <a:r>
-              <a:rPr lang="en-US" b="1" dirty="0">
-                <a:solidFill>
-                  <a:srgbClr val="047D65"/>
-                </a:solidFill>
-                <a:latin typeface="Consolas" panose="020B0609020204030204" pitchFamily="49" charset="0"/>
-              </a:rPr>
-              <a:t>name</a:t>
+              <a:t>course.name</a:t>
             </a:r>
             <a:endParaRPr lang="en-US" dirty="0"/>
           </a:p>
@@ -25158,7 +28559,7 @@
         <p:spPr>
           <a:xfrm>
             <a:off x="1416773" y="984639"/>
-            <a:ext cx="5061397" cy="369332"/>
+            <a:ext cx="7474785" cy="369332"/>
           </a:xfrm>
           <a:prstGeom prst="rect">
             <a:avLst/>
@@ -25173,7 +28574,7 @@
           <a:p>
             <a:r>
               <a:rPr lang="en-US" dirty="0"/>
-              <a:t>What are the prerequisites for Certification 3?</a:t>
+              <a:t>What courses do I have to take to get my Certification?</a:t>
             </a:r>
           </a:p>
         </p:txBody>
@@ -25191,7 +28592,7 @@
 </p:sld>
 </file>
 
-<file path=ppt/slides/slide22.xml><?xml version="1.0" encoding="utf-8"?>
+<file path=ppt/slides/slide28.xml><?xml version="1.0" encoding="utf-8"?>
 <p:sld xmlns:a="http://schemas.openxmlformats.org/drawingml/2006/main" xmlns:r="http://schemas.openxmlformats.org/officeDocument/2006/relationships" xmlns:p="http://schemas.openxmlformats.org/presentationml/2006/main">
   <p:cSld>
     <p:spTree>
@@ -26111,7 +29512,7 @@
 </p:sld>
 </file>
 
-<file path=ppt/slides/slide23.xml><?xml version="1.0" encoding="utf-8"?>
+<file path=ppt/slides/slide29.xml><?xml version="1.0" encoding="utf-8"?>
 <p:sld xmlns:a="http://schemas.openxmlformats.org/drawingml/2006/main" xmlns:r="http://schemas.openxmlformats.org/officeDocument/2006/relationships" xmlns:p="http://schemas.openxmlformats.org/presentationml/2006/main">
   <p:cSld>
     <p:spTree>
@@ -26165,7 +29566,296 @@
 </p:sld>
 </file>
 
-<file path=ppt/slides/slide24.xml><?xml version="1.0" encoding="utf-8"?>
+<file path=ppt/slides/slide3.xml><?xml version="1.0" encoding="utf-8"?>
+<p:sld xmlns:a="http://schemas.openxmlformats.org/drawingml/2006/main" xmlns:r="http://schemas.openxmlformats.org/officeDocument/2006/relationships" xmlns:p="http://schemas.openxmlformats.org/presentationml/2006/main">
+  <p:cSld>
+    <p:spTree>
+      <p:nvGrpSpPr>
+        <p:cNvPr id="1" name=""/>
+        <p:cNvGrpSpPr/>
+        <p:nvPr/>
+      </p:nvGrpSpPr>
+      <p:grpSpPr>
+        <a:xfrm>
+          <a:off x="0" y="0"/>
+          <a:ext cx="0" cy="0"/>
+          <a:chOff x="0" y="0"/>
+          <a:chExt cx="0" cy="0"/>
+        </a:xfrm>
+      </p:grpSpPr>
+      <p:sp>
+        <p:nvSpPr>
+          <p:cNvPr id="7" name="Rectangle 6"/>
+          <p:cNvSpPr>
+            <a:spLocks noGrp="1" noRot="1" noChangeAspect="1" noMove="1" noResize="1" noEditPoints="1" noAdjustHandles="1" noChangeArrowheads="1" noChangeShapeType="1" noTextEdit="1"/>
+          </p:cNvSpPr>
+          <p:nvPr>
+            <p:extLst>
+              <p:ext uri="{386F3935-93C4-4BCD-93E2-E3B085C9AB24}">
+                <p16:designElem xmlns:p16="http://schemas.microsoft.com/office/powerpoint/2015/main" val="1"/>
+              </p:ext>
+            </p:extLst>
+          </p:nvPr>
+        </p:nvSpPr>
+        <p:spPr>
+          <a:xfrm flipH="1">
+            <a:off x="0" y="0"/>
+            <a:ext cx="12188726" cy="6858975"/>
+          </a:xfrm>
+          <a:prstGeom prst="rect">
+            <a:avLst/>
+          </a:prstGeom>
+          <a:solidFill>
+            <a:schemeClr val="bg1"/>
+          </a:solidFill>
+          <a:ln>
+            <a:noFill/>
+          </a:ln>
+        </p:spPr>
+        <p:style>
+          <a:lnRef idx="2">
+            <a:schemeClr val="accent1">
+              <a:shade val="50000"/>
+            </a:schemeClr>
+          </a:lnRef>
+          <a:fillRef idx="1">
+            <a:schemeClr val="accent1"/>
+          </a:fillRef>
+          <a:effectRef idx="0">
+            <a:schemeClr val="accent1"/>
+          </a:effectRef>
+          <a:fontRef idx="minor">
+            <a:schemeClr val="lt1"/>
+          </a:fontRef>
+        </p:style>
+        <p:txBody>
+          <a:bodyPr rtlCol="0" anchor="ctr"/>
+          <a:lstStyle/>
+          <a:p>
+            <a:pPr algn="ctr"/>
+            <a:endParaRPr lang="en-US"/>
+          </a:p>
+        </p:txBody>
+      </p:sp>
+      <p:sp>
+        <p:nvSpPr>
+          <p:cNvPr id="9" name="Rectangle 8"/>
+          <p:cNvSpPr>
+            <a:spLocks noGrp="1" noRot="1" noChangeAspect="1" noMove="1" noResize="1" noEditPoints="1" noAdjustHandles="1" noChangeArrowheads="1" noChangeShapeType="1" noTextEdit="1"/>
+          </p:cNvSpPr>
+          <p:nvPr>
+            <p:extLst>
+              <p:ext uri="{386F3935-93C4-4BCD-93E2-E3B085C9AB24}">
+                <p16:designElem xmlns:p16="http://schemas.microsoft.com/office/powerpoint/2015/main" val="1"/>
+              </p:ext>
+            </p:extLst>
+          </p:nvPr>
+        </p:nvSpPr>
+        <p:spPr>
+          <a:xfrm>
+            <a:off x="5109343" y="620720"/>
+            <a:ext cx="6442480" cy="5593163"/>
+          </a:xfrm>
+          <a:prstGeom prst="rect">
+            <a:avLst/>
+          </a:prstGeom>
+          <a:solidFill>
+            <a:schemeClr val="tx1">
+              <a:lumMod val="75000"/>
+              <a:lumOff val="25000"/>
+            </a:schemeClr>
+          </a:solidFill>
+          <a:ln>
+            <a:noFill/>
+          </a:ln>
+        </p:spPr>
+        <p:style>
+          <a:lnRef idx="2">
+            <a:schemeClr val="accent1">
+              <a:shade val="50000"/>
+            </a:schemeClr>
+          </a:lnRef>
+          <a:fillRef idx="1">
+            <a:schemeClr val="accent1"/>
+          </a:fillRef>
+          <a:effectRef idx="0">
+            <a:schemeClr val="accent1"/>
+          </a:effectRef>
+          <a:fontRef idx="minor">
+            <a:schemeClr val="lt1"/>
+          </a:fontRef>
+        </p:style>
+        <p:txBody>
+          <a:bodyPr rtlCol="0" anchor="ctr"/>
+          <a:lstStyle/>
+          <a:p>
+            <a:pPr algn="ctr"/>
+            <a:endParaRPr lang="en-US"/>
+          </a:p>
+        </p:txBody>
+      </p:sp>
+      <p:cxnSp>
+        <p:nvCxnSpPr>
+          <p:cNvPr id="11" name="Straight Connector 10"/>
+          <p:cNvCxnSpPr>
+            <a:cxnSpLocks noGrp="1" noRot="1" noChangeAspect="1" noMove="1" noResize="1" noEditPoints="1" noAdjustHandles="1" noChangeArrowheads="1" noChangeShapeType="1"/>
+          </p:cNvCxnSpPr>
+          <p:nvPr>
+            <p:extLst>
+              <p:ext uri="{386F3935-93C4-4BCD-93E2-E3B085C9AB24}">
+                <p16:designElem xmlns:p16="http://schemas.microsoft.com/office/powerpoint/2015/main" val="1"/>
+              </p:ext>
+            </p:extLst>
+          </p:nvPr>
+        </p:nvCxnSpPr>
+        <p:spPr>
+          <a:xfrm>
+            <a:off x="5609960" y="4214336"/>
+            <a:ext cx="5120640" cy="0"/>
+          </a:xfrm>
+          <a:prstGeom prst="line">
+            <a:avLst/>
+          </a:prstGeom>
+          <a:ln w="19050">
+            <a:solidFill>
+              <a:schemeClr val="bg1"/>
+            </a:solidFill>
+          </a:ln>
+        </p:spPr>
+        <p:style>
+          <a:lnRef idx="1">
+            <a:schemeClr val="accent1"/>
+          </a:lnRef>
+          <a:fillRef idx="0">
+            <a:schemeClr val="accent1"/>
+          </a:fillRef>
+          <a:effectRef idx="0">
+            <a:schemeClr val="accent1"/>
+          </a:effectRef>
+          <a:fontRef idx="minor">
+            <a:schemeClr val="tx1"/>
+          </a:fontRef>
+        </p:style>
+      </p:cxnSp>
+      <p:sp>
+        <p:nvSpPr>
+          <p:cNvPr id="13" name="Rectangle 12"/>
+          <p:cNvSpPr>
+            <a:spLocks noGrp="1" noRot="1" noChangeAspect="1" noMove="1" noResize="1" noEditPoints="1" noAdjustHandles="1" noChangeArrowheads="1" noChangeShapeType="1" noTextEdit="1"/>
+          </p:cNvSpPr>
+          <p:nvPr>
+            <p:extLst>
+              <p:ext uri="{386F3935-93C4-4BCD-93E2-E3B085C9AB24}">
+                <p16:designElem xmlns:p16="http://schemas.microsoft.com/office/powerpoint/2015/main" val="1"/>
+              </p:ext>
+            </p:extLst>
+          </p:nvPr>
+        </p:nvSpPr>
+        <p:spPr>
+          <a:xfrm>
+            <a:off x="643467" y="621695"/>
+            <a:ext cx="4305009" cy="5592188"/>
+          </a:xfrm>
+          <a:prstGeom prst="rect">
+            <a:avLst/>
+          </a:prstGeom>
+          <a:blipFill dpi="0" rotWithShape="1">
+            <a:blip r:embed="rId3">
+              <a:duotone>
+                <a:schemeClr val="accent1">
+                  <a:shade val="45000"/>
+                  <a:satMod val="135000"/>
+                </a:schemeClr>
+                <a:prstClr val="white"/>
+              </a:duotone>
+            </a:blip>
+            <a:srcRect/>
+            <a:tile tx="-444500" ty="-127000" sx="50000" sy="50000" flip="xy" algn="tl"/>
+          </a:blipFill>
+          <a:ln>
+            <a:noFill/>
+          </a:ln>
+        </p:spPr>
+        <p:style>
+          <a:lnRef idx="2">
+            <a:schemeClr val="accent1">
+              <a:shade val="50000"/>
+            </a:schemeClr>
+          </a:lnRef>
+          <a:fillRef idx="1">
+            <a:schemeClr val="accent1"/>
+          </a:fillRef>
+          <a:effectRef idx="0">
+            <a:schemeClr val="accent1"/>
+          </a:effectRef>
+          <a:fontRef idx="minor">
+            <a:schemeClr val="lt1"/>
+          </a:fontRef>
+        </p:style>
+        <p:txBody>
+          <a:bodyPr rtlCol="0" anchor="ctr"/>
+          <a:lstStyle/>
+          <a:p>
+            <a:pPr lvl="0" algn="ctr"/>
+            <a:endParaRPr lang="en-US" dirty="0">
+              <a:solidFill>
+                <a:prstClr val="white"/>
+              </a:solidFill>
+            </a:endParaRPr>
+          </a:p>
+        </p:txBody>
+      </p:sp>
+      <p:sp>
+        <p:nvSpPr>
+          <p:cNvPr id="2" name="Title 1"/>
+          <p:cNvSpPr>
+            <a:spLocks noGrp="1"/>
+          </p:cNvSpPr>
+          <p:nvPr>
+            <p:ph type="ctrTitle"/>
+          </p:nvPr>
+        </p:nvSpPr>
+        <p:spPr>
+          <a:xfrm>
+            <a:off x="5590120" y="1105351"/>
+            <a:ext cx="5477071" cy="3023981"/>
+          </a:xfrm>
+        </p:spPr>
+        <p:txBody>
+          <a:bodyPr anchor="b">
+            <a:normAutofit/>
+          </a:bodyPr>
+          <a:lstStyle/>
+          <a:p>
+            <a:pPr algn="l"/>
+            <a:r>
+              <a:rPr lang="en-US" sz="4400">
+                <a:solidFill>
+                  <a:schemeClr val="bg1"/>
+                </a:solidFill>
+              </a:rPr>
+              <a:t>What’s a GraphDB Anyway?</a:t>
+            </a:r>
+          </a:p>
+        </p:txBody>
+      </p:sp>
+    </p:spTree>
+    <p:extLst>
+      <p:ext uri="{BB962C8B-B14F-4D97-AF65-F5344CB8AC3E}">
+        <p14:creationId xmlns:p14="http://schemas.microsoft.com/office/powerpoint/2010/main" val="1597194294"/>
+      </p:ext>
+    </p:extLst>
+  </p:cSld>
+  <p:clrMapOvr>
+    <a:masterClrMapping/>
+  </p:clrMapOvr>
+  <p:transition spd="slow">
+    <p:wipe/>
+  </p:transition>
+</p:sld>
+</file>
+
+<file path=ppt/slides/slide30.xml><?xml version="1.0" encoding="utf-8"?>
 <p:sld xmlns:a="http://schemas.openxmlformats.org/drawingml/2006/main" xmlns:r="http://schemas.openxmlformats.org/officeDocument/2006/relationships" xmlns:p="http://schemas.openxmlformats.org/presentationml/2006/main">
   <p:cSld>
     <p:spTree>
@@ -26359,7 +30049,7 @@
             <a:avLst/>
           </a:prstGeom>
           <a:blipFill dpi="0" rotWithShape="1">
-            <a:blip r:embed="rId2">
+            <a:blip r:embed="rId3">
               <a:duotone>
                 <a:schemeClr val="accent1">
                   <a:shade val="45000"/>
@@ -26428,12 +30118,12 @@
           <a:p>
             <a:pPr algn="l"/>
             <a:r>
-              <a:rPr lang="en-US" sz="4400">
+              <a:rPr lang="en-US" sz="4400" dirty="0">
                 <a:solidFill>
                   <a:schemeClr val="bg1"/>
                 </a:solidFill>
               </a:rPr>
-              <a:t>Social network</a:t>
+              <a:t>social network</a:t>
             </a:r>
           </a:p>
         </p:txBody>
@@ -26461,7 +30151,7 @@
           <a:lstStyle/>
           <a:p>
             <a:r>
-              <a:rPr lang="en-US" sz="1600">
+              <a:rPr lang="en-US" sz="1600" dirty="0">
                 <a:solidFill>
                   <a:schemeClr val="bg1"/>
                 </a:solidFill>
@@ -26471,7 +30161,7 @@
           </a:p>
           <a:p>
             <a:r>
-              <a:rPr lang="en-US" sz="1600">
+              <a:rPr lang="en-US" sz="1600" dirty="0">
                 <a:solidFill>
                   <a:schemeClr val="bg1"/>
                 </a:solidFill>
@@ -26494,759 +30184,7 @@
 </p:sld>
 </file>
 
-<file path=ppt/slides/slide25.xml><?xml version="1.0" encoding="utf-8"?>
-<p:sld xmlns:a="http://schemas.openxmlformats.org/drawingml/2006/main" xmlns:r="http://schemas.openxmlformats.org/officeDocument/2006/relationships" xmlns:p="http://schemas.openxmlformats.org/presentationml/2006/main">
-  <p:cSld>
-    <p:spTree>
-      <p:nvGrpSpPr>
-        <p:cNvPr id="1" name=""/>
-        <p:cNvGrpSpPr/>
-        <p:nvPr/>
-      </p:nvGrpSpPr>
-      <p:grpSpPr>
-        <a:xfrm>
-          <a:off x="0" y="0"/>
-          <a:ext cx="0" cy="0"/>
-          <a:chOff x="0" y="0"/>
-          <a:chExt cx="0" cy="0"/>
-        </a:xfrm>
-      </p:grpSpPr>
-      <p:sp>
-        <p:nvSpPr>
-          <p:cNvPr id="2" name="Title 1"/>
-          <p:cNvSpPr>
-            <a:spLocks noGrp="1"/>
-          </p:cNvSpPr>
-          <p:nvPr>
-            <p:ph type="title"/>
-          </p:nvPr>
-        </p:nvSpPr>
-        <p:spPr>
-          <a:xfrm>
-            <a:off x="1605337" y="403365"/>
-            <a:ext cx="9905998" cy="1478570"/>
-          </a:xfrm>
-        </p:spPr>
-        <p:txBody>
-          <a:bodyPr/>
-          <a:lstStyle/>
-          <a:p>
-            <a:r>
-              <a:rPr lang="en-US" dirty="0"/>
-              <a:t>SQL Model</a:t>
-            </a:r>
-          </a:p>
-        </p:txBody>
-      </p:sp>
-      <p:pic>
-        <p:nvPicPr>
-          <p:cNvPr id="5" name="Content Placeholder 4"/>
-          <p:cNvPicPr>
-            <a:picLocks noGrp="1" noChangeAspect="1"/>
-          </p:cNvPicPr>
-          <p:nvPr>
-            <p:ph idx="1"/>
-          </p:nvPr>
-        </p:nvPicPr>
-        <p:blipFill>
-          <a:blip r:embed="rId2"/>
-          <a:stretch>
-            <a:fillRect/>
-          </a:stretch>
-        </p:blipFill>
-        <p:spPr>
-          <a:xfrm>
-            <a:off x="3673351" y="1966353"/>
-            <a:ext cx="4843314" cy="4051300"/>
-          </a:xfrm>
-        </p:spPr>
-      </p:pic>
-    </p:spTree>
-    <p:extLst>
-      <p:ext uri="{BB962C8B-B14F-4D97-AF65-F5344CB8AC3E}">
-        <p14:creationId xmlns:p14="http://schemas.microsoft.com/office/powerpoint/2010/main" val="2822472559"/>
-      </p:ext>
-    </p:extLst>
-  </p:cSld>
-  <p:clrMapOvr>
-    <a:masterClrMapping/>
-  </p:clrMapOvr>
-</p:sld>
-</file>
-
-<file path=ppt/slides/slide26.xml><?xml version="1.0" encoding="utf-8"?>
-<p:sld xmlns:a="http://schemas.openxmlformats.org/drawingml/2006/main" xmlns:r="http://schemas.openxmlformats.org/officeDocument/2006/relationships" xmlns:p="http://schemas.openxmlformats.org/presentationml/2006/main">
-  <p:cSld>
-    <p:spTree>
-      <p:nvGrpSpPr>
-        <p:cNvPr id="1" name=""/>
-        <p:cNvGrpSpPr/>
-        <p:nvPr/>
-      </p:nvGrpSpPr>
-      <p:grpSpPr>
-        <a:xfrm>
-          <a:off x="0" y="0"/>
-          <a:ext cx="0" cy="0"/>
-          <a:chOff x="0" y="0"/>
-          <a:chExt cx="0" cy="0"/>
-        </a:xfrm>
-      </p:grpSpPr>
-      <p:sp>
-        <p:nvSpPr>
-          <p:cNvPr id="2" name="Title 1"/>
-          <p:cNvSpPr>
-            <a:spLocks noGrp="1"/>
-          </p:cNvSpPr>
-          <p:nvPr>
-            <p:ph type="title"/>
-          </p:nvPr>
-        </p:nvSpPr>
-        <p:spPr>
-          <a:xfrm>
-            <a:off x="1413163" y="262171"/>
-            <a:ext cx="9905998" cy="1478570"/>
-          </a:xfrm>
-        </p:spPr>
-        <p:txBody>
-          <a:bodyPr/>
-          <a:lstStyle/>
-          <a:p>
-            <a:r>
-              <a:rPr lang="en-US" dirty="0"/>
-              <a:t>Find Friends of friends that have Type 1 diabetes</a:t>
-            </a:r>
-          </a:p>
-        </p:txBody>
-      </p:sp>
-      <p:sp>
-        <p:nvSpPr>
-          <p:cNvPr id="3" name="Rectangle 2"/>
-          <p:cNvSpPr/>
-          <p:nvPr/>
-        </p:nvSpPr>
-        <p:spPr>
-          <a:xfrm>
-            <a:off x="1537853" y="1482397"/>
-            <a:ext cx="8817429" cy="5262979"/>
-          </a:xfrm>
-          <a:prstGeom prst="rect">
-            <a:avLst/>
-          </a:prstGeom>
-        </p:spPr>
-        <p:txBody>
-          <a:bodyPr wrap="square">
-            <a:spAutoFit/>
-          </a:bodyPr>
-          <a:lstStyle/>
-          <a:p>
-            <a:r>
-              <a:rPr lang="en-US" sz="1200" b="1" dirty="0">
-                <a:latin typeface="Consolas" panose="020B0609020204030204" pitchFamily="49" charset="0"/>
-              </a:rPr>
-              <a:t>SELECT </a:t>
-            </a:r>
-          </a:p>
-          <a:p>
-            <a:r>
-              <a:rPr lang="en-US" sz="1200" b="1" dirty="0">
-                <a:latin typeface="Consolas" panose="020B0609020204030204" pitchFamily="49" charset="0"/>
-              </a:rPr>
-              <a:t>    </a:t>
-            </a:r>
-            <a:r>
-              <a:rPr lang="en-US" sz="1200" b="1" dirty="0" err="1">
-                <a:latin typeface="Consolas" panose="020B0609020204030204" pitchFamily="49" charset="0"/>
-              </a:rPr>
-              <a:t>Me.PersonId</a:t>
-            </a:r>
-            <a:r>
-              <a:rPr lang="en-US" sz="1200" b="1" dirty="0">
-                <a:latin typeface="Consolas" panose="020B0609020204030204" pitchFamily="49" charset="0"/>
-              </a:rPr>
-              <a:t>                      AS </a:t>
-            </a:r>
-            <a:r>
-              <a:rPr lang="en-US" sz="1200" b="1" dirty="0" err="1">
-                <a:latin typeface="Consolas" panose="020B0609020204030204" pitchFamily="49" charset="0"/>
-              </a:rPr>
-              <a:t>MeId</a:t>
-            </a:r>
-            <a:r>
-              <a:rPr lang="en-US" sz="1200" b="1" dirty="0">
-                <a:latin typeface="Consolas" panose="020B0609020204030204" pitchFamily="49" charset="0"/>
-              </a:rPr>
-              <a:t>, </a:t>
-            </a:r>
-          </a:p>
-          <a:p>
-            <a:r>
-              <a:rPr lang="en-US" sz="1200" b="1" dirty="0">
-                <a:latin typeface="Consolas" panose="020B0609020204030204" pitchFamily="49" charset="0"/>
-              </a:rPr>
-              <a:t>    </a:t>
-            </a:r>
-            <a:r>
-              <a:rPr lang="en-US" sz="1200" b="1" dirty="0" err="1">
-                <a:latin typeface="Consolas" panose="020B0609020204030204" pitchFamily="49" charset="0"/>
-              </a:rPr>
-              <a:t>Me.Name</a:t>
-            </a:r>
-            <a:r>
-              <a:rPr lang="en-US" sz="1200" b="1" dirty="0">
-                <a:latin typeface="Consolas" panose="020B0609020204030204" pitchFamily="49" charset="0"/>
-              </a:rPr>
-              <a:t>,</a:t>
-            </a:r>
-          </a:p>
-          <a:p>
-            <a:r>
-              <a:rPr lang="en-US" sz="1200" b="1" dirty="0">
-                <a:latin typeface="Consolas" panose="020B0609020204030204" pitchFamily="49" charset="0"/>
-              </a:rPr>
-              <a:t>    </a:t>
-            </a:r>
-            <a:r>
-              <a:rPr lang="en-US" sz="1200" b="1" dirty="0" err="1">
-                <a:latin typeface="Consolas" panose="020B0609020204030204" pitchFamily="49" charset="0"/>
-              </a:rPr>
-              <a:t>FriendOfFriend.RelatedPersonId</a:t>
-            </a:r>
-            <a:r>
-              <a:rPr lang="en-US" sz="1200" b="1" dirty="0">
-                <a:latin typeface="Consolas" panose="020B0609020204030204" pitchFamily="49" charset="0"/>
-              </a:rPr>
-              <a:t>    AS </a:t>
-            </a:r>
-            <a:r>
-              <a:rPr lang="en-US" sz="1200" b="1" dirty="0" err="1">
-                <a:latin typeface="Consolas" panose="020B0609020204030204" pitchFamily="49" charset="0"/>
-              </a:rPr>
-              <a:t>SuggestedFriendId</a:t>
-            </a:r>
-            <a:r>
-              <a:rPr lang="en-US" sz="1200" b="1" dirty="0">
-                <a:latin typeface="Consolas" panose="020B0609020204030204" pitchFamily="49" charset="0"/>
-              </a:rPr>
-              <a:t>,</a:t>
-            </a:r>
-          </a:p>
-          <a:p>
-            <a:r>
-              <a:rPr lang="en-US" sz="1200" b="1" dirty="0">
-                <a:latin typeface="Consolas" panose="020B0609020204030204" pitchFamily="49" charset="0"/>
-              </a:rPr>
-              <a:t>    </a:t>
-            </a:r>
-            <a:r>
-              <a:rPr lang="en-US" sz="1200" b="1" dirty="0" err="1">
-                <a:latin typeface="Consolas" panose="020B0609020204030204" pitchFamily="49" charset="0"/>
-              </a:rPr>
-              <a:t>FriendOfAFriend.Name</a:t>
-            </a:r>
-            <a:r>
-              <a:rPr lang="en-US" sz="1200" b="1" dirty="0">
-                <a:latin typeface="Consolas" panose="020B0609020204030204" pitchFamily="49" charset="0"/>
-              </a:rPr>
-              <a:t>    </a:t>
-            </a:r>
-          </a:p>
-          <a:p>
-            <a:r>
-              <a:rPr lang="en-US" sz="1200" b="1" dirty="0">
-                <a:latin typeface="Consolas" panose="020B0609020204030204" pitchFamily="49" charset="0"/>
-              </a:rPr>
-              <a:t>FROM </a:t>
-            </a:r>
-          </a:p>
-          <a:p>
-            <a:r>
-              <a:rPr lang="en-US" sz="1200" b="1" dirty="0">
-                <a:latin typeface="Consolas" panose="020B0609020204030204" pitchFamily="49" charset="0"/>
-              </a:rPr>
-              <a:t>    Person         AS Me </a:t>
-            </a:r>
-          </a:p>
-          <a:p>
-            <a:r>
-              <a:rPr lang="en-US" sz="1200" b="1" dirty="0">
-                <a:latin typeface="Consolas" panose="020B0609020204030204" pitchFamily="49" charset="0"/>
-              </a:rPr>
-              <a:t>INNER JOIN </a:t>
-            </a:r>
-          </a:p>
-          <a:p>
-            <a:r>
-              <a:rPr lang="en-US" sz="1200" b="1" dirty="0">
-                <a:latin typeface="Consolas" panose="020B0609020204030204" pitchFamily="49" charset="0"/>
-              </a:rPr>
-              <a:t>      </a:t>
-            </a:r>
-            <a:r>
-              <a:rPr lang="en-US" sz="1200" b="1" dirty="0" err="1">
-                <a:latin typeface="Consolas" panose="020B0609020204030204" pitchFamily="49" charset="0"/>
-              </a:rPr>
-              <a:t>PersonRelationship</a:t>
-            </a:r>
-            <a:r>
-              <a:rPr lang="en-US" sz="1200" b="1" dirty="0">
-                <a:latin typeface="Consolas" panose="020B0609020204030204" pitchFamily="49" charset="0"/>
-              </a:rPr>
-              <a:t>    AS </a:t>
-            </a:r>
-            <a:r>
-              <a:rPr lang="en-US" sz="1200" b="1" dirty="0" err="1">
-                <a:latin typeface="Consolas" panose="020B0609020204030204" pitchFamily="49" charset="0"/>
-              </a:rPr>
-              <a:t>MyFriends</a:t>
-            </a:r>
-            <a:r>
-              <a:rPr lang="en-US" sz="1200" b="1" dirty="0">
-                <a:latin typeface="Consolas" panose="020B0609020204030204" pitchFamily="49" charset="0"/>
-              </a:rPr>
-              <a:t> </a:t>
-            </a:r>
-          </a:p>
-          <a:p>
-            <a:r>
-              <a:rPr lang="en-US" sz="1200" b="1" dirty="0">
-                <a:latin typeface="Consolas" panose="020B0609020204030204" pitchFamily="49" charset="0"/>
-              </a:rPr>
-              <a:t>      ON </a:t>
-            </a:r>
-            <a:r>
-              <a:rPr lang="en-US" sz="1200" b="1" dirty="0" err="1">
-                <a:latin typeface="Consolas" panose="020B0609020204030204" pitchFamily="49" charset="0"/>
-              </a:rPr>
-              <a:t>MyFriends.PersonId</a:t>
-            </a:r>
-            <a:r>
-              <a:rPr lang="en-US" sz="1200" b="1" dirty="0">
-                <a:latin typeface="Consolas" panose="020B0609020204030204" pitchFamily="49" charset="0"/>
-              </a:rPr>
-              <a:t> = </a:t>
-            </a:r>
-            <a:r>
-              <a:rPr lang="en-US" sz="1200" b="1" dirty="0" err="1">
-                <a:latin typeface="Consolas" panose="020B0609020204030204" pitchFamily="49" charset="0"/>
-              </a:rPr>
-              <a:t>Me.PersonId</a:t>
-            </a:r>
-            <a:r>
-              <a:rPr lang="en-US" sz="1200" b="1" dirty="0">
-                <a:latin typeface="Consolas" panose="020B0609020204030204" pitchFamily="49" charset="0"/>
-              </a:rPr>
-              <a:t> </a:t>
-            </a:r>
-          </a:p>
-          <a:p>
-            <a:r>
-              <a:rPr lang="en-US" sz="1200" b="1" dirty="0">
-                <a:latin typeface="Consolas" panose="020B0609020204030204" pitchFamily="49" charset="0"/>
-              </a:rPr>
-              <a:t>INNER JOIN </a:t>
-            </a:r>
-          </a:p>
-          <a:p>
-            <a:r>
-              <a:rPr lang="en-US" sz="1200" b="1" dirty="0">
-                <a:latin typeface="Consolas" panose="020B0609020204030204" pitchFamily="49" charset="0"/>
-              </a:rPr>
-              <a:t>    </a:t>
-            </a:r>
-            <a:r>
-              <a:rPr lang="en-US" sz="1200" b="1" dirty="0" err="1">
-                <a:latin typeface="Consolas" panose="020B0609020204030204" pitchFamily="49" charset="0"/>
-              </a:rPr>
-              <a:t>PersonRelationship</a:t>
-            </a:r>
-            <a:r>
-              <a:rPr lang="en-US" sz="1200" b="1" dirty="0">
-                <a:latin typeface="Consolas" panose="020B0609020204030204" pitchFamily="49" charset="0"/>
-              </a:rPr>
-              <a:t>    AS </a:t>
-            </a:r>
-            <a:r>
-              <a:rPr lang="en-US" sz="1200" b="1" dirty="0" err="1">
-                <a:latin typeface="Consolas" panose="020B0609020204030204" pitchFamily="49" charset="0"/>
-              </a:rPr>
-              <a:t>FriendOfFriend</a:t>
-            </a:r>
-            <a:r>
-              <a:rPr lang="en-US" sz="1200" b="1" dirty="0">
-                <a:latin typeface="Consolas" panose="020B0609020204030204" pitchFamily="49" charset="0"/>
-              </a:rPr>
-              <a:t> </a:t>
-            </a:r>
-          </a:p>
-          <a:p>
-            <a:r>
-              <a:rPr lang="en-US" sz="1200" b="1" dirty="0">
-                <a:latin typeface="Consolas" panose="020B0609020204030204" pitchFamily="49" charset="0"/>
-              </a:rPr>
-              <a:t>    ON </a:t>
-            </a:r>
-            <a:r>
-              <a:rPr lang="en-US" sz="1200" b="1" dirty="0" err="1">
-                <a:latin typeface="Consolas" panose="020B0609020204030204" pitchFamily="49" charset="0"/>
-              </a:rPr>
-              <a:t>MyFriends.RelatedPersonId</a:t>
-            </a:r>
-            <a:r>
-              <a:rPr lang="en-US" sz="1200" b="1" dirty="0">
-                <a:latin typeface="Consolas" panose="020B0609020204030204" pitchFamily="49" charset="0"/>
-              </a:rPr>
-              <a:t> = </a:t>
-            </a:r>
-            <a:r>
-              <a:rPr lang="en-US" sz="1200" b="1" dirty="0" err="1">
-                <a:latin typeface="Consolas" panose="020B0609020204030204" pitchFamily="49" charset="0"/>
-              </a:rPr>
-              <a:t>FriendOfFriend.PersonId</a:t>
-            </a:r>
-            <a:r>
-              <a:rPr lang="en-US" sz="1200" b="1" dirty="0">
-                <a:latin typeface="Consolas" panose="020B0609020204030204" pitchFamily="49" charset="0"/>
-              </a:rPr>
-              <a:t> </a:t>
-            </a:r>
-          </a:p>
-          <a:p>
-            <a:r>
-              <a:rPr lang="en-US" sz="1200" b="1" dirty="0">
-                <a:latin typeface="Consolas" panose="020B0609020204030204" pitchFamily="49" charset="0"/>
-              </a:rPr>
-              <a:t>INNER JOIN</a:t>
-            </a:r>
-          </a:p>
-          <a:p>
-            <a:r>
-              <a:rPr lang="en-US" sz="1200" b="1" dirty="0">
-                <a:latin typeface="Consolas" panose="020B0609020204030204" pitchFamily="49" charset="0"/>
-              </a:rPr>
-              <a:t> </a:t>
-            </a:r>
-            <a:r>
-              <a:rPr lang="en-US" sz="1200" b="1" dirty="0" err="1">
-                <a:latin typeface="Consolas" panose="020B0609020204030204" pitchFamily="49" charset="0"/>
-              </a:rPr>
-              <a:t>PersonAS</a:t>
-            </a:r>
-            <a:r>
-              <a:rPr lang="en-US" sz="1200" b="1" dirty="0">
-                <a:latin typeface="Consolas" panose="020B0609020204030204" pitchFamily="49" charset="0"/>
-              </a:rPr>
-              <a:t> </a:t>
-            </a:r>
-            <a:r>
-              <a:rPr lang="en-US" sz="1200" b="1" dirty="0" err="1">
-                <a:latin typeface="Consolas" panose="020B0609020204030204" pitchFamily="49" charset="0"/>
-              </a:rPr>
-              <a:t>FriendOfAFriend</a:t>
-            </a:r>
-            <a:endParaRPr lang="en-US" sz="1200" b="1" dirty="0">
-              <a:latin typeface="Consolas" panose="020B0609020204030204" pitchFamily="49" charset="0"/>
-            </a:endParaRPr>
-          </a:p>
-          <a:p>
-            <a:r>
-              <a:rPr lang="en-US" sz="1200" b="1" dirty="0">
-                <a:latin typeface="Consolas" panose="020B0609020204030204" pitchFamily="49" charset="0"/>
-              </a:rPr>
-              <a:t> ON </a:t>
-            </a:r>
-            <a:r>
-              <a:rPr lang="en-US" sz="1200" b="1" dirty="0" err="1">
-                <a:latin typeface="Consolas" panose="020B0609020204030204" pitchFamily="49" charset="0"/>
-              </a:rPr>
-              <a:t>FriendOfFriend.RelatedPersonId</a:t>
-            </a:r>
-            <a:r>
-              <a:rPr lang="en-US" sz="1200" b="1" dirty="0">
-                <a:latin typeface="Consolas" panose="020B0609020204030204" pitchFamily="49" charset="0"/>
-              </a:rPr>
-              <a:t> = </a:t>
-            </a:r>
-            <a:r>
-              <a:rPr lang="en-US" sz="1200" b="1" dirty="0" err="1">
-                <a:latin typeface="Consolas" panose="020B0609020204030204" pitchFamily="49" charset="0"/>
-              </a:rPr>
-              <a:t>FriendOfAFriend.PersonId</a:t>
-            </a:r>
-            <a:endParaRPr lang="en-US" sz="1200" b="1" dirty="0">
-              <a:latin typeface="Consolas" panose="020B0609020204030204" pitchFamily="49" charset="0"/>
-            </a:endParaRPr>
-          </a:p>
-          <a:p>
-            <a:r>
-              <a:rPr lang="en-US" sz="1200" b="1" dirty="0">
-                <a:latin typeface="Consolas" panose="020B0609020204030204" pitchFamily="49" charset="0"/>
-              </a:rPr>
-              <a:t>LEFT JOIN </a:t>
-            </a:r>
-          </a:p>
-          <a:p>
-            <a:r>
-              <a:rPr lang="en-US" sz="1200" b="1" dirty="0">
-                <a:latin typeface="Consolas" panose="020B0609020204030204" pitchFamily="49" charset="0"/>
-              </a:rPr>
-              <a:t>      </a:t>
-            </a:r>
-            <a:r>
-              <a:rPr lang="en-US" sz="1200" b="1" dirty="0" err="1">
-                <a:latin typeface="Consolas" panose="020B0609020204030204" pitchFamily="49" charset="0"/>
-              </a:rPr>
-              <a:t>PersonRelationship</a:t>
-            </a:r>
-            <a:r>
-              <a:rPr lang="en-US" sz="1200" b="1" dirty="0">
-                <a:latin typeface="Consolas" panose="020B0609020204030204" pitchFamily="49" charset="0"/>
-              </a:rPr>
-              <a:t>    AS </a:t>
-            </a:r>
-            <a:r>
-              <a:rPr lang="en-US" sz="1200" b="1" dirty="0" err="1">
-                <a:latin typeface="Consolas" panose="020B0609020204030204" pitchFamily="49" charset="0"/>
-              </a:rPr>
-              <a:t>FriendsWithMe</a:t>
-            </a:r>
-            <a:r>
-              <a:rPr lang="en-US" sz="1200" b="1" dirty="0">
-                <a:latin typeface="Consolas" panose="020B0609020204030204" pitchFamily="49" charset="0"/>
-              </a:rPr>
-              <a:t> </a:t>
-            </a:r>
-          </a:p>
-          <a:p>
-            <a:r>
-              <a:rPr lang="en-US" sz="1200" b="1" dirty="0">
-                <a:latin typeface="Consolas" panose="020B0609020204030204" pitchFamily="49" charset="0"/>
-              </a:rPr>
-              <a:t>      ON  </a:t>
-            </a:r>
-            <a:r>
-              <a:rPr lang="en-US" sz="1200" b="1" dirty="0" err="1">
-                <a:latin typeface="Consolas" panose="020B0609020204030204" pitchFamily="49" charset="0"/>
-              </a:rPr>
-              <a:t>Me.PersonId</a:t>
-            </a:r>
-            <a:r>
-              <a:rPr lang="en-US" sz="1200" b="1" dirty="0">
-                <a:latin typeface="Consolas" panose="020B0609020204030204" pitchFamily="49" charset="0"/>
-              </a:rPr>
-              <a:t> = </a:t>
-            </a:r>
-            <a:r>
-              <a:rPr lang="en-US" sz="1200" b="1" dirty="0" err="1">
-                <a:latin typeface="Consolas" panose="020B0609020204030204" pitchFamily="49" charset="0"/>
-              </a:rPr>
-              <a:t>FriendsWithMe.PersonId</a:t>
-            </a:r>
-            <a:r>
-              <a:rPr lang="en-US" sz="1200" b="1" dirty="0">
-                <a:latin typeface="Consolas" panose="020B0609020204030204" pitchFamily="49" charset="0"/>
-              </a:rPr>
-              <a:t> </a:t>
-            </a:r>
-          </a:p>
-          <a:p>
-            <a:r>
-              <a:rPr lang="en-US" sz="1200" b="1" dirty="0">
-                <a:latin typeface="Consolas" panose="020B0609020204030204" pitchFamily="49" charset="0"/>
-              </a:rPr>
-              <a:t>      AND </a:t>
-            </a:r>
-            <a:r>
-              <a:rPr lang="en-US" sz="1200" b="1" dirty="0" err="1">
-                <a:latin typeface="Consolas" panose="020B0609020204030204" pitchFamily="49" charset="0"/>
-              </a:rPr>
-              <a:t>FriendOfFriend.RelatedPersonId</a:t>
-            </a:r>
-            <a:r>
-              <a:rPr lang="en-US" sz="1200" b="1" dirty="0">
-                <a:latin typeface="Consolas" panose="020B0609020204030204" pitchFamily="49" charset="0"/>
-              </a:rPr>
-              <a:t> = </a:t>
-            </a:r>
-            <a:r>
-              <a:rPr lang="en-US" sz="1200" b="1" dirty="0" err="1">
-                <a:latin typeface="Consolas" panose="020B0609020204030204" pitchFamily="49" charset="0"/>
-              </a:rPr>
-              <a:t>FriendsWithMe.RelatedPersonId</a:t>
-            </a:r>
-            <a:endParaRPr lang="en-US" sz="1200" b="1" dirty="0">
-              <a:latin typeface="Consolas" panose="020B0609020204030204" pitchFamily="49" charset="0"/>
-            </a:endParaRPr>
-          </a:p>
-          <a:p>
-            <a:r>
-              <a:rPr lang="en-US" sz="1200" b="1" dirty="0">
-                <a:latin typeface="Consolas" panose="020B0609020204030204" pitchFamily="49" charset="0"/>
-              </a:rPr>
-              <a:t>INNER JOIN</a:t>
-            </a:r>
-          </a:p>
-          <a:p>
-            <a:r>
-              <a:rPr lang="en-US" sz="1200" b="1" dirty="0">
-                <a:latin typeface="Consolas" panose="020B0609020204030204" pitchFamily="49" charset="0"/>
-              </a:rPr>
-              <a:t>   </a:t>
-            </a:r>
-            <a:r>
-              <a:rPr lang="en-US" sz="1200" b="1" dirty="0" err="1">
-                <a:latin typeface="Consolas" panose="020B0609020204030204" pitchFamily="49" charset="0"/>
-              </a:rPr>
-              <a:t>PersonDisease</a:t>
-            </a:r>
-            <a:endParaRPr lang="en-US" sz="1200" b="1" dirty="0">
-              <a:latin typeface="Consolas" panose="020B0609020204030204" pitchFamily="49" charset="0"/>
-            </a:endParaRPr>
-          </a:p>
-          <a:p>
-            <a:r>
-              <a:rPr lang="en-US" sz="1200" b="1" dirty="0">
-                <a:latin typeface="Consolas" panose="020B0609020204030204" pitchFamily="49" charset="0"/>
-              </a:rPr>
-              <a:t>   ON </a:t>
-            </a:r>
-            <a:r>
-              <a:rPr lang="en-US" sz="1200" b="1" dirty="0" err="1">
-                <a:latin typeface="Consolas" panose="020B0609020204030204" pitchFamily="49" charset="0"/>
-              </a:rPr>
-              <a:t>PersonDisease.PersonId</a:t>
-            </a:r>
-            <a:r>
-              <a:rPr lang="en-US" sz="1200" b="1" dirty="0">
-                <a:latin typeface="Consolas" panose="020B0609020204030204" pitchFamily="49" charset="0"/>
-              </a:rPr>
-              <a:t> = </a:t>
-            </a:r>
-            <a:r>
-              <a:rPr lang="en-US" sz="1200" b="1" dirty="0" err="1">
-                <a:latin typeface="Consolas" panose="020B0609020204030204" pitchFamily="49" charset="0"/>
-              </a:rPr>
-              <a:t>FriendOfAFriend.PersonId</a:t>
-            </a:r>
-            <a:endParaRPr lang="en-US" sz="1200" b="1" dirty="0">
-              <a:latin typeface="Consolas" panose="020B0609020204030204" pitchFamily="49" charset="0"/>
-            </a:endParaRPr>
-          </a:p>
-          <a:p>
-            <a:r>
-              <a:rPr lang="en-US" sz="1200" b="1" dirty="0">
-                <a:latin typeface="Consolas" panose="020B0609020204030204" pitchFamily="49" charset="0"/>
-              </a:rPr>
-              <a:t>WHERE </a:t>
-            </a:r>
-          </a:p>
-          <a:p>
-            <a:r>
-              <a:rPr lang="en-US" sz="1200" b="1" dirty="0">
-                <a:latin typeface="Consolas" panose="020B0609020204030204" pitchFamily="49" charset="0"/>
-              </a:rPr>
-              <a:t>    </a:t>
-            </a:r>
-            <a:r>
-              <a:rPr lang="en-US" sz="1200" b="1" dirty="0" err="1">
-                <a:latin typeface="Consolas" panose="020B0609020204030204" pitchFamily="49" charset="0"/>
-              </a:rPr>
-              <a:t>FriendsWithMe.PersonId</a:t>
-            </a:r>
-            <a:r>
-              <a:rPr lang="en-US" sz="1200" b="1" dirty="0">
-                <a:latin typeface="Consolas" panose="020B0609020204030204" pitchFamily="49" charset="0"/>
-              </a:rPr>
-              <a:t> IS NULL </a:t>
-            </a:r>
-          </a:p>
-          <a:p>
-            <a:r>
-              <a:rPr lang="en-US" sz="1200" b="1" dirty="0">
-                <a:latin typeface="Consolas" panose="020B0609020204030204" pitchFamily="49" charset="0"/>
-              </a:rPr>
-              <a:t>AND </a:t>
-            </a:r>
-            <a:r>
-              <a:rPr lang="en-US" sz="1200" b="1" dirty="0" err="1">
-                <a:latin typeface="Consolas" panose="020B0609020204030204" pitchFamily="49" charset="0"/>
-              </a:rPr>
-              <a:t>Me.PersonId</a:t>
-            </a:r>
-            <a:r>
-              <a:rPr lang="en-US" sz="1200" b="1" dirty="0">
-                <a:latin typeface="Consolas" panose="020B0609020204030204" pitchFamily="49" charset="0"/>
-              </a:rPr>
-              <a:t> &lt;&gt; </a:t>
-            </a:r>
-            <a:r>
-              <a:rPr lang="en-US" sz="1200" b="1" dirty="0" err="1">
-                <a:latin typeface="Consolas" panose="020B0609020204030204" pitchFamily="49" charset="0"/>
-              </a:rPr>
-              <a:t>FriendOfFriend.RelatedPersonId</a:t>
-            </a:r>
-            <a:r>
-              <a:rPr lang="en-US" sz="1200" b="1" dirty="0">
-                <a:latin typeface="Consolas" panose="020B0609020204030204" pitchFamily="49" charset="0"/>
-              </a:rPr>
-              <a:t>   </a:t>
-            </a:r>
-          </a:p>
-          <a:p>
-            <a:r>
-              <a:rPr lang="en-US" sz="1200" b="1" dirty="0">
-                <a:latin typeface="Consolas" panose="020B0609020204030204" pitchFamily="49" charset="0"/>
-              </a:rPr>
-              <a:t>AND </a:t>
-            </a:r>
-            <a:r>
-              <a:rPr lang="en-US" sz="1200" b="1" dirty="0" err="1">
-                <a:latin typeface="Consolas" panose="020B0609020204030204" pitchFamily="49" charset="0"/>
-              </a:rPr>
-              <a:t>Me.Name</a:t>
-            </a:r>
-            <a:r>
-              <a:rPr lang="en-US" sz="1200" b="1" dirty="0">
-                <a:latin typeface="Consolas" panose="020B0609020204030204" pitchFamily="49" charset="0"/>
-              </a:rPr>
-              <a:t> = ‘Bill'</a:t>
-            </a:r>
-          </a:p>
-          <a:p>
-            <a:r>
-              <a:rPr lang="en-US" sz="1200" b="1" dirty="0">
-                <a:latin typeface="Consolas" panose="020B0609020204030204" pitchFamily="49" charset="0"/>
-              </a:rPr>
-              <a:t>AND </a:t>
-            </a:r>
-            <a:r>
-              <a:rPr lang="en-US" sz="1200" b="1" dirty="0" err="1">
-                <a:latin typeface="Consolas" panose="020B0609020204030204" pitchFamily="49" charset="0"/>
-              </a:rPr>
-              <a:t>PersonDisease.DiseaseId</a:t>
-            </a:r>
-            <a:r>
-              <a:rPr lang="en-US" sz="1200" b="1" dirty="0">
-                <a:latin typeface="Consolas" panose="020B0609020204030204" pitchFamily="49" charset="0"/>
-              </a:rPr>
-              <a:t> = 1</a:t>
-            </a:r>
-          </a:p>
-        </p:txBody>
-      </p:sp>
-    </p:spTree>
-    <p:extLst>
-      <p:ext uri="{BB962C8B-B14F-4D97-AF65-F5344CB8AC3E}">
-        <p14:creationId xmlns:p14="http://schemas.microsoft.com/office/powerpoint/2010/main" val="3360364818"/>
-      </p:ext>
-    </p:extLst>
-  </p:cSld>
-  <p:clrMapOvr>
-    <a:masterClrMapping/>
-  </p:clrMapOvr>
-</p:sld>
-</file>
-
-<file path=ppt/slides/slide27.xml><?xml version="1.0" encoding="utf-8"?>
+<file path=ppt/slides/slide31.xml><?xml version="1.0" encoding="utf-8"?>
 <p:sld xmlns:a="http://schemas.openxmlformats.org/drawingml/2006/main" xmlns:r="http://schemas.openxmlformats.org/officeDocument/2006/relationships" xmlns:p="http://schemas.openxmlformats.org/presentationml/2006/main">
   <p:cSld>
     <p:spTree>
@@ -27320,6 +30258,16 @@
             <a:r>
               <a:rPr lang="en-US" dirty="0"/>
               <a:t>The SQL becomes more complex as the length of the relationships increase</a:t>
+            </a:r>
+          </a:p>
+          <a:p>
+            <a:pPr>
+              <a:buFont typeface="Wingdings" panose="05000000000000000000" pitchFamily="2" charset="2"/>
+              <a:buChar char="Ø"/>
+            </a:pPr>
+            <a:r>
+              <a:rPr lang="en-US" dirty="0"/>
+              <a:t> Performance on the joins becomes an issue quickly</a:t>
             </a:r>
           </a:p>
           <a:p>
@@ -27533,6 +30481,55 @@
                       </p:childTnLst>
                     </p:cTn>
                   </p:par>
+                  <p:par>
+                    <p:cTn id="15" fill="hold">
+                      <p:stCondLst>
+                        <p:cond delay="indefinite"/>
+                      </p:stCondLst>
+                      <p:childTnLst>
+                        <p:par>
+                          <p:cTn id="16" fill="hold">
+                            <p:stCondLst>
+                              <p:cond delay="0"/>
+                            </p:stCondLst>
+                            <p:childTnLst>
+                              <p:par>
+                                <p:cTn id="17" presetID="1" presetClass="entr" presetSubtype="0" fill="hold" grpId="0" nodeType="clickEffect">
+                                  <p:stCondLst>
+                                    <p:cond delay="0"/>
+                                  </p:stCondLst>
+                                  <p:childTnLst>
+                                    <p:set>
+                                      <p:cBhvr>
+                                        <p:cTn id="18" dur="1" fill="hold">
+                                          <p:stCondLst>
+                                            <p:cond delay="0"/>
+                                          </p:stCondLst>
+                                        </p:cTn>
+                                        <p:tgtEl>
+                                          <p:spTgt spid="3">
+                                            <p:txEl>
+                                              <p:pRg st="3" end="3"/>
+                                            </p:txEl>
+                                          </p:spTgt>
+                                        </p:tgtEl>
+                                        <p:attrNameLst>
+                                          <p:attrName>style.visibility</p:attrName>
+                                        </p:attrNameLst>
+                                      </p:cBhvr>
+                                      <p:to>
+                                        <p:strVal val="visible"/>
+                                      </p:to>
+                                    </p:set>
+                                  </p:childTnLst>
+                                </p:cTn>
+                              </p:par>
+                            </p:childTnLst>
+                          </p:cTn>
+                        </p:par>
+                      </p:childTnLst>
+                    </p:cTn>
+                  </p:par>
                 </p:childTnLst>
               </p:cTn>
               <p:prevCondLst>
@@ -27561,7 +30558,759 @@
 </p:sld>
 </file>
 
-<file path=ppt/slides/slide28.xml><?xml version="1.0" encoding="utf-8"?>
+<file path=ppt/slides/slide32.xml><?xml version="1.0" encoding="utf-8"?>
+<p:sld xmlns:a="http://schemas.openxmlformats.org/drawingml/2006/main" xmlns:r="http://schemas.openxmlformats.org/officeDocument/2006/relationships" xmlns:p="http://schemas.openxmlformats.org/presentationml/2006/main">
+  <p:cSld>
+    <p:spTree>
+      <p:nvGrpSpPr>
+        <p:cNvPr id="1" name=""/>
+        <p:cNvGrpSpPr/>
+        <p:nvPr/>
+      </p:nvGrpSpPr>
+      <p:grpSpPr>
+        <a:xfrm>
+          <a:off x="0" y="0"/>
+          <a:ext cx="0" cy="0"/>
+          <a:chOff x="0" y="0"/>
+          <a:chExt cx="0" cy="0"/>
+        </a:xfrm>
+      </p:grpSpPr>
+      <p:sp>
+        <p:nvSpPr>
+          <p:cNvPr id="2" name="Title 1"/>
+          <p:cNvSpPr>
+            <a:spLocks noGrp="1"/>
+          </p:cNvSpPr>
+          <p:nvPr>
+            <p:ph type="title"/>
+          </p:nvPr>
+        </p:nvSpPr>
+        <p:spPr>
+          <a:xfrm>
+            <a:off x="1605337" y="403365"/>
+            <a:ext cx="9905998" cy="1478570"/>
+          </a:xfrm>
+        </p:spPr>
+        <p:txBody>
+          <a:bodyPr/>
+          <a:lstStyle/>
+          <a:p>
+            <a:r>
+              <a:rPr lang="en-US" dirty="0"/>
+              <a:t>SQL Model</a:t>
+            </a:r>
+          </a:p>
+        </p:txBody>
+      </p:sp>
+      <p:pic>
+        <p:nvPicPr>
+          <p:cNvPr id="5" name="Content Placeholder 4"/>
+          <p:cNvPicPr>
+            <a:picLocks noGrp="1" noChangeAspect="1"/>
+          </p:cNvPicPr>
+          <p:nvPr>
+            <p:ph idx="1"/>
+          </p:nvPr>
+        </p:nvPicPr>
+        <p:blipFill>
+          <a:blip r:embed="rId2"/>
+          <a:stretch>
+            <a:fillRect/>
+          </a:stretch>
+        </p:blipFill>
+        <p:spPr>
+          <a:xfrm>
+            <a:off x="3516277" y="1545617"/>
+            <a:ext cx="4843314" cy="4051300"/>
+          </a:xfrm>
+        </p:spPr>
+      </p:pic>
+    </p:spTree>
+    <p:extLst>
+      <p:ext uri="{BB962C8B-B14F-4D97-AF65-F5344CB8AC3E}">
+        <p14:creationId xmlns:p14="http://schemas.microsoft.com/office/powerpoint/2010/main" val="2822472559"/>
+      </p:ext>
+    </p:extLst>
+  </p:cSld>
+  <p:clrMapOvr>
+    <a:masterClrMapping/>
+  </p:clrMapOvr>
+</p:sld>
+</file>
+
+<file path=ppt/slides/slide33.xml><?xml version="1.0" encoding="utf-8"?>
+<p:sld xmlns:a="http://schemas.openxmlformats.org/drawingml/2006/main" xmlns:r="http://schemas.openxmlformats.org/officeDocument/2006/relationships" xmlns:p="http://schemas.openxmlformats.org/presentationml/2006/main">
+  <p:cSld>
+    <p:spTree>
+      <p:nvGrpSpPr>
+        <p:cNvPr id="1" name=""/>
+        <p:cNvGrpSpPr/>
+        <p:nvPr/>
+      </p:nvGrpSpPr>
+      <p:grpSpPr>
+        <a:xfrm>
+          <a:off x="0" y="0"/>
+          <a:ext cx="0" cy="0"/>
+          <a:chOff x="0" y="0"/>
+          <a:chExt cx="0" cy="0"/>
+        </a:xfrm>
+      </p:grpSpPr>
+      <p:sp>
+        <p:nvSpPr>
+          <p:cNvPr id="2" name="Title 1"/>
+          <p:cNvSpPr>
+            <a:spLocks noGrp="1"/>
+          </p:cNvSpPr>
+          <p:nvPr>
+            <p:ph type="title"/>
+          </p:nvPr>
+        </p:nvSpPr>
+        <p:spPr>
+          <a:xfrm>
+            <a:off x="1413163" y="262171"/>
+            <a:ext cx="9905998" cy="1478570"/>
+          </a:xfrm>
+        </p:spPr>
+        <p:txBody>
+          <a:bodyPr/>
+          <a:lstStyle/>
+          <a:p>
+            <a:r>
+              <a:rPr lang="en-US" dirty="0"/>
+              <a:t>Find Friends of friends that have Type 1 diabetes</a:t>
+            </a:r>
+          </a:p>
+        </p:txBody>
+      </p:sp>
+      <p:sp>
+        <p:nvSpPr>
+          <p:cNvPr id="3" name="Rectangle 2"/>
+          <p:cNvSpPr/>
+          <p:nvPr/>
+        </p:nvSpPr>
+        <p:spPr>
+          <a:xfrm>
+            <a:off x="1537853" y="1482397"/>
+            <a:ext cx="8817429" cy="5262979"/>
+          </a:xfrm>
+          <a:prstGeom prst="rect">
+            <a:avLst/>
+          </a:prstGeom>
+        </p:spPr>
+        <p:txBody>
+          <a:bodyPr wrap="square">
+            <a:spAutoFit/>
+          </a:bodyPr>
+          <a:lstStyle/>
+          <a:p>
+            <a:r>
+              <a:rPr lang="en-US" sz="1200" b="1" dirty="0">
+                <a:latin typeface="Consolas" panose="020B0609020204030204" pitchFamily="49" charset="0"/>
+              </a:rPr>
+              <a:t>SELECT </a:t>
+            </a:r>
+          </a:p>
+          <a:p>
+            <a:r>
+              <a:rPr lang="en-US" sz="1200" b="1" dirty="0">
+                <a:latin typeface="Consolas" panose="020B0609020204030204" pitchFamily="49" charset="0"/>
+              </a:rPr>
+              <a:t>    </a:t>
+            </a:r>
+            <a:r>
+              <a:rPr lang="en-US" sz="1200" b="1" dirty="0" err="1">
+                <a:latin typeface="Consolas" panose="020B0609020204030204" pitchFamily="49" charset="0"/>
+              </a:rPr>
+              <a:t>Me.PersonId</a:t>
+            </a:r>
+            <a:r>
+              <a:rPr lang="en-US" sz="1200" b="1" dirty="0">
+                <a:latin typeface="Consolas" panose="020B0609020204030204" pitchFamily="49" charset="0"/>
+              </a:rPr>
+              <a:t>                      AS </a:t>
+            </a:r>
+            <a:r>
+              <a:rPr lang="en-US" sz="1200" b="1" dirty="0" err="1">
+                <a:latin typeface="Consolas" panose="020B0609020204030204" pitchFamily="49" charset="0"/>
+              </a:rPr>
+              <a:t>MeId</a:t>
+            </a:r>
+            <a:r>
+              <a:rPr lang="en-US" sz="1200" b="1" dirty="0">
+                <a:latin typeface="Consolas" panose="020B0609020204030204" pitchFamily="49" charset="0"/>
+              </a:rPr>
+              <a:t>, </a:t>
+            </a:r>
+          </a:p>
+          <a:p>
+            <a:r>
+              <a:rPr lang="en-US" sz="1200" b="1" dirty="0">
+                <a:latin typeface="Consolas" panose="020B0609020204030204" pitchFamily="49" charset="0"/>
+              </a:rPr>
+              <a:t>    </a:t>
+            </a:r>
+            <a:r>
+              <a:rPr lang="en-US" sz="1200" b="1" dirty="0" err="1">
+                <a:latin typeface="Consolas" panose="020B0609020204030204" pitchFamily="49" charset="0"/>
+              </a:rPr>
+              <a:t>Me.Name</a:t>
+            </a:r>
+            <a:r>
+              <a:rPr lang="en-US" sz="1200" b="1" dirty="0">
+                <a:latin typeface="Consolas" panose="020B0609020204030204" pitchFamily="49" charset="0"/>
+              </a:rPr>
+              <a:t>,</a:t>
+            </a:r>
+          </a:p>
+          <a:p>
+            <a:r>
+              <a:rPr lang="en-US" sz="1200" b="1" dirty="0">
+                <a:latin typeface="Consolas" panose="020B0609020204030204" pitchFamily="49" charset="0"/>
+              </a:rPr>
+              <a:t>    </a:t>
+            </a:r>
+            <a:r>
+              <a:rPr lang="en-US" sz="1200" b="1" dirty="0" err="1">
+                <a:latin typeface="Consolas" panose="020B0609020204030204" pitchFamily="49" charset="0"/>
+              </a:rPr>
+              <a:t>FriendOfFriend.RelatedPersonId</a:t>
+            </a:r>
+            <a:r>
+              <a:rPr lang="en-US" sz="1200" b="1" dirty="0">
+                <a:latin typeface="Consolas" panose="020B0609020204030204" pitchFamily="49" charset="0"/>
+              </a:rPr>
+              <a:t>    AS </a:t>
+            </a:r>
+            <a:r>
+              <a:rPr lang="en-US" sz="1200" b="1" dirty="0" err="1">
+                <a:latin typeface="Consolas" panose="020B0609020204030204" pitchFamily="49" charset="0"/>
+              </a:rPr>
+              <a:t>SuggestedFriendId</a:t>
+            </a:r>
+            <a:r>
+              <a:rPr lang="en-US" sz="1200" b="1" dirty="0">
+                <a:latin typeface="Consolas" panose="020B0609020204030204" pitchFamily="49" charset="0"/>
+              </a:rPr>
+              <a:t>,</a:t>
+            </a:r>
+          </a:p>
+          <a:p>
+            <a:r>
+              <a:rPr lang="en-US" sz="1200" b="1" dirty="0">
+                <a:latin typeface="Consolas" panose="020B0609020204030204" pitchFamily="49" charset="0"/>
+              </a:rPr>
+              <a:t>    </a:t>
+            </a:r>
+            <a:r>
+              <a:rPr lang="en-US" sz="1200" b="1" dirty="0" err="1">
+                <a:latin typeface="Consolas" panose="020B0609020204030204" pitchFamily="49" charset="0"/>
+              </a:rPr>
+              <a:t>FriendOfAFriend.Name</a:t>
+            </a:r>
+            <a:r>
+              <a:rPr lang="en-US" sz="1200" b="1" dirty="0">
+                <a:latin typeface="Consolas" panose="020B0609020204030204" pitchFamily="49" charset="0"/>
+              </a:rPr>
+              <a:t>    </a:t>
+            </a:r>
+          </a:p>
+          <a:p>
+            <a:r>
+              <a:rPr lang="en-US" sz="1200" b="1" dirty="0">
+                <a:latin typeface="Consolas" panose="020B0609020204030204" pitchFamily="49" charset="0"/>
+              </a:rPr>
+              <a:t>FROM </a:t>
+            </a:r>
+          </a:p>
+          <a:p>
+            <a:r>
+              <a:rPr lang="en-US" sz="1200" b="1" dirty="0">
+                <a:latin typeface="Consolas" panose="020B0609020204030204" pitchFamily="49" charset="0"/>
+              </a:rPr>
+              <a:t>    Person         AS Me </a:t>
+            </a:r>
+          </a:p>
+          <a:p>
+            <a:r>
+              <a:rPr lang="en-US" sz="1200" b="1" dirty="0">
+                <a:latin typeface="Consolas" panose="020B0609020204030204" pitchFamily="49" charset="0"/>
+              </a:rPr>
+              <a:t>INNER JOIN </a:t>
+            </a:r>
+          </a:p>
+          <a:p>
+            <a:r>
+              <a:rPr lang="en-US" sz="1200" b="1" dirty="0">
+                <a:latin typeface="Consolas" panose="020B0609020204030204" pitchFamily="49" charset="0"/>
+              </a:rPr>
+              <a:t>      </a:t>
+            </a:r>
+            <a:r>
+              <a:rPr lang="en-US" sz="1200" b="1" dirty="0" err="1">
+                <a:latin typeface="Consolas" panose="020B0609020204030204" pitchFamily="49" charset="0"/>
+              </a:rPr>
+              <a:t>PersonRelationship</a:t>
+            </a:r>
+            <a:r>
+              <a:rPr lang="en-US" sz="1200" b="1" dirty="0">
+                <a:latin typeface="Consolas" panose="020B0609020204030204" pitchFamily="49" charset="0"/>
+              </a:rPr>
+              <a:t>    AS </a:t>
+            </a:r>
+            <a:r>
+              <a:rPr lang="en-US" sz="1200" b="1" dirty="0" err="1">
+                <a:latin typeface="Consolas" panose="020B0609020204030204" pitchFamily="49" charset="0"/>
+              </a:rPr>
+              <a:t>MyFriends</a:t>
+            </a:r>
+            <a:r>
+              <a:rPr lang="en-US" sz="1200" b="1" dirty="0">
+                <a:latin typeface="Consolas" panose="020B0609020204030204" pitchFamily="49" charset="0"/>
+              </a:rPr>
+              <a:t> </a:t>
+            </a:r>
+          </a:p>
+          <a:p>
+            <a:r>
+              <a:rPr lang="en-US" sz="1200" b="1" dirty="0">
+                <a:latin typeface="Consolas" panose="020B0609020204030204" pitchFamily="49" charset="0"/>
+              </a:rPr>
+              <a:t>      ON </a:t>
+            </a:r>
+            <a:r>
+              <a:rPr lang="en-US" sz="1200" b="1" dirty="0" err="1">
+                <a:latin typeface="Consolas" panose="020B0609020204030204" pitchFamily="49" charset="0"/>
+              </a:rPr>
+              <a:t>MyFriends.PersonId</a:t>
+            </a:r>
+            <a:r>
+              <a:rPr lang="en-US" sz="1200" b="1" dirty="0">
+                <a:latin typeface="Consolas" panose="020B0609020204030204" pitchFamily="49" charset="0"/>
+              </a:rPr>
+              <a:t> = </a:t>
+            </a:r>
+            <a:r>
+              <a:rPr lang="en-US" sz="1200" b="1" dirty="0" err="1">
+                <a:latin typeface="Consolas" panose="020B0609020204030204" pitchFamily="49" charset="0"/>
+              </a:rPr>
+              <a:t>Me.PersonId</a:t>
+            </a:r>
+            <a:r>
+              <a:rPr lang="en-US" sz="1200" b="1" dirty="0">
+                <a:latin typeface="Consolas" panose="020B0609020204030204" pitchFamily="49" charset="0"/>
+              </a:rPr>
+              <a:t> </a:t>
+            </a:r>
+          </a:p>
+          <a:p>
+            <a:r>
+              <a:rPr lang="en-US" sz="1200" b="1" dirty="0">
+                <a:latin typeface="Consolas" panose="020B0609020204030204" pitchFamily="49" charset="0"/>
+              </a:rPr>
+              <a:t>INNER JOIN </a:t>
+            </a:r>
+          </a:p>
+          <a:p>
+            <a:r>
+              <a:rPr lang="en-US" sz="1200" b="1" dirty="0">
+                <a:latin typeface="Consolas" panose="020B0609020204030204" pitchFamily="49" charset="0"/>
+              </a:rPr>
+              <a:t>    </a:t>
+            </a:r>
+            <a:r>
+              <a:rPr lang="en-US" sz="1200" b="1" dirty="0" err="1">
+                <a:latin typeface="Consolas" panose="020B0609020204030204" pitchFamily="49" charset="0"/>
+              </a:rPr>
+              <a:t>PersonRelationship</a:t>
+            </a:r>
+            <a:r>
+              <a:rPr lang="en-US" sz="1200" b="1" dirty="0">
+                <a:latin typeface="Consolas" panose="020B0609020204030204" pitchFamily="49" charset="0"/>
+              </a:rPr>
+              <a:t>    AS </a:t>
+            </a:r>
+            <a:r>
+              <a:rPr lang="en-US" sz="1200" b="1" dirty="0" err="1">
+                <a:latin typeface="Consolas" panose="020B0609020204030204" pitchFamily="49" charset="0"/>
+              </a:rPr>
+              <a:t>FriendOfFriend</a:t>
+            </a:r>
+            <a:r>
+              <a:rPr lang="en-US" sz="1200" b="1" dirty="0">
+                <a:latin typeface="Consolas" panose="020B0609020204030204" pitchFamily="49" charset="0"/>
+              </a:rPr>
+              <a:t> </a:t>
+            </a:r>
+          </a:p>
+          <a:p>
+            <a:r>
+              <a:rPr lang="en-US" sz="1200" b="1" dirty="0">
+                <a:latin typeface="Consolas" panose="020B0609020204030204" pitchFamily="49" charset="0"/>
+              </a:rPr>
+              <a:t>    ON </a:t>
+            </a:r>
+            <a:r>
+              <a:rPr lang="en-US" sz="1200" b="1" dirty="0" err="1">
+                <a:latin typeface="Consolas" panose="020B0609020204030204" pitchFamily="49" charset="0"/>
+              </a:rPr>
+              <a:t>MyFriends.RelatedPersonId</a:t>
+            </a:r>
+            <a:r>
+              <a:rPr lang="en-US" sz="1200" b="1" dirty="0">
+                <a:latin typeface="Consolas" panose="020B0609020204030204" pitchFamily="49" charset="0"/>
+              </a:rPr>
+              <a:t> = </a:t>
+            </a:r>
+            <a:r>
+              <a:rPr lang="en-US" sz="1200" b="1" dirty="0" err="1">
+                <a:latin typeface="Consolas" panose="020B0609020204030204" pitchFamily="49" charset="0"/>
+              </a:rPr>
+              <a:t>FriendOfFriend.PersonId</a:t>
+            </a:r>
+            <a:r>
+              <a:rPr lang="en-US" sz="1200" b="1" dirty="0">
+                <a:latin typeface="Consolas" panose="020B0609020204030204" pitchFamily="49" charset="0"/>
+              </a:rPr>
+              <a:t> </a:t>
+            </a:r>
+          </a:p>
+          <a:p>
+            <a:r>
+              <a:rPr lang="en-US" sz="1200" b="1" dirty="0">
+                <a:latin typeface="Consolas" panose="020B0609020204030204" pitchFamily="49" charset="0"/>
+              </a:rPr>
+              <a:t>INNER JOIN</a:t>
+            </a:r>
+          </a:p>
+          <a:p>
+            <a:r>
+              <a:rPr lang="en-US" sz="1200" b="1" dirty="0">
+                <a:latin typeface="Consolas" panose="020B0609020204030204" pitchFamily="49" charset="0"/>
+              </a:rPr>
+              <a:t> </a:t>
+            </a:r>
+            <a:r>
+              <a:rPr lang="en-US" sz="1200" b="1" dirty="0" err="1">
+                <a:latin typeface="Consolas" panose="020B0609020204030204" pitchFamily="49" charset="0"/>
+              </a:rPr>
+              <a:t>PersonAS</a:t>
+            </a:r>
+            <a:r>
+              <a:rPr lang="en-US" sz="1200" b="1" dirty="0">
+                <a:latin typeface="Consolas" panose="020B0609020204030204" pitchFamily="49" charset="0"/>
+              </a:rPr>
+              <a:t> </a:t>
+            </a:r>
+            <a:r>
+              <a:rPr lang="en-US" sz="1200" b="1" dirty="0" err="1">
+                <a:latin typeface="Consolas" panose="020B0609020204030204" pitchFamily="49" charset="0"/>
+              </a:rPr>
+              <a:t>FriendOfAFriend</a:t>
+            </a:r>
+            <a:endParaRPr lang="en-US" sz="1200" b="1" dirty="0">
+              <a:latin typeface="Consolas" panose="020B0609020204030204" pitchFamily="49" charset="0"/>
+            </a:endParaRPr>
+          </a:p>
+          <a:p>
+            <a:r>
+              <a:rPr lang="en-US" sz="1200" b="1" dirty="0">
+                <a:latin typeface="Consolas" panose="020B0609020204030204" pitchFamily="49" charset="0"/>
+              </a:rPr>
+              <a:t> ON </a:t>
+            </a:r>
+            <a:r>
+              <a:rPr lang="en-US" sz="1200" b="1" dirty="0" err="1">
+                <a:latin typeface="Consolas" panose="020B0609020204030204" pitchFamily="49" charset="0"/>
+              </a:rPr>
+              <a:t>FriendOfFriend.RelatedPersonId</a:t>
+            </a:r>
+            <a:r>
+              <a:rPr lang="en-US" sz="1200" b="1" dirty="0">
+                <a:latin typeface="Consolas" panose="020B0609020204030204" pitchFamily="49" charset="0"/>
+              </a:rPr>
+              <a:t> = </a:t>
+            </a:r>
+            <a:r>
+              <a:rPr lang="en-US" sz="1200" b="1" dirty="0" err="1">
+                <a:latin typeface="Consolas" panose="020B0609020204030204" pitchFamily="49" charset="0"/>
+              </a:rPr>
+              <a:t>FriendOfAFriend.PersonId</a:t>
+            </a:r>
+            <a:endParaRPr lang="en-US" sz="1200" b="1" dirty="0">
+              <a:latin typeface="Consolas" panose="020B0609020204030204" pitchFamily="49" charset="0"/>
+            </a:endParaRPr>
+          </a:p>
+          <a:p>
+            <a:r>
+              <a:rPr lang="en-US" sz="1200" b="1" dirty="0">
+                <a:latin typeface="Consolas" panose="020B0609020204030204" pitchFamily="49" charset="0"/>
+              </a:rPr>
+              <a:t>LEFT JOIN </a:t>
+            </a:r>
+          </a:p>
+          <a:p>
+            <a:r>
+              <a:rPr lang="en-US" sz="1200" b="1" dirty="0">
+                <a:latin typeface="Consolas" panose="020B0609020204030204" pitchFamily="49" charset="0"/>
+              </a:rPr>
+              <a:t>      </a:t>
+            </a:r>
+            <a:r>
+              <a:rPr lang="en-US" sz="1200" b="1" dirty="0" err="1">
+                <a:latin typeface="Consolas" panose="020B0609020204030204" pitchFamily="49" charset="0"/>
+              </a:rPr>
+              <a:t>PersonRelationship</a:t>
+            </a:r>
+            <a:r>
+              <a:rPr lang="en-US" sz="1200" b="1" dirty="0">
+                <a:latin typeface="Consolas" panose="020B0609020204030204" pitchFamily="49" charset="0"/>
+              </a:rPr>
+              <a:t>    AS </a:t>
+            </a:r>
+            <a:r>
+              <a:rPr lang="en-US" sz="1200" b="1" dirty="0" err="1">
+                <a:latin typeface="Consolas" panose="020B0609020204030204" pitchFamily="49" charset="0"/>
+              </a:rPr>
+              <a:t>FriendsWithMe</a:t>
+            </a:r>
+            <a:r>
+              <a:rPr lang="en-US" sz="1200" b="1" dirty="0">
+                <a:latin typeface="Consolas" panose="020B0609020204030204" pitchFamily="49" charset="0"/>
+              </a:rPr>
+              <a:t> </a:t>
+            </a:r>
+          </a:p>
+          <a:p>
+            <a:r>
+              <a:rPr lang="en-US" sz="1200" b="1" dirty="0">
+                <a:latin typeface="Consolas" panose="020B0609020204030204" pitchFamily="49" charset="0"/>
+              </a:rPr>
+              <a:t>      ON  </a:t>
+            </a:r>
+            <a:r>
+              <a:rPr lang="en-US" sz="1200" b="1" dirty="0" err="1">
+                <a:latin typeface="Consolas" panose="020B0609020204030204" pitchFamily="49" charset="0"/>
+              </a:rPr>
+              <a:t>Me.PersonId</a:t>
+            </a:r>
+            <a:r>
+              <a:rPr lang="en-US" sz="1200" b="1" dirty="0">
+                <a:latin typeface="Consolas" panose="020B0609020204030204" pitchFamily="49" charset="0"/>
+              </a:rPr>
+              <a:t> = </a:t>
+            </a:r>
+            <a:r>
+              <a:rPr lang="en-US" sz="1200" b="1" dirty="0" err="1">
+                <a:latin typeface="Consolas" panose="020B0609020204030204" pitchFamily="49" charset="0"/>
+              </a:rPr>
+              <a:t>FriendsWithMe.PersonId</a:t>
+            </a:r>
+            <a:r>
+              <a:rPr lang="en-US" sz="1200" b="1" dirty="0">
+                <a:latin typeface="Consolas" panose="020B0609020204030204" pitchFamily="49" charset="0"/>
+              </a:rPr>
+              <a:t> </a:t>
+            </a:r>
+          </a:p>
+          <a:p>
+            <a:r>
+              <a:rPr lang="en-US" sz="1200" b="1" dirty="0">
+                <a:latin typeface="Consolas" panose="020B0609020204030204" pitchFamily="49" charset="0"/>
+              </a:rPr>
+              <a:t>      AND </a:t>
+            </a:r>
+            <a:r>
+              <a:rPr lang="en-US" sz="1200" b="1" dirty="0" err="1">
+                <a:latin typeface="Consolas" panose="020B0609020204030204" pitchFamily="49" charset="0"/>
+              </a:rPr>
+              <a:t>FriendOfFriend.RelatedPersonId</a:t>
+            </a:r>
+            <a:r>
+              <a:rPr lang="en-US" sz="1200" b="1" dirty="0">
+                <a:latin typeface="Consolas" panose="020B0609020204030204" pitchFamily="49" charset="0"/>
+              </a:rPr>
+              <a:t> = </a:t>
+            </a:r>
+            <a:r>
+              <a:rPr lang="en-US" sz="1200" b="1" dirty="0" err="1">
+                <a:latin typeface="Consolas" panose="020B0609020204030204" pitchFamily="49" charset="0"/>
+              </a:rPr>
+              <a:t>FriendsWithMe.RelatedPersonId</a:t>
+            </a:r>
+            <a:endParaRPr lang="en-US" sz="1200" b="1" dirty="0">
+              <a:latin typeface="Consolas" panose="020B0609020204030204" pitchFamily="49" charset="0"/>
+            </a:endParaRPr>
+          </a:p>
+          <a:p>
+            <a:r>
+              <a:rPr lang="en-US" sz="1200" b="1" dirty="0">
+                <a:latin typeface="Consolas" panose="020B0609020204030204" pitchFamily="49" charset="0"/>
+              </a:rPr>
+              <a:t>INNER JOIN</a:t>
+            </a:r>
+          </a:p>
+          <a:p>
+            <a:r>
+              <a:rPr lang="en-US" sz="1200" b="1" dirty="0">
+                <a:latin typeface="Consolas" panose="020B0609020204030204" pitchFamily="49" charset="0"/>
+              </a:rPr>
+              <a:t>   </a:t>
+            </a:r>
+            <a:r>
+              <a:rPr lang="en-US" sz="1200" b="1" dirty="0" err="1">
+                <a:latin typeface="Consolas" panose="020B0609020204030204" pitchFamily="49" charset="0"/>
+              </a:rPr>
+              <a:t>PersonDisease</a:t>
+            </a:r>
+            <a:endParaRPr lang="en-US" sz="1200" b="1" dirty="0">
+              <a:latin typeface="Consolas" panose="020B0609020204030204" pitchFamily="49" charset="0"/>
+            </a:endParaRPr>
+          </a:p>
+          <a:p>
+            <a:r>
+              <a:rPr lang="en-US" sz="1200" b="1" dirty="0">
+                <a:latin typeface="Consolas" panose="020B0609020204030204" pitchFamily="49" charset="0"/>
+              </a:rPr>
+              <a:t>   ON </a:t>
+            </a:r>
+            <a:r>
+              <a:rPr lang="en-US" sz="1200" b="1" dirty="0" err="1">
+                <a:latin typeface="Consolas" panose="020B0609020204030204" pitchFamily="49" charset="0"/>
+              </a:rPr>
+              <a:t>PersonDisease.PersonId</a:t>
+            </a:r>
+            <a:r>
+              <a:rPr lang="en-US" sz="1200" b="1" dirty="0">
+                <a:latin typeface="Consolas" panose="020B0609020204030204" pitchFamily="49" charset="0"/>
+              </a:rPr>
+              <a:t> = </a:t>
+            </a:r>
+            <a:r>
+              <a:rPr lang="en-US" sz="1200" b="1" dirty="0" err="1">
+                <a:latin typeface="Consolas" panose="020B0609020204030204" pitchFamily="49" charset="0"/>
+              </a:rPr>
+              <a:t>FriendOfAFriend.PersonId</a:t>
+            </a:r>
+            <a:endParaRPr lang="en-US" sz="1200" b="1" dirty="0">
+              <a:latin typeface="Consolas" panose="020B0609020204030204" pitchFamily="49" charset="0"/>
+            </a:endParaRPr>
+          </a:p>
+          <a:p>
+            <a:r>
+              <a:rPr lang="en-US" sz="1200" b="1" dirty="0">
+                <a:latin typeface="Consolas" panose="020B0609020204030204" pitchFamily="49" charset="0"/>
+              </a:rPr>
+              <a:t>WHERE </a:t>
+            </a:r>
+          </a:p>
+          <a:p>
+            <a:r>
+              <a:rPr lang="en-US" sz="1200" b="1" dirty="0">
+                <a:latin typeface="Consolas" panose="020B0609020204030204" pitchFamily="49" charset="0"/>
+              </a:rPr>
+              <a:t>    </a:t>
+            </a:r>
+            <a:r>
+              <a:rPr lang="en-US" sz="1200" b="1" dirty="0" err="1">
+                <a:latin typeface="Consolas" panose="020B0609020204030204" pitchFamily="49" charset="0"/>
+              </a:rPr>
+              <a:t>FriendsWithMe.PersonId</a:t>
+            </a:r>
+            <a:r>
+              <a:rPr lang="en-US" sz="1200" b="1" dirty="0">
+                <a:latin typeface="Consolas" panose="020B0609020204030204" pitchFamily="49" charset="0"/>
+              </a:rPr>
+              <a:t> IS NULL </a:t>
+            </a:r>
+          </a:p>
+          <a:p>
+            <a:r>
+              <a:rPr lang="en-US" sz="1200" b="1" dirty="0">
+                <a:latin typeface="Consolas" panose="020B0609020204030204" pitchFamily="49" charset="0"/>
+              </a:rPr>
+              <a:t>AND </a:t>
+            </a:r>
+            <a:r>
+              <a:rPr lang="en-US" sz="1200" b="1" dirty="0" err="1">
+                <a:latin typeface="Consolas" panose="020B0609020204030204" pitchFamily="49" charset="0"/>
+              </a:rPr>
+              <a:t>Me.PersonId</a:t>
+            </a:r>
+            <a:r>
+              <a:rPr lang="en-US" sz="1200" b="1" dirty="0">
+                <a:latin typeface="Consolas" panose="020B0609020204030204" pitchFamily="49" charset="0"/>
+              </a:rPr>
+              <a:t> &lt;&gt; </a:t>
+            </a:r>
+            <a:r>
+              <a:rPr lang="en-US" sz="1200" b="1" dirty="0" err="1">
+                <a:latin typeface="Consolas" panose="020B0609020204030204" pitchFamily="49" charset="0"/>
+              </a:rPr>
+              <a:t>FriendOfFriend.RelatedPersonId</a:t>
+            </a:r>
+            <a:r>
+              <a:rPr lang="en-US" sz="1200" b="1" dirty="0">
+                <a:latin typeface="Consolas" panose="020B0609020204030204" pitchFamily="49" charset="0"/>
+              </a:rPr>
+              <a:t>   </a:t>
+            </a:r>
+          </a:p>
+          <a:p>
+            <a:r>
+              <a:rPr lang="en-US" sz="1200" b="1" dirty="0">
+                <a:latin typeface="Consolas" panose="020B0609020204030204" pitchFamily="49" charset="0"/>
+              </a:rPr>
+              <a:t>AND </a:t>
+            </a:r>
+            <a:r>
+              <a:rPr lang="en-US" sz="1200" b="1" dirty="0" err="1">
+                <a:latin typeface="Consolas" panose="020B0609020204030204" pitchFamily="49" charset="0"/>
+              </a:rPr>
+              <a:t>Me.Name</a:t>
+            </a:r>
+            <a:r>
+              <a:rPr lang="en-US" sz="1200" b="1" dirty="0">
+                <a:latin typeface="Consolas" panose="020B0609020204030204" pitchFamily="49" charset="0"/>
+              </a:rPr>
+              <a:t> = ‘Bill'</a:t>
+            </a:r>
+          </a:p>
+          <a:p>
+            <a:r>
+              <a:rPr lang="en-US" sz="1200" b="1" dirty="0">
+                <a:latin typeface="Consolas" panose="020B0609020204030204" pitchFamily="49" charset="0"/>
+              </a:rPr>
+              <a:t>AND </a:t>
+            </a:r>
+            <a:r>
+              <a:rPr lang="en-US" sz="1200" b="1" dirty="0" err="1">
+                <a:latin typeface="Consolas" panose="020B0609020204030204" pitchFamily="49" charset="0"/>
+              </a:rPr>
+              <a:t>PersonDisease.DiseaseId</a:t>
+            </a:r>
+            <a:r>
+              <a:rPr lang="en-US" sz="1200" b="1" dirty="0">
+                <a:latin typeface="Consolas" panose="020B0609020204030204" pitchFamily="49" charset="0"/>
+              </a:rPr>
+              <a:t> = 1</a:t>
+            </a:r>
+          </a:p>
+        </p:txBody>
+      </p:sp>
+    </p:spTree>
+    <p:extLst>
+      <p:ext uri="{BB962C8B-B14F-4D97-AF65-F5344CB8AC3E}">
+        <p14:creationId xmlns:p14="http://schemas.microsoft.com/office/powerpoint/2010/main" val="3360364818"/>
+      </p:ext>
+    </p:extLst>
+  </p:cSld>
+  <p:clrMapOvr>
+    <a:masterClrMapping/>
+  </p:clrMapOvr>
+</p:sld>
+</file>
+
+<file path=ppt/slides/slide34.xml><?xml version="1.0" encoding="utf-8"?>
 <p:sld xmlns:a="http://schemas.openxmlformats.org/drawingml/2006/main" xmlns:r="http://schemas.openxmlformats.org/officeDocument/2006/relationships" xmlns:p="http://schemas.openxmlformats.org/presentationml/2006/main">
   <p:cSld>
     <p:spTree>
@@ -27636,7 +31385,7 @@
 </p:sld>
 </file>
 
-<file path=ppt/slides/slide29.xml><?xml version="1.0" encoding="utf-8"?>
+<file path=ppt/slides/slide35.xml><?xml version="1.0" encoding="utf-8"?>
 <p:sld xmlns:a="http://schemas.openxmlformats.org/drawingml/2006/main" xmlns:r="http://schemas.openxmlformats.org/officeDocument/2006/relationships" xmlns:p="http://schemas.openxmlformats.org/presentationml/2006/main">
   <p:cSld>
     <p:spTree>
@@ -27711,296 +31460,7 @@
 </p:sld>
 </file>
 
-<file path=ppt/slides/slide3.xml><?xml version="1.0" encoding="utf-8"?>
-<p:sld xmlns:a="http://schemas.openxmlformats.org/drawingml/2006/main" xmlns:r="http://schemas.openxmlformats.org/officeDocument/2006/relationships" xmlns:p="http://schemas.openxmlformats.org/presentationml/2006/main">
-  <p:cSld>
-    <p:spTree>
-      <p:nvGrpSpPr>
-        <p:cNvPr id="1" name=""/>
-        <p:cNvGrpSpPr/>
-        <p:nvPr/>
-      </p:nvGrpSpPr>
-      <p:grpSpPr>
-        <a:xfrm>
-          <a:off x="0" y="0"/>
-          <a:ext cx="0" cy="0"/>
-          <a:chOff x="0" y="0"/>
-          <a:chExt cx="0" cy="0"/>
-        </a:xfrm>
-      </p:grpSpPr>
-      <p:sp>
-        <p:nvSpPr>
-          <p:cNvPr id="7" name="Rectangle 6"/>
-          <p:cNvSpPr>
-            <a:spLocks noGrp="1" noRot="1" noChangeAspect="1" noMove="1" noResize="1" noEditPoints="1" noAdjustHandles="1" noChangeArrowheads="1" noChangeShapeType="1" noTextEdit="1"/>
-          </p:cNvSpPr>
-          <p:nvPr>
-            <p:extLst>
-              <p:ext uri="{386F3935-93C4-4BCD-93E2-E3B085C9AB24}">
-                <p16:designElem xmlns:p16="http://schemas.microsoft.com/office/powerpoint/2015/main" val="1"/>
-              </p:ext>
-            </p:extLst>
-          </p:nvPr>
-        </p:nvSpPr>
-        <p:spPr>
-          <a:xfrm flipH="1">
-            <a:off x="0" y="0"/>
-            <a:ext cx="12188726" cy="6858975"/>
-          </a:xfrm>
-          <a:prstGeom prst="rect">
-            <a:avLst/>
-          </a:prstGeom>
-          <a:solidFill>
-            <a:schemeClr val="bg1"/>
-          </a:solidFill>
-          <a:ln>
-            <a:noFill/>
-          </a:ln>
-        </p:spPr>
-        <p:style>
-          <a:lnRef idx="2">
-            <a:schemeClr val="accent1">
-              <a:shade val="50000"/>
-            </a:schemeClr>
-          </a:lnRef>
-          <a:fillRef idx="1">
-            <a:schemeClr val="accent1"/>
-          </a:fillRef>
-          <a:effectRef idx="0">
-            <a:schemeClr val="accent1"/>
-          </a:effectRef>
-          <a:fontRef idx="minor">
-            <a:schemeClr val="lt1"/>
-          </a:fontRef>
-        </p:style>
-        <p:txBody>
-          <a:bodyPr rtlCol="0" anchor="ctr"/>
-          <a:lstStyle/>
-          <a:p>
-            <a:pPr algn="ctr"/>
-            <a:endParaRPr lang="en-US"/>
-          </a:p>
-        </p:txBody>
-      </p:sp>
-      <p:sp>
-        <p:nvSpPr>
-          <p:cNvPr id="9" name="Rectangle 8"/>
-          <p:cNvSpPr>
-            <a:spLocks noGrp="1" noRot="1" noChangeAspect="1" noMove="1" noResize="1" noEditPoints="1" noAdjustHandles="1" noChangeArrowheads="1" noChangeShapeType="1" noTextEdit="1"/>
-          </p:cNvSpPr>
-          <p:nvPr>
-            <p:extLst>
-              <p:ext uri="{386F3935-93C4-4BCD-93E2-E3B085C9AB24}">
-                <p16:designElem xmlns:p16="http://schemas.microsoft.com/office/powerpoint/2015/main" val="1"/>
-              </p:ext>
-            </p:extLst>
-          </p:nvPr>
-        </p:nvSpPr>
-        <p:spPr>
-          <a:xfrm>
-            <a:off x="5109343" y="620720"/>
-            <a:ext cx="6442480" cy="5593163"/>
-          </a:xfrm>
-          <a:prstGeom prst="rect">
-            <a:avLst/>
-          </a:prstGeom>
-          <a:solidFill>
-            <a:schemeClr val="tx1">
-              <a:lumMod val="75000"/>
-              <a:lumOff val="25000"/>
-            </a:schemeClr>
-          </a:solidFill>
-          <a:ln>
-            <a:noFill/>
-          </a:ln>
-        </p:spPr>
-        <p:style>
-          <a:lnRef idx="2">
-            <a:schemeClr val="accent1">
-              <a:shade val="50000"/>
-            </a:schemeClr>
-          </a:lnRef>
-          <a:fillRef idx="1">
-            <a:schemeClr val="accent1"/>
-          </a:fillRef>
-          <a:effectRef idx="0">
-            <a:schemeClr val="accent1"/>
-          </a:effectRef>
-          <a:fontRef idx="minor">
-            <a:schemeClr val="lt1"/>
-          </a:fontRef>
-        </p:style>
-        <p:txBody>
-          <a:bodyPr rtlCol="0" anchor="ctr"/>
-          <a:lstStyle/>
-          <a:p>
-            <a:pPr algn="ctr"/>
-            <a:endParaRPr lang="en-US"/>
-          </a:p>
-        </p:txBody>
-      </p:sp>
-      <p:cxnSp>
-        <p:nvCxnSpPr>
-          <p:cNvPr id="11" name="Straight Connector 10"/>
-          <p:cNvCxnSpPr>
-            <a:cxnSpLocks noGrp="1" noRot="1" noChangeAspect="1" noMove="1" noResize="1" noEditPoints="1" noAdjustHandles="1" noChangeArrowheads="1" noChangeShapeType="1"/>
-          </p:cNvCxnSpPr>
-          <p:nvPr>
-            <p:extLst>
-              <p:ext uri="{386F3935-93C4-4BCD-93E2-E3B085C9AB24}">
-                <p16:designElem xmlns:p16="http://schemas.microsoft.com/office/powerpoint/2015/main" val="1"/>
-              </p:ext>
-            </p:extLst>
-          </p:nvPr>
-        </p:nvCxnSpPr>
-        <p:spPr>
-          <a:xfrm>
-            <a:off x="5609960" y="4214336"/>
-            <a:ext cx="5120640" cy="0"/>
-          </a:xfrm>
-          <a:prstGeom prst="line">
-            <a:avLst/>
-          </a:prstGeom>
-          <a:ln w="19050">
-            <a:solidFill>
-              <a:schemeClr val="bg1"/>
-            </a:solidFill>
-          </a:ln>
-        </p:spPr>
-        <p:style>
-          <a:lnRef idx="1">
-            <a:schemeClr val="accent1"/>
-          </a:lnRef>
-          <a:fillRef idx="0">
-            <a:schemeClr val="accent1"/>
-          </a:fillRef>
-          <a:effectRef idx="0">
-            <a:schemeClr val="accent1"/>
-          </a:effectRef>
-          <a:fontRef idx="minor">
-            <a:schemeClr val="tx1"/>
-          </a:fontRef>
-        </p:style>
-      </p:cxnSp>
-      <p:sp>
-        <p:nvSpPr>
-          <p:cNvPr id="13" name="Rectangle 12"/>
-          <p:cNvSpPr>
-            <a:spLocks noGrp="1" noRot="1" noChangeAspect="1" noMove="1" noResize="1" noEditPoints="1" noAdjustHandles="1" noChangeArrowheads="1" noChangeShapeType="1" noTextEdit="1"/>
-          </p:cNvSpPr>
-          <p:nvPr>
-            <p:extLst>
-              <p:ext uri="{386F3935-93C4-4BCD-93E2-E3B085C9AB24}">
-                <p16:designElem xmlns:p16="http://schemas.microsoft.com/office/powerpoint/2015/main" val="1"/>
-              </p:ext>
-            </p:extLst>
-          </p:nvPr>
-        </p:nvSpPr>
-        <p:spPr>
-          <a:xfrm>
-            <a:off x="643467" y="621695"/>
-            <a:ext cx="4305009" cy="5592188"/>
-          </a:xfrm>
-          <a:prstGeom prst="rect">
-            <a:avLst/>
-          </a:prstGeom>
-          <a:blipFill dpi="0" rotWithShape="1">
-            <a:blip r:embed="rId2">
-              <a:duotone>
-                <a:schemeClr val="accent1">
-                  <a:shade val="45000"/>
-                  <a:satMod val="135000"/>
-                </a:schemeClr>
-                <a:prstClr val="white"/>
-              </a:duotone>
-            </a:blip>
-            <a:srcRect/>
-            <a:tile tx="-444500" ty="-127000" sx="50000" sy="50000" flip="xy" algn="tl"/>
-          </a:blipFill>
-          <a:ln>
-            <a:noFill/>
-          </a:ln>
-        </p:spPr>
-        <p:style>
-          <a:lnRef idx="2">
-            <a:schemeClr val="accent1">
-              <a:shade val="50000"/>
-            </a:schemeClr>
-          </a:lnRef>
-          <a:fillRef idx="1">
-            <a:schemeClr val="accent1"/>
-          </a:fillRef>
-          <a:effectRef idx="0">
-            <a:schemeClr val="accent1"/>
-          </a:effectRef>
-          <a:fontRef idx="minor">
-            <a:schemeClr val="lt1"/>
-          </a:fontRef>
-        </p:style>
-        <p:txBody>
-          <a:bodyPr rtlCol="0" anchor="ctr"/>
-          <a:lstStyle/>
-          <a:p>
-            <a:pPr lvl="0" algn="ctr"/>
-            <a:endParaRPr lang="en-US" dirty="0">
-              <a:solidFill>
-                <a:prstClr val="white"/>
-              </a:solidFill>
-            </a:endParaRPr>
-          </a:p>
-        </p:txBody>
-      </p:sp>
-      <p:sp>
-        <p:nvSpPr>
-          <p:cNvPr id="2" name="Title 1"/>
-          <p:cNvSpPr>
-            <a:spLocks noGrp="1"/>
-          </p:cNvSpPr>
-          <p:nvPr>
-            <p:ph type="ctrTitle"/>
-          </p:nvPr>
-        </p:nvSpPr>
-        <p:spPr>
-          <a:xfrm>
-            <a:off x="5590120" y="1105351"/>
-            <a:ext cx="5477071" cy="3023981"/>
-          </a:xfrm>
-        </p:spPr>
-        <p:txBody>
-          <a:bodyPr anchor="b">
-            <a:normAutofit/>
-          </a:bodyPr>
-          <a:lstStyle/>
-          <a:p>
-            <a:pPr algn="l"/>
-            <a:r>
-              <a:rPr lang="en-US" sz="4400">
-                <a:solidFill>
-                  <a:schemeClr val="bg1"/>
-                </a:solidFill>
-              </a:rPr>
-              <a:t>What’s a GraphDB Anyway?</a:t>
-            </a:r>
-          </a:p>
-        </p:txBody>
-      </p:sp>
-    </p:spTree>
-    <p:extLst>
-      <p:ext uri="{BB962C8B-B14F-4D97-AF65-F5344CB8AC3E}">
-        <p14:creationId xmlns:p14="http://schemas.microsoft.com/office/powerpoint/2010/main" val="1597194294"/>
-      </p:ext>
-    </p:extLst>
-  </p:cSld>
-  <p:clrMapOvr>
-    <a:masterClrMapping/>
-  </p:clrMapOvr>
-  <p:transition spd="slow">
-    <p:wipe/>
-  </p:transition>
-</p:sld>
-</file>
-
-<file path=ppt/slides/slide30.xml><?xml version="1.0" encoding="utf-8"?>
+<file path=ppt/slides/slide36.xml><?xml version="1.0" encoding="utf-8"?>
 <p:sld xmlns:a="http://schemas.openxmlformats.org/drawingml/2006/main" xmlns:r="http://schemas.openxmlformats.org/officeDocument/2006/relationships" xmlns:p="http://schemas.openxmlformats.org/presentationml/2006/main">
   <p:cSld>
     <p:spTree>
@@ -28115,7 +31575,7 @@
 </p:sld>
 </file>
 
-<file path=ppt/slides/slide31.xml><?xml version="1.0" encoding="utf-8"?>
+<file path=ppt/slides/slide37.xml><?xml version="1.0" encoding="utf-8"?>
 <p:sld xmlns:a="http://schemas.openxmlformats.org/drawingml/2006/main" xmlns:r="http://schemas.openxmlformats.org/officeDocument/2006/relationships" xmlns:p="http://schemas.openxmlformats.org/presentationml/2006/main">
   <p:cSld>
     <p:spTree>
@@ -28378,808 +31838,12 @@
           <a:p>
             <a:pPr algn="l"/>
             <a:r>
-              <a:rPr lang="en-US" sz="4400">
+              <a:rPr lang="en-US" sz="4400" dirty="0">
                 <a:solidFill>
                   <a:schemeClr val="bg1"/>
                 </a:solidFill>
               </a:rPr>
-              <a:t>Core concepts</a:t>
-            </a:r>
-          </a:p>
-        </p:txBody>
-      </p:sp>
-    </p:spTree>
-    <p:extLst>
-      <p:ext uri="{BB962C8B-B14F-4D97-AF65-F5344CB8AC3E}">
-        <p14:creationId xmlns:p14="http://schemas.microsoft.com/office/powerpoint/2010/main" val="1224089754"/>
-      </p:ext>
-    </p:extLst>
-  </p:cSld>
-  <p:clrMapOvr>
-    <a:masterClrMapping/>
-  </p:clrMapOvr>
-</p:sld>
-</file>
-
-<file path=ppt/slides/slide32.xml><?xml version="1.0" encoding="utf-8"?>
-<p:sld xmlns:a="http://schemas.openxmlformats.org/drawingml/2006/main" xmlns:r="http://schemas.openxmlformats.org/officeDocument/2006/relationships" xmlns:p="http://schemas.openxmlformats.org/presentationml/2006/main">
-  <p:cSld>
-    <p:spTree>
-      <p:nvGrpSpPr>
-        <p:cNvPr id="1" name=""/>
-        <p:cNvGrpSpPr/>
-        <p:nvPr/>
-      </p:nvGrpSpPr>
-      <p:grpSpPr>
-        <a:xfrm>
-          <a:off x="0" y="0"/>
-          <a:ext cx="0" cy="0"/>
-          <a:chOff x="0" y="0"/>
-          <a:chExt cx="0" cy="0"/>
-        </a:xfrm>
-      </p:grpSpPr>
-      <p:sp>
-        <p:nvSpPr>
-          <p:cNvPr id="2" name="Title 1"/>
-          <p:cNvSpPr>
-            <a:spLocks noGrp="1"/>
-          </p:cNvSpPr>
-          <p:nvPr>
-            <p:ph type="title"/>
-          </p:nvPr>
-        </p:nvSpPr>
-        <p:spPr/>
-        <p:txBody>
-          <a:bodyPr/>
-          <a:lstStyle/>
-          <a:p>
-            <a:r>
-              <a:rPr lang="en-US" dirty="0"/>
-              <a:t>Building blocks</a:t>
-            </a:r>
-          </a:p>
-        </p:txBody>
-      </p:sp>
-      <p:sp>
-        <p:nvSpPr>
-          <p:cNvPr id="3" name="Content Placeholder 2"/>
-          <p:cNvSpPr>
-            <a:spLocks noGrp="1"/>
-          </p:cNvSpPr>
-          <p:nvPr>
-            <p:ph idx="1"/>
-          </p:nvPr>
-        </p:nvSpPr>
-        <p:spPr/>
-        <p:txBody>
-          <a:bodyPr/>
-          <a:lstStyle/>
-          <a:p>
-            <a:pPr>
-              <a:buFont typeface="Wingdings" panose="05000000000000000000" pitchFamily="2" charset="2"/>
-              <a:buChar char="ü"/>
-            </a:pPr>
-            <a:r>
-              <a:rPr lang="en-US" dirty="0"/>
-              <a:t>Nodes</a:t>
-            </a:r>
-          </a:p>
-          <a:p>
-            <a:pPr>
-              <a:buFont typeface="Wingdings" panose="05000000000000000000" pitchFamily="2" charset="2"/>
-              <a:buChar char="ü"/>
-            </a:pPr>
-            <a:r>
-              <a:rPr lang="en-US" dirty="0"/>
-              <a:t>Relationships</a:t>
-            </a:r>
-          </a:p>
-          <a:p>
-            <a:pPr>
-              <a:buFont typeface="Wingdings" panose="05000000000000000000" pitchFamily="2" charset="2"/>
-              <a:buChar char="ü"/>
-            </a:pPr>
-            <a:r>
-              <a:rPr lang="en-US" dirty="0"/>
-              <a:t>Properties</a:t>
-            </a:r>
-          </a:p>
-          <a:p>
-            <a:pPr>
-              <a:buFont typeface="Wingdings" panose="05000000000000000000" pitchFamily="2" charset="2"/>
-              <a:buChar char="ü"/>
-            </a:pPr>
-            <a:r>
-              <a:rPr lang="en-US" dirty="0"/>
-              <a:t>Labels</a:t>
-            </a:r>
-          </a:p>
-        </p:txBody>
-      </p:sp>
-    </p:spTree>
-    <p:extLst>
-      <p:ext uri="{BB962C8B-B14F-4D97-AF65-F5344CB8AC3E}">
-        <p14:creationId xmlns:p14="http://schemas.microsoft.com/office/powerpoint/2010/main" val="1722146423"/>
-      </p:ext>
-    </p:extLst>
-  </p:cSld>
-  <p:clrMapOvr>
-    <a:masterClrMapping/>
-  </p:clrMapOvr>
-</p:sld>
-</file>
-
-<file path=ppt/slides/slide33.xml><?xml version="1.0" encoding="utf-8"?>
-<p:sld xmlns:a="http://schemas.openxmlformats.org/drawingml/2006/main" xmlns:r="http://schemas.openxmlformats.org/officeDocument/2006/relationships" xmlns:p="http://schemas.openxmlformats.org/presentationml/2006/main">
-  <p:cSld>
-    <p:spTree>
-      <p:nvGrpSpPr>
-        <p:cNvPr id="1" name=""/>
-        <p:cNvGrpSpPr/>
-        <p:nvPr/>
-      </p:nvGrpSpPr>
-      <p:grpSpPr>
-        <a:xfrm>
-          <a:off x="0" y="0"/>
-          <a:ext cx="0" cy="0"/>
-          <a:chOff x="0" y="0"/>
-          <a:chExt cx="0" cy="0"/>
-        </a:xfrm>
-      </p:grpSpPr>
-      <p:sp>
-        <p:nvSpPr>
-          <p:cNvPr id="2" name="Title 1"/>
-          <p:cNvSpPr>
-            <a:spLocks noGrp="1"/>
-          </p:cNvSpPr>
-          <p:nvPr>
-            <p:ph type="title"/>
-          </p:nvPr>
-        </p:nvSpPr>
-        <p:spPr/>
-        <p:txBody>
-          <a:bodyPr/>
-          <a:lstStyle/>
-          <a:p>
-            <a:r>
-              <a:rPr lang="en-US" dirty="0"/>
-              <a:t>Nodes</a:t>
-            </a:r>
-          </a:p>
-        </p:txBody>
-      </p:sp>
-      <p:sp>
-        <p:nvSpPr>
-          <p:cNvPr id="3" name="Content Placeholder 2"/>
-          <p:cNvSpPr>
-            <a:spLocks noGrp="1"/>
-          </p:cNvSpPr>
-          <p:nvPr>
-            <p:ph idx="1"/>
-          </p:nvPr>
-        </p:nvSpPr>
-        <p:spPr/>
-        <p:txBody>
-          <a:bodyPr/>
-          <a:lstStyle/>
-          <a:p>
-            <a:pPr>
-              <a:buFont typeface="Wingdings" panose="05000000000000000000" pitchFamily="2" charset="2"/>
-              <a:buChar char="Ø"/>
-            </a:pPr>
-            <a:r>
-              <a:rPr lang="en-US" dirty="0"/>
-              <a:t>Nodes represent entities and complex types</a:t>
-            </a:r>
-          </a:p>
-          <a:p>
-            <a:pPr>
-              <a:buFont typeface="Wingdings" panose="05000000000000000000" pitchFamily="2" charset="2"/>
-              <a:buChar char="Ø"/>
-            </a:pPr>
-            <a:r>
-              <a:rPr lang="en-US" dirty="0"/>
-              <a:t>Nodes can contain properties</a:t>
-            </a:r>
-          </a:p>
-          <a:p>
-            <a:pPr>
-              <a:buFont typeface="Wingdings" panose="05000000000000000000" pitchFamily="2" charset="2"/>
-              <a:buChar char="Ø"/>
-            </a:pPr>
-            <a:r>
-              <a:rPr lang="en-US" dirty="0"/>
-              <a:t>Each node can have different properties</a:t>
-            </a:r>
-          </a:p>
-        </p:txBody>
-      </p:sp>
-    </p:spTree>
-    <p:extLst>
-      <p:ext uri="{BB962C8B-B14F-4D97-AF65-F5344CB8AC3E}">
-        <p14:creationId xmlns:p14="http://schemas.microsoft.com/office/powerpoint/2010/main" val="303320234"/>
-      </p:ext>
-    </p:extLst>
-  </p:cSld>
-  <p:clrMapOvr>
-    <a:masterClrMapping/>
-  </p:clrMapOvr>
-</p:sld>
-</file>
-
-<file path=ppt/slides/slide34.xml><?xml version="1.0" encoding="utf-8"?>
-<p:sld xmlns:a="http://schemas.openxmlformats.org/drawingml/2006/main" xmlns:r="http://schemas.openxmlformats.org/officeDocument/2006/relationships" xmlns:p="http://schemas.openxmlformats.org/presentationml/2006/main">
-  <p:cSld>
-    <p:spTree>
-      <p:nvGrpSpPr>
-        <p:cNvPr id="1" name=""/>
-        <p:cNvGrpSpPr/>
-        <p:nvPr/>
-      </p:nvGrpSpPr>
-      <p:grpSpPr>
-        <a:xfrm>
-          <a:off x="0" y="0"/>
-          <a:ext cx="0" cy="0"/>
-          <a:chOff x="0" y="0"/>
-          <a:chExt cx="0" cy="0"/>
-        </a:xfrm>
-      </p:grpSpPr>
-      <p:sp>
-        <p:nvSpPr>
-          <p:cNvPr id="2" name="Title 1"/>
-          <p:cNvSpPr>
-            <a:spLocks noGrp="1"/>
-          </p:cNvSpPr>
-          <p:nvPr>
-            <p:ph type="title"/>
-          </p:nvPr>
-        </p:nvSpPr>
-        <p:spPr/>
-        <p:txBody>
-          <a:bodyPr/>
-          <a:lstStyle/>
-          <a:p>
-            <a:r>
-              <a:rPr lang="en-US" dirty="0"/>
-              <a:t>Relationships</a:t>
-            </a:r>
-          </a:p>
-        </p:txBody>
-      </p:sp>
-      <p:sp>
-        <p:nvSpPr>
-          <p:cNvPr id="3" name="Content Placeholder 2"/>
-          <p:cNvSpPr>
-            <a:spLocks noGrp="1"/>
-          </p:cNvSpPr>
-          <p:nvPr>
-            <p:ph idx="1"/>
-          </p:nvPr>
-        </p:nvSpPr>
-        <p:spPr/>
-        <p:txBody>
-          <a:bodyPr/>
-          <a:lstStyle/>
-          <a:p>
-            <a:pPr>
-              <a:buFont typeface="Wingdings" panose="05000000000000000000" pitchFamily="2" charset="2"/>
-              <a:buChar char="Ø"/>
-            </a:pPr>
-            <a:r>
-              <a:rPr lang="en-US" dirty="0"/>
-              <a:t>Every relationship has a name and direction</a:t>
-            </a:r>
-          </a:p>
-          <a:p>
-            <a:pPr>
-              <a:buFont typeface="Wingdings" panose="05000000000000000000" pitchFamily="2" charset="2"/>
-              <a:buChar char="Ø"/>
-            </a:pPr>
-            <a:r>
-              <a:rPr lang="en-US" dirty="0"/>
-              <a:t>Relationships can contain properties, which can further clarify the relationship</a:t>
-            </a:r>
-          </a:p>
-          <a:p>
-            <a:pPr>
-              <a:buFont typeface="Wingdings" panose="05000000000000000000" pitchFamily="2" charset="2"/>
-              <a:buChar char="Ø"/>
-            </a:pPr>
-            <a:r>
-              <a:rPr lang="en-US" dirty="0"/>
-              <a:t>Must have a start and end node</a:t>
-            </a:r>
-          </a:p>
-        </p:txBody>
-      </p:sp>
-    </p:spTree>
-    <p:extLst>
-      <p:ext uri="{BB962C8B-B14F-4D97-AF65-F5344CB8AC3E}">
-        <p14:creationId xmlns:p14="http://schemas.microsoft.com/office/powerpoint/2010/main" val="1281301520"/>
-      </p:ext>
-    </p:extLst>
-  </p:cSld>
-  <p:clrMapOvr>
-    <a:masterClrMapping/>
-  </p:clrMapOvr>
-</p:sld>
-</file>
-
-<file path=ppt/slides/slide35.xml><?xml version="1.0" encoding="utf-8"?>
-<p:sld xmlns:a="http://schemas.openxmlformats.org/drawingml/2006/main" xmlns:r="http://schemas.openxmlformats.org/officeDocument/2006/relationships" xmlns:p="http://schemas.openxmlformats.org/presentationml/2006/main">
-  <p:cSld>
-    <p:spTree>
-      <p:nvGrpSpPr>
-        <p:cNvPr id="1" name=""/>
-        <p:cNvGrpSpPr/>
-        <p:nvPr/>
-      </p:nvGrpSpPr>
-      <p:grpSpPr>
-        <a:xfrm>
-          <a:off x="0" y="0"/>
-          <a:ext cx="0" cy="0"/>
-          <a:chOff x="0" y="0"/>
-          <a:chExt cx="0" cy="0"/>
-        </a:xfrm>
-      </p:grpSpPr>
-      <p:sp>
-        <p:nvSpPr>
-          <p:cNvPr id="2" name="Title 1"/>
-          <p:cNvSpPr>
-            <a:spLocks noGrp="1"/>
-          </p:cNvSpPr>
-          <p:nvPr>
-            <p:ph type="title"/>
-          </p:nvPr>
-        </p:nvSpPr>
-        <p:spPr/>
-        <p:txBody>
-          <a:bodyPr/>
-          <a:lstStyle/>
-          <a:p>
-            <a:r>
-              <a:rPr lang="en-US" dirty="0"/>
-              <a:t>Properties</a:t>
-            </a:r>
-          </a:p>
-        </p:txBody>
-      </p:sp>
-      <p:sp>
-        <p:nvSpPr>
-          <p:cNvPr id="3" name="Content Placeholder 2"/>
-          <p:cNvSpPr>
-            <a:spLocks noGrp="1"/>
-          </p:cNvSpPr>
-          <p:nvPr>
-            <p:ph idx="1"/>
-          </p:nvPr>
-        </p:nvSpPr>
-        <p:spPr/>
-        <p:txBody>
-          <a:bodyPr/>
-          <a:lstStyle/>
-          <a:p>
-            <a:pPr>
-              <a:buFont typeface="Wingdings" panose="05000000000000000000" pitchFamily="2" charset="2"/>
-              <a:buChar char="Ø"/>
-            </a:pPr>
-            <a:r>
-              <a:rPr lang="en-US" dirty="0"/>
-              <a:t>Key value pairs used for nodes and relationships</a:t>
-            </a:r>
-          </a:p>
-          <a:p>
-            <a:pPr>
-              <a:buFont typeface="Wingdings" panose="05000000000000000000" pitchFamily="2" charset="2"/>
-              <a:buChar char="Ø"/>
-            </a:pPr>
-            <a:r>
-              <a:rPr lang="en-US" dirty="0"/>
-              <a:t>Adds metadata to your nodes and relationships</a:t>
-            </a:r>
-          </a:p>
-          <a:p>
-            <a:pPr>
-              <a:buFont typeface="Wingdings" panose="05000000000000000000" pitchFamily="2" charset="2"/>
-              <a:buChar char="Ø"/>
-            </a:pPr>
-            <a:r>
-              <a:rPr lang="en-US" dirty="0"/>
-              <a:t>Entity attributes</a:t>
-            </a:r>
-          </a:p>
-          <a:p>
-            <a:pPr>
-              <a:buFont typeface="Wingdings" panose="05000000000000000000" pitchFamily="2" charset="2"/>
-              <a:buChar char="Ø"/>
-            </a:pPr>
-            <a:r>
-              <a:rPr lang="en-US" dirty="0"/>
-              <a:t>Relationship qualities</a:t>
-            </a:r>
-          </a:p>
-        </p:txBody>
-      </p:sp>
-    </p:spTree>
-    <p:extLst>
-      <p:ext uri="{BB962C8B-B14F-4D97-AF65-F5344CB8AC3E}">
-        <p14:creationId xmlns:p14="http://schemas.microsoft.com/office/powerpoint/2010/main" val="2637711824"/>
-      </p:ext>
-    </p:extLst>
-  </p:cSld>
-  <p:clrMapOvr>
-    <a:masterClrMapping/>
-  </p:clrMapOvr>
-</p:sld>
-</file>
-
-<file path=ppt/slides/slide36.xml><?xml version="1.0" encoding="utf-8"?>
-<p:sld xmlns:a="http://schemas.openxmlformats.org/drawingml/2006/main" xmlns:r="http://schemas.openxmlformats.org/officeDocument/2006/relationships" xmlns:p="http://schemas.openxmlformats.org/presentationml/2006/main">
-  <p:cSld>
-    <p:spTree>
-      <p:nvGrpSpPr>
-        <p:cNvPr id="1" name=""/>
-        <p:cNvGrpSpPr/>
-        <p:nvPr/>
-      </p:nvGrpSpPr>
-      <p:grpSpPr>
-        <a:xfrm>
-          <a:off x="0" y="0"/>
-          <a:ext cx="0" cy="0"/>
-          <a:chOff x="0" y="0"/>
-          <a:chExt cx="0" cy="0"/>
-        </a:xfrm>
-      </p:grpSpPr>
-      <p:sp>
-        <p:nvSpPr>
-          <p:cNvPr id="2" name="Title 1"/>
-          <p:cNvSpPr>
-            <a:spLocks noGrp="1"/>
-          </p:cNvSpPr>
-          <p:nvPr>
-            <p:ph type="title"/>
-          </p:nvPr>
-        </p:nvSpPr>
-        <p:spPr/>
-        <p:txBody>
-          <a:bodyPr/>
-          <a:lstStyle/>
-          <a:p>
-            <a:r>
-              <a:rPr lang="en-US" dirty="0"/>
-              <a:t>Labels</a:t>
-            </a:r>
-          </a:p>
-        </p:txBody>
-      </p:sp>
-      <p:sp>
-        <p:nvSpPr>
-          <p:cNvPr id="3" name="Content Placeholder 2"/>
-          <p:cNvSpPr>
-            <a:spLocks noGrp="1"/>
-          </p:cNvSpPr>
-          <p:nvPr>
-            <p:ph idx="1"/>
-          </p:nvPr>
-        </p:nvSpPr>
-        <p:spPr/>
-        <p:txBody>
-          <a:bodyPr/>
-          <a:lstStyle/>
-          <a:p>
-            <a:pPr>
-              <a:buFont typeface="Wingdings" panose="05000000000000000000" pitchFamily="2" charset="2"/>
-              <a:buChar char="Ø"/>
-            </a:pPr>
-            <a:r>
-              <a:rPr lang="en-US" dirty="0"/>
-              <a:t>Used to represent objects in your domain (e.g. user, person, movie)</a:t>
-            </a:r>
-          </a:p>
-          <a:p>
-            <a:pPr>
-              <a:buFont typeface="Wingdings" panose="05000000000000000000" pitchFamily="2" charset="2"/>
-              <a:buChar char="Ø"/>
-            </a:pPr>
-            <a:r>
-              <a:rPr lang="en-US" dirty="0"/>
-              <a:t>With labels, you can group nodes</a:t>
-            </a:r>
-          </a:p>
-          <a:p>
-            <a:pPr>
-              <a:buFont typeface="Wingdings" panose="05000000000000000000" pitchFamily="2" charset="2"/>
-              <a:buChar char="Ø"/>
-            </a:pPr>
-            <a:r>
-              <a:rPr lang="en-US" dirty="0"/>
-              <a:t>Allows us to create indexes and constraints with groups of nodes</a:t>
-            </a:r>
-          </a:p>
-        </p:txBody>
-      </p:sp>
-    </p:spTree>
-    <p:extLst>
-      <p:ext uri="{BB962C8B-B14F-4D97-AF65-F5344CB8AC3E}">
-        <p14:creationId xmlns:p14="http://schemas.microsoft.com/office/powerpoint/2010/main" val="2552325323"/>
-      </p:ext>
-    </p:extLst>
-  </p:cSld>
-  <p:clrMapOvr>
-    <a:masterClrMapping/>
-  </p:clrMapOvr>
-</p:sld>
-</file>
-
-<file path=ppt/slides/slide37.xml><?xml version="1.0" encoding="utf-8"?>
-<p:sld xmlns:a="http://schemas.openxmlformats.org/drawingml/2006/main" xmlns:r="http://schemas.openxmlformats.org/officeDocument/2006/relationships" xmlns:p="http://schemas.openxmlformats.org/presentationml/2006/main">
-  <p:cSld>
-    <p:spTree>
-      <p:nvGrpSpPr>
-        <p:cNvPr id="1" name=""/>
-        <p:cNvGrpSpPr/>
-        <p:nvPr/>
-      </p:nvGrpSpPr>
-      <p:grpSpPr>
-        <a:xfrm>
-          <a:off x="0" y="0"/>
-          <a:ext cx="0" cy="0"/>
-          <a:chOff x="0" y="0"/>
-          <a:chExt cx="0" cy="0"/>
-        </a:xfrm>
-      </p:grpSpPr>
-      <p:sp>
-        <p:nvSpPr>
-          <p:cNvPr id="8" name="Rectangle 7"/>
-          <p:cNvSpPr>
-            <a:spLocks noGrp="1" noRot="1" noChangeAspect="1" noMove="1" noResize="1" noEditPoints="1" noAdjustHandles="1" noChangeArrowheads="1" noChangeShapeType="1" noTextEdit="1"/>
-          </p:cNvSpPr>
-          <p:nvPr>
-            <p:extLst>
-              <p:ext uri="{386F3935-93C4-4BCD-93E2-E3B085C9AB24}">
-                <p16:designElem xmlns:p16="http://schemas.microsoft.com/office/powerpoint/2015/main" val="1"/>
-              </p:ext>
-            </p:extLst>
-          </p:nvPr>
-        </p:nvSpPr>
-        <p:spPr>
-          <a:xfrm flipH="1">
-            <a:off x="0" y="0"/>
-            <a:ext cx="12188726" cy="6858975"/>
-          </a:xfrm>
-          <a:prstGeom prst="rect">
-            <a:avLst/>
-          </a:prstGeom>
-          <a:solidFill>
-            <a:schemeClr val="bg1"/>
-          </a:solidFill>
-          <a:ln>
-            <a:noFill/>
-          </a:ln>
-        </p:spPr>
-        <p:style>
-          <a:lnRef idx="2">
-            <a:schemeClr val="accent1">
-              <a:shade val="50000"/>
-            </a:schemeClr>
-          </a:lnRef>
-          <a:fillRef idx="1">
-            <a:schemeClr val="accent1"/>
-          </a:fillRef>
-          <a:effectRef idx="0">
-            <a:schemeClr val="accent1"/>
-          </a:effectRef>
-          <a:fontRef idx="minor">
-            <a:schemeClr val="lt1"/>
-          </a:fontRef>
-        </p:style>
-        <p:txBody>
-          <a:bodyPr rtlCol="0" anchor="ctr"/>
-          <a:lstStyle/>
-          <a:p>
-            <a:pPr algn="ctr"/>
-            <a:endParaRPr lang="en-US"/>
-          </a:p>
-        </p:txBody>
-      </p:sp>
-      <p:sp>
-        <p:nvSpPr>
-          <p:cNvPr id="10" name="Rectangle 9"/>
-          <p:cNvSpPr>
-            <a:spLocks noGrp="1" noRot="1" noChangeAspect="1" noMove="1" noResize="1" noEditPoints="1" noAdjustHandles="1" noChangeArrowheads="1" noChangeShapeType="1" noTextEdit="1"/>
-          </p:cNvSpPr>
-          <p:nvPr>
-            <p:extLst>
-              <p:ext uri="{386F3935-93C4-4BCD-93E2-E3B085C9AB24}">
-                <p16:designElem xmlns:p16="http://schemas.microsoft.com/office/powerpoint/2015/main" val="1"/>
-              </p:ext>
-            </p:extLst>
-          </p:nvPr>
-        </p:nvSpPr>
-        <p:spPr>
-          <a:xfrm>
-            <a:off x="5109343" y="620720"/>
-            <a:ext cx="6442480" cy="5593163"/>
-          </a:xfrm>
-          <a:prstGeom prst="rect">
-            <a:avLst/>
-          </a:prstGeom>
-          <a:solidFill>
-            <a:schemeClr val="tx1">
-              <a:lumMod val="75000"/>
-              <a:lumOff val="25000"/>
-            </a:schemeClr>
-          </a:solidFill>
-          <a:ln>
-            <a:noFill/>
-          </a:ln>
-        </p:spPr>
-        <p:style>
-          <a:lnRef idx="2">
-            <a:schemeClr val="accent1">
-              <a:shade val="50000"/>
-            </a:schemeClr>
-          </a:lnRef>
-          <a:fillRef idx="1">
-            <a:schemeClr val="accent1"/>
-          </a:fillRef>
-          <a:effectRef idx="0">
-            <a:schemeClr val="accent1"/>
-          </a:effectRef>
-          <a:fontRef idx="minor">
-            <a:schemeClr val="lt1"/>
-          </a:fontRef>
-        </p:style>
-        <p:txBody>
-          <a:bodyPr rtlCol="0" anchor="ctr"/>
-          <a:lstStyle/>
-          <a:p>
-            <a:pPr algn="ctr"/>
-            <a:endParaRPr lang="en-US"/>
-          </a:p>
-        </p:txBody>
-      </p:sp>
-      <p:cxnSp>
-        <p:nvCxnSpPr>
-          <p:cNvPr id="12" name="Straight Connector 11"/>
-          <p:cNvCxnSpPr>
-            <a:cxnSpLocks noGrp="1" noRot="1" noChangeAspect="1" noMove="1" noResize="1" noEditPoints="1" noAdjustHandles="1" noChangeArrowheads="1" noChangeShapeType="1"/>
-          </p:cNvCxnSpPr>
-          <p:nvPr>
-            <p:extLst>
-              <p:ext uri="{386F3935-93C4-4BCD-93E2-E3B085C9AB24}">
-                <p16:designElem xmlns:p16="http://schemas.microsoft.com/office/powerpoint/2015/main" val="1"/>
-              </p:ext>
-            </p:extLst>
-          </p:nvPr>
-        </p:nvCxnSpPr>
-        <p:spPr>
-          <a:xfrm>
-            <a:off x="5609960" y="4214336"/>
-            <a:ext cx="5120640" cy="0"/>
-          </a:xfrm>
-          <a:prstGeom prst="line">
-            <a:avLst/>
-          </a:prstGeom>
-          <a:ln w="19050">
-            <a:solidFill>
-              <a:schemeClr val="bg1"/>
-            </a:solidFill>
-          </a:ln>
-        </p:spPr>
-        <p:style>
-          <a:lnRef idx="1">
-            <a:schemeClr val="accent1"/>
-          </a:lnRef>
-          <a:fillRef idx="0">
-            <a:schemeClr val="accent1"/>
-          </a:fillRef>
-          <a:effectRef idx="0">
-            <a:schemeClr val="accent1"/>
-          </a:effectRef>
-          <a:fontRef idx="minor">
-            <a:schemeClr val="tx1"/>
-          </a:fontRef>
-        </p:style>
-      </p:cxnSp>
-      <p:sp>
-        <p:nvSpPr>
-          <p:cNvPr id="14" name="Rectangle 13"/>
-          <p:cNvSpPr>
-            <a:spLocks noGrp="1" noRot="1" noChangeAspect="1" noMove="1" noResize="1" noEditPoints="1" noAdjustHandles="1" noChangeArrowheads="1" noChangeShapeType="1" noTextEdit="1"/>
-          </p:cNvSpPr>
-          <p:nvPr>
-            <p:extLst>
-              <p:ext uri="{386F3935-93C4-4BCD-93E2-E3B085C9AB24}">
-                <p16:designElem xmlns:p16="http://schemas.microsoft.com/office/powerpoint/2015/main" val="1"/>
-              </p:ext>
-            </p:extLst>
-          </p:nvPr>
-        </p:nvSpPr>
-        <p:spPr>
-          <a:xfrm>
-            <a:off x="643467" y="621695"/>
-            <a:ext cx="4305009" cy="5592188"/>
-          </a:xfrm>
-          <a:prstGeom prst="rect">
-            <a:avLst/>
-          </a:prstGeom>
-          <a:blipFill dpi="0" rotWithShape="1">
-            <a:blip r:embed="rId2">
-              <a:duotone>
-                <a:schemeClr val="accent1">
-                  <a:shade val="45000"/>
-                  <a:satMod val="135000"/>
-                </a:schemeClr>
-                <a:prstClr val="white"/>
-              </a:duotone>
-            </a:blip>
-            <a:srcRect/>
-            <a:tile tx="-444500" ty="-127000" sx="50000" sy="50000" flip="xy" algn="tl"/>
-          </a:blipFill>
-          <a:ln>
-            <a:noFill/>
-          </a:ln>
-        </p:spPr>
-        <p:style>
-          <a:lnRef idx="2">
-            <a:schemeClr val="accent1">
-              <a:shade val="50000"/>
-            </a:schemeClr>
-          </a:lnRef>
-          <a:fillRef idx="1">
-            <a:schemeClr val="accent1"/>
-          </a:fillRef>
-          <a:effectRef idx="0">
-            <a:schemeClr val="accent1"/>
-          </a:effectRef>
-          <a:fontRef idx="minor">
-            <a:schemeClr val="lt1"/>
-          </a:fontRef>
-        </p:style>
-        <p:txBody>
-          <a:bodyPr rtlCol="0" anchor="ctr"/>
-          <a:lstStyle/>
-          <a:p>
-            <a:pPr lvl="0" algn="ctr"/>
-            <a:endParaRPr lang="en-US" dirty="0">
-              <a:solidFill>
-                <a:prstClr val="white"/>
-              </a:solidFill>
-            </a:endParaRPr>
-          </a:p>
-        </p:txBody>
-      </p:sp>
-      <p:sp>
-        <p:nvSpPr>
-          <p:cNvPr id="2" name="Title 1"/>
-          <p:cNvSpPr>
-            <a:spLocks noGrp="1"/>
-          </p:cNvSpPr>
-          <p:nvPr>
-            <p:ph type="ctrTitle"/>
-          </p:nvPr>
-        </p:nvSpPr>
-        <p:spPr>
-          <a:xfrm>
-            <a:off x="5590120" y="1105351"/>
-            <a:ext cx="5477071" cy="3023981"/>
-          </a:xfrm>
-        </p:spPr>
-        <p:txBody>
-          <a:bodyPr anchor="b">
-            <a:normAutofit/>
-          </a:bodyPr>
-          <a:lstStyle/>
-          <a:p>
-            <a:pPr algn="l"/>
-            <a:r>
-              <a:rPr lang="en-US" sz="4400">
-                <a:solidFill>
-                  <a:schemeClr val="bg1"/>
-                </a:solidFill>
-              </a:rPr>
-              <a:t>Neo4j examples</a:t>
+              <a:t>Building the network</a:t>
             </a:r>
           </a:p>
         </p:txBody>
@@ -29207,12 +31871,12 @@
           <a:lstStyle/>
           <a:p>
             <a:r>
-              <a:rPr lang="en-US" sz="1600">
+              <a:rPr lang="en-US" sz="1600" dirty="0">
                 <a:solidFill>
                   <a:schemeClr val="bg1"/>
                 </a:solidFill>
               </a:rPr>
-              <a:t>Modelling and creating our small social network</a:t>
+              <a:t>Creating our small social network</a:t>
             </a:r>
           </a:p>
         </p:txBody>
@@ -29981,7 +32645,7 @@
           <a:p>
             <a:r>
               <a:rPr lang="en-US" dirty="0"/>
-              <a:t>Add a relationship between a processor and motherboard</a:t>
+              <a:t>Add a relationship between people nodes</a:t>
             </a:r>
           </a:p>
         </p:txBody>
@@ -30244,7 +32908,7 @@
           </p:nvPr>
         </p:nvPicPr>
         <p:blipFill>
-          <a:blip r:embed="rId2"/>
+          <a:blip r:embed="rId3"/>
           <a:stretch>
             <a:fillRect/>
           </a:stretch>
@@ -30265,7 +32929,7 @@
           <p:nvPr/>
         </p:nvPicPr>
         <p:blipFill>
-          <a:blip r:embed="rId3"/>
+          <a:blip r:embed="rId4"/>
           <a:stretch>
             <a:fillRect/>
           </a:stretch>
@@ -30289,7 +32953,7 @@
           <p:nvPr/>
         </p:nvPicPr>
         <p:blipFill>
-          <a:blip r:embed="rId4"/>
+          <a:blip r:embed="rId5"/>
           <a:stretch>
             <a:fillRect/>
           </a:stretch>
@@ -30313,7 +32977,7 @@
           <p:nvPr/>
         </p:nvPicPr>
         <p:blipFill>
-          <a:blip r:embed="rId5"/>
+          <a:blip r:embed="rId6"/>
           <a:stretch>
             <a:fillRect/>
           </a:stretch>
@@ -31628,7 +34292,15 @@
             </a:pPr>
             <a:r>
               <a:rPr lang="en-US" sz="2400" dirty="0"/>
-              <a:t> Can be used to execute multiple statements or being, rollback, or commit a transaction</a:t>
+              <a:t> Can be used to execute multiple statements </a:t>
+            </a:r>
+            <a:r>
+              <a:rPr lang="en-US" sz="2400"/>
+              <a:t>or begin, </a:t>
+            </a:r>
+            <a:r>
+              <a:rPr lang="en-US" sz="2400" dirty="0"/>
+              <a:t>rollback, or commit a transaction</a:t>
             </a:r>
           </a:p>
         </p:txBody>
@@ -32774,7 +35446,7 @@
             </a:pPr>
             <a:r>
               <a:rPr lang="en-US" dirty="0"/>
-              <a:t>Network Topology graphs</a:t>
+              <a:t>Network Topology diagrams</a:t>
             </a:r>
           </a:p>
           <a:p>
@@ -32794,7 +35466,7 @@
           <p:nvPr/>
         </p:nvPicPr>
         <p:blipFill>
-          <a:blip r:embed="rId2"/>
+          <a:blip r:embed="rId3"/>
           <a:stretch>
             <a:fillRect/>
           </a:stretch>
@@ -33090,40 +35762,7 @@
                   <a:schemeClr val="bg1"/>
                 </a:solidFill>
               </a:rPr>
-              <a:t>DBs with Benefits…</a:t>
-            </a:r>
-          </a:p>
-        </p:txBody>
-      </p:sp>
-      <p:sp>
-        <p:nvSpPr>
-          <p:cNvPr id="3" name="Subtitle 2"/>
-          <p:cNvSpPr>
-            <a:spLocks noGrp="1"/>
-          </p:cNvSpPr>
-          <p:nvPr>
-            <p:ph type="subTitle" idx="1"/>
-          </p:nvPr>
-        </p:nvSpPr>
-        <p:spPr>
-          <a:xfrm>
-            <a:off x="5590120" y="4297556"/>
-            <a:ext cx="5477071" cy="1431695"/>
-          </a:xfrm>
-        </p:spPr>
-        <p:txBody>
-          <a:bodyPr anchor="t">
-            <a:normAutofit/>
-          </a:bodyPr>
-          <a:lstStyle/>
-          <a:p>
-            <a:r>
-              <a:rPr lang="en-US" sz="1600">
-                <a:solidFill>
-                  <a:schemeClr val="bg1"/>
-                </a:solidFill>
-              </a:rPr>
-              <a:t>GraphDBs focus on relationships over normalization</a:t>
+              <a:t>Core concepts</a:t>
             </a:r>
           </a:p>
         </p:txBody>
@@ -33131,25 +35770,13 @@
     </p:spTree>
     <p:extLst>
       <p:ext uri="{BB962C8B-B14F-4D97-AF65-F5344CB8AC3E}">
-        <p14:creationId xmlns:p14="http://schemas.microsoft.com/office/powerpoint/2010/main" val="442976295"/>
+        <p14:creationId xmlns:p14="http://schemas.microsoft.com/office/powerpoint/2010/main" val="1224089754"/>
       </p:ext>
     </p:extLst>
   </p:cSld>
   <p:clrMapOvr>
     <a:masterClrMapping/>
   </p:clrMapOvr>
-  <mc:AlternateContent xmlns:mc="http://schemas.openxmlformats.org/markup-compatibility/2006" xmlns:p14="http://schemas.microsoft.com/office/powerpoint/2010/main">
-    <mc:Choice Requires="p14">
-      <p:transition spd="slow" p14:dur="1400">
-        <p14:doors dir="vert"/>
-      </p:transition>
-    </mc:Choice>
-    <mc:Fallback xmlns="">
-      <p:transition spd="slow">
-        <p:fade/>
-      </p:transition>
-    </mc:Fallback>
-  </mc:AlternateContent>
 </p:sld>
 </file>
 
@@ -33187,19 +35814,19 @@
           <a:p>
             <a:r>
               <a:rPr lang="en-US" dirty="0"/>
-              <a:t>Graph Databases: Pros and Cons</a:t>
+              <a:t>Building blocks</a:t>
             </a:r>
           </a:p>
         </p:txBody>
       </p:sp>
       <p:sp>
         <p:nvSpPr>
-          <p:cNvPr id="3" name="Text Placeholder 2"/>
+          <p:cNvPr id="3" name="Content Placeholder 2"/>
           <p:cNvSpPr>
             <a:spLocks noGrp="1"/>
           </p:cNvSpPr>
           <p:nvPr>
-            <p:ph type="body" idx="1"/>
+            <p:ph idx="1"/>
           </p:nvPr>
         </p:nvSpPr>
         <p:spPr/>
@@ -33207,35 +35834,13 @@
           <a:bodyPr/>
           <a:lstStyle/>
           <a:p>
-            <a:r>
-              <a:rPr lang="en-US" dirty="0"/>
-              <a:t>Pros:</a:t>
-            </a:r>
-          </a:p>
-        </p:txBody>
-      </p:sp>
-      <p:sp>
-        <p:nvSpPr>
-          <p:cNvPr id="4" name="Content Placeholder 3"/>
-          <p:cNvSpPr>
-            <a:spLocks noGrp="1"/>
-          </p:cNvSpPr>
-          <p:nvPr>
-            <p:ph sz="half" idx="2"/>
-          </p:nvPr>
-        </p:nvSpPr>
-        <p:spPr/>
-        <p:txBody>
-          <a:bodyPr/>
-          <a:lstStyle/>
-          <a:p>
             <a:pPr>
               <a:buFont typeface="Wingdings" panose="05000000000000000000" pitchFamily="2" charset="2"/>
               <a:buChar char="ü"/>
             </a:pPr>
             <a:r>
               <a:rPr lang="en-US" dirty="0"/>
-              <a:t>Easy to query</a:t>
+              <a:t>Nodes</a:t>
             </a:r>
           </a:p>
           <a:p>
@@ -33245,65 +35850,27 @@
             </a:pPr>
             <a:r>
               <a:rPr lang="en-US" dirty="0"/>
-              <a:t>Ability to connect disparate data easily without needing a common data model</a:t>
-            </a:r>
-          </a:p>
-        </p:txBody>
-      </p:sp>
-      <p:sp>
-        <p:nvSpPr>
-          <p:cNvPr id="5" name="Text Placeholder 4"/>
-          <p:cNvSpPr>
-            <a:spLocks noGrp="1"/>
-          </p:cNvSpPr>
-          <p:nvPr>
-            <p:ph type="body" sz="quarter" idx="3"/>
-          </p:nvPr>
-        </p:nvSpPr>
-        <p:spPr/>
-        <p:txBody>
-          <a:bodyPr/>
-          <a:lstStyle/>
-          <a:p>
-            <a:r>
-              <a:rPr lang="en-US" dirty="0"/>
-              <a:t>Cons:</a:t>
-            </a:r>
-          </a:p>
-        </p:txBody>
-      </p:sp>
-      <p:sp>
-        <p:nvSpPr>
-          <p:cNvPr id="6" name="Content Placeholder 5"/>
-          <p:cNvSpPr>
-            <a:spLocks noGrp="1"/>
-          </p:cNvSpPr>
-          <p:nvPr>
-            <p:ph sz="quarter" idx="4"/>
-          </p:nvPr>
-        </p:nvSpPr>
-        <p:spPr/>
-        <p:txBody>
-          <a:bodyPr/>
-          <a:lstStyle/>
+              <a:t>Relationships</a:t>
+            </a:r>
+          </a:p>
           <a:p>
             <a:pPr>
               <a:buFont typeface="Wingdings" panose="05000000000000000000" pitchFamily="2" charset="2"/>
-              <a:buChar char="§"/>
+              <a:buChar char="ü"/>
             </a:pPr>
             <a:r>
               <a:rPr lang="en-US" dirty="0"/>
-              <a:t>Requires a different way to think about data</a:t>
+              <a:t>Properties</a:t>
             </a:r>
           </a:p>
           <a:p>
             <a:pPr>
               <a:buFont typeface="Wingdings" panose="05000000000000000000" pitchFamily="2" charset="2"/>
-              <a:buChar char="§"/>
+              <a:buChar char="ü"/>
             </a:pPr>
             <a:r>
               <a:rPr lang="en-US" dirty="0"/>
-              <a:t>No single graph query language </a:t>
+              <a:t>Labels</a:t>
             </a:r>
           </a:p>
         </p:txBody>
@@ -33311,7 +35878,7 @@
     </p:spTree>
     <p:extLst>
       <p:ext uri="{BB962C8B-B14F-4D97-AF65-F5344CB8AC3E}">
-        <p14:creationId xmlns:p14="http://schemas.microsoft.com/office/powerpoint/2010/main" val="3025704246"/>
+        <p14:creationId xmlns:p14="http://schemas.microsoft.com/office/powerpoint/2010/main" val="1722146423"/>
       </p:ext>
     </p:extLst>
   </p:cSld>
@@ -33355,19 +35922,19 @@
           <a:p>
             <a:r>
               <a:rPr lang="en-US" dirty="0"/>
-              <a:t>Graph DB vs Relational DB</a:t>
+              <a:t>Nodes</a:t>
             </a:r>
           </a:p>
         </p:txBody>
       </p:sp>
       <p:sp>
         <p:nvSpPr>
-          <p:cNvPr id="3" name="Text Placeholder 2"/>
+          <p:cNvPr id="3" name="Content Placeholder 2"/>
           <p:cNvSpPr>
             <a:spLocks noGrp="1"/>
           </p:cNvSpPr>
           <p:nvPr>
-            <p:ph type="body" idx="1"/>
+            <p:ph idx="1"/>
           </p:nvPr>
         </p:nvSpPr>
         <p:spPr/>
@@ -33375,91 +35942,41 @@
           <a:bodyPr/>
           <a:lstStyle/>
           <a:p>
+            <a:pPr>
+              <a:buFont typeface="Wingdings" panose="05000000000000000000" pitchFamily="2" charset="2"/>
+              <a:buChar char="Ø"/>
+            </a:pPr>
             <a:r>
               <a:rPr lang="en-US" dirty="0"/>
-              <a:t>Graph DB</a:t>
+              <a:t>Nodes represent entities and complex types</a:t>
+            </a:r>
+          </a:p>
+          <a:p>
+            <a:pPr>
+              <a:buFont typeface="Wingdings" panose="05000000000000000000" pitchFamily="2" charset="2"/>
+              <a:buChar char="Ø"/>
+            </a:pPr>
+            <a:r>
+              <a:rPr lang="en-US" dirty="0"/>
+              <a:t>Nodes can contain properties</a:t>
+            </a:r>
+          </a:p>
+          <a:p>
+            <a:pPr>
+              <a:buFont typeface="Wingdings" panose="05000000000000000000" pitchFamily="2" charset="2"/>
+              <a:buChar char="Ø"/>
+            </a:pPr>
+            <a:r>
+              <a:rPr lang="en-US" dirty="0"/>
+              <a:t>Each node can have different properties</a:t>
             </a:r>
           </a:p>
         </p:txBody>
       </p:sp>
-      <p:pic>
-        <p:nvPicPr>
-          <p:cNvPr id="10" name="Content Placeholder 6"/>
-          <p:cNvPicPr>
-            <a:picLocks noGrp="1" noChangeAspect="1"/>
-          </p:cNvPicPr>
-          <p:nvPr>
-            <p:ph sz="half" idx="2"/>
-          </p:nvPr>
-        </p:nvPicPr>
-        <p:blipFill>
-          <a:blip r:embed="rId2"/>
-          <a:stretch>
-            <a:fillRect/>
-          </a:stretch>
-        </p:blipFill>
-        <p:spPr>
-          <a:xfrm>
-            <a:off x="2434431" y="3537744"/>
-            <a:ext cx="1933575" cy="2200275"/>
-          </a:xfrm>
-          <a:prstGeom prst="rect">
-            <a:avLst/>
-          </a:prstGeom>
-        </p:spPr>
-      </p:pic>
-      <p:sp>
-        <p:nvSpPr>
-          <p:cNvPr id="5" name="Text Placeholder 4"/>
-          <p:cNvSpPr>
-            <a:spLocks noGrp="1"/>
-          </p:cNvSpPr>
-          <p:nvPr>
-            <p:ph type="body" sz="quarter" idx="3"/>
-          </p:nvPr>
-        </p:nvSpPr>
-        <p:spPr/>
-        <p:txBody>
-          <a:bodyPr/>
-          <a:lstStyle/>
-          <a:p>
-            <a:r>
-              <a:rPr lang="en-US" dirty="0"/>
-              <a:t>Relational DB</a:t>
-            </a:r>
-          </a:p>
-        </p:txBody>
-      </p:sp>
-      <p:pic>
-        <p:nvPicPr>
-          <p:cNvPr id="9" name="Content Placeholder 11"/>
-          <p:cNvPicPr>
-            <a:picLocks noGrp="1" noChangeAspect="1"/>
-          </p:cNvPicPr>
-          <p:nvPr>
-            <p:ph sz="quarter" idx="4"/>
-          </p:nvPr>
-        </p:nvPicPr>
-        <p:blipFill>
-          <a:blip r:embed="rId3"/>
-          <a:stretch>
-            <a:fillRect/>
-          </a:stretch>
-        </p:blipFill>
-        <p:spPr>
-          <a:xfrm>
-            <a:off x="7439613" y="3506828"/>
-            <a:ext cx="2152650" cy="1123950"/>
-          </a:xfrm>
-          <a:prstGeom prst="rect">
-            <a:avLst/>
-          </a:prstGeom>
-        </p:spPr>
-      </p:pic>
     </p:spTree>
     <p:extLst>
       <p:ext uri="{BB962C8B-B14F-4D97-AF65-F5344CB8AC3E}">
-        <p14:creationId xmlns:p14="http://schemas.microsoft.com/office/powerpoint/2010/main" val="3028700599"/>
+        <p14:creationId xmlns:p14="http://schemas.microsoft.com/office/powerpoint/2010/main" val="303320234"/>
       </p:ext>
     </p:extLst>
   </p:cSld>
@@ -33735,4 +36252,299 @@
     </a:ext>
   </a:extLst>
 </a:theme>
+</file>
+
+<file path=ppt/theme/theme2.xml><?xml version="1.0" encoding="utf-8"?>
+<a:theme xmlns:a="http://schemas.openxmlformats.org/drawingml/2006/main" name="Office Theme">
+  <a:themeElements>
+    <a:clrScheme name="Office">
+      <a:dk1>
+        <a:sysClr val="windowText" lastClr="000000"/>
+      </a:dk1>
+      <a:lt1>
+        <a:sysClr val="window" lastClr="FFFFFF"/>
+      </a:lt1>
+      <a:dk2>
+        <a:srgbClr val="44546A"/>
+      </a:dk2>
+      <a:lt2>
+        <a:srgbClr val="E7E6E6"/>
+      </a:lt2>
+      <a:accent1>
+        <a:srgbClr val="5B9BD5"/>
+      </a:accent1>
+      <a:accent2>
+        <a:srgbClr val="ED7D31"/>
+      </a:accent2>
+      <a:accent3>
+        <a:srgbClr val="A5A5A5"/>
+      </a:accent3>
+      <a:accent4>
+        <a:srgbClr val="FFC000"/>
+      </a:accent4>
+      <a:accent5>
+        <a:srgbClr val="4472C4"/>
+      </a:accent5>
+      <a:accent6>
+        <a:srgbClr val="70AD47"/>
+      </a:accent6>
+      <a:hlink>
+        <a:srgbClr val="0563C1"/>
+      </a:hlink>
+      <a:folHlink>
+        <a:srgbClr val="954F72"/>
+      </a:folHlink>
+    </a:clrScheme>
+    <a:fontScheme name="Office">
+      <a:majorFont>
+        <a:latin typeface="Calibri Light" panose="020F0302020204030204"/>
+        <a:ea typeface=""/>
+        <a:cs typeface=""/>
+        <a:font script="Jpan" typeface="游ゴシック Light"/>
+        <a:font script="Hang" typeface="맑은 고딕"/>
+        <a:font script="Hans" typeface="等线 Light"/>
+        <a:font script="Hant" typeface="新細明體"/>
+        <a:font script="Arab" typeface="Times New Roman"/>
+        <a:font script="Hebr" typeface="Times New Roman"/>
+        <a:font script="Thai" typeface="Angsana New"/>
+        <a:font script="Ethi" typeface="Nyala"/>
+        <a:font script="Beng" typeface="Vrinda"/>
+        <a:font script="Gujr" typeface="Shruti"/>
+        <a:font script="Khmr" typeface="MoolBoran"/>
+        <a:font script="Knda" typeface="Tunga"/>
+        <a:font script="Guru" typeface="Raavi"/>
+        <a:font script="Cans" typeface="Euphemia"/>
+        <a:font script="Cher" typeface="Plantagenet Cherokee"/>
+        <a:font script="Yiii" typeface="Microsoft Yi Baiti"/>
+        <a:font script="Tibt" typeface="Microsoft Himalaya"/>
+        <a:font script="Thaa" typeface="MV Boli"/>
+        <a:font script="Deva" typeface="Mangal"/>
+        <a:font script="Telu" typeface="Gautami"/>
+        <a:font script="Taml" typeface="Latha"/>
+        <a:font script="Syrc" typeface="Estrangelo Edessa"/>
+        <a:font script="Orya" typeface="Kalinga"/>
+        <a:font script="Mlym" typeface="Kartika"/>
+        <a:font script="Laoo" typeface="DokChampa"/>
+        <a:font script="Sinh" typeface="Iskoola Pota"/>
+        <a:font script="Mong" typeface="Mongolian Baiti"/>
+        <a:font script="Viet" typeface="Times New Roman"/>
+        <a:font script="Uigh" typeface="Microsoft Uighur"/>
+        <a:font script="Geor" typeface="Sylfaen"/>
+        <a:font script="Armn" typeface="Arial"/>
+        <a:font script="Bugi" typeface="Leelawadee UI"/>
+        <a:font script="Bopo" typeface="Microsoft JhengHei"/>
+        <a:font script="Java" typeface="Javanese Text"/>
+        <a:font script="Lisu" typeface="Segoe UI"/>
+        <a:font script="Mymr" typeface="Myanmar Text"/>
+        <a:font script="Nkoo" typeface="Ebrima"/>
+        <a:font script="Olck" typeface="Nirmala UI"/>
+        <a:font script="Osma" typeface="Ebrima"/>
+        <a:font script="Phag" typeface="Phagspa"/>
+        <a:font script="Syrn" typeface="Estrangelo Edessa"/>
+        <a:font script="Syrj" typeface="Estrangelo Edessa"/>
+        <a:font script="Syre" typeface="Estrangelo Edessa"/>
+        <a:font script="Sora" typeface="Nirmala UI"/>
+        <a:font script="Tale" typeface="Microsoft Tai Le"/>
+        <a:font script="Talu" typeface="Microsoft New Tai Lue"/>
+        <a:font script="Tfng" typeface="Ebrima"/>
+      </a:majorFont>
+      <a:minorFont>
+        <a:latin typeface="Calibri" panose="020F0502020204030204"/>
+        <a:ea typeface=""/>
+        <a:cs typeface=""/>
+        <a:font script="Jpan" typeface="游ゴシック"/>
+        <a:font script="Hang" typeface="맑은 고딕"/>
+        <a:font script="Hans" typeface="等线"/>
+        <a:font script="Hant" typeface="新細明體"/>
+        <a:font script="Arab" typeface="Arial"/>
+        <a:font script="Hebr" typeface="Arial"/>
+        <a:font script="Thai" typeface="Cordia New"/>
+        <a:font script="Ethi" typeface="Nyala"/>
+        <a:font script="Beng" typeface="Vrinda"/>
+        <a:font script="Gujr" typeface="Shruti"/>
+        <a:font script="Khmr" typeface="DaunPenh"/>
+        <a:font script="Knda" typeface="Tunga"/>
+        <a:font script="Guru" typeface="Raavi"/>
+        <a:font script="Cans" typeface="Euphemia"/>
+        <a:font script="Cher" typeface="Plantagenet Cherokee"/>
+        <a:font script="Yiii" typeface="Microsoft Yi Baiti"/>
+        <a:font script="Tibt" typeface="Microsoft Himalaya"/>
+        <a:font script="Thaa" typeface="MV Boli"/>
+        <a:font script="Deva" typeface="Mangal"/>
+        <a:font script="Telu" typeface="Gautami"/>
+        <a:font script="Taml" typeface="Latha"/>
+        <a:font script="Syrc" typeface="Estrangelo Edessa"/>
+        <a:font script="Orya" typeface="Kalinga"/>
+        <a:font script="Mlym" typeface="Kartika"/>
+        <a:font script="Laoo" typeface="DokChampa"/>
+        <a:font script="Sinh" typeface="Iskoola Pota"/>
+        <a:font script="Mong" typeface="Mongolian Baiti"/>
+        <a:font script="Viet" typeface="Arial"/>
+        <a:font script="Uigh" typeface="Microsoft Uighur"/>
+        <a:font script="Geor" typeface="Sylfaen"/>
+        <a:font script="Armn" typeface="Arial"/>
+        <a:font script="Bugi" typeface="Leelawadee UI"/>
+        <a:font script="Bopo" typeface="Microsoft JhengHei"/>
+        <a:font script="Java" typeface="Javanese Text"/>
+        <a:font script="Lisu" typeface="Segoe UI"/>
+        <a:font script="Mymr" typeface="Myanmar Text"/>
+        <a:font script="Nkoo" typeface="Ebrima"/>
+        <a:font script="Olck" typeface="Nirmala UI"/>
+        <a:font script="Osma" typeface="Ebrima"/>
+        <a:font script="Phag" typeface="Phagspa"/>
+        <a:font script="Syrn" typeface="Estrangelo Edessa"/>
+        <a:font script="Syrj" typeface="Estrangelo Edessa"/>
+        <a:font script="Syre" typeface="Estrangelo Edessa"/>
+        <a:font script="Sora" typeface="Nirmala UI"/>
+        <a:font script="Tale" typeface="Microsoft Tai Le"/>
+        <a:font script="Talu" typeface="Microsoft New Tai Lue"/>
+        <a:font script="Tfng" typeface="Ebrima"/>
+      </a:minorFont>
+    </a:fontScheme>
+    <a:fmtScheme name="Office">
+      <a:fillStyleLst>
+        <a:solidFill>
+          <a:schemeClr val="phClr"/>
+        </a:solidFill>
+        <a:gradFill rotWithShape="1">
+          <a:gsLst>
+            <a:gs pos="0">
+              <a:schemeClr val="phClr">
+                <a:lumMod val="110000"/>
+                <a:satMod val="105000"/>
+                <a:tint val="67000"/>
+              </a:schemeClr>
+            </a:gs>
+            <a:gs pos="50000">
+              <a:schemeClr val="phClr">
+                <a:lumMod val="105000"/>
+                <a:satMod val="103000"/>
+                <a:tint val="73000"/>
+              </a:schemeClr>
+            </a:gs>
+            <a:gs pos="100000">
+              <a:schemeClr val="phClr">
+                <a:lumMod val="105000"/>
+                <a:satMod val="109000"/>
+                <a:tint val="81000"/>
+              </a:schemeClr>
+            </a:gs>
+          </a:gsLst>
+          <a:lin ang="5400000" scaled="0"/>
+        </a:gradFill>
+        <a:gradFill rotWithShape="1">
+          <a:gsLst>
+            <a:gs pos="0">
+              <a:schemeClr val="phClr">
+                <a:satMod val="103000"/>
+                <a:lumMod val="102000"/>
+                <a:tint val="94000"/>
+              </a:schemeClr>
+            </a:gs>
+            <a:gs pos="50000">
+              <a:schemeClr val="phClr">
+                <a:satMod val="110000"/>
+                <a:lumMod val="100000"/>
+                <a:shade val="100000"/>
+              </a:schemeClr>
+            </a:gs>
+            <a:gs pos="100000">
+              <a:schemeClr val="phClr">
+                <a:lumMod val="99000"/>
+                <a:satMod val="120000"/>
+                <a:shade val="78000"/>
+              </a:schemeClr>
+            </a:gs>
+          </a:gsLst>
+          <a:lin ang="5400000" scaled="0"/>
+        </a:gradFill>
+      </a:fillStyleLst>
+      <a:lnStyleLst>
+        <a:ln w="6350" cap="flat" cmpd="sng" algn="ctr">
+          <a:solidFill>
+            <a:schemeClr val="phClr"/>
+          </a:solidFill>
+          <a:prstDash val="solid"/>
+          <a:miter lim="800000"/>
+        </a:ln>
+        <a:ln w="12700" cap="flat" cmpd="sng" algn="ctr">
+          <a:solidFill>
+            <a:schemeClr val="phClr"/>
+          </a:solidFill>
+          <a:prstDash val="solid"/>
+          <a:miter lim="800000"/>
+        </a:ln>
+        <a:ln w="19050" cap="flat" cmpd="sng" algn="ctr">
+          <a:solidFill>
+            <a:schemeClr val="phClr"/>
+          </a:solidFill>
+          <a:prstDash val="solid"/>
+          <a:miter lim="800000"/>
+        </a:ln>
+      </a:lnStyleLst>
+      <a:effectStyleLst>
+        <a:effectStyle>
+          <a:effectLst/>
+        </a:effectStyle>
+        <a:effectStyle>
+          <a:effectLst/>
+        </a:effectStyle>
+        <a:effectStyle>
+          <a:effectLst>
+            <a:outerShdw blurRad="57150" dist="19050" dir="5400000" algn="ctr" rotWithShape="0">
+              <a:srgbClr val="000000">
+                <a:alpha val="63000"/>
+              </a:srgbClr>
+            </a:outerShdw>
+          </a:effectLst>
+        </a:effectStyle>
+      </a:effectStyleLst>
+      <a:bgFillStyleLst>
+        <a:solidFill>
+          <a:schemeClr val="phClr"/>
+        </a:solidFill>
+        <a:solidFill>
+          <a:schemeClr val="phClr">
+            <a:tint val="95000"/>
+            <a:satMod val="170000"/>
+          </a:schemeClr>
+        </a:solidFill>
+        <a:gradFill rotWithShape="1">
+          <a:gsLst>
+            <a:gs pos="0">
+              <a:schemeClr val="phClr">
+                <a:tint val="93000"/>
+                <a:satMod val="150000"/>
+                <a:shade val="98000"/>
+                <a:lumMod val="102000"/>
+              </a:schemeClr>
+            </a:gs>
+            <a:gs pos="50000">
+              <a:schemeClr val="phClr">
+                <a:tint val="98000"/>
+                <a:satMod val="130000"/>
+                <a:shade val="90000"/>
+                <a:lumMod val="103000"/>
+              </a:schemeClr>
+            </a:gs>
+            <a:gs pos="100000">
+              <a:schemeClr val="phClr">
+                <a:shade val="63000"/>
+                <a:satMod val="120000"/>
+              </a:schemeClr>
+            </a:gs>
+          </a:gsLst>
+          <a:lin ang="5400000" scaled="0"/>
+        </a:gradFill>
+      </a:bgFillStyleLst>
+    </a:fmtScheme>
+  </a:themeElements>
+  <a:objectDefaults/>
+  <a:extraClrSchemeLst/>
+  <a:extLst>
+    <a:ext uri="{05A4C25C-085E-4340-85A3-A5531E510DB2}">
+      <thm15:themeFamily xmlns:thm15="http://schemas.microsoft.com/office/thememl/2012/main" name="Office Theme" id="{62F939B6-93AF-4DB8-9C6B-D6C7DFDC589F}" vid="{4A3C46E8-61CC-4603-A589-7422A47A8E4A}"/>
+    </a:ext>
+  </a:extLst>
+</a:theme>
 </file>
--- a/presentation/Graph DBs.pptx
+++ b/presentation/Graph DBs.pptx
@@ -3,54 +3,56 @@
 <p:presentation xmlns:a="http://schemas.openxmlformats.org/drawingml/2006/main" xmlns:r="http://schemas.openxmlformats.org/officeDocument/2006/relationships" xmlns:p="http://schemas.openxmlformats.org/presentationml/2006/main" autoCompressPictures="0">
   <p:sldMasterIdLst>
     <p:sldMasterId id="2147484045" r:id="rId1"/>
+    <p:sldMasterId id="2147484057" r:id="rId2"/>
   </p:sldMasterIdLst>
   <p:notesMasterIdLst>
-    <p:notesMasterId r:id="rId45"/>
+    <p:notesMasterId r:id="rId47"/>
   </p:notesMasterIdLst>
   <p:sldIdLst>
-    <p:sldId id="256" r:id="rId2"/>
-    <p:sldId id="259" r:id="rId3"/>
-    <p:sldId id="289" r:id="rId4"/>
-    <p:sldId id="287" r:id="rId5"/>
-    <p:sldId id="257" r:id="rId6"/>
-    <p:sldId id="266" r:id="rId7"/>
-    <p:sldId id="293" r:id="rId8"/>
-    <p:sldId id="295" r:id="rId9"/>
-    <p:sldId id="296" r:id="rId10"/>
-    <p:sldId id="297" r:id="rId11"/>
-    <p:sldId id="299" r:id="rId12"/>
-    <p:sldId id="298" r:id="rId13"/>
-    <p:sldId id="290" r:id="rId14"/>
-    <p:sldId id="261" r:id="rId15"/>
-    <p:sldId id="260" r:id="rId16"/>
-    <p:sldId id="291" r:id="rId17"/>
-    <p:sldId id="258" r:id="rId18"/>
-    <p:sldId id="262" r:id="rId19"/>
-    <p:sldId id="263" r:id="rId20"/>
-    <p:sldId id="264" r:id="rId21"/>
-    <p:sldId id="288" r:id="rId22"/>
-    <p:sldId id="265" r:id="rId23"/>
-    <p:sldId id="300" r:id="rId24"/>
-    <p:sldId id="286" r:id="rId25"/>
-    <p:sldId id="268" r:id="rId26"/>
-    <p:sldId id="269" r:id="rId27"/>
-    <p:sldId id="281" r:id="rId28"/>
-    <p:sldId id="267" r:id="rId29"/>
-    <p:sldId id="301" r:id="rId30"/>
-    <p:sldId id="271" r:id="rId31"/>
-    <p:sldId id="292" r:id="rId32"/>
-    <p:sldId id="272" r:id="rId33"/>
-    <p:sldId id="280" r:id="rId34"/>
-    <p:sldId id="279" r:id="rId35"/>
-    <p:sldId id="285" r:id="rId36"/>
-    <p:sldId id="273" r:id="rId37"/>
-    <p:sldId id="294" r:id="rId38"/>
-    <p:sldId id="275" r:id="rId39"/>
-    <p:sldId id="276" r:id="rId40"/>
-    <p:sldId id="277" r:id="rId41"/>
-    <p:sldId id="278" r:id="rId42"/>
-    <p:sldId id="282" r:id="rId43"/>
-    <p:sldId id="284" r:id="rId44"/>
+    <p:sldId id="256" r:id="rId3"/>
+    <p:sldId id="302" r:id="rId4"/>
+    <p:sldId id="259" r:id="rId5"/>
+    <p:sldId id="289" r:id="rId6"/>
+    <p:sldId id="287" r:id="rId7"/>
+    <p:sldId id="257" r:id="rId8"/>
+    <p:sldId id="266" r:id="rId9"/>
+    <p:sldId id="293" r:id="rId10"/>
+    <p:sldId id="295" r:id="rId11"/>
+    <p:sldId id="296" r:id="rId12"/>
+    <p:sldId id="297" r:id="rId13"/>
+    <p:sldId id="299" r:id="rId14"/>
+    <p:sldId id="298" r:id="rId15"/>
+    <p:sldId id="290" r:id="rId16"/>
+    <p:sldId id="261" r:id="rId17"/>
+    <p:sldId id="260" r:id="rId18"/>
+    <p:sldId id="291" r:id="rId19"/>
+    <p:sldId id="258" r:id="rId20"/>
+    <p:sldId id="262" r:id="rId21"/>
+    <p:sldId id="263" r:id="rId22"/>
+    <p:sldId id="264" r:id="rId23"/>
+    <p:sldId id="288" r:id="rId24"/>
+    <p:sldId id="265" r:id="rId25"/>
+    <p:sldId id="300" r:id="rId26"/>
+    <p:sldId id="286" r:id="rId27"/>
+    <p:sldId id="268" r:id="rId28"/>
+    <p:sldId id="269" r:id="rId29"/>
+    <p:sldId id="281" r:id="rId30"/>
+    <p:sldId id="267" r:id="rId31"/>
+    <p:sldId id="301" r:id="rId32"/>
+    <p:sldId id="271" r:id="rId33"/>
+    <p:sldId id="292" r:id="rId34"/>
+    <p:sldId id="272" r:id="rId35"/>
+    <p:sldId id="280" r:id="rId36"/>
+    <p:sldId id="279" r:id="rId37"/>
+    <p:sldId id="285" r:id="rId38"/>
+    <p:sldId id="273" r:id="rId39"/>
+    <p:sldId id="294" r:id="rId40"/>
+    <p:sldId id="275" r:id="rId41"/>
+    <p:sldId id="276" r:id="rId42"/>
+    <p:sldId id="277" r:id="rId43"/>
+    <p:sldId id="278" r:id="rId44"/>
+    <p:sldId id="282" r:id="rId45"/>
+    <p:sldId id="284" r:id="rId46"/>
   </p:sldIdLst>
   <p:sldSz cx="12192000" cy="6858000"/>
   <p:notesSz cx="6858000" cy="9144000"/>
@@ -155,6 +157,7 @@
         <p14:section name="Intro" id="{025B0794-FCBA-4111-A16C-F53BD9B70CDD}">
           <p14:sldIdLst>
             <p14:sldId id="256"/>
+            <p14:sldId id="302"/>
             <p14:sldId id="259"/>
           </p14:sldIdLst>
         </p14:section>
@@ -236,6 +239,9 @@
     <p:ext uri="{EFAFB233-063F-42B5-8137-9DF3F51BA10A}">
       <p15:sldGuideLst xmlns:p15="http://schemas.microsoft.com/office/powerpoint/2012/main"/>
     </p:ext>
+    <p:ext uri="{2D200454-40CA-4A62-9FC3-DE9A4176ACB9}">
+      <p15:notesGuideLst xmlns:p15="http://schemas.microsoft.com/office/powerpoint/2012/main"/>
+    </p:ext>
   </p:extLst>
 </p:presentation>
 </file>
@@ -322,7 +328,7 @@
           <a:p>
             <a:fld id="{F6529B8E-13CB-4C11-974D-DD895F60A2CF}" type="datetimeFigureOut">
               <a:rPr lang="en-US" smtClean="0"/>
-              <a:t>3/21/17</a:t>
+              <a:t>3/22/17</a:t>
             </a:fld>
             <a:endParaRPr lang="en-US"/>
           </a:p>
@@ -417,7 +423,6 @@
               <a:rPr lang="en-US"/>
               <a:t>Fifth level</a:t>
             </a:r>
-            <a:endParaRPr lang="en-US"/>
           </a:p>
         </p:txBody>
       </p:sp>
@@ -762,10 +767,7 @@
           <a:bodyPr/>
           <a:lstStyle/>
           <a:p>
-            <a:r>
-              <a:rPr lang="en-US" baseline="0" dirty="0"/>
-              <a:t>As you can see there are many different graph DB players in the market.   I’m going to compare a few of them next, but there are many others out there as well.</a:t>
-            </a:r>
+            <a:endParaRPr lang="en-US" dirty="0"/>
           </a:p>
         </p:txBody>
       </p:sp>
@@ -786,7 +788,7 @@
           <a:p>
             <a:fld id="{DEED50C7-8D19-4923-9863-FA7237BBE36B}" type="slidenum">
               <a:rPr lang="en-US" smtClean="0"/>
-              <a:t>17</a:t>
+              <a:t>12</a:t>
             </a:fld>
             <a:endParaRPr lang="en-US"/>
           </a:p>
@@ -795,7 +797,7 @@
     </p:spTree>
     <p:extLst>
       <p:ext uri="{BB962C8B-B14F-4D97-AF65-F5344CB8AC3E}">
-        <p14:creationId xmlns:p14="http://schemas.microsoft.com/office/powerpoint/2010/main" val="3332592352"/>
+        <p14:creationId xmlns:p14="http://schemas.microsoft.com/office/powerpoint/2010/main" val="2983051738"/>
       </p:ext>
     </p:extLst>
   </p:cSld>
@@ -849,20 +851,6 @@
           <a:bodyPr/>
           <a:lstStyle/>
           <a:p>
-            <a:r>
-              <a:rPr lang="en-US" dirty="0"/>
-              <a:t>Pros</a:t>
-            </a:r>
-            <a:r>
-              <a:rPr lang="en-US" baseline="0" dirty="0"/>
-              <a:t> – you can find answers easily, very mature, there are yearly neo4j conferences available and lots of training options</a:t>
-            </a:r>
-          </a:p>
-          <a:p>
-            <a:r>
-              <a:rPr lang="en-US" baseline="0" dirty="0"/>
-              <a:t>Cons – means you cannot segment your data at the database level.  If you need that kind of segmentation, you need to create root nodes and query based on your root nodes.</a:t>
-            </a:r>
             <a:endParaRPr lang="en-US" dirty="0"/>
           </a:p>
         </p:txBody>
@@ -884,7 +872,7 @@
           <a:p>
             <a:fld id="{DEED50C7-8D19-4923-9863-FA7237BBE36B}" type="slidenum">
               <a:rPr lang="en-US" smtClean="0"/>
-              <a:t>18</a:t>
+              <a:t>14</a:t>
             </a:fld>
             <a:endParaRPr lang="en-US"/>
           </a:p>
@@ -893,7 +881,7 @@
     </p:spTree>
     <p:extLst>
       <p:ext uri="{BB962C8B-B14F-4D97-AF65-F5344CB8AC3E}">
-        <p14:creationId xmlns:p14="http://schemas.microsoft.com/office/powerpoint/2010/main" val="3431311784"/>
+        <p14:creationId xmlns:p14="http://schemas.microsoft.com/office/powerpoint/2010/main" val="716299051"/>
       </p:ext>
     </p:extLst>
   </p:cSld>
@@ -949,22 +937,18 @@
           <a:p>
             <a:r>
               <a:rPr lang="en-US" dirty="0"/>
-              <a:t>Cons</a:t>
+              <a:t>Relational</a:t>
             </a:r>
             <a:r>
               <a:rPr lang="en-US" baseline="0" dirty="0"/>
-              <a:t> – need to wrap the java application in something like </a:t>
-            </a:r>
-            <a:r>
-              <a:rPr lang="en-US" baseline="0" dirty="0" err="1"/>
-              <a:t>Procrun</a:t>
-            </a:r>
+              <a:t> – data in tabular format – focused on making sure there is no duplicate data – making querying costly</a:t>
+            </a:r>
+          </a:p>
+          <a:p>
             <a:r>
               <a:rPr lang="en-US" baseline="0" dirty="0"/>
-              <a:t> in order to run as a windows service – no production support for windows service installation</a:t>
-            </a:r>
-          </a:p>
-          <a:p>
+              <a:t>Graphs – focus on the connections, making path finding and querying straight forward</a:t>
+            </a:r>
             <a:endParaRPr lang="en-US" dirty="0"/>
           </a:p>
         </p:txBody>
@@ -986,7 +970,7 @@
           <a:p>
             <a:fld id="{DEED50C7-8D19-4923-9863-FA7237BBE36B}" type="slidenum">
               <a:rPr lang="en-US" smtClean="0"/>
-              <a:t>19</a:t>
+              <a:t>15</a:t>
             </a:fld>
             <a:endParaRPr lang="en-US"/>
           </a:p>
@@ -995,7 +979,7 @@
     </p:spTree>
     <p:extLst>
       <p:ext uri="{BB962C8B-B14F-4D97-AF65-F5344CB8AC3E}">
-        <p14:creationId xmlns:p14="http://schemas.microsoft.com/office/powerpoint/2010/main" val="750881907"/>
+        <p14:creationId xmlns:p14="http://schemas.microsoft.com/office/powerpoint/2010/main" val="1812334159"/>
       </p:ext>
     </p:extLst>
   </p:cSld>
@@ -1050,24 +1034,34 @@
           <a:lstStyle/>
           <a:p>
             <a:r>
-              <a:rPr lang="en-US" dirty="0" err="1"/>
-              <a:t>GraphQL</a:t>
+              <a:rPr lang="en-US" dirty="0"/>
+              <a:t>Cons – instead</a:t>
             </a:r>
             <a:r>
               <a:rPr lang="en-US" baseline="0" dirty="0"/>
-              <a:t> – a query language for your API</a:t>
-            </a:r>
-          </a:p>
-          <a:p>
+              <a:t> of looking at data as 3</a:t>
+            </a:r>
+            <a:r>
+              <a:rPr lang="en-US" baseline="30000" dirty="0"/>
+              <a:t>rd</a:t>
+            </a:r>
             <a:r>
               <a:rPr lang="en-US" baseline="0" dirty="0"/>
-              <a:t>Pros – Up and comer</a:t>
+              <a:t> normal form with all your candidate keys and foreign keys, you have to start thinking about the data in terms of its interconnectivity.</a:t>
             </a:r>
           </a:p>
           <a:p>
             <a:r>
               <a:rPr lang="en-US" baseline="0" dirty="0"/>
-              <a:t>Cons – not mature, not a lot of community support, and absolutely no ability to run it in Windows in production.</a:t>
+              <a:t>Cons – Cypher, </a:t>
+            </a:r>
+            <a:r>
+              <a:rPr lang="en-US" baseline="0" dirty="0" err="1"/>
+              <a:t>tinkerpop</a:t>
+            </a:r>
+            <a:r>
+              <a:rPr lang="en-US" baseline="0" dirty="0"/>
+              <a:t>, Gremlin, SPARQL</a:t>
             </a:r>
             <a:endParaRPr lang="en-US" dirty="0"/>
           </a:p>
@@ -1090,7 +1084,7 @@
           <a:p>
             <a:fld id="{DEED50C7-8D19-4923-9863-FA7237BBE36B}" type="slidenum">
               <a:rPr lang="en-US" smtClean="0"/>
-              <a:t>20</a:t>
+              <a:t>16</a:t>
             </a:fld>
             <a:endParaRPr lang="en-US"/>
           </a:p>
@@ -1099,7 +1093,7 @@
     </p:spTree>
     <p:extLst>
       <p:ext uri="{BB962C8B-B14F-4D97-AF65-F5344CB8AC3E}">
-        <p14:creationId xmlns:p14="http://schemas.microsoft.com/office/powerpoint/2010/main" val="4249862613"/>
+        <p14:creationId xmlns:p14="http://schemas.microsoft.com/office/powerpoint/2010/main" val="1951698221"/>
       </p:ext>
     </p:extLst>
   </p:cSld>
@@ -1154,14 +1148,9 @@
           <a:lstStyle/>
           <a:p>
             <a:r>
-              <a:rPr lang="en-US" dirty="0"/>
-              <a:t>From</a:t>
-            </a:r>
-            <a:r>
               <a:rPr lang="en-US" baseline="0" dirty="0"/>
-              <a:t> here on out, I’ll be focusing on Neo4j as it is the most mature and easiest to get up and running.</a:t>
-            </a:r>
-            <a:endParaRPr lang="en-US" dirty="0"/>
+              <a:t>As you can see there are many different graph DB players in the market.   I’m going to compare a few of them next, but there are many others out there as well.</a:t>
+            </a:r>
           </a:p>
         </p:txBody>
       </p:sp>
@@ -1182,7 +1171,7 @@
           <a:p>
             <a:fld id="{DEED50C7-8D19-4923-9863-FA7237BBE36B}" type="slidenum">
               <a:rPr lang="en-US" smtClean="0"/>
-              <a:t>21</a:t>
+              <a:t>18</a:t>
             </a:fld>
             <a:endParaRPr lang="en-US"/>
           </a:p>
@@ -1191,7 +1180,7 @@
     </p:spTree>
     <p:extLst>
       <p:ext uri="{BB962C8B-B14F-4D97-AF65-F5344CB8AC3E}">
-        <p14:creationId xmlns:p14="http://schemas.microsoft.com/office/powerpoint/2010/main" val="3332112049"/>
+        <p14:creationId xmlns:p14="http://schemas.microsoft.com/office/powerpoint/2010/main" val="3332592352"/>
       </p:ext>
     </p:extLst>
   </p:cSld>
@@ -1247,22 +1236,17 @@
           <a:p>
             <a:r>
               <a:rPr lang="en-US" dirty="0"/>
-              <a:t>Lucene index – elastic search and </a:t>
-            </a:r>
-            <a:r>
-              <a:rPr lang="en-US" dirty="0" err="1"/>
-              <a:t>solr</a:t>
-            </a:r>
-            <a:endParaRPr lang="en-US" dirty="0"/>
-          </a:p>
-          <a:p>
-            <a:r>
-              <a:rPr lang="en-US" dirty="0"/>
-              <a:t>REST API – all crud operations can be performed using</a:t>
+              <a:t>Pros</a:t>
             </a:r>
             <a:r>
               <a:rPr lang="en-US" baseline="0" dirty="0"/>
-              <a:t> the REST API or one of the SDKs available.</a:t>
+              <a:t> – you can find answers easily, very mature, there are yearly neo4j conferences available and lots of training options</a:t>
+            </a:r>
+          </a:p>
+          <a:p>
+            <a:r>
+              <a:rPr lang="en-US" baseline="0" dirty="0"/>
+              <a:t>Cons – means you cannot segment your data at the database level.  If you need that kind of segmentation, you need to create root nodes and query based on your root nodes.</a:t>
             </a:r>
             <a:endParaRPr lang="en-US" dirty="0"/>
           </a:p>
@@ -1285,7 +1269,7 @@
           <a:p>
             <a:fld id="{DEED50C7-8D19-4923-9863-FA7237BBE36B}" type="slidenum">
               <a:rPr lang="en-US" smtClean="0"/>
-              <a:t>22</a:t>
+              <a:t>19</a:t>
             </a:fld>
             <a:endParaRPr lang="en-US"/>
           </a:p>
@@ -1294,7 +1278,7 @@
     </p:spTree>
     <p:extLst>
       <p:ext uri="{BB962C8B-B14F-4D97-AF65-F5344CB8AC3E}">
-        <p14:creationId xmlns:p14="http://schemas.microsoft.com/office/powerpoint/2010/main" val="3992437412"/>
+        <p14:creationId xmlns:p14="http://schemas.microsoft.com/office/powerpoint/2010/main" val="3431311784"/>
       </p:ext>
     </p:extLst>
   </p:cSld>
@@ -1350,18 +1334,22 @@
           <a:p>
             <a:r>
               <a:rPr lang="en-US" dirty="0"/>
-              <a:t>CTE or cursor or stored proc</a:t>
-            </a:r>
-          </a:p>
-          <a:p>
-            <a:r>
-              <a:rPr lang="en-US" dirty="0"/>
-              <a:t>Self – joins,</a:t>
+              <a:t>Cons</a:t>
             </a:r>
             <a:r>
               <a:rPr lang="en-US" baseline="0" dirty="0"/>
-              <a:t> hierarchical data</a:t>
-            </a:r>
+              <a:t> – need to wrap the java application in something like </a:t>
+            </a:r>
+            <a:r>
+              <a:rPr lang="en-US" baseline="0" dirty="0" err="1"/>
+              <a:t>Procrun</a:t>
+            </a:r>
+            <a:r>
+              <a:rPr lang="en-US" baseline="0" dirty="0"/>
+              <a:t> in order to run as a windows service – no production support for windows service installation</a:t>
+            </a:r>
+          </a:p>
+          <a:p>
             <a:endParaRPr lang="en-US" dirty="0"/>
           </a:p>
         </p:txBody>
@@ -1383,7 +1371,7 @@
           <a:p>
             <a:fld id="{DEED50C7-8D19-4923-9863-FA7237BBE36B}" type="slidenum">
               <a:rPr lang="en-US" smtClean="0"/>
-              <a:t>23</a:t>
+              <a:t>20</a:t>
             </a:fld>
             <a:endParaRPr lang="en-US"/>
           </a:p>
@@ -1392,7 +1380,7 @@
     </p:spTree>
     <p:extLst>
       <p:ext uri="{BB962C8B-B14F-4D97-AF65-F5344CB8AC3E}">
-        <p14:creationId xmlns:p14="http://schemas.microsoft.com/office/powerpoint/2010/main" val="951891663"/>
+        <p14:creationId xmlns:p14="http://schemas.microsoft.com/office/powerpoint/2010/main" val="750881907"/>
       </p:ext>
     </p:extLst>
   </p:cSld>
@@ -1446,6 +1434,26 @@
           <a:bodyPr/>
           <a:lstStyle/>
           <a:p>
+            <a:r>
+              <a:rPr lang="en-US" dirty="0" err="1"/>
+              <a:t>GraphQL</a:t>
+            </a:r>
+            <a:r>
+              <a:rPr lang="en-US" baseline="0" dirty="0"/>
+              <a:t> – a query language for your API</a:t>
+            </a:r>
+          </a:p>
+          <a:p>
+            <a:r>
+              <a:rPr lang="en-US" baseline="0" dirty="0"/>
+              <a:t>Pros – Up and comer</a:t>
+            </a:r>
+          </a:p>
+          <a:p>
+            <a:r>
+              <a:rPr lang="en-US" baseline="0" dirty="0"/>
+              <a:t>Cons – not mature, not a lot of community support, and absolutely no ability to run it in Windows in production.</a:t>
+            </a:r>
             <a:endParaRPr lang="en-US" dirty="0"/>
           </a:p>
         </p:txBody>
@@ -1467,7 +1475,7 @@
           <a:p>
             <a:fld id="{DEED50C7-8D19-4923-9863-FA7237BBE36B}" type="slidenum">
               <a:rPr lang="en-US" smtClean="0"/>
-              <a:t>24</a:t>
+              <a:t>21</a:t>
             </a:fld>
             <a:endParaRPr lang="en-US"/>
           </a:p>
@@ -1476,7 +1484,7 @@
     </p:spTree>
     <p:extLst>
       <p:ext uri="{BB962C8B-B14F-4D97-AF65-F5344CB8AC3E}">
-        <p14:creationId xmlns:p14="http://schemas.microsoft.com/office/powerpoint/2010/main" val="3609070906"/>
+        <p14:creationId xmlns:p14="http://schemas.microsoft.com/office/powerpoint/2010/main" val="4249862613"/>
       </p:ext>
     </p:extLst>
   </p:cSld>
@@ -1530,6 +1538,14 @@
           <a:bodyPr/>
           <a:lstStyle/>
           <a:p>
+            <a:r>
+              <a:rPr lang="en-US" dirty="0"/>
+              <a:t>From</a:t>
+            </a:r>
+            <a:r>
+              <a:rPr lang="en-US" baseline="0" dirty="0"/>
+              <a:t> here on out, I’ll be focusing on Neo4j as it is the most mature and easiest to get up and running.</a:t>
+            </a:r>
             <a:endParaRPr lang="en-US" dirty="0"/>
           </a:p>
         </p:txBody>
@@ -1551,7 +1567,7 @@
           <a:p>
             <a:fld id="{DEED50C7-8D19-4923-9863-FA7237BBE36B}" type="slidenum">
               <a:rPr lang="en-US" smtClean="0"/>
-              <a:t>25</a:t>
+              <a:t>22</a:t>
             </a:fld>
             <a:endParaRPr lang="en-US"/>
           </a:p>
@@ -1560,7 +1576,7 @@
     </p:spTree>
     <p:extLst>
       <p:ext uri="{BB962C8B-B14F-4D97-AF65-F5344CB8AC3E}">
-        <p14:creationId xmlns:p14="http://schemas.microsoft.com/office/powerpoint/2010/main" val="2745185784"/>
+        <p14:creationId xmlns:p14="http://schemas.microsoft.com/office/powerpoint/2010/main" val="3332112049"/>
       </p:ext>
     </p:extLst>
   </p:cSld>
@@ -1614,6 +1630,25 @@
           <a:bodyPr/>
           <a:lstStyle/>
           <a:p>
+            <a:r>
+              <a:rPr lang="en-US" dirty="0"/>
+              <a:t>Lucene index – elastic search and </a:t>
+            </a:r>
+            <a:r>
+              <a:rPr lang="en-US" dirty="0" err="1"/>
+              <a:t>solr</a:t>
+            </a:r>
+            <a:endParaRPr lang="en-US" dirty="0"/>
+          </a:p>
+          <a:p>
+            <a:r>
+              <a:rPr lang="en-US" dirty="0"/>
+              <a:t>REST API – all crud operations can be performed using</a:t>
+            </a:r>
+            <a:r>
+              <a:rPr lang="en-US" baseline="0" dirty="0"/>
+              <a:t> the REST API or one of the SDKs available.</a:t>
+            </a:r>
             <a:endParaRPr lang="en-US" dirty="0"/>
           </a:p>
         </p:txBody>
@@ -1635,7 +1670,7 @@
           <a:p>
             <a:fld id="{DEED50C7-8D19-4923-9863-FA7237BBE36B}" type="slidenum">
               <a:rPr lang="en-US" smtClean="0"/>
-              <a:t>26</a:t>
+              <a:t>23</a:t>
             </a:fld>
             <a:endParaRPr lang="en-US"/>
           </a:p>
@@ -1644,7 +1679,7 @@
     </p:spTree>
     <p:extLst>
       <p:ext uri="{BB962C8B-B14F-4D97-AF65-F5344CB8AC3E}">
-        <p14:creationId xmlns:p14="http://schemas.microsoft.com/office/powerpoint/2010/main" val="543897719"/>
+        <p14:creationId xmlns:p14="http://schemas.microsoft.com/office/powerpoint/2010/main" val="3992437412"/>
       </p:ext>
     </p:extLst>
   </p:cSld>
@@ -1700,31 +1735,13 @@
           <a:p>
             <a:r>
               <a:rPr lang="en-US" dirty="0"/>
-              <a:t>Talk</a:t>
+              <a:t>First,</a:t>
             </a:r>
             <a:r>
               <a:rPr lang="en-US" baseline="0" dirty="0"/>
-              <a:t> about my career a little bit – almost 20 years experience in development, most of that full-stack – gravitate toward back end</a:t>
-            </a:r>
-          </a:p>
-          <a:p>
-            <a:r>
-              <a:rPr lang="en-US" baseline="0" dirty="0"/>
-              <a:t>Started looking at data modelling outside the scope of relational databases a few years ago – started with full text search and elastic search, evolving to </a:t>
-            </a:r>
-            <a:r>
-              <a:rPr lang="en-US" baseline="0" dirty="0" err="1"/>
-              <a:t>nosql</a:t>
-            </a:r>
-            <a:r>
-              <a:rPr lang="en-US" baseline="0" dirty="0"/>
-              <a:t> databases and now to graph </a:t>
-            </a:r>
-            <a:r>
-              <a:rPr lang="en-US" baseline="0" dirty="0" err="1"/>
-              <a:t>dbs</a:t>
-            </a:r>
-            <a:endParaRPr lang="en-US" baseline="0" dirty="0"/>
+              <a:t> I wanted to give a big thanks to our sponsors.  They make events like these possible, so thank you!</a:t>
+            </a:r>
+            <a:endParaRPr lang="en-US" dirty="0"/>
           </a:p>
         </p:txBody>
       </p:sp>
@@ -1754,7 +1771,7 @@
     </p:spTree>
     <p:extLst>
       <p:ext uri="{BB962C8B-B14F-4D97-AF65-F5344CB8AC3E}">
-        <p14:creationId xmlns:p14="http://schemas.microsoft.com/office/powerpoint/2010/main" val="941184426"/>
+        <p14:creationId xmlns:p14="http://schemas.microsoft.com/office/powerpoint/2010/main" val="2143176017"/>
       </p:ext>
     </p:extLst>
   </p:cSld>
@@ -1810,32 +1827,18 @@
           <a:p>
             <a:r>
               <a:rPr lang="en-US" dirty="0"/>
-              <a:t>The with clause allows query parts to be chained together, and passed the results on</a:t>
+              <a:t>CTE or cursor or stored proc</a:t>
+            </a:r>
+          </a:p>
+          <a:p>
+            <a:r>
+              <a:rPr lang="en-US" dirty="0"/>
+              <a:t>Self – joins,</a:t>
             </a:r>
             <a:r>
               <a:rPr lang="en-US" baseline="0" dirty="0"/>
-              <a:t> in the query</a:t>
-            </a:r>
-          </a:p>
-          <a:p>
-            <a:r>
-              <a:rPr lang="en-US" baseline="0" dirty="0"/>
-              <a:t>Collect – collects values into a list</a:t>
-            </a:r>
-          </a:p>
-          <a:p>
-            <a:r>
-              <a:rPr lang="en-US" baseline="0" dirty="0"/>
-              <a:t>Unwind transforms back into individual rows</a:t>
-            </a:r>
-          </a:p>
-          <a:p>
-            <a:r>
-              <a:rPr lang="en-US" baseline="0" dirty="0"/>
-              <a:t>Labels – returns a string representation for the labels attached to a node as an array</a:t>
-            </a:r>
-          </a:p>
-          <a:p>
+              <a:t> hierarchical data</a:t>
+            </a:r>
             <a:endParaRPr lang="en-US" dirty="0"/>
           </a:p>
         </p:txBody>
@@ -1857,7 +1860,7 @@
           <a:p>
             <a:fld id="{DEED50C7-8D19-4923-9863-FA7237BBE36B}" type="slidenum">
               <a:rPr lang="en-US" smtClean="0"/>
-              <a:t>28</a:t>
+              <a:t>24</a:t>
             </a:fld>
             <a:endParaRPr lang="en-US"/>
           </a:p>
@@ -1866,7 +1869,7 @@
     </p:spTree>
     <p:extLst>
       <p:ext uri="{BB962C8B-B14F-4D97-AF65-F5344CB8AC3E}">
-        <p14:creationId xmlns:p14="http://schemas.microsoft.com/office/powerpoint/2010/main" val="1933768834"/>
+        <p14:creationId xmlns:p14="http://schemas.microsoft.com/office/powerpoint/2010/main" val="951891663"/>
       </p:ext>
     </p:extLst>
   </p:cSld>
@@ -1920,16 +1923,7 @@
           <a:bodyPr/>
           <a:lstStyle/>
           <a:p>
-            <a:r>
-              <a:rPr lang="en-US" baseline="0" dirty="0"/>
-              <a:t>Describe the problem:</a:t>
-            </a:r>
-          </a:p>
-          <a:p>
-            <a:r>
-              <a:rPr lang="en-US" baseline="0" dirty="0"/>
-              <a:t>I want to create a social network of people that have Type 1 diabetes.  This should allow them to connect for support and to share what’s working for them and not working for them.  I want to be able to connect to friends-of-friends that have Type 1 diabetes and also keep track of where people are being seen and what medications they are taking.</a:t>
-            </a:r>
+            <a:endParaRPr lang="en-US" dirty="0"/>
           </a:p>
         </p:txBody>
       </p:sp>
@@ -1950,7 +1944,380 @@
           <a:p>
             <a:fld id="{DEED50C7-8D19-4923-9863-FA7237BBE36B}" type="slidenum">
               <a:rPr lang="en-US" smtClean="0"/>
-              <a:t>30</a:t>
+              <a:t>25</a:t>
+            </a:fld>
+            <a:endParaRPr lang="en-US"/>
+          </a:p>
+        </p:txBody>
+      </p:sp>
+    </p:spTree>
+    <p:extLst>
+      <p:ext uri="{BB962C8B-B14F-4D97-AF65-F5344CB8AC3E}">
+        <p14:creationId xmlns:p14="http://schemas.microsoft.com/office/powerpoint/2010/main" val="3609070906"/>
+      </p:ext>
+    </p:extLst>
+  </p:cSld>
+  <p:clrMapOvr>
+    <a:masterClrMapping/>
+  </p:clrMapOvr>
+</p:notes>
+</file>
+
+<file path=ppt/notesSlides/notesSlide22.xml><?xml version="1.0" encoding="utf-8"?>
+<p:notes xmlns:a="http://schemas.openxmlformats.org/drawingml/2006/main" xmlns:r="http://schemas.openxmlformats.org/officeDocument/2006/relationships" xmlns:p="http://schemas.openxmlformats.org/presentationml/2006/main">
+  <p:cSld>
+    <p:spTree>
+      <p:nvGrpSpPr>
+        <p:cNvPr id="1" name=""/>
+        <p:cNvGrpSpPr/>
+        <p:nvPr/>
+      </p:nvGrpSpPr>
+      <p:grpSpPr>
+        <a:xfrm>
+          <a:off x="0" y="0"/>
+          <a:ext cx="0" cy="0"/>
+          <a:chOff x="0" y="0"/>
+          <a:chExt cx="0" cy="0"/>
+        </a:xfrm>
+      </p:grpSpPr>
+      <p:sp>
+        <p:nvSpPr>
+          <p:cNvPr id="2" name="Slide Image Placeholder 1"/>
+          <p:cNvSpPr>
+            <a:spLocks noGrp="1" noRot="1" noChangeAspect="1"/>
+          </p:cNvSpPr>
+          <p:nvPr>
+            <p:ph type="sldImg"/>
+          </p:nvPr>
+        </p:nvSpPr>
+        <p:spPr/>
+      </p:sp>
+      <p:sp>
+        <p:nvSpPr>
+          <p:cNvPr id="3" name="Notes Placeholder 2"/>
+          <p:cNvSpPr>
+            <a:spLocks noGrp="1"/>
+          </p:cNvSpPr>
+          <p:nvPr>
+            <p:ph type="body" idx="1"/>
+          </p:nvPr>
+        </p:nvSpPr>
+        <p:spPr/>
+        <p:txBody>
+          <a:bodyPr/>
+          <a:lstStyle/>
+          <a:p>
+            <a:endParaRPr lang="en-US" dirty="0"/>
+          </a:p>
+        </p:txBody>
+      </p:sp>
+      <p:sp>
+        <p:nvSpPr>
+          <p:cNvPr id="4" name="Slide Number Placeholder 3"/>
+          <p:cNvSpPr>
+            <a:spLocks noGrp="1"/>
+          </p:cNvSpPr>
+          <p:nvPr>
+            <p:ph type="sldNum" sz="quarter" idx="10"/>
+          </p:nvPr>
+        </p:nvSpPr>
+        <p:spPr/>
+        <p:txBody>
+          <a:bodyPr/>
+          <a:lstStyle/>
+          <a:p>
+            <a:fld id="{DEED50C7-8D19-4923-9863-FA7237BBE36B}" type="slidenum">
+              <a:rPr lang="en-US" smtClean="0"/>
+              <a:t>26</a:t>
+            </a:fld>
+            <a:endParaRPr lang="en-US"/>
+          </a:p>
+        </p:txBody>
+      </p:sp>
+    </p:spTree>
+    <p:extLst>
+      <p:ext uri="{BB962C8B-B14F-4D97-AF65-F5344CB8AC3E}">
+        <p14:creationId xmlns:p14="http://schemas.microsoft.com/office/powerpoint/2010/main" val="2745185784"/>
+      </p:ext>
+    </p:extLst>
+  </p:cSld>
+  <p:clrMapOvr>
+    <a:masterClrMapping/>
+  </p:clrMapOvr>
+</p:notes>
+</file>
+
+<file path=ppt/notesSlides/notesSlide23.xml><?xml version="1.0" encoding="utf-8"?>
+<p:notes xmlns:a="http://schemas.openxmlformats.org/drawingml/2006/main" xmlns:r="http://schemas.openxmlformats.org/officeDocument/2006/relationships" xmlns:p="http://schemas.openxmlformats.org/presentationml/2006/main">
+  <p:cSld>
+    <p:spTree>
+      <p:nvGrpSpPr>
+        <p:cNvPr id="1" name=""/>
+        <p:cNvGrpSpPr/>
+        <p:nvPr/>
+      </p:nvGrpSpPr>
+      <p:grpSpPr>
+        <a:xfrm>
+          <a:off x="0" y="0"/>
+          <a:ext cx="0" cy="0"/>
+          <a:chOff x="0" y="0"/>
+          <a:chExt cx="0" cy="0"/>
+        </a:xfrm>
+      </p:grpSpPr>
+      <p:sp>
+        <p:nvSpPr>
+          <p:cNvPr id="2" name="Slide Image Placeholder 1"/>
+          <p:cNvSpPr>
+            <a:spLocks noGrp="1" noRot="1" noChangeAspect="1"/>
+          </p:cNvSpPr>
+          <p:nvPr>
+            <p:ph type="sldImg"/>
+          </p:nvPr>
+        </p:nvSpPr>
+        <p:spPr/>
+      </p:sp>
+      <p:sp>
+        <p:nvSpPr>
+          <p:cNvPr id="3" name="Notes Placeholder 2"/>
+          <p:cNvSpPr>
+            <a:spLocks noGrp="1"/>
+          </p:cNvSpPr>
+          <p:nvPr>
+            <p:ph type="body" idx="1"/>
+          </p:nvPr>
+        </p:nvSpPr>
+        <p:spPr/>
+        <p:txBody>
+          <a:bodyPr/>
+          <a:lstStyle/>
+          <a:p>
+            <a:endParaRPr lang="en-US" dirty="0"/>
+          </a:p>
+        </p:txBody>
+      </p:sp>
+      <p:sp>
+        <p:nvSpPr>
+          <p:cNvPr id="4" name="Slide Number Placeholder 3"/>
+          <p:cNvSpPr>
+            <a:spLocks noGrp="1"/>
+          </p:cNvSpPr>
+          <p:nvPr>
+            <p:ph type="sldNum" sz="quarter" idx="10"/>
+          </p:nvPr>
+        </p:nvSpPr>
+        <p:spPr/>
+        <p:txBody>
+          <a:bodyPr/>
+          <a:lstStyle/>
+          <a:p>
+            <a:fld id="{DEED50C7-8D19-4923-9863-FA7237BBE36B}" type="slidenum">
+              <a:rPr lang="en-US" smtClean="0"/>
+              <a:t>27</a:t>
+            </a:fld>
+            <a:endParaRPr lang="en-US"/>
+          </a:p>
+        </p:txBody>
+      </p:sp>
+    </p:spTree>
+    <p:extLst>
+      <p:ext uri="{BB962C8B-B14F-4D97-AF65-F5344CB8AC3E}">
+        <p14:creationId xmlns:p14="http://schemas.microsoft.com/office/powerpoint/2010/main" val="543897719"/>
+      </p:ext>
+    </p:extLst>
+  </p:cSld>
+  <p:clrMapOvr>
+    <a:masterClrMapping/>
+  </p:clrMapOvr>
+</p:notes>
+</file>
+
+<file path=ppt/notesSlides/notesSlide24.xml><?xml version="1.0" encoding="utf-8"?>
+<p:notes xmlns:a="http://schemas.openxmlformats.org/drawingml/2006/main" xmlns:r="http://schemas.openxmlformats.org/officeDocument/2006/relationships" xmlns:p="http://schemas.openxmlformats.org/presentationml/2006/main">
+  <p:cSld>
+    <p:spTree>
+      <p:nvGrpSpPr>
+        <p:cNvPr id="1" name=""/>
+        <p:cNvGrpSpPr/>
+        <p:nvPr/>
+      </p:nvGrpSpPr>
+      <p:grpSpPr>
+        <a:xfrm>
+          <a:off x="0" y="0"/>
+          <a:ext cx="0" cy="0"/>
+          <a:chOff x="0" y="0"/>
+          <a:chExt cx="0" cy="0"/>
+        </a:xfrm>
+      </p:grpSpPr>
+      <p:sp>
+        <p:nvSpPr>
+          <p:cNvPr id="2" name="Slide Image Placeholder 1"/>
+          <p:cNvSpPr>
+            <a:spLocks noGrp="1" noRot="1" noChangeAspect="1"/>
+          </p:cNvSpPr>
+          <p:nvPr>
+            <p:ph type="sldImg"/>
+          </p:nvPr>
+        </p:nvSpPr>
+        <p:spPr/>
+      </p:sp>
+      <p:sp>
+        <p:nvSpPr>
+          <p:cNvPr id="3" name="Notes Placeholder 2"/>
+          <p:cNvSpPr>
+            <a:spLocks noGrp="1"/>
+          </p:cNvSpPr>
+          <p:nvPr>
+            <p:ph type="body" idx="1"/>
+          </p:nvPr>
+        </p:nvSpPr>
+        <p:spPr/>
+        <p:txBody>
+          <a:bodyPr/>
+          <a:lstStyle/>
+          <a:p>
+            <a:r>
+              <a:rPr lang="en-US" dirty="0"/>
+              <a:t>The with clause allows query parts to be chained together, and passed the results on</a:t>
+            </a:r>
+            <a:r>
+              <a:rPr lang="en-US" baseline="0" dirty="0"/>
+              <a:t> in the query</a:t>
+            </a:r>
+          </a:p>
+          <a:p>
+            <a:r>
+              <a:rPr lang="en-US" baseline="0" dirty="0"/>
+              <a:t>Collect – collects values into a list</a:t>
+            </a:r>
+          </a:p>
+          <a:p>
+            <a:r>
+              <a:rPr lang="en-US" baseline="0" dirty="0"/>
+              <a:t>Unwind transforms back into individual rows</a:t>
+            </a:r>
+          </a:p>
+          <a:p>
+            <a:r>
+              <a:rPr lang="en-US" baseline="0" dirty="0"/>
+              <a:t>Labels – returns a string representation for the labels attached to a node as an array</a:t>
+            </a:r>
+          </a:p>
+          <a:p>
+            <a:endParaRPr lang="en-US" dirty="0"/>
+          </a:p>
+        </p:txBody>
+      </p:sp>
+      <p:sp>
+        <p:nvSpPr>
+          <p:cNvPr id="4" name="Slide Number Placeholder 3"/>
+          <p:cNvSpPr>
+            <a:spLocks noGrp="1"/>
+          </p:cNvSpPr>
+          <p:nvPr>
+            <p:ph type="sldNum" sz="quarter" idx="10"/>
+          </p:nvPr>
+        </p:nvSpPr>
+        <p:spPr/>
+        <p:txBody>
+          <a:bodyPr/>
+          <a:lstStyle/>
+          <a:p>
+            <a:fld id="{DEED50C7-8D19-4923-9863-FA7237BBE36B}" type="slidenum">
+              <a:rPr lang="en-US" smtClean="0"/>
+              <a:t>29</a:t>
+            </a:fld>
+            <a:endParaRPr lang="en-US"/>
+          </a:p>
+        </p:txBody>
+      </p:sp>
+    </p:spTree>
+    <p:extLst>
+      <p:ext uri="{BB962C8B-B14F-4D97-AF65-F5344CB8AC3E}">
+        <p14:creationId xmlns:p14="http://schemas.microsoft.com/office/powerpoint/2010/main" val="1933768834"/>
+      </p:ext>
+    </p:extLst>
+  </p:cSld>
+  <p:clrMapOvr>
+    <a:masterClrMapping/>
+  </p:clrMapOvr>
+</p:notes>
+</file>
+
+<file path=ppt/notesSlides/notesSlide25.xml><?xml version="1.0" encoding="utf-8"?>
+<p:notes xmlns:a="http://schemas.openxmlformats.org/drawingml/2006/main" xmlns:r="http://schemas.openxmlformats.org/officeDocument/2006/relationships" xmlns:p="http://schemas.openxmlformats.org/presentationml/2006/main">
+  <p:cSld>
+    <p:spTree>
+      <p:nvGrpSpPr>
+        <p:cNvPr id="1" name=""/>
+        <p:cNvGrpSpPr/>
+        <p:nvPr/>
+      </p:nvGrpSpPr>
+      <p:grpSpPr>
+        <a:xfrm>
+          <a:off x="0" y="0"/>
+          <a:ext cx="0" cy="0"/>
+          <a:chOff x="0" y="0"/>
+          <a:chExt cx="0" cy="0"/>
+        </a:xfrm>
+      </p:grpSpPr>
+      <p:sp>
+        <p:nvSpPr>
+          <p:cNvPr id="2" name="Slide Image Placeholder 1"/>
+          <p:cNvSpPr>
+            <a:spLocks noGrp="1" noRot="1" noChangeAspect="1"/>
+          </p:cNvSpPr>
+          <p:nvPr>
+            <p:ph type="sldImg"/>
+          </p:nvPr>
+        </p:nvSpPr>
+        <p:spPr/>
+      </p:sp>
+      <p:sp>
+        <p:nvSpPr>
+          <p:cNvPr id="3" name="Notes Placeholder 2"/>
+          <p:cNvSpPr>
+            <a:spLocks noGrp="1"/>
+          </p:cNvSpPr>
+          <p:nvPr>
+            <p:ph type="body" idx="1"/>
+          </p:nvPr>
+        </p:nvSpPr>
+        <p:spPr/>
+        <p:txBody>
+          <a:bodyPr/>
+          <a:lstStyle/>
+          <a:p>
+            <a:r>
+              <a:rPr lang="en-US" baseline="0" dirty="0"/>
+              <a:t>Describe the problem:</a:t>
+            </a:r>
+          </a:p>
+          <a:p>
+            <a:r>
+              <a:rPr lang="en-US" baseline="0" dirty="0"/>
+              <a:t>I want to create a social network of people that have Type 1 diabetes.  This should allow them to connect for support and to share what’s working for them and not working for them.  I want to be able to connect to friends-of-friends that have Type 1 diabetes and also keep track of where people are being seen and what medications they are taking.</a:t>
+            </a:r>
+          </a:p>
+        </p:txBody>
+      </p:sp>
+      <p:sp>
+        <p:nvSpPr>
+          <p:cNvPr id="4" name="Slide Number Placeholder 3"/>
+          <p:cNvSpPr>
+            <a:spLocks noGrp="1"/>
+          </p:cNvSpPr>
+          <p:nvPr>
+            <p:ph type="sldNum" sz="quarter" idx="10"/>
+          </p:nvPr>
+        </p:nvSpPr>
+        <p:spPr/>
+        <p:txBody>
+          <a:bodyPr/>
+          <a:lstStyle/>
+          <a:p>
+            <a:fld id="{DEED50C7-8D19-4923-9863-FA7237BBE36B}" type="slidenum">
+              <a:rPr lang="en-US" smtClean="0"/>
+              <a:t>31</a:t>
             </a:fld>
             <a:endParaRPr lang="en-US"/>
           </a:p>
@@ -2015,25 +2382,31 @@
           <a:p>
             <a:r>
               <a:rPr lang="en-US" dirty="0"/>
-              <a:t>Not a pie graph or chart</a:t>
-            </a:r>
-          </a:p>
-          <a:p>
-            <a:r>
-              <a:rPr lang="en-US" dirty="0"/>
-              <a:t>Not</a:t>
+              <a:t>Talk</a:t>
             </a:r>
             <a:r>
               <a:rPr lang="en-US" baseline="0" dirty="0"/>
-              <a:t> reporting</a:t>
+              <a:t> about my career a little bit – almost 20 years experience in development, most of that full-stack – gravitate toward back end</a:t>
             </a:r>
           </a:p>
           <a:p>
             <a:r>
               <a:rPr lang="en-US" baseline="0" dirty="0"/>
-              <a:t>Talking about modelling the data as nodes and relationships</a:t>
-            </a:r>
-            <a:endParaRPr lang="en-US" dirty="0"/>
+              <a:t>Started looking at data modelling outside the scope of relational databases a few years ago – started with full text search and elastic search, evolving to </a:t>
+            </a:r>
+            <a:r>
+              <a:rPr lang="en-US" baseline="0" dirty="0" err="1"/>
+              <a:t>nosql</a:t>
+            </a:r>
+            <a:r>
+              <a:rPr lang="en-US" baseline="0" dirty="0"/>
+              <a:t> databases and now to graph </a:t>
+            </a:r>
+            <a:r>
+              <a:rPr lang="en-US" baseline="0" dirty="0" err="1"/>
+              <a:t>dbs</a:t>
+            </a:r>
+            <a:endParaRPr lang="en-US" baseline="0" dirty="0"/>
           </a:p>
         </p:txBody>
       </p:sp>
@@ -2063,7 +2436,7 @@
     </p:spTree>
     <p:extLst>
       <p:ext uri="{BB962C8B-B14F-4D97-AF65-F5344CB8AC3E}">
-        <p14:creationId xmlns:p14="http://schemas.microsoft.com/office/powerpoint/2010/main" val="1356644729"/>
+        <p14:creationId xmlns:p14="http://schemas.microsoft.com/office/powerpoint/2010/main" val="941184426"/>
       </p:ext>
     </p:extLst>
   </p:cSld>
@@ -2119,17 +2492,23 @@
           <a:p>
             <a:r>
               <a:rPr lang="en-US" dirty="0"/>
-              <a:t>Illustrate the various</a:t>
+              <a:t>Not a pie graph or chart</a:t>
+            </a:r>
+          </a:p>
+          <a:p>
+            <a:r>
+              <a:rPr lang="en-US" dirty="0"/>
+              <a:t>Not</a:t>
             </a:r>
             <a:r>
               <a:rPr lang="en-US" baseline="0" dirty="0"/>
-              <a:t> uses of graphs</a:t>
+              <a:t> reporting</a:t>
             </a:r>
           </a:p>
           <a:p>
             <a:r>
               <a:rPr lang="en-US" baseline="0" dirty="0"/>
-              <a:t>Talk about white boarding and object modelling as a natural precursor to graph DBs</a:t>
+              <a:t>Talking about modelling the data as nodes and relationships</a:t>
             </a:r>
             <a:endParaRPr lang="en-US" dirty="0"/>
           </a:p>
@@ -2161,7 +2540,7 @@
     </p:spTree>
     <p:extLst>
       <p:ext uri="{BB962C8B-B14F-4D97-AF65-F5344CB8AC3E}">
-        <p14:creationId xmlns:p14="http://schemas.microsoft.com/office/powerpoint/2010/main" val="892401305"/>
+        <p14:creationId xmlns:p14="http://schemas.microsoft.com/office/powerpoint/2010/main" val="1356644729"/>
       </p:ext>
     </p:extLst>
   </p:cSld>
@@ -2217,11 +2596,17 @@
           <a:p>
             <a:r>
               <a:rPr lang="en-US" dirty="0"/>
-              <a:t>Talk about relationships</a:t>
+              <a:t>Illustrate the various</a:t>
             </a:r>
             <a:r>
               <a:rPr lang="en-US" baseline="0" dirty="0"/>
-              <a:t> being emphasized and relationships having their own properties</a:t>
+              <a:t> uses of graphs</a:t>
+            </a:r>
+          </a:p>
+          <a:p>
+            <a:r>
+              <a:rPr lang="en-US" baseline="0" dirty="0"/>
+              <a:t>Talk about white boarding and object modelling as a natural precursor to graph DBs</a:t>
             </a:r>
             <a:endParaRPr lang="en-US" dirty="0"/>
           </a:p>
@@ -2253,7 +2638,7 @@
     </p:spTree>
     <p:extLst>
       <p:ext uri="{BB962C8B-B14F-4D97-AF65-F5344CB8AC3E}">
-        <p14:creationId xmlns:p14="http://schemas.microsoft.com/office/powerpoint/2010/main" val="3305115276"/>
+        <p14:creationId xmlns:p14="http://schemas.microsoft.com/office/powerpoint/2010/main" val="892401305"/>
       </p:ext>
     </p:extLst>
   </p:cSld>
@@ -2309,11 +2694,11 @@
           <a:p>
             <a:r>
               <a:rPr lang="en-US" dirty="0"/>
-              <a:t>Facebook,</a:t>
+              <a:t>Talk about relationships</a:t>
             </a:r>
             <a:r>
               <a:rPr lang="en-US" baseline="0" dirty="0"/>
-              <a:t> Linked in</a:t>
+              <a:t> being emphasized and relationships having their own properties</a:t>
             </a:r>
             <a:endParaRPr lang="en-US" dirty="0"/>
           </a:p>
@@ -2345,7 +2730,7 @@
     </p:spTree>
     <p:extLst>
       <p:ext uri="{BB962C8B-B14F-4D97-AF65-F5344CB8AC3E}">
-        <p14:creationId xmlns:p14="http://schemas.microsoft.com/office/powerpoint/2010/main" val="4007776910"/>
+        <p14:creationId xmlns:p14="http://schemas.microsoft.com/office/powerpoint/2010/main" val="3305115276"/>
       </p:ext>
     </p:extLst>
   </p:cSld>
@@ -2399,7 +2784,20 @@
           <a:bodyPr/>
           <a:lstStyle/>
           <a:p>
-            <a:endParaRPr lang="en-US" dirty="0"/>
+            <a:r>
+              <a:rPr lang="en-US" dirty="0"/>
+              <a:t>Facebook,</a:t>
+            </a:r>
+            <a:r>
+              <a:rPr lang="en-US" baseline="0" dirty="0"/>
+              <a:t> Linked in</a:t>
+            </a:r>
+          </a:p>
+          <a:p>
+            <a:r>
+              <a:rPr lang="en-US" baseline="0" dirty="0"/>
+              <a:t>Path finding – airline hubs and routes – how do I get from Boston to San Diego in the shortest path?  What’s the quickest driving route between here and New York City?  Also, linked in – how do I connect with person A in company x – how many connections do I have to make to get to that person?</a:t>
+            </a:r>
           </a:p>
         </p:txBody>
       </p:sp>
@@ -2420,7 +2818,7 @@
           <a:p>
             <a:fld id="{DEED50C7-8D19-4923-9863-FA7237BBE36B}" type="slidenum">
               <a:rPr lang="en-US" smtClean="0"/>
-              <a:t>13</a:t>
+              <a:t>7</a:t>
             </a:fld>
             <a:endParaRPr lang="en-US"/>
           </a:p>
@@ -2429,7 +2827,7 @@
     </p:spTree>
     <p:extLst>
       <p:ext uri="{BB962C8B-B14F-4D97-AF65-F5344CB8AC3E}">
-        <p14:creationId xmlns:p14="http://schemas.microsoft.com/office/powerpoint/2010/main" val="716299051"/>
+        <p14:creationId xmlns:p14="http://schemas.microsoft.com/office/powerpoint/2010/main" val="4007776910"/>
       </p:ext>
     </p:extLst>
   </p:cSld>
@@ -2485,17 +2883,17 @@
           <a:p>
             <a:r>
               <a:rPr lang="en-US" dirty="0"/>
-              <a:t>Relational</a:t>
+              <a:t>Nodes</a:t>
             </a:r>
             <a:r>
               <a:rPr lang="en-US" baseline="0" dirty="0"/>
-              <a:t> – data in tabular format – focused on making sure there is no duplicate data – making querying costly</a:t>
+              <a:t> – also sometimes called Vertices</a:t>
             </a:r>
           </a:p>
           <a:p>
             <a:r>
               <a:rPr lang="en-US" baseline="0" dirty="0"/>
-              <a:t>Graphs – focus on the connections, making path finding and querying straight forward</a:t>
+              <a:t>Relationships – also sometimes called Edges</a:t>
             </a:r>
             <a:endParaRPr lang="en-US" dirty="0"/>
           </a:p>
@@ -2518,7 +2916,7 @@
           <a:p>
             <a:fld id="{DEED50C7-8D19-4923-9863-FA7237BBE36B}" type="slidenum">
               <a:rPr lang="en-US" smtClean="0"/>
-              <a:t>14</a:t>
+              <a:t>9</a:t>
             </a:fld>
             <a:endParaRPr lang="en-US"/>
           </a:p>
@@ -2527,7 +2925,7 @@
     </p:spTree>
     <p:extLst>
       <p:ext uri="{BB962C8B-B14F-4D97-AF65-F5344CB8AC3E}">
-        <p14:creationId xmlns:p14="http://schemas.microsoft.com/office/powerpoint/2010/main" val="1812334159"/>
+        <p14:creationId xmlns:p14="http://schemas.microsoft.com/office/powerpoint/2010/main" val="1673890603"/>
       </p:ext>
     </p:extLst>
   </p:cSld>
@@ -2583,33 +2981,11 @@
           <a:p>
             <a:r>
               <a:rPr lang="en-US" dirty="0"/>
-              <a:t>Cons – instead</a:t>
+              <a:t>Best practices – create one relationship in</a:t>
             </a:r>
             <a:r>
               <a:rPr lang="en-US" baseline="0" dirty="0"/>
-              <a:t> of looking at data as 3</a:t>
-            </a:r>
-            <a:r>
-              <a:rPr lang="en-US" baseline="30000" dirty="0"/>
-              <a:t>rd</a:t>
-            </a:r>
-            <a:r>
-              <a:rPr lang="en-US" baseline="0" dirty="0"/>
-              <a:t> normal form with all your candidate keys and foreign keys, you have to start thinking about the data in terms of its interconnectivity.</a:t>
-            </a:r>
-          </a:p>
-          <a:p>
-            <a:r>
-              <a:rPr lang="en-US" baseline="0" dirty="0"/>
-              <a:t>Cons – Cypher, </a:t>
-            </a:r>
-            <a:r>
-              <a:rPr lang="en-US" baseline="0" dirty="0" err="1"/>
-              <a:t>tinkerpop</a:t>
-            </a:r>
-            <a:r>
-              <a:rPr lang="en-US" baseline="0" dirty="0"/>
-              <a:t>, Gremlin, SPARQL</a:t>
+              <a:t> one direction between node a and b but query without that direction if needed – why?  Because otherwise, you have to have two relationships, between a and b and b and a</a:t>
             </a:r>
             <a:endParaRPr lang="en-US" dirty="0"/>
           </a:p>
@@ -2632,7 +3008,7 @@
           <a:p>
             <a:fld id="{DEED50C7-8D19-4923-9863-FA7237BBE36B}" type="slidenum">
               <a:rPr lang="en-US" smtClean="0"/>
-              <a:t>15</a:t>
+              <a:t>11</a:t>
             </a:fld>
             <a:endParaRPr lang="en-US"/>
           </a:p>
@@ -2641,7 +3017,7 @@
     </p:spTree>
     <p:extLst>
       <p:ext uri="{BB962C8B-B14F-4D97-AF65-F5344CB8AC3E}">
-        <p14:creationId xmlns:p14="http://schemas.microsoft.com/office/powerpoint/2010/main" val="1951698221"/>
+        <p14:creationId xmlns:p14="http://schemas.microsoft.com/office/powerpoint/2010/main" val="2868090885"/>
       </p:ext>
     </p:extLst>
   </p:cSld>
@@ -11445,7 +11821,7 @@
             <a:fld id="{08B9EBBA-996F-894A-B54A-D6246ED52CEA}" type="datetimeFigureOut">
               <a:rPr lang="en-US" smtClean="0"/>
               <a:pPr/>
-              <a:t>3/21/17</a:t>
+              <a:t>3/22/17</a:t>
             </a:fld>
             <a:endParaRPr lang="en-US" dirty="0"/>
           </a:p>
@@ -11654,7 +12030,7 @@
             <a:fld id="{C6C52C72-DE31-F449-A4ED-4C594FD91407}" type="datetimeFigureOut">
               <a:rPr lang="en-US" smtClean="0"/>
               <a:pPr/>
-              <a:t>3/21/17</a:t>
+              <a:t>3/22/17</a:t>
             </a:fld>
             <a:endParaRPr lang="en-US" dirty="0"/>
           </a:p>
@@ -11836,7 +12212,7 @@
             <a:fld id="{ED62726E-379B-B349-9EED-81ED093FA806}" type="datetimeFigureOut">
               <a:rPr lang="en-US" smtClean="0"/>
               <a:pPr/>
-              <a:t>3/21/17</a:t>
+              <a:t>3/22/17</a:t>
             </a:fld>
             <a:endParaRPr lang="en-US" dirty="0"/>
           </a:p>
@@ -11933,6 +12309,1689 @@
 </p:sldLayout>
 </file>
 
+<file path=ppt/slideLayouts/slideLayout12.xml><?xml version="1.0" encoding="utf-8"?>
+<p:sldLayout xmlns:a="http://schemas.openxmlformats.org/drawingml/2006/main" xmlns:r="http://schemas.openxmlformats.org/officeDocument/2006/relationships" xmlns:p="http://schemas.openxmlformats.org/presentationml/2006/main" type="title" preserve="1">
+  <p:cSld name="Title Slide">
+    <p:spTree>
+      <p:nvGrpSpPr>
+        <p:cNvPr id="1" name=""/>
+        <p:cNvGrpSpPr/>
+        <p:nvPr/>
+      </p:nvGrpSpPr>
+      <p:grpSpPr>
+        <a:xfrm>
+          <a:off x="0" y="0"/>
+          <a:ext cx="0" cy="0"/>
+          <a:chOff x="0" y="0"/>
+          <a:chExt cx="0" cy="0"/>
+        </a:xfrm>
+      </p:grpSpPr>
+      <p:sp>
+        <p:nvSpPr>
+          <p:cNvPr id="2" name="Title 1"/>
+          <p:cNvSpPr>
+            <a:spLocks noGrp="1"/>
+          </p:cNvSpPr>
+          <p:nvPr>
+            <p:ph type="ctrTitle"/>
+          </p:nvPr>
+        </p:nvSpPr>
+        <p:spPr>
+          <a:xfrm>
+            <a:off x="1524000" y="1122363"/>
+            <a:ext cx="9144000" cy="2387600"/>
+          </a:xfrm>
+        </p:spPr>
+        <p:txBody>
+          <a:bodyPr anchor="b"/>
+          <a:lstStyle>
+            <a:lvl1pPr algn="ctr">
+              <a:defRPr sz="6000"/>
+            </a:lvl1pPr>
+          </a:lstStyle>
+          <a:p>
+            <a:r>
+              <a:rPr lang="en-US"/>
+              <a:t>Click to edit Master title style</a:t>
+            </a:r>
+          </a:p>
+        </p:txBody>
+      </p:sp>
+      <p:sp>
+        <p:nvSpPr>
+          <p:cNvPr id="3" name="Subtitle 2"/>
+          <p:cNvSpPr>
+            <a:spLocks noGrp="1"/>
+          </p:cNvSpPr>
+          <p:nvPr>
+            <p:ph type="subTitle" idx="1"/>
+          </p:nvPr>
+        </p:nvSpPr>
+        <p:spPr>
+          <a:xfrm>
+            <a:off x="1524000" y="3602038"/>
+            <a:ext cx="9144000" cy="1655762"/>
+          </a:xfrm>
+        </p:spPr>
+        <p:txBody>
+          <a:bodyPr/>
+          <a:lstStyle>
+            <a:lvl1pPr marL="0" indent="0" algn="ctr">
+              <a:buNone/>
+              <a:defRPr sz="2400"/>
+            </a:lvl1pPr>
+            <a:lvl2pPr marL="457200" indent="0" algn="ctr">
+              <a:buNone/>
+              <a:defRPr sz="2000"/>
+            </a:lvl2pPr>
+            <a:lvl3pPr marL="914400" indent="0" algn="ctr">
+              <a:buNone/>
+              <a:defRPr sz="1800"/>
+            </a:lvl3pPr>
+            <a:lvl4pPr marL="1371600" indent="0" algn="ctr">
+              <a:buNone/>
+              <a:defRPr sz="1600"/>
+            </a:lvl4pPr>
+            <a:lvl5pPr marL="1828800" indent="0" algn="ctr">
+              <a:buNone/>
+              <a:defRPr sz="1600"/>
+            </a:lvl5pPr>
+            <a:lvl6pPr marL="2286000" indent="0" algn="ctr">
+              <a:buNone/>
+              <a:defRPr sz="1600"/>
+            </a:lvl6pPr>
+            <a:lvl7pPr marL="2743200" indent="0" algn="ctr">
+              <a:buNone/>
+              <a:defRPr sz="1600"/>
+            </a:lvl7pPr>
+            <a:lvl8pPr marL="3200400" indent="0" algn="ctr">
+              <a:buNone/>
+              <a:defRPr sz="1600"/>
+            </a:lvl8pPr>
+            <a:lvl9pPr marL="3657600" indent="0" algn="ctr">
+              <a:buNone/>
+              <a:defRPr sz="1600"/>
+            </a:lvl9pPr>
+          </a:lstStyle>
+          <a:p>
+            <a:r>
+              <a:rPr lang="en-US"/>
+              <a:t>Click to edit Master subtitle style</a:t>
+            </a:r>
+          </a:p>
+        </p:txBody>
+      </p:sp>
+      <p:sp>
+        <p:nvSpPr>
+          <p:cNvPr id="4" name="Date Placeholder 3"/>
+          <p:cNvSpPr>
+            <a:spLocks noGrp="1"/>
+          </p:cNvSpPr>
+          <p:nvPr>
+            <p:ph type="dt" sz="half" idx="10"/>
+          </p:nvPr>
+        </p:nvSpPr>
+        <p:spPr/>
+        <p:txBody>
+          <a:bodyPr/>
+          <a:lstStyle/>
+          <a:p>
+            <a:fld id="{0583BE9D-294E-419B-AA51-BB7BF28F4F06}" type="datetimeFigureOut">
+              <a:rPr lang="en-US" smtClean="0"/>
+              <a:t>3/22/17</a:t>
+            </a:fld>
+            <a:endParaRPr lang="en-US"/>
+          </a:p>
+        </p:txBody>
+      </p:sp>
+      <p:sp>
+        <p:nvSpPr>
+          <p:cNvPr id="5" name="Footer Placeholder 4"/>
+          <p:cNvSpPr>
+            <a:spLocks noGrp="1"/>
+          </p:cNvSpPr>
+          <p:nvPr>
+            <p:ph type="ftr" sz="quarter" idx="11"/>
+          </p:nvPr>
+        </p:nvSpPr>
+        <p:spPr/>
+        <p:txBody>
+          <a:bodyPr/>
+          <a:lstStyle/>
+          <a:p>
+            <a:endParaRPr lang="en-US"/>
+          </a:p>
+        </p:txBody>
+      </p:sp>
+      <p:sp>
+        <p:nvSpPr>
+          <p:cNvPr id="6" name="Slide Number Placeholder 5"/>
+          <p:cNvSpPr>
+            <a:spLocks noGrp="1"/>
+          </p:cNvSpPr>
+          <p:nvPr>
+            <p:ph type="sldNum" sz="quarter" idx="12"/>
+          </p:nvPr>
+        </p:nvSpPr>
+        <p:spPr/>
+        <p:txBody>
+          <a:bodyPr/>
+          <a:lstStyle/>
+          <a:p>
+            <a:fld id="{6A6620E5-095D-4D76-A479-961FD5302CA4}" type="slidenum">
+              <a:rPr lang="en-US" smtClean="0"/>
+              <a:t>‹#›</a:t>
+            </a:fld>
+            <a:endParaRPr lang="en-US"/>
+          </a:p>
+        </p:txBody>
+      </p:sp>
+    </p:spTree>
+    <p:extLst>
+      <p:ext uri="{BB962C8B-B14F-4D97-AF65-F5344CB8AC3E}">
+        <p14:creationId xmlns:p14="http://schemas.microsoft.com/office/powerpoint/2010/main" val="115501696"/>
+      </p:ext>
+    </p:extLst>
+  </p:cSld>
+  <p:clrMapOvr>
+    <a:masterClrMapping/>
+  </p:clrMapOvr>
+</p:sldLayout>
+</file>
+
+<file path=ppt/slideLayouts/slideLayout13.xml><?xml version="1.0" encoding="utf-8"?>
+<p:sldLayout xmlns:a="http://schemas.openxmlformats.org/drawingml/2006/main" xmlns:r="http://schemas.openxmlformats.org/officeDocument/2006/relationships" xmlns:p="http://schemas.openxmlformats.org/presentationml/2006/main" type="obj" preserve="1">
+  <p:cSld name="Title and Content">
+    <p:spTree>
+      <p:nvGrpSpPr>
+        <p:cNvPr id="1" name=""/>
+        <p:cNvGrpSpPr/>
+        <p:nvPr/>
+      </p:nvGrpSpPr>
+      <p:grpSpPr>
+        <a:xfrm>
+          <a:off x="0" y="0"/>
+          <a:ext cx="0" cy="0"/>
+          <a:chOff x="0" y="0"/>
+          <a:chExt cx="0" cy="0"/>
+        </a:xfrm>
+      </p:grpSpPr>
+      <p:sp>
+        <p:nvSpPr>
+          <p:cNvPr id="2" name="Title 1"/>
+          <p:cNvSpPr>
+            <a:spLocks noGrp="1"/>
+          </p:cNvSpPr>
+          <p:nvPr>
+            <p:ph type="title"/>
+          </p:nvPr>
+        </p:nvSpPr>
+        <p:spPr/>
+        <p:txBody>
+          <a:bodyPr/>
+          <a:lstStyle/>
+          <a:p>
+            <a:r>
+              <a:rPr lang="en-US"/>
+              <a:t>Click to edit Master title style</a:t>
+            </a:r>
+          </a:p>
+        </p:txBody>
+      </p:sp>
+      <p:sp>
+        <p:nvSpPr>
+          <p:cNvPr id="3" name="Content Placeholder 2"/>
+          <p:cNvSpPr>
+            <a:spLocks noGrp="1"/>
+          </p:cNvSpPr>
+          <p:nvPr>
+            <p:ph idx="1"/>
+          </p:nvPr>
+        </p:nvSpPr>
+        <p:spPr/>
+        <p:txBody>
+          <a:bodyPr/>
+          <a:lstStyle/>
+          <a:p>
+            <a:pPr lvl="0"/>
+            <a:r>
+              <a:rPr lang="en-US"/>
+              <a:t>Click to edit Master text styles</a:t>
+            </a:r>
+          </a:p>
+          <a:p>
+            <a:pPr lvl="1"/>
+            <a:r>
+              <a:rPr lang="en-US"/>
+              <a:t>Second level</a:t>
+            </a:r>
+          </a:p>
+          <a:p>
+            <a:pPr lvl="2"/>
+            <a:r>
+              <a:rPr lang="en-US"/>
+              <a:t>Third level</a:t>
+            </a:r>
+          </a:p>
+          <a:p>
+            <a:pPr lvl="3"/>
+            <a:r>
+              <a:rPr lang="en-US"/>
+              <a:t>Fourth level</a:t>
+            </a:r>
+          </a:p>
+          <a:p>
+            <a:pPr lvl="4"/>
+            <a:r>
+              <a:rPr lang="en-US"/>
+              <a:t>Fifth level</a:t>
+            </a:r>
+          </a:p>
+        </p:txBody>
+      </p:sp>
+      <p:sp>
+        <p:nvSpPr>
+          <p:cNvPr id="4" name="Date Placeholder 3"/>
+          <p:cNvSpPr>
+            <a:spLocks noGrp="1"/>
+          </p:cNvSpPr>
+          <p:nvPr>
+            <p:ph type="dt" sz="half" idx="10"/>
+          </p:nvPr>
+        </p:nvSpPr>
+        <p:spPr/>
+        <p:txBody>
+          <a:bodyPr/>
+          <a:lstStyle/>
+          <a:p>
+            <a:fld id="{0583BE9D-294E-419B-AA51-BB7BF28F4F06}" type="datetimeFigureOut">
+              <a:rPr lang="en-US" smtClean="0"/>
+              <a:t>3/22/17</a:t>
+            </a:fld>
+            <a:endParaRPr lang="en-US"/>
+          </a:p>
+        </p:txBody>
+      </p:sp>
+      <p:sp>
+        <p:nvSpPr>
+          <p:cNvPr id="5" name="Footer Placeholder 4"/>
+          <p:cNvSpPr>
+            <a:spLocks noGrp="1"/>
+          </p:cNvSpPr>
+          <p:nvPr>
+            <p:ph type="ftr" sz="quarter" idx="11"/>
+          </p:nvPr>
+        </p:nvSpPr>
+        <p:spPr/>
+        <p:txBody>
+          <a:bodyPr/>
+          <a:lstStyle/>
+          <a:p>
+            <a:endParaRPr lang="en-US"/>
+          </a:p>
+        </p:txBody>
+      </p:sp>
+      <p:sp>
+        <p:nvSpPr>
+          <p:cNvPr id="6" name="Slide Number Placeholder 5"/>
+          <p:cNvSpPr>
+            <a:spLocks noGrp="1"/>
+          </p:cNvSpPr>
+          <p:nvPr>
+            <p:ph type="sldNum" sz="quarter" idx="12"/>
+          </p:nvPr>
+        </p:nvSpPr>
+        <p:spPr/>
+        <p:txBody>
+          <a:bodyPr/>
+          <a:lstStyle/>
+          <a:p>
+            <a:fld id="{6A6620E5-095D-4D76-A479-961FD5302CA4}" type="slidenum">
+              <a:rPr lang="en-US" smtClean="0"/>
+              <a:t>‹#›</a:t>
+            </a:fld>
+            <a:endParaRPr lang="en-US"/>
+          </a:p>
+        </p:txBody>
+      </p:sp>
+    </p:spTree>
+    <p:extLst>
+      <p:ext uri="{BB962C8B-B14F-4D97-AF65-F5344CB8AC3E}">
+        <p14:creationId xmlns:p14="http://schemas.microsoft.com/office/powerpoint/2010/main" val="1130171705"/>
+      </p:ext>
+    </p:extLst>
+  </p:cSld>
+  <p:clrMapOvr>
+    <a:masterClrMapping/>
+  </p:clrMapOvr>
+</p:sldLayout>
+</file>
+
+<file path=ppt/slideLayouts/slideLayout14.xml><?xml version="1.0" encoding="utf-8"?>
+<p:sldLayout xmlns:a="http://schemas.openxmlformats.org/drawingml/2006/main" xmlns:r="http://schemas.openxmlformats.org/officeDocument/2006/relationships" xmlns:p="http://schemas.openxmlformats.org/presentationml/2006/main" type="secHead" preserve="1">
+  <p:cSld name="Section Header">
+    <p:spTree>
+      <p:nvGrpSpPr>
+        <p:cNvPr id="1" name=""/>
+        <p:cNvGrpSpPr/>
+        <p:nvPr/>
+      </p:nvGrpSpPr>
+      <p:grpSpPr>
+        <a:xfrm>
+          <a:off x="0" y="0"/>
+          <a:ext cx="0" cy="0"/>
+          <a:chOff x="0" y="0"/>
+          <a:chExt cx="0" cy="0"/>
+        </a:xfrm>
+      </p:grpSpPr>
+      <p:sp>
+        <p:nvSpPr>
+          <p:cNvPr id="2" name="Title 1"/>
+          <p:cNvSpPr>
+            <a:spLocks noGrp="1"/>
+          </p:cNvSpPr>
+          <p:nvPr>
+            <p:ph type="title"/>
+          </p:nvPr>
+        </p:nvSpPr>
+        <p:spPr>
+          <a:xfrm>
+            <a:off x="831850" y="1709738"/>
+            <a:ext cx="10515600" cy="2852737"/>
+          </a:xfrm>
+        </p:spPr>
+        <p:txBody>
+          <a:bodyPr anchor="b"/>
+          <a:lstStyle>
+            <a:lvl1pPr>
+              <a:defRPr sz="6000"/>
+            </a:lvl1pPr>
+          </a:lstStyle>
+          <a:p>
+            <a:r>
+              <a:rPr lang="en-US"/>
+              <a:t>Click to edit Master title style</a:t>
+            </a:r>
+          </a:p>
+        </p:txBody>
+      </p:sp>
+      <p:sp>
+        <p:nvSpPr>
+          <p:cNvPr id="3" name="Text Placeholder 2"/>
+          <p:cNvSpPr>
+            <a:spLocks noGrp="1"/>
+          </p:cNvSpPr>
+          <p:nvPr>
+            <p:ph type="body" idx="1"/>
+          </p:nvPr>
+        </p:nvSpPr>
+        <p:spPr>
+          <a:xfrm>
+            <a:off x="831850" y="4589463"/>
+            <a:ext cx="10515600" cy="1500187"/>
+          </a:xfrm>
+        </p:spPr>
+        <p:txBody>
+          <a:bodyPr/>
+          <a:lstStyle>
+            <a:lvl1pPr marL="0" indent="0">
+              <a:buNone/>
+              <a:defRPr sz="2400">
+                <a:solidFill>
+                  <a:schemeClr val="tx1">
+                    <a:tint val="75000"/>
+                  </a:schemeClr>
+                </a:solidFill>
+              </a:defRPr>
+            </a:lvl1pPr>
+            <a:lvl2pPr marL="457200" indent="0">
+              <a:buNone/>
+              <a:defRPr sz="2000">
+                <a:solidFill>
+                  <a:schemeClr val="tx1">
+                    <a:tint val="75000"/>
+                  </a:schemeClr>
+                </a:solidFill>
+              </a:defRPr>
+            </a:lvl2pPr>
+            <a:lvl3pPr marL="914400" indent="0">
+              <a:buNone/>
+              <a:defRPr sz="1800">
+                <a:solidFill>
+                  <a:schemeClr val="tx1">
+                    <a:tint val="75000"/>
+                  </a:schemeClr>
+                </a:solidFill>
+              </a:defRPr>
+            </a:lvl3pPr>
+            <a:lvl4pPr marL="1371600" indent="0">
+              <a:buNone/>
+              <a:defRPr sz="1600">
+                <a:solidFill>
+                  <a:schemeClr val="tx1">
+                    <a:tint val="75000"/>
+                  </a:schemeClr>
+                </a:solidFill>
+              </a:defRPr>
+            </a:lvl4pPr>
+            <a:lvl5pPr marL="1828800" indent="0">
+              <a:buNone/>
+              <a:defRPr sz="1600">
+                <a:solidFill>
+                  <a:schemeClr val="tx1">
+                    <a:tint val="75000"/>
+                  </a:schemeClr>
+                </a:solidFill>
+              </a:defRPr>
+            </a:lvl5pPr>
+            <a:lvl6pPr marL="2286000" indent="0">
+              <a:buNone/>
+              <a:defRPr sz="1600">
+                <a:solidFill>
+                  <a:schemeClr val="tx1">
+                    <a:tint val="75000"/>
+                  </a:schemeClr>
+                </a:solidFill>
+              </a:defRPr>
+            </a:lvl6pPr>
+            <a:lvl7pPr marL="2743200" indent="0">
+              <a:buNone/>
+              <a:defRPr sz="1600">
+                <a:solidFill>
+                  <a:schemeClr val="tx1">
+                    <a:tint val="75000"/>
+                  </a:schemeClr>
+                </a:solidFill>
+              </a:defRPr>
+            </a:lvl7pPr>
+            <a:lvl8pPr marL="3200400" indent="0">
+              <a:buNone/>
+              <a:defRPr sz="1600">
+                <a:solidFill>
+                  <a:schemeClr val="tx1">
+                    <a:tint val="75000"/>
+                  </a:schemeClr>
+                </a:solidFill>
+              </a:defRPr>
+            </a:lvl8pPr>
+            <a:lvl9pPr marL="3657600" indent="0">
+              <a:buNone/>
+              <a:defRPr sz="1600">
+                <a:solidFill>
+                  <a:schemeClr val="tx1">
+                    <a:tint val="75000"/>
+                  </a:schemeClr>
+                </a:solidFill>
+              </a:defRPr>
+            </a:lvl9pPr>
+          </a:lstStyle>
+          <a:p>
+            <a:pPr lvl="0"/>
+            <a:r>
+              <a:rPr lang="en-US"/>
+              <a:t>Click to edit Master text styles</a:t>
+            </a:r>
+          </a:p>
+        </p:txBody>
+      </p:sp>
+      <p:sp>
+        <p:nvSpPr>
+          <p:cNvPr id="4" name="Date Placeholder 3"/>
+          <p:cNvSpPr>
+            <a:spLocks noGrp="1"/>
+          </p:cNvSpPr>
+          <p:nvPr>
+            <p:ph type="dt" sz="half" idx="10"/>
+          </p:nvPr>
+        </p:nvSpPr>
+        <p:spPr/>
+        <p:txBody>
+          <a:bodyPr/>
+          <a:lstStyle/>
+          <a:p>
+            <a:fld id="{0583BE9D-294E-419B-AA51-BB7BF28F4F06}" type="datetimeFigureOut">
+              <a:rPr lang="en-US" smtClean="0"/>
+              <a:t>3/22/17</a:t>
+            </a:fld>
+            <a:endParaRPr lang="en-US"/>
+          </a:p>
+        </p:txBody>
+      </p:sp>
+      <p:sp>
+        <p:nvSpPr>
+          <p:cNvPr id="5" name="Footer Placeholder 4"/>
+          <p:cNvSpPr>
+            <a:spLocks noGrp="1"/>
+          </p:cNvSpPr>
+          <p:nvPr>
+            <p:ph type="ftr" sz="quarter" idx="11"/>
+          </p:nvPr>
+        </p:nvSpPr>
+        <p:spPr/>
+        <p:txBody>
+          <a:bodyPr/>
+          <a:lstStyle/>
+          <a:p>
+            <a:endParaRPr lang="en-US"/>
+          </a:p>
+        </p:txBody>
+      </p:sp>
+      <p:sp>
+        <p:nvSpPr>
+          <p:cNvPr id="6" name="Slide Number Placeholder 5"/>
+          <p:cNvSpPr>
+            <a:spLocks noGrp="1"/>
+          </p:cNvSpPr>
+          <p:nvPr>
+            <p:ph type="sldNum" sz="quarter" idx="12"/>
+          </p:nvPr>
+        </p:nvSpPr>
+        <p:spPr/>
+        <p:txBody>
+          <a:bodyPr/>
+          <a:lstStyle/>
+          <a:p>
+            <a:fld id="{6A6620E5-095D-4D76-A479-961FD5302CA4}" type="slidenum">
+              <a:rPr lang="en-US" smtClean="0"/>
+              <a:t>‹#›</a:t>
+            </a:fld>
+            <a:endParaRPr lang="en-US"/>
+          </a:p>
+        </p:txBody>
+      </p:sp>
+    </p:spTree>
+    <p:extLst>
+      <p:ext uri="{BB962C8B-B14F-4D97-AF65-F5344CB8AC3E}">
+        <p14:creationId xmlns:p14="http://schemas.microsoft.com/office/powerpoint/2010/main" val="2247647633"/>
+      </p:ext>
+    </p:extLst>
+  </p:cSld>
+  <p:clrMapOvr>
+    <a:masterClrMapping/>
+  </p:clrMapOvr>
+</p:sldLayout>
+</file>
+
+<file path=ppt/slideLayouts/slideLayout15.xml><?xml version="1.0" encoding="utf-8"?>
+<p:sldLayout xmlns:a="http://schemas.openxmlformats.org/drawingml/2006/main" xmlns:r="http://schemas.openxmlformats.org/officeDocument/2006/relationships" xmlns:p="http://schemas.openxmlformats.org/presentationml/2006/main" type="twoObj" preserve="1">
+  <p:cSld name="Two Content">
+    <p:spTree>
+      <p:nvGrpSpPr>
+        <p:cNvPr id="1" name=""/>
+        <p:cNvGrpSpPr/>
+        <p:nvPr/>
+      </p:nvGrpSpPr>
+      <p:grpSpPr>
+        <a:xfrm>
+          <a:off x="0" y="0"/>
+          <a:ext cx="0" cy="0"/>
+          <a:chOff x="0" y="0"/>
+          <a:chExt cx="0" cy="0"/>
+        </a:xfrm>
+      </p:grpSpPr>
+      <p:sp>
+        <p:nvSpPr>
+          <p:cNvPr id="2" name="Title 1"/>
+          <p:cNvSpPr>
+            <a:spLocks noGrp="1"/>
+          </p:cNvSpPr>
+          <p:nvPr>
+            <p:ph type="title"/>
+          </p:nvPr>
+        </p:nvSpPr>
+        <p:spPr/>
+        <p:txBody>
+          <a:bodyPr/>
+          <a:lstStyle/>
+          <a:p>
+            <a:r>
+              <a:rPr lang="en-US"/>
+              <a:t>Click to edit Master title style</a:t>
+            </a:r>
+          </a:p>
+        </p:txBody>
+      </p:sp>
+      <p:sp>
+        <p:nvSpPr>
+          <p:cNvPr id="3" name="Content Placeholder 2"/>
+          <p:cNvSpPr>
+            <a:spLocks noGrp="1"/>
+          </p:cNvSpPr>
+          <p:nvPr>
+            <p:ph sz="half" idx="1"/>
+          </p:nvPr>
+        </p:nvSpPr>
+        <p:spPr>
+          <a:xfrm>
+            <a:off x="838200" y="1825625"/>
+            <a:ext cx="5181600" cy="4351338"/>
+          </a:xfrm>
+        </p:spPr>
+        <p:txBody>
+          <a:bodyPr/>
+          <a:lstStyle/>
+          <a:p>
+            <a:pPr lvl="0"/>
+            <a:r>
+              <a:rPr lang="en-US"/>
+              <a:t>Click to edit Master text styles</a:t>
+            </a:r>
+          </a:p>
+          <a:p>
+            <a:pPr lvl="1"/>
+            <a:r>
+              <a:rPr lang="en-US"/>
+              <a:t>Second level</a:t>
+            </a:r>
+          </a:p>
+          <a:p>
+            <a:pPr lvl="2"/>
+            <a:r>
+              <a:rPr lang="en-US"/>
+              <a:t>Third level</a:t>
+            </a:r>
+          </a:p>
+          <a:p>
+            <a:pPr lvl="3"/>
+            <a:r>
+              <a:rPr lang="en-US"/>
+              <a:t>Fourth level</a:t>
+            </a:r>
+          </a:p>
+          <a:p>
+            <a:pPr lvl="4"/>
+            <a:r>
+              <a:rPr lang="en-US"/>
+              <a:t>Fifth level</a:t>
+            </a:r>
+          </a:p>
+        </p:txBody>
+      </p:sp>
+      <p:sp>
+        <p:nvSpPr>
+          <p:cNvPr id="4" name="Content Placeholder 3"/>
+          <p:cNvSpPr>
+            <a:spLocks noGrp="1"/>
+          </p:cNvSpPr>
+          <p:nvPr>
+            <p:ph sz="half" idx="2"/>
+          </p:nvPr>
+        </p:nvSpPr>
+        <p:spPr>
+          <a:xfrm>
+            <a:off x="6172200" y="1825625"/>
+            <a:ext cx="5181600" cy="4351338"/>
+          </a:xfrm>
+        </p:spPr>
+        <p:txBody>
+          <a:bodyPr/>
+          <a:lstStyle/>
+          <a:p>
+            <a:pPr lvl="0"/>
+            <a:r>
+              <a:rPr lang="en-US"/>
+              <a:t>Click to edit Master text styles</a:t>
+            </a:r>
+          </a:p>
+          <a:p>
+            <a:pPr lvl="1"/>
+            <a:r>
+              <a:rPr lang="en-US"/>
+              <a:t>Second level</a:t>
+            </a:r>
+          </a:p>
+          <a:p>
+            <a:pPr lvl="2"/>
+            <a:r>
+              <a:rPr lang="en-US"/>
+              <a:t>Third level</a:t>
+            </a:r>
+          </a:p>
+          <a:p>
+            <a:pPr lvl="3"/>
+            <a:r>
+              <a:rPr lang="en-US"/>
+              <a:t>Fourth level</a:t>
+            </a:r>
+          </a:p>
+          <a:p>
+            <a:pPr lvl="4"/>
+            <a:r>
+              <a:rPr lang="en-US"/>
+              <a:t>Fifth level</a:t>
+            </a:r>
+          </a:p>
+        </p:txBody>
+      </p:sp>
+      <p:sp>
+        <p:nvSpPr>
+          <p:cNvPr id="5" name="Date Placeholder 4"/>
+          <p:cNvSpPr>
+            <a:spLocks noGrp="1"/>
+          </p:cNvSpPr>
+          <p:nvPr>
+            <p:ph type="dt" sz="half" idx="10"/>
+          </p:nvPr>
+        </p:nvSpPr>
+        <p:spPr/>
+        <p:txBody>
+          <a:bodyPr/>
+          <a:lstStyle/>
+          <a:p>
+            <a:fld id="{0583BE9D-294E-419B-AA51-BB7BF28F4F06}" type="datetimeFigureOut">
+              <a:rPr lang="en-US" smtClean="0"/>
+              <a:t>3/22/17</a:t>
+            </a:fld>
+            <a:endParaRPr lang="en-US"/>
+          </a:p>
+        </p:txBody>
+      </p:sp>
+      <p:sp>
+        <p:nvSpPr>
+          <p:cNvPr id="6" name="Footer Placeholder 5"/>
+          <p:cNvSpPr>
+            <a:spLocks noGrp="1"/>
+          </p:cNvSpPr>
+          <p:nvPr>
+            <p:ph type="ftr" sz="quarter" idx="11"/>
+          </p:nvPr>
+        </p:nvSpPr>
+        <p:spPr/>
+        <p:txBody>
+          <a:bodyPr/>
+          <a:lstStyle/>
+          <a:p>
+            <a:endParaRPr lang="en-US"/>
+          </a:p>
+        </p:txBody>
+      </p:sp>
+      <p:sp>
+        <p:nvSpPr>
+          <p:cNvPr id="7" name="Slide Number Placeholder 6"/>
+          <p:cNvSpPr>
+            <a:spLocks noGrp="1"/>
+          </p:cNvSpPr>
+          <p:nvPr>
+            <p:ph type="sldNum" sz="quarter" idx="12"/>
+          </p:nvPr>
+        </p:nvSpPr>
+        <p:spPr/>
+        <p:txBody>
+          <a:bodyPr/>
+          <a:lstStyle/>
+          <a:p>
+            <a:fld id="{6A6620E5-095D-4D76-A479-961FD5302CA4}" type="slidenum">
+              <a:rPr lang="en-US" smtClean="0"/>
+              <a:t>‹#›</a:t>
+            </a:fld>
+            <a:endParaRPr lang="en-US"/>
+          </a:p>
+        </p:txBody>
+      </p:sp>
+    </p:spTree>
+    <p:extLst>
+      <p:ext uri="{BB962C8B-B14F-4D97-AF65-F5344CB8AC3E}">
+        <p14:creationId xmlns:p14="http://schemas.microsoft.com/office/powerpoint/2010/main" val="3661459353"/>
+      </p:ext>
+    </p:extLst>
+  </p:cSld>
+  <p:clrMapOvr>
+    <a:masterClrMapping/>
+  </p:clrMapOvr>
+</p:sldLayout>
+</file>
+
+<file path=ppt/slideLayouts/slideLayout16.xml><?xml version="1.0" encoding="utf-8"?>
+<p:sldLayout xmlns:a="http://schemas.openxmlformats.org/drawingml/2006/main" xmlns:r="http://schemas.openxmlformats.org/officeDocument/2006/relationships" xmlns:p="http://schemas.openxmlformats.org/presentationml/2006/main" type="twoTxTwoObj" preserve="1">
+  <p:cSld name="Comparison">
+    <p:spTree>
+      <p:nvGrpSpPr>
+        <p:cNvPr id="1" name=""/>
+        <p:cNvGrpSpPr/>
+        <p:nvPr/>
+      </p:nvGrpSpPr>
+      <p:grpSpPr>
+        <a:xfrm>
+          <a:off x="0" y="0"/>
+          <a:ext cx="0" cy="0"/>
+          <a:chOff x="0" y="0"/>
+          <a:chExt cx="0" cy="0"/>
+        </a:xfrm>
+      </p:grpSpPr>
+      <p:sp>
+        <p:nvSpPr>
+          <p:cNvPr id="2" name="Title 1"/>
+          <p:cNvSpPr>
+            <a:spLocks noGrp="1"/>
+          </p:cNvSpPr>
+          <p:nvPr>
+            <p:ph type="title"/>
+          </p:nvPr>
+        </p:nvSpPr>
+        <p:spPr>
+          <a:xfrm>
+            <a:off x="839788" y="365125"/>
+            <a:ext cx="10515600" cy="1325563"/>
+          </a:xfrm>
+        </p:spPr>
+        <p:txBody>
+          <a:bodyPr/>
+          <a:lstStyle/>
+          <a:p>
+            <a:r>
+              <a:rPr lang="en-US"/>
+              <a:t>Click to edit Master title style</a:t>
+            </a:r>
+          </a:p>
+        </p:txBody>
+      </p:sp>
+      <p:sp>
+        <p:nvSpPr>
+          <p:cNvPr id="3" name="Text Placeholder 2"/>
+          <p:cNvSpPr>
+            <a:spLocks noGrp="1"/>
+          </p:cNvSpPr>
+          <p:nvPr>
+            <p:ph type="body" idx="1"/>
+          </p:nvPr>
+        </p:nvSpPr>
+        <p:spPr>
+          <a:xfrm>
+            <a:off x="839788" y="1681163"/>
+            <a:ext cx="5157787" cy="823912"/>
+          </a:xfrm>
+        </p:spPr>
+        <p:txBody>
+          <a:bodyPr anchor="b"/>
+          <a:lstStyle>
+            <a:lvl1pPr marL="0" indent="0">
+              <a:buNone/>
+              <a:defRPr sz="2400" b="1"/>
+            </a:lvl1pPr>
+            <a:lvl2pPr marL="457200" indent="0">
+              <a:buNone/>
+              <a:defRPr sz="2000" b="1"/>
+            </a:lvl2pPr>
+            <a:lvl3pPr marL="914400" indent="0">
+              <a:buNone/>
+              <a:defRPr sz="1800" b="1"/>
+            </a:lvl3pPr>
+            <a:lvl4pPr marL="1371600" indent="0">
+              <a:buNone/>
+              <a:defRPr sz="1600" b="1"/>
+            </a:lvl4pPr>
+            <a:lvl5pPr marL="1828800" indent="0">
+              <a:buNone/>
+              <a:defRPr sz="1600" b="1"/>
+            </a:lvl5pPr>
+            <a:lvl6pPr marL="2286000" indent="0">
+              <a:buNone/>
+              <a:defRPr sz="1600" b="1"/>
+            </a:lvl6pPr>
+            <a:lvl7pPr marL="2743200" indent="0">
+              <a:buNone/>
+              <a:defRPr sz="1600" b="1"/>
+            </a:lvl7pPr>
+            <a:lvl8pPr marL="3200400" indent="0">
+              <a:buNone/>
+              <a:defRPr sz="1600" b="1"/>
+            </a:lvl8pPr>
+            <a:lvl9pPr marL="3657600" indent="0">
+              <a:buNone/>
+              <a:defRPr sz="1600" b="1"/>
+            </a:lvl9pPr>
+          </a:lstStyle>
+          <a:p>
+            <a:pPr lvl="0"/>
+            <a:r>
+              <a:rPr lang="en-US"/>
+              <a:t>Click to edit Master text styles</a:t>
+            </a:r>
+          </a:p>
+        </p:txBody>
+      </p:sp>
+      <p:sp>
+        <p:nvSpPr>
+          <p:cNvPr id="4" name="Content Placeholder 3"/>
+          <p:cNvSpPr>
+            <a:spLocks noGrp="1"/>
+          </p:cNvSpPr>
+          <p:nvPr>
+            <p:ph sz="half" idx="2"/>
+          </p:nvPr>
+        </p:nvSpPr>
+        <p:spPr>
+          <a:xfrm>
+            <a:off x="839788" y="2505075"/>
+            <a:ext cx="5157787" cy="3684588"/>
+          </a:xfrm>
+        </p:spPr>
+        <p:txBody>
+          <a:bodyPr/>
+          <a:lstStyle/>
+          <a:p>
+            <a:pPr lvl="0"/>
+            <a:r>
+              <a:rPr lang="en-US"/>
+              <a:t>Click to edit Master text styles</a:t>
+            </a:r>
+          </a:p>
+          <a:p>
+            <a:pPr lvl="1"/>
+            <a:r>
+              <a:rPr lang="en-US"/>
+              <a:t>Second level</a:t>
+            </a:r>
+          </a:p>
+          <a:p>
+            <a:pPr lvl="2"/>
+            <a:r>
+              <a:rPr lang="en-US"/>
+              <a:t>Third level</a:t>
+            </a:r>
+          </a:p>
+          <a:p>
+            <a:pPr lvl="3"/>
+            <a:r>
+              <a:rPr lang="en-US"/>
+              <a:t>Fourth level</a:t>
+            </a:r>
+          </a:p>
+          <a:p>
+            <a:pPr lvl="4"/>
+            <a:r>
+              <a:rPr lang="en-US"/>
+              <a:t>Fifth level</a:t>
+            </a:r>
+          </a:p>
+        </p:txBody>
+      </p:sp>
+      <p:sp>
+        <p:nvSpPr>
+          <p:cNvPr id="5" name="Text Placeholder 4"/>
+          <p:cNvSpPr>
+            <a:spLocks noGrp="1"/>
+          </p:cNvSpPr>
+          <p:nvPr>
+            <p:ph type="body" sz="quarter" idx="3"/>
+          </p:nvPr>
+        </p:nvSpPr>
+        <p:spPr>
+          <a:xfrm>
+            <a:off x="6172200" y="1681163"/>
+            <a:ext cx="5183188" cy="823912"/>
+          </a:xfrm>
+        </p:spPr>
+        <p:txBody>
+          <a:bodyPr anchor="b"/>
+          <a:lstStyle>
+            <a:lvl1pPr marL="0" indent="0">
+              <a:buNone/>
+              <a:defRPr sz="2400" b="1"/>
+            </a:lvl1pPr>
+            <a:lvl2pPr marL="457200" indent="0">
+              <a:buNone/>
+              <a:defRPr sz="2000" b="1"/>
+            </a:lvl2pPr>
+            <a:lvl3pPr marL="914400" indent="0">
+              <a:buNone/>
+              <a:defRPr sz="1800" b="1"/>
+            </a:lvl3pPr>
+            <a:lvl4pPr marL="1371600" indent="0">
+              <a:buNone/>
+              <a:defRPr sz="1600" b="1"/>
+            </a:lvl4pPr>
+            <a:lvl5pPr marL="1828800" indent="0">
+              <a:buNone/>
+              <a:defRPr sz="1600" b="1"/>
+            </a:lvl5pPr>
+            <a:lvl6pPr marL="2286000" indent="0">
+              <a:buNone/>
+              <a:defRPr sz="1600" b="1"/>
+            </a:lvl6pPr>
+            <a:lvl7pPr marL="2743200" indent="0">
+              <a:buNone/>
+              <a:defRPr sz="1600" b="1"/>
+            </a:lvl7pPr>
+            <a:lvl8pPr marL="3200400" indent="0">
+              <a:buNone/>
+              <a:defRPr sz="1600" b="1"/>
+            </a:lvl8pPr>
+            <a:lvl9pPr marL="3657600" indent="0">
+              <a:buNone/>
+              <a:defRPr sz="1600" b="1"/>
+            </a:lvl9pPr>
+          </a:lstStyle>
+          <a:p>
+            <a:pPr lvl="0"/>
+            <a:r>
+              <a:rPr lang="en-US"/>
+              <a:t>Click to edit Master text styles</a:t>
+            </a:r>
+          </a:p>
+        </p:txBody>
+      </p:sp>
+      <p:sp>
+        <p:nvSpPr>
+          <p:cNvPr id="6" name="Content Placeholder 5"/>
+          <p:cNvSpPr>
+            <a:spLocks noGrp="1"/>
+          </p:cNvSpPr>
+          <p:nvPr>
+            <p:ph sz="quarter" idx="4"/>
+          </p:nvPr>
+        </p:nvSpPr>
+        <p:spPr>
+          <a:xfrm>
+            <a:off x="6172200" y="2505075"/>
+            <a:ext cx="5183188" cy="3684588"/>
+          </a:xfrm>
+        </p:spPr>
+        <p:txBody>
+          <a:bodyPr/>
+          <a:lstStyle/>
+          <a:p>
+            <a:pPr lvl="0"/>
+            <a:r>
+              <a:rPr lang="en-US"/>
+              <a:t>Click to edit Master text styles</a:t>
+            </a:r>
+          </a:p>
+          <a:p>
+            <a:pPr lvl="1"/>
+            <a:r>
+              <a:rPr lang="en-US"/>
+              <a:t>Second level</a:t>
+            </a:r>
+          </a:p>
+          <a:p>
+            <a:pPr lvl="2"/>
+            <a:r>
+              <a:rPr lang="en-US"/>
+              <a:t>Third level</a:t>
+            </a:r>
+          </a:p>
+          <a:p>
+            <a:pPr lvl="3"/>
+            <a:r>
+              <a:rPr lang="en-US"/>
+              <a:t>Fourth level</a:t>
+            </a:r>
+          </a:p>
+          <a:p>
+            <a:pPr lvl="4"/>
+            <a:r>
+              <a:rPr lang="en-US"/>
+              <a:t>Fifth level</a:t>
+            </a:r>
+          </a:p>
+        </p:txBody>
+      </p:sp>
+      <p:sp>
+        <p:nvSpPr>
+          <p:cNvPr id="7" name="Date Placeholder 6"/>
+          <p:cNvSpPr>
+            <a:spLocks noGrp="1"/>
+          </p:cNvSpPr>
+          <p:nvPr>
+            <p:ph type="dt" sz="half" idx="10"/>
+          </p:nvPr>
+        </p:nvSpPr>
+        <p:spPr/>
+        <p:txBody>
+          <a:bodyPr/>
+          <a:lstStyle/>
+          <a:p>
+            <a:fld id="{0583BE9D-294E-419B-AA51-BB7BF28F4F06}" type="datetimeFigureOut">
+              <a:rPr lang="en-US" smtClean="0"/>
+              <a:t>3/22/17</a:t>
+            </a:fld>
+            <a:endParaRPr lang="en-US"/>
+          </a:p>
+        </p:txBody>
+      </p:sp>
+      <p:sp>
+        <p:nvSpPr>
+          <p:cNvPr id="8" name="Footer Placeholder 7"/>
+          <p:cNvSpPr>
+            <a:spLocks noGrp="1"/>
+          </p:cNvSpPr>
+          <p:nvPr>
+            <p:ph type="ftr" sz="quarter" idx="11"/>
+          </p:nvPr>
+        </p:nvSpPr>
+        <p:spPr/>
+        <p:txBody>
+          <a:bodyPr/>
+          <a:lstStyle/>
+          <a:p>
+            <a:endParaRPr lang="en-US"/>
+          </a:p>
+        </p:txBody>
+      </p:sp>
+      <p:sp>
+        <p:nvSpPr>
+          <p:cNvPr id="9" name="Slide Number Placeholder 8"/>
+          <p:cNvSpPr>
+            <a:spLocks noGrp="1"/>
+          </p:cNvSpPr>
+          <p:nvPr>
+            <p:ph type="sldNum" sz="quarter" idx="12"/>
+          </p:nvPr>
+        </p:nvSpPr>
+        <p:spPr/>
+        <p:txBody>
+          <a:bodyPr/>
+          <a:lstStyle/>
+          <a:p>
+            <a:fld id="{6A6620E5-095D-4D76-A479-961FD5302CA4}" type="slidenum">
+              <a:rPr lang="en-US" smtClean="0"/>
+              <a:t>‹#›</a:t>
+            </a:fld>
+            <a:endParaRPr lang="en-US"/>
+          </a:p>
+        </p:txBody>
+      </p:sp>
+    </p:spTree>
+    <p:extLst>
+      <p:ext uri="{BB962C8B-B14F-4D97-AF65-F5344CB8AC3E}">
+        <p14:creationId xmlns:p14="http://schemas.microsoft.com/office/powerpoint/2010/main" val="936357364"/>
+      </p:ext>
+    </p:extLst>
+  </p:cSld>
+  <p:clrMapOvr>
+    <a:masterClrMapping/>
+  </p:clrMapOvr>
+</p:sldLayout>
+</file>
+
+<file path=ppt/slideLayouts/slideLayout17.xml><?xml version="1.0" encoding="utf-8"?>
+<p:sldLayout xmlns:a="http://schemas.openxmlformats.org/drawingml/2006/main" xmlns:r="http://schemas.openxmlformats.org/officeDocument/2006/relationships" xmlns:p="http://schemas.openxmlformats.org/presentationml/2006/main" type="titleOnly" preserve="1">
+  <p:cSld name="Title Only">
+    <p:spTree>
+      <p:nvGrpSpPr>
+        <p:cNvPr id="1" name=""/>
+        <p:cNvGrpSpPr/>
+        <p:nvPr/>
+      </p:nvGrpSpPr>
+      <p:grpSpPr>
+        <a:xfrm>
+          <a:off x="0" y="0"/>
+          <a:ext cx="0" cy="0"/>
+          <a:chOff x="0" y="0"/>
+          <a:chExt cx="0" cy="0"/>
+        </a:xfrm>
+      </p:grpSpPr>
+      <p:sp>
+        <p:nvSpPr>
+          <p:cNvPr id="2" name="Title 1"/>
+          <p:cNvSpPr>
+            <a:spLocks noGrp="1"/>
+          </p:cNvSpPr>
+          <p:nvPr>
+            <p:ph type="title"/>
+          </p:nvPr>
+        </p:nvSpPr>
+        <p:spPr/>
+        <p:txBody>
+          <a:bodyPr/>
+          <a:lstStyle/>
+          <a:p>
+            <a:r>
+              <a:rPr lang="en-US"/>
+              <a:t>Click to edit Master title style</a:t>
+            </a:r>
+          </a:p>
+        </p:txBody>
+      </p:sp>
+      <p:sp>
+        <p:nvSpPr>
+          <p:cNvPr id="3" name="Date Placeholder 2"/>
+          <p:cNvSpPr>
+            <a:spLocks noGrp="1"/>
+          </p:cNvSpPr>
+          <p:nvPr>
+            <p:ph type="dt" sz="half" idx="10"/>
+          </p:nvPr>
+        </p:nvSpPr>
+        <p:spPr/>
+        <p:txBody>
+          <a:bodyPr/>
+          <a:lstStyle/>
+          <a:p>
+            <a:fld id="{0583BE9D-294E-419B-AA51-BB7BF28F4F06}" type="datetimeFigureOut">
+              <a:rPr lang="en-US" smtClean="0"/>
+              <a:t>3/22/17</a:t>
+            </a:fld>
+            <a:endParaRPr lang="en-US"/>
+          </a:p>
+        </p:txBody>
+      </p:sp>
+      <p:sp>
+        <p:nvSpPr>
+          <p:cNvPr id="4" name="Footer Placeholder 3"/>
+          <p:cNvSpPr>
+            <a:spLocks noGrp="1"/>
+          </p:cNvSpPr>
+          <p:nvPr>
+            <p:ph type="ftr" sz="quarter" idx="11"/>
+          </p:nvPr>
+        </p:nvSpPr>
+        <p:spPr/>
+        <p:txBody>
+          <a:bodyPr/>
+          <a:lstStyle/>
+          <a:p>
+            <a:endParaRPr lang="en-US"/>
+          </a:p>
+        </p:txBody>
+      </p:sp>
+      <p:sp>
+        <p:nvSpPr>
+          <p:cNvPr id="5" name="Slide Number Placeholder 4"/>
+          <p:cNvSpPr>
+            <a:spLocks noGrp="1"/>
+          </p:cNvSpPr>
+          <p:nvPr>
+            <p:ph type="sldNum" sz="quarter" idx="12"/>
+          </p:nvPr>
+        </p:nvSpPr>
+        <p:spPr/>
+        <p:txBody>
+          <a:bodyPr/>
+          <a:lstStyle/>
+          <a:p>
+            <a:fld id="{6A6620E5-095D-4D76-A479-961FD5302CA4}" type="slidenum">
+              <a:rPr lang="en-US" smtClean="0"/>
+              <a:t>‹#›</a:t>
+            </a:fld>
+            <a:endParaRPr lang="en-US"/>
+          </a:p>
+        </p:txBody>
+      </p:sp>
+    </p:spTree>
+    <p:extLst>
+      <p:ext uri="{BB962C8B-B14F-4D97-AF65-F5344CB8AC3E}">
+        <p14:creationId xmlns:p14="http://schemas.microsoft.com/office/powerpoint/2010/main" val="3927428985"/>
+      </p:ext>
+    </p:extLst>
+  </p:cSld>
+  <p:clrMapOvr>
+    <a:masterClrMapping/>
+  </p:clrMapOvr>
+</p:sldLayout>
+</file>
+
+<file path=ppt/slideLayouts/slideLayout18.xml><?xml version="1.0" encoding="utf-8"?>
+<p:sldLayout xmlns:a="http://schemas.openxmlformats.org/drawingml/2006/main" xmlns:r="http://schemas.openxmlformats.org/officeDocument/2006/relationships" xmlns:p="http://schemas.openxmlformats.org/presentationml/2006/main" type="blank" preserve="1">
+  <p:cSld name="Blank">
+    <p:spTree>
+      <p:nvGrpSpPr>
+        <p:cNvPr id="1" name=""/>
+        <p:cNvGrpSpPr/>
+        <p:nvPr/>
+      </p:nvGrpSpPr>
+      <p:grpSpPr>
+        <a:xfrm>
+          <a:off x="0" y="0"/>
+          <a:ext cx="0" cy="0"/>
+          <a:chOff x="0" y="0"/>
+          <a:chExt cx="0" cy="0"/>
+        </a:xfrm>
+      </p:grpSpPr>
+      <p:sp>
+        <p:nvSpPr>
+          <p:cNvPr id="2" name="Date Placeholder 1"/>
+          <p:cNvSpPr>
+            <a:spLocks noGrp="1"/>
+          </p:cNvSpPr>
+          <p:nvPr>
+            <p:ph type="dt" sz="half" idx="10"/>
+          </p:nvPr>
+        </p:nvSpPr>
+        <p:spPr/>
+        <p:txBody>
+          <a:bodyPr/>
+          <a:lstStyle/>
+          <a:p>
+            <a:fld id="{0583BE9D-294E-419B-AA51-BB7BF28F4F06}" type="datetimeFigureOut">
+              <a:rPr lang="en-US" smtClean="0"/>
+              <a:t>3/22/17</a:t>
+            </a:fld>
+            <a:endParaRPr lang="en-US"/>
+          </a:p>
+        </p:txBody>
+      </p:sp>
+      <p:sp>
+        <p:nvSpPr>
+          <p:cNvPr id="3" name="Footer Placeholder 2"/>
+          <p:cNvSpPr>
+            <a:spLocks noGrp="1"/>
+          </p:cNvSpPr>
+          <p:nvPr>
+            <p:ph type="ftr" sz="quarter" idx="11"/>
+          </p:nvPr>
+        </p:nvSpPr>
+        <p:spPr/>
+        <p:txBody>
+          <a:bodyPr/>
+          <a:lstStyle/>
+          <a:p>
+            <a:endParaRPr lang="en-US"/>
+          </a:p>
+        </p:txBody>
+      </p:sp>
+      <p:sp>
+        <p:nvSpPr>
+          <p:cNvPr id="4" name="Slide Number Placeholder 3"/>
+          <p:cNvSpPr>
+            <a:spLocks noGrp="1"/>
+          </p:cNvSpPr>
+          <p:nvPr>
+            <p:ph type="sldNum" sz="quarter" idx="12"/>
+          </p:nvPr>
+        </p:nvSpPr>
+        <p:spPr/>
+        <p:txBody>
+          <a:bodyPr/>
+          <a:lstStyle/>
+          <a:p>
+            <a:fld id="{6A6620E5-095D-4D76-A479-961FD5302CA4}" type="slidenum">
+              <a:rPr lang="en-US" smtClean="0"/>
+              <a:t>‹#›</a:t>
+            </a:fld>
+            <a:endParaRPr lang="en-US"/>
+          </a:p>
+        </p:txBody>
+      </p:sp>
+    </p:spTree>
+    <p:extLst>
+      <p:ext uri="{BB962C8B-B14F-4D97-AF65-F5344CB8AC3E}">
+        <p14:creationId xmlns:p14="http://schemas.microsoft.com/office/powerpoint/2010/main" val="602464998"/>
+      </p:ext>
+    </p:extLst>
+  </p:cSld>
+  <p:clrMapOvr>
+    <a:masterClrMapping/>
+  </p:clrMapOvr>
+</p:sldLayout>
+</file>
+
+<file path=ppt/slideLayouts/slideLayout19.xml><?xml version="1.0" encoding="utf-8"?>
+<p:sldLayout xmlns:a="http://schemas.openxmlformats.org/drawingml/2006/main" xmlns:r="http://schemas.openxmlformats.org/officeDocument/2006/relationships" xmlns:p="http://schemas.openxmlformats.org/presentationml/2006/main" type="objTx" preserve="1">
+  <p:cSld name="Content with Caption">
+    <p:spTree>
+      <p:nvGrpSpPr>
+        <p:cNvPr id="1" name=""/>
+        <p:cNvGrpSpPr/>
+        <p:nvPr/>
+      </p:nvGrpSpPr>
+      <p:grpSpPr>
+        <a:xfrm>
+          <a:off x="0" y="0"/>
+          <a:ext cx="0" cy="0"/>
+          <a:chOff x="0" y="0"/>
+          <a:chExt cx="0" cy="0"/>
+        </a:xfrm>
+      </p:grpSpPr>
+      <p:sp>
+        <p:nvSpPr>
+          <p:cNvPr id="2" name="Title 1"/>
+          <p:cNvSpPr>
+            <a:spLocks noGrp="1"/>
+          </p:cNvSpPr>
+          <p:nvPr>
+            <p:ph type="title"/>
+          </p:nvPr>
+        </p:nvSpPr>
+        <p:spPr>
+          <a:xfrm>
+            <a:off x="839788" y="457200"/>
+            <a:ext cx="3932237" cy="1600200"/>
+          </a:xfrm>
+        </p:spPr>
+        <p:txBody>
+          <a:bodyPr anchor="b"/>
+          <a:lstStyle>
+            <a:lvl1pPr>
+              <a:defRPr sz="3200"/>
+            </a:lvl1pPr>
+          </a:lstStyle>
+          <a:p>
+            <a:r>
+              <a:rPr lang="en-US"/>
+              <a:t>Click to edit Master title style</a:t>
+            </a:r>
+          </a:p>
+        </p:txBody>
+      </p:sp>
+      <p:sp>
+        <p:nvSpPr>
+          <p:cNvPr id="3" name="Content Placeholder 2"/>
+          <p:cNvSpPr>
+            <a:spLocks noGrp="1"/>
+          </p:cNvSpPr>
+          <p:nvPr>
+            <p:ph idx="1"/>
+          </p:nvPr>
+        </p:nvSpPr>
+        <p:spPr>
+          <a:xfrm>
+            <a:off x="5183188" y="987425"/>
+            <a:ext cx="6172200" cy="4873625"/>
+          </a:xfrm>
+        </p:spPr>
+        <p:txBody>
+          <a:bodyPr/>
+          <a:lstStyle>
+            <a:lvl1pPr>
+              <a:defRPr sz="3200"/>
+            </a:lvl1pPr>
+            <a:lvl2pPr>
+              <a:defRPr sz="2800"/>
+            </a:lvl2pPr>
+            <a:lvl3pPr>
+              <a:defRPr sz="2400"/>
+            </a:lvl3pPr>
+            <a:lvl4pPr>
+              <a:defRPr sz="2000"/>
+            </a:lvl4pPr>
+            <a:lvl5pPr>
+              <a:defRPr sz="2000"/>
+            </a:lvl5pPr>
+            <a:lvl6pPr>
+              <a:defRPr sz="2000"/>
+            </a:lvl6pPr>
+            <a:lvl7pPr>
+              <a:defRPr sz="2000"/>
+            </a:lvl7pPr>
+            <a:lvl8pPr>
+              <a:defRPr sz="2000"/>
+            </a:lvl8pPr>
+            <a:lvl9pPr>
+              <a:defRPr sz="2000"/>
+            </a:lvl9pPr>
+          </a:lstStyle>
+          <a:p>
+            <a:pPr lvl="0"/>
+            <a:r>
+              <a:rPr lang="en-US"/>
+              <a:t>Click to edit Master text styles</a:t>
+            </a:r>
+          </a:p>
+          <a:p>
+            <a:pPr lvl="1"/>
+            <a:r>
+              <a:rPr lang="en-US"/>
+              <a:t>Second level</a:t>
+            </a:r>
+          </a:p>
+          <a:p>
+            <a:pPr lvl="2"/>
+            <a:r>
+              <a:rPr lang="en-US"/>
+              <a:t>Third level</a:t>
+            </a:r>
+          </a:p>
+          <a:p>
+            <a:pPr lvl="3"/>
+            <a:r>
+              <a:rPr lang="en-US"/>
+              <a:t>Fourth level</a:t>
+            </a:r>
+          </a:p>
+          <a:p>
+            <a:pPr lvl="4"/>
+            <a:r>
+              <a:rPr lang="en-US"/>
+              <a:t>Fifth level</a:t>
+            </a:r>
+          </a:p>
+        </p:txBody>
+      </p:sp>
+      <p:sp>
+        <p:nvSpPr>
+          <p:cNvPr id="4" name="Text Placeholder 3"/>
+          <p:cNvSpPr>
+            <a:spLocks noGrp="1"/>
+          </p:cNvSpPr>
+          <p:nvPr>
+            <p:ph type="body" sz="half" idx="2"/>
+          </p:nvPr>
+        </p:nvSpPr>
+        <p:spPr>
+          <a:xfrm>
+            <a:off x="839788" y="2057400"/>
+            <a:ext cx="3932237" cy="3811588"/>
+          </a:xfrm>
+        </p:spPr>
+        <p:txBody>
+          <a:bodyPr/>
+          <a:lstStyle>
+            <a:lvl1pPr marL="0" indent="0">
+              <a:buNone/>
+              <a:defRPr sz="1600"/>
+            </a:lvl1pPr>
+            <a:lvl2pPr marL="457200" indent="0">
+              <a:buNone/>
+              <a:defRPr sz="1400"/>
+            </a:lvl2pPr>
+            <a:lvl3pPr marL="914400" indent="0">
+              <a:buNone/>
+              <a:defRPr sz="1200"/>
+            </a:lvl3pPr>
+            <a:lvl4pPr marL="1371600" indent="0">
+              <a:buNone/>
+              <a:defRPr sz="1000"/>
+            </a:lvl4pPr>
+            <a:lvl5pPr marL="1828800" indent="0">
+              <a:buNone/>
+              <a:defRPr sz="1000"/>
+            </a:lvl5pPr>
+            <a:lvl6pPr marL="2286000" indent="0">
+              <a:buNone/>
+              <a:defRPr sz="1000"/>
+            </a:lvl6pPr>
+            <a:lvl7pPr marL="2743200" indent="0">
+              <a:buNone/>
+              <a:defRPr sz="1000"/>
+            </a:lvl7pPr>
+            <a:lvl8pPr marL="3200400" indent="0">
+              <a:buNone/>
+              <a:defRPr sz="1000"/>
+            </a:lvl8pPr>
+            <a:lvl9pPr marL="3657600" indent="0">
+              <a:buNone/>
+              <a:defRPr sz="1000"/>
+            </a:lvl9pPr>
+          </a:lstStyle>
+          <a:p>
+            <a:pPr lvl="0"/>
+            <a:r>
+              <a:rPr lang="en-US"/>
+              <a:t>Click to edit Master text styles</a:t>
+            </a:r>
+          </a:p>
+        </p:txBody>
+      </p:sp>
+      <p:sp>
+        <p:nvSpPr>
+          <p:cNvPr id="5" name="Date Placeholder 4"/>
+          <p:cNvSpPr>
+            <a:spLocks noGrp="1"/>
+          </p:cNvSpPr>
+          <p:nvPr>
+            <p:ph type="dt" sz="half" idx="10"/>
+          </p:nvPr>
+        </p:nvSpPr>
+        <p:spPr/>
+        <p:txBody>
+          <a:bodyPr/>
+          <a:lstStyle/>
+          <a:p>
+            <a:fld id="{0583BE9D-294E-419B-AA51-BB7BF28F4F06}" type="datetimeFigureOut">
+              <a:rPr lang="en-US" smtClean="0"/>
+              <a:t>3/22/17</a:t>
+            </a:fld>
+            <a:endParaRPr lang="en-US"/>
+          </a:p>
+        </p:txBody>
+      </p:sp>
+      <p:sp>
+        <p:nvSpPr>
+          <p:cNvPr id="6" name="Footer Placeholder 5"/>
+          <p:cNvSpPr>
+            <a:spLocks noGrp="1"/>
+          </p:cNvSpPr>
+          <p:nvPr>
+            <p:ph type="ftr" sz="quarter" idx="11"/>
+          </p:nvPr>
+        </p:nvSpPr>
+        <p:spPr/>
+        <p:txBody>
+          <a:bodyPr/>
+          <a:lstStyle/>
+          <a:p>
+            <a:endParaRPr lang="en-US"/>
+          </a:p>
+        </p:txBody>
+      </p:sp>
+      <p:sp>
+        <p:nvSpPr>
+          <p:cNvPr id="7" name="Slide Number Placeholder 6"/>
+          <p:cNvSpPr>
+            <a:spLocks noGrp="1"/>
+          </p:cNvSpPr>
+          <p:nvPr>
+            <p:ph type="sldNum" sz="quarter" idx="12"/>
+          </p:nvPr>
+        </p:nvSpPr>
+        <p:spPr/>
+        <p:txBody>
+          <a:bodyPr/>
+          <a:lstStyle/>
+          <a:p>
+            <a:fld id="{6A6620E5-095D-4D76-A479-961FD5302CA4}" type="slidenum">
+              <a:rPr lang="en-US" smtClean="0"/>
+              <a:t>‹#›</a:t>
+            </a:fld>
+            <a:endParaRPr lang="en-US"/>
+          </a:p>
+        </p:txBody>
+      </p:sp>
+    </p:spTree>
+    <p:extLst>
+      <p:ext uri="{BB962C8B-B14F-4D97-AF65-F5344CB8AC3E}">
+        <p14:creationId xmlns:p14="http://schemas.microsoft.com/office/powerpoint/2010/main" val="3482406035"/>
+      </p:ext>
+    </p:extLst>
+  </p:cSld>
+  <p:clrMapOvr>
+    <a:masterClrMapping/>
+  </p:clrMapOvr>
+</p:sldLayout>
+</file>
+
 <file path=ppt/slideLayouts/slideLayout2.xml><?xml version="1.0" encoding="utf-8"?>
 <p:sldLayout xmlns:a="http://schemas.openxmlformats.org/drawingml/2006/main" xmlns:r="http://schemas.openxmlformats.org/officeDocument/2006/relationships" xmlns:p="http://schemas.openxmlformats.org/presentationml/2006/main" type="obj" preserve="1">
   <p:cSld name="Title and Content">
@@ -12043,7 +14102,7 @@
             <a:fld id="{9B3A1323-8D79-1946-B0D7-40001CF92E9D}" type="datetimeFigureOut">
               <a:rPr lang="en-US" smtClean="0"/>
               <a:pPr/>
-              <a:t>3/21/17</a:t>
+              <a:t>3/22/17</a:t>
             </a:fld>
             <a:endParaRPr lang="en-US" dirty="0"/>
           </a:p>
@@ -12096,6 +14155,604 @@
     <p:extLst>
       <p:ext uri="{BB962C8B-B14F-4D97-AF65-F5344CB8AC3E}">
         <p14:creationId xmlns:p14="http://schemas.microsoft.com/office/powerpoint/2010/main" val="21458277"/>
+      </p:ext>
+    </p:extLst>
+  </p:cSld>
+  <p:clrMapOvr>
+    <a:masterClrMapping/>
+  </p:clrMapOvr>
+</p:sldLayout>
+</file>
+
+<file path=ppt/slideLayouts/slideLayout20.xml><?xml version="1.0" encoding="utf-8"?>
+<p:sldLayout xmlns:a="http://schemas.openxmlformats.org/drawingml/2006/main" xmlns:r="http://schemas.openxmlformats.org/officeDocument/2006/relationships" xmlns:p="http://schemas.openxmlformats.org/presentationml/2006/main" type="picTx" preserve="1">
+  <p:cSld name="Picture with Caption">
+    <p:spTree>
+      <p:nvGrpSpPr>
+        <p:cNvPr id="1" name=""/>
+        <p:cNvGrpSpPr/>
+        <p:nvPr/>
+      </p:nvGrpSpPr>
+      <p:grpSpPr>
+        <a:xfrm>
+          <a:off x="0" y="0"/>
+          <a:ext cx="0" cy="0"/>
+          <a:chOff x="0" y="0"/>
+          <a:chExt cx="0" cy="0"/>
+        </a:xfrm>
+      </p:grpSpPr>
+      <p:sp>
+        <p:nvSpPr>
+          <p:cNvPr id="2" name="Title 1"/>
+          <p:cNvSpPr>
+            <a:spLocks noGrp="1"/>
+          </p:cNvSpPr>
+          <p:nvPr>
+            <p:ph type="title"/>
+          </p:nvPr>
+        </p:nvSpPr>
+        <p:spPr>
+          <a:xfrm>
+            <a:off x="839788" y="457200"/>
+            <a:ext cx="3932237" cy="1600200"/>
+          </a:xfrm>
+        </p:spPr>
+        <p:txBody>
+          <a:bodyPr anchor="b"/>
+          <a:lstStyle>
+            <a:lvl1pPr>
+              <a:defRPr sz="3200"/>
+            </a:lvl1pPr>
+          </a:lstStyle>
+          <a:p>
+            <a:r>
+              <a:rPr lang="en-US"/>
+              <a:t>Click to edit Master title style</a:t>
+            </a:r>
+          </a:p>
+        </p:txBody>
+      </p:sp>
+      <p:sp>
+        <p:nvSpPr>
+          <p:cNvPr id="3" name="Picture Placeholder 2"/>
+          <p:cNvSpPr>
+            <a:spLocks noGrp="1"/>
+          </p:cNvSpPr>
+          <p:nvPr>
+            <p:ph type="pic" idx="1"/>
+          </p:nvPr>
+        </p:nvSpPr>
+        <p:spPr>
+          <a:xfrm>
+            <a:off x="5183188" y="987425"/>
+            <a:ext cx="6172200" cy="4873625"/>
+          </a:xfrm>
+        </p:spPr>
+        <p:txBody>
+          <a:bodyPr/>
+          <a:lstStyle>
+            <a:lvl1pPr marL="0" indent="0">
+              <a:buNone/>
+              <a:defRPr sz="3200"/>
+            </a:lvl1pPr>
+            <a:lvl2pPr marL="457200" indent="0">
+              <a:buNone/>
+              <a:defRPr sz="2800"/>
+            </a:lvl2pPr>
+            <a:lvl3pPr marL="914400" indent="0">
+              <a:buNone/>
+              <a:defRPr sz="2400"/>
+            </a:lvl3pPr>
+            <a:lvl4pPr marL="1371600" indent="0">
+              <a:buNone/>
+              <a:defRPr sz="2000"/>
+            </a:lvl4pPr>
+            <a:lvl5pPr marL="1828800" indent="0">
+              <a:buNone/>
+              <a:defRPr sz="2000"/>
+            </a:lvl5pPr>
+            <a:lvl6pPr marL="2286000" indent="0">
+              <a:buNone/>
+              <a:defRPr sz="2000"/>
+            </a:lvl6pPr>
+            <a:lvl7pPr marL="2743200" indent="0">
+              <a:buNone/>
+              <a:defRPr sz="2000"/>
+            </a:lvl7pPr>
+            <a:lvl8pPr marL="3200400" indent="0">
+              <a:buNone/>
+              <a:defRPr sz="2000"/>
+            </a:lvl8pPr>
+            <a:lvl9pPr marL="3657600" indent="0">
+              <a:buNone/>
+              <a:defRPr sz="2000"/>
+            </a:lvl9pPr>
+          </a:lstStyle>
+          <a:p>
+            <a:endParaRPr lang="en-US"/>
+          </a:p>
+        </p:txBody>
+      </p:sp>
+      <p:sp>
+        <p:nvSpPr>
+          <p:cNvPr id="4" name="Text Placeholder 3"/>
+          <p:cNvSpPr>
+            <a:spLocks noGrp="1"/>
+          </p:cNvSpPr>
+          <p:nvPr>
+            <p:ph type="body" sz="half" idx="2"/>
+          </p:nvPr>
+        </p:nvSpPr>
+        <p:spPr>
+          <a:xfrm>
+            <a:off x="839788" y="2057400"/>
+            <a:ext cx="3932237" cy="3811588"/>
+          </a:xfrm>
+        </p:spPr>
+        <p:txBody>
+          <a:bodyPr/>
+          <a:lstStyle>
+            <a:lvl1pPr marL="0" indent="0">
+              <a:buNone/>
+              <a:defRPr sz="1600"/>
+            </a:lvl1pPr>
+            <a:lvl2pPr marL="457200" indent="0">
+              <a:buNone/>
+              <a:defRPr sz="1400"/>
+            </a:lvl2pPr>
+            <a:lvl3pPr marL="914400" indent="0">
+              <a:buNone/>
+              <a:defRPr sz="1200"/>
+            </a:lvl3pPr>
+            <a:lvl4pPr marL="1371600" indent="0">
+              <a:buNone/>
+              <a:defRPr sz="1000"/>
+            </a:lvl4pPr>
+            <a:lvl5pPr marL="1828800" indent="0">
+              <a:buNone/>
+              <a:defRPr sz="1000"/>
+            </a:lvl5pPr>
+            <a:lvl6pPr marL="2286000" indent="0">
+              <a:buNone/>
+              <a:defRPr sz="1000"/>
+            </a:lvl6pPr>
+            <a:lvl7pPr marL="2743200" indent="0">
+              <a:buNone/>
+              <a:defRPr sz="1000"/>
+            </a:lvl7pPr>
+            <a:lvl8pPr marL="3200400" indent="0">
+              <a:buNone/>
+              <a:defRPr sz="1000"/>
+            </a:lvl8pPr>
+            <a:lvl9pPr marL="3657600" indent="0">
+              <a:buNone/>
+              <a:defRPr sz="1000"/>
+            </a:lvl9pPr>
+          </a:lstStyle>
+          <a:p>
+            <a:pPr lvl="0"/>
+            <a:r>
+              <a:rPr lang="en-US"/>
+              <a:t>Click to edit Master text styles</a:t>
+            </a:r>
+          </a:p>
+        </p:txBody>
+      </p:sp>
+      <p:sp>
+        <p:nvSpPr>
+          <p:cNvPr id="5" name="Date Placeholder 4"/>
+          <p:cNvSpPr>
+            <a:spLocks noGrp="1"/>
+          </p:cNvSpPr>
+          <p:nvPr>
+            <p:ph type="dt" sz="half" idx="10"/>
+          </p:nvPr>
+        </p:nvSpPr>
+        <p:spPr/>
+        <p:txBody>
+          <a:bodyPr/>
+          <a:lstStyle/>
+          <a:p>
+            <a:fld id="{0583BE9D-294E-419B-AA51-BB7BF28F4F06}" type="datetimeFigureOut">
+              <a:rPr lang="en-US" smtClean="0"/>
+              <a:t>3/22/17</a:t>
+            </a:fld>
+            <a:endParaRPr lang="en-US"/>
+          </a:p>
+        </p:txBody>
+      </p:sp>
+      <p:sp>
+        <p:nvSpPr>
+          <p:cNvPr id="6" name="Footer Placeholder 5"/>
+          <p:cNvSpPr>
+            <a:spLocks noGrp="1"/>
+          </p:cNvSpPr>
+          <p:nvPr>
+            <p:ph type="ftr" sz="quarter" idx="11"/>
+          </p:nvPr>
+        </p:nvSpPr>
+        <p:spPr/>
+        <p:txBody>
+          <a:bodyPr/>
+          <a:lstStyle/>
+          <a:p>
+            <a:endParaRPr lang="en-US"/>
+          </a:p>
+        </p:txBody>
+      </p:sp>
+      <p:sp>
+        <p:nvSpPr>
+          <p:cNvPr id="7" name="Slide Number Placeholder 6"/>
+          <p:cNvSpPr>
+            <a:spLocks noGrp="1"/>
+          </p:cNvSpPr>
+          <p:nvPr>
+            <p:ph type="sldNum" sz="quarter" idx="12"/>
+          </p:nvPr>
+        </p:nvSpPr>
+        <p:spPr/>
+        <p:txBody>
+          <a:bodyPr/>
+          <a:lstStyle/>
+          <a:p>
+            <a:fld id="{6A6620E5-095D-4D76-A479-961FD5302CA4}" type="slidenum">
+              <a:rPr lang="en-US" smtClean="0"/>
+              <a:t>‹#›</a:t>
+            </a:fld>
+            <a:endParaRPr lang="en-US"/>
+          </a:p>
+        </p:txBody>
+      </p:sp>
+    </p:spTree>
+    <p:extLst>
+      <p:ext uri="{BB962C8B-B14F-4D97-AF65-F5344CB8AC3E}">
+        <p14:creationId xmlns:p14="http://schemas.microsoft.com/office/powerpoint/2010/main" val="1169875193"/>
+      </p:ext>
+    </p:extLst>
+  </p:cSld>
+  <p:clrMapOvr>
+    <a:masterClrMapping/>
+  </p:clrMapOvr>
+</p:sldLayout>
+</file>
+
+<file path=ppt/slideLayouts/slideLayout21.xml><?xml version="1.0" encoding="utf-8"?>
+<p:sldLayout xmlns:a="http://schemas.openxmlformats.org/drawingml/2006/main" xmlns:r="http://schemas.openxmlformats.org/officeDocument/2006/relationships" xmlns:p="http://schemas.openxmlformats.org/presentationml/2006/main" type="vertTx" preserve="1">
+  <p:cSld name="Title and Vertical Text">
+    <p:spTree>
+      <p:nvGrpSpPr>
+        <p:cNvPr id="1" name=""/>
+        <p:cNvGrpSpPr/>
+        <p:nvPr/>
+      </p:nvGrpSpPr>
+      <p:grpSpPr>
+        <a:xfrm>
+          <a:off x="0" y="0"/>
+          <a:ext cx="0" cy="0"/>
+          <a:chOff x="0" y="0"/>
+          <a:chExt cx="0" cy="0"/>
+        </a:xfrm>
+      </p:grpSpPr>
+      <p:sp>
+        <p:nvSpPr>
+          <p:cNvPr id="2" name="Title 1"/>
+          <p:cNvSpPr>
+            <a:spLocks noGrp="1"/>
+          </p:cNvSpPr>
+          <p:nvPr>
+            <p:ph type="title"/>
+          </p:nvPr>
+        </p:nvSpPr>
+        <p:spPr/>
+        <p:txBody>
+          <a:bodyPr/>
+          <a:lstStyle/>
+          <a:p>
+            <a:r>
+              <a:rPr lang="en-US"/>
+              <a:t>Click to edit Master title style</a:t>
+            </a:r>
+          </a:p>
+        </p:txBody>
+      </p:sp>
+      <p:sp>
+        <p:nvSpPr>
+          <p:cNvPr id="3" name="Vertical Text Placeholder 2"/>
+          <p:cNvSpPr>
+            <a:spLocks noGrp="1"/>
+          </p:cNvSpPr>
+          <p:nvPr>
+            <p:ph type="body" orient="vert" idx="1"/>
+          </p:nvPr>
+        </p:nvSpPr>
+        <p:spPr/>
+        <p:txBody>
+          <a:bodyPr vert="eaVert"/>
+          <a:lstStyle/>
+          <a:p>
+            <a:pPr lvl="0"/>
+            <a:r>
+              <a:rPr lang="en-US"/>
+              <a:t>Click to edit Master text styles</a:t>
+            </a:r>
+          </a:p>
+          <a:p>
+            <a:pPr lvl="1"/>
+            <a:r>
+              <a:rPr lang="en-US"/>
+              <a:t>Second level</a:t>
+            </a:r>
+          </a:p>
+          <a:p>
+            <a:pPr lvl="2"/>
+            <a:r>
+              <a:rPr lang="en-US"/>
+              <a:t>Third level</a:t>
+            </a:r>
+          </a:p>
+          <a:p>
+            <a:pPr lvl="3"/>
+            <a:r>
+              <a:rPr lang="en-US"/>
+              <a:t>Fourth level</a:t>
+            </a:r>
+          </a:p>
+          <a:p>
+            <a:pPr lvl="4"/>
+            <a:r>
+              <a:rPr lang="en-US"/>
+              <a:t>Fifth level</a:t>
+            </a:r>
+          </a:p>
+        </p:txBody>
+      </p:sp>
+      <p:sp>
+        <p:nvSpPr>
+          <p:cNvPr id="4" name="Date Placeholder 3"/>
+          <p:cNvSpPr>
+            <a:spLocks noGrp="1"/>
+          </p:cNvSpPr>
+          <p:nvPr>
+            <p:ph type="dt" sz="half" idx="10"/>
+          </p:nvPr>
+        </p:nvSpPr>
+        <p:spPr/>
+        <p:txBody>
+          <a:bodyPr/>
+          <a:lstStyle/>
+          <a:p>
+            <a:fld id="{0583BE9D-294E-419B-AA51-BB7BF28F4F06}" type="datetimeFigureOut">
+              <a:rPr lang="en-US" smtClean="0"/>
+              <a:t>3/22/17</a:t>
+            </a:fld>
+            <a:endParaRPr lang="en-US"/>
+          </a:p>
+        </p:txBody>
+      </p:sp>
+      <p:sp>
+        <p:nvSpPr>
+          <p:cNvPr id="5" name="Footer Placeholder 4"/>
+          <p:cNvSpPr>
+            <a:spLocks noGrp="1"/>
+          </p:cNvSpPr>
+          <p:nvPr>
+            <p:ph type="ftr" sz="quarter" idx="11"/>
+          </p:nvPr>
+        </p:nvSpPr>
+        <p:spPr/>
+        <p:txBody>
+          <a:bodyPr/>
+          <a:lstStyle/>
+          <a:p>
+            <a:endParaRPr lang="en-US"/>
+          </a:p>
+        </p:txBody>
+      </p:sp>
+      <p:sp>
+        <p:nvSpPr>
+          <p:cNvPr id="6" name="Slide Number Placeholder 5"/>
+          <p:cNvSpPr>
+            <a:spLocks noGrp="1"/>
+          </p:cNvSpPr>
+          <p:nvPr>
+            <p:ph type="sldNum" sz="quarter" idx="12"/>
+          </p:nvPr>
+        </p:nvSpPr>
+        <p:spPr/>
+        <p:txBody>
+          <a:bodyPr/>
+          <a:lstStyle/>
+          <a:p>
+            <a:fld id="{6A6620E5-095D-4D76-A479-961FD5302CA4}" type="slidenum">
+              <a:rPr lang="en-US" smtClean="0"/>
+              <a:t>‹#›</a:t>
+            </a:fld>
+            <a:endParaRPr lang="en-US"/>
+          </a:p>
+        </p:txBody>
+      </p:sp>
+    </p:spTree>
+    <p:extLst>
+      <p:ext uri="{BB962C8B-B14F-4D97-AF65-F5344CB8AC3E}">
+        <p14:creationId xmlns:p14="http://schemas.microsoft.com/office/powerpoint/2010/main" val="1205077701"/>
+      </p:ext>
+    </p:extLst>
+  </p:cSld>
+  <p:clrMapOvr>
+    <a:masterClrMapping/>
+  </p:clrMapOvr>
+</p:sldLayout>
+</file>
+
+<file path=ppt/slideLayouts/slideLayout22.xml><?xml version="1.0" encoding="utf-8"?>
+<p:sldLayout xmlns:a="http://schemas.openxmlformats.org/drawingml/2006/main" xmlns:r="http://schemas.openxmlformats.org/officeDocument/2006/relationships" xmlns:p="http://schemas.openxmlformats.org/presentationml/2006/main" type="vertTitleAndTx" preserve="1">
+  <p:cSld name="Vertical Title and Text">
+    <p:spTree>
+      <p:nvGrpSpPr>
+        <p:cNvPr id="1" name=""/>
+        <p:cNvGrpSpPr/>
+        <p:nvPr/>
+      </p:nvGrpSpPr>
+      <p:grpSpPr>
+        <a:xfrm>
+          <a:off x="0" y="0"/>
+          <a:ext cx="0" cy="0"/>
+          <a:chOff x="0" y="0"/>
+          <a:chExt cx="0" cy="0"/>
+        </a:xfrm>
+      </p:grpSpPr>
+      <p:sp>
+        <p:nvSpPr>
+          <p:cNvPr id="2" name="Vertical Title 1"/>
+          <p:cNvSpPr>
+            <a:spLocks noGrp="1"/>
+          </p:cNvSpPr>
+          <p:nvPr>
+            <p:ph type="title" orient="vert"/>
+          </p:nvPr>
+        </p:nvSpPr>
+        <p:spPr>
+          <a:xfrm>
+            <a:off x="8724900" y="365125"/>
+            <a:ext cx="2628900" cy="5811838"/>
+          </a:xfrm>
+        </p:spPr>
+        <p:txBody>
+          <a:bodyPr vert="eaVert"/>
+          <a:lstStyle/>
+          <a:p>
+            <a:r>
+              <a:rPr lang="en-US"/>
+              <a:t>Click to edit Master title style</a:t>
+            </a:r>
+          </a:p>
+        </p:txBody>
+      </p:sp>
+      <p:sp>
+        <p:nvSpPr>
+          <p:cNvPr id="3" name="Vertical Text Placeholder 2"/>
+          <p:cNvSpPr>
+            <a:spLocks noGrp="1"/>
+          </p:cNvSpPr>
+          <p:nvPr>
+            <p:ph type="body" orient="vert" idx="1"/>
+          </p:nvPr>
+        </p:nvSpPr>
+        <p:spPr>
+          <a:xfrm>
+            <a:off x="838200" y="365125"/>
+            <a:ext cx="7734300" cy="5811838"/>
+          </a:xfrm>
+        </p:spPr>
+        <p:txBody>
+          <a:bodyPr vert="eaVert"/>
+          <a:lstStyle/>
+          <a:p>
+            <a:pPr lvl="0"/>
+            <a:r>
+              <a:rPr lang="en-US"/>
+              <a:t>Click to edit Master text styles</a:t>
+            </a:r>
+          </a:p>
+          <a:p>
+            <a:pPr lvl="1"/>
+            <a:r>
+              <a:rPr lang="en-US"/>
+              <a:t>Second level</a:t>
+            </a:r>
+          </a:p>
+          <a:p>
+            <a:pPr lvl="2"/>
+            <a:r>
+              <a:rPr lang="en-US"/>
+              <a:t>Third level</a:t>
+            </a:r>
+          </a:p>
+          <a:p>
+            <a:pPr lvl="3"/>
+            <a:r>
+              <a:rPr lang="en-US"/>
+              <a:t>Fourth level</a:t>
+            </a:r>
+          </a:p>
+          <a:p>
+            <a:pPr lvl="4"/>
+            <a:r>
+              <a:rPr lang="en-US"/>
+              <a:t>Fifth level</a:t>
+            </a:r>
+          </a:p>
+        </p:txBody>
+      </p:sp>
+      <p:sp>
+        <p:nvSpPr>
+          <p:cNvPr id="4" name="Date Placeholder 3"/>
+          <p:cNvSpPr>
+            <a:spLocks noGrp="1"/>
+          </p:cNvSpPr>
+          <p:nvPr>
+            <p:ph type="dt" sz="half" idx="10"/>
+          </p:nvPr>
+        </p:nvSpPr>
+        <p:spPr/>
+        <p:txBody>
+          <a:bodyPr/>
+          <a:lstStyle/>
+          <a:p>
+            <a:fld id="{0583BE9D-294E-419B-AA51-BB7BF28F4F06}" type="datetimeFigureOut">
+              <a:rPr lang="en-US" smtClean="0"/>
+              <a:t>3/22/17</a:t>
+            </a:fld>
+            <a:endParaRPr lang="en-US"/>
+          </a:p>
+        </p:txBody>
+      </p:sp>
+      <p:sp>
+        <p:nvSpPr>
+          <p:cNvPr id="5" name="Footer Placeholder 4"/>
+          <p:cNvSpPr>
+            <a:spLocks noGrp="1"/>
+          </p:cNvSpPr>
+          <p:nvPr>
+            <p:ph type="ftr" sz="quarter" idx="11"/>
+          </p:nvPr>
+        </p:nvSpPr>
+        <p:spPr/>
+        <p:txBody>
+          <a:bodyPr/>
+          <a:lstStyle/>
+          <a:p>
+            <a:endParaRPr lang="en-US"/>
+          </a:p>
+        </p:txBody>
+      </p:sp>
+      <p:sp>
+        <p:nvSpPr>
+          <p:cNvPr id="6" name="Slide Number Placeholder 5"/>
+          <p:cNvSpPr>
+            <a:spLocks noGrp="1"/>
+          </p:cNvSpPr>
+          <p:nvPr>
+            <p:ph type="sldNum" sz="quarter" idx="12"/>
+          </p:nvPr>
+        </p:nvSpPr>
+        <p:spPr/>
+        <p:txBody>
+          <a:bodyPr/>
+          <a:lstStyle/>
+          <a:p>
+            <a:fld id="{6A6620E5-095D-4D76-A479-961FD5302CA4}" type="slidenum">
+              <a:rPr lang="en-US" smtClean="0"/>
+              <a:t>‹#›</a:t>
+            </a:fld>
+            <a:endParaRPr lang="en-US"/>
+          </a:p>
+        </p:txBody>
+      </p:sp>
+    </p:spTree>
+    <p:extLst>
+      <p:ext uri="{BB962C8B-B14F-4D97-AF65-F5344CB8AC3E}">
+        <p14:creationId xmlns:p14="http://schemas.microsoft.com/office/powerpoint/2010/main" val="1075813596"/>
       </p:ext>
     </p:extLst>
   </p:cSld>
@@ -20943,7 +23600,7 @@
             <a:fld id="{8DFA1846-DA80-1C48-A609-854EA85C59AD}" type="datetimeFigureOut">
               <a:rPr lang="en-US" smtClean="0"/>
               <a:pPr/>
-              <a:t>3/21/17</a:t>
+              <a:t>3/22/17</a:t>
             </a:fld>
             <a:endParaRPr lang="en-US" dirty="0"/>
           </a:p>
@@ -21219,7 +23876,7 @@
             <a:fld id="{57302355-E14B-8545-A8F8-0FE83CC9D524}" type="datetimeFigureOut">
               <a:rPr lang="en-US" smtClean="0"/>
               <a:pPr/>
-              <a:t>3/21/17</a:t>
+              <a:t>3/22/17</a:t>
             </a:fld>
             <a:endParaRPr lang="en-US" dirty="0"/>
           </a:p>
@@ -21619,7 +24276,7 @@
             <a:fld id="{02640F58-564D-2B4F-AE67-E407BA4FCF45}" type="datetimeFigureOut">
               <a:rPr lang="en-US" smtClean="0"/>
               <a:pPr/>
-              <a:t>3/21/17</a:t>
+              <a:t>3/22/17</a:t>
             </a:fld>
             <a:endParaRPr lang="en-US" dirty="0"/>
           </a:p>
@@ -21739,7 +24396,7 @@
             <a:fld id="{F13A34C8-038E-2045-AF43-DF7DBB8E0E9E}" type="datetimeFigureOut">
               <a:rPr lang="en-US" smtClean="0"/>
               <a:pPr/>
-              <a:t>3/21/17</a:t>
+              <a:t>3/22/17</a:t>
             </a:fld>
             <a:endParaRPr lang="en-US" dirty="0"/>
           </a:p>
@@ -21836,7 +24493,7 @@
             <a:fld id="{8818C68F-D26B-8F47-958C-23B49CF8A634}" type="datetimeFigureOut">
               <a:rPr lang="en-US" smtClean="0"/>
               <a:pPr/>
-              <a:t>3/21/17</a:t>
+              <a:t>3/22/17</a:t>
             </a:fld>
             <a:endParaRPr lang="en-US" dirty="0"/>
           </a:p>
@@ -22128,7 +24785,7 @@
             <a:fld id="{D0DF5E60-9974-AC48-9591-99C2BB44B7CF}" type="datetimeFigureOut">
               <a:rPr lang="en-US" smtClean="0"/>
               <a:pPr/>
-              <a:t>3/21/17</a:t>
+              <a:t>3/22/17</a:t>
             </a:fld>
             <a:endParaRPr lang="en-US" dirty="0"/>
           </a:p>
@@ -22410,7 +25067,7 @@
             <a:fld id="{18C79C5D-2A6F-F04D-97DA-BEF2467B64E4}" type="datetimeFigureOut">
               <a:rPr lang="en-US" smtClean="0"/>
               <a:pPr/>
-              <a:t>3/21/17</a:t>
+              <a:t>3/22/17</a:t>
             </a:fld>
             <a:endParaRPr lang="en-US" dirty="0"/>
           </a:p>
@@ -22662,7 +25319,7 @@
             <a:fld id="{09B482E8-6E0E-1B4F-B1FD-C69DB9E858D9}" type="datetimeFigureOut">
               <a:rPr lang="en-US" smtClean="0"/>
               <a:pPr/>
-              <a:t>3/21/17</a:t>
+              <a:t>3/22/17</a:t>
             </a:fld>
             <a:endParaRPr lang="en-US" dirty="0"/>
           </a:p>
@@ -23149,7 +25806,1394 @@
 </p:sldMaster>
 </file>
 
+<file path=ppt/slideMasters/slideMaster2.xml><?xml version="1.0" encoding="utf-8"?>
+<p:sldMaster xmlns:a="http://schemas.openxmlformats.org/drawingml/2006/main" xmlns:r="http://schemas.openxmlformats.org/officeDocument/2006/relationships" xmlns:p="http://schemas.openxmlformats.org/presentationml/2006/main">
+  <p:cSld>
+    <p:bg>
+      <p:bgRef idx="1001">
+        <a:schemeClr val="bg1"/>
+      </p:bgRef>
+    </p:bg>
+    <p:spTree>
+      <p:nvGrpSpPr>
+        <p:cNvPr id="1" name=""/>
+        <p:cNvGrpSpPr/>
+        <p:nvPr/>
+      </p:nvGrpSpPr>
+      <p:grpSpPr>
+        <a:xfrm>
+          <a:off x="0" y="0"/>
+          <a:ext cx="0" cy="0"/>
+          <a:chOff x="0" y="0"/>
+          <a:chExt cx="0" cy="0"/>
+        </a:xfrm>
+      </p:grpSpPr>
+      <p:sp>
+        <p:nvSpPr>
+          <p:cNvPr id="2" name="Title Placeholder 1"/>
+          <p:cNvSpPr>
+            <a:spLocks noGrp="1"/>
+          </p:cNvSpPr>
+          <p:nvPr>
+            <p:ph type="title"/>
+          </p:nvPr>
+        </p:nvSpPr>
+        <p:spPr>
+          <a:xfrm>
+            <a:off x="838200" y="365125"/>
+            <a:ext cx="10515600" cy="1325563"/>
+          </a:xfrm>
+          <a:prstGeom prst="rect">
+            <a:avLst/>
+          </a:prstGeom>
+        </p:spPr>
+        <p:txBody>
+          <a:bodyPr vert="horz" lIns="91440" tIns="45720" rIns="91440" bIns="45720" rtlCol="0" anchor="ctr">
+            <a:normAutofit/>
+          </a:bodyPr>
+          <a:lstStyle/>
+          <a:p>
+            <a:r>
+              <a:rPr lang="en-US"/>
+              <a:t>Click to edit Master title style</a:t>
+            </a:r>
+          </a:p>
+        </p:txBody>
+      </p:sp>
+      <p:sp>
+        <p:nvSpPr>
+          <p:cNvPr id="3" name="Text Placeholder 2"/>
+          <p:cNvSpPr>
+            <a:spLocks noGrp="1"/>
+          </p:cNvSpPr>
+          <p:nvPr>
+            <p:ph type="body" idx="1"/>
+          </p:nvPr>
+        </p:nvSpPr>
+        <p:spPr>
+          <a:xfrm>
+            <a:off x="838200" y="1825625"/>
+            <a:ext cx="10515600" cy="4351338"/>
+          </a:xfrm>
+          <a:prstGeom prst="rect">
+            <a:avLst/>
+          </a:prstGeom>
+        </p:spPr>
+        <p:txBody>
+          <a:bodyPr vert="horz" lIns="91440" tIns="45720" rIns="91440" bIns="45720" rtlCol="0">
+            <a:normAutofit/>
+          </a:bodyPr>
+          <a:lstStyle/>
+          <a:p>
+            <a:pPr lvl="0"/>
+            <a:r>
+              <a:rPr lang="en-US"/>
+              <a:t>Click to edit Master text styles</a:t>
+            </a:r>
+          </a:p>
+          <a:p>
+            <a:pPr lvl="1"/>
+            <a:r>
+              <a:rPr lang="en-US"/>
+              <a:t>Second level</a:t>
+            </a:r>
+          </a:p>
+          <a:p>
+            <a:pPr lvl="2"/>
+            <a:r>
+              <a:rPr lang="en-US"/>
+              <a:t>Third level</a:t>
+            </a:r>
+          </a:p>
+          <a:p>
+            <a:pPr lvl="3"/>
+            <a:r>
+              <a:rPr lang="en-US"/>
+              <a:t>Fourth level</a:t>
+            </a:r>
+          </a:p>
+          <a:p>
+            <a:pPr lvl="4"/>
+            <a:r>
+              <a:rPr lang="en-US"/>
+              <a:t>Fifth level</a:t>
+            </a:r>
+          </a:p>
+        </p:txBody>
+      </p:sp>
+      <p:sp>
+        <p:nvSpPr>
+          <p:cNvPr id="4" name="Date Placeholder 3"/>
+          <p:cNvSpPr>
+            <a:spLocks noGrp="1"/>
+          </p:cNvSpPr>
+          <p:nvPr>
+            <p:ph type="dt" sz="half" idx="2"/>
+          </p:nvPr>
+        </p:nvSpPr>
+        <p:spPr>
+          <a:xfrm>
+            <a:off x="838200" y="6356350"/>
+            <a:ext cx="2743200" cy="365125"/>
+          </a:xfrm>
+          <a:prstGeom prst="rect">
+            <a:avLst/>
+          </a:prstGeom>
+        </p:spPr>
+        <p:txBody>
+          <a:bodyPr vert="horz" lIns="91440" tIns="45720" rIns="91440" bIns="45720" rtlCol="0" anchor="ctr"/>
+          <a:lstStyle>
+            <a:lvl1pPr algn="l">
+              <a:defRPr sz="1200">
+                <a:solidFill>
+                  <a:schemeClr val="tx1">
+                    <a:tint val="75000"/>
+                  </a:schemeClr>
+                </a:solidFill>
+              </a:defRPr>
+            </a:lvl1pPr>
+          </a:lstStyle>
+          <a:p>
+            <a:fld id="{0583BE9D-294E-419B-AA51-BB7BF28F4F06}" type="datetimeFigureOut">
+              <a:rPr lang="en-US" smtClean="0"/>
+              <a:t>3/22/17</a:t>
+            </a:fld>
+            <a:endParaRPr lang="en-US"/>
+          </a:p>
+        </p:txBody>
+      </p:sp>
+      <p:sp>
+        <p:nvSpPr>
+          <p:cNvPr id="5" name="Footer Placeholder 4"/>
+          <p:cNvSpPr>
+            <a:spLocks noGrp="1"/>
+          </p:cNvSpPr>
+          <p:nvPr>
+            <p:ph type="ftr" sz="quarter" idx="3"/>
+          </p:nvPr>
+        </p:nvSpPr>
+        <p:spPr>
+          <a:xfrm>
+            <a:off x="4038600" y="6356350"/>
+            <a:ext cx="4114800" cy="365125"/>
+          </a:xfrm>
+          <a:prstGeom prst="rect">
+            <a:avLst/>
+          </a:prstGeom>
+        </p:spPr>
+        <p:txBody>
+          <a:bodyPr vert="horz" lIns="91440" tIns="45720" rIns="91440" bIns="45720" rtlCol="0" anchor="ctr"/>
+          <a:lstStyle>
+            <a:lvl1pPr algn="ctr">
+              <a:defRPr sz="1200">
+                <a:solidFill>
+                  <a:schemeClr val="tx1">
+                    <a:tint val="75000"/>
+                  </a:schemeClr>
+                </a:solidFill>
+              </a:defRPr>
+            </a:lvl1pPr>
+          </a:lstStyle>
+          <a:p>
+            <a:endParaRPr lang="en-US"/>
+          </a:p>
+        </p:txBody>
+      </p:sp>
+      <p:sp>
+        <p:nvSpPr>
+          <p:cNvPr id="6" name="Slide Number Placeholder 5"/>
+          <p:cNvSpPr>
+            <a:spLocks noGrp="1"/>
+          </p:cNvSpPr>
+          <p:nvPr>
+            <p:ph type="sldNum" sz="quarter" idx="4"/>
+          </p:nvPr>
+        </p:nvSpPr>
+        <p:spPr>
+          <a:xfrm>
+            <a:off x="8610600" y="6356350"/>
+            <a:ext cx="2743200" cy="365125"/>
+          </a:xfrm>
+          <a:prstGeom prst="rect">
+            <a:avLst/>
+          </a:prstGeom>
+        </p:spPr>
+        <p:txBody>
+          <a:bodyPr vert="horz" lIns="91440" tIns="45720" rIns="91440" bIns="45720" rtlCol="0" anchor="ctr"/>
+          <a:lstStyle>
+            <a:lvl1pPr algn="r">
+              <a:defRPr sz="1200">
+                <a:solidFill>
+                  <a:schemeClr val="tx1">
+                    <a:tint val="75000"/>
+                  </a:schemeClr>
+                </a:solidFill>
+              </a:defRPr>
+            </a:lvl1pPr>
+          </a:lstStyle>
+          <a:p>
+            <a:fld id="{6A6620E5-095D-4D76-A479-961FD5302CA4}" type="slidenum">
+              <a:rPr lang="en-US" smtClean="0"/>
+              <a:t>‹#›</a:t>
+            </a:fld>
+            <a:endParaRPr lang="en-US"/>
+          </a:p>
+        </p:txBody>
+      </p:sp>
+    </p:spTree>
+    <p:extLst>
+      <p:ext uri="{BB962C8B-B14F-4D97-AF65-F5344CB8AC3E}">
+        <p14:creationId xmlns:p14="http://schemas.microsoft.com/office/powerpoint/2010/main" val="2709145046"/>
+      </p:ext>
+    </p:extLst>
+  </p:cSld>
+  <p:clrMap bg1="lt1" tx1="dk1" bg2="lt2" tx2="dk2" accent1="accent1" accent2="accent2" accent3="accent3" accent4="accent4" accent5="accent5" accent6="accent6" hlink="hlink" folHlink="folHlink"/>
+  <p:sldLayoutIdLst>
+    <p:sldLayoutId id="2147484058" r:id="rId1"/>
+    <p:sldLayoutId id="2147484059" r:id="rId2"/>
+    <p:sldLayoutId id="2147484060" r:id="rId3"/>
+    <p:sldLayoutId id="2147484061" r:id="rId4"/>
+    <p:sldLayoutId id="2147484062" r:id="rId5"/>
+    <p:sldLayoutId id="2147484063" r:id="rId6"/>
+    <p:sldLayoutId id="2147484064" r:id="rId7"/>
+    <p:sldLayoutId id="2147484065" r:id="rId8"/>
+    <p:sldLayoutId id="2147484066" r:id="rId9"/>
+    <p:sldLayoutId id="2147484067" r:id="rId10"/>
+    <p:sldLayoutId id="2147484068" r:id="rId11"/>
+  </p:sldLayoutIdLst>
+  <p:txStyles>
+    <p:titleStyle>
+      <a:lvl1pPr algn="l" defTabSz="914400" rtl="0" eaLnBrk="1" latinLnBrk="0" hangingPunct="1">
+        <a:lnSpc>
+          <a:spcPct val="90000"/>
+        </a:lnSpc>
+        <a:spcBef>
+          <a:spcPct val="0"/>
+        </a:spcBef>
+        <a:buNone/>
+        <a:defRPr sz="4400" kern="1200">
+          <a:solidFill>
+            <a:schemeClr val="tx1"/>
+          </a:solidFill>
+          <a:latin typeface="+mj-lt"/>
+          <a:ea typeface="+mj-ea"/>
+          <a:cs typeface="+mj-cs"/>
+        </a:defRPr>
+      </a:lvl1pPr>
+    </p:titleStyle>
+    <p:bodyStyle>
+      <a:lvl1pPr marL="228600" indent="-228600" algn="l" defTabSz="914400" rtl="0" eaLnBrk="1" latinLnBrk="0" hangingPunct="1">
+        <a:lnSpc>
+          <a:spcPct val="90000"/>
+        </a:lnSpc>
+        <a:spcBef>
+          <a:spcPts val="1000"/>
+        </a:spcBef>
+        <a:buFont typeface="Arial" panose="020B0604020202020204" pitchFamily="34" charset="0"/>
+        <a:buChar char="•"/>
+        <a:defRPr sz="2800" kern="1200">
+          <a:solidFill>
+            <a:schemeClr val="tx1"/>
+          </a:solidFill>
+          <a:latin typeface="+mn-lt"/>
+          <a:ea typeface="+mn-ea"/>
+          <a:cs typeface="+mn-cs"/>
+        </a:defRPr>
+      </a:lvl1pPr>
+      <a:lvl2pPr marL="685800" indent="-228600" algn="l" defTabSz="914400" rtl="0" eaLnBrk="1" latinLnBrk="0" hangingPunct="1">
+        <a:lnSpc>
+          <a:spcPct val="90000"/>
+        </a:lnSpc>
+        <a:spcBef>
+          <a:spcPts val="500"/>
+        </a:spcBef>
+        <a:buFont typeface="Arial" panose="020B0604020202020204" pitchFamily="34" charset="0"/>
+        <a:buChar char="•"/>
+        <a:defRPr sz="2400" kern="1200">
+          <a:solidFill>
+            <a:schemeClr val="tx1"/>
+          </a:solidFill>
+          <a:latin typeface="+mn-lt"/>
+          <a:ea typeface="+mn-ea"/>
+          <a:cs typeface="+mn-cs"/>
+        </a:defRPr>
+      </a:lvl2pPr>
+      <a:lvl3pPr marL="1143000" indent="-228600" algn="l" defTabSz="914400" rtl="0" eaLnBrk="1" latinLnBrk="0" hangingPunct="1">
+        <a:lnSpc>
+          <a:spcPct val="90000"/>
+        </a:lnSpc>
+        <a:spcBef>
+          <a:spcPts val="500"/>
+        </a:spcBef>
+        <a:buFont typeface="Arial" panose="020B0604020202020204" pitchFamily="34" charset="0"/>
+        <a:buChar char="•"/>
+        <a:defRPr sz="2000" kern="1200">
+          <a:solidFill>
+            <a:schemeClr val="tx1"/>
+          </a:solidFill>
+          <a:latin typeface="+mn-lt"/>
+          <a:ea typeface="+mn-ea"/>
+          <a:cs typeface="+mn-cs"/>
+        </a:defRPr>
+      </a:lvl3pPr>
+      <a:lvl4pPr marL="1600200" indent="-228600" algn="l" defTabSz="914400" rtl="0" eaLnBrk="1" latinLnBrk="0" hangingPunct="1">
+        <a:lnSpc>
+          <a:spcPct val="90000"/>
+        </a:lnSpc>
+        <a:spcBef>
+          <a:spcPts val="500"/>
+        </a:spcBef>
+        <a:buFont typeface="Arial" panose="020B0604020202020204" pitchFamily="34" charset="0"/>
+        <a:buChar char="•"/>
+        <a:defRPr sz="1800" kern="1200">
+          <a:solidFill>
+            <a:schemeClr val="tx1"/>
+          </a:solidFill>
+          <a:latin typeface="+mn-lt"/>
+          <a:ea typeface="+mn-ea"/>
+          <a:cs typeface="+mn-cs"/>
+        </a:defRPr>
+      </a:lvl4pPr>
+      <a:lvl5pPr marL="2057400" indent="-228600" algn="l" defTabSz="914400" rtl="0" eaLnBrk="1" latinLnBrk="0" hangingPunct="1">
+        <a:lnSpc>
+          <a:spcPct val="90000"/>
+        </a:lnSpc>
+        <a:spcBef>
+          <a:spcPts val="500"/>
+        </a:spcBef>
+        <a:buFont typeface="Arial" panose="020B0604020202020204" pitchFamily="34" charset="0"/>
+        <a:buChar char="•"/>
+        <a:defRPr sz="1800" kern="1200">
+          <a:solidFill>
+            <a:schemeClr val="tx1"/>
+          </a:solidFill>
+          <a:latin typeface="+mn-lt"/>
+          <a:ea typeface="+mn-ea"/>
+          <a:cs typeface="+mn-cs"/>
+        </a:defRPr>
+      </a:lvl5pPr>
+      <a:lvl6pPr marL="2514600" indent="-228600" algn="l" defTabSz="914400" rtl="0" eaLnBrk="1" latinLnBrk="0" hangingPunct="1">
+        <a:lnSpc>
+          <a:spcPct val="90000"/>
+        </a:lnSpc>
+        <a:spcBef>
+          <a:spcPts val="500"/>
+        </a:spcBef>
+        <a:buFont typeface="Arial" panose="020B0604020202020204" pitchFamily="34" charset="0"/>
+        <a:buChar char="•"/>
+        <a:defRPr sz="1800" kern="1200">
+          <a:solidFill>
+            <a:schemeClr val="tx1"/>
+          </a:solidFill>
+          <a:latin typeface="+mn-lt"/>
+          <a:ea typeface="+mn-ea"/>
+          <a:cs typeface="+mn-cs"/>
+        </a:defRPr>
+      </a:lvl6pPr>
+      <a:lvl7pPr marL="2971800" indent="-228600" algn="l" defTabSz="914400" rtl="0" eaLnBrk="1" latinLnBrk="0" hangingPunct="1">
+        <a:lnSpc>
+          <a:spcPct val="90000"/>
+        </a:lnSpc>
+        <a:spcBef>
+          <a:spcPts val="500"/>
+        </a:spcBef>
+        <a:buFont typeface="Arial" panose="020B0604020202020204" pitchFamily="34" charset="0"/>
+        <a:buChar char="•"/>
+        <a:defRPr sz="1800" kern="1200">
+          <a:solidFill>
+            <a:schemeClr val="tx1"/>
+          </a:solidFill>
+          <a:latin typeface="+mn-lt"/>
+          <a:ea typeface="+mn-ea"/>
+          <a:cs typeface="+mn-cs"/>
+        </a:defRPr>
+      </a:lvl7pPr>
+      <a:lvl8pPr marL="3429000" indent="-228600" algn="l" defTabSz="914400" rtl="0" eaLnBrk="1" latinLnBrk="0" hangingPunct="1">
+        <a:lnSpc>
+          <a:spcPct val="90000"/>
+        </a:lnSpc>
+        <a:spcBef>
+          <a:spcPts val="500"/>
+        </a:spcBef>
+        <a:buFont typeface="Arial" panose="020B0604020202020204" pitchFamily="34" charset="0"/>
+        <a:buChar char="•"/>
+        <a:defRPr sz="1800" kern="1200">
+          <a:solidFill>
+            <a:schemeClr val="tx1"/>
+          </a:solidFill>
+          <a:latin typeface="+mn-lt"/>
+          <a:ea typeface="+mn-ea"/>
+          <a:cs typeface="+mn-cs"/>
+        </a:defRPr>
+      </a:lvl8pPr>
+      <a:lvl9pPr marL="3886200" indent="-228600" algn="l" defTabSz="914400" rtl="0" eaLnBrk="1" latinLnBrk="0" hangingPunct="1">
+        <a:lnSpc>
+          <a:spcPct val="90000"/>
+        </a:lnSpc>
+        <a:spcBef>
+          <a:spcPts val="500"/>
+        </a:spcBef>
+        <a:buFont typeface="Arial" panose="020B0604020202020204" pitchFamily="34" charset="0"/>
+        <a:buChar char="•"/>
+        <a:defRPr sz="1800" kern="1200">
+          <a:solidFill>
+            <a:schemeClr val="tx1"/>
+          </a:solidFill>
+          <a:latin typeface="+mn-lt"/>
+          <a:ea typeface="+mn-ea"/>
+          <a:cs typeface="+mn-cs"/>
+        </a:defRPr>
+      </a:lvl9pPr>
+    </p:bodyStyle>
+    <p:otherStyle>
+      <a:defPPr>
+        <a:defRPr lang="en-US"/>
+      </a:defPPr>
+      <a:lvl1pPr marL="0" algn="l" defTabSz="914400" rtl="0" eaLnBrk="1" latinLnBrk="0" hangingPunct="1">
+        <a:defRPr sz="1800" kern="1200">
+          <a:solidFill>
+            <a:schemeClr val="tx1"/>
+          </a:solidFill>
+          <a:latin typeface="+mn-lt"/>
+          <a:ea typeface="+mn-ea"/>
+          <a:cs typeface="+mn-cs"/>
+        </a:defRPr>
+      </a:lvl1pPr>
+      <a:lvl2pPr marL="457200" algn="l" defTabSz="914400" rtl="0" eaLnBrk="1" latinLnBrk="0" hangingPunct="1">
+        <a:defRPr sz="1800" kern="1200">
+          <a:solidFill>
+            <a:schemeClr val="tx1"/>
+          </a:solidFill>
+          <a:latin typeface="+mn-lt"/>
+          <a:ea typeface="+mn-ea"/>
+          <a:cs typeface="+mn-cs"/>
+        </a:defRPr>
+      </a:lvl2pPr>
+      <a:lvl3pPr marL="914400" algn="l" defTabSz="914400" rtl="0" eaLnBrk="1" latinLnBrk="0" hangingPunct="1">
+        <a:defRPr sz="1800" kern="1200">
+          <a:solidFill>
+            <a:schemeClr val="tx1"/>
+          </a:solidFill>
+          <a:latin typeface="+mn-lt"/>
+          <a:ea typeface="+mn-ea"/>
+          <a:cs typeface="+mn-cs"/>
+        </a:defRPr>
+      </a:lvl3pPr>
+      <a:lvl4pPr marL="1371600" algn="l" defTabSz="914400" rtl="0" eaLnBrk="1" latinLnBrk="0" hangingPunct="1">
+        <a:defRPr sz="1800" kern="1200">
+          <a:solidFill>
+            <a:schemeClr val="tx1"/>
+          </a:solidFill>
+          <a:latin typeface="+mn-lt"/>
+          <a:ea typeface="+mn-ea"/>
+          <a:cs typeface="+mn-cs"/>
+        </a:defRPr>
+      </a:lvl4pPr>
+      <a:lvl5pPr marL="1828800" algn="l" defTabSz="914400" rtl="0" eaLnBrk="1" latinLnBrk="0" hangingPunct="1">
+        <a:defRPr sz="1800" kern="1200">
+          <a:solidFill>
+            <a:schemeClr val="tx1"/>
+          </a:solidFill>
+          <a:latin typeface="+mn-lt"/>
+          <a:ea typeface="+mn-ea"/>
+          <a:cs typeface="+mn-cs"/>
+        </a:defRPr>
+      </a:lvl5pPr>
+      <a:lvl6pPr marL="2286000" algn="l" defTabSz="914400" rtl="0" eaLnBrk="1" latinLnBrk="0" hangingPunct="1">
+        <a:defRPr sz="1800" kern="1200">
+          <a:solidFill>
+            <a:schemeClr val="tx1"/>
+          </a:solidFill>
+          <a:latin typeface="+mn-lt"/>
+          <a:ea typeface="+mn-ea"/>
+          <a:cs typeface="+mn-cs"/>
+        </a:defRPr>
+      </a:lvl6pPr>
+      <a:lvl7pPr marL="2743200" algn="l" defTabSz="914400" rtl="0" eaLnBrk="1" latinLnBrk="0" hangingPunct="1">
+        <a:defRPr sz="1800" kern="1200">
+          <a:solidFill>
+            <a:schemeClr val="tx1"/>
+          </a:solidFill>
+          <a:latin typeface="+mn-lt"/>
+          <a:ea typeface="+mn-ea"/>
+          <a:cs typeface="+mn-cs"/>
+        </a:defRPr>
+      </a:lvl7pPr>
+      <a:lvl8pPr marL="3200400" algn="l" defTabSz="914400" rtl="0" eaLnBrk="1" latinLnBrk="0" hangingPunct="1">
+        <a:defRPr sz="1800" kern="1200">
+          <a:solidFill>
+            <a:schemeClr val="tx1"/>
+          </a:solidFill>
+          <a:latin typeface="+mn-lt"/>
+          <a:ea typeface="+mn-ea"/>
+          <a:cs typeface="+mn-cs"/>
+        </a:defRPr>
+      </a:lvl8pPr>
+      <a:lvl9pPr marL="3657600" algn="l" defTabSz="914400" rtl="0" eaLnBrk="1" latinLnBrk="0" hangingPunct="1">
+        <a:defRPr sz="1800" kern="1200">
+          <a:solidFill>
+            <a:schemeClr val="tx1"/>
+          </a:solidFill>
+          <a:latin typeface="+mn-lt"/>
+          <a:ea typeface="+mn-ea"/>
+          <a:cs typeface="+mn-cs"/>
+        </a:defRPr>
+      </a:lvl9pPr>
+    </p:otherStyle>
+  </p:txStyles>
+</p:sldMaster>
+</file>
+
 <file path=ppt/slides/slide1.xml><?xml version="1.0" encoding="utf-8"?>
+<p:sld xmlns:a="http://schemas.openxmlformats.org/drawingml/2006/main" xmlns:r="http://schemas.openxmlformats.org/officeDocument/2006/relationships" xmlns:p="http://schemas.openxmlformats.org/presentationml/2006/main">
+  <p:cSld>
+    <p:spTree>
+      <p:nvGrpSpPr>
+        <p:cNvPr id="1" name=""/>
+        <p:cNvGrpSpPr/>
+        <p:nvPr/>
+      </p:nvGrpSpPr>
+      <p:grpSpPr>
+        <a:xfrm>
+          <a:off x="0" y="0"/>
+          <a:ext cx="0" cy="0"/>
+          <a:chOff x="0" y="0"/>
+          <a:chExt cx="0" cy="0"/>
+        </a:xfrm>
+      </p:grpSpPr>
+      <p:sp>
+        <p:nvSpPr>
+          <p:cNvPr id="8" name="Rectangle 7"/>
+          <p:cNvSpPr>
+            <a:spLocks noGrp="1" noRot="1" noChangeAspect="1" noMove="1" noResize="1" noEditPoints="1" noAdjustHandles="1" noChangeArrowheads="1" noChangeShapeType="1" noTextEdit="1"/>
+          </p:cNvSpPr>
+          <p:nvPr>
+            <p:extLst>
+              <p:ext uri="{386F3935-93C4-4BCD-93E2-E3B085C9AB24}">
+                <p16:designElem xmlns:p16="http://schemas.microsoft.com/office/powerpoint/2015/main" val="1"/>
+              </p:ext>
+            </p:extLst>
+          </p:nvPr>
+        </p:nvSpPr>
+        <p:spPr>
+          <a:xfrm flipH="1">
+            <a:off x="0" y="0"/>
+            <a:ext cx="12188726" cy="6858975"/>
+          </a:xfrm>
+          <a:prstGeom prst="rect">
+            <a:avLst/>
+          </a:prstGeom>
+          <a:solidFill>
+            <a:schemeClr val="bg1"/>
+          </a:solidFill>
+          <a:ln>
+            <a:noFill/>
+          </a:ln>
+        </p:spPr>
+        <p:style>
+          <a:lnRef idx="2">
+            <a:schemeClr val="accent1">
+              <a:shade val="50000"/>
+            </a:schemeClr>
+          </a:lnRef>
+          <a:fillRef idx="1">
+            <a:schemeClr val="accent1"/>
+          </a:fillRef>
+          <a:effectRef idx="0">
+            <a:schemeClr val="accent1"/>
+          </a:effectRef>
+          <a:fontRef idx="minor">
+            <a:schemeClr val="lt1"/>
+          </a:fontRef>
+        </p:style>
+        <p:txBody>
+          <a:bodyPr rtlCol="0" anchor="ctr"/>
+          <a:lstStyle/>
+          <a:p>
+            <a:pPr algn="ctr"/>
+            <a:endParaRPr lang="en-US"/>
+          </a:p>
+        </p:txBody>
+      </p:sp>
+      <p:sp>
+        <p:nvSpPr>
+          <p:cNvPr id="10" name="Rectangle 9"/>
+          <p:cNvSpPr>
+            <a:spLocks noGrp="1" noRot="1" noChangeAspect="1" noMove="1" noResize="1" noEditPoints="1" noAdjustHandles="1" noChangeArrowheads="1" noChangeShapeType="1" noTextEdit="1"/>
+          </p:cNvSpPr>
+          <p:nvPr>
+            <p:extLst>
+              <p:ext uri="{386F3935-93C4-4BCD-93E2-E3B085C9AB24}">
+                <p16:designElem xmlns:p16="http://schemas.microsoft.com/office/powerpoint/2015/main" val="1"/>
+              </p:ext>
+            </p:extLst>
+          </p:nvPr>
+        </p:nvSpPr>
+        <p:spPr>
+          <a:xfrm>
+            <a:off x="5109343" y="620720"/>
+            <a:ext cx="6442480" cy="5593163"/>
+          </a:xfrm>
+          <a:prstGeom prst="rect">
+            <a:avLst/>
+          </a:prstGeom>
+          <a:solidFill>
+            <a:schemeClr val="tx1">
+              <a:lumMod val="75000"/>
+              <a:lumOff val="25000"/>
+            </a:schemeClr>
+          </a:solidFill>
+          <a:ln>
+            <a:noFill/>
+          </a:ln>
+        </p:spPr>
+        <p:style>
+          <a:lnRef idx="2">
+            <a:schemeClr val="accent1">
+              <a:shade val="50000"/>
+            </a:schemeClr>
+          </a:lnRef>
+          <a:fillRef idx="1">
+            <a:schemeClr val="accent1"/>
+          </a:fillRef>
+          <a:effectRef idx="0">
+            <a:schemeClr val="accent1"/>
+          </a:effectRef>
+          <a:fontRef idx="minor">
+            <a:schemeClr val="lt1"/>
+          </a:fontRef>
+        </p:style>
+        <p:txBody>
+          <a:bodyPr rtlCol="0" anchor="ctr"/>
+          <a:lstStyle/>
+          <a:p>
+            <a:pPr algn="ctr"/>
+            <a:endParaRPr lang="en-US"/>
+          </a:p>
+        </p:txBody>
+      </p:sp>
+      <p:cxnSp>
+        <p:nvCxnSpPr>
+          <p:cNvPr id="12" name="Straight Connector 11"/>
+          <p:cNvCxnSpPr>
+            <a:cxnSpLocks noGrp="1" noRot="1" noChangeAspect="1" noMove="1" noResize="1" noEditPoints="1" noAdjustHandles="1" noChangeArrowheads="1" noChangeShapeType="1"/>
+          </p:cNvCxnSpPr>
+          <p:nvPr>
+            <p:extLst>
+              <p:ext uri="{386F3935-93C4-4BCD-93E2-E3B085C9AB24}">
+                <p16:designElem xmlns:p16="http://schemas.microsoft.com/office/powerpoint/2015/main" val="1"/>
+              </p:ext>
+            </p:extLst>
+          </p:nvPr>
+        </p:nvCxnSpPr>
+        <p:spPr>
+          <a:xfrm>
+            <a:off x="5609960" y="4214336"/>
+            <a:ext cx="5120640" cy="0"/>
+          </a:xfrm>
+          <a:prstGeom prst="line">
+            <a:avLst/>
+          </a:prstGeom>
+          <a:ln w="19050">
+            <a:solidFill>
+              <a:schemeClr val="bg1"/>
+            </a:solidFill>
+          </a:ln>
+        </p:spPr>
+        <p:style>
+          <a:lnRef idx="1">
+            <a:schemeClr val="accent1"/>
+          </a:lnRef>
+          <a:fillRef idx="0">
+            <a:schemeClr val="accent1"/>
+          </a:fillRef>
+          <a:effectRef idx="0">
+            <a:schemeClr val="accent1"/>
+          </a:effectRef>
+          <a:fontRef idx="minor">
+            <a:schemeClr val="tx1"/>
+          </a:fontRef>
+        </p:style>
+      </p:cxnSp>
+      <p:sp>
+        <p:nvSpPr>
+          <p:cNvPr id="14" name="Rectangle 13"/>
+          <p:cNvSpPr>
+            <a:spLocks noGrp="1" noRot="1" noChangeAspect="1" noMove="1" noResize="1" noEditPoints="1" noAdjustHandles="1" noChangeArrowheads="1" noChangeShapeType="1" noTextEdit="1"/>
+          </p:cNvSpPr>
+          <p:nvPr>
+            <p:extLst>
+              <p:ext uri="{386F3935-93C4-4BCD-93E2-E3B085C9AB24}">
+                <p16:designElem xmlns:p16="http://schemas.microsoft.com/office/powerpoint/2015/main" val="1"/>
+              </p:ext>
+            </p:extLst>
+          </p:nvPr>
+        </p:nvSpPr>
+        <p:spPr>
+          <a:xfrm>
+            <a:off x="643467" y="621695"/>
+            <a:ext cx="4305009" cy="5592188"/>
+          </a:xfrm>
+          <a:prstGeom prst="rect">
+            <a:avLst/>
+          </a:prstGeom>
+          <a:blipFill dpi="0" rotWithShape="1">
+            <a:blip r:embed="rId5">
+              <a:duotone>
+                <a:schemeClr val="accent1">
+                  <a:shade val="45000"/>
+                  <a:satMod val="135000"/>
+                </a:schemeClr>
+                <a:prstClr val="white"/>
+              </a:duotone>
+            </a:blip>
+            <a:srcRect/>
+            <a:tile tx="-444500" ty="-127000" sx="50000" sy="50000" flip="xy" algn="tl"/>
+          </a:blipFill>
+          <a:ln>
+            <a:noFill/>
+          </a:ln>
+        </p:spPr>
+        <p:style>
+          <a:lnRef idx="2">
+            <a:schemeClr val="accent1">
+              <a:shade val="50000"/>
+            </a:schemeClr>
+          </a:lnRef>
+          <a:fillRef idx="1">
+            <a:schemeClr val="accent1"/>
+          </a:fillRef>
+          <a:effectRef idx="0">
+            <a:schemeClr val="accent1"/>
+          </a:effectRef>
+          <a:fontRef idx="minor">
+            <a:schemeClr val="lt1"/>
+          </a:fontRef>
+        </p:style>
+        <p:txBody>
+          <a:bodyPr rtlCol="0" anchor="ctr"/>
+          <a:lstStyle/>
+          <a:p>
+            <a:pPr lvl="0" algn="ctr"/>
+            <a:endParaRPr lang="en-US" dirty="0">
+              <a:solidFill>
+                <a:prstClr val="white"/>
+              </a:solidFill>
+            </a:endParaRPr>
+          </a:p>
+        </p:txBody>
+      </p:sp>
+      <p:sp>
+        <p:nvSpPr>
+          <p:cNvPr id="2" name="Title 1"/>
+          <p:cNvSpPr>
+            <a:spLocks noGrp="1"/>
+          </p:cNvSpPr>
+          <p:nvPr>
+            <p:ph type="ctrTitle"/>
+          </p:nvPr>
+        </p:nvSpPr>
+        <p:spPr>
+          <a:xfrm>
+            <a:off x="5590120" y="1105351"/>
+            <a:ext cx="5477071" cy="3023981"/>
+          </a:xfrm>
+        </p:spPr>
+        <p:txBody>
+          <a:bodyPr anchor="b">
+            <a:normAutofit/>
+          </a:bodyPr>
+          <a:lstStyle/>
+          <a:p>
+            <a:pPr algn="l"/>
+            <a:r>
+              <a:rPr lang="en-US" sz="4400">
+                <a:solidFill>
+                  <a:schemeClr val="bg1"/>
+                </a:solidFill>
+              </a:rPr>
+              <a:t>Intro to GraphDBs</a:t>
+            </a:r>
+          </a:p>
+        </p:txBody>
+      </p:sp>
+      <p:sp>
+        <p:nvSpPr>
+          <p:cNvPr id="3" name="Subtitle 2"/>
+          <p:cNvSpPr>
+            <a:spLocks noGrp="1"/>
+          </p:cNvSpPr>
+          <p:nvPr>
+            <p:ph type="subTitle" idx="1"/>
+          </p:nvPr>
+        </p:nvSpPr>
+        <p:spPr>
+          <a:xfrm>
+            <a:off x="5590120" y="4297556"/>
+            <a:ext cx="5477071" cy="1431695"/>
+          </a:xfrm>
+        </p:spPr>
+        <p:txBody>
+          <a:bodyPr anchor="t">
+            <a:normAutofit/>
+          </a:bodyPr>
+          <a:lstStyle/>
+          <a:p>
+            <a:r>
+              <a:rPr lang="en-US" sz="1600">
+                <a:solidFill>
+                  <a:schemeClr val="bg1"/>
+                </a:solidFill>
+              </a:rPr>
+              <a:t>Brief introduction to graph DB concepts</a:t>
+            </a:r>
+          </a:p>
+        </p:txBody>
+      </p:sp>
+      <p:pic>
+        <p:nvPicPr>
+          <p:cNvPr id="4" name="Audio 3">
+            <a:hlinkClick r:id="" action="ppaction://media"/>
+          </p:cNvPr>
+          <p:cNvPicPr>
+            <a:picLocks noChangeAspect="1"/>
+          </p:cNvPicPr>
+          <p:nvPr>
+            <a:audioFile r:link="rId2"/>
+            <p:extLst>
+              <p:ext uri="{DAA4B4D4-6D71-4841-9C94-3DE7FCFB9230}">
+                <p14:media xmlns:p14="http://schemas.microsoft.com/office/powerpoint/2010/main" r:embed="rId1"/>
+              </p:ext>
+            </p:extLst>
+          </p:nvPr>
+        </p:nvPicPr>
+        <p:blipFill>
+          <a:blip r:embed="rId6"/>
+          <a:stretch>
+            <a:fillRect/>
+          </a:stretch>
+        </p:blipFill>
+        <p:spPr>
+          <a:xfrm>
+            <a:off x="11734800" y="6400800"/>
+            <a:ext cx="304800" cy="304800"/>
+          </a:xfrm>
+          <a:prstGeom prst="rect">
+            <a:avLst/>
+          </a:prstGeom>
+        </p:spPr>
+      </p:pic>
+    </p:spTree>
+    <p:extLst>
+      <p:ext uri="{BB962C8B-B14F-4D97-AF65-F5344CB8AC3E}">
+        <p14:creationId xmlns:p14="http://schemas.microsoft.com/office/powerpoint/2010/main" val="2338312885"/>
+      </p:ext>
+    </p:extLst>
+  </p:cSld>
+  <p:clrMapOvr>
+    <a:masterClrMapping/>
+  </p:clrMapOvr>
+  <mc:AlternateContent xmlns:mc="http://schemas.openxmlformats.org/markup-compatibility/2006">
+    <mc:Choice xmlns:p14="http://schemas.microsoft.com/office/powerpoint/2010/main" Requires="p14">
+      <p:transition spd="slow" p14:dur="2000" advTm="8894"/>
+    </mc:Choice>
+    <mc:Fallback>
+      <p:transition spd="slow" advTm="8894"/>
+    </mc:Fallback>
+  </mc:AlternateContent>
+  <p:timing>
+    <p:tnLst>
+      <p:par>
+        <p:cTn id="1" dur="indefinite" restart="never" nodeType="tmRoot">
+          <p:childTnLst>
+            <p:seq concurrent="1" nextAc="seek">
+              <p:cTn id="2" dur="indefinite" nodeType="mainSeq">
+                <p:childTnLst>
+                  <p:par>
+                    <p:cTn id="3" fill="hold">
+                      <p:stCondLst>
+                        <p:cond delay="indefinite"/>
+                        <p:cond evt="onBegin" delay="0">
+                          <p:tn val="2"/>
+                        </p:cond>
+                      </p:stCondLst>
+                      <p:childTnLst>
+                        <p:par>
+                          <p:cTn id="4" fill="hold">
+                            <p:stCondLst>
+                              <p:cond delay="0"/>
+                            </p:stCondLst>
+                            <p:childTnLst>
+                              <p:par>
+                                <p:cTn id="5" presetID="1" presetClass="mediacall" presetSubtype="0" fill="hold" nodeType="afterEffect">
+                                  <p:stCondLst>
+                                    <p:cond delay="0"/>
+                                  </p:stCondLst>
+                                  <p:childTnLst>
+                                    <p:cmd type="call" cmd="playFrom(0.0)">
+                                      <p:cBhvr>
+                                        <p:cTn id="6" dur="1" fill="hold"/>
+                                        <p:tgtEl>
+                                          <p:spTgt spid="4"/>
+                                        </p:tgtEl>
+                                      </p:cBhvr>
+                                    </p:cmd>
+                                  </p:childTnLst>
+                                </p:cTn>
+                              </p:par>
+                            </p:childTnLst>
+                          </p:cTn>
+                        </p:par>
+                      </p:childTnLst>
+                    </p:cTn>
+                  </p:par>
+                </p:childTnLst>
+              </p:cTn>
+              <p:prevCondLst>
+                <p:cond evt="onPrev" delay="0">
+                  <p:tgtEl>
+                    <p:sldTgt/>
+                  </p:tgtEl>
+                </p:cond>
+              </p:prevCondLst>
+              <p:nextCondLst>
+                <p:cond evt="onNext" delay="0">
+                  <p:tgtEl>
+                    <p:sldTgt/>
+                  </p:tgtEl>
+                </p:cond>
+              </p:nextCondLst>
+            </p:seq>
+            <p:audio isNarration="1">
+              <p:cMediaNode vol="80000" showWhenStopped="0">
+                <p:cTn id="7" fill="hold" display="0">
+                  <p:stCondLst>
+                    <p:cond delay="indefinite"/>
+                  </p:stCondLst>
+                  <p:endCondLst>
+                    <p:cond evt="onStopAudio" delay="0">
+                      <p:tgtEl>
+                        <p:sldTgt/>
+                      </p:tgtEl>
+                    </p:cond>
+                  </p:endCondLst>
+                </p:cTn>
+                <p:tgtEl>
+                  <p:spTgt spid="4"/>
+                </p:tgtEl>
+              </p:cMediaNode>
+            </p:audio>
+          </p:childTnLst>
+        </p:cTn>
+      </p:par>
+    </p:tnLst>
+  </p:timing>
+</p:sld>
+</file>
+
+<file path=ppt/slides/slide10.xml><?xml version="1.0" encoding="utf-8"?>
+<p:sld xmlns:a="http://schemas.openxmlformats.org/drawingml/2006/main" xmlns:r="http://schemas.openxmlformats.org/officeDocument/2006/relationships" xmlns:p="http://schemas.openxmlformats.org/presentationml/2006/main">
+  <p:cSld>
+    <p:spTree>
+      <p:nvGrpSpPr>
+        <p:cNvPr id="1" name=""/>
+        <p:cNvGrpSpPr/>
+        <p:nvPr/>
+      </p:nvGrpSpPr>
+      <p:grpSpPr>
+        <a:xfrm>
+          <a:off x="0" y="0"/>
+          <a:ext cx="0" cy="0"/>
+          <a:chOff x="0" y="0"/>
+          <a:chExt cx="0" cy="0"/>
+        </a:xfrm>
+      </p:grpSpPr>
+      <p:sp>
+        <p:nvSpPr>
+          <p:cNvPr id="2" name="Title 1"/>
+          <p:cNvSpPr>
+            <a:spLocks noGrp="1"/>
+          </p:cNvSpPr>
+          <p:nvPr>
+            <p:ph type="title"/>
+          </p:nvPr>
+        </p:nvSpPr>
+        <p:spPr/>
+        <p:txBody>
+          <a:bodyPr/>
+          <a:lstStyle/>
+          <a:p>
+            <a:r>
+              <a:rPr lang="en-US" dirty="0"/>
+              <a:t>Nodes</a:t>
+            </a:r>
+          </a:p>
+        </p:txBody>
+      </p:sp>
+      <p:sp>
+        <p:nvSpPr>
+          <p:cNvPr id="3" name="Content Placeholder 2"/>
+          <p:cNvSpPr>
+            <a:spLocks noGrp="1"/>
+          </p:cNvSpPr>
+          <p:nvPr>
+            <p:ph idx="1"/>
+          </p:nvPr>
+        </p:nvSpPr>
+        <p:spPr/>
+        <p:txBody>
+          <a:bodyPr/>
+          <a:lstStyle/>
+          <a:p>
+            <a:pPr>
+              <a:buFont typeface="Wingdings" panose="05000000000000000000" pitchFamily="2" charset="2"/>
+              <a:buChar char="Ø"/>
+            </a:pPr>
+            <a:r>
+              <a:rPr lang="en-US" dirty="0"/>
+              <a:t>Nodes represent entities and complex types</a:t>
+            </a:r>
+          </a:p>
+          <a:p>
+            <a:pPr>
+              <a:buFont typeface="Wingdings" panose="05000000000000000000" pitchFamily="2" charset="2"/>
+              <a:buChar char="Ø"/>
+            </a:pPr>
+            <a:r>
+              <a:rPr lang="en-US" dirty="0"/>
+              <a:t>Nodes can contain properties</a:t>
+            </a:r>
+          </a:p>
+          <a:p>
+            <a:pPr>
+              <a:buFont typeface="Wingdings" panose="05000000000000000000" pitchFamily="2" charset="2"/>
+              <a:buChar char="Ø"/>
+            </a:pPr>
+            <a:r>
+              <a:rPr lang="en-US" dirty="0"/>
+              <a:t>Each node can have different properties</a:t>
+            </a:r>
+          </a:p>
+        </p:txBody>
+      </p:sp>
+    </p:spTree>
+    <p:extLst>
+      <p:ext uri="{BB962C8B-B14F-4D97-AF65-F5344CB8AC3E}">
+        <p14:creationId xmlns:p14="http://schemas.microsoft.com/office/powerpoint/2010/main" val="303320234"/>
+      </p:ext>
+    </p:extLst>
+  </p:cSld>
+  <p:clrMapOvr>
+    <a:masterClrMapping/>
+  </p:clrMapOvr>
+</p:sld>
+</file>
+
+<file path=ppt/slides/slide11.xml><?xml version="1.0" encoding="utf-8"?>
+<p:sld xmlns:a="http://schemas.openxmlformats.org/drawingml/2006/main" xmlns:r="http://schemas.openxmlformats.org/officeDocument/2006/relationships" xmlns:p="http://schemas.openxmlformats.org/presentationml/2006/main">
+  <p:cSld>
+    <p:spTree>
+      <p:nvGrpSpPr>
+        <p:cNvPr id="1" name=""/>
+        <p:cNvGrpSpPr/>
+        <p:nvPr/>
+      </p:nvGrpSpPr>
+      <p:grpSpPr>
+        <a:xfrm>
+          <a:off x="0" y="0"/>
+          <a:ext cx="0" cy="0"/>
+          <a:chOff x="0" y="0"/>
+          <a:chExt cx="0" cy="0"/>
+        </a:xfrm>
+      </p:grpSpPr>
+      <p:sp>
+        <p:nvSpPr>
+          <p:cNvPr id="2" name="Title 1"/>
+          <p:cNvSpPr>
+            <a:spLocks noGrp="1"/>
+          </p:cNvSpPr>
+          <p:nvPr>
+            <p:ph type="title"/>
+          </p:nvPr>
+        </p:nvSpPr>
+        <p:spPr/>
+        <p:txBody>
+          <a:bodyPr/>
+          <a:lstStyle/>
+          <a:p>
+            <a:r>
+              <a:rPr lang="en-US" dirty="0"/>
+              <a:t>Relationships</a:t>
+            </a:r>
+          </a:p>
+        </p:txBody>
+      </p:sp>
+      <p:sp>
+        <p:nvSpPr>
+          <p:cNvPr id="3" name="Content Placeholder 2"/>
+          <p:cNvSpPr>
+            <a:spLocks noGrp="1"/>
+          </p:cNvSpPr>
+          <p:nvPr>
+            <p:ph idx="1"/>
+          </p:nvPr>
+        </p:nvSpPr>
+        <p:spPr/>
+        <p:txBody>
+          <a:bodyPr/>
+          <a:lstStyle/>
+          <a:p>
+            <a:pPr>
+              <a:buFont typeface="Wingdings" panose="05000000000000000000" pitchFamily="2" charset="2"/>
+              <a:buChar char="Ø"/>
+            </a:pPr>
+            <a:r>
+              <a:rPr lang="en-US" dirty="0"/>
+              <a:t>Every relationship has a name and direction</a:t>
+            </a:r>
+          </a:p>
+          <a:p>
+            <a:pPr>
+              <a:buFont typeface="Wingdings" panose="05000000000000000000" pitchFamily="2" charset="2"/>
+              <a:buChar char="Ø"/>
+            </a:pPr>
+            <a:r>
+              <a:rPr lang="en-US" dirty="0"/>
+              <a:t>Relationships can contain properties, which can further clarify the relationship</a:t>
+            </a:r>
+          </a:p>
+          <a:p>
+            <a:pPr>
+              <a:buFont typeface="Wingdings" panose="05000000000000000000" pitchFamily="2" charset="2"/>
+              <a:buChar char="Ø"/>
+            </a:pPr>
+            <a:r>
+              <a:rPr lang="en-US" dirty="0"/>
+              <a:t>Must have a start and end node</a:t>
+            </a:r>
+          </a:p>
+        </p:txBody>
+      </p:sp>
+    </p:spTree>
+    <p:extLst>
+      <p:ext uri="{BB962C8B-B14F-4D97-AF65-F5344CB8AC3E}">
+        <p14:creationId xmlns:p14="http://schemas.microsoft.com/office/powerpoint/2010/main" val="1281301520"/>
+      </p:ext>
+    </p:extLst>
+  </p:cSld>
+  <p:clrMapOvr>
+    <a:masterClrMapping/>
+  </p:clrMapOvr>
+</p:sld>
+</file>
+
+<file path=ppt/slides/slide12.xml><?xml version="1.0" encoding="utf-8"?>
+<p:sld xmlns:a="http://schemas.openxmlformats.org/drawingml/2006/main" xmlns:r="http://schemas.openxmlformats.org/officeDocument/2006/relationships" xmlns:p="http://schemas.openxmlformats.org/presentationml/2006/main">
+  <p:cSld>
+    <p:spTree>
+      <p:nvGrpSpPr>
+        <p:cNvPr id="1" name=""/>
+        <p:cNvGrpSpPr/>
+        <p:nvPr/>
+      </p:nvGrpSpPr>
+      <p:grpSpPr>
+        <a:xfrm>
+          <a:off x="0" y="0"/>
+          <a:ext cx="0" cy="0"/>
+          <a:chOff x="0" y="0"/>
+          <a:chExt cx="0" cy="0"/>
+        </a:xfrm>
+      </p:grpSpPr>
+      <p:sp>
+        <p:nvSpPr>
+          <p:cNvPr id="2" name="Title 1"/>
+          <p:cNvSpPr>
+            <a:spLocks noGrp="1"/>
+          </p:cNvSpPr>
+          <p:nvPr>
+            <p:ph type="title"/>
+          </p:nvPr>
+        </p:nvSpPr>
+        <p:spPr/>
+        <p:txBody>
+          <a:bodyPr/>
+          <a:lstStyle/>
+          <a:p>
+            <a:r>
+              <a:rPr lang="en-US" dirty="0"/>
+              <a:t>Properties</a:t>
+            </a:r>
+          </a:p>
+        </p:txBody>
+      </p:sp>
+      <p:sp>
+        <p:nvSpPr>
+          <p:cNvPr id="3" name="Content Placeholder 2"/>
+          <p:cNvSpPr>
+            <a:spLocks noGrp="1"/>
+          </p:cNvSpPr>
+          <p:nvPr>
+            <p:ph idx="1"/>
+          </p:nvPr>
+        </p:nvSpPr>
+        <p:spPr/>
+        <p:txBody>
+          <a:bodyPr/>
+          <a:lstStyle/>
+          <a:p>
+            <a:pPr>
+              <a:buFont typeface="Wingdings" panose="05000000000000000000" pitchFamily="2" charset="2"/>
+              <a:buChar char="Ø"/>
+            </a:pPr>
+            <a:r>
+              <a:rPr lang="en-US" dirty="0"/>
+              <a:t>Key value pairs used for nodes and relationships</a:t>
+            </a:r>
+          </a:p>
+          <a:p>
+            <a:pPr>
+              <a:buFont typeface="Wingdings" panose="05000000000000000000" pitchFamily="2" charset="2"/>
+              <a:buChar char="Ø"/>
+            </a:pPr>
+            <a:r>
+              <a:rPr lang="en-US" dirty="0"/>
+              <a:t>Adds metadata to your nodes and relationships</a:t>
+            </a:r>
+          </a:p>
+          <a:p>
+            <a:pPr>
+              <a:buFont typeface="Wingdings" panose="05000000000000000000" pitchFamily="2" charset="2"/>
+              <a:buChar char="Ø"/>
+            </a:pPr>
+            <a:r>
+              <a:rPr lang="en-US" dirty="0"/>
+              <a:t>Entity attributes</a:t>
+            </a:r>
+          </a:p>
+          <a:p>
+            <a:pPr>
+              <a:buFont typeface="Wingdings" panose="05000000000000000000" pitchFamily="2" charset="2"/>
+              <a:buChar char="Ø"/>
+            </a:pPr>
+            <a:r>
+              <a:rPr lang="en-US" dirty="0"/>
+              <a:t>Relationship qualities</a:t>
+            </a:r>
+          </a:p>
+        </p:txBody>
+      </p:sp>
+    </p:spTree>
+    <p:extLst>
+      <p:ext uri="{BB962C8B-B14F-4D97-AF65-F5344CB8AC3E}">
+        <p14:creationId xmlns:p14="http://schemas.microsoft.com/office/powerpoint/2010/main" val="2637711824"/>
+      </p:ext>
+    </p:extLst>
+  </p:cSld>
+  <p:clrMapOvr>
+    <a:masterClrMapping/>
+  </p:clrMapOvr>
+</p:sld>
+</file>
+
+<file path=ppt/slides/slide13.xml><?xml version="1.0" encoding="utf-8"?>
+<p:sld xmlns:a="http://schemas.openxmlformats.org/drawingml/2006/main" xmlns:r="http://schemas.openxmlformats.org/officeDocument/2006/relationships" xmlns:p="http://schemas.openxmlformats.org/presentationml/2006/main">
+  <p:cSld>
+    <p:spTree>
+      <p:nvGrpSpPr>
+        <p:cNvPr id="1" name=""/>
+        <p:cNvGrpSpPr/>
+        <p:nvPr/>
+      </p:nvGrpSpPr>
+      <p:grpSpPr>
+        <a:xfrm>
+          <a:off x="0" y="0"/>
+          <a:ext cx="0" cy="0"/>
+          <a:chOff x="0" y="0"/>
+          <a:chExt cx="0" cy="0"/>
+        </a:xfrm>
+      </p:grpSpPr>
+      <p:sp>
+        <p:nvSpPr>
+          <p:cNvPr id="2" name="Title 1"/>
+          <p:cNvSpPr>
+            <a:spLocks noGrp="1"/>
+          </p:cNvSpPr>
+          <p:nvPr>
+            <p:ph type="title"/>
+          </p:nvPr>
+        </p:nvSpPr>
+        <p:spPr/>
+        <p:txBody>
+          <a:bodyPr/>
+          <a:lstStyle/>
+          <a:p>
+            <a:r>
+              <a:rPr lang="en-US" dirty="0"/>
+              <a:t>Labels</a:t>
+            </a:r>
+          </a:p>
+        </p:txBody>
+      </p:sp>
+      <p:sp>
+        <p:nvSpPr>
+          <p:cNvPr id="3" name="Content Placeholder 2"/>
+          <p:cNvSpPr>
+            <a:spLocks noGrp="1"/>
+          </p:cNvSpPr>
+          <p:nvPr>
+            <p:ph idx="1"/>
+          </p:nvPr>
+        </p:nvSpPr>
+        <p:spPr/>
+        <p:txBody>
+          <a:bodyPr/>
+          <a:lstStyle/>
+          <a:p>
+            <a:pPr>
+              <a:buFont typeface="Wingdings" panose="05000000000000000000" pitchFamily="2" charset="2"/>
+              <a:buChar char="Ø"/>
+            </a:pPr>
+            <a:r>
+              <a:rPr lang="en-US" dirty="0"/>
+              <a:t>Used to represent objects in your domain (e.g. user, person, movie)</a:t>
+            </a:r>
+          </a:p>
+          <a:p>
+            <a:pPr>
+              <a:buFont typeface="Wingdings" panose="05000000000000000000" pitchFamily="2" charset="2"/>
+              <a:buChar char="Ø"/>
+            </a:pPr>
+            <a:r>
+              <a:rPr lang="en-US" dirty="0"/>
+              <a:t>With labels, you can group nodes</a:t>
+            </a:r>
+          </a:p>
+          <a:p>
+            <a:pPr>
+              <a:buFont typeface="Wingdings" panose="05000000000000000000" pitchFamily="2" charset="2"/>
+              <a:buChar char="Ø"/>
+            </a:pPr>
+            <a:r>
+              <a:rPr lang="en-US" dirty="0"/>
+              <a:t>Allows us to create indexes and constraints with groups of nodes</a:t>
+            </a:r>
+          </a:p>
+        </p:txBody>
+      </p:sp>
+    </p:spTree>
+    <p:extLst>
+      <p:ext uri="{BB962C8B-B14F-4D97-AF65-F5344CB8AC3E}">
+        <p14:creationId xmlns:p14="http://schemas.microsoft.com/office/powerpoint/2010/main" val="2552325323"/>
+      </p:ext>
+    </p:extLst>
+  </p:cSld>
+  <p:clrMapOvr>
+    <a:masterClrMapping/>
+  </p:clrMapOvr>
+</p:sld>
+</file>
+
+<file path=ppt/slides/slide14.xml><?xml version="1.0" encoding="utf-8"?>
 <p:sld xmlns:a="http://schemas.openxmlformats.org/drawingml/2006/main" xmlns:r="http://schemas.openxmlformats.org/officeDocument/2006/relationships" xmlns:p="http://schemas.openxmlformats.org/presentationml/2006/main">
   <p:cSld>
     <p:spTree>
@@ -23417,629 +27461,6 @@
                   <a:schemeClr val="bg1"/>
                 </a:solidFill>
               </a:rPr>
-              <a:t>Intro to GraphDBs</a:t>
-            </a:r>
-          </a:p>
-        </p:txBody>
-      </p:sp>
-      <p:sp>
-        <p:nvSpPr>
-          <p:cNvPr id="3" name="Subtitle 2"/>
-          <p:cNvSpPr>
-            <a:spLocks noGrp="1"/>
-          </p:cNvSpPr>
-          <p:nvPr>
-            <p:ph type="subTitle" idx="1"/>
-          </p:nvPr>
-        </p:nvSpPr>
-        <p:spPr>
-          <a:xfrm>
-            <a:off x="5590120" y="4297556"/>
-            <a:ext cx="5477071" cy="1431695"/>
-          </a:xfrm>
-        </p:spPr>
-        <p:txBody>
-          <a:bodyPr anchor="t">
-            <a:normAutofit/>
-          </a:bodyPr>
-          <a:lstStyle/>
-          <a:p>
-            <a:r>
-              <a:rPr lang="en-US" sz="1600">
-                <a:solidFill>
-                  <a:schemeClr val="bg1"/>
-                </a:solidFill>
-              </a:rPr>
-              <a:t>Brief introduction to graph DB concepts</a:t>
-            </a:r>
-          </a:p>
-        </p:txBody>
-      </p:sp>
-    </p:spTree>
-    <p:extLst>
-      <p:ext uri="{BB962C8B-B14F-4D97-AF65-F5344CB8AC3E}">
-        <p14:creationId xmlns:p14="http://schemas.microsoft.com/office/powerpoint/2010/main" val="2338312885"/>
-      </p:ext>
-    </p:extLst>
-  </p:cSld>
-  <p:clrMapOvr>
-    <a:masterClrMapping/>
-  </p:clrMapOvr>
-</p:sld>
-</file>
-
-<file path=ppt/slides/slide10.xml><?xml version="1.0" encoding="utf-8"?>
-<p:sld xmlns:a="http://schemas.openxmlformats.org/drawingml/2006/main" xmlns:r="http://schemas.openxmlformats.org/officeDocument/2006/relationships" xmlns:p="http://schemas.openxmlformats.org/presentationml/2006/main">
-  <p:cSld>
-    <p:spTree>
-      <p:nvGrpSpPr>
-        <p:cNvPr id="1" name=""/>
-        <p:cNvGrpSpPr/>
-        <p:nvPr/>
-      </p:nvGrpSpPr>
-      <p:grpSpPr>
-        <a:xfrm>
-          <a:off x="0" y="0"/>
-          <a:ext cx="0" cy="0"/>
-          <a:chOff x="0" y="0"/>
-          <a:chExt cx="0" cy="0"/>
-        </a:xfrm>
-      </p:grpSpPr>
-      <p:sp>
-        <p:nvSpPr>
-          <p:cNvPr id="2" name="Title 1"/>
-          <p:cNvSpPr>
-            <a:spLocks noGrp="1"/>
-          </p:cNvSpPr>
-          <p:nvPr>
-            <p:ph type="title"/>
-          </p:nvPr>
-        </p:nvSpPr>
-        <p:spPr/>
-        <p:txBody>
-          <a:bodyPr/>
-          <a:lstStyle/>
-          <a:p>
-            <a:r>
-              <a:rPr lang="en-US" dirty="0"/>
-              <a:t>Relationships</a:t>
-            </a:r>
-          </a:p>
-        </p:txBody>
-      </p:sp>
-      <p:sp>
-        <p:nvSpPr>
-          <p:cNvPr id="3" name="Content Placeholder 2"/>
-          <p:cNvSpPr>
-            <a:spLocks noGrp="1"/>
-          </p:cNvSpPr>
-          <p:nvPr>
-            <p:ph idx="1"/>
-          </p:nvPr>
-        </p:nvSpPr>
-        <p:spPr/>
-        <p:txBody>
-          <a:bodyPr/>
-          <a:lstStyle/>
-          <a:p>
-            <a:pPr>
-              <a:buFont typeface="Wingdings" panose="05000000000000000000" pitchFamily="2" charset="2"/>
-              <a:buChar char="Ø"/>
-            </a:pPr>
-            <a:r>
-              <a:rPr lang="en-US" dirty="0"/>
-              <a:t>Every relationship has a name and direction</a:t>
-            </a:r>
-          </a:p>
-          <a:p>
-            <a:pPr>
-              <a:buFont typeface="Wingdings" panose="05000000000000000000" pitchFamily="2" charset="2"/>
-              <a:buChar char="Ø"/>
-            </a:pPr>
-            <a:r>
-              <a:rPr lang="en-US" dirty="0"/>
-              <a:t>Relationships can contain properties, which can further clarify the relationship</a:t>
-            </a:r>
-          </a:p>
-          <a:p>
-            <a:pPr>
-              <a:buFont typeface="Wingdings" panose="05000000000000000000" pitchFamily="2" charset="2"/>
-              <a:buChar char="Ø"/>
-            </a:pPr>
-            <a:r>
-              <a:rPr lang="en-US" dirty="0"/>
-              <a:t>Must have a start and end node</a:t>
-            </a:r>
-          </a:p>
-        </p:txBody>
-      </p:sp>
-    </p:spTree>
-    <p:extLst>
-      <p:ext uri="{BB962C8B-B14F-4D97-AF65-F5344CB8AC3E}">
-        <p14:creationId xmlns:p14="http://schemas.microsoft.com/office/powerpoint/2010/main" val="1281301520"/>
-      </p:ext>
-    </p:extLst>
-  </p:cSld>
-  <p:clrMapOvr>
-    <a:masterClrMapping/>
-  </p:clrMapOvr>
-</p:sld>
-</file>
-
-<file path=ppt/slides/slide11.xml><?xml version="1.0" encoding="utf-8"?>
-<p:sld xmlns:a="http://schemas.openxmlformats.org/drawingml/2006/main" xmlns:r="http://schemas.openxmlformats.org/officeDocument/2006/relationships" xmlns:p="http://schemas.openxmlformats.org/presentationml/2006/main">
-  <p:cSld>
-    <p:spTree>
-      <p:nvGrpSpPr>
-        <p:cNvPr id="1" name=""/>
-        <p:cNvGrpSpPr/>
-        <p:nvPr/>
-      </p:nvGrpSpPr>
-      <p:grpSpPr>
-        <a:xfrm>
-          <a:off x="0" y="0"/>
-          <a:ext cx="0" cy="0"/>
-          <a:chOff x="0" y="0"/>
-          <a:chExt cx="0" cy="0"/>
-        </a:xfrm>
-      </p:grpSpPr>
-      <p:sp>
-        <p:nvSpPr>
-          <p:cNvPr id="2" name="Title 1"/>
-          <p:cNvSpPr>
-            <a:spLocks noGrp="1"/>
-          </p:cNvSpPr>
-          <p:nvPr>
-            <p:ph type="title"/>
-          </p:nvPr>
-        </p:nvSpPr>
-        <p:spPr/>
-        <p:txBody>
-          <a:bodyPr/>
-          <a:lstStyle/>
-          <a:p>
-            <a:r>
-              <a:rPr lang="en-US" dirty="0"/>
-              <a:t>Properties</a:t>
-            </a:r>
-          </a:p>
-        </p:txBody>
-      </p:sp>
-      <p:sp>
-        <p:nvSpPr>
-          <p:cNvPr id="3" name="Content Placeholder 2"/>
-          <p:cNvSpPr>
-            <a:spLocks noGrp="1"/>
-          </p:cNvSpPr>
-          <p:nvPr>
-            <p:ph idx="1"/>
-          </p:nvPr>
-        </p:nvSpPr>
-        <p:spPr/>
-        <p:txBody>
-          <a:bodyPr/>
-          <a:lstStyle/>
-          <a:p>
-            <a:pPr>
-              <a:buFont typeface="Wingdings" panose="05000000000000000000" pitchFamily="2" charset="2"/>
-              <a:buChar char="Ø"/>
-            </a:pPr>
-            <a:r>
-              <a:rPr lang="en-US" dirty="0"/>
-              <a:t>Key value pairs used for nodes and relationships</a:t>
-            </a:r>
-          </a:p>
-          <a:p>
-            <a:pPr>
-              <a:buFont typeface="Wingdings" panose="05000000000000000000" pitchFamily="2" charset="2"/>
-              <a:buChar char="Ø"/>
-            </a:pPr>
-            <a:r>
-              <a:rPr lang="en-US" dirty="0"/>
-              <a:t>Adds metadata to your nodes and relationships</a:t>
-            </a:r>
-          </a:p>
-          <a:p>
-            <a:pPr>
-              <a:buFont typeface="Wingdings" panose="05000000000000000000" pitchFamily="2" charset="2"/>
-              <a:buChar char="Ø"/>
-            </a:pPr>
-            <a:r>
-              <a:rPr lang="en-US" dirty="0"/>
-              <a:t>Entity attributes</a:t>
-            </a:r>
-          </a:p>
-          <a:p>
-            <a:pPr>
-              <a:buFont typeface="Wingdings" panose="05000000000000000000" pitchFamily="2" charset="2"/>
-              <a:buChar char="Ø"/>
-            </a:pPr>
-            <a:r>
-              <a:rPr lang="en-US" dirty="0"/>
-              <a:t>Relationship qualities</a:t>
-            </a:r>
-          </a:p>
-        </p:txBody>
-      </p:sp>
-    </p:spTree>
-    <p:extLst>
-      <p:ext uri="{BB962C8B-B14F-4D97-AF65-F5344CB8AC3E}">
-        <p14:creationId xmlns:p14="http://schemas.microsoft.com/office/powerpoint/2010/main" val="2637711824"/>
-      </p:ext>
-    </p:extLst>
-  </p:cSld>
-  <p:clrMapOvr>
-    <a:masterClrMapping/>
-  </p:clrMapOvr>
-</p:sld>
-</file>
-
-<file path=ppt/slides/slide12.xml><?xml version="1.0" encoding="utf-8"?>
-<p:sld xmlns:a="http://schemas.openxmlformats.org/drawingml/2006/main" xmlns:r="http://schemas.openxmlformats.org/officeDocument/2006/relationships" xmlns:p="http://schemas.openxmlformats.org/presentationml/2006/main">
-  <p:cSld>
-    <p:spTree>
-      <p:nvGrpSpPr>
-        <p:cNvPr id="1" name=""/>
-        <p:cNvGrpSpPr/>
-        <p:nvPr/>
-      </p:nvGrpSpPr>
-      <p:grpSpPr>
-        <a:xfrm>
-          <a:off x="0" y="0"/>
-          <a:ext cx="0" cy="0"/>
-          <a:chOff x="0" y="0"/>
-          <a:chExt cx="0" cy="0"/>
-        </a:xfrm>
-      </p:grpSpPr>
-      <p:sp>
-        <p:nvSpPr>
-          <p:cNvPr id="2" name="Title 1"/>
-          <p:cNvSpPr>
-            <a:spLocks noGrp="1"/>
-          </p:cNvSpPr>
-          <p:nvPr>
-            <p:ph type="title"/>
-          </p:nvPr>
-        </p:nvSpPr>
-        <p:spPr/>
-        <p:txBody>
-          <a:bodyPr/>
-          <a:lstStyle/>
-          <a:p>
-            <a:r>
-              <a:rPr lang="en-US" dirty="0"/>
-              <a:t>Labels</a:t>
-            </a:r>
-          </a:p>
-        </p:txBody>
-      </p:sp>
-      <p:sp>
-        <p:nvSpPr>
-          <p:cNvPr id="3" name="Content Placeholder 2"/>
-          <p:cNvSpPr>
-            <a:spLocks noGrp="1"/>
-          </p:cNvSpPr>
-          <p:nvPr>
-            <p:ph idx="1"/>
-          </p:nvPr>
-        </p:nvSpPr>
-        <p:spPr/>
-        <p:txBody>
-          <a:bodyPr/>
-          <a:lstStyle/>
-          <a:p>
-            <a:pPr>
-              <a:buFont typeface="Wingdings" panose="05000000000000000000" pitchFamily="2" charset="2"/>
-              <a:buChar char="Ø"/>
-            </a:pPr>
-            <a:r>
-              <a:rPr lang="en-US" dirty="0"/>
-              <a:t>Used to represent objects in your domain (e.g. user, person, movie)</a:t>
-            </a:r>
-          </a:p>
-          <a:p>
-            <a:pPr>
-              <a:buFont typeface="Wingdings" panose="05000000000000000000" pitchFamily="2" charset="2"/>
-              <a:buChar char="Ø"/>
-            </a:pPr>
-            <a:r>
-              <a:rPr lang="en-US" dirty="0"/>
-              <a:t>With labels, you can group nodes</a:t>
-            </a:r>
-          </a:p>
-          <a:p>
-            <a:pPr>
-              <a:buFont typeface="Wingdings" panose="05000000000000000000" pitchFamily="2" charset="2"/>
-              <a:buChar char="Ø"/>
-            </a:pPr>
-            <a:r>
-              <a:rPr lang="en-US" dirty="0"/>
-              <a:t>Allows us to create indexes and constraints with groups of nodes</a:t>
-            </a:r>
-          </a:p>
-        </p:txBody>
-      </p:sp>
-    </p:spTree>
-    <p:extLst>
-      <p:ext uri="{BB962C8B-B14F-4D97-AF65-F5344CB8AC3E}">
-        <p14:creationId xmlns:p14="http://schemas.microsoft.com/office/powerpoint/2010/main" val="2552325323"/>
-      </p:ext>
-    </p:extLst>
-  </p:cSld>
-  <p:clrMapOvr>
-    <a:masterClrMapping/>
-  </p:clrMapOvr>
-</p:sld>
-</file>
-
-<file path=ppt/slides/slide13.xml><?xml version="1.0" encoding="utf-8"?>
-<p:sld xmlns:a="http://schemas.openxmlformats.org/drawingml/2006/main" xmlns:r="http://schemas.openxmlformats.org/officeDocument/2006/relationships" xmlns:p="http://schemas.openxmlformats.org/presentationml/2006/main">
-  <p:cSld>
-    <p:spTree>
-      <p:nvGrpSpPr>
-        <p:cNvPr id="1" name=""/>
-        <p:cNvGrpSpPr/>
-        <p:nvPr/>
-      </p:nvGrpSpPr>
-      <p:grpSpPr>
-        <a:xfrm>
-          <a:off x="0" y="0"/>
-          <a:ext cx="0" cy="0"/>
-          <a:chOff x="0" y="0"/>
-          <a:chExt cx="0" cy="0"/>
-        </a:xfrm>
-      </p:grpSpPr>
-      <p:sp>
-        <p:nvSpPr>
-          <p:cNvPr id="8" name="Rectangle 7"/>
-          <p:cNvSpPr>
-            <a:spLocks noGrp="1" noRot="1" noChangeAspect="1" noMove="1" noResize="1" noEditPoints="1" noAdjustHandles="1" noChangeArrowheads="1" noChangeShapeType="1" noTextEdit="1"/>
-          </p:cNvSpPr>
-          <p:nvPr>
-            <p:extLst>
-              <p:ext uri="{386F3935-93C4-4BCD-93E2-E3B085C9AB24}">
-                <p16:designElem xmlns:p16="http://schemas.microsoft.com/office/powerpoint/2015/main" val="1"/>
-              </p:ext>
-            </p:extLst>
-          </p:nvPr>
-        </p:nvSpPr>
-        <p:spPr>
-          <a:xfrm flipH="1">
-            <a:off x="0" y="0"/>
-            <a:ext cx="12188726" cy="6858975"/>
-          </a:xfrm>
-          <a:prstGeom prst="rect">
-            <a:avLst/>
-          </a:prstGeom>
-          <a:solidFill>
-            <a:schemeClr val="bg1"/>
-          </a:solidFill>
-          <a:ln>
-            <a:noFill/>
-          </a:ln>
-        </p:spPr>
-        <p:style>
-          <a:lnRef idx="2">
-            <a:schemeClr val="accent1">
-              <a:shade val="50000"/>
-            </a:schemeClr>
-          </a:lnRef>
-          <a:fillRef idx="1">
-            <a:schemeClr val="accent1"/>
-          </a:fillRef>
-          <a:effectRef idx="0">
-            <a:schemeClr val="accent1"/>
-          </a:effectRef>
-          <a:fontRef idx="minor">
-            <a:schemeClr val="lt1"/>
-          </a:fontRef>
-        </p:style>
-        <p:txBody>
-          <a:bodyPr rtlCol="0" anchor="ctr"/>
-          <a:lstStyle/>
-          <a:p>
-            <a:pPr algn="ctr"/>
-            <a:endParaRPr lang="en-US"/>
-          </a:p>
-        </p:txBody>
-      </p:sp>
-      <p:sp>
-        <p:nvSpPr>
-          <p:cNvPr id="10" name="Rectangle 9"/>
-          <p:cNvSpPr>
-            <a:spLocks noGrp="1" noRot="1" noChangeAspect="1" noMove="1" noResize="1" noEditPoints="1" noAdjustHandles="1" noChangeArrowheads="1" noChangeShapeType="1" noTextEdit="1"/>
-          </p:cNvSpPr>
-          <p:nvPr>
-            <p:extLst>
-              <p:ext uri="{386F3935-93C4-4BCD-93E2-E3B085C9AB24}">
-                <p16:designElem xmlns:p16="http://schemas.microsoft.com/office/powerpoint/2015/main" val="1"/>
-              </p:ext>
-            </p:extLst>
-          </p:nvPr>
-        </p:nvSpPr>
-        <p:spPr>
-          <a:xfrm>
-            <a:off x="5109343" y="620720"/>
-            <a:ext cx="6442480" cy="5593163"/>
-          </a:xfrm>
-          <a:prstGeom prst="rect">
-            <a:avLst/>
-          </a:prstGeom>
-          <a:solidFill>
-            <a:schemeClr val="tx1">
-              <a:lumMod val="75000"/>
-              <a:lumOff val="25000"/>
-            </a:schemeClr>
-          </a:solidFill>
-          <a:ln>
-            <a:noFill/>
-          </a:ln>
-        </p:spPr>
-        <p:style>
-          <a:lnRef idx="2">
-            <a:schemeClr val="accent1">
-              <a:shade val="50000"/>
-            </a:schemeClr>
-          </a:lnRef>
-          <a:fillRef idx="1">
-            <a:schemeClr val="accent1"/>
-          </a:fillRef>
-          <a:effectRef idx="0">
-            <a:schemeClr val="accent1"/>
-          </a:effectRef>
-          <a:fontRef idx="minor">
-            <a:schemeClr val="lt1"/>
-          </a:fontRef>
-        </p:style>
-        <p:txBody>
-          <a:bodyPr rtlCol="0" anchor="ctr"/>
-          <a:lstStyle/>
-          <a:p>
-            <a:pPr algn="ctr"/>
-            <a:endParaRPr lang="en-US"/>
-          </a:p>
-        </p:txBody>
-      </p:sp>
-      <p:cxnSp>
-        <p:nvCxnSpPr>
-          <p:cNvPr id="12" name="Straight Connector 11"/>
-          <p:cNvCxnSpPr>
-            <a:cxnSpLocks noGrp="1" noRot="1" noChangeAspect="1" noMove="1" noResize="1" noEditPoints="1" noAdjustHandles="1" noChangeArrowheads="1" noChangeShapeType="1"/>
-          </p:cNvCxnSpPr>
-          <p:nvPr>
-            <p:extLst>
-              <p:ext uri="{386F3935-93C4-4BCD-93E2-E3B085C9AB24}">
-                <p16:designElem xmlns:p16="http://schemas.microsoft.com/office/powerpoint/2015/main" val="1"/>
-              </p:ext>
-            </p:extLst>
-          </p:nvPr>
-        </p:nvCxnSpPr>
-        <p:spPr>
-          <a:xfrm>
-            <a:off x="5609960" y="4214336"/>
-            <a:ext cx="5120640" cy="0"/>
-          </a:xfrm>
-          <a:prstGeom prst="line">
-            <a:avLst/>
-          </a:prstGeom>
-          <a:ln w="19050">
-            <a:solidFill>
-              <a:schemeClr val="bg1"/>
-            </a:solidFill>
-          </a:ln>
-        </p:spPr>
-        <p:style>
-          <a:lnRef idx="1">
-            <a:schemeClr val="accent1"/>
-          </a:lnRef>
-          <a:fillRef idx="0">
-            <a:schemeClr val="accent1"/>
-          </a:fillRef>
-          <a:effectRef idx="0">
-            <a:schemeClr val="accent1"/>
-          </a:effectRef>
-          <a:fontRef idx="minor">
-            <a:schemeClr val="tx1"/>
-          </a:fontRef>
-        </p:style>
-      </p:cxnSp>
-      <p:sp>
-        <p:nvSpPr>
-          <p:cNvPr id="14" name="Rectangle 13"/>
-          <p:cNvSpPr>
-            <a:spLocks noGrp="1" noRot="1" noChangeAspect="1" noMove="1" noResize="1" noEditPoints="1" noAdjustHandles="1" noChangeArrowheads="1" noChangeShapeType="1" noTextEdit="1"/>
-          </p:cNvSpPr>
-          <p:nvPr>
-            <p:extLst>
-              <p:ext uri="{386F3935-93C4-4BCD-93E2-E3B085C9AB24}">
-                <p16:designElem xmlns:p16="http://schemas.microsoft.com/office/powerpoint/2015/main" val="1"/>
-              </p:ext>
-            </p:extLst>
-          </p:nvPr>
-        </p:nvSpPr>
-        <p:spPr>
-          <a:xfrm>
-            <a:off x="643467" y="621695"/>
-            <a:ext cx="4305009" cy="5592188"/>
-          </a:xfrm>
-          <a:prstGeom prst="rect">
-            <a:avLst/>
-          </a:prstGeom>
-          <a:blipFill dpi="0" rotWithShape="1">
-            <a:blip r:embed="rId3">
-              <a:duotone>
-                <a:schemeClr val="accent1">
-                  <a:shade val="45000"/>
-                  <a:satMod val="135000"/>
-                </a:schemeClr>
-                <a:prstClr val="white"/>
-              </a:duotone>
-            </a:blip>
-            <a:srcRect/>
-            <a:tile tx="-444500" ty="-127000" sx="50000" sy="50000" flip="xy" algn="tl"/>
-          </a:blipFill>
-          <a:ln>
-            <a:noFill/>
-          </a:ln>
-        </p:spPr>
-        <p:style>
-          <a:lnRef idx="2">
-            <a:schemeClr val="accent1">
-              <a:shade val="50000"/>
-            </a:schemeClr>
-          </a:lnRef>
-          <a:fillRef idx="1">
-            <a:schemeClr val="accent1"/>
-          </a:fillRef>
-          <a:effectRef idx="0">
-            <a:schemeClr val="accent1"/>
-          </a:effectRef>
-          <a:fontRef idx="minor">
-            <a:schemeClr val="lt1"/>
-          </a:fontRef>
-        </p:style>
-        <p:txBody>
-          <a:bodyPr rtlCol="0" anchor="ctr"/>
-          <a:lstStyle/>
-          <a:p>
-            <a:pPr lvl="0" algn="ctr"/>
-            <a:endParaRPr lang="en-US" dirty="0">
-              <a:solidFill>
-                <a:prstClr val="white"/>
-              </a:solidFill>
-            </a:endParaRPr>
-          </a:p>
-        </p:txBody>
-      </p:sp>
-      <p:sp>
-        <p:nvSpPr>
-          <p:cNvPr id="2" name="Title 1"/>
-          <p:cNvSpPr>
-            <a:spLocks noGrp="1"/>
-          </p:cNvSpPr>
-          <p:nvPr>
-            <p:ph type="ctrTitle"/>
-          </p:nvPr>
-        </p:nvSpPr>
-        <p:spPr>
-          <a:xfrm>
-            <a:off x="5590120" y="1105351"/>
-            <a:ext cx="5477071" cy="3023981"/>
-          </a:xfrm>
-        </p:spPr>
-        <p:txBody>
-          <a:bodyPr anchor="b">
-            <a:normAutofit/>
-          </a:bodyPr>
-          <a:lstStyle/>
-          <a:p>
-            <a:pPr algn="l"/>
-            <a:r>
-              <a:rPr lang="en-US" sz="4400">
-                <a:solidFill>
-                  <a:schemeClr val="bg1"/>
-                </a:solidFill>
-              </a:rPr>
               <a:t>DBs with Benefits…</a:t>
             </a:r>
           </a:p>
@@ -24103,7 +27524,7 @@
 </p:sld>
 </file>
 
-<file path=ppt/slides/slide14.xml><?xml version="1.0" encoding="utf-8"?>
+<file path=ppt/slides/slide15.xml><?xml version="1.0" encoding="utf-8"?>
 <p:sld xmlns:a="http://schemas.openxmlformats.org/drawingml/2006/main" xmlns:r="http://schemas.openxmlformats.org/officeDocument/2006/relationships" xmlns:p="http://schemas.openxmlformats.org/presentationml/2006/main">
   <p:cSld>
     <p:spTree>
@@ -24251,7 +27672,7 @@
 </p:sld>
 </file>
 
-<file path=ppt/slides/slide15.xml><?xml version="1.0" encoding="utf-8"?>
+<file path=ppt/slides/slide16.xml><?xml version="1.0" encoding="utf-8"?>
 <p:sld xmlns:a="http://schemas.openxmlformats.org/drawingml/2006/main" xmlns:r="http://schemas.openxmlformats.org/officeDocument/2006/relationships" xmlns:p="http://schemas.openxmlformats.org/presentationml/2006/main">
   <p:cSld>
     <p:spTree>
@@ -24419,7 +27840,7 @@
 </p:sld>
 </file>
 
-<file path=ppt/slides/slide16.xml><?xml version="1.0" encoding="utf-8"?>
+<file path=ppt/slides/slide17.xml><?xml version="1.0" encoding="utf-8"?>
 <p:sld xmlns:a="http://schemas.openxmlformats.org/drawingml/2006/main" xmlns:r="http://schemas.openxmlformats.org/officeDocument/2006/relationships" xmlns:p="http://schemas.openxmlformats.org/presentationml/2006/main">
   <p:cSld>
     <p:spTree>
@@ -24721,7 +28142,7 @@
 </p:sld>
 </file>
 
-<file path=ppt/slides/slide17.xml><?xml version="1.0" encoding="utf-8"?>
+<file path=ppt/slides/slide18.xml><?xml version="1.0" encoding="utf-8"?>
 <p:sld xmlns:a="http://schemas.openxmlformats.org/drawingml/2006/main" xmlns:r="http://schemas.openxmlformats.org/officeDocument/2006/relationships" xmlns:p="http://schemas.openxmlformats.org/presentationml/2006/main" showMasterSp="0">
   <p:cSld>
     <p:spTree>
@@ -25014,7 +28435,7 @@
 </p:sld>
 </file>
 
-<file path=ppt/slides/slide18.xml><?xml version="1.0" encoding="utf-8"?>
+<file path=ppt/slides/slide19.xml><?xml version="1.0" encoding="utf-8"?>
 <p:sld xmlns:a="http://schemas.openxmlformats.org/drawingml/2006/main" xmlns:r="http://schemas.openxmlformats.org/officeDocument/2006/relationships" xmlns:p="http://schemas.openxmlformats.org/presentationml/2006/main">
   <p:cSld>
     <p:spTree>
@@ -25186,318 +28607,6 @@
     <p:extLst>
       <p:ext uri="{BB962C8B-B14F-4D97-AF65-F5344CB8AC3E}">
         <p14:creationId xmlns:p14="http://schemas.microsoft.com/office/powerpoint/2010/main" val="3344084035"/>
-      </p:ext>
-    </p:extLst>
-  </p:cSld>
-  <p:clrMapOvr>
-    <a:masterClrMapping/>
-  </p:clrMapOvr>
-  <p:timing>
-    <p:tnLst>
-      <p:par>
-        <p:cTn id="1" dur="indefinite" restart="never" nodeType="tmRoot">
-          <p:childTnLst>
-            <p:seq concurrent="1" nextAc="seek">
-              <p:cTn id="2" dur="indefinite" nodeType="mainSeq">
-                <p:childTnLst>
-                  <p:par>
-                    <p:cTn id="3" fill="hold">
-                      <p:stCondLst>
-                        <p:cond delay="indefinite"/>
-                      </p:stCondLst>
-                      <p:childTnLst>
-                        <p:par>
-                          <p:cTn id="4" fill="hold">
-                            <p:stCondLst>
-                              <p:cond delay="0"/>
-                            </p:stCondLst>
-                            <p:childTnLst>
-                              <p:par>
-                                <p:cTn id="5" presetID="1" presetClass="entr" presetSubtype="0" fill="hold" grpId="0" nodeType="clickEffect">
-                                  <p:stCondLst>
-                                    <p:cond delay="0"/>
-                                  </p:stCondLst>
-                                  <p:childTnLst>
-                                    <p:set>
-                                      <p:cBhvr>
-                                        <p:cTn id="6" dur="1" fill="hold">
-                                          <p:stCondLst>
-                                            <p:cond delay="0"/>
-                                          </p:stCondLst>
-                                        </p:cTn>
-                                        <p:tgtEl>
-                                          <p:spTgt spid="2"/>
-                                        </p:tgtEl>
-                                        <p:attrNameLst>
-                                          <p:attrName>style.visibility</p:attrName>
-                                        </p:attrNameLst>
-                                      </p:cBhvr>
-                                      <p:to>
-                                        <p:strVal val="visible"/>
-                                      </p:to>
-                                    </p:set>
-                                  </p:childTnLst>
-                                </p:cTn>
-                              </p:par>
-                            </p:childTnLst>
-                          </p:cTn>
-                        </p:par>
-                      </p:childTnLst>
-                    </p:cTn>
-                  </p:par>
-                  <p:par>
-                    <p:cTn id="7" fill="hold">
-                      <p:stCondLst>
-                        <p:cond delay="indefinite"/>
-                      </p:stCondLst>
-                      <p:childTnLst>
-                        <p:par>
-                          <p:cTn id="8" fill="hold">
-                            <p:stCondLst>
-                              <p:cond delay="0"/>
-                            </p:stCondLst>
-                            <p:childTnLst>
-                              <p:par>
-                                <p:cTn id="9" presetID="1" presetClass="entr" presetSubtype="0" fill="hold" grpId="0" nodeType="clickEffect">
-                                  <p:stCondLst>
-                                    <p:cond delay="0"/>
-                                  </p:stCondLst>
-                                  <p:childTnLst>
-                                    <p:set>
-                                      <p:cBhvr>
-                                        <p:cTn id="10" dur="1" fill="hold">
-                                          <p:stCondLst>
-                                            <p:cond delay="0"/>
-                                          </p:stCondLst>
-                                        </p:cTn>
-                                        <p:tgtEl>
-                                          <p:spTgt spid="3"/>
-                                        </p:tgtEl>
-                                        <p:attrNameLst>
-                                          <p:attrName>style.visibility</p:attrName>
-                                        </p:attrNameLst>
-                                      </p:cBhvr>
-                                      <p:to>
-                                        <p:strVal val="visible"/>
-                                      </p:to>
-                                    </p:set>
-                                  </p:childTnLst>
-                                </p:cTn>
-                              </p:par>
-                            </p:childTnLst>
-                          </p:cTn>
-                        </p:par>
-                      </p:childTnLst>
-                    </p:cTn>
-                  </p:par>
-                </p:childTnLst>
-              </p:cTn>
-              <p:prevCondLst>
-                <p:cond evt="onPrev" delay="0">
-                  <p:tgtEl>
-                    <p:sldTgt/>
-                  </p:tgtEl>
-                </p:cond>
-              </p:prevCondLst>
-              <p:nextCondLst>
-                <p:cond evt="onNext" delay="0">
-                  <p:tgtEl>
-                    <p:sldTgt/>
-                  </p:tgtEl>
-                </p:cond>
-              </p:nextCondLst>
-            </p:seq>
-          </p:childTnLst>
-        </p:cTn>
-      </p:par>
-    </p:tnLst>
-    <p:bldLst>
-      <p:bldP spid="3" grpId="0"/>
-      <p:bldP spid="2" grpId="0"/>
-    </p:bldLst>
-  </p:timing>
-</p:sld>
-</file>
-
-<file path=ppt/slides/slide19.xml><?xml version="1.0" encoding="utf-8"?>
-<p:sld xmlns:a="http://schemas.openxmlformats.org/drawingml/2006/main" xmlns:r="http://schemas.openxmlformats.org/officeDocument/2006/relationships" xmlns:p="http://schemas.openxmlformats.org/presentationml/2006/main">
-  <p:cSld>
-    <p:spTree>
-      <p:nvGrpSpPr>
-        <p:cNvPr id="1" name=""/>
-        <p:cNvGrpSpPr/>
-        <p:nvPr/>
-      </p:nvGrpSpPr>
-      <p:grpSpPr>
-        <a:xfrm>
-          <a:off x="0" y="0"/>
-          <a:ext cx="0" cy="0"/>
-          <a:chOff x="0" y="0"/>
-          <a:chExt cx="0" cy="0"/>
-        </a:xfrm>
-      </p:grpSpPr>
-      <p:sp>
-        <p:nvSpPr>
-          <p:cNvPr id="3" name="Content Placeholder 2"/>
-          <p:cNvSpPr>
-            <a:spLocks noGrp="1"/>
-          </p:cNvSpPr>
-          <p:nvPr>
-            <p:ph idx="1"/>
-          </p:nvPr>
-        </p:nvSpPr>
-        <p:spPr>
-          <a:xfrm>
-            <a:off x="5263077" y="3034144"/>
-            <a:ext cx="5891209" cy="2448297"/>
-          </a:xfrm>
-        </p:spPr>
-        <p:txBody>
-          <a:bodyPr>
-            <a:normAutofit/>
-          </a:bodyPr>
-          <a:lstStyle/>
-          <a:p>
-            <a:pPr marL="0" indent="0">
-              <a:buNone/>
-            </a:pPr>
-            <a:endParaRPr lang="en-US" dirty="0"/>
-          </a:p>
-          <a:p>
-            <a:pPr marL="0" indent="0">
-              <a:buNone/>
-            </a:pPr>
-            <a:r>
-              <a:rPr lang="en-US" sz="2400" b="1" dirty="0"/>
-              <a:t>Cons:</a:t>
-            </a:r>
-          </a:p>
-          <a:p>
-            <a:pPr>
-              <a:buFont typeface="Wingdings" panose="05000000000000000000" pitchFamily="2" charset="2"/>
-              <a:buChar char="Ø"/>
-            </a:pPr>
-            <a:r>
-              <a:rPr lang="en-US" dirty="0"/>
-              <a:t> No native windows service installation</a:t>
-            </a:r>
-          </a:p>
-          <a:p>
-            <a:pPr>
-              <a:buFont typeface="Wingdings" panose="05000000000000000000" pitchFamily="2" charset="2"/>
-              <a:buChar char="Ø"/>
-            </a:pPr>
-            <a:r>
-              <a:rPr lang="en-US" dirty="0"/>
-              <a:t> Requires more schema design up front</a:t>
-            </a:r>
-          </a:p>
-        </p:txBody>
-      </p:sp>
-      <p:pic>
-        <p:nvPicPr>
-          <p:cNvPr id="5" name="Picture 4" descr="&lt;strong&gt;OrientDB&lt;/strong&gt; - Wikipedia"/>
-          <p:cNvPicPr>
-            <a:picLocks noChangeAspect="1"/>
-          </p:cNvPicPr>
-          <p:nvPr/>
-        </p:nvPicPr>
-        <p:blipFill>
-          <a:blip r:embed="rId3"/>
-          <a:stretch>
-            <a:fillRect/>
-          </a:stretch>
-        </p:blipFill>
-        <p:spPr>
-          <a:xfrm>
-            <a:off x="1450345" y="283908"/>
-            <a:ext cx="3306687" cy="1508189"/>
-          </a:xfrm>
-          <a:prstGeom prst="rect">
-            <a:avLst/>
-          </a:prstGeom>
-        </p:spPr>
-      </p:pic>
-      <p:sp>
-        <p:nvSpPr>
-          <p:cNvPr id="2" name="TextBox 1"/>
-          <p:cNvSpPr txBox="1"/>
-          <p:nvPr/>
-        </p:nvSpPr>
-        <p:spPr>
-          <a:xfrm>
-            <a:off x="5263076" y="498763"/>
-            <a:ext cx="6267863" cy="2677656"/>
-          </a:xfrm>
-          <a:prstGeom prst="rect">
-            <a:avLst/>
-          </a:prstGeom>
-          <a:noFill/>
-        </p:spPr>
-        <p:txBody>
-          <a:bodyPr wrap="square" rtlCol="0">
-            <a:spAutoFit/>
-          </a:bodyPr>
-          <a:lstStyle/>
-          <a:p>
-            <a:pPr>
-              <a:lnSpc>
-                <a:spcPct val="150000"/>
-              </a:lnSpc>
-            </a:pPr>
-            <a:r>
-              <a:rPr lang="en-US" sz="2400" b="1" dirty="0"/>
-              <a:t>Pros:</a:t>
-            </a:r>
-          </a:p>
-          <a:p>
-            <a:pPr marL="342900" indent="-342900">
-              <a:lnSpc>
-                <a:spcPct val="150000"/>
-              </a:lnSpc>
-              <a:buFont typeface="Wingdings" panose="05000000000000000000" pitchFamily="2" charset="2"/>
-              <a:buChar char="Ø"/>
-            </a:pPr>
-            <a:r>
-              <a:rPr lang="en-US" sz="2400" dirty="0"/>
-              <a:t>Multi model DB – both graph and document DB</a:t>
-            </a:r>
-          </a:p>
-          <a:p>
-            <a:pPr marL="342900" indent="-342900">
-              <a:lnSpc>
-                <a:spcPct val="150000"/>
-              </a:lnSpc>
-              <a:buFont typeface="Wingdings" panose="05000000000000000000" pitchFamily="2" charset="2"/>
-              <a:buChar char="Ø"/>
-            </a:pPr>
-            <a:r>
-              <a:rPr lang="en-US" sz="2400" dirty="0"/>
-              <a:t>Easily add users/roles</a:t>
-            </a:r>
-          </a:p>
-          <a:p>
-            <a:pPr marL="342900" indent="-342900">
-              <a:lnSpc>
-                <a:spcPct val="150000"/>
-              </a:lnSpc>
-              <a:buFont typeface="Wingdings" panose="05000000000000000000" pitchFamily="2" charset="2"/>
-              <a:buChar char="Ø"/>
-            </a:pPr>
-            <a:r>
-              <a:rPr lang="en-US" sz="2400" dirty="0"/>
-              <a:t>Supports multiple databases</a:t>
-            </a:r>
-          </a:p>
-          <a:p>
-            <a:endParaRPr lang="en-US" sz="2400" dirty="0"/>
-          </a:p>
-        </p:txBody>
-      </p:sp>
-    </p:spTree>
-    <p:extLst>
-      <p:ext uri="{BB962C8B-B14F-4D97-AF65-F5344CB8AC3E}">
-        <p14:creationId xmlns:p14="http://schemas.microsoft.com/office/powerpoint/2010/main" val="896595893"/>
       </p:ext>
     </p:extLst>
   </p:cSld>
@@ -25650,7 +28759,7 @@
       </p:grpSpPr>
       <p:sp>
         <p:nvSpPr>
-          <p:cNvPr id="2" name="Title 1"/>
+          <p:cNvPr id="4" name="Title 3"/>
           <p:cNvSpPr>
             <a:spLocks noGrp="1"/>
           </p:cNvSpPr>
@@ -25658,146 +28767,807 @@
             <p:ph type="title"/>
           </p:nvPr>
         </p:nvSpPr>
-        <p:spPr/>
+        <p:spPr>
+          <a:xfrm>
+            <a:off x="862914" y="165324"/>
+            <a:ext cx="10515600" cy="638175"/>
+          </a:xfrm>
+        </p:spPr>
         <p:txBody>
-          <a:bodyPr/>
+          <a:bodyPr>
+            <a:normAutofit fontScale="90000"/>
+          </a:bodyPr>
           <a:lstStyle/>
           <a:p>
             <a:r>
-              <a:rPr lang="en-US" dirty="0"/>
-              <a:t>About Me</a:t>
-            </a:r>
+              <a:rPr lang="en-US" b="1" dirty="0">
+                <a:latin typeface="+mn-lt"/>
+              </a:rPr>
+              <a:t>Boston Code </a:t>
+            </a:r>
+            <a:r>
+              <a:rPr lang="en-US" b="1">
+                <a:latin typeface="+mn-lt"/>
+              </a:rPr>
+              <a:t>Camp 27 </a:t>
+            </a:r>
+            <a:r>
+              <a:rPr lang="en-US" b="1" dirty="0">
+                <a:latin typeface="+mn-lt"/>
+              </a:rPr>
+              <a:t>- Thanks to our Sponsors!</a:t>
+            </a:r>
+            <a:endParaRPr lang="en-US" dirty="0">
+              <a:latin typeface="+mn-lt"/>
+            </a:endParaRPr>
           </a:p>
         </p:txBody>
       </p:sp>
       <p:sp>
         <p:nvSpPr>
-          <p:cNvPr id="8" name="TextBox 7"/>
-          <p:cNvSpPr txBox="1"/>
-          <p:nvPr/>
+          <p:cNvPr id="5" name="Content Placeholder 4"/>
+          <p:cNvSpPr>
+            <a:spLocks noGrp="1"/>
+          </p:cNvSpPr>
+          <p:nvPr>
+            <p:ph sz="half" idx="1"/>
+          </p:nvPr>
         </p:nvSpPr>
         <p:spPr>
           <a:xfrm>
-            <a:off x="743445" y="2018844"/>
-            <a:ext cx="5700511" cy="3416320"/>
+            <a:off x="381000" y="1079500"/>
+            <a:ext cx="7467600" cy="5626100"/>
           </a:xfrm>
-          <a:prstGeom prst="rect">
-            <a:avLst/>
-          </a:prstGeom>
-          <a:noFill/>
         </p:spPr>
         <p:txBody>
-          <a:bodyPr wrap="square" rtlCol="0">
-            <a:spAutoFit/>
-          </a:bodyPr>
+          <a:bodyPr/>
           <a:lstStyle/>
           <a:p>
             <a:r>
               <a:rPr lang="en-US" dirty="0"/>
-              <a:t>CREATE p = (</a:t>
-            </a:r>
-            <a:r>
-              <a:rPr lang="en-US" dirty="0" err="1"/>
-              <a:t>person:Person</a:t>
-            </a:r>
-            <a:r>
+              <a:t>Platinum</a:t>
+            </a:r>
+            <a:br>
               <a:rPr lang="en-US" dirty="0"/>
-              <a:t> {name: 'Jen', </a:t>
-            </a:r>
+            </a:br>
+            <a:endParaRPr lang="en-US" sz="4000" dirty="0"/>
           </a:p>
           <a:p>
             <a:r>
               <a:rPr lang="en-US" dirty="0"/>
-              <a:t>email: 'jenparker1975@gmail.com', </a:t>
-            </a:r>
-          </a:p>
-          <a:p>
-            <a:r>
-              <a:rPr lang="en-US" dirty="0" err="1"/>
-              <a:t>github:'https</a:t>
-            </a:r>
+              <a:t>Gold</a:t>
+            </a:r>
+          </a:p>
+          <a:p>
+            <a:endParaRPr lang="en-US" dirty="0"/>
+          </a:p>
+          <a:p>
+            <a:endParaRPr lang="en-US" sz="1200" dirty="0"/>
+          </a:p>
+          <a:p>
             <a:r>
               <a:rPr lang="en-US" dirty="0"/>
-              <a:t>://https://github.com/jenparker1975'})</a:t>
-            </a:r>
-          </a:p>
-          <a:p>
-            <a:r>
+              <a:t>Silver</a:t>
+            </a:r>
+            <a:br>
               <a:rPr lang="en-US" dirty="0"/>
-              <a:t> – [:WORKS_AT] -&gt; (</a:t>
-            </a:r>
-            <a:r>
-              <a:rPr lang="en-US" dirty="0" err="1"/>
-              <a:t>company:Company</a:t>
-            </a:r>
+            </a:br>
+            <a:endParaRPr lang="en-US" dirty="0"/>
+          </a:p>
+          <a:p>
             <a:r>
               <a:rPr lang="en-US" dirty="0"/>
-              <a:t> {name: 'HealthcareSource', </a:t>
-            </a:r>
-          </a:p>
-          <a:p>
-            <a:r>
-              <a:rPr lang="en-US" dirty="0"/>
-              <a:t>tag: 'Leading provider of talent management solutions for Healthcare' }) </a:t>
-            </a:r>
-          </a:p>
-          <a:p>
-            <a:r>
-              <a:rPr lang="en-US" dirty="0"/>
-              <a:t>RETURN p </a:t>
-            </a:r>
-          </a:p>
-          <a:p>
+              <a:t>Bronze</a:t>
+            </a:r>
+          </a:p>
+        </p:txBody>
+      </p:sp>
+      <p:sp>
+        <p:nvSpPr>
+          <p:cNvPr id="6" name="Content Placeholder 5"/>
+          <p:cNvSpPr>
+            <a:spLocks noGrp="1"/>
+          </p:cNvSpPr>
+          <p:nvPr>
+            <p:ph sz="half" idx="2"/>
+          </p:nvPr>
+        </p:nvSpPr>
+        <p:spPr>
+          <a:xfrm>
+            <a:off x="9287053" y="1079500"/>
+            <a:ext cx="2700321" cy="5537200"/>
+          </a:xfrm>
+        </p:spPr>
+        <p:txBody>
+          <a:bodyPr/>
+          <a:lstStyle/>
+          <a:p>
+            <a:r>
+              <a:rPr lang="en-US" sz="2400" dirty="0"/>
+              <a:t>In-Kind Donations</a:t>
+            </a:r>
             <a:endParaRPr lang="en-US" dirty="0"/>
-          </a:p>
-          <a:p>
-            <a:r>
-              <a:rPr lang="en-US" dirty="0"/>
-              <a:t>MATCH (</a:t>
-            </a:r>
-            <a:r>
-              <a:rPr lang="en-US" dirty="0" err="1"/>
-              <a:t>person:Person</a:t>
-            </a:r>
-            <a:r>
-              <a:rPr lang="en-US" dirty="0"/>
-              <a:t> {name: 'Jen'}) </a:t>
-            </a:r>
-          </a:p>
-          <a:p>
-            <a:r>
-              <a:rPr lang="en-US" dirty="0"/>
-              <a:t>CREATE (person) -[:IS_LEARNING]-&gt;(</a:t>
-            </a:r>
-            <a:r>
-              <a:rPr lang="en-US" dirty="0" err="1"/>
-              <a:t>technology:Technology</a:t>
-            </a:r>
-            <a:r>
-              <a:rPr lang="en-US" dirty="0"/>
-              <a:t> {name: 'Neo4j'})</a:t>
-            </a:r>
           </a:p>
         </p:txBody>
       </p:sp>
       <p:pic>
         <p:nvPicPr>
-          <p:cNvPr id="4" name="Picture 3"/>
+          <p:cNvPr id="9" name="Picture 8"/>
           <p:cNvPicPr>
             <a:picLocks noChangeAspect="1"/>
           </p:cNvPicPr>
           <p:nvPr/>
         </p:nvPicPr>
         <p:blipFill>
-          <a:blip r:embed="rId3"/>
+          <a:blip r:embed="rId3">
+            <a:extLst>
+              <a:ext uri="{28A0092B-C50C-407E-A947-70E740481C1C}">
+                <a14:useLocalDpi xmlns:a14="http://schemas.microsoft.com/office/drawing/2010/main" val="0"/>
+              </a:ext>
+            </a:extLst>
+          </a:blip>
           <a:stretch>
             <a:fillRect/>
           </a:stretch>
         </p:blipFill>
         <p:spPr>
           <a:xfrm>
-            <a:off x="6443956" y="0"/>
-            <a:ext cx="6152620" cy="6858000"/>
+            <a:off x="2072602" y="2938517"/>
+            <a:ext cx="1772846" cy="917789"/>
+          </a:xfrm>
+          <a:prstGeom prst="rect">
+            <a:avLst/>
+          </a:prstGeom>
+        </p:spPr>
+      </p:pic>
+      <p:pic>
+        <p:nvPicPr>
+          <p:cNvPr id="13" name="Picture 12"/>
+          <p:cNvPicPr>
+            <a:picLocks noChangeAspect="1"/>
+          </p:cNvPicPr>
+          <p:nvPr/>
+        </p:nvPicPr>
+        <p:blipFill>
+          <a:blip r:embed="rId4"/>
+          <a:stretch>
+            <a:fillRect/>
+          </a:stretch>
+        </p:blipFill>
+        <p:spPr>
+          <a:xfrm>
+            <a:off x="1991944" y="4253253"/>
+            <a:ext cx="1465229" cy="647981"/>
+          </a:xfrm>
+          <a:prstGeom prst="rect">
+            <a:avLst/>
+          </a:prstGeom>
+        </p:spPr>
+      </p:pic>
+      <p:pic>
+        <p:nvPicPr>
+          <p:cNvPr id="16" name="Picture 15"/>
+          <p:cNvPicPr>
+            <a:picLocks noChangeAspect="1"/>
+          </p:cNvPicPr>
+          <p:nvPr/>
+        </p:nvPicPr>
+        <p:blipFill>
+          <a:blip r:embed="rId5">
+            <a:extLst>
+              <a:ext uri="{28A0092B-C50C-407E-A947-70E740481C1C}">
+                <a14:useLocalDpi xmlns:a14="http://schemas.microsoft.com/office/drawing/2010/main" val="0"/>
+              </a:ext>
+            </a:extLst>
+          </a:blip>
+          <a:stretch>
+            <a:fillRect/>
+          </a:stretch>
+        </p:blipFill>
+        <p:spPr>
+          <a:xfrm>
+            <a:off x="10232256" y="2230822"/>
+            <a:ext cx="809911" cy="778519"/>
+          </a:xfrm>
+          <a:prstGeom prst="rect">
+            <a:avLst/>
+          </a:prstGeom>
+        </p:spPr>
+      </p:pic>
+      <p:pic>
+        <p:nvPicPr>
+          <p:cNvPr id="21" name="Picture 20"/>
+          <p:cNvPicPr>
+            <a:picLocks noChangeAspect="1"/>
+          </p:cNvPicPr>
+          <p:nvPr/>
+        </p:nvPicPr>
+        <p:blipFill>
+          <a:blip r:embed="rId6">
+            <a:extLst>
+              <a:ext uri="{28A0092B-C50C-407E-A947-70E740481C1C}">
+                <a14:useLocalDpi xmlns:a14="http://schemas.microsoft.com/office/drawing/2010/main" val="0"/>
+              </a:ext>
+            </a:extLst>
+          </a:blip>
+          <a:stretch>
+            <a:fillRect/>
+          </a:stretch>
+        </p:blipFill>
+        <p:spPr>
+          <a:xfrm>
+            <a:off x="3930255" y="4279253"/>
+            <a:ext cx="2091156" cy="595979"/>
+          </a:xfrm>
+          <a:prstGeom prst="rect">
+            <a:avLst/>
+          </a:prstGeom>
+        </p:spPr>
+      </p:pic>
+      <p:pic>
+        <p:nvPicPr>
+          <p:cNvPr id="24" name="Picture 23"/>
+          <p:cNvPicPr>
+            <a:picLocks noChangeAspect="1"/>
+          </p:cNvPicPr>
+          <p:nvPr/>
+        </p:nvPicPr>
+        <p:blipFill>
+          <a:blip r:embed="rId7" cstate="print">
+            <a:extLst>
+              <a:ext uri="{28A0092B-C50C-407E-A947-70E740481C1C}">
+                <a14:useLocalDpi xmlns:a14="http://schemas.microsoft.com/office/drawing/2010/main" val="0"/>
+              </a:ext>
+            </a:extLst>
+          </a:blip>
+          <a:stretch>
+            <a:fillRect/>
+          </a:stretch>
+        </p:blipFill>
+        <p:spPr>
+          <a:xfrm>
+            <a:off x="2637327" y="590787"/>
+            <a:ext cx="3408427" cy="1117011"/>
+          </a:xfrm>
+          <a:prstGeom prst="rect">
+            <a:avLst/>
+          </a:prstGeom>
+        </p:spPr>
+      </p:pic>
+      <p:pic>
+        <p:nvPicPr>
+          <p:cNvPr id="7" name="Picture 6"/>
+          <p:cNvPicPr>
+            <a:picLocks noChangeAspect="1"/>
+          </p:cNvPicPr>
+          <p:nvPr/>
+        </p:nvPicPr>
+        <p:blipFill>
+          <a:blip r:embed="rId8">
+            <a:extLst>
+              <a:ext uri="{28A0092B-C50C-407E-A947-70E740481C1C}">
+                <a14:useLocalDpi xmlns:a14="http://schemas.microsoft.com/office/drawing/2010/main" val="0"/>
+              </a:ext>
+            </a:extLst>
+          </a:blip>
+          <a:stretch>
+            <a:fillRect/>
+          </a:stretch>
+        </p:blipFill>
+        <p:spPr>
+          <a:xfrm>
+            <a:off x="9981103" y="5053006"/>
+            <a:ext cx="1241865" cy="256652"/>
+          </a:xfrm>
+          <a:prstGeom prst="rect">
+            <a:avLst/>
+          </a:prstGeom>
+        </p:spPr>
+      </p:pic>
+      <p:pic>
+        <p:nvPicPr>
+          <p:cNvPr id="3" name="Picture 2"/>
+          <p:cNvPicPr>
+            <a:picLocks noChangeAspect="1"/>
+          </p:cNvPicPr>
+          <p:nvPr/>
+        </p:nvPicPr>
+        <p:blipFill>
+          <a:blip r:embed="rId9" cstate="print">
+            <a:extLst>
+              <a:ext uri="{28A0092B-C50C-407E-A947-70E740481C1C}">
+                <a14:useLocalDpi xmlns:a14="http://schemas.microsoft.com/office/drawing/2010/main" val="0"/>
+              </a:ext>
+            </a:extLst>
+          </a:blip>
+          <a:stretch>
+            <a:fillRect/>
+          </a:stretch>
+        </p:blipFill>
+        <p:spPr>
+          <a:xfrm>
+            <a:off x="6265247" y="3490841"/>
+            <a:ext cx="2479375" cy="513439"/>
+          </a:xfrm>
+          <a:prstGeom prst="rect">
+            <a:avLst/>
+          </a:prstGeom>
+        </p:spPr>
+      </p:pic>
+      <p:pic>
+        <p:nvPicPr>
+          <p:cNvPr id="14" name="Picture 13"/>
+          <p:cNvPicPr>
+            <a:picLocks noChangeAspect="1"/>
+          </p:cNvPicPr>
+          <p:nvPr/>
+        </p:nvPicPr>
+        <p:blipFill>
+          <a:blip r:embed="rId10">
+            <a:extLst>
+              <a:ext uri="{28A0092B-C50C-407E-A947-70E740481C1C}">
+                <a14:useLocalDpi xmlns:a14="http://schemas.microsoft.com/office/drawing/2010/main" val="0"/>
+              </a:ext>
+            </a:extLst>
+          </a:blip>
+          <a:stretch>
+            <a:fillRect/>
+          </a:stretch>
+        </p:blipFill>
+        <p:spPr>
+          <a:xfrm>
+            <a:off x="9734176" y="1626052"/>
+            <a:ext cx="1735721" cy="452305"/>
+          </a:xfrm>
+          <a:prstGeom prst="rect">
+            <a:avLst/>
+          </a:prstGeom>
+        </p:spPr>
+      </p:pic>
+      <p:cxnSp>
+        <p:nvCxnSpPr>
+          <p:cNvPr id="10" name="Straight Connector 9"/>
+          <p:cNvCxnSpPr/>
+          <p:nvPr/>
+        </p:nvCxnSpPr>
+        <p:spPr>
+          <a:xfrm>
+            <a:off x="9129475" y="1141285"/>
+            <a:ext cx="0" cy="4876800"/>
+          </a:xfrm>
+          <a:prstGeom prst="line">
+            <a:avLst/>
+          </a:prstGeom>
+        </p:spPr>
+        <p:style>
+          <a:lnRef idx="1">
+            <a:schemeClr val="accent1"/>
+          </a:lnRef>
+          <a:fillRef idx="0">
+            <a:schemeClr val="accent1"/>
+          </a:fillRef>
+          <a:effectRef idx="0">
+            <a:schemeClr val="accent1"/>
+          </a:effectRef>
+          <a:fontRef idx="minor">
+            <a:schemeClr val="tx1"/>
+          </a:fontRef>
+        </p:style>
+      </p:cxnSp>
+      <p:pic>
+        <p:nvPicPr>
+          <p:cNvPr id="11" name="Picture 10"/>
+          <p:cNvPicPr>
+            <a:picLocks noChangeAspect="1"/>
+          </p:cNvPicPr>
+          <p:nvPr/>
+        </p:nvPicPr>
+        <p:blipFill>
+          <a:blip r:embed="rId11">
+            <a:extLst>
+              <a:ext uri="{28A0092B-C50C-407E-A947-70E740481C1C}">
+                <a14:useLocalDpi xmlns:a14="http://schemas.microsoft.com/office/drawing/2010/main" val="0"/>
+              </a:ext>
+            </a:extLst>
+          </a:blip>
+          <a:stretch>
+            <a:fillRect/>
+          </a:stretch>
+        </p:blipFill>
+        <p:spPr>
+          <a:xfrm>
+            <a:off x="2113132" y="1627024"/>
+            <a:ext cx="2460804" cy="1119666"/>
+          </a:xfrm>
+          <a:prstGeom prst="rect">
+            <a:avLst/>
+          </a:prstGeom>
+        </p:spPr>
+      </p:pic>
+      <p:pic>
+        <p:nvPicPr>
+          <p:cNvPr id="2" name="Picture 1"/>
+          <p:cNvPicPr>
+            <a:picLocks noChangeAspect="1"/>
+          </p:cNvPicPr>
+          <p:nvPr/>
+        </p:nvPicPr>
+        <p:blipFill>
+          <a:blip r:embed="rId12">
+            <a:extLst>
+              <a:ext uri="{28A0092B-C50C-407E-A947-70E740481C1C}">
+                <a14:useLocalDpi xmlns:a14="http://schemas.microsoft.com/office/drawing/2010/main" val="0"/>
+              </a:ext>
+            </a:extLst>
+          </a:blip>
+          <a:stretch>
+            <a:fillRect/>
+          </a:stretch>
+        </p:blipFill>
+        <p:spPr>
+          <a:xfrm>
+            <a:off x="1709537" y="5048671"/>
+            <a:ext cx="2135911" cy="477020"/>
+          </a:xfrm>
+          <a:prstGeom prst="rect">
+            <a:avLst/>
+          </a:prstGeom>
+        </p:spPr>
+      </p:pic>
+      <p:pic>
+        <p:nvPicPr>
+          <p:cNvPr id="12" name="Picture 11"/>
+          <p:cNvPicPr>
+            <a:picLocks noChangeAspect="1"/>
+          </p:cNvPicPr>
+          <p:nvPr/>
+        </p:nvPicPr>
+        <p:blipFill>
+          <a:blip r:embed="rId13">
+            <a:extLst>
+              <a:ext uri="{28A0092B-C50C-407E-A947-70E740481C1C}">
+                <a14:useLocalDpi xmlns:a14="http://schemas.microsoft.com/office/drawing/2010/main" val="0"/>
+              </a:ext>
+            </a:extLst>
+          </a:blip>
+          <a:stretch>
+            <a:fillRect/>
+          </a:stretch>
+        </p:blipFill>
+        <p:spPr>
+          <a:xfrm>
+            <a:off x="9208261" y="3175975"/>
+            <a:ext cx="2857899" cy="762106"/>
+          </a:xfrm>
+          <a:prstGeom prst="rect">
+            <a:avLst/>
+          </a:prstGeom>
+        </p:spPr>
+      </p:pic>
+      <p:pic>
+        <p:nvPicPr>
+          <p:cNvPr id="17" name="Picture 16"/>
+          <p:cNvPicPr>
+            <a:picLocks noChangeAspect="1"/>
+          </p:cNvPicPr>
+          <p:nvPr/>
+        </p:nvPicPr>
+        <p:blipFill>
+          <a:blip r:embed="rId14">
+            <a:extLst>
+              <a:ext uri="{28A0092B-C50C-407E-A947-70E740481C1C}">
+                <a14:useLocalDpi xmlns:a14="http://schemas.microsoft.com/office/drawing/2010/main" val="0"/>
+              </a:ext>
+            </a:extLst>
+          </a:blip>
+          <a:stretch>
+            <a:fillRect/>
+          </a:stretch>
+        </p:blipFill>
+        <p:spPr>
+          <a:xfrm>
+            <a:off x="5109729" y="1763339"/>
+            <a:ext cx="3123724" cy="995900"/>
+          </a:xfrm>
+          <a:prstGeom prst="rect">
+            <a:avLst/>
+          </a:prstGeom>
+        </p:spPr>
+      </p:pic>
+      <p:pic>
+        <p:nvPicPr>
+          <p:cNvPr id="18" name="Picture 17"/>
+          <p:cNvPicPr>
+            <a:picLocks noChangeAspect="1"/>
+          </p:cNvPicPr>
+          <p:nvPr/>
+        </p:nvPicPr>
+        <p:blipFill>
+          <a:blip r:embed="rId15">
+            <a:extLst>
+              <a:ext uri="{28A0092B-C50C-407E-A947-70E740481C1C}">
+                <a14:useLocalDpi xmlns:a14="http://schemas.microsoft.com/office/drawing/2010/main" val="0"/>
+              </a:ext>
+            </a:extLst>
+          </a:blip>
+          <a:stretch>
+            <a:fillRect/>
+          </a:stretch>
+        </p:blipFill>
+        <p:spPr>
+          <a:xfrm>
+            <a:off x="4015064" y="2906132"/>
+            <a:ext cx="2933551" cy="488925"/>
+          </a:xfrm>
+          <a:prstGeom prst="rect">
+            <a:avLst/>
+          </a:prstGeom>
+        </p:spPr>
+      </p:pic>
+      <p:cxnSp>
+        <p:nvCxnSpPr>
+          <p:cNvPr id="22" name="Straight Connector 21"/>
+          <p:cNvCxnSpPr/>
+          <p:nvPr/>
+        </p:nvCxnSpPr>
+        <p:spPr>
+          <a:xfrm flipH="1" flipV="1">
+            <a:off x="1565741" y="1564796"/>
+            <a:ext cx="5309619" cy="9277"/>
+          </a:xfrm>
+          <a:prstGeom prst="line">
+            <a:avLst/>
+          </a:prstGeom>
+        </p:spPr>
+        <p:style>
+          <a:lnRef idx="1">
+            <a:schemeClr val="accent1"/>
+          </a:lnRef>
+          <a:fillRef idx="0">
+            <a:schemeClr val="accent1"/>
+          </a:fillRef>
+          <a:effectRef idx="0">
+            <a:schemeClr val="accent1"/>
+          </a:effectRef>
+          <a:fontRef idx="minor">
+            <a:schemeClr val="tx1"/>
+          </a:fontRef>
+        </p:style>
+      </p:cxnSp>
+      <p:cxnSp>
+        <p:nvCxnSpPr>
+          <p:cNvPr id="25" name="Straight Connector 24"/>
+          <p:cNvCxnSpPr/>
+          <p:nvPr/>
+        </p:nvCxnSpPr>
+        <p:spPr>
+          <a:xfrm flipH="1" flipV="1">
+            <a:off x="1565740" y="2765246"/>
+            <a:ext cx="5309619" cy="9277"/>
+          </a:xfrm>
+          <a:prstGeom prst="line">
+            <a:avLst/>
+          </a:prstGeom>
+        </p:spPr>
+        <p:style>
+          <a:lnRef idx="1">
+            <a:schemeClr val="accent1"/>
+          </a:lnRef>
+          <a:fillRef idx="0">
+            <a:schemeClr val="accent1"/>
+          </a:fillRef>
+          <a:effectRef idx="0">
+            <a:schemeClr val="accent1"/>
+          </a:effectRef>
+          <a:fontRef idx="minor">
+            <a:schemeClr val="tx1"/>
+          </a:fontRef>
+        </p:style>
+      </p:cxnSp>
+      <p:cxnSp>
+        <p:nvCxnSpPr>
+          <p:cNvPr id="26" name="Straight Connector 25"/>
+          <p:cNvCxnSpPr/>
+          <p:nvPr/>
+        </p:nvCxnSpPr>
+        <p:spPr>
+          <a:xfrm flipH="1" flipV="1">
+            <a:off x="1565739" y="4115995"/>
+            <a:ext cx="5309619" cy="9277"/>
+          </a:xfrm>
+          <a:prstGeom prst="line">
+            <a:avLst/>
+          </a:prstGeom>
+        </p:spPr>
+        <p:style>
+          <a:lnRef idx="1">
+            <a:schemeClr val="accent1"/>
+          </a:lnRef>
+          <a:fillRef idx="0">
+            <a:schemeClr val="accent1"/>
+          </a:fillRef>
+          <a:effectRef idx="0">
+            <a:schemeClr val="accent1"/>
+          </a:effectRef>
+          <a:fontRef idx="minor">
+            <a:schemeClr val="tx1"/>
+          </a:fontRef>
+        </p:style>
+      </p:cxnSp>
+      <p:pic>
+        <p:nvPicPr>
+          <p:cNvPr id="27" name="Picture 26"/>
+          <p:cNvPicPr>
+            <a:picLocks noChangeAspect="1"/>
+          </p:cNvPicPr>
+          <p:nvPr/>
+        </p:nvPicPr>
+        <p:blipFill>
+          <a:blip r:embed="rId16">
+            <a:extLst>
+              <a:ext uri="{28A0092B-C50C-407E-A947-70E740481C1C}">
+                <a14:useLocalDpi xmlns:a14="http://schemas.microsoft.com/office/drawing/2010/main" val="0"/>
+              </a:ext>
+            </a:extLst>
+          </a:blip>
+          <a:stretch>
+            <a:fillRect/>
+          </a:stretch>
+        </p:blipFill>
+        <p:spPr>
+          <a:xfrm>
+            <a:off x="6326348" y="4204615"/>
+            <a:ext cx="2540644" cy="745256"/>
+          </a:xfrm>
+          <a:prstGeom prst="rect">
+            <a:avLst/>
+          </a:prstGeom>
+        </p:spPr>
+      </p:pic>
+      <p:pic>
+        <p:nvPicPr>
+          <p:cNvPr id="29" name="Picture 28"/>
+          <p:cNvPicPr>
+            <a:picLocks noChangeAspect="1"/>
+          </p:cNvPicPr>
+          <p:nvPr/>
+        </p:nvPicPr>
+        <p:blipFill>
+          <a:blip r:embed="rId17">
+            <a:extLst>
+              <a:ext uri="{28A0092B-C50C-407E-A947-70E740481C1C}">
+                <a14:useLocalDpi xmlns:a14="http://schemas.microsoft.com/office/drawing/2010/main" val="0"/>
+              </a:ext>
+            </a:extLst>
+          </a:blip>
+          <a:stretch>
+            <a:fillRect/>
+          </a:stretch>
+        </p:blipFill>
+        <p:spPr>
+          <a:xfrm>
+            <a:off x="4086099" y="5031392"/>
+            <a:ext cx="1855105" cy="556532"/>
+          </a:xfrm>
+          <a:prstGeom prst="rect">
+            <a:avLst/>
+          </a:prstGeom>
+        </p:spPr>
+      </p:pic>
+      <p:pic>
+        <p:nvPicPr>
+          <p:cNvPr id="30" name="Picture 29"/>
+          <p:cNvPicPr>
+            <a:picLocks noChangeAspect="1"/>
+          </p:cNvPicPr>
+          <p:nvPr/>
+        </p:nvPicPr>
+        <p:blipFill>
+          <a:blip r:embed="rId18">
+            <a:extLst>
+              <a:ext uri="{28A0092B-C50C-407E-A947-70E740481C1C}">
+                <a14:useLocalDpi xmlns:a14="http://schemas.microsoft.com/office/drawing/2010/main" val="0"/>
+              </a:ext>
+            </a:extLst>
+          </a:blip>
+          <a:stretch>
+            <a:fillRect/>
+          </a:stretch>
+        </p:blipFill>
+        <p:spPr>
+          <a:xfrm>
+            <a:off x="6203978" y="4909470"/>
+            <a:ext cx="2400240" cy="720072"/>
+          </a:xfrm>
+          <a:prstGeom prst="rect">
+            <a:avLst/>
+          </a:prstGeom>
+        </p:spPr>
+      </p:pic>
+      <p:pic>
+        <p:nvPicPr>
+          <p:cNvPr id="31" name="Picture 30"/>
+          <p:cNvPicPr>
+            <a:picLocks noChangeAspect="1"/>
+          </p:cNvPicPr>
+          <p:nvPr/>
+        </p:nvPicPr>
+        <p:blipFill>
+          <a:blip r:embed="rId19">
+            <a:extLst>
+              <a:ext uri="{28A0092B-C50C-407E-A947-70E740481C1C}">
+                <a14:useLocalDpi xmlns:a14="http://schemas.microsoft.com/office/drawing/2010/main" val="0"/>
+              </a:ext>
+            </a:extLst>
+          </a:blip>
+          <a:stretch>
+            <a:fillRect/>
+          </a:stretch>
+        </p:blipFill>
+        <p:spPr>
+          <a:xfrm>
+            <a:off x="1624728" y="5664327"/>
+            <a:ext cx="2305527" cy="691658"/>
+          </a:xfrm>
+          <a:prstGeom prst="rect">
+            <a:avLst/>
+          </a:prstGeom>
+        </p:spPr>
+      </p:pic>
+      <p:pic>
+        <p:nvPicPr>
+          <p:cNvPr id="32" name="Picture 31"/>
+          <p:cNvPicPr>
+            <a:picLocks noChangeAspect="1"/>
+          </p:cNvPicPr>
+          <p:nvPr/>
+        </p:nvPicPr>
+        <p:blipFill>
+          <a:blip r:embed="rId20" cstate="print">
+            <a:extLst>
+              <a:ext uri="{28A0092B-C50C-407E-A947-70E740481C1C}">
+                <a14:useLocalDpi xmlns:a14="http://schemas.microsoft.com/office/drawing/2010/main" val="0"/>
+              </a:ext>
+            </a:extLst>
+          </a:blip>
+          <a:stretch>
+            <a:fillRect/>
+          </a:stretch>
+        </p:blipFill>
+        <p:spPr>
+          <a:xfrm>
+            <a:off x="4204758" y="5733505"/>
+            <a:ext cx="1897194" cy="569159"/>
+          </a:xfrm>
+          <a:prstGeom prst="rect">
+            <a:avLst/>
+          </a:prstGeom>
+        </p:spPr>
+      </p:pic>
+      <p:pic>
+        <p:nvPicPr>
+          <p:cNvPr id="33" name="Picture 32"/>
+          <p:cNvPicPr>
+            <a:picLocks noChangeAspect="1"/>
+          </p:cNvPicPr>
+          <p:nvPr/>
+        </p:nvPicPr>
+        <p:blipFill>
+          <a:blip r:embed="rId21" cstate="print">
+            <a:extLst>
+              <a:ext uri="{28A0092B-C50C-407E-A947-70E740481C1C}">
+                <a14:useLocalDpi xmlns:a14="http://schemas.microsoft.com/office/drawing/2010/main" val="0"/>
+              </a:ext>
+            </a:extLst>
+          </a:blip>
+          <a:stretch>
+            <a:fillRect/>
+          </a:stretch>
+        </p:blipFill>
+        <p:spPr>
+          <a:xfrm>
+            <a:off x="9722572" y="4084251"/>
+            <a:ext cx="1829276" cy="733163"/>
           </a:xfrm>
           <a:prstGeom prst="rect">
             <a:avLst/>
@@ -25807,7 +29577,7 @@
     </p:spTree>
     <p:extLst>
       <p:ext uri="{BB962C8B-B14F-4D97-AF65-F5344CB8AC3E}">
-        <p14:creationId xmlns:p14="http://schemas.microsoft.com/office/powerpoint/2010/main" val="16365372"/>
+        <p14:creationId xmlns:p14="http://schemas.microsoft.com/office/powerpoint/2010/main" val="3328722600"/>
       </p:ext>
     </p:extLst>
   </p:cSld>
@@ -25846,15 +29616,21 @@
         </p:nvSpPr>
         <p:spPr>
           <a:xfrm>
-            <a:off x="5239270" y="4067585"/>
-            <a:ext cx="6410094" cy="2447826"/>
+            <a:off x="5263077" y="3034144"/>
+            <a:ext cx="5891209" cy="2448297"/>
           </a:xfrm>
         </p:spPr>
         <p:txBody>
           <a:bodyPr>
-            <a:noAutofit/>
+            <a:normAutofit/>
           </a:bodyPr>
           <a:lstStyle/>
+          <a:p>
+            <a:pPr marL="0" indent="0">
+              <a:buNone/>
+            </a:pPr>
+            <a:endParaRPr lang="en-US" dirty="0"/>
+          </a:p>
           <a:p>
             <a:pPr marL="0" indent="0">
               <a:buNone/>
@@ -25871,7 +29647,7 @@
             </a:pPr>
             <a:r>
               <a:rPr lang="en-US" dirty="0"/>
-              <a:t> No native windows installation</a:t>
+              <a:t> No native windows service installation</a:t>
             </a:r>
           </a:p>
           <a:p>
@@ -25881,14 +29657,14 @@
             </a:pPr>
             <a:r>
               <a:rPr lang="en-US" dirty="0"/>
-              <a:t> No support for windows in a production environment</a:t>
+              <a:t> Requires more schema design up front</a:t>
             </a:r>
           </a:p>
         </p:txBody>
       </p:sp>
       <p:pic>
         <p:nvPicPr>
-          <p:cNvPr id="5" name="Picture 4"/>
+          <p:cNvPr id="5" name="Picture 4" descr="&lt;strong&gt;OrientDB&lt;/strong&gt; - Wikipedia"/>
           <p:cNvPicPr>
             <a:picLocks noChangeAspect="1"/>
           </p:cNvPicPr>
@@ -25902,8 +29678,8 @@
         </p:blipFill>
         <p:spPr>
           <a:xfrm>
-            <a:off x="1553372" y="558932"/>
-            <a:ext cx="2726764" cy="820545"/>
+            <a:off x="1450345" y="283908"/>
+            <a:ext cx="3306687" cy="1508189"/>
           </a:xfrm>
           <a:prstGeom prst="rect">
             <a:avLst/>
@@ -25918,8 +29694,8 @@
         </p:nvSpPr>
         <p:spPr>
           <a:xfrm>
-            <a:off x="5239270" y="558932"/>
-            <a:ext cx="6315422" cy="3508653"/>
+            <a:off x="5263076" y="498763"/>
+            <a:ext cx="6267863" cy="2677656"/>
           </a:xfrm>
           <a:prstGeom prst="rect">
             <a:avLst/>
@@ -25932,13 +29708,18 @@
           </a:bodyPr>
           <a:lstStyle/>
           <a:p>
+            <a:pPr>
+              <a:lnSpc>
+                <a:spcPct val="150000"/>
+              </a:lnSpc>
+            </a:pPr>
             <a:r>
               <a:rPr lang="en-US" sz="2400" b="1" dirty="0"/>
               <a:t>Pros:</a:t>
             </a:r>
           </a:p>
           <a:p>
-            <a:pPr marL="285750" indent="-285750">
+            <a:pPr marL="342900" indent="-342900">
               <a:lnSpc>
                 <a:spcPct val="150000"/>
               </a:lnSpc>
@@ -25947,11 +29728,11 @@
             </a:pPr>
             <a:r>
               <a:rPr lang="en-US" sz="2400" dirty="0"/>
-              <a:t>Runs complex distributed queries</a:t>
-            </a:r>
-          </a:p>
-          <a:p>
-            <a:pPr marL="285750" indent="-285750">
+              <a:t>Multi model DB – both graph and document DB</a:t>
+            </a:r>
+          </a:p>
+          <a:p>
+            <a:pPr marL="342900" indent="-342900">
               <a:lnSpc>
                 <a:spcPct val="150000"/>
               </a:lnSpc>
@@ -25960,19 +29741,11 @@
             </a:pPr>
             <a:r>
               <a:rPr lang="en-US" sz="2400" dirty="0"/>
-              <a:t>Scales out through </a:t>
-            </a:r>
-            <a:r>
-              <a:rPr lang="en-US" sz="2400" dirty="0" err="1"/>
-              <a:t>sharded</a:t>
-            </a:r>
-            <a:r>
-              <a:rPr lang="en-US" sz="2400" dirty="0"/>
-              <a:t> storage</a:t>
-            </a:r>
-          </a:p>
-          <a:p>
-            <a:pPr marL="285750" indent="-285750">
+              <a:t>Easily add users/roles</a:t>
+            </a:r>
+          </a:p>
+          <a:p>
+            <a:pPr marL="342900" indent="-342900">
               <a:lnSpc>
                 <a:spcPct val="150000"/>
               </a:lnSpc>
@@ -25981,36 +29754,18 @@
             </a:pPr>
             <a:r>
               <a:rPr lang="en-US" sz="2400" dirty="0"/>
-              <a:t>Returns data natively in JSON, making it ideally suited for web development</a:t>
-            </a:r>
-          </a:p>
-          <a:p>
-            <a:pPr marL="285750" indent="-285750">
-              <a:lnSpc>
-                <a:spcPct val="150000"/>
-              </a:lnSpc>
-              <a:buFont typeface="Wingdings" panose="05000000000000000000" pitchFamily="2" charset="2"/>
-              <a:buChar char="Ø"/>
-            </a:pPr>
-            <a:r>
-              <a:rPr lang="en-US" sz="2400" dirty="0"/>
-              <a:t>Written on top of </a:t>
-            </a:r>
-            <a:r>
-              <a:rPr lang="en-US" sz="2400" dirty="0" err="1"/>
-              <a:t>GraphQL</a:t>
-            </a:r>
+              <a:t>Supports multiple databases</a:t>
+            </a:r>
+          </a:p>
+          <a:p>
             <a:endParaRPr lang="en-US" sz="2400" dirty="0"/>
-          </a:p>
-          <a:p>
-            <a:endParaRPr lang="en-US" dirty="0"/>
           </a:p>
         </p:txBody>
       </p:sp>
     </p:spTree>
     <p:extLst>
       <p:ext uri="{BB962C8B-B14F-4D97-AF65-F5344CB8AC3E}">
-        <p14:creationId xmlns:p14="http://schemas.microsoft.com/office/powerpoint/2010/main" val="4227180807"/>
+        <p14:creationId xmlns:p14="http://schemas.microsoft.com/office/powerpoint/2010/main" val="896595893"/>
       </p:ext>
     </p:extLst>
   </p:cSld>
@@ -26163,6 +29918,333 @@
       </p:grpSpPr>
       <p:sp>
         <p:nvSpPr>
+          <p:cNvPr id="3" name="Content Placeholder 2"/>
+          <p:cNvSpPr>
+            <a:spLocks noGrp="1"/>
+          </p:cNvSpPr>
+          <p:nvPr>
+            <p:ph idx="1"/>
+          </p:nvPr>
+        </p:nvSpPr>
+        <p:spPr>
+          <a:xfrm>
+            <a:off x="5239270" y="4067585"/>
+            <a:ext cx="6410094" cy="2447826"/>
+          </a:xfrm>
+        </p:spPr>
+        <p:txBody>
+          <a:bodyPr>
+            <a:noAutofit/>
+          </a:bodyPr>
+          <a:lstStyle/>
+          <a:p>
+            <a:pPr marL="0" indent="0">
+              <a:buNone/>
+            </a:pPr>
+            <a:r>
+              <a:rPr lang="en-US" sz="2400" b="1" dirty="0"/>
+              <a:t>Cons:</a:t>
+            </a:r>
+          </a:p>
+          <a:p>
+            <a:pPr>
+              <a:buFont typeface="Wingdings" panose="05000000000000000000" pitchFamily="2" charset="2"/>
+              <a:buChar char="Ø"/>
+            </a:pPr>
+            <a:r>
+              <a:rPr lang="en-US" dirty="0"/>
+              <a:t> No native windows installation</a:t>
+            </a:r>
+          </a:p>
+          <a:p>
+            <a:pPr>
+              <a:buFont typeface="Wingdings" panose="05000000000000000000" pitchFamily="2" charset="2"/>
+              <a:buChar char="Ø"/>
+            </a:pPr>
+            <a:r>
+              <a:rPr lang="en-US" dirty="0"/>
+              <a:t> No support for windows in a production environment</a:t>
+            </a:r>
+          </a:p>
+        </p:txBody>
+      </p:sp>
+      <p:pic>
+        <p:nvPicPr>
+          <p:cNvPr id="5" name="Picture 4"/>
+          <p:cNvPicPr>
+            <a:picLocks noChangeAspect="1"/>
+          </p:cNvPicPr>
+          <p:nvPr/>
+        </p:nvPicPr>
+        <p:blipFill>
+          <a:blip r:embed="rId3"/>
+          <a:stretch>
+            <a:fillRect/>
+          </a:stretch>
+        </p:blipFill>
+        <p:spPr>
+          <a:xfrm>
+            <a:off x="1553372" y="558932"/>
+            <a:ext cx="2726764" cy="820545"/>
+          </a:xfrm>
+          <a:prstGeom prst="rect">
+            <a:avLst/>
+          </a:prstGeom>
+        </p:spPr>
+      </p:pic>
+      <p:sp>
+        <p:nvSpPr>
+          <p:cNvPr id="2" name="TextBox 1"/>
+          <p:cNvSpPr txBox="1"/>
+          <p:nvPr/>
+        </p:nvSpPr>
+        <p:spPr>
+          <a:xfrm>
+            <a:off x="5239270" y="558932"/>
+            <a:ext cx="6315422" cy="3508653"/>
+          </a:xfrm>
+          <a:prstGeom prst="rect">
+            <a:avLst/>
+          </a:prstGeom>
+          <a:noFill/>
+        </p:spPr>
+        <p:txBody>
+          <a:bodyPr wrap="square" rtlCol="0">
+            <a:spAutoFit/>
+          </a:bodyPr>
+          <a:lstStyle/>
+          <a:p>
+            <a:r>
+              <a:rPr lang="en-US" sz="2400" b="1" dirty="0"/>
+              <a:t>Pros:</a:t>
+            </a:r>
+          </a:p>
+          <a:p>
+            <a:pPr marL="285750" indent="-285750">
+              <a:lnSpc>
+                <a:spcPct val="150000"/>
+              </a:lnSpc>
+              <a:buFont typeface="Wingdings" panose="05000000000000000000" pitchFamily="2" charset="2"/>
+              <a:buChar char="Ø"/>
+            </a:pPr>
+            <a:r>
+              <a:rPr lang="en-US" sz="2400" dirty="0"/>
+              <a:t>Runs complex distributed queries</a:t>
+            </a:r>
+          </a:p>
+          <a:p>
+            <a:pPr marL="285750" indent="-285750">
+              <a:lnSpc>
+                <a:spcPct val="150000"/>
+              </a:lnSpc>
+              <a:buFont typeface="Wingdings" panose="05000000000000000000" pitchFamily="2" charset="2"/>
+              <a:buChar char="Ø"/>
+            </a:pPr>
+            <a:r>
+              <a:rPr lang="en-US" sz="2400" dirty="0"/>
+              <a:t>Scales out through </a:t>
+            </a:r>
+            <a:r>
+              <a:rPr lang="en-US" sz="2400" dirty="0" err="1"/>
+              <a:t>sharded</a:t>
+            </a:r>
+            <a:r>
+              <a:rPr lang="en-US" sz="2400" dirty="0"/>
+              <a:t> storage</a:t>
+            </a:r>
+          </a:p>
+          <a:p>
+            <a:pPr marL="285750" indent="-285750">
+              <a:lnSpc>
+                <a:spcPct val="150000"/>
+              </a:lnSpc>
+              <a:buFont typeface="Wingdings" panose="05000000000000000000" pitchFamily="2" charset="2"/>
+              <a:buChar char="Ø"/>
+            </a:pPr>
+            <a:r>
+              <a:rPr lang="en-US" sz="2400" dirty="0"/>
+              <a:t>Returns data natively in JSON, making it ideally suited for web development</a:t>
+            </a:r>
+          </a:p>
+          <a:p>
+            <a:pPr marL="285750" indent="-285750">
+              <a:lnSpc>
+                <a:spcPct val="150000"/>
+              </a:lnSpc>
+              <a:buFont typeface="Wingdings" panose="05000000000000000000" pitchFamily="2" charset="2"/>
+              <a:buChar char="Ø"/>
+            </a:pPr>
+            <a:r>
+              <a:rPr lang="en-US" sz="2400" dirty="0"/>
+              <a:t>Written on top of </a:t>
+            </a:r>
+            <a:r>
+              <a:rPr lang="en-US" sz="2400" dirty="0" err="1"/>
+              <a:t>GraphQL</a:t>
+            </a:r>
+            <a:endParaRPr lang="en-US" sz="2400" dirty="0"/>
+          </a:p>
+          <a:p>
+            <a:endParaRPr lang="en-US" dirty="0"/>
+          </a:p>
+        </p:txBody>
+      </p:sp>
+    </p:spTree>
+    <p:extLst>
+      <p:ext uri="{BB962C8B-B14F-4D97-AF65-F5344CB8AC3E}">
+        <p14:creationId xmlns:p14="http://schemas.microsoft.com/office/powerpoint/2010/main" val="4227180807"/>
+      </p:ext>
+    </p:extLst>
+  </p:cSld>
+  <p:clrMapOvr>
+    <a:masterClrMapping/>
+  </p:clrMapOvr>
+  <p:timing>
+    <p:tnLst>
+      <p:par>
+        <p:cTn id="1" dur="indefinite" restart="never" nodeType="tmRoot">
+          <p:childTnLst>
+            <p:seq concurrent="1" nextAc="seek">
+              <p:cTn id="2" dur="indefinite" nodeType="mainSeq">
+                <p:childTnLst>
+                  <p:par>
+                    <p:cTn id="3" fill="hold">
+                      <p:stCondLst>
+                        <p:cond delay="indefinite"/>
+                      </p:stCondLst>
+                      <p:childTnLst>
+                        <p:par>
+                          <p:cTn id="4" fill="hold">
+                            <p:stCondLst>
+                              <p:cond delay="0"/>
+                            </p:stCondLst>
+                            <p:childTnLst>
+                              <p:par>
+                                <p:cTn id="5" presetID="1" presetClass="entr" presetSubtype="0" fill="hold" grpId="0" nodeType="clickEffect">
+                                  <p:stCondLst>
+                                    <p:cond delay="0"/>
+                                  </p:stCondLst>
+                                  <p:childTnLst>
+                                    <p:set>
+                                      <p:cBhvr>
+                                        <p:cTn id="6" dur="1" fill="hold">
+                                          <p:stCondLst>
+                                            <p:cond delay="0"/>
+                                          </p:stCondLst>
+                                        </p:cTn>
+                                        <p:tgtEl>
+                                          <p:spTgt spid="2"/>
+                                        </p:tgtEl>
+                                        <p:attrNameLst>
+                                          <p:attrName>style.visibility</p:attrName>
+                                        </p:attrNameLst>
+                                      </p:cBhvr>
+                                      <p:to>
+                                        <p:strVal val="visible"/>
+                                      </p:to>
+                                    </p:set>
+                                  </p:childTnLst>
+                                </p:cTn>
+                              </p:par>
+                            </p:childTnLst>
+                          </p:cTn>
+                        </p:par>
+                      </p:childTnLst>
+                    </p:cTn>
+                  </p:par>
+                  <p:par>
+                    <p:cTn id="7" fill="hold">
+                      <p:stCondLst>
+                        <p:cond delay="indefinite"/>
+                      </p:stCondLst>
+                      <p:childTnLst>
+                        <p:par>
+                          <p:cTn id="8" fill="hold">
+                            <p:stCondLst>
+                              <p:cond delay="0"/>
+                            </p:stCondLst>
+                            <p:childTnLst>
+                              <p:par>
+                                <p:cTn id="9" presetID="1" presetClass="entr" presetSubtype="0" fill="hold" grpId="0" nodeType="clickEffect">
+                                  <p:stCondLst>
+                                    <p:cond delay="0"/>
+                                  </p:stCondLst>
+                                  <p:childTnLst>
+                                    <p:set>
+                                      <p:cBhvr>
+                                        <p:cTn id="10" dur="1" fill="hold">
+                                          <p:stCondLst>
+                                            <p:cond delay="0"/>
+                                          </p:stCondLst>
+                                        </p:cTn>
+                                        <p:tgtEl>
+                                          <p:spTgt spid="3"/>
+                                        </p:tgtEl>
+                                        <p:attrNameLst>
+                                          <p:attrName>style.visibility</p:attrName>
+                                        </p:attrNameLst>
+                                      </p:cBhvr>
+                                      <p:to>
+                                        <p:strVal val="visible"/>
+                                      </p:to>
+                                    </p:set>
+                                  </p:childTnLst>
+                                </p:cTn>
+                              </p:par>
+                            </p:childTnLst>
+                          </p:cTn>
+                        </p:par>
+                      </p:childTnLst>
+                    </p:cTn>
+                  </p:par>
+                </p:childTnLst>
+              </p:cTn>
+              <p:prevCondLst>
+                <p:cond evt="onPrev" delay="0">
+                  <p:tgtEl>
+                    <p:sldTgt/>
+                  </p:tgtEl>
+                </p:cond>
+              </p:prevCondLst>
+              <p:nextCondLst>
+                <p:cond evt="onNext" delay="0">
+                  <p:tgtEl>
+                    <p:sldTgt/>
+                  </p:tgtEl>
+                </p:cond>
+              </p:nextCondLst>
+            </p:seq>
+          </p:childTnLst>
+        </p:cTn>
+      </p:par>
+    </p:tnLst>
+    <p:bldLst>
+      <p:bldP spid="3" grpId="0"/>
+      <p:bldP spid="2" grpId="0"/>
+    </p:bldLst>
+  </p:timing>
+</p:sld>
+</file>
+
+<file path=ppt/slides/slide22.xml><?xml version="1.0" encoding="utf-8"?>
+<p:sld xmlns:a="http://schemas.openxmlformats.org/drawingml/2006/main" xmlns:r="http://schemas.openxmlformats.org/officeDocument/2006/relationships" xmlns:p="http://schemas.openxmlformats.org/presentationml/2006/main">
+  <p:cSld>
+    <p:spTree>
+      <p:nvGrpSpPr>
+        <p:cNvPr id="1" name=""/>
+        <p:cNvGrpSpPr/>
+        <p:nvPr/>
+      </p:nvGrpSpPr>
+      <p:grpSpPr>
+        <a:xfrm>
+          <a:off x="0" y="0"/>
+          <a:ext cx="0" cy="0"/>
+          <a:chOff x="0" y="0"/>
+          <a:chExt cx="0" cy="0"/>
+        </a:xfrm>
+      </p:grpSpPr>
+      <p:sp>
+        <p:nvSpPr>
           <p:cNvPr id="7" name="Rectangle 6"/>
           <p:cNvSpPr>
             <a:spLocks noGrp="1" noRot="1" noChangeAspect="1" noMove="1" noResize="1" noEditPoints="1" noAdjustHandles="1" noChangeArrowheads="1" noChangeShapeType="1" noTextEdit="1"/>
@@ -26430,7 +30512,7 @@
 </p:sld>
 </file>
 
-<file path=ppt/slides/slide22.xml><?xml version="1.0" encoding="utf-8"?>
+<file path=ppt/slides/slide23.xml><?xml version="1.0" encoding="utf-8"?>
 <p:sld xmlns:a="http://schemas.openxmlformats.org/drawingml/2006/main" xmlns:r="http://schemas.openxmlformats.org/officeDocument/2006/relationships" xmlns:p="http://schemas.openxmlformats.org/presentationml/2006/main">
   <p:cSld>
     <p:spTree>
@@ -26548,7 +30630,7 @@
 </p:sld>
 </file>
 
-<file path=ppt/slides/slide23.xml><?xml version="1.0" encoding="utf-8"?>
+<file path=ppt/slides/slide24.xml><?xml version="1.0" encoding="utf-8"?>
 <p:sld xmlns:a="http://schemas.openxmlformats.org/drawingml/2006/main" xmlns:r="http://schemas.openxmlformats.org/officeDocument/2006/relationships" xmlns:p="http://schemas.openxmlformats.org/presentationml/2006/main">
   <p:cSld>
     <p:spTree>
@@ -26935,7 +31017,7 @@
 </p:sld>
 </file>
 
-<file path=ppt/slides/slide24.xml><?xml version="1.0" encoding="utf-8"?>
+<file path=ppt/slides/slide25.xml><?xml version="1.0" encoding="utf-8"?>
 <p:sld xmlns:a="http://schemas.openxmlformats.org/drawingml/2006/main" xmlns:r="http://schemas.openxmlformats.org/officeDocument/2006/relationships" xmlns:p="http://schemas.openxmlformats.org/presentationml/2006/main">
   <p:cSld>
     <p:spTree>
@@ -27303,7 +31385,7 @@
 </p:sld>
 </file>
 
-<file path=ppt/slides/slide25.xml><?xml version="1.0" encoding="utf-8"?>
+<file path=ppt/slides/slide26.xml><?xml version="1.0" encoding="utf-8"?>
 <p:sld xmlns:a="http://schemas.openxmlformats.org/drawingml/2006/main" xmlns:r="http://schemas.openxmlformats.org/officeDocument/2006/relationships" xmlns:p="http://schemas.openxmlformats.org/presentationml/2006/main">
   <p:cSld>
     <p:spTree>
@@ -27589,7 +31671,7 @@
 </p:sld>
 </file>
 
-<file path=ppt/slides/slide26.xml><?xml version="1.0" encoding="utf-8"?>
+<file path=ppt/slides/slide27.xml><?xml version="1.0" encoding="utf-8"?>
 <p:sld xmlns:a="http://schemas.openxmlformats.org/drawingml/2006/main" xmlns:r="http://schemas.openxmlformats.org/officeDocument/2006/relationships" xmlns:p="http://schemas.openxmlformats.org/presentationml/2006/main">
   <p:cSld>
     <p:spTree>
@@ -28233,7 +32315,7 @@
 </p:sld>
 </file>
 
-<file path=ppt/slides/slide27.xml><?xml version="1.0" encoding="utf-8"?>
+<file path=ppt/slides/slide28.xml><?xml version="1.0" encoding="utf-8"?>
 <p:sld xmlns:a="http://schemas.openxmlformats.org/drawingml/2006/main" xmlns:r="http://schemas.openxmlformats.org/officeDocument/2006/relationships" xmlns:p="http://schemas.openxmlformats.org/presentationml/2006/main">
   <p:cSld>
     <p:spTree>
@@ -28592,7 +32674,7 @@
 </p:sld>
 </file>
 
-<file path=ppt/slides/slide28.xml><?xml version="1.0" encoding="utf-8"?>
+<file path=ppt/slides/slide29.xml><?xml version="1.0" encoding="utf-8"?>
 <p:sld xmlns:a="http://schemas.openxmlformats.org/drawingml/2006/main" xmlns:r="http://schemas.openxmlformats.org/officeDocument/2006/relationships" xmlns:p="http://schemas.openxmlformats.org/presentationml/2006/main">
   <p:cSld>
     <p:spTree>
@@ -29512,7 +33594,193 @@
 </p:sld>
 </file>
 
-<file path=ppt/slides/slide29.xml><?xml version="1.0" encoding="utf-8"?>
+<file path=ppt/slides/slide3.xml><?xml version="1.0" encoding="utf-8"?>
+<p:sld xmlns:a="http://schemas.openxmlformats.org/drawingml/2006/main" xmlns:r="http://schemas.openxmlformats.org/officeDocument/2006/relationships" xmlns:p="http://schemas.openxmlformats.org/presentationml/2006/main">
+  <p:cSld>
+    <p:spTree>
+      <p:nvGrpSpPr>
+        <p:cNvPr id="1" name=""/>
+        <p:cNvGrpSpPr/>
+        <p:nvPr/>
+      </p:nvGrpSpPr>
+      <p:grpSpPr>
+        <a:xfrm>
+          <a:off x="0" y="0"/>
+          <a:ext cx="0" cy="0"/>
+          <a:chOff x="0" y="0"/>
+          <a:chExt cx="0" cy="0"/>
+        </a:xfrm>
+      </p:grpSpPr>
+      <p:sp>
+        <p:nvSpPr>
+          <p:cNvPr id="2" name="Title 1"/>
+          <p:cNvSpPr>
+            <a:spLocks noGrp="1"/>
+          </p:cNvSpPr>
+          <p:nvPr>
+            <p:ph type="title"/>
+          </p:nvPr>
+        </p:nvSpPr>
+        <p:spPr/>
+        <p:txBody>
+          <a:bodyPr/>
+          <a:lstStyle/>
+          <a:p>
+            <a:r>
+              <a:rPr lang="en-US" dirty="0"/>
+              <a:t>About Me</a:t>
+            </a:r>
+          </a:p>
+        </p:txBody>
+      </p:sp>
+      <p:sp>
+        <p:nvSpPr>
+          <p:cNvPr id="8" name="TextBox 7"/>
+          <p:cNvSpPr txBox="1"/>
+          <p:nvPr/>
+        </p:nvSpPr>
+        <p:spPr>
+          <a:xfrm>
+            <a:off x="743445" y="2018844"/>
+            <a:ext cx="5700511" cy="3416320"/>
+          </a:xfrm>
+          <a:prstGeom prst="rect">
+            <a:avLst/>
+          </a:prstGeom>
+          <a:noFill/>
+        </p:spPr>
+        <p:txBody>
+          <a:bodyPr wrap="square" rtlCol="0">
+            <a:spAutoFit/>
+          </a:bodyPr>
+          <a:lstStyle/>
+          <a:p>
+            <a:r>
+              <a:rPr lang="en-US" dirty="0"/>
+              <a:t>CREATE p = (</a:t>
+            </a:r>
+            <a:r>
+              <a:rPr lang="en-US" dirty="0" err="1"/>
+              <a:t>person:Person</a:t>
+            </a:r>
+            <a:r>
+              <a:rPr lang="en-US" dirty="0"/>
+              <a:t> {name: 'Jen', </a:t>
+            </a:r>
+          </a:p>
+          <a:p>
+            <a:r>
+              <a:rPr lang="en-US" dirty="0"/>
+              <a:t>email: 'jenparker1975@gmail.com', </a:t>
+            </a:r>
+          </a:p>
+          <a:p>
+            <a:r>
+              <a:rPr lang="en-US" dirty="0" err="1"/>
+              <a:t>github:'https</a:t>
+            </a:r>
+            <a:r>
+              <a:rPr lang="en-US" dirty="0"/>
+              <a:t>://https://github.com/jenparker1975'})</a:t>
+            </a:r>
+          </a:p>
+          <a:p>
+            <a:r>
+              <a:rPr lang="en-US" dirty="0"/>
+              <a:t> – [:WORKS_AT] -&gt; (</a:t>
+            </a:r>
+            <a:r>
+              <a:rPr lang="en-US" dirty="0" err="1"/>
+              <a:t>company:Company</a:t>
+            </a:r>
+            <a:r>
+              <a:rPr lang="en-US" dirty="0"/>
+              <a:t> {name: 'HealthcareSource', </a:t>
+            </a:r>
+          </a:p>
+          <a:p>
+            <a:r>
+              <a:rPr lang="en-US" dirty="0"/>
+              <a:t>tag: 'Leading provider of talent management solutions for Healthcare' }) </a:t>
+            </a:r>
+          </a:p>
+          <a:p>
+            <a:r>
+              <a:rPr lang="en-US" dirty="0"/>
+              <a:t>RETURN p </a:t>
+            </a:r>
+          </a:p>
+          <a:p>
+            <a:endParaRPr lang="en-US" dirty="0"/>
+          </a:p>
+          <a:p>
+            <a:r>
+              <a:rPr lang="en-US" dirty="0"/>
+              <a:t>MATCH (</a:t>
+            </a:r>
+            <a:r>
+              <a:rPr lang="en-US" dirty="0" err="1"/>
+              <a:t>person:Person</a:t>
+            </a:r>
+            <a:r>
+              <a:rPr lang="en-US" dirty="0"/>
+              <a:t> {name: 'Jen'}) </a:t>
+            </a:r>
+          </a:p>
+          <a:p>
+            <a:r>
+              <a:rPr lang="en-US" dirty="0"/>
+              <a:t>CREATE (person) -[:IS_LEARNING]-&gt;(</a:t>
+            </a:r>
+            <a:r>
+              <a:rPr lang="en-US" dirty="0" err="1"/>
+              <a:t>technology:Technology</a:t>
+            </a:r>
+            <a:r>
+              <a:rPr lang="en-US" dirty="0"/>
+              <a:t> {name: 'Neo4j'})</a:t>
+            </a:r>
+          </a:p>
+        </p:txBody>
+      </p:sp>
+      <p:pic>
+        <p:nvPicPr>
+          <p:cNvPr id="4" name="Picture 3"/>
+          <p:cNvPicPr>
+            <a:picLocks noChangeAspect="1"/>
+          </p:cNvPicPr>
+          <p:nvPr/>
+        </p:nvPicPr>
+        <p:blipFill>
+          <a:blip r:embed="rId3"/>
+          <a:stretch>
+            <a:fillRect/>
+          </a:stretch>
+        </p:blipFill>
+        <p:spPr>
+          <a:xfrm>
+            <a:off x="6443956" y="0"/>
+            <a:ext cx="6152620" cy="6858000"/>
+          </a:xfrm>
+          <a:prstGeom prst="rect">
+            <a:avLst/>
+          </a:prstGeom>
+        </p:spPr>
+      </p:pic>
+    </p:spTree>
+    <p:extLst>
+      <p:ext uri="{BB962C8B-B14F-4D97-AF65-F5344CB8AC3E}">
+        <p14:creationId xmlns:p14="http://schemas.microsoft.com/office/powerpoint/2010/main" val="16365372"/>
+      </p:ext>
+    </p:extLst>
+  </p:cSld>
+  <p:clrMapOvr>
+    <a:masterClrMapping/>
+  </p:clrMapOvr>
+</p:sld>
+</file>
+
+<file path=ppt/slides/slide30.xml><?xml version="1.0" encoding="utf-8"?>
 <p:sld xmlns:a="http://schemas.openxmlformats.org/drawingml/2006/main" xmlns:r="http://schemas.openxmlformats.org/officeDocument/2006/relationships" xmlns:p="http://schemas.openxmlformats.org/presentationml/2006/main">
   <p:cSld>
     <p:spTree>
@@ -29566,296 +33834,7 @@
 </p:sld>
 </file>
 
-<file path=ppt/slides/slide3.xml><?xml version="1.0" encoding="utf-8"?>
-<p:sld xmlns:a="http://schemas.openxmlformats.org/drawingml/2006/main" xmlns:r="http://schemas.openxmlformats.org/officeDocument/2006/relationships" xmlns:p="http://schemas.openxmlformats.org/presentationml/2006/main">
-  <p:cSld>
-    <p:spTree>
-      <p:nvGrpSpPr>
-        <p:cNvPr id="1" name=""/>
-        <p:cNvGrpSpPr/>
-        <p:nvPr/>
-      </p:nvGrpSpPr>
-      <p:grpSpPr>
-        <a:xfrm>
-          <a:off x="0" y="0"/>
-          <a:ext cx="0" cy="0"/>
-          <a:chOff x="0" y="0"/>
-          <a:chExt cx="0" cy="0"/>
-        </a:xfrm>
-      </p:grpSpPr>
-      <p:sp>
-        <p:nvSpPr>
-          <p:cNvPr id="7" name="Rectangle 6"/>
-          <p:cNvSpPr>
-            <a:spLocks noGrp="1" noRot="1" noChangeAspect="1" noMove="1" noResize="1" noEditPoints="1" noAdjustHandles="1" noChangeArrowheads="1" noChangeShapeType="1" noTextEdit="1"/>
-          </p:cNvSpPr>
-          <p:nvPr>
-            <p:extLst>
-              <p:ext uri="{386F3935-93C4-4BCD-93E2-E3B085C9AB24}">
-                <p16:designElem xmlns:p16="http://schemas.microsoft.com/office/powerpoint/2015/main" val="1"/>
-              </p:ext>
-            </p:extLst>
-          </p:nvPr>
-        </p:nvSpPr>
-        <p:spPr>
-          <a:xfrm flipH="1">
-            <a:off x="0" y="0"/>
-            <a:ext cx="12188726" cy="6858975"/>
-          </a:xfrm>
-          <a:prstGeom prst="rect">
-            <a:avLst/>
-          </a:prstGeom>
-          <a:solidFill>
-            <a:schemeClr val="bg1"/>
-          </a:solidFill>
-          <a:ln>
-            <a:noFill/>
-          </a:ln>
-        </p:spPr>
-        <p:style>
-          <a:lnRef idx="2">
-            <a:schemeClr val="accent1">
-              <a:shade val="50000"/>
-            </a:schemeClr>
-          </a:lnRef>
-          <a:fillRef idx="1">
-            <a:schemeClr val="accent1"/>
-          </a:fillRef>
-          <a:effectRef idx="0">
-            <a:schemeClr val="accent1"/>
-          </a:effectRef>
-          <a:fontRef idx="minor">
-            <a:schemeClr val="lt1"/>
-          </a:fontRef>
-        </p:style>
-        <p:txBody>
-          <a:bodyPr rtlCol="0" anchor="ctr"/>
-          <a:lstStyle/>
-          <a:p>
-            <a:pPr algn="ctr"/>
-            <a:endParaRPr lang="en-US"/>
-          </a:p>
-        </p:txBody>
-      </p:sp>
-      <p:sp>
-        <p:nvSpPr>
-          <p:cNvPr id="9" name="Rectangle 8"/>
-          <p:cNvSpPr>
-            <a:spLocks noGrp="1" noRot="1" noChangeAspect="1" noMove="1" noResize="1" noEditPoints="1" noAdjustHandles="1" noChangeArrowheads="1" noChangeShapeType="1" noTextEdit="1"/>
-          </p:cNvSpPr>
-          <p:nvPr>
-            <p:extLst>
-              <p:ext uri="{386F3935-93C4-4BCD-93E2-E3B085C9AB24}">
-                <p16:designElem xmlns:p16="http://schemas.microsoft.com/office/powerpoint/2015/main" val="1"/>
-              </p:ext>
-            </p:extLst>
-          </p:nvPr>
-        </p:nvSpPr>
-        <p:spPr>
-          <a:xfrm>
-            <a:off x="5109343" y="620720"/>
-            <a:ext cx="6442480" cy="5593163"/>
-          </a:xfrm>
-          <a:prstGeom prst="rect">
-            <a:avLst/>
-          </a:prstGeom>
-          <a:solidFill>
-            <a:schemeClr val="tx1">
-              <a:lumMod val="75000"/>
-              <a:lumOff val="25000"/>
-            </a:schemeClr>
-          </a:solidFill>
-          <a:ln>
-            <a:noFill/>
-          </a:ln>
-        </p:spPr>
-        <p:style>
-          <a:lnRef idx="2">
-            <a:schemeClr val="accent1">
-              <a:shade val="50000"/>
-            </a:schemeClr>
-          </a:lnRef>
-          <a:fillRef idx="1">
-            <a:schemeClr val="accent1"/>
-          </a:fillRef>
-          <a:effectRef idx="0">
-            <a:schemeClr val="accent1"/>
-          </a:effectRef>
-          <a:fontRef idx="minor">
-            <a:schemeClr val="lt1"/>
-          </a:fontRef>
-        </p:style>
-        <p:txBody>
-          <a:bodyPr rtlCol="0" anchor="ctr"/>
-          <a:lstStyle/>
-          <a:p>
-            <a:pPr algn="ctr"/>
-            <a:endParaRPr lang="en-US"/>
-          </a:p>
-        </p:txBody>
-      </p:sp>
-      <p:cxnSp>
-        <p:nvCxnSpPr>
-          <p:cNvPr id="11" name="Straight Connector 10"/>
-          <p:cNvCxnSpPr>
-            <a:cxnSpLocks noGrp="1" noRot="1" noChangeAspect="1" noMove="1" noResize="1" noEditPoints="1" noAdjustHandles="1" noChangeArrowheads="1" noChangeShapeType="1"/>
-          </p:cNvCxnSpPr>
-          <p:nvPr>
-            <p:extLst>
-              <p:ext uri="{386F3935-93C4-4BCD-93E2-E3B085C9AB24}">
-                <p16:designElem xmlns:p16="http://schemas.microsoft.com/office/powerpoint/2015/main" val="1"/>
-              </p:ext>
-            </p:extLst>
-          </p:nvPr>
-        </p:nvCxnSpPr>
-        <p:spPr>
-          <a:xfrm>
-            <a:off x="5609960" y="4214336"/>
-            <a:ext cx="5120640" cy="0"/>
-          </a:xfrm>
-          <a:prstGeom prst="line">
-            <a:avLst/>
-          </a:prstGeom>
-          <a:ln w="19050">
-            <a:solidFill>
-              <a:schemeClr val="bg1"/>
-            </a:solidFill>
-          </a:ln>
-        </p:spPr>
-        <p:style>
-          <a:lnRef idx="1">
-            <a:schemeClr val="accent1"/>
-          </a:lnRef>
-          <a:fillRef idx="0">
-            <a:schemeClr val="accent1"/>
-          </a:fillRef>
-          <a:effectRef idx="0">
-            <a:schemeClr val="accent1"/>
-          </a:effectRef>
-          <a:fontRef idx="minor">
-            <a:schemeClr val="tx1"/>
-          </a:fontRef>
-        </p:style>
-      </p:cxnSp>
-      <p:sp>
-        <p:nvSpPr>
-          <p:cNvPr id="13" name="Rectangle 12"/>
-          <p:cNvSpPr>
-            <a:spLocks noGrp="1" noRot="1" noChangeAspect="1" noMove="1" noResize="1" noEditPoints="1" noAdjustHandles="1" noChangeArrowheads="1" noChangeShapeType="1" noTextEdit="1"/>
-          </p:cNvSpPr>
-          <p:nvPr>
-            <p:extLst>
-              <p:ext uri="{386F3935-93C4-4BCD-93E2-E3B085C9AB24}">
-                <p16:designElem xmlns:p16="http://schemas.microsoft.com/office/powerpoint/2015/main" val="1"/>
-              </p:ext>
-            </p:extLst>
-          </p:nvPr>
-        </p:nvSpPr>
-        <p:spPr>
-          <a:xfrm>
-            <a:off x="643467" y="621695"/>
-            <a:ext cx="4305009" cy="5592188"/>
-          </a:xfrm>
-          <a:prstGeom prst="rect">
-            <a:avLst/>
-          </a:prstGeom>
-          <a:blipFill dpi="0" rotWithShape="1">
-            <a:blip r:embed="rId3">
-              <a:duotone>
-                <a:schemeClr val="accent1">
-                  <a:shade val="45000"/>
-                  <a:satMod val="135000"/>
-                </a:schemeClr>
-                <a:prstClr val="white"/>
-              </a:duotone>
-            </a:blip>
-            <a:srcRect/>
-            <a:tile tx="-444500" ty="-127000" sx="50000" sy="50000" flip="xy" algn="tl"/>
-          </a:blipFill>
-          <a:ln>
-            <a:noFill/>
-          </a:ln>
-        </p:spPr>
-        <p:style>
-          <a:lnRef idx="2">
-            <a:schemeClr val="accent1">
-              <a:shade val="50000"/>
-            </a:schemeClr>
-          </a:lnRef>
-          <a:fillRef idx="1">
-            <a:schemeClr val="accent1"/>
-          </a:fillRef>
-          <a:effectRef idx="0">
-            <a:schemeClr val="accent1"/>
-          </a:effectRef>
-          <a:fontRef idx="minor">
-            <a:schemeClr val="lt1"/>
-          </a:fontRef>
-        </p:style>
-        <p:txBody>
-          <a:bodyPr rtlCol="0" anchor="ctr"/>
-          <a:lstStyle/>
-          <a:p>
-            <a:pPr lvl="0" algn="ctr"/>
-            <a:endParaRPr lang="en-US" dirty="0">
-              <a:solidFill>
-                <a:prstClr val="white"/>
-              </a:solidFill>
-            </a:endParaRPr>
-          </a:p>
-        </p:txBody>
-      </p:sp>
-      <p:sp>
-        <p:nvSpPr>
-          <p:cNvPr id="2" name="Title 1"/>
-          <p:cNvSpPr>
-            <a:spLocks noGrp="1"/>
-          </p:cNvSpPr>
-          <p:nvPr>
-            <p:ph type="ctrTitle"/>
-          </p:nvPr>
-        </p:nvSpPr>
-        <p:spPr>
-          <a:xfrm>
-            <a:off x="5590120" y="1105351"/>
-            <a:ext cx="5477071" cy="3023981"/>
-          </a:xfrm>
-        </p:spPr>
-        <p:txBody>
-          <a:bodyPr anchor="b">
-            <a:normAutofit/>
-          </a:bodyPr>
-          <a:lstStyle/>
-          <a:p>
-            <a:pPr algn="l"/>
-            <a:r>
-              <a:rPr lang="en-US" sz="4400">
-                <a:solidFill>
-                  <a:schemeClr val="bg1"/>
-                </a:solidFill>
-              </a:rPr>
-              <a:t>What’s a GraphDB Anyway?</a:t>
-            </a:r>
-          </a:p>
-        </p:txBody>
-      </p:sp>
-    </p:spTree>
-    <p:extLst>
-      <p:ext uri="{BB962C8B-B14F-4D97-AF65-F5344CB8AC3E}">
-        <p14:creationId xmlns:p14="http://schemas.microsoft.com/office/powerpoint/2010/main" val="1597194294"/>
-      </p:ext>
-    </p:extLst>
-  </p:cSld>
-  <p:clrMapOvr>
-    <a:masterClrMapping/>
-  </p:clrMapOvr>
-  <p:transition spd="slow">
-    <p:wipe/>
-  </p:transition>
-</p:sld>
-</file>
-
-<file path=ppt/slides/slide30.xml><?xml version="1.0" encoding="utf-8"?>
+<file path=ppt/slides/slide31.xml><?xml version="1.0" encoding="utf-8"?>
 <p:sld xmlns:a="http://schemas.openxmlformats.org/drawingml/2006/main" xmlns:r="http://schemas.openxmlformats.org/officeDocument/2006/relationships" xmlns:p="http://schemas.openxmlformats.org/presentationml/2006/main">
   <p:cSld>
     <p:spTree>
@@ -30184,7 +34163,7 @@
 </p:sld>
 </file>
 
-<file path=ppt/slides/slide31.xml><?xml version="1.0" encoding="utf-8"?>
+<file path=ppt/slides/slide32.xml><?xml version="1.0" encoding="utf-8"?>
 <p:sld xmlns:a="http://schemas.openxmlformats.org/drawingml/2006/main" xmlns:r="http://schemas.openxmlformats.org/officeDocument/2006/relationships" xmlns:p="http://schemas.openxmlformats.org/presentationml/2006/main">
   <p:cSld>
     <p:spTree>
@@ -30558,7 +34537,7 @@
 </p:sld>
 </file>
 
-<file path=ppt/slides/slide32.xml><?xml version="1.0" encoding="utf-8"?>
+<file path=ppt/slides/slide33.xml><?xml version="1.0" encoding="utf-8"?>
 <p:sld xmlns:a="http://schemas.openxmlformats.org/drawingml/2006/main" xmlns:r="http://schemas.openxmlformats.org/officeDocument/2006/relationships" xmlns:p="http://schemas.openxmlformats.org/presentationml/2006/main">
   <p:cSld>
     <p:spTree>
@@ -30638,7 +34617,7 @@
 </p:sld>
 </file>
 
-<file path=ppt/slides/slide33.xml><?xml version="1.0" encoding="utf-8"?>
+<file path=ppt/slides/slide34.xml><?xml version="1.0" encoding="utf-8"?>
 <p:sld xmlns:a="http://schemas.openxmlformats.org/drawingml/2006/main" xmlns:r="http://schemas.openxmlformats.org/officeDocument/2006/relationships" xmlns:p="http://schemas.openxmlformats.org/presentationml/2006/main">
   <p:cSld>
     <p:spTree>
@@ -31301,81 +35280,6 @@
     <p:extLst>
       <p:ext uri="{BB962C8B-B14F-4D97-AF65-F5344CB8AC3E}">
         <p14:creationId xmlns:p14="http://schemas.microsoft.com/office/powerpoint/2010/main" val="3360364818"/>
-      </p:ext>
-    </p:extLst>
-  </p:cSld>
-  <p:clrMapOvr>
-    <a:masterClrMapping/>
-  </p:clrMapOvr>
-</p:sld>
-</file>
-
-<file path=ppt/slides/slide34.xml><?xml version="1.0" encoding="utf-8"?>
-<p:sld xmlns:a="http://schemas.openxmlformats.org/drawingml/2006/main" xmlns:r="http://schemas.openxmlformats.org/officeDocument/2006/relationships" xmlns:p="http://schemas.openxmlformats.org/presentationml/2006/main">
-  <p:cSld>
-    <p:spTree>
-      <p:nvGrpSpPr>
-        <p:cNvPr id="1" name=""/>
-        <p:cNvGrpSpPr/>
-        <p:nvPr/>
-      </p:nvGrpSpPr>
-      <p:grpSpPr>
-        <a:xfrm>
-          <a:off x="0" y="0"/>
-          <a:ext cx="0" cy="0"/>
-          <a:chOff x="0" y="0"/>
-          <a:chExt cx="0" cy="0"/>
-        </a:xfrm>
-      </p:grpSpPr>
-      <p:sp>
-        <p:nvSpPr>
-          <p:cNvPr id="2" name="Title 1"/>
-          <p:cNvSpPr>
-            <a:spLocks noGrp="1"/>
-          </p:cNvSpPr>
-          <p:nvPr>
-            <p:ph type="title"/>
-          </p:nvPr>
-        </p:nvSpPr>
-        <p:spPr/>
-        <p:txBody>
-          <a:bodyPr/>
-          <a:lstStyle/>
-          <a:p>
-            <a:r>
-              <a:rPr lang="en-US" dirty="0"/>
-              <a:t>Neo4J Model</a:t>
-            </a:r>
-          </a:p>
-        </p:txBody>
-      </p:sp>
-      <p:pic>
-        <p:nvPicPr>
-          <p:cNvPr id="7" name="Content Placeholder 6"/>
-          <p:cNvPicPr>
-            <a:picLocks noGrp="1" noChangeAspect="1"/>
-          </p:cNvPicPr>
-          <p:nvPr>
-            <p:ph idx="1"/>
-          </p:nvPr>
-        </p:nvPicPr>
-        <p:blipFill>
-          <a:blip r:embed="rId2"/>
-          <a:stretch>
-            <a:fillRect/>
-          </a:stretch>
-        </p:blipFill>
-        <p:spPr>
-          <a:xfrm>
-            <a:off x="3174802" y="1760174"/>
-            <a:ext cx="5800176" cy="4051300"/>
-          </a:xfrm>
-        </p:spPr>
-      </p:pic>
-    </p:spTree>
-    <p:extLst>
-      <p:ext uri="{BB962C8B-B14F-4D97-AF65-F5344CB8AC3E}">
-        <p14:creationId xmlns:p14="http://schemas.microsoft.com/office/powerpoint/2010/main" val="1972807332"/>
       </p:ext>
     </p:extLst>
   </p:cSld>
@@ -31419,14 +35323,14 @@
           <a:p>
             <a:r>
               <a:rPr lang="en-US" dirty="0"/>
-              <a:t>Neo4j property graph</a:t>
+              <a:t>Neo4J Model</a:t>
             </a:r>
           </a:p>
         </p:txBody>
       </p:sp>
       <p:pic>
         <p:nvPicPr>
-          <p:cNvPr id="4" name="Content Placeholder 3"/>
+          <p:cNvPr id="7" name="Content Placeholder 6"/>
           <p:cNvPicPr>
             <a:picLocks noGrp="1" noChangeAspect="1"/>
           </p:cNvPicPr>
@@ -31442,15 +35346,15 @@
         </p:blipFill>
         <p:spPr>
           <a:xfrm>
-            <a:off x="1604789" y="1878853"/>
-            <a:ext cx="6752558" cy="4051300"/>
+            <a:off x="3174802" y="1760174"/>
+            <a:ext cx="5800176" cy="4051300"/>
           </a:xfrm>
         </p:spPr>
       </p:pic>
     </p:spTree>
     <p:extLst>
       <p:ext uri="{BB962C8B-B14F-4D97-AF65-F5344CB8AC3E}">
-        <p14:creationId xmlns:p14="http://schemas.microsoft.com/office/powerpoint/2010/main" val="2199902538"/>
+        <p14:creationId xmlns:p14="http://schemas.microsoft.com/office/powerpoint/2010/main" val="1972807332"/>
       </p:ext>
     </p:extLst>
   </p:cSld>
@@ -31494,6 +35398,81 @@
           <a:p>
             <a:r>
               <a:rPr lang="en-US" dirty="0"/>
+              <a:t>Neo4j property graph</a:t>
+            </a:r>
+          </a:p>
+        </p:txBody>
+      </p:sp>
+      <p:pic>
+        <p:nvPicPr>
+          <p:cNvPr id="4" name="Content Placeholder 3"/>
+          <p:cNvPicPr>
+            <a:picLocks noGrp="1" noChangeAspect="1"/>
+          </p:cNvPicPr>
+          <p:nvPr>
+            <p:ph idx="1"/>
+          </p:nvPr>
+        </p:nvPicPr>
+        <p:blipFill>
+          <a:blip r:embed="rId2"/>
+          <a:stretch>
+            <a:fillRect/>
+          </a:stretch>
+        </p:blipFill>
+        <p:spPr>
+          <a:xfrm>
+            <a:off x="1604789" y="1878853"/>
+            <a:ext cx="6752558" cy="4051300"/>
+          </a:xfrm>
+        </p:spPr>
+      </p:pic>
+    </p:spTree>
+    <p:extLst>
+      <p:ext uri="{BB962C8B-B14F-4D97-AF65-F5344CB8AC3E}">
+        <p14:creationId xmlns:p14="http://schemas.microsoft.com/office/powerpoint/2010/main" val="2199902538"/>
+      </p:ext>
+    </p:extLst>
+  </p:cSld>
+  <p:clrMapOvr>
+    <a:masterClrMapping/>
+  </p:clrMapOvr>
+</p:sld>
+</file>
+
+<file path=ppt/slides/slide37.xml><?xml version="1.0" encoding="utf-8"?>
+<p:sld xmlns:a="http://schemas.openxmlformats.org/drawingml/2006/main" xmlns:r="http://schemas.openxmlformats.org/officeDocument/2006/relationships" xmlns:p="http://schemas.openxmlformats.org/presentationml/2006/main">
+  <p:cSld>
+    <p:spTree>
+      <p:nvGrpSpPr>
+        <p:cNvPr id="1" name=""/>
+        <p:cNvGrpSpPr/>
+        <p:nvPr/>
+      </p:nvGrpSpPr>
+      <p:grpSpPr>
+        <a:xfrm>
+          <a:off x="0" y="0"/>
+          <a:ext cx="0" cy="0"/>
+          <a:chOff x="0" y="0"/>
+          <a:chExt cx="0" cy="0"/>
+        </a:xfrm>
+      </p:grpSpPr>
+      <p:sp>
+        <p:nvSpPr>
+          <p:cNvPr id="2" name="Title 1"/>
+          <p:cNvSpPr>
+            <a:spLocks noGrp="1"/>
+          </p:cNvSpPr>
+          <p:nvPr>
+            <p:ph type="title"/>
+          </p:nvPr>
+        </p:nvSpPr>
+        <p:spPr/>
+        <p:txBody>
+          <a:bodyPr/>
+          <a:lstStyle/>
+          <a:p>
+            <a:r>
+              <a:rPr lang="en-US" dirty="0"/>
               <a:t>Find Friends of friends that have Type 1 diabetes</a:t>
             </a:r>
           </a:p>
@@ -31575,7 +35554,7 @@
 </p:sld>
 </file>
 
-<file path=ppt/slides/slide37.xml><?xml version="1.0" encoding="utf-8"?>
+<file path=ppt/slides/slide38.xml><?xml version="1.0" encoding="utf-8"?>
 <p:sld xmlns:a="http://schemas.openxmlformats.org/drawingml/2006/main" xmlns:r="http://schemas.openxmlformats.org/officeDocument/2006/relationships" xmlns:p="http://schemas.openxmlformats.org/presentationml/2006/main">
   <p:cSld>
     <p:spTree>
@@ -31906,7 +35885,7 @@
 </p:sld>
 </file>
 
-<file path=ppt/slides/slide38.xml><?xml version="1.0" encoding="utf-8"?>
+<file path=ppt/slides/slide39.xml><?xml version="1.0" encoding="utf-8"?>
 <p:sld xmlns:a="http://schemas.openxmlformats.org/drawingml/2006/main" xmlns:r="http://schemas.openxmlformats.org/officeDocument/2006/relationships" xmlns:p="http://schemas.openxmlformats.org/presentationml/2006/main">
   <p:cSld>
     <p:spTree>
@@ -32582,7 +36561,296 @@
 </p:sld>
 </file>
 
-<file path=ppt/slides/slide39.xml><?xml version="1.0" encoding="utf-8"?>
+<file path=ppt/slides/slide4.xml><?xml version="1.0" encoding="utf-8"?>
+<p:sld xmlns:a="http://schemas.openxmlformats.org/drawingml/2006/main" xmlns:r="http://schemas.openxmlformats.org/officeDocument/2006/relationships" xmlns:p="http://schemas.openxmlformats.org/presentationml/2006/main">
+  <p:cSld>
+    <p:spTree>
+      <p:nvGrpSpPr>
+        <p:cNvPr id="1" name=""/>
+        <p:cNvGrpSpPr/>
+        <p:nvPr/>
+      </p:nvGrpSpPr>
+      <p:grpSpPr>
+        <a:xfrm>
+          <a:off x="0" y="0"/>
+          <a:ext cx="0" cy="0"/>
+          <a:chOff x="0" y="0"/>
+          <a:chExt cx="0" cy="0"/>
+        </a:xfrm>
+      </p:grpSpPr>
+      <p:sp>
+        <p:nvSpPr>
+          <p:cNvPr id="7" name="Rectangle 6"/>
+          <p:cNvSpPr>
+            <a:spLocks noGrp="1" noRot="1" noChangeAspect="1" noMove="1" noResize="1" noEditPoints="1" noAdjustHandles="1" noChangeArrowheads="1" noChangeShapeType="1" noTextEdit="1"/>
+          </p:cNvSpPr>
+          <p:nvPr>
+            <p:extLst>
+              <p:ext uri="{386F3935-93C4-4BCD-93E2-E3B085C9AB24}">
+                <p16:designElem xmlns:p16="http://schemas.microsoft.com/office/powerpoint/2015/main" val="1"/>
+              </p:ext>
+            </p:extLst>
+          </p:nvPr>
+        </p:nvSpPr>
+        <p:spPr>
+          <a:xfrm flipH="1">
+            <a:off x="0" y="0"/>
+            <a:ext cx="12188726" cy="6858975"/>
+          </a:xfrm>
+          <a:prstGeom prst="rect">
+            <a:avLst/>
+          </a:prstGeom>
+          <a:solidFill>
+            <a:schemeClr val="bg1"/>
+          </a:solidFill>
+          <a:ln>
+            <a:noFill/>
+          </a:ln>
+        </p:spPr>
+        <p:style>
+          <a:lnRef idx="2">
+            <a:schemeClr val="accent1">
+              <a:shade val="50000"/>
+            </a:schemeClr>
+          </a:lnRef>
+          <a:fillRef idx="1">
+            <a:schemeClr val="accent1"/>
+          </a:fillRef>
+          <a:effectRef idx="0">
+            <a:schemeClr val="accent1"/>
+          </a:effectRef>
+          <a:fontRef idx="minor">
+            <a:schemeClr val="lt1"/>
+          </a:fontRef>
+        </p:style>
+        <p:txBody>
+          <a:bodyPr rtlCol="0" anchor="ctr"/>
+          <a:lstStyle/>
+          <a:p>
+            <a:pPr algn="ctr"/>
+            <a:endParaRPr lang="en-US"/>
+          </a:p>
+        </p:txBody>
+      </p:sp>
+      <p:sp>
+        <p:nvSpPr>
+          <p:cNvPr id="9" name="Rectangle 8"/>
+          <p:cNvSpPr>
+            <a:spLocks noGrp="1" noRot="1" noChangeAspect="1" noMove="1" noResize="1" noEditPoints="1" noAdjustHandles="1" noChangeArrowheads="1" noChangeShapeType="1" noTextEdit="1"/>
+          </p:cNvSpPr>
+          <p:nvPr>
+            <p:extLst>
+              <p:ext uri="{386F3935-93C4-4BCD-93E2-E3B085C9AB24}">
+                <p16:designElem xmlns:p16="http://schemas.microsoft.com/office/powerpoint/2015/main" val="1"/>
+              </p:ext>
+            </p:extLst>
+          </p:nvPr>
+        </p:nvSpPr>
+        <p:spPr>
+          <a:xfrm>
+            <a:off x="5109343" y="620720"/>
+            <a:ext cx="6442480" cy="5593163"/>
+          </a:xfrm>
+          <a:prstGeom prst="rect">
+            <a:avLst/>
+          </a:prstGeom>
+          <a:solidFill>
+            <a:schemeClr val="tx1">
+              <a:lumMod val="75000"/>
+              <a:lumOff val="25000"/>
+            </a:schemeClr>
+          </a:solidFill>
+          <a:ln>
+            <a:noFill/>
+          </a:ln>
+        </p:spPr>
+        <p:style>
+          <a:lnRef idx="2">
+            <a:schemeClr val="accent1">
+              <a:shade val="50000"/>
+            </a:schemeClr>
+          </a:lnRef>
+          <a:fillRef idx="1">
+            <a:schemeClr val="accent1"/>
+          </a:fillRef>
+          <a:effectRef idx="0">
+            <a:schemeClr val="accent1"/>
+          </a:effectRef>
+          <a:fontRef idx="minor">
+            <a:schemeClr val="lt1"/>
+          </a:fontRef>
+        </p:style>
+        <p:txBody>
+          <a:bodyPr rtlCol="0" anchor="ctr"/>
+          <a:lstStyle/>
+          <a:p>
+            <a:pPr algn="ctr"/>
+            <a:endParaRPr lang="en-US"/>
+          </a:p>
+        </p:txBody>
+      </p:sp>
+      <p:cxnSp>
+        <p:nvCxnSpPr>
+          <p:cNvPr id="11" name="Straight Connector 10"/>
+          <p:cNvCxnSpPr>
+            <a:cxnSpLocks noGrp="1" noRot="1" noChangeAspect="1" noMove="1" noResize="1" noEditPoints="1" noAdjustHandles="1" noChangeArrowheads="1" noChangeShapeType="1"/>
+          </p:cNvCxnSpPr>
+          <p:nvPr>
+            <p:extLst>
+              <p:ext uri="{386F3935-93C4-4BCD-93E2-E3B085C9AB24}">
+                <p16:designElem xmlns:p16="http://schemas.microsoft.com/office/powerpoint/2015/main" val="1"/>
+              </p:ext>
+            </p:extLst>
+          </p:nvPr>
+        </p:nvCxnSpPr>
+        <p:spPr>
+          <a:xfrm>
+            <a:off x="5609960" y="4214336"/>
+            <a:ext cx="5120640" cy="0"/>
+          </a:xfrm>
+          <a:prstGeom prst="line">
+            <a:avLst/>
+          </a:prstGeom>
+          <a:ln w="19050">
+            <a:solidFill>
+              <a:schemeClr val="bg1"/>
+            </a:solidFill>
+          </a:ln>
+        </p:spPr>
+        <p:style>
+          <a:lnRef idx="1">
+            <a:schemeClr val="accent1"/>
+          </a:lnRef>
+          <a:fillRef idx="0">
+            <a:schemeClr val="accent1"/>
+          </a:fillRef>
+          <a:effectRef idx="0">
+            <a:schemeClr val="accent1"/>
+          </a:effectRef>
+          <a:fontRef idx="minor">
+            <a:schemeClr val="tx1"/>
+          </a:fontRef>
+        </p:style>
+      </p:cxnSp>
+      <p:sp>
+        <p:nvSpPr>
+          <p:cNvPr id="13" name="Rectangle 12"/>
+          <p:cNvSpPr>
+            <a:spLocks noGrp="1" noRot="1" noChangeAspect="1" noMove="1" noResize="1" noEditPoints="1" noAdjustHandles="1" noChangeArrowheads="1" noChangeShapeType="1" noTextEdit="1"/>
+          </p:cNvSpPr>
+          <p:nvPr>
+            <p:extLst>
+              <p:ext uri="{386F3935-93C4-4BCD-93E2-E3B085C9AB24}">
+                <p16:designElem xmlns:p16="http://schemas.microsoft.com/office/powerpoint/2015/main" val="1"/>
+              </p:ext>
+            </p:extLst>
+          </p:nvPr>
+        </p:nvSpPr>
+        <p:spPr>
+          <a:xfrm>
+            <a:off x="643467" y="621695"/>
+            <a:ext cx="4305009" cy="5592188"/>
+          </a:xfrm>
+          <a:prstGeom prst="rect">
+            <a:avLst/>
+          </a:prstGeom>
+          <a:blipFill dpi="0" rotWithShape="1">
+            <a:blip r:embed="rId3">
+              <a:duotone>
+                <a:schemeClr val="accent1">
+                  <a:shade val="45000"/>
+                  <a:satMod val="135000"/>
+                </a:schemeClr>
+                <a:prstClr val="white"/>
+              </a:duotone>
+            </a:blip>
+            <a:srcRect/>
+            <a:tile tx="-444500" ty="-127000" sx="50000" sy="50000" flip="xy" algn="tl"/>
+          </a:blipFill>
+          <a:ln>
+            <a:noFill/>
+          </a:ln>
+        </p:spPr>
+        <p:style>
+          <a:lnRef idx="2">
+            <a:schemeClr val="accent1">
+              <a:shade val="50000"/>
+            </a:schemeClr>
+          </a:lnRef>
+          <a:fillRef idx="1">
+            <a:schemeClr val="accent1"/>
+          </a:fillRef>
+          <a:effectRef idx="0">
+            <a:schemeClr val="accent1"/>
+          </a:effectRef>
+          <a:fontRef idx="minor">
+            <a:schemeClr val="lt1"/>
+          </a:fontRef>
+        </p:style>
+        <p:txBody>
+          <a:bodyPr rtlCol="0" anchor="ctr"/>
+          <a:lstStyle/>
+          <a:p>
+            <a:pPr lvl="0" algn="ctr"/>
+            <a:endParaRPr lang="en-US" dirty="0">
+              <a:solidFill>
+                <a:prstClr val="white"/>
+              </a:solidFill>
+            </a:endParaRPr>
+          </a:p>
+        </p:txBody>
+      </p:sp>
+      <p:sp>
+        <p:nvSpPr>
+          <p:cNvPr id="2" name="Title 1"/>
+          <p:cNvSpPr>
+            <a:spLocks noGrp="1"/>
+          </p:cNvSpPr>
+          <p:nvPr>
+            <p:ph type="ctrTitle"/>
+          </p:nvPr>
+        </p:nvSpPr>
+        <p:spPr>
+          <a:xfrm>
+            <a:off x="5590120" y="1105351"/>
+            <a:ext cx="5477071" cy="3023981"/>
+          </a:xfrm>
+        </p:spPr>
+        <p:txBody>
+          <a:bodyPr anchor="b">
+            <a:normAutofit/>
+          </a:bodyPr>
+          <a:lstStyle/>
+          <a:p>
+            <a:pPr algn="l"/>
+            <a:r>
+              <a:rPr lang="en-US" sz="4400">
+                <a:solidFill>
+                  <a:schemeClr val="bg1"/>
+                </a:solidFill>
+              </a:rPr>
+              <a:t>What’s a GraphDB Anyway?</a:t>
+            </a:r>
+          </a:p>
+        </p:txBody>
+      </p:sp>
+    </p:spTree>
+    <p:extLst>
+      <p:ext uri="{BB962C8B-B14F-4D97-AF65-F5344CB8AC3E}">
+        <p14:creationId xmlns:p14="http://schemas.microsoft.com/office/powerpoint/2010/main" val="1597194294"/>
+      </p:ext>
+    </p:extLst>
+  </p:cSld>
+  <p:clrMapOvr>
+    <a:masterClrMapping/>
+  </p:clrMapOvr>
+  <p:transition spd="slow">
+    <p:wipe/>
+  </p:transition>
+</p:sld>
+</file>
+
+<file path=ppt/slides/slide40.xml><?xml version="1.0" encoding="utf-8"?>
 <p:sld xmlns:a="http://schemas.openxmlformats.org/drawingml/2006/main" xmlns:r="http://schemas.openxmlformats.org/officeDocument/2006/relationships" xmlns:p="http://schemas.openxmlformats.org/presentationml/2006/main">
   <p:cSld>
     <p:spTree>
@@ -32853,159 +37121,7 @@
 </p:sld>
 </file>
 
-<file path=ppt/slides/slide4.xml><?xml version="1.0" encoding="utf-8"?>
-<p:sld xmlns:a="http://schemas.openxmlformats.org/drawingml/2006/main" xmlns:r="http://schemas.openxmlformats.org/officeDocument/2006/relationships" xmlns:p="http://schemas.openxmlformats.org/presentationml/2006/main">
-  <p:cSld>
-    <p:spTree>
-      <p:nvGrpSpPr>
-        <p:cNvPr id="1" name=""/>
-        <p:cNvGrpSpPr/>
-        <p:nvPr/>
-      </p:nvGrpSpPr>
-      <p:grpSpPr>
-        <a:xfrm>
-          <a:off x="0" y="0"/>
-          <a:ext cx="0" cy="0"/>
-          <a:chOff x="0" y="0"/>
-          <a:chExt cx="0" cy="0"/>
-        </a:xfrm>
-      </p:grpSpPr>
-      <p:sp>
-        <p:nvSpPr>
-          <p:cNvPr id="2" name="Title 1"/>
-          <p:cNvSpPr>
-            <a:spLocks noGrp="1"/>
-          </p:cNvSpPr>
-          <p:nvPr>
-            <p:ph type="title"/>
-          </p:nvPr>
-        </p:nvSpPr>
-        <p:spPr>
-          <a:xfrm>
-            <a:off x="8508077" y="207818"/>
-            <a:ext cx="3200400" cy="1021872"/>
-          </a:xfrm>
-        </p:spPr>
-        <p:txBody>
-          <a:bodyPr/>
-          <a:lstStyle/>
-          <a:p>
-            <a:r>
-              <a:rPr lang="en-US" dirty="0"/>
-              <a:t>Graphs are everywhere!</a:t>
-            </a:r>
-          </a:p>
-        </p:txBody>
-      </p:sp>
-      <p:pic>
-        <p:nvPicPr>
-          <p:cNvPr id="10" name="Content Placeholder 9"/>
-          <p:cNvPicPr>
-            <a:picLocks noGrp="1" noChangeAspect="1"/>
-          </p:cNvPicPr>
-          <p:nvPr>
-            <p:ph idx="1"/>
-          </p:nvPr>
-        </p:nvPicPr>
-        <p:blipFill>
-          <a:blip r:embed="rId3"/>
-          <a:stretch>
-            <a:fillRect/>
-          </a:stretch>
-        </p:blipFill>
-        <p:spPr>
-          <a:xfrm>
-            <a:off x="1286001" y="718754"/>
-            <a:ext cx="3048000" cy="2324100"/>
-          </a:xfrm>
-        </p:spPr>
-      </p:pic>
-      <p:pic>
-        <p:nvPicPr>
-          <p:cNvPr id="11" name="Picture 10"/>
-          <p:cNvPicPr>
-            <a:picLocks noChangeAspect="1"/>
-          </p:cNvPicPr>
-          <p:nvPr/>
-        </p:nvPicPr>
-        <p:blipFill>
-          <a:blip r:embed="rId4"/>
-          <a:stretch>
-            <a:fillRect/>
-          </a:stretch>
-        </p:blipFill>
-        <p:spPr>
-          <a:xfrm>
-            <a:off x="7023100" y="2941024"/>
-            <a:ext cx="4023563" cy="3020826"/>
-          </a:xfrm>
-          <a:prstGeom prst="rect">
-            <a:avLst/>
-          </a:prstGeom>
-        </p:spPr>
-      </p:pic>
-      <p:pic>
-        <p:nvPicPr>
-          <p:cNvPr id="12" name="Picture 11"/>
-          <p:cNvPicPr>
-            <a:picLocks noChangeAspect="1"/>
-          </p:cNvPicPr>
-          <p:nvPr/>
-        </p:nvPicPr>
-        <p:blipFill>
-          <a:blip r:embed="rId5"/>
-          <a:stretch>
-            <a:fillRect/>
-          </a:stretch>
-        </p:blipFill>
-        <p:spPr>
-          <a:xfrm>
-            <a:off x="4853257" y="646771"/>
-            <a:ext cx="3310759" cy="1985298"/>
-          </a:xfrm>
-          <a:prstGeom prst="rect">
-            <a:avLst/>
-          </a:prstGeom>
-        </p:spPr>
-      </p:pic>
-      <p:pic>
-        <p:nvPicPr>
-          <p:cNvPr id="13" name="Picture 12"/>
-          <p:cNvPicPr>
-            <a:picLocks noChangeAspect="1"/>
-          </p:cNvPicPr>
-          <p:nvPr/>
-        </p:nvPicPr>
-        <p:blipFill>
-          <a:blip r:embed="rId6"/>
-          <a:stretch>
-            <a:fillRect/>
-          </a:stretch>
-        </p:blipFill>
-        <p:spPr>
-          <a:xfrm>
-            <a:off x="3165342" y="3620165"/>
-            <a:ext cx="3343294" cy="2175431"/>
-          </a:xfrm>
-          <a:prstGeom prst="rect">
-            <a:avLst/>
-          </a:prstGeom>
-        </p:spPr>
-      </p:pic>
-    </p:spTree>
-    <p:extLst>
-      <p:ext uri="{BB962C8B-B14F-4D97-AF65-F5344CB8AC3E}">
-        <p14:creationId xmlns:p14="http://schemas.microsoft.com/office/powerpoint/2010/main" val="2955294941"/>
-      </p:ext>
-    </p:extLst>
-  </p:cSld>
-  <p:clrMapOvr>
-    <a:masterClrMapping/>
-  </p:clrMapOvr>
-</p:sld>
-</file>
-
-<file path=ppt/slides/slide40.xml><?xml version="1.0" encoding="utf-8"?>
+<file path=ppt/slides/slide41.xml><?xml version="1.0" encoding="utf-8"?>
 <p:sld xmlns:a="http://schemas.openxmlformats.org/drawingml/2006/main" xmlns:r="http://schemas.openxmlformats.org/officeDocument/2006/relationships" xmlns:p="http://schemas.openxmlformats.org/presentationml/2006/main">
   <p:cSld>
     <p:spTree>
@@ -33270,7 +37386,7 @@
 </p:sld>
 </file>
 
-<file path=ppt/slides/slide41.xml><?xml version="1.0" encoding="utf-8"?>
+<file path=ppt/slides/slide42.xml><?xml version="1.0" encoding="utf-8"?>
 <p:sld xmlns:a="http://schemas.openxmlformats.org/drawingml/2006/main" xmlns:r="http://schemas.openxmlformats.org/officeDocument/2006/relationships" xmlns:p="http://schemas.openxmlformats.org/presentationml/2006/main">
   <p:cSld>
     <p:spTree>
@@ -33943,7 +38059,7 @@
 </p:sld>
 </file>
 
-<file path=ppt/slides/slide42.xml><?xml version="1.0" encoding="utf-8"?>
+<file path=ppt/slides/slide43.xml><?xml version="1.0" encoding="utf-8"?>
 <p:sld xmlns:a="http://schemas.openxmlformats.org/drawingml/2006/main" xmlns:r="http://schemas.openxmlformats.org/officeDocument/2006/relationships" xmlns:p="http://schemas.openxmlformats.org/presentationml/2006/main">
   <p:cSld>
     <p:spTree>
@@ -34540,7 +38656,7 @@
 </p:sld>
 </file>
 
-<file path=ppt/slides/slide43.xml><?xml version="1.0" encoding="utf-8"?>
+<file path=ppt/slides/slide44.xml><?xml version="1.0" encoding="utf-8"?>
 <p:sld xmlns:a="http://schemas.openxmlformats.org/drawingml/2006/main" xmlns:r="http://schemas.openxmlformats.org/officeDocument/2006/relationships" xmlns:p="http://schemas.openxmlformats.org/presentationml/2006/main">
   <p:cSld>
     <p:spTree>
@@ -34940,6 +39056,158 @@
 </file>
 
 <file path=ppt/slides/slide5.xml><?xml version="1.0" encoding="utf-8"?>
+<p:sld xmlns:a="http://schemas.openxmlformats.org/drawingml/2006/main" xmlns:r="http://schemas.openxmlformats.org/officeDocument/2006/relationships" xmlns:p="http://schemas.openxmlformats.org/presentationml/2006/main">
+  <p:cSld>
+    <p:spTree>
+      <p:nvGrpSpPr>
+        <p:cNvPr id="1" name=""/>
+        <p:cNvGrpSpPr/>
+        <p:nvPr/>
+      </p:nvGrpSpPr>
+      <p:grpSpPr>
+        <a:xfrm>
+          <a:off x="0" y="0"/>
+          <a:ext cx="0" cy="0"/>
+          <a:chOff x="0" y="0"/>
+          <a:chExt cx="0" cy="0"/>
+        </a:xfrm>
+      </p:grpSpPr>
+      <p:sp>
+        <p:nvSpPr>
+          <p:cNvPr id="2" name="Title 1"/>
+          <p:cNvSpPr>
+            <a:spLocks noGrp="1"/>
+          </p:cNvSpPr>
+          <p:nvPr>
+            <p:ph type="title"/>
+          </p:nvPr>
+        </p:nvSpPr>
+        <p:spPr>
+          <a:xfrm>
+            <a:off x="8508077" y="207818"/>
+            <a:ext cx="3200400" cy="1021872"/>
+          </a:xfrm>
+        </p:spPr>
+        <p:txBody>
+          <a:bodyPr/>
+          <a:lstStyle/>
+          <a:p>
+            <a:r>
+              <a:rPr lang="en-US" dirty="0"/>
+              <a:t>Graphs are everywhere!</a:t>
+            </a:r>
+          </a:p>
+        </p:txBody>
+      </p:sp>
+      <p:pic>
+        <p:nvPicPr>
+          <p:cNvPr id="10" name="Content Placeholder 9"/>
+          <p:cNvPicPr>
+            <a:picLocks noGrp="1" noChangeAspect="1"/>
+          </p:cNvPicPr>
+          <p:nvPr>
+            <p:ph idx="1"/>
+          </p:nvPr>
+        </p:nvPicPr>
+        <p:blipFill>
+          <a:blip r:embed="rId3"/>
+          <a:stretch>
+            <a:fillRect/>
+          </a:stretch>
+        </p:blipFill>
+        <p:spPr>
+          <a:xfrm>
+            <a:off x="1286001" y="718754"/>
+            <a:ext cx="3048000" cy="2324100"/>
+          </a:xfrm>
+        </p:spPr>
+      </p:pic>
+      <p:pic>
+        <p:nvPicPr>
+          <p:cNvPr id="11" name="Picture 10"/>
+          <p:cNvPicPr>
+            <a:picLocks noChangeAspect="1"/>
+          </p:cNvPicPr>
+          <p:nvPr/>
+        </p:nvPicPr>
+        <p:blipFill>
+          <a:blip r:embed="rId4"/>
+          <a:stretch>
+            <a:fillRect/>
+          </a:stretch>
+        </p:blipFill>
+        <p:spPr>
+          <a:xfrm>
+            <a:off x="7023100" y="2941024"/>
+            <a:ext cx="4023563" cy="3020826"/>
+          </a:xfrm>
+          <a:prstGeom prst="rect">
+            <a:avLst/>
+          </a:prstGeom>
+        </p:spPr>
+      </p:pic>
+      <p:pic>
+        <p:nvPicPr>
+          <p:cNvPr id="12" name="Picture 11"/>
+          <p:cNvPicPr>
+            <a:picLocks noChangeAspect="1"/>
+          </p:cNvPicPr>
+          <p:nvPr/>
+        </p:nvPicPr>
+        <p:blipFill>
+          <a:blip r:embed="rId5"/>
+          <a:stretch>
+            <a:fillRect/>
+          </a:stretch>
+        </p:blipFill>
+        <p:spPr>
+          <a:xfrm>
+            <a:off x="4853257" y="646771"/>
+            <a:ext cx="3310759" cy="1985298"/>
+          </a:xfrm>
+          <a:prstGeom prst="rect">
+            <a:avLst/>
+          </a:prstGeom>
+        </p:spPr>
+      </p:pic>
+      <p:pic>
+        <p:nvPicPr>
+          <p:cNvPr id="13" name="Picture 12"/>
+          <p:cNvPicPr>
+            <a:picLocks noChangeAspect="1"/>
+          </p:cNvPicPr>
+          <p:nvPr/>
+        </p:nvPicPr>
+        <p:blipFill>
+          <a:blip r:embed="rId6"/>
+          <a:stretch>
+            <a:fillRect/>
+          </a:stretch>
+        </p:blipFill>
+        <p:spPr>
+          <a:xfrm>
+            <a:off x="3165342" y="3620165"/>
+            <a:ext cx="3343294" cy="2175431"/>
+          </a:xfrm>
+          <a:prstGeom prst="rect">
+            <a:avLst/>
+          </a:prstGeom>
+        </p:spPr>
+      </p:pic>
+    </p:spTree>
+    <p:extLst>
+      <p:ext uri="{BB962C8B-B14F-4D97-AF65-F5344CB8AC3E}">
+        <p14:creationId xmlns:p14="http://schemas.microsoft.com/office/powerpoint/2010/main" val="2955294941"/>
+      </p:ext>
+    </p:extLst>
+  </p:cSld>
+  <p:clrMapOvr>
+    <a:masterClrMapping/>
+  </p:clrMapOvr>
+</p:sld>
+</file>
+
+<file path=ppt/slides/slide6.xml><?xml version="1.0" encoding="utf-8"?>
 <p:sld xmlns:a="http://schemas.openxmlformats.org/drawingml/2006/main" xmlns:r="http://schemas.openxmlformats.org/officeDocument/2006/relationships" xmlns:p="http://schemas.openxmlformats.org/presentationml/2006/main">
   <p:cSld>
     <p:spTree>
@@ -35346,7 +39614,7 @@
 </p:sld>
 </file>
 
-<file path=ppt/slides/slide6.xml><?xml version="1.0" encoding="utf-8"?>
+<file path=ppt/slides/slide7.xml><?xml version="1.0" encoding="utf-8"?>
 <p:sld xmlns:a="http://schemas.openxmlformats.org/drawingml/2006/main" xmlns:r="http://schemas.openxmlformats.org/officeDocument/2006/relationships" xmlns:p="http://schemas.openxmlformats.org/presentationml/2006/main">
   <p:cSld>
     <p:spTree>
@@ -35494,7 +39762,7 @@
 </p:sld>
 </file>
 
-<file path=ppt/slides/slide7.xml><?xml version="1.0" encoding="utf-8"?>
+<file path=ppt/slides/slide8.xml><?xml version="1.0" encoding="utf-8"?>
 <p:sld xmlns:a="http://schemas.openxmlformats.org/drawingml/2006/main" xmlns:r="http://schemas.openxmlformats.org/officeDocument/2006/relationships" xmlns:p="http://schemas.openxmlformats.org/presentationml/2006/main">
   <p:cSld>
     <p:spTree>
@@ -35780,114 +40048,6 @@
 </p:sld>
 </file>
 
-<file path=ppt/slides/slide8.xml><?xml version="1.0" encoding="utf-8"?>
-<p:sld xmlns:a="http://schemas.openxmlformats.org/drawingml/2006/main" xmlns:r="http://schemas.openxmlformats.org/officeDocument/2006/relationships" xmlns:p="http://schemas.openxmlformats.org/presentationml/2006/main">
-  <p:cSld>
-    <p:spTree>
-      <p:nvGrpSpPr>
-        <p:cNvPr id="1" name=""/>
-        <p:cNvGrpSpPr/>
-        <p:nvPr/>
-      </p:nvGrpSpPr>
-      <p:grpSpPr>
-        <a:xfrm>
-          <a:off x="0" y="0"/>
-          <a:ext cx="0" cy="0"/>
-          <a:chOff x="0" y="0"/>
-          <a:chExt cx="0" cy="0"/>
-        </a:xfrm>
-      </p:grpSpPr>
-      <p:sp>
-        <p:nvSpPr>
-          <p:cNvPr id="2" name="Title 1"/>
-          <p:cNvSpPr>
-            <a:spLocks noGrp="1"/>
-          </p:cNvSpPr>
-          <p:nvPr>
-            <p:ph type="title"/>
-          </p:nvPr>
-        </p:nvSpPr>
-        <p:spPr/>
-        <p:txBody>
-          <a:bodyPr/>
-          <a:lstStyle/>
-          <a:p>
-            <a:r>
-              <a:rPr lang="en-US" dirty="0"/>
-              <a:t>Building blocks</a:t>
-            </a:r>
-          </a:p>
-        </p:txBody>
-      </p:sp>
-      <p:sp>
-        <p:nvSpPr>
-          <p:cNvPr id="3" name="Content Placeholder 2"/>
-          <p:cNvSpPr>
-            <a:spLocks noGrp="1"/>
-          </p:cNvSpPr>
-          <p:nvPr>
-            <p:ph idx="1"/>
-          </p:nvPr>
-        </p:nvSpPr>
-        <p:spPr/>
-        <p:txBody>
-          <a:bodyPr/>
-          <a:lstStyle/>
-          <a:p>
-            <a:pPr>
-              <a:buFont typeface="Wingdings" panose="05000000000000000000" pitchFamily="2" charset="2"/>
-              <a:buChar char="ü"/>
-            </a:pPr>
-            <a:r>
-              <a:rPr lang="en-US" dirty="0"/>
-              <a:t>Nodes</a:t>
-            </a:r>
-          </a:p>
-          <a:p>
-            <a:pPr>
-              <a:buFont typeface="Wingdings" panose="05000000000000000000" pitchFamily="2" charset="2"/>
-              <a:buChar char="ü"/>
-            </a:pPr>
-            <a:r>
-              <a:rPr lang="en-US" dirty="0"/>
-              <a:t>Relationships</a:t>
-            </a:r>
-          </a:p>
-          <a:p>
-            <a:pPr>
-              <a:buFont typeface="Wingdings" panose="05000000000000000000" pitchFamily="2" charset="2"/>
-              <a:buChar char="ü"/>
-            </a:pPr>
-            <a:r>
-              <a:rPr lang="en-US" dirty="0"/>
-              <a:t>Properties</a:t>
-            </a:r>
-          </a:p>
-          <a:p>
-            <a:pPr>
-              <a:buFont typeface="Wingdings" panose="05000000000000000000" pitchFamily="2" charset="2"/>
-              <a:buChar char="ü"/>
-            </a:pPr>
-            <a:r>
-              <a:rPr lang="en-US" dirty="0"/>
-              <a:t>Labels</a:t>
-            </a:r>
-          </a:p>
-        </p:txBody>
-      </p:sp>
-    </p:spTree>
-    <p:extLst>
-      <p:ext uri="{BB962C8B-B14F-4D97-AF65-F5344CB8AC3E}">
-        <p14:creationId xmlns:p14="http://schemas.microsoft.com/office/powerpoint/2010/main" val="1722146423"/>
-      </p:ext>
-    </p:extLst>
-  </p:cSld>
-  <p:clrMapOvr>
-    <a:masterClrMapping/>
-  </p:clrMapOvr>
-</p:sld>
-</file>
-
 <file path=ppt/slides/slide9.xml><?xml version="1.0" encoding="utf-8"?>
 <p:sld xmlns:a="http://schemas.openxmlformats.org/drawingml/2006/main" xmlns:r="http://schemas.openxmlformats.org/officeDocument/2006/relationships" xmlns:p="http://schemas.openxmlformats.org/presentationml/2006/main">
   <p:cSld>
@@ -35922,7 +40082,7 @@
           <a:p>
             <a:r>
               <a:rPr lang="en-US" dirty="0"/>
-              <a:t>Nodes</a:t>
+              <a:t>Building blocks</a:t>
             </a:r>
           </a:p>
         </p:txBody>
@@ -35944,31 +40104,41 @@
           <a:p>
             <a:pPr>
               <a:buFont typeface="Wingdings" panose="05000000000000000000" pitchFamily="2" charset="2"/>
-              <a:buChar char="Ø"/>
+              <a:buChar char="ü"/>
             </a:pPr>
             <a:r>
               <a:rPr lang="en-US" dirty="0"/>
-              <a:t>Nodes represent entities and complex types</a:t>
+              <a:t>Nodes</a:t>
             </a:r>
           </a:p>
           <a:p>
             <a:pPr>
               <a:buFont typeface="Wingdings" panose="05000000000000000000" pitchFamily="2" charset="2"/>
-              <a:buChar char="Ø"/>
+              <a:buChar char="ü"/>
             </a:pPr>
             <a:r>
               <a:rPr lang="en-US" dirty="0"/>
-              <a:t>Nodes can contain properties</a:t>
+              <a:t>Relationships</a:t>
             </a:r>
           </a:p>
           <a:p>
             <a:pPr>
               <a:buFont typeface="Wingdings" panose="05000000000000000000" pitchFamily="2" charset="2"/>
-              <a:buChar char="Ø"/>
+              <a:buChar char="ü"/>
             </a:pPr>
             <a:r>
               <a:rPr lang="en-US" dirty="0"/>
-              <a:t>Each node can have different properties</a:t>
+              <a:t>Properties</a:t>
+            </a:r>
+          </a:p>
+          <a:p>
+            <a:pPr>
+              <a:buFont typeface="Wingdings" panose="05000000000000000000" pitchFamily="2" charset="2"/>
+              <a:buChar char="ü"/>
+            </a:pPr>
+            <a:r>
+              <a:rPr lang="en-US" dirty="0"/>
+              <a:t>Labels</a:t>
             </a:r>
           </a:p>
         </p:txBody>
@@ -35976,7 +40146,7 @@
     </p:spTree>
     <p:extLst>
       <p:ext uri="{BB962C8B-B14F-4D97-AF65-F5344CB8AC3E}">
-        <p14:creationId xmlns:p14="http://schemas.microsoft.com/office/powerpoint/2010/main" val="303320234"/>
+        <p14:creationId xmlns:p14="http://schemas.microsoft.com/office/powerpoint/2010/main" val="1722146423"/>
       </p:ext>
     </p:extLst>
   </p:cSld>
@@ -36300,6 +40470,267 @@
         <a:latin typeface="Calibri Light" panose="020F0302020204030204"/>
         <a:ea typeface=""/>
         <a:cs typeface=""/>
+        <a:font script="Jpan" typeface="ＭＳ Ｐゴシック"/>
+        <a:font script="Hang" typeface="맑은 고딕"/>
+        <a:font script="Hans" typeface="宋体"/>
+        <a:font script="Hant" typeface="新細明體"/>
+        <a:font script="Arab" typeface="Times New Roman"/>
+        <a:font script="Hebr" typeface="Times New Roman"/>
+        <a:font script="Thai" typeface="Angsana New"/>
+        <a:font script="Ethi" typeface="Nyala"/>
+        <a:font script="Beng" typeface="Vrinda"/>
+        <a:font script="Gujr" typeface="Shruti"/>
+        <a:font script="Khmr" typeface="MoolBoran"/>
+        <a:font script="Knda" typeface="Tunga"/>
+        <a:font script="Guru" typeface="Raavi"/>
+        <a:font script="Cans" typeface="Euphemia"/>
+        <a:font script="Cher" typeface="Plantagenet Cherokee"/>
+        <a:font script="Yiii" typeface="Microsoft Yi Baiti"/>
+        <a:font script="Tibt" typeface="Microsoft Himalaya"/>
+        <a:font script="Thaa" typeface="MV Boli"/>
+        <a:font script="Deva" typeface="Mangal"/>
+        <a:font script="Telu" typeface="Gautami"/>
+        <a:font script="Taml" typeface="Latha"/>
+        <a:font script="Syrc" typeface="Estrangelo Edessa"/>
+        <a:font script="Orya" typeface="Kalinga"/>
+        <a:font script="Mlym" typeface="Kartika"/>
+        <a:font script="Laoo" typeface="DokChampa"/>
+        <a:font script="Sinh" typeface="Iskoola Pota"/>
+        <a:font script="Mong" typeface="Mongolian Baiti"/>
+        <a:font script="Viet" typeface="Times New Roman"/>
+        <a:font script="Uigh" typeface="Microsoft Uighur"/>
+        <a:font script="Geor" typeface="Sylfaen"/>
+      </a:majorFont>
+      <a:minorFont>
+        <a:latin typeface="Calibri" panose="020F0502020204030204"/>
+        <a:ea typeface=""/>
+        <a:cs typeface=""/>
+        <a:font script="Jpan" typeface="ＭＳ Ｐゴシック"/>
+        <a:font script="Hang" typeface="맑은 고딕"/>
+        <a:font script="Hans" typeface="宋体"/>
+        <a:font script="Hant" typeface="新細明體"/>
+        <a:font script="Arab" typeface="Arial"/>
+        <a:font script="Hebr" typeface="Arial"/>
+        <a:font script="Thai" typeface="Cordia New"/>
+        <a:font script="Ethi" typeface="Nyala"/>
+        <a:font script="Beng" typeface="Vrinda"/>
+        <a:font script="Gujr" typeface="Shruti"/>
+        <a:font script="Khmr" typeface="DaunPenh"/>
+        <a:font script="Knda" typeface="Tunga"/>
+        <a:font script="Guru" typeface="Raavi"/>
+        <a:font script="Cans" typeface="Euphemia"/>
+        <a:font script="Cher" typeface="Plantagenet Cherokee"/>
+        <a:font script="Yiii" typeface="Microsoft Yi Baiti"/>
+        <a:font script="Tibt" typeface="Microsoft Himalaya"/>
+        <a:font script="Thaa" typeface="MV Boli"/>
+        <a:font script="Deva" typeface="Mangal"/>
+        <a:font script="Telu" typeface="Gautami"/>
+        <a:font script="Taml" typeface="Latha"/>
+        <a:font script="Syrc" typeface="Estrangelo Edessa"/>
+        <a:font script="Orya" typeface="Kalinga"/>
+        <a:font script="Mlym" typeface="Kartika"/>
+        <a:font script="Laoo" typeface="DokChampa"/>
+        <a:font script="Sinh" typeface="Iskoola Pota"/>
+        <a:font script="Mong" typeface="Mongolian Baiti"/>
+        <a:font script="Viet" typeface="Arial"/>
+        <a:font script="Uigh" typeface="Microsoft Uighur"/>
+        <a:font script="Geor" typeface="Sylfaen"/>
+      </a:minorFont>
+    </a:fontScheme>
+    <a:fmtScheme name="Office">
+      <a:fillStyleLst>
+        <a:solidFill>
+          <a:schemeClr val="phClr"/>
+        </a:solidFill>
+        <a:gradFill rotWithShape="1">
+          <a:gsLst>
+            <a:gs pos="0">
+              <a:schemeClr val="phClr">
+                <a:lumMod val="110000"/>
+                <a:satMod val="105000"/>
+                <a:tint val="67000"/>
+              </a:schemeClr>
+            </a:gs>
+            <a:gs pos="50000">
+              <a:schemeClr val="phClr">
+                <a:lumMod val="105000"/>
+                <a:satMod val="103000"/>
+                <a:tint val="73000"/>
+              </a:schemeClr>
+            </a:gs>
+            <a:gs pos="100000">
+              <a:schemeClr val="phClr">
+                <a:lumMod val="105000"/>
+                <a:satMod val="109000"/>
+                <a:tint val="81000"/>
+              </a:schemeClr>
+            </a:gs>
+          </a:gsLst>
+          <a:lin ang="5400000" scaled="0"/>
+        </a:gradFill>
+        <a:gradFill rotWithShape="1">
+          <a:gsLst>
+            <a:gs pos="0">
+              <a:schemeClr val="phClr">
+                <a:satMod val="103000"/>
+                <a:lumMod val="102000"/>
+                <a:tint val="94000"/>
+              </a:schemeClr>
+            </a:gs>
+            <a:gs pos="50000">
+              <a:schemeClr val="phClr">
+                <a:satMod val="110000"/>
+                <a:lumMod val="100000"/>
+                <a:shade val="100000"/>
+              </a:schemeClr>
+            </a:gs>
+            <a:gs pos="100000">
+              <a:schemeClr val="phClr">
+                <a:lumMod val="99000"/>
+                <a:satMod val="120000"/>
+                <a:shade val="78000"/>
+              </a:schemeClr>
+            </a:gs>
+          </a:gsLst>
+          <a:lin ang="5400000" scaled="0"/>
+        </a:gradFill>
+      </a:fillStyleLst>
+      <a:lnStyleLst>
+        <a:ln w="6350" cap="flat" cmpd="sng" algn="ctr">
+          <a:solidFill>
+            <a:schemeClr val="phClr"/>
+          </a:solidFill>
+          <a:prstDash val="solid"/>
+          <a:miter lim="800000"/>
+        </a:ln>
+        <a:ln w="12700" cap="flat" cmpd="sng" algn="ctr">
+          <a:solidFill>
+            <a:schemeClr val="phClr"/>
+          </a:solidFill>
+          <a:prstDash val="solid"/>
+          <a:miter lim="800000"/>
+        </a:ln>
+        <a:ln w="19050" cap="flat" cmpd="sng" algn="ctr">
+          <a:solidFill>
+            <a:schemeClr val="phClr"/>
+          </a:solidFill>
+          <a:prstDash val="solid"/>
+          <a:miter lim="800000"/>
+        </a:ln>
+      </a:lnStyleLst>
+      <a:effectStyleLst>
+        <a:effectStyle>
+          <a:effectLst/>
+        </a:effectStyle>
+        <a:effectStyle>
+          <a:effectLst/>
+        </a:effectStyle>
+        <a:effectStyle>
+          <a:effectLst>
+            <a:outerShdw blurRad="57150" dist="19050" dir="5400000" algn="ctr" rotWithShape="0">
+              <a:srgbClr val="000000">
+                <a:alpha val="63000"/>
+              </a:srgbClr>
+            </a:outerShdw>
+          </a:effectLst>
+        </a:effectStyle>
+      </a:effectStyleLst>
+      <a:bgFillStyleLst>
+        <a:solidFill>
+          <a:schemeClr val="phClr"/>
+        </a:solidFill>
+        <a:solidFill>
+          <a:schemeClr val="phClr">
+            <a:tint val="95000"/>
+            <a:satMod val="170000"/>
+          </a:schemeClr>
+        </a:solidFill>
+        <a:gradFill rotWithShape="1">
+          <a:gsLst>
+            <a:gs pos="0">
+              <a:schemeClr val="phClr">
+                <a:tint val="93000"/>
+                <a:satMod val="150000"/>
+                <a:shade val="98000"/>
+                <a:lumMod val="102000"/>
+              </a:schemeClr>
+            </a:gs>
+            <a:gs pos="50000">
+              <a:schemeClr val="phClr">
+                <a:tint val="98000"/>
+                <a:satMod val="130000"/>
+                <a:shade val="90000"/>
+                <a:lumMod val="103000"/>
+              </a:schemeClr>
+            </a:gs>
+            <a:gs pos="100000">
+              <a:schemeClr val="phClr">
+                <a:shade val="63000"/>
+                <a:satMod val="120000"/>
+              </a:schemeClr>
+            </a:gs>
+          </a:gsLst>
+          <a:lin ang="5400000" scaled="0"/>
+        </a:gradFill>
+      </a:bgFillStyleLst>
+    </a:fmtScheme>
+  </a:themeElements>
+  <a:objectDefaults/>
+  <a:extraClrSchemeLst/>
+  <a:extLst>
+    <a:ext uri="{05A4C25C-085E-4340-85A3-A5531E510DB2}">
+      <thm15:themeFamily xmlns:thm15="http://schemas.microsoft.com/office/thememl/2012/main" name="Office Theme" id="{62F939B6-93AF-4DB8-9C6B-D6C7DFDC589F}" vid="{4A3C46E8-61CC-4603-A589-7422A47A8E4A}"/>
+    </a:ext>
+  </a:extLst>
+</a:theme>
+</file>
+
+<file path=ppt/theme/theme3.xml><?xml version="1.0" encoding="utf-8"?>
+<a:theme xmlns:a="http://schemas.openxmlformats.org/drawingml/2006/main" name="Office Theme">
+  <a:themeElements>
+    <a:clrScheme name="Office">
+      <a:dk1>
+        <a:sysClr val="windowText" lastClr="000000"/>
+      </a:dk1>
+      <a:lt1>
+        <a:sysClr val="window" lastClr="FFFFFF"/>
+      </a:lt1>
+      <a:dk2>
+        <a:srgbClr val="44546A"/>
+      </a:dk2>
+      <a:lt2>
+        <a:srgbClr val="E7E6E6"/>
+      </a:lt2>
+      <a:accent1>
+        <a:srgbClr val="5B9BD5"/>
+      </a:accent1>
+      <a:accent2>
+        <a:srgbClr val="ED7D31"/>
+      </a:accent2>
+      <a:accent3>
+        <a:srgbClr val="A5A5A5"/>
+      </a:accent3>
+      <a:accent4>
+        <a:srgbClr val="FFC000"/>
+      </a:accent4>
+      <a:accent5>
+        <a:srgbClr val="4472C4"/>
+      </a:accent5>
+      <a:accent6>
+        <a:srgbClr val="70AD47"/>
+      </a:accent6>
+      <a:hlink>
+        <a:srgbClr val="0563C1"/>
+      </a:hlink>
+      <a:folHlink>
+        <a:srgbClr val="954F72"/>
+      </a:folHlink>
+    </a:clrScheme>
+    <a:fontScheme name="Office">
+      <a:majorFont>
+        <a:latin typeface="Calibri Light" panose="020F0302020204030204"/>
+        <a:ea typeface=""/>
+        <a:cs typeface=""/>
         <a:font script="Jpan" typeface="游ゴシック Light"/>
         <a:font script="Hang" typeface="맑은 고딕"/>
         <a:font script="Hans" typeface="等线 Light"/>

--- a/presentation/Graph DBs.pptx
+++ b/presentation/Graph DBs.pptx
@@ -12,25 +12,25 @@
     <p:sldId id="256" r:id="rId3"/>
     <p:sldId id="302" r:id="rId4"/>
     <p:sldId id="259" r:id="rId5"/>
-    <p:sldId id="289" r:id="rId6"/>
-    <p:sldId id="287" r:id="rId7"/>
-    <p:sldId id="257" r:id="rId8"/>
-    <p:sldId id="266" r:id="rId9"/>
-    <p:sldId id="293" r:id="rId10"/>
-    <p:sldId id="295" r:id="rId11"/>
-    <p:sldId id="296" r:id="rId12"/>
-    <p:sldId id="297" r:id="rId13"/>
-    <p:sldId id="299" r:id="rId14"/>
-    <p:sldId id="298" r:id="rId15"/>
-    <p:sldId id="290" r:id="rId16"/>
-    <p:sldId id="261" r:id="rId17"/>
-    <p:sldId id="260" r:id="rId18"/>
-    <p:sldId id="291" r:id="rId19"/>
-    <p:sldId id="258" r:id="rId20"/>
-    <p:sldId id="262" r:id="rId21"/>
-    <p:sldId id="263" r:id="rId22"/>
-    <p:sldId id="264" r:id="rId23"/>
-    <p:sldId id="288" r:id="rId24"/>
+    <p:sldId id="304" r:id="rId6"/>
+    <p:sldId id="289" r:id="rId7"/>
+    <p:sldId id="287" r:id="rId8"/>
+    <p:sldId id="257" r:id="rId9"/>
+    <p:sldId id="266" r:id="rId10"/>
+    <p:sldId id="293" r:id="rId11"/>
+    <p:sldId id="295" r:id="rId12"/>
+    <p:sldId id="296" r:id="rId13"/>
+    <p:sldId id="297" r:id="rId14"/>
+    <p:sldId id="299" r:id="rId15"/>
+    <p:sldId id="298" r:id="rId16"/>
+    <p:sldId id="290" r:id="rId17"/>
+    <p:sldId id="261" r:id="rId18"/>
+    <p:sldId id="260" r:id="rId19"/>
+    <p:sldId id="291" r:id="rId20"/>
+    <p:sldId id="258" r:id="rId21"/>
+    <p:sldId id="264" r:id="rId22"/>
+    <p:sldId id="263" r:id="rId23"/>
+    <p:sldId id="262" r:id="rId24"/>
     <p:sldId id="265" r:id="rId25"/>
     <p:sldId id="300" r:id="rId26"/>
     <p:sldId id="286" r:id="rId27"/>
@@ -159,6 +159,7 @@
             <p14:sldId id="256"/>
             <p14:sldId id="302"/>
             <p14:sldId id="259"/>
+            <p14:sldId id="304"/>
           </p14:sldIdLst>
         </p14:section>
         <p14:section name="what's a graph db anyway" id="{A5FB7BA0-486B-4112-8AEA-4D2C08833283}">
@@ -190,14 +191,13 @@
           <p14:sldIdLst>
             <p14:sldId id="291"/>
             <p14:sldId id="258"/>
+            <p14:sldId id="264"/>
+            <p14:sldId id="263"/>
             <p14:sldId id="262"/>
-            <p14:sldId id="263"/>
-            <p14:sldId id="264"/>
           </p14:sldIdLst>
         </p14:section>
         <p14:section name="Neo4j" id="{602767FC-E052-45B1-AB15-5DCE9B9EC65A}">
           <p14:sldIdLst>
-            <p14:sldId id="288"/>
             <p14:sldId id="265"/>
             <p14:sldId id="300"/>
             <p14:sldId id="286"/>
@@ -328,7 +328,7 @@
           <a:p>
             <a:fld id="{F6529B8E-13CB-4C11-974D-DD895F60A2CF}" type="datetimeFigureOut">
               <a:rPr lang="en-US" smtClean="0"/>
-              <a:t>3/22/17</a:t>
+              <a:t>3/24/2017</a:t>
             </a:fld>
             <a:endParaRPr lang="en-US"/>
           </a:p>
@@ -788,7 +788,7 @@
           <a:p>
             <a:fld id="{DEED50C7-8D19-4923-9863-FA7237BBE36B}" type="slidenum">
               <a:rPr lang="en-US" smtClean="0"/>
-              <a:t>12</a:t>
+              <a:t>13</a:t>
             </a:fld>
             <a:endParaRPr lang="en-US"/>
           </a:p>
@@ -872,7 +872,7 @@
           <a:p>
             <a:fld id="{DEED50C7-8D19-4923-9863-FA7237BBE36B}" type="slidenum">
               <a:rPr lang="en-US" smtClean="0"/>
-              <a:t>14</a:t>
+              <a:t>15</a:t>
             </a:fld>
             <a:endParaRPr lang="en-US"/>
           </a:p>
@@ -970,7 +970,7 @@
           <a:p>
             <a:fld id="{DEED50C7-8D19-4923-9863-FA7237BBE36B}" type="slidenum">
               <a:rPr lang="en-US" smtClean="0"/>
-              <a:t>15</a:t>
+              <a:t>16</a:t>
             </a:fld>
             <a:endParaRPr lang="en-US"/>
           </a:p>
@@ -1084,7 +1084,7 @@
           <a:p>
             <a:fld id="{DEED50C7-8D19-4923-9863-FA7237BBE36B}" type="slidenum">
               <a:rPr lang="en-US" smtClean="0"/>
-              <a:t>16</a:t>
+              <a:t>17</a:t>
             </a:fld>
             <a:endParaRPr lang="en-US"/>
           </a:p>
@@ -1171,7 +1171,7 @@
           <a:p>
             <a:fld id="{DEED50C7-8D19-4923-9863-FA7237BBE36B}" type="slidenum">
               <a:rPr lang="en-US" smtClean="0"/>
-              <a:t>18</a:t>
+              <a:t>19</a:t>
             </a:fld>
             <a:endParaRPr lang="en-US"/>
           </a:p>
@@ -1235,18 +1235,24 @@
           <a:lstStyle/>
           <a:p>
             <a:r>
-              <a:rPr lang="en-US" dirty="0"/>
-              <a:t>Pros</a:t>
+              <a:rPr lang="en-US" dirty="0" err="1"/>
+              <a:t>GraphQL</a:t>
             </a:r>
             <a:r>
               <a:rPr lang="en-US" baseline="0" dirty="0"/>
-              <a:t> – you can find answers easily, very mature, there are yearly neo4j conferences available and lots of training options</a:t>
+              <a:t> – a query language for your API</a:t>
             </a:r>
           </a:p>
           <a:p>
             <a:r>
               <a:rPr lang="en-US" baseline="0" dirty="0"/>
-              <a:t>Cons – means you cannot segment your data at the database level.  If you need that kind of segmentation, you need to create root nodes and query based on your root nodes.</a:t>
+              <a:t>Pros – Up and comer</a:t>
+            </a:r>
+          </a:p>
+          <a:p>
+            <a:r>
+              <a:rPr lang="en-US" baseline="0" dirty="0"/>
+              <a:t>Cons – not mature, not a lot of community support, and absolutely no ability to run it in Windows in production.</a:t>
             </a:r>
             <a:endParaRPr lang="en-US" dirty="0"/>
           </a:p>
@@ -1269,7 +1275,7 @@
           <a:p>
             <a:fld id="{DEED50C7-8D19-4923-9863-FA7237BBE36B}" type="slidenum">
               <a:rPr lang="en-US" smtClean="0"/>
-              <a:t>19</a:t>
+              <a:t>20</a:t>
             </a:fld>
             <a:endParaRPr lang="en-US"/>
           </a:p>
@@ -1278,7 +1284,7 @@
     </p:spTree>
     <p:extLst>
       <p:ext uri="{BB962C8B-B14F-4D97-AF65-F5344CB8AC3E}">
-        <p14:creationId xmlns:p14="http://schemas.microsoft.com/office/powerpoint/2010/main" val="3431311784"/>
+        <p14:creationId xmlns:p14="http://schemas.microsoft.com/office/powerpoint/2010/main" val="4249862613"/>
       </p:ext>
     </p:extLst>
   </p:cSld>
@@ -1371,7 +1377,7 @@
           <a:p>
             <a:fld id="{DEED50C7-8D19-4923-9863-FA7237BBE36B}" type="slidenum">
               <a:rPr lang="en-US" smtClean="0"/>
-              <a:t>20</a:t>
+              <a:t>21</a:t>
             </a:fld>
             <a:endParaRPr lang="en-US"/>
           </a:p>
@@ -1435,24 +1441,18 @@
           <a:lstStyle/>
           <a:p>
             <a:r>
-              <a:rPr lang="en-US" dirty="0" err="1"/>
-              <a:t>GraphQL</a:t>
+              <a:rPr lang="en-US" dirty="0"/>
+              <a:t>Pros</a:t>
             </a:r>
             <a:r>
               <a:rPr lang="en-US" baseline="0" dirty="0"/>
-              <a:t> – a query language for your API</a:t>
+              <a:t> – you can find answers easily, very mature, there are yearly neo4j conferences available and lots of training options</a:t>
             </a:r>
           </a:p>
           <a:p>
             <a:r>
               <a:rPr lang="en-US" baseline="0" dirty="0"/>
-              <a:t>Pros – Up and comer</a:t>
-            </a:r>
-          </a:p>
-          <a:p>
-            <a:r>
-              <a:rPr lang="en-US" baseline="0" dirty="0"/>
-              <a:t>Cons – not mature, not a lot of community support, and absolutely no ability to run it in Windows in production.</a:t>
+              <a:t>Cons – means you cannot segment your data at the database level.  If you need that kind of segmentation, you need to create root nodes and query based on your root nodes.</a:t>
             </a:r>
             <a:endParaRPr lang="en-US" dirty="0"/>
           </a:p>
@@ -1475,7 +1475,7 @@
           <a:p>
             <a:fld id="{DEED50C7-8D19-4923-9863-FA7237BBE36B}" type="slidenum">
               <a:rPr lang="en-US" smtClean="0"/>
-              <a:t>21</a:t>
+              <a:t>22</a:t>
             </a:fld>
             <a:endParaRPr lang="en-US"/>
           </a:p>
@@ -1484,7 +1484,7 @@
     </p:spTree>
     <p:extLst>
       <p:ext uri="{BB962C8B-B14F-4D97-AF65-F5344CB8AC3E}">
-        <p14:creationId xmlns:p14="http://schemas.microsoft.com/office/powerpoint/2010/main" val="4249862613"/>
+        <p14:creationId xmlns:p14="http://schemas.microsoft.com/office/powerpoint/2010/main" val="3431311784"/>
       </p:ext>
     </p:extLst>
   </p:cSld>
@@ -1540,11 +1540,22 @@
           <a:p>
             <a:r>
               <a:rPr lang="en-US" dirty="0"/>
-              <a:t>From</a:t>
+              <a:t>Lucene index – elastic search and </a:t>
+            </a:r>
+            <a:r>
+              <a:rPr lang="en-US" dirty="0" err="1"/>
+              <a:t>solr</a:t>
+            </a:r>
+            <a:endParaRPr lang="en-US" dirty="0"/>
+          </a:p>
+          <a:p>
+            <a:r>
+              <a:rPr lang="en-US" dirty="0"/>
+              <a:t>REST API – all crud operations can be performed using</a:t>
             </a:r>
             <a:r>
               <a:rPr lang="en-US" baseline="0" dirty="0"/>
-              <a:t> here on out, I’ll be focusing on Neo4j as it is the most mature and easiest to get up and running.</a:t>
+              <a:t> the REST API or one of the SDKs available.</a:t>
             </a:r>
             <a:endParaRPr lang="en-US" dirty="0"/>
           </a:p>
@@ -1567,7 +1578,7 @@
           <a:p>
             <a:fld id="{DEED50C7-8D19-4923-9863-FA7237BBE36B}" type="slidenum">
               <a:rPr lang="en-US" smtClean="0"/>
-              <a:t>22</a:t>
+              <a:t>23</a:t>
             </a:fld>
             <a:endParaRPr lang="en-US"/>
           </a:p>
@@ -1576,7 +1587,7 @@
     </p:spTree>
     <p:extLst>
       <p:ext uri="{BB962C8B-B14F-4D97-AF65-F5344CB8AC3E}">
-        <p14:creationId xmlns:p14="http://schemas.microsoft.com/office/powerpoint/2010/main" val="3332112049"/>
+        <p14:creationId xmlns:p14="http://schemas.microsoft.com/office/powerpoint/2010/main" val="3992437412"/>
       </p:ext>
     </p:extLst>
   </p:cSld>
@@ -1632,22 +1643,17 @@
           <a:p>
             <a:r>
               <a:rPr lang="en-US" dirty="0"/>
-              <a:t>Lucene index – elastic search and </a:t>
-            </a:r>
-            <a:r>
-              <a:rPr lang="en-US" dirty="0" err="1"/>
-              <a:t>solr</a:t>
-            </a:r>
-            <a:endParaRPr lang="en-US" dirty="0"/>
+              <a:t>CTE or cursor or stored proc</a:t>
+            </a:r>
           </a:p>
           <a:p>
             <a:r>
               <a:rPr lang="en-US" dirty="0"/>
-              <a:t>REST API – all crud operations can be performed using</a:t>
+              <a:t>Self – joins,</a:t>
             </a:r>
             <a:r>
               <a:rPr lang="en-US" baseline="0" dirty="0"/>
-              <a:t> the REST API or one of the SDKs available.</a:t>
+              <a:t> hierarchical data</a:t>
             </a:r>
             <a:endParaRPr lang="en-US" dirty="0"/>
           </a:p>
@@ -1670,7 +1676,7 @@
           <a:p>
             <a:fld id="{DEED50C7-8D19-4923-9863-FA7237BBE36B}" type="slidenum">
               <a:rPr lang="en-US" smtClean="0"/>
-              <a:t>23</a:t>
+              <a:t>24</a:t>
             </a:fld>
             <a:endParaRPr lang="en-US"/>
           </a:p>
@@ -1679,7 +1685,7 @@
     </p:spTree>
     <p:extLst>
       <p:ext uri="{BB962C8B-B14F-4D97-AF65-F5344CB8AC3E}">
-        <p14:creationId xmlns:p14="http://schemas.microsoft.com/office/powerpoint/2010/main" val="3992437412"/>
+        <p14:creationId xmlns:p14="http://schemas.microsoft.com/office/powerpoint/2010/main" val="951891663"/>
       </p:ext>
     </p:extLst>
   </p:cSld>
@@ -1825,20 +1831,6 @@
           <a:bodyPr/>
           <a:lstStyle/>
           <a:p>
-            <a:r>
-              <a:rPr lang="en-US" dirty="0"/>
-              <a:t>CTE or cursor or stored proc</a:t>
-            </a:r>
-          </a:p>
-          <a:p>
-            <a:r>
-              <a:rPr lang="en-US" dirty="0"/>
-              <a:t>Self – joins,</a:t>
-            </a:r>
-            <a:r>
-              <a:rPr lang="en-US" baseline="0" dirty="0"/>
-              <a:t> hierarchical data</a:t>
-            </a:r>
             <a:endParaRPr lang="en-US" dirty="0"/>
           </a:p>
         </p:txBody>
@@ -1860,7 +1852,7 @@
           <a:p>
             <a:fld id="{DEED50C7-8D19-4923-9863-FA7237BBE36B}" type="slidenum">
               <a:rPr lang="en-US" smtClean="0"/>
-              <a:t>24</a:t>
+              <a:t>25</a:t>
             </a:fld>
             <a:endParaRPr lang="en-US"/>
           </a:p>
@@ -1869,7 +1861,7 @@
     </p:spTree>
     <p:extLst>
       <p:ext uri="{BB962C8B-B14F-4D97-AF65-F5344CB8AC3E}">
-        <p14:creationId xmlns:p14="http://schemas.microsoft.com/office/powerpoint/2010/main" val="951891663"/>
+        <p14:creationId xmlns:p14="http://schemas.microsoft.com/office/powerpoint/2010/main" val="3609070906"/>
       </p:ext>
     </p:extLst>
   </p:cSld>
@@ -1944,7 +1936,7 @@
           <a:p>
             <a:fld id="{DEED50C7-8D19-4923-9863-FA7237BBE36B}" type="slidenum">
               <a:rPr lang="en-US" smtClean="0"/>
-              <a:t>25</a:t>
+              <a:t>26</a:t>
             </a:fld>
             <a:endParaRPr lang="en-US"/>
           </a:p>
@@ -1953,7 +1945,7 @@
     </p:spTree>
     <p:extLst>
       <p:ext uri="{BB962C8B-B14F-4D97-AF65-F5344CB8AC3E}">
-        <p14:creationId xmlns:p14="http://schemas.microsoft.com/office/powerpoint/2010/main" val="3609070906"/>
+        <p14:creationId xmlns:p14="http://schemas.microsoft.com/office/powerpoint/2010/main" val="2745185784"/>
       </p:ext>
     </p:extLst>
   </p:cSld>
@@ -2028,7 +2020,7 @@
           <a:p>
             <a:fld id="{DEED50C7-8D19-4923-9863-FA7237BBE36B}" type="slidenum">
               <a:rPr lang="en-US" smtClean="0"/>
-              <a:t>26</a:t>
+              <a:t>27</a:t>
             </a:fld>
             <a:endParaRPr lang="en-US"/>
           </a:p>
@@ -2037,7 +2029,7 @@
     </p:spTree>
     <p:extLst>
       <p:ext uri="{BB962C8B-B14F-4D97-AF65-F5344CB8AC3E}">
-        <p14:creationId xmlns:p14="http://schemas.microsoft.com/office/powerpoint/2010/main" val="2745185784"/>
+        <p14:creationId xmlns:p14="http://schemas.microsoft.com/office/powerpoint/2010/main" val="543897719"/>
       </p:ext>
     </p:extLst>
   </p:cSld>
@@ -2091,6 +2083,34 @@
           <a:bodyPr/>
           <a:lstStyle/>
           <a:p>
+            <a:r>
+              <a:rPr lang="en-US" dirty="0"/>
+              <a:t>The with clause allows query parts to be chained together, and passed the results on</a:t>
+            </a:r>
+            <a:r>
+              <a:rPr lang="en-US" baseline="0" dirty="0"/>
+              <a:t> in the query</a:t>
+            </a:r>
+          </a:p>
+          <a:p>
+            <a:r>
+              <a:rPr lang="en-US" baseline="0" dirty="0"/>
+              <a:t>Collect – collects values into a list</a:t>
+            </a:r>
+          </a:p>
+          <a:p>
+            <a:r>
+              <a:rPr lang="en-US" baseline="0" dirty="0"/>
+              <a:t>Unwind transforms back into individual rows</a:t>
+            </a:r>
+          </a:p>
+          <a:p>
+            <a:r>
+              <a:rPr lang="en-US" baseline="0" dirty="0"/>
+              <a:t>Labels – returns a string representation for the labels attached to a node as an array</a:t>
+            </a:r>
+          </a:p>
+          <a:p>
             <a:endParaRPr lang="en-US" dirty="0"/>
           </a:p>
         </p:txBody>
@@ -2112,118 +2132,6 @@
           <a:p>
             <a:fld id="{DEED50C7-8D19-4923-9863-FA7237BBE36B}" type="slidenum">
               <a:rPr lang="en-US" smtClean="0"/>
-              <a:t>27</a:t>
-            </a:fld>
-            <a:endParaRPr lang="en-US"/>
-          </a:p>
-        </p:txBody>
-      </p:sp>
-    </p:spTree>
-    <p:extLst>
-      <p:ext uri="{BB962C8B-B14F-4D97-AF65-F5344CB8AC3E}">
-        <p14:creationId xmlns:p14="http://schemas.microsoft.com/office/powerpoint/2010/main" val="543897719"/>
-      </p:ext>
-    </p:extLst>
-  </p:cSld>
-  <p:clrMapOvr>
-    <a:masterClrMapping/>
-  </p:clrMapOvr>
-</p:notes>
-</file>
-
-<file path=ppt/notesSlides/notesSlide24.xml><?xml version="1.0" encoding="utf-8"?>
-<p:notes xmlns:a="http://schemas.openxmlformats.org/drawingml/2006/main" xmlns:r="http://schemas.openxmlformats.org/officeDocument/2006/relationships" xmlns:p="http://schemas.openxmlformats.org/presentationml/2006/main">
-  <p:cSld>
-    <p:spTree>
-      <p:nvGrpSpPr>
-        <p:cNvPr id="1" name=""/>
-        <p:cNvGrpSpPr/>
-        <p:nvPr/>
-      </p:nvGrpSpPr>
-      <p:grpSpPr>
-        <a:xfrm>
-          <a:off x="0" y="0"/>
-          <a:ext cx="0" cy="0"/>
-          <a:chOff x="0" y="0"/>
-          <a:chExt cx="0" cy="0"/>
-        </a:xfrm>
-      </p:grpSpPr>
-      <p:sp>
-        <p:nvSpPr>
-          <p:cNvPr id="2" name="Slide Image Placeholder 1"/>
-          <p:cNvSpPr>
-            <a:spLocks noGrp="1" noRot="1" noChangeAspect="1"/>
-          </p:cNvSpPr>
-          <p:nvPr>
-            <p:ph type="sldImg"/>
-          </p:nvPr>
-        </p:nvSpPr>
-        <p:spPr/>
-      </p:sp>
-      <p:sp>
-        <p:nvSpPr>
-          <p:cNvPr id="3" name="Notes Placeholder 2"/>
-          <p:cNvSpPr>
-            <a:spLocks noGrp="1"/>
-          </p:cNvSpPr>
-          <p:nvPr>
-            <p:ph type="body" idx="1"/>
-          </p:nvPr>
-        </p:nvSpPr>
-        <p:spPr/>
-        <p:txBody>
-          <a:bodyPr/>
-          <a:lstStyle/>
-          <a:p>
-            <a:r>
-              <a:rPr lang="en-US" dirty="0"/>
-              <a:t>The with clause allows query parts to be chained together, and passed the results on</a:t>
-            </a:r>
-            <a:r>
-              <a:rPr lang="en-US" baseline="0" dirty="0"/>
-              <a:t> in the query</a:t>
-            </a:r>
-          </a:p>
-          <a:p>
-            <a:r>
-              <a:rPr lang="en-US" baseline="0" dirty="0"/>
-              <a:t>Collect – collects values into a list</a:t>
-            </a:r>
-          </a:p>
-          <a:p>
-            <a:r>
-              <a:rPr lang="en-US" baseline="0" dirty="0"/>
-              <a:t>Unwind transforms back into individual rows</a:t>
-            </a:r>
-          </a:p>
-          <a:p>
-            <a:r>
-              <a:rPr lang="en-US" baseline="0" dirty="0"/>
-              <a:t>Labels – returns a string representation for the labels attached to a node as an array</a:t>
-            </a:r>
-          </a:p>
-          <a:p>
-            <a:endParaRPr lang="en-US" dirty="0"/>
-          </a:p>
-        </p:txBody>
-      </p:sp>
-      <p:sp>
-        <p:nvSpPr>
-          <p:cNvPr id="4" name="Slide Number Placeholder 3"/>
-          <p:cNvSpPr>
-            <a:spLocks noGrp="1"/>
-          </p:cNvSpPr>
-          <p:nvPr>
-            <p:ph type="sldNum" sz="quarter" idx="10"/>
-          </p:nvPr>
-        </p:nvSpPr>
-        <p:spPr/>
-        <p:txBody>
-          <a:bodyPr/>
-          <a:lstStyle/>
-          <a:p>
-            <a:fld id="{DEED50C7-8D19-4923-9863-FA7237BBE36B}" type="slidenum">
-              <a:rPr lang="en-US" smtClean="0"/>
               <a:t>29</a:t>
             </a:fld>
             <a:endParaRPr lang="en-US"/>
@@ -2243,7 +2151,7 @@
 </p:notes>
 </file>
 
-<file path=ppt/notesSlides/notesSlide25.xml><?xml version="1.0" encoding="utf-8"?>
+<file path=ppt/notesSlides/notesSlide24.xml><?xml version="1.0" encoding="utf-8"?>
 <p:notes xmlns:a="http://schemas.openxmlformats.org/drawingml/2006/main" xmlns:r="http://schemas.openxmlformats.org/officeDocument/2006/relationships" xmlns:p="http://schemas.openxmlformats.org/presentationml/2006/main">
   <p:cSld>
     <p:spTree>
@@ -2531,7 +2439,7 @@
           <a:p>
             <a:fld id="{DEED50C7-8D19-4923-9863-FA7237BBE36B}" type="slidenum">
               <a:rPr lang="en-US" smtClean="0"/>
-              <a:t>4</a:t>
+              <a:t>5</a:t>
             </a:fld>
             <a:endParaRPr lang="en-US"/>
           </a:p>
@@ -2629,7 +2537,7 @@
           <a:p>
             <a:fld id="{DEED50C7-8D19-4923-9863-FA7237BBE36B}" type="slidenum">
               <a:rPr lang="en-US" smtClean="0"/>
-              <a:t>5</a:t>
+              <a:t>6</a:t>
             </a:fld>
             <a:endParaRPr lang="en-US"/>
           </a:p>
@@ -2721,7 +2629,7 @@
           <a:p>
             <a:fld id="{DEED50C7-8D19-4923-9863-FA7237BBE36B}" type="slidenum">
               <a:rPr lang="en-US" smtClean="0"/>
-              <a:t>6</a:t>
+              <a:t>7</a:t>
             </a:fld>
             <a:endParaRPr lang="en-US"/>
           </a:p>
@@ -2818,7 +2726,7 @@
           <a:p>
             <a:fld id="{DEED50C7-8D19-4923-9863-FA7237BBE36B}" type="slidenum">
               <a:rPr lang="en-US" smtClean="0"/>
-              <a:t>7</a:t>
+              <a:t>8</a:t>
             </a:fld>
             <a:endParaRPr lang="en-US"/>
           </a:p>
@@ -2916,7 +2824,7 @@
           <a:p>
             <a:fld id="{DEED50C7-8D19-4923-9863-FA7237BBE36B}" type="slidenum">
               <a:rPr lang="en-US" smtClean="0"/>
-              <a:t>9</a:t>
+              <a:t>10</a:t>
             </a:fld>
             <a:endParaRPr lang="en-US"/>
           </a:p>
@@ -3008,7 +2916,7 @@
           <a:p>
             <a:fld id="{DEED50C7-8D19-4923-9863-FA7237BBE36B}" type="slidenum">
               <a:rPr lang="en-US" smtClean="0"/>
-              <a:t>11</a:t>
+              <a:t>12</a:t>
             </a:fld>
             <a:endParaRPr lang="en-US"/>
           </a:p>
@@ -11821,7 +11729,7 @@
             <a:fld id="{08B9EBBA-996F-894A-B54A-D6246ED52CEA}" type="datetimeFigureOut">
               <a:rPr lang="en-US" smtClean="0"/>
               <a:pPr/>
-              <a:t>3/22/17</a:t>
+              <a:t>3/24/2017</a:t>
             </a:fld>
             <a:endParaRPr lang="en-US" dirty="0"/>
           </a:p>
@@ -12030,7 +11938,7 @@
             <a:fld id="{C6C52C72-DE31-F449-A4ED-4C594FD91407}" type="datetimeFigureOut">
               <a:rPr lang="en-US" smtClean="0"/>
               <a:pPr/>
-              <a:t>3/22/17</a:t>
+              <a:t>3/24/2017</a:t>
             </a:fld>
             <a:endParaRPr lang="en-US" dirty="0"/>
           </a:p>
@@ -12212,7 +12120,7 @@
             <a:fld id="{ED62726E-379B-B349-9EED-81ED093FA806}" type="datetimeFigureOut">
               <a:rPr lang="en-US" smtClean="0"/>
               <a:pPr/>
-              <a:t>3/22/17</a:t>
+              <a:t>3/24/2017</a:t>
             </a:fld>
             <a:endParaRPr lang="en-US" dirty="0"/>
           </a:p>
@@ -12438,7 +12346,7 @@
           <a:p>
             <a:fld id="{0583BE9D-294E-419B-AA51-BB7BF28F4F06}" type="datetimeFigureOut">
               <a:rPr lang="en-US" smtClean="0"/>
-              <a:t>3/22/17</a:t>
+              <a:t>3/24/2017</a:t>
             </a:fld>
             <a:endParaRPr lang="en-US"/>
           </a:p>
@@ -12606,7 +12514,7 @@
           <a:p>
             <a:fld id="{0583BE9D-294E-419B-AA51-BB7BF28F4F06}" type="datetimeFigureOut">
               <a:rPr lang="en-US" smtClean="0"/>
-              <a:t>3/22/17</a:t>
+              <a:t>3/24/2017</a:t>
             </a:fld>
             <a:endParaRPr lang="en-US"/>
           </a:p>
@@ -12851,7 +12759,7 @@
           <a:p>
             <a:fld id="{0583BE9D-294E-419B-AA51-BB7BF28F4F06}" type="datetimeFigureOut">
               <a:rPr lang="en-US" smtClean="0"/>
-              <a:t>3/22/17</a:t>
+              <a:t>3/24/2017</a:t>
             </a:fld>
             <a:endParaRPr lang="en-US"/>
           </a:p>
@@ -13080,7 +12988,7 @@
           <a:p>
             <a:fld id="{0583BE9D-294E-419B-AA51-BB7BF28F4F06}" type="datetimeFigureOut">
               <a:rPr lang="en-US" smtClean="0"/>
-              <a:t>3/22/17</a:t>
+              <a:t>3/24/2017</a:t>
             </a:fld>
             <a:endParaRPr lang="en-US"/>
           </a:p>
@@ -13444,7 +13352,7 @@
           <a:p>
             <a:fld id="{0583BE9D-294E-419B-AA51-BB7BF28F4F06}" type="datetimeFigureOut">
               <a:rPr lang="en-US" smtClean="0"/>
-              <a:t>3/22/17</a:t>
+              <a:t>3/24/2017</a:t>
             </a:fld>
             <a:endParaRPr lang="en-US"/>
           </a:p>
@@ -13561,7 +13469,7 @@
           <a:p>
             <a:fld id="{0583BE9D-294E-419B-AA51-BB7BF28F4F06}" type="datetimeFigureOut">
               <a:rPr lang="en-US" smtClean="0"/>
-              <a:t>3/22/17</a:t>
+              <a:t>3/24/2017</a:t>
             </a:fld>
             <a:endParaRPr lang="en-US"/>
           </a:p>
@@ -13656,7 +13564,7 @@
           <a:p>
             <a:fld id="{0583BE9D-294E-419B-AA51-BB7BF28F4F06}" type="datetimeFigureOut">
               <a:rPr lang="en-US" smtClean="0"/>
-              <a:t>3/22/17</a:t>
+              <a:t>3/24/2017</a:t>
             </a:fld>
             <a:endParaRPr lang="en-US"/>
           </a:p>
@@ -13931,7 +13839,7 @@
           <a:p>
             <a:fld id="{0583BE9D-294E-419B-AA51-BB7BF28F4F06}" type="datetimeFigureOut">
               <a:rPr lang="en-US" smtClean="0"/>
-              <a:t>3/22/17</a:t>
+              <a:t>3/24/2017</a:t>
             </a:fld>
             <a:endParaRPr lang="en-US"/>
           </a:p>
@@ -14102,7 +14010,7 @@
             <a:fld id="{9B3A1323-8D79-1946-B0D7-40001CF92E9D}" type="datetimeFigureOut">
               <a:rPr lang="en-US" smtClean="0"/>
               <a:pPr/>
-              <a:t>3/22/17</a:t>
+              <a:t>3/24/2017</a:t>
             </a:fld>
             <a:endParaRPr lang="en-US" dirty="0"/>
           </a:p>
@@ -14355,7 +14263,7 @@
           <a:p>
             <a:fld id="{0583BE9D-294E-419B-AA51-BB7BF28F4F06}" type="datetimeFigureOut">
               <a:rPr lang="en-US" smtClean="0"/>
-              <a:t>3/22/17</a:t>
+              <a:t>3/24/2017</a:t>
             </a:fld>
             <a:endParaRPr lang="en-US"/>
           </a:p>
@@ -14523,7 +14431,7 @@
           <a:p>
             <a:fld id="{0583BE9D-294E-419B-AA51-BB7BF28F4F06}" type="datetimeFigureOut">
               <a:rPr lang="en-US" smtClean="0"/>
-              <a:t>3/22/17</a:t>
+              <a:t>3/24/2017</a:t>
             </a:fld>
             <a:endParaRPr lang="en-US"/>
           </a:p>
@@ -14701,7 +14609,7 @@
           <a:p>
             <a:fld id="{0583BE9D-294E-419B-AA51-BB7BF28F4F06}" type="datetimeFigureOut">
               <a:rPr lang="en-US" smtClean="0"/>
-              <a:t>3/22/17</a:t>
+              <a:t>3/24/2017</a:t>
             </a:fld>
             <a:endParaRPr lang="en-US"/>
           </a:p>
@@ -23600,7 +23508,7 @@
             <a:fld id="{8DFA1846-DA80-1C48-A609-854EA85C59AD}" type="datetimeFigureOut">
               <a:rPr lang="en-US" smtClean="0"/>
               <a:pPr/>
-              <a:t>3/22/17</a:t>
+              <a:t>3/24/2017</a:t>
             </a:fld>
             <a:endParaRPr lang="en-US" dirty="0"/>
           </a:p>
@@ -23876,7 +23784,7 @@
             <a:fld id="{57302355-E14B-8545-A8F8-0FE83CC9D524}" type="datetimeFigureOut">
               <a:rPr lang="en-US" smtClean="0"/>
               <a:pPr/>
-              <a:t>3/22/17</a:t>
+              <a:t>3/24/2017</a:t>
             </a:fld>
             <a:endParaRPr lang="en-US" dirty="0"/>
           </a:p>
@@ -24276,7 +24184,7 @@
             <a:fld id="{02640F58-564D-2B4F-AE67-E407BA4FCF45}" type="datetimeFigureOut">
               <a:rPr lang="en-US" smtClean="0"/>
               <a:pPr/>
-              <a:t>3/22/17</a:t>
+              <a:t>3/24/2017</a:t>
             </a:fld>
             <a:endParaRPr lang="en-US" dirty="0"/>
           </a:p>
@@ -24396,7 +24304,7 @@
             <a:fld id="{F13A34C8-038E-2045-AF43-DF7DBB8E0E9E}" type="datetimeFigureOut">
               <a:rPr lang="en-US" smtClean="0"/>
               <a:pPr/>
-              <a:t>3/22/17</a:t>
+              <a:t>3/24/2017</a:t>
             </a:fld>
             <a:endParaRPr lang="en-US" dirty="0"/>
           </a:p>
@@ -24493,7 +24401,7 @@
             <a:fld id="{8818C68F-D26B-8F47-958C-23B49CF8A634}" type="datetimeFigureOut">
               <a:rPr lang="en-US" smtClean="0"/>
               <a:pPr/>
-              <a:t>3/22/17</a:t>
+              <a:t>3/24/2017</a:t>
             </a:fld>
             <a:endParaRPr lang="en-US" dirty="0"/>
           </a:p>
@@ -24785,7 +24693,7 @@
             <a:fld id="{D0DF5E60-9974-AC48-9591-99C2BB44B7CF}" type="datetimeFigureOut">
               <a:rPr lang="en-US" smtClean="0"/>
               <a:pPr/>
-              <a:t>3/22/17</a:t>
+              <a:t>3/24/2017</a:t>
             </a:fld>
             <a:endParaRPr lang="en-US" dirty="0"/>
           </a:p>
@@ -25067,7 +24975,7 @@
             <a:fld id="{18C79C5D-2A6F-F04D-97DA-BEF2467B64E4}" type="datetimeFigureOut">
               <a:rPr lang="en-US" smtClean="0"/>
               <a:pPr/>
-              <a:t>3/22/17</a:t>
+              <a:t>3/24/2017</a:t>
             </a:fld>
             <a:endParaRPr lang="en-US" dirty="0"/>
           </a:p>
@@ -25319,7 +25227,7 @@
             <a:fld id="{09B482E8-6E0E-1B4F-B1FD-C69DB9E858D9}" type="datetimeFigureOut">
               <a:rPr lang="en-US" smtClean="0"/>
               <a:pPr/>
-              <a:t>3/22/17</a:t>
+              <a:t>3/24/2017</a:t>
             </a:fld>
             <a:endParaRPr lang="en-US" dirty="0"/>
           </a:p>
@@ -25956,7 +25864,7 @@
           <a:p>
             <a:fld id="{0583BE9D-294E-419B-AA51-BB7BF28F4F06}" type="datetimeFigureOut">
               <a:rPr lang="en-US" smtClean="0"/>
-              <a:t>3/22/17</a:t>
+              <a:t>3/24/2017</a:t>
             </a:fld>
             <a:endParaRPr lang="en-US"/>
           </a:p>
@@ -26693,11 +26601,11 @@
   <p:clrMapOvr>
     <a:masterClrMapping/>
   </p:clrMapOvr>
-  <mc:AlternateContent xmlns:mc="http://schemas.openxmlformats.org/markup-compatibility/2006">
-    <mc:Choice xmlns:p14="http://schemas.microsoft.com/office/powerpoint/2010/main" Requires="p14">
+  <mc:AlternateContent xmlns:mc="http://schemas.openxmlformats.org/markup-compatibility/2006" xmlns:p14="http://schemas.microsoft.com/office/powerpoint/2010/main">
+    <mc:Choice Requires="p14">
       <p:transition spd="slow" p14:dur="2000" advTm="8894"/>
     </mc:Choice>
-    <mc:Fallback>
+    <mc:Fallback xmlns="">
       <p:transition spd="slow" advTm="8894"/>
     </mc:Fallback>
   </mc:AlternateContent>
@@ -26825,7 +26733,7 @@
           <a:p>
             <a:r>
               <a:rPr lang="en-US" dirty="0"/>
-              <a:t>Nodes</a:t>
+              <a:t>Building blocks</a:t>
             </a:r>
           </a:p>
         </p:txBody>
@@ -26847,31 +26755,41 @@
           <a:p>
             <a:pPr>
               <a:buFont typeface="Wingdings" panose="05000000000000000000" pitchFamily="2" charset="2"/>
-              <a:buChar char="Ø"/>
+              <a:buChar char="ü"/>
             </a:pPr>
             <a:r>
               <a:rPr lang="en-US" dirty="0"/>
-              <a:t>Nodes represent entities and complex types</a:t>
+              <a:t>Nodes</a:t>
             </a:r>
           </a:p>
           <a:p>
             <a:pPr>
               <a:buFont typeface="Wingdings" panose="05000000000000000000" pitchFamily="2" charset="2"/>
-              <a:buChar char="Ø"/>
+              <a:buChar char="ü"/>
             </a:pPr>
             <a:r>
               <a:rPr lang="en-US" dirty="0"/>
-              <a:t>Nodes can contain properties</a:t>
+              <a:t>Relationships</a:t>
             </a:r>
           </a:p>
           <a:p>
             <a:pPr>
               <a:buFont typeface="Wingdings" panose="05000000000000000000" pitchFamily="2" charset="2"/>
-              <a:buChar char="Ø"/>
+              <a:buChar char="ü"/>
             </a:pPr>
             <a:r>
               <a:rPr lang="en-US" dirty="0"/>
-              <a:t>Each node can have different properties</a:t>
+              <a:t>Properties</a:t>
+            </a:r>
+          </a:p>
+          <a:p>
+            <a:pPr>
+              <a:buFont typeface="Wingdings" panose="05000000000000000000" pitchFamily="2" charset="2"/>
+              <a:buChar char="ü"/>
+            </a:pPr>
+            <a:r>
+              <a:rPr lang="en-US" dirty="0"/>
+              <a:t>Labels</a:t>
             </a:r>
           </a:p>
         </p:txBody>
@@ -26879,7 +26797,7 @@
     </p:spTree>
     <p:extLst>
       <p:ext uri="{BB962C8B-B14F-4D97-AF65-F5344CB8AC3E}">
-        <p14:creationId xmlns:p14="http://schemas.microsoft.com/office/powerpoint/2010/main" val="303320234"/>
+        <p14:creationId xmlns:p14="http://schemas.microsoft.com/office/powerpoint/2010/main" val="1722146423"/>
       </p:ext>
     </p:extLst>
   </p:cSld>
@@ -26923,7 +26841,7 @@
           <a:p>
             <a:r>
               <a:rPr lang="en-US" dirty="0"/>
-              <a:t>Relationships</a:t>
+              <a:t>Nodes</a:t>
             </a:r>
           </a:p>
         </p:txBody>
@@ -26949,7 +26867,7 @@
             </a:pPr>
             <a:r>
               <a:rPr lang="en-US" dirty="0"/>
-              <a:t>Every relationship has a name and direction</a:t>
+              <a:t>Nodes represent entities and complex types</a:t>
             </a:r>
           </a:p>
           <a:p>
@@ -26959,7 +26877,7 @@
             </a:pPr>
             <a:r>
               <a:rPr lang="en-US" dirty="0"/>
-              <a:t>Relationships can contain properties, which can further clarify the relationship</a:t>
+              <a:t>Nodes can contain properties</a:t>
             </a:r>
           </a:p>
           <a:p>
@@ -26969,7 +26887,7 @@
             </a:pPr>
             <a:r>
               <a:rPr lang="en-US" dirty="0"/>
-              <a:t>Must have a start and end node</a:t>
+              <a:t>Each node can have different properties</a:t>
             </a:r>
           </a:p>
         </p:txBody>
@@ -26977,7 +26895,7 @@
     </p:spTree>
     <p:extLst>
       <p:ext uri="{BB962C8B-B14F-4D97-AF65-F5344CB8AC3E}">
-        <p14:creationId xmlns:p14="http://schemas.microsoft.com/office/powerpoint/2010/main" val="1281301520"/>
+        <p14:creationId xmlns:p14="http://schemas.microsoft.com/office/powerpoint/2010/main" val="303320234"/>
       </p:ext>
     </p:extLst>
   </p:cSld>
@@ -27021,7 +26939,7 @@
           <a:p>
             <a:r>
               <a:rPr lang="en-US" dirty="0"/>
-              <a:t>Properties</a:t>
+              <a:t>Relationships</a:t>
             </a:r>
           </a:p>
         </p:txBody>
@@ -27047,7 +26965,7 @@
             </a:pPr>
             <a:r>
               <a:rPr lang="en-US" dirty="0"/>
-              <a:t>Key value pairs used for nodes and relationships</a:t>
+              <a:t>Every relationship has a name and direction</a:t>
             </a:r>
           </a:p>
           <a:p>
@@ -27057,7 +26975,7 @@
             </a:pPr>
             <a:r>
               <a:rPr lang="en-US" dirty="0"/>
-              <a:t>Adds metadata to your nodes and relationships</a:t>
+              <a:t>Relationships can contain properties, which can further clarify the relationship</a:t>
             </a:r>
           </a:p>
           <a:p>
@@ -27067,17 +26985,7 @@
             </a:pPr>
             <a:r>
               <a:rPr lang="en-US" dirty="0"/>
-              <a:t>Entity attributes</a:t>
-            </a:r>
-          </a:p>
-          <a:p>
-            <a:pPr>
-              <a:buFont typeface="Wingdings" panose="05000000000000000000" pitchFamily="2" charset="2"/>
-              <a:buChar char="Ø"/>
-            </a:pPr>
-            <a:r>
-              <a:rPr lang="en-US" dirty="0"/>
-              <a:t>Relationship qualities</a:t>
+              <a:t>Must have a start and end node</a:t>
             </a:r>
           </a:p>
         </p:txBody>
@@ -27085,7 +26993,7 @@
     </p:spTree>
     <p:extLst>
       <p:ext uri="{BB962C8B-B14F-4D97-AF65-F5344CB8AC3E}">
-        <p14:creationId xmlns:p14="http://schemas.microsoft.com/office/powerpoint/2010/main" val="2637711824"/>
+        <p14:creationId xmlns:p14="http://schemas.microsoft.com/office/powerpoint/2010/main" val="1281301520"/>
       </p:ext>
     </p:extLst>
   </p:cSld>
@@ -27129,7 +27037,7 @@
           <a:p>
             <a:r>
               <a:rPr lang="en-US" dirty="0"/>
-              <a:t>Labels</a:t>
+              <a:t>Properties</a:t>
             </a:r>
           </a:p>
         </p:txBody>
@@ -27155,6 +27063,114 @@
             </a:pPr>
             <a:r>
               <a:rPr lang="en-US" dirty="0"/>
+              <a:t>Key value pairs used for nodes and relationships</a:t>
+            </a:r>
+          </a:p>
+          <a:p>
+            <a:pPr>
+              <a:buFont typeface="Wingdings" panose="05000000000000000000" pitchFamily="2" charset="2"/>
+              <a:buChar char="Ø"/>
+            </a:pPr>
+            <a:r>
+              <a:rPr lang="en-US" dirty="0"/>
+              <a:t>Adds metadata to your nodes and relationships</a:t>
+            </a:r>
+          </a:p>
+          <a:p>
+            <a:pPr>
+              <a:buFont typeface="Wingdings" panose="05000000000000000000" pitchFamily="2" charset="2"/>
+              <a:buChar char="Ø"/>
+            </a:pPr>
+            <a:r>
+              <a:rPr lang="en-US" dirty="0"/>
+              <a:t>Entity attributes</a:t>
+            </a:r>
+          </a:p>
+          <a:p>
+            <a:pPr>
+              <a:buFont typeface="Wingdings" panose="05000000000000000000" pitchFamily="2" charset="2"/>
+              <a:buChar char="Ø"/>
+            </a:pPr>
+            <a:r>
+              <a:rPr lang="en-US" dirty="0"/>
+              <a:t>Relationship qualities</a:t>
+            </a:r>
+          </a:p>
+        </p:txBody>
+      </p:sp>
+    </p:spTree>
+    <p:extLst>
+      <p:ext uri="{BB962C8B-B14F-4D97-AF65-F5344CB8AC3E}">
+        <p14:creationId xmlns:p14="http://schemas.microsoft.com/office/powerpoint/2010/main" val="2637711824"/>
+      </p:ext>
+    </p:extLst>
+  </p:cSld>
+  <p:clrMapOvr>
+    <a:masterClrMapping/>
+  </p:clrMapOvr>
+</p:sld>
+</file>
+
+<file path=ppt/slides/slide14.xml><?xml version="1.0" encoding="utf-8"?>
+<p:sld xmlns:a="http://schemas.openxmlformats.org/drawingml/2006/main" xmlns:r="http://schemas.openxmlformats.org/officeDocument/2006/relationships" xmlns:p="http://schemas.openxmlformats.org/presentationml/2006/main">
+  <p:cSld>
+    <p:spTree>
+      <p:nvGrpSpPr>
+        <p:cNvPr id="1" name=""/>
+        <p:cNvGrpSpPr/>
+        <p:nvPr/>
+      </p:nvGrpSpPr>
+      <p:grpSpPr>
+        <a:xfrm>
+          <a:off x="0" y="0"/>
+          <a:ext cx="0" cy="0"/>
+          <a:chOff x="0" y="0"/>
+          <a:chExt cx="0" cy="0"/>
+        </a:xfrm>
+      </p:grpSpPr>
+      <p:sp>
+        <p:nvSpPr>
+          <p:cNvPr id="2" name="Title 1"/>
+          <p:cNvSpPr>
+            <a:spLocks noGrp="1"/>
+          </p:cNvSpPr>
+          <p:nvPr>
+            <p:ph type="title"/>
+          </p:nvPr>
+        </p:nvSpPr>
+        <p:spPr/>
+        <p:txBody>
+          <a:bodyPr/>
+          <a:lstStyle/>
+          <a:p>
+            <a:r>
+              <a:rPr lang="en-US" dirty="0"/>
+              <a:t>Labels</a:t>
+            </a:r>
+          </a:p>
+        </p:txBody>
+      </p:sp>
+      <p:sp>
+        <p:nvSpPr>
+          <p:cNvPr id="3" name="Content Placeholder 2"/>
+          <p:cNvSpPr>
+            <a:spLocks noGrp="1"/>
+          </p:cNvSpPr>
+          <p:nvPr>
+            <p:ph idx="1"/>
+          </p:nvPr>
+        </p:nvSpPr>
+        <p:spPr/>
+        <p:txBody>
+          <a:bodyPr/>
+          <a:lstStyle/>
+          <a:p>
+            <a:pPr>
+              <a:buFont typeface="Wingdings" panose="05000000000000000000" pitchFamily="2" charset="2"/>
+              <a:buChar char="Ø"/>
+            </a:pPr>
+            <a:r>
+              <a:rPr lang="en-US" dirty="0"/>
               <a:t>Used to represent objects in your domain (e.g. user, person, movie)</a:t>
             </a:r>
           </a:p>
@@ -27193,7 +27209,7 @@
 </p:sld>
 </file>
 
-<file path=ppt/slides/slide14.xml><?xml version="1.0" encoding="utf-8"?>
+<file path=ppt/slides/slide15.xml><?xml version="1.0" encoding="utf-8"?>
 <p:sld xmlns:a="http://schemas.openxmlformats.org/drawingml/2006/main" xmlns:r="http://schemas.openxmlformats.org/officeDocument/2006/relationships" xmlns:p="http://schemas.openxmlformats.org/presentationml/2006/main">
   <p:cSld>
     <p:spTree>
@@ -27524,7 +27540,7 @@
 </p:sld>
 </file>
 
-<file path=ppt/slides/slide15.xml><?xml version="1.0" encoding="utf-8"?>
+<file path=ppt/slides/slide16.xml><?xml version="1.0" encoding="utf-8"?>
 <p:sld xmlns:a="http://schemas.openxmlformats.org/drawingml/2006/main" xmlns:r="http://schemas.openxmlformats.org/officeDocument/2006/relationships" xmlns:p="http://schemas.openxmlformats.org/presentationml/2006/main">
   <p:cSld>
     <p:spTree>
@@ -27672,7 +27688,7 @@
 </p:sld>
 </file>
 
-<file path=ppt/slides/slide16.xml><?xml version="1.0" encoding="utf-8"?>
+<file path=ppt/slides/slide17.xml><?xml version="1.0" encoding="utf-8"?>
 <p:sld xmlns:a="http://schemas.openxmlformats.org/drawingml/2006/main" xmlns:r="http://schemas.openxmlformats.org/officeDocument/2006/relationships" xmlns:p="http://schemas.openxmlformats.org/presentationml/2006/main">
   <p:cSld>
     <p:spTree>
@@ -27840,7 +27856,7 @@
 </p:sld>
 </file>
 
-<file path=ppt/slides/slide17.xml><?xml version="1.0" encoding="utf-8"?>
+<file path=ppt/slides/slide18.xml><?xml version="1.0" encoding="utf-8"?>
 <p:sld xmlns:a="http://schemas.openxmlformats.org/drawingml/2006/main" xmlns:r="http://schemas.openxmlformats.org/officeDocument/2006/relationships" xmlns:p="http://schemas.openxmlformats.org/presentationml/2006/main">
   <p:cSld>
     <p:spTree>
@@ -28142,7 +28158,7 @@
 </p:sld>
 </file>
 
-<file path=ppt/slides/slide18.xml><?xml version="1.0" encoding="utf-8"?>
+<file path=ppt/slides/slide19.xml><?xml version="1.0" encoding="utf-8"?>
 <p:sld xmlns:a="http://schemas.openxmlformats.org/drawingml/2006/main" xmlns:r="http://schemas.openxmlformats.org/officeDocument/2006/relationships" xmlns:p="http://schemas.openxmlformats.org/presentationml/2006/main" showMasterSp="0">
   <p:cSld>
     <p:spTree>
@@ -28432,311 +28448,6 @@
   <p:clrMapOvr>
     <a:masterClrMapping/>
   </p:clrMapOvr>
-</p:sld>
-</file>
-
-<file path=ppt/slides/slide19.xml><?xml version="1.0" encoding="utf-8"?>
-<p:sld xmlns:a="http://schemas.openxmlformats.org/drawingml/2006/main" xmlns:r="http://schemas.openxmlformats.org/officeDocument/2006/relationships" xmlns:p="http://schemas.openxmlformats.org/presentationml/2006/main">
-  <p:cSld>
-    <p:spTree>
-      <p:nvGrpSpPr>
-        <p:cNvPr id="1" name=""/>
-        <p:cNvGrpSpPr/>
-        <p:nvPr/>
-      </p:nvGrpSpPr>
-      <p:grpSpPr>
-        <a:xfrm>
-          <a:off x="0" y="0"/>
-          <a:ext cx="0" cy="0"/>
-          <a:chOff x="0" y="0"/>
-          <a:chExt cx="0" cy="0"/>
-        </a:xfrm>
-      </p:grpSpPr>
-      <p:sp>
-        <p:nvSpPr>
-          <p:cNvPr id="3" name="Content Placeholder 2"/>
-          <p:cNvSpPr>
-            <a:spLocks noGrp="1"/>
-          </p:cNvSpPr>
-          <p:nvPr>
-            <p:ph idx="1"/>
-          </p:nvPr>
-        </p:nvSpPr>
-        <p:spPr>
-          <a:xfrm>
-            <a:off x="5159830" y="3625285"/>
-            <a:ext cx="5891209" cy="2364290"/>
-          </a:xfrm>
-        </p:spPr>
-        <p:txBody>
-          <a:bodyPr>
-            <a:normAutofit/>
-          </a:bodyPr>
-          <a:lstStyle/>
-          <a:p>
-            <a:pPr marL="0" indent="0">
-              <a:buNone/>
-            </a:pPr>
-            <a:endParaRPr lang="en-US" dirty="0"/>
-          </a:p>
-          <a:p>
-            <a:pPr marL="0" indent="0">
-              <a:buNone/>
-            </a:pPr>
-            <a:r>
-              <a:rPr lang="en-US" sz="2400" b="1" dirty="0"/>
-              <a:t>Cons:</a:t>
-            </a:r>
-          </a:p>
-          <a:p>
-            <a:pPr>
-              <a:buFont typeface="Wingdings" panose="05000000000000000000" pitchFamily="2" charset="2"/>
-              <a:buChar char="Ø"/>
-            </a:pPr>
-            <a:r>
-              <a:rPr lang="en-US" dirty="0"/>
-              <a:t> Only one DB can be running on one port at a time</a:t>
-            </a:r>
-          </a:p>
-          <a:p>
-            <a:endParaRPr lang="en-US" dirty="0"/>
-          </a:p>
-        </p:txBody>
-      </p:sp>
-      <p:pic>
-        <p:nvPicPr>
-          <p:cNvPr id="7" name="Picture 6" descr="&lt;strong&gt;Neo4j&lt;/strong&gt;-2015-logo.png"/>
-          <p:cNvPicPr>
-            <a:picLocks noChangeAspect="1"/>
-          </p:cNvPicPr>
-          <p:nvPr/>
-        </p:nvPicPr>
-        <p:blipFill>
-          <a:blip r:embed="rId3"/>
-          <a:stretch>
-            <a:fillRect/>
-          </a:stretch>
-        </p:blipFill>
-        <p:spPr>
-          <a:xfrm>
-            <a:off x="1709785" y="451527"/>
-            <a:ext cx="2220948" cy="988444"/>
-          </a:xfrm>
-          <a:prstGeom prst="rect">
-            <a:avLst/>
-          </a:prstGeom>
-        </p:spPr>
-      </p:pic>
-      <p:sp>
-        <p:nvSpPr>
-          <p:cNvPr id="2" name="TextBox 1"/>
-          <p:cNvSpPr txBox="1"/>
-          <p:nvPr/>
-        </p:nvSpPr>
-        <p:spPr>
-          <a:xfrm>
-            <a:off x="5159830" y="451527"/>
-            <a:ext cx="6018228" cy="3785652"/>
-          </a:xfrm>
-          <a:prstGeom prst="rect">
-            <a:avLst/>
-          </a:prstGeom>
-          <a:noFill/>
-        </p:spPr>
-        <p:txBody>
-          <a:bodyPr wrap="square" rtlCol="0">
-            <a:spAutoFit/>
-          </a:bodyPr>
-          <a:lstStyle/>
-          <a:p>
-            <a:pPr>
-              <a:lnSpc>
-                <a:spcPct val="150000"/>
-              </a:lnSpc>
-            </a:pPr>
-            <a:r>
-              <a:rPr lang="en-US" sz="2400" b="1" dirty="0"/>
-              <a:t>Pros:</a:t>
-            </a:r>
-          </a:p>
-          <a:p>
-            <a:pPr marL="342900" indent="-342900">
-              <a:lnSpc>
-                <a:spcPct val="150000"/>
-              </a:lnSpc>
-              <a:buFont typeface="Wingdings" panose="05000000000000000000" pitchFamily="2" charset="2"/>
-              <a:buChar char="Ø"/>
-            </a:pPr>
-            <a:r>
-              <a:rPr lang="en-US" sz="2400" dirty="0"/>
-              <a:t>Runs on Windows natively - in either a console or as a service</a:t>
-            </a:r>
-          </a:p>
-          <a:p>
-            <a:pPr marL="342900" indent="-342900">
-              <a:lnSpc>
-                <a:spcPct val="150000"/>
-              </a:lnSpc>
-              <a:buFont typeface="Wingdings" panose="05000000000000000000" pitchFamily="2" charset="2"/>
-              <a:buChar char="Ø"/>
-            </a:pPr>
-            <a:r>
-              <a:rPr lang="en-US" sz="2400" dirty="0"/>
-              <a:t>24/7 production support since 2003 – Mature</a:t>
-            </a:r>
-          </a:p>
-          <a:p>
-            <a:pPr marL="342900" indent="-342900">
-              <a:lnSpc>
-                <a:spcPct val="150000"/>
-              </a:lnSpc>
-              <a:buFont typeface="Wingdings" panose="05000000000000000000" pitchFamily="2" charset="2"/>
-              <a:buChar char="Ø"/>
-            </a:pPr>
-            <a:r>
-              <a:rPr lang="en-US" sz="2400" dirty="0"/>
-              <a:t>Large and active user community</a:t>
-            </a:r>
-          </a:p>
-          <a:p>
-            <a:endParaRPr lang="en-US" sz="2400" dirty="0"/>
-          </a:p>
-        </p:txBody>
-      </p:sp>
-    </p:spTree>
-    <p:extLst>
-      <p:ext uri="{BB962C8B-B14F-4D97-AF65-F5344CB8AC3E}">
-        <p14:creationId xmlns:p14="http://schemas.microsoft.com/office/powerpoint/2010/main" val="3344084035"/>
-      </p:ext>
-    </p:extLst>
-  </p:cSld>
-  <p:clrMapOvr>
-    <a:masterClrMapping/>
-  </p:clrMapOvr>
-  <p:timing>
-    <p:tnLst>
-      <p:par>
-        <p:cTn id="1" dur="indefinite" restart="never" nodeType="tmRoot">
-          <p:childTnLst>
-            <p:seq concurrent="1" nextAc="seek">
-              <p:cTn id="2" dur="indefinite" nodeType="mainSeq">
-                <p:childTnLst>
-                  <p:par>
-                    <p:cTn id="3" fill="hold">
-                      <p:stCondLst>
-                        <p:cond delay="indefinite"/>
-                      </p:stCondLst>
-                      <p:childTnLst>
-                        <p:par>
-                          <p:cTn id="4" fill="hold">
-                            <p:stCondLst>
-                              <p:cond delay="0"/>
-                            </p:stCondLst>
-                            <p:childTnLst>
-                              <p:par>
-                                <p:cTn id="5" presetID="1" presetClass="entr" presetSubtype="0" fill="hold" grpId="0" nodeType="clickEffect">
-                                  <p:stCondLst>
-                                    <p:cond delay="0"/>
-                                  </p:stCondLst>
-                                  <p:childTnLst>
-                                    <p:set>
-                                      <p:cBhvr>
-                                        <p:cTn id="6" dur="1" fill="hold">
-                                          <p:stCondLst>
-                                            <p:cond delay="0"/>
-                                          </p:stCondLst>
-                                        </p:cTn>
-                                        <p:tgtEl>
-                                          <p:spTgt spid="2"/>
-                                        </p:tgtEl>
-                                        <p:attrNameLst>
-                                          <p:attrName>style.visibility</p:attrName>
-                                        </p:attrNameLst>
-                                      </p:cBhvr>
-                                      <p:to>
-                                        <p:strVal val="visible"/>
-                                      </p:to>
-                                    </p:set>
-                                  </p:childTnLst>
-                                </p:cTn>
-                              </p:par>
-                            </p:childTnLst>
-                          </p:cTn>
-                        </p:par>
-                      </p:childTnLst>
-                    </p:cTn>
-                  </p:par>
-                  <p:par>
-                    <p:cTn id="7" fill="hold">
-                      <p:stCondLst>
-                        <p:cond delay="indefinite"/>
-                      </p:stCondLst>
-                      <p:childTnLst>
-                        <p:par>
-                          <p:cTn id="8" fill="hold">
-                            <p:stCondLst>
-                              <p:cond delay="0"/>
-                            </p:stCondLst>
-                            <p:childTnLst>
-                              <p:par>
-                                <p:cTn id="9" presetID="1" presetClass="entr" presetSubtype="0" fill="hold" grpId="0" nodeType="clickEffect">
-                                  <p:stCondLst>
-                                    <p:cond delay="0"/>
-                                  </p:stCondLst>
-                                  <p:childTnLst>
-                                    <p:set>
-                                      <p:cBhvr>
-                                        <p:cTn id="10" dur="1" fill="hold">
-                                          <p:stCondLst>
-                                            <p:cond delay="0"/>
-                                          </p:stCondLst>
-                                        </p:cTn>
-                                        <p:tgtEl>
-                                          <p:spTgt spid="3"/>
-                                        </p:tgtEl>
-                                        <p:attrNameLst>
-                                          <p:attrName>style.visibility</p:attrName>
-                                        </p:attrNameLst>
-                                      </p:cBhvr>
-                                      <p:to>
-                                        <p:strVal val="visible"/>
-                                      </p:to>
-                                    </p:set>
-                                  </p:childTnLst>
-                                </p:cTn>
-                              </p:par>
-                            </p:childTnLst>
-                          </p:cTn>
-                        </p:par>
-                      </p:childTnLst>
-                    </p:cTn>
-                  </p:par>
-                </p:childTnLst>
-              </p:cTn>
-              <p:prevCondLst>
-                <p:cond evt="onPrev" delay="0">
-                  <p:tgtEl>
-                    <p:sldTgt/>
-                  </p:tgtEl>
-                </p:cond>
-              </p:prevCondLst>
-              <p:nextCondLst>
-                <p:cond evt="onNext" delay="0">
-                  <p:tgtEl>
-                    <p:sldTgt/>
-                  </p:tgtEl>
-                </p:cond>
-              </p:nextCondLst>
-            </p:seq>
-          </p:childTnLst>
-        </p:cTn>
-      </p:par>
-    </p:tnLst>
-    <p:bldLst>
-      <p:bldP spid="3" grpId="0"/>
-      <p:bldP spid="2" grpId="0"/>
-    </p:bldLst>
-  </p:timing>
 </p:sld>
 </file>
 
@@ -29616,21 +29327,15 @@
         </p:nvSpPr>
         <p:spPr>
           <a:xfrm>
-            <a:off x="5263077" y="3034144"/>
-            <a:ext cx="5891209" cy="2448297"/>
+            <a:off x="5239270" y="4067585"/>
+            <a:ext cx="6410094" cy="2447826"/>
           </a:xfrm>
         </p:spPr>
         <p:txBody>
           <a:bodyPr>
-            <a:normAutofit/>
+            <a:noAutofit/>
           </a:bodyPr>
           <a:lstStyle/>
-          <a:p>
-            <a:pPr marL="0" indent="0">
-              <a:buNone/>
-            </a:pPr>
-            <a:endParaRPr lang="en-US" dirty="0"/>
-          </a:p>
           <a:p>
             <a:pPr marL="0" indent="0">
               <a:buNone/>
@@ -29647,7 +29352,7 @@
             </a:pPr>
             <a:r>
               <a:rPr lang="en-US" dirty="0"/>
-              <a:t> No native windows service installation</a:t>
+              <a:t> No native windows installation</a:t>
             </a:r>
           </a:p>
           <a:p>
@@ -29657,14 +29362,14 @@
             </a:pPr>
             <a:r>
               <a:rPr lang="en-US" dirty="0"/>
-              <a:t> Requires more schema design up front</a:t>
+              <a:t> No support for windows in a production environment</a:t>
             </a:r>
           </a:p>
         </p:txBody>
       </p:sp>
       <p:pic>
         <p:nvPicPr>
-          <p:cNvPr id="5" name="Picture 4" descr="&lt;strong&gt;OrientDB&lt;/strong&gt; - Wikipedia"/>
+          <p:cNvPr id="5" name="Picture 4"/>
           <p:cNvPicPr>
             <a:picLocks noChangeAspect="1"/>
           </p:cNvPicPr>
@@ -29678,8 +29383,8 @@
         </p:blipFill>
         <p:spPr>
           <a:xfrm>
-            <a:off x="1450345" y="283908"/>
-            <a:ext cx="3306687" cy="1508189"/>
+            <a:off x="1553372" y="558932"/>
+            <a:ext cx="2726764" cy="820545"/>
           </a:xfrm>
           <a:prstGeom prst="rect">
             <a:avLst/>
@@ -29694,8 +29399,8 @@
         </p:nvSpPr>
         <p:spPr>
           <a:xfrm>
-            <a:off x="5263076" y="498763"/>
-            <a:ext cx="6267863" cy="2677656"/>
+            <a:off x="5239270" y="558932"/>
+            <a:ext cx="6315422" cy="3508653"/>
           </a:xfrm>
           <a:prstGeom prst="rect">
             <a:avLst/>
@@ -29708,18 +29413,13 @@
           </a:bodyPr>
           <a:lstStyle/>
           <a:p>
-            <a:pPr>
-              <a:lnSpc>
-                <a:spcPct val="150000"/>
-              </a:lnSpc>
-            </a:pPr>
             <a:r>
               <a:rPr lang="en-US" sz="2400" b="1" dirty="0"/>
               <a:t>Pros:</a:t>
             </a:r>
           </a:p>
           <a:p>
-            <a:pPr marL="342900" indent="-342900">
+            <a:pPr marL="285750" indent="-285750">
               <a:lnSpc>
                 <a:spcPct val="150000"/>
               </a:lnSpc>
@@ -29728,11 +29428,11 @@
             </a:pPr>
             <a:r>
               <a:rPr lang="en-US" sz="2400" dirty="0"/>
-              <a:t>Multi model DB – both graph and document DB</a:t>
-            </a:r>
-          </a:p>
-          <a:p>
-            <a:pPr marL="342900" indent="-342900">
+              <a:t>Runs complex distributed queries</a:t>
+            </a:r>
+          </a:p>
+          <a:p>
+            <a:pPr marL="285750" indent="-285750">
               <a:lnSpc>
                 <a:spcPct val="150000"/>
               </a:lnSpc>
@@ -29741,11 +29441,19 @@
             </a:pPr>
             <a:r>
               <a:rPr lang="en-US" sz="2400" dirty="0"/>
-              <a:t>Easily add users/roles</a:t>
-            </a:r>
-          </a:p>
-          <a:p>
-            <a:pPr marL="342900" indent="-342900">
+              <a:t>Scales out through </a:t>
+            </a:r>
+            <a:r>
+              <a:rPr lang="en-US" sz="2400" dirty="0" err="1"/>
+              <a:t>sharded</a:t>
+            </a:r>
+            <a:r>
+              <a:rPr lang="en-US" sz="2400" dirty="0"/>
+              <a:t> storage</a:t>
+            </a:r>
+          </a:p>
+          <a:p>
+            <a:pPr marL="285750" indent="-285750">
               <a:lnSpc>
                 <a:spcPct val="150000"/>
               </a:lnSpc>
@@ -29754,18 +29462,36 @@
             </a:pPr>
             <a:r>
               <a:rPr lang="en-US" sz="2400" dirty="0"/>
-              <a:t>Supports multiple databases</a:t>
-            </a:r>
-          </a:p>
-          <a:p>
+              <a:t>Returns data natively in JSON, making it ideally suited for web development</a:t>
+            </a:r>
+          </a:p>
+          <a:p>
+            <a:pPr marL="285750" indent="-285750">
+              <a:lnSpc>
+                <a:spcPct val="150000"/>
+              </a:lnSpc>
+              <a:buFont typeface="Wingdings" panose="05000000000000000000" pitchFamily="2" charset="2"/>
+              <a:buChar char="Ø"/>
+            </a:pPr>
+            <a:r>
+              <a:rPr lang="en-US" sz="2400" dirty="0"/>
+              <a:t>Written on top of </a:t>
+            </a:r>
+            <a:r>
+              <a:rPr lang="en-US" sz="2400" dirty="0" err="1"/>
+              <a:t>GraphQL</a:t>
+            </a:r>
             <a:endParaRPr lang="en-US" sz="2400" dirty="0"/>
+          </a:p>
+          <a:p>
+            <a:endParaRPr lang="en-US" dirty="0"/>
           </a:p>
         </p:txBody>
       </p:sp>
     </p:spTree>
     <p:extLst>
       <p:ext uri="{BB962C8B-B14F-4D97-AF65-F5344CB8AC3E}">
-        <p14:creationId xmlns:p14="http://schemas.microsoft.com/office/powerpoint/2010/main" val="896595893"/>
+        <p14:creationId xmlns:p14="http://schemas.microsoft.com/office/powerpoint/2010/main" val="4227180807"/>
       </p:ext>
     </p:extLst>
   </p:cSld>
@@ -29928,15 +29654,21 @@
         </p:nvSpPr>
         <p:spPr>
           <a:xfrm>
-            <a:off x="5239270" y="4067585"/>
-            <a:ext cx="6410094" cy="2447826"/>
+            <a:off x="5263077" y="3034144"/>
+            <a:ext cx="5891209" cy="2448297"/>
           </a:xfrm>
         </p:spPr>
         <p:txBody>
           <a:bodyPr>
-            <a:noAutofit/>
+            <a:normAutofit/>
           </a:bodyPr>
           <a:lstStyle/>
+          <a:p>
+            <a:pPr marL="0" indent="0">
+              <a:buNone/>
+            </a:pPr>
+            <a:endParaRPr lang="en-US" dirty="0"/>
+          </a:p>
           <a:p>
             <a:pPr marL="0" indent="0">
               <a:buNone/>
@@ -29953,7 +29685,7 @@
             </a:pPr>
             <a:r>
               <a:rPr lang="en-US" dirty="0"/>
-              <a:t> No native windows installation</a:t>
+              <a:t> No native windows service installation</a:t>
             </a:r>
           </a:p>
           <a:p>
@@ -29963,14 +29695,14 @@
             </a:pPr>
             <a:r>
               <a:rPr lang="en-US" dirty="0"/>
-              <a:t> No support for windows in a production environment</a:t>
+              <a:t> Requires more schema design up front</a:t>
             </a:r>
           </a:p>
         </p:txBody>
       </p:sp>
       <p:pic>
         <p:nvPicPr>
-          <p:cNvPr id="5" name="Picture 4"/>
+          <p:cNvPr id="5" name="Picture 4" descr="&lt;strong&gt;OrientDB&lt;/strong&gt; - Wikipedia"/>
           <p:cNvPicPr>
             <a:picLocks noChangeAspect="1"/>
           </p:cNvPicPr>
@@ -29984,8 +29716,8 @@
         </p:blipFill>
         <p:spPr>
           <a:xfrm>
-            <a:off x="1553372" y="558932"/>
-            <a:ext cx="2726764" cy="820545"/>
+            <a:off x="1450345" y="283908"/>
+            <a:ext cx="3306687" cy="1508189"/>
           </a:xfrm>
           <a:prstGeom prst="rect">
             <a:avLst/>
@@ -30000,8 +29732,8 @@
         </p:nvSpPr>
         <p:spPr>
           <a:xfrm>
-            <a:off x="5239270" y="558932"/>
-            <a:ext cx="6315422" cy="3508653"/>
+            <a:off x="5263076" y="498763"/>
+            <a:ext cx="6267863" cy="2677656"/>
           </a:xfrm>
           <a:prstGeom prst="rect">
             <a:avLst/>
@@ -30014,13 +29746,18 @@
           </a:bodyPr>
           <a:lstStyle/>
           <a:p>
+            <a:pPr>
+              <a:lnSpc>
+                <a:spcPct val="150000"/>
+              </a:lnSpc>
+            </a:pPr>
             <a:r>
               <a:rPr lang="en-US" sz="2400" b="1" dirty="0"/>
               <a:t>Pros:</a:t>
             </a:r>
           </a:p>
           <a:p>
-            <a:pPr marL="285750" indent="-285750">
+            <a:pPr marL="342900" indent="-342900">
               <a:lnSpc>
                 <a:spcPct val="150000"/>
               </a:lnSpc>
@@ -30029,11 +29766,11 @@
             </a:pPr>
             <a:r>
               <a:rPr lang="en-US" sz="2400" dirty="0"/>
-              <a:t>Runs complex distributed queries</a:t>
-            </a:r>
-          </a:p>
-          <a:p>
-            <a:pPr marL="285750" indent="-285750">
+              <a:t>Multi modal DB – both graph and document DB</a:t>
+            </a:r>
+          </a:p>
+          <a:p>
+            <a:pPr marL="342900" indent="-342900">
               <a:lnSpc>
                 <a:spcPct val="150000"/>
               </a:lnSpc>
@@ -30042,19 +29779,11 @@
             </a:pPr>
             <a:r>
               <a:rPr lang="en-US" sz="2400" dirty="0"/>
-              <a:t>Scales out through </a:t>
-            </a:r>
-            <a:r>
-              <a:rPr lang="en-US" sz="2400" dirty="0" err="1"/>
-              <a:t>sharded</a:t>
-            </a:r>
-            <a:r>
-              <a:rPr lang="en-US" sz="2400" dirty="0"/>
-              <a:t> storage</a:t>
-            </a:r>
-          </a:p>
-          <a:p>
-            <a:pPr marL="285750" indent="-285750">
+              <a:t>Easily add users/roles</a:t>
+            </a:r>
+          </a:p>
+          <a:p>
+            <a:pPr marL="342900" indent="-342900">
               <a:lnSpc>
                 <a:spcPct val="150000"/>
               </a:lnSpc>
@@ -30063,36 +29792,18 @@
             </a:pPr>
             <a:r>
               <a:rPr lang="en-US" sz="2400" dirty="0"/>
-              <a:t>Returns data natively in JSON, making it ideally suited for web development</a:t>
-            </a:r>
-          </a:p>
-          <a:p>
-            <a:pPr marL="285750" indent="-285750">
-              <a:lnSpc>
-                <a:spcPct val="150000"/>
-              </a:lnSpc>
-              <a:buFont typeface="Wingdings" panose="05000000000000000000" pitchFamily="2" charset="2"/>
-              <a:buChar char="Ø"/>
-            </a:pPr>
-            <a:r>
-              <a:rPr lang="en-US" sz="2400" dirty="0"/>
-              <a:t>Written on top of </a:t>
-            </a:r>
-            <a:r>
-              <a:rPr lang="en-US" sz="2400" dirty="0" err="1"/>
-              <a:t>GraphQL</a:t>
-            </a:r>
+              <a:t>Supports multiple databases</a:t>
+            </a:r>
+          </a:p>
+          <a:p>
             <a:endParaRPr lang="en-US" sz="2400" dirty="0"/>
-          </a:p>
-          <a:p>
-            <a:endParaRPr lang="en-US" dirty="0"/>
           </a:p>
         </p:txBody>
       </p:sp>
     </p:spTree>
     <p:extLst>
       <p:ext uri="{BB962C8B-B14F-4D97-AF65-F5344CB8AC3E}">
-        <p14:creationId xmlns:p14="http://schemas.microsoft.com/office/powerpoint/2010/main" val="4227180807"/>
+        <p14:creationId xmlns:p14="http://schemas.microsoft.com/office/powerpoint/2010/main" val="896595893"/>
       </p:ext>
     </p:extLst>
   </p:cSld>
@@ -30245,270 +29956,289 @@
       </p:grpSpPr>
       <p:sp>
         <p:nvSpPr>
-          <p:cNvPr id="7" name="Rectangle 6"/>
+          <p:cNvPr id="3" name="Content Placeholder 2"/>
           <p:cNvSpPr>
-            <a:spLocks noGrp="1" noRot="1" noChangeAspect="1" noMove="1" noResize="1" noEditPoints="1" noAdjustHandles="1" noChangeArrowheads="1" noChangeShapeType="1" noTextEdit="1"/>
+            <a:spLocks noGrp="1"/>
           </p:cNvSpPr>
           <p:nvPr>
-            <p:extLst>
-              <p:ext uri="{386F3935-93C4-4BCD-93E2-E3B085C9AB24}">
-                <p16:designElem xmlns:p16="http://schemas.microsoft.com/office/powerpoint/2015/main" val="1"/>
-              </p:ext>
-            </p:extLst>
+            <p:ph idx="1"/>
           </p:nvPr>
         </p:nvSpPr>
         <p:spPr>
-          <a:xfrm flipH="1">
-            <a:off x="0" y="0"/>
-            <a:ext cx="12188726" cy="6858975"/>
+          <a:xfrm>
+            <a:off x="5159830" y="3625285"/>
+            <a:ext cx="5891209" cy="2364290"/>
+          </a:xfrm>
+        </p:spPr>
+        <p:txBody>
+          <a:bodyPr>
+            <a:normAutofit/>
+          </a:bodyPr>
+          <a:lstStyle/>
+          <a:p>
+            <a:pPr marL="0" indent="0">
+              <a:buNone/>
+            </a:pPr>
+            <a:endParaRPr lang="en-US" dirty="0"/>
+          </a:p>
+          <a:p>
+            <a:pPr marL="0" indent="0">
+              <a:buNone/>
+            </a:pPr>
+            <a:r>
+              <a:rPr lang="en-US" sz="2400" b="1" dirty="0"/>
+              <a:t>Cons:</a:t>
+            </a:r>
+          </a:p>
+          <a:p>
+            <a:pPr>
+              <a:buFont typeface="Wingdings" panose="05000000000000000000" pitchFamily="2" charset="2"/>
+              <a:buChar char="Ø"/>
+            </a:pPr>
+            <a:r>
+              <a:rPr lang="en-US" dirty="0"/>
+              <a:t> Only one DB can be running on one port at a time</a:t>
+            </a:r>
+          </a:p>
+          <a:p>
+            <a:endParaRPr lang="en-US" dirty="0"/>
+          </a:p>
+        </p:txBody>
+      </p:sp>
+      <p:pic>
+        <p:nvPicPr>
+          <p:cNvPr id="7" name="Picture 6" descr="&lt;strong&gt;Neo4j&lt;/strong&gt;-2015-logo.png"/>
+          <p:cNvPicPr>
+            <a:picLocks noChangeAspect="1"/>
+          </p:cNvPicPr>
+          <p:nvPr/>
+        </p:nvPicPr>
+        <p:blipFill>
+          <a:blip r:embed="rId3"/>
+          <a:stretch>
+            <a:fillRect/>
+          </a:stretch>
+        </p:blipFill>
+        <p:spPr>
+          <a:xfrm>
+            <a:off x="1709785" y="451527"/>
+            <a:ext cx="2220948" cy="988444"/>
           </a:xfrm>
           <a:prstGeom prst="rect">
             <a:avLst/>
           </a:prstGeom>
-          <a:solidFill>
-            <a:schemeClr val="bg1"/>
-          </a:solidFill>
-          <a:ln>
-            <a:noFill/>
-          </a:ln>
         </p:spPr>
-        <p:style>
-          <a:lnRef idx="2">
-            <a:schemeClr val="accent1">
-              <a:shade val="50000"/>
-            </a:schemeClr>
-          </a:lnRef>
-          <a:fillRef idx="1">
-            <a:schemeClr val="accent1"/>
-          </a:fillRef>
-          <a:effectRef idx="0">
-            <a:schemeClr val="accent1"/>
-          </a:effectRef>
-          <a:fontRef idx="minor">
-            <a:schemeClr val="lt1"/>
-          </a:fontRef>
-        </p:style>
-        <p:txBody>
-          <a:bodyPr rtlCol="0" anchor="ctr"/>
-          <a:lstStyle/>
-          <a:p>
-            <a:pPr algn="ctr"/>
-            <a:endParaRPr lang="en-US"/>
-          </a:p>
-        </p:txBody>
-      </p:sp>
+      </p:pic>
       <p:sp>
         <p:nvSpPr>
-          <p:cNvPr id="9" name="Rectangle 8"/>
-          <p:cNvSpPr>
-            <a:spLocks noGrp="1" noRot="1" noChangeAspect="1" noMove="1" noResize="1" noEditPoints="1" noAdjustHandles="1" noChangeArrowheads="1" noChangeShapeType="1" noTextEdit="1"/>
-          </p:cNvSpPr>
-          <p:nvPr>
-            <p:extLst>
-              <p:ext uri="{386F3935-93C4-4BCD-93E2-E3B085C9AB24}">
-                <p16:designElem xmlns:p16="http://schemas.microsoft.com/office/powerpoint/2015/main" val="1"/>
-              </p:ext>
-            </p:extLst>
-          </p:nvPr>
+          <p:cNvPr id="2" name="TextBox 1"/>
+          <p:cNvSpPr txBox="1"/>
+          <p:nvPr/>
         </p:nvSpPr>
         <p:spPr>
           <a:xfrm>
-            <a:off x="5109343" y="620720"/>
-            <a:ext cx="6442480" cy="5593163"/>
+            <a:off x="5159830" y="451527"/>
+            <a:ext cx="6018228" cy="3785652"/>
           </a:xfrm>
           <a:prstGeom prst="rect">
             <a:avLst/>
           </a:prstGeom>
-          <a:solidFill>
-            <a:schemeClr val="tx1">
-              <a:lumMod val="75000"/>
-              <a:lumOff val="25000"/>
-            </a:schemeClr>
-          </a:solidFill>
-          <a:ln>
-            <a:noFill/>
-          </a:ln>
-        </p:spPr>
-        <p:style>
-          <a:lnRef idx="2">
-            <a:schemeClr val="accent1">
-              <a:shade val="50000"/>
-            </a:schemeClr>
-          </a:lnRef>
-          <a:fillRef idx="1">
-            <a:schemeClr val="accent1"/>
-          </a:fillRef>
-          <a:effectRef idx="0">
-            <a:schemeClr val="accent1"/>
-          </a:effectRef>
-          <a:fontRef idx="minor">
-            <a:schemeClr val="lt1"/>
-          </a:fontRef>
-        </p:style>
-        <p:txBody>
-          <a:bodyPr rtlCol="0" anchor="ctr"/>
-          <a:lstStyle/>
-          <a:p>
-            <a:pPr algn="ctr"/>
-            <a:endParaRPr lang="en-US"/>
-          </a:p>
-        </p:txBody>
-      </p:sp>
-      <p:cxnSp>
-        <p:nvCxnSpPr>
-          <p:cNvPr id="11" name="Straight Connector 10"/>
-          <p:cNvCxnSpPr>
-            <a:cxnSpLocks noGrp="1" noRot="1" noChangeAspect="1" noMove="1" noResize="1" noEditPoints="1" noAdjustHandles="1" noChangeArrowheads="1" noChangeShapeType="1"/>
-          </p:cNvCxnSpPr>
-          <p:nvPr>
-            <p:extLst>
-              <p:ext uri="{386F3935-93C4-4BCD-93E2-E3B085C9AB24}">
-                <p16:designElem xmlns:p16="http://schemas.microsoft.com/office/powerpoint/2015/main" val="1"/>
-              </p:ext>
-            </p:extLst>
-          </p:nvPr>
-        </p:nvCxnSpPr>
-        <p:spPr>
-          <a:xfrm>
-            <a:off x="5609960" y="4214336"/>
-            <a:ext cx="5120640" cy="0"/>
-          </a:xfrm>
-          <a:prstGeom prst="line">
-            <a:avLst/>
-          </a:prstGeom>
-          <a:ln w="19050">
-            <a:solidFill>
-              <a:schemeClr val="bg1"/>
-            </a:solidFill>
-          </a:ln>
-        </p:spPr>
-        <p:style>
-          <a:lnRef idx="1">
-            <a:schemeClr val="accent1"/>
-          </a:lnRef>
-          <a:fillRef idx="0">
-            <a:schemeClr val="accent1"/>
-          </a:fillRef>
-          <a:effectRef idx="0">
-            <a:schemeClr val="accent1"/>
-          </a:effectRef>
-          <a:fontRef idx="minor">
-            <a:schemeClr val="tx1"/>
-          </a:fontRef>
-        </p:style>
-      </p:cxnSp>
-      <p:sp>
-        <p:nvSpPr>
-          <p:cNvPr id="13" name="Rectangle 12"/>
-          <p:cNvSpPr>
-            <a:spLocks noGrp="1" noRot="1" noChangeAspect="1" noMove="1" noResize="1" noEditPoints="1" noAdjustHandles="1" noChangeArrowheads="1" noChangeShapeType="1" noTextEdit="1"/>
-          </p:cNvSpPr>
-          <p:nvPr>
-            <p:extLst>
-              <p:ext uri="{386F3935-93C4-4BCD-93E2-E3B085C9AB24}">
-                <p16:designElem xmlns:p16="http://schemas.microsoft.com/office/powerpoint/2015/main" val="1"/>
-              </p:ext>
-            </p:extLst>
-          </p:nvPr>
-        </p:nvSpPr>
-        <p:spPr>
-          <a:xfrm>
-            <a:off x="643467" y="621695"/>
-            <a:ext cx="4305009" cy="5592188"/>
-          </a:xfrm>
-          <a:prstGeom prst="rect">
-            <a:avLst/>
-          </a:prstGeom>
-          <a:blipFill dpi="0" rotWithShape="1">
-            <a:blip r:embed="rId3">
-              <a:duotone>
-                <a:schemeClr val="accent1">
-                  <a:shade val="45000"/>
-                  <a:satMod val="135000"/>
-                </a:schemeClr>
-                <a:prstClr val="white"/>
-              </a:duotone>
-            </a:blip>
-            <a:srcRect/>
-            <a:tile tx="-444500" ty="-127000" sx="50000" sy="50000" flip="xy" algn="tl"/>
-          </a:blipFill>
-          <a:ln>
-            <a:noFill/>
-          </a:ln>
-        </p:spPr>
-        <p:style>
-          <a:lnRef idx="2">
-            <a:schemeClr val="accent1">
-              <a:shade val="50000"/>
-            </a:schemeClr>
-          </a:lnRef>
-          <a:fillRef idx="1">
-            <a:schemeClr val="accent1"/>
-          </a:fillRef>
-          <a:effectRef idx="0">
-            <a:schemeClr val="accent1"/>
-          </a:effectRef>
-          <a:fontRef idx="minor">
-            <a:schemeClr val="lt1"/>
-          </a:fontRef>
-        </p:style>
-        <p:txBody>
-          <a:bodyPr rtlCol="0" anchor="ctr"/>
-          <a:lstStyle/>
-          <a:p>
-            <a:pPr lvl="0" algn="ctr"/>
-            <a:endParaRPr lang="en-US" dirty="0">
-              <a:solidFill>
-                <a:prstClr val="white"/>
-              </a:solidFill>
-            </a:endParaRPr>
-          </a:p>
-        </p:txBody>
-      </p:sp>
-      <p:sp>
-        <p:nvSpPr>
-          <p:cNvPr id="2" name="Title 1"/>
-          <p:cNvSpPr>
-            <a:spLocks noGrp="1"/>
-          </p:cNvSpPr>
-          <p:nvPr>
-            <p:ph type="ctrTitle"/>
-          </p:nvPr>
-        </p:nvSpPr>
-        <p:spPr>
-          <a:xfrm>
-            <a:off x="5590120" y="1105351"/>
-            <a:ext cx="5477071" cy="3023981"/>
-          </a:xfrm>
+          <a:noFill/>
         </p:spPr>
         <p:txBody>
-          <a:bodyPr anchor="b">
-            <a:normAutofit/>
+          <a:bodyPr wrap="square" rtlCol="0">
+            <a:spAutoFit/>
           </a:bodyPr>
           <a:lstStyle/>
           <a:p>
-            <a:pPr algn="l"/>
-            <a:r>
-              <a:rPr lang="en-US" sz="4400" dirty="0">
-                <a:solidFill>
-                  <a:schemeClr val="bg1"/>
-                </a:solidFill>
-              </a:rPr>
-              <a:t>Neo4j Introduction</a:t>
-            </a:r>
+            <a:pPr>
+              <a:lnSpc>
+                <a:spcPct val="150000"/>
+              </a:lnSpc>
+            </a:pPr>
+            <a:r>
+              <a:rPr lang="en-US" sz="2400" b="1" dirty="0"/>
+              <a:t>Pros:</a:t>
+            </a:r>
+          </a:p>
+          <a:p>
+            <a:pPr marL="342900" indent="-342900">
+              <a:lnSpc>
+                <a:spcPct val="150000"/>
+              </a:lnSpc>
+              <a:buFont typeface="Wingdings" panose="05000000000000000000" pitchFamily="2" charset="2"/>
+              <a:buChar char="Ø"/>
+            </a:pPr>
+            <a:r>
+              <a:rPr lang="en-US" sz="2400" dirty="0"/>
+              <a:t>Runs on Windows natively - in either a console or as a service</a:t>
+            </a:r>
+          </a:p>
+          <a:p>
+            <a:pPr marL="342900" indent="-342900">
+              <a:lnSpc>
+                <a:spcPct val="150000"/>
+              </a:lnSpc>
+              <a:buFont typeface="Wingdings" panose="05000000000000000000" pitchFamily="2" charset="2"/>
+              <a:buChar char="Ø"/>
+            </a:pPr>
+            <a:r>
+              <a:rPr lang="en-US" sz="2400" dirty="0"/>
+              <a:t>24/7 production support since 2003 – Mature</a:t>
+            </a:r>
+          </a:p>
+          <a:p>
+            <a:pPr marL="342900" indent="-342900">
+              <a:lnSpc>
+                <a:spcPct val="150000"/>
+              </a:lnSpc>
+              <a:buFont typeface="Wingdings" panose="05000000000000000000" pitchFamily="2" charset="2"/>
+              <a:buChar char="Ø"/>
+            </a:pPr>
+            <a:r>
+              <a:rPr lang="en-US" sz="2400" dirty="0"/>
+              <a:t>Large and active user community</a:t>
+            </a:r>
+          </a:p>
+          <a:p>
+            <a:endParaRPr lang="en-US" sz="2400" dirty="0"/>
           </a:p>
         </p:txBody>
       </p:sp>
     </p:spTree>
     <p:extLst>
       <p:ext uri="{BB962C8B-B14F-4D97-AF65-F5344CB8AC3E}">
-        <p14:creationId xmlns:p14="http://schemas.microsoft.com/office/powerpoint/2010/main" val="567269573"/>
+        <p14:creationId xmlns:p14="http://schemas.microsoft.com/office/powerpoint/2010/main" val="3344084035"/>
       </p:ext>
     </p:extLst>
   </p:cSld>
   <p:clrMapOvr>
     <a:masterClrMapping/>
   </p:clrMapOvr>
+  <p:timing>
+    <p:tnLst>
+      <p:par>
+        <p:cTn id="1" dur="indefinite" restart="never" nodeType="tmRoot">
+          <p:childTnLst>
+            <p:seq concurrent="1" nextAc="seek">
+              <p:cTn id="2" dur="indefinite" nodeType="mainSeq">
+                <p:childTnLst>
+                  <p:par>
+                    <p:cTn id="3" fill="hold">
+                      <p:stCondLst>
+                        <p:cond delay="indefinite"/>
+                      </p:stCondLst>
+                      <p:childTnLst>
+                        <p:par>
+                          <p:cTn id="4" fill="hold">
+                            <p:stCondLst>
+                              <p:cond delay="0"/>
+                            </p:stCondLst>
+                            <p:childTnLst>
+                              <p:par>
+                                <p:cTn id="5" presetID="1" presetClass="entr" presetSubtype="0" fill="hold" grpId="0" nodeType="clickEffect">
+                                  <p:stCondLst>
+                                    <p:cond delay="0"/>
+                                  </p:stCondLst>
+                                  <p:childTnLst>
+                                    <p:set>
+                                      <p:cBhvr>
+                                        <p:cTn id="6" dur="1" fill="hold">
+                                          <p:stCondLst>
+                                            <p:cond delay="0"/>
+                                          </p:stCondLst>
+                                        </p:cTn>
+                                        <p:tgtEl>
+                                          <p:spTgt spid="2"/>
+                                        </p:tgtEl>
+                                        <p:attrNameLst>
+                                          <p:attrName>style.visibility</p:attrName>
+                                        </p:attrNameLst>
+                                      </p:cBhvr>
+                                      <p:to>
+                                        <p:strVal val="visible"/>
+                                      </p:to>
+                                    </p:set>
+                                  </p:childTnLst>
+                                </p:cTn>
+                              </p:par>
+                            </p:childTnLst>
+                          </p:cTn>
+                        </p:par>
+                      </p:childTnLst>
+                    </p:cTn>
+                  </p:par>
+                  <p:par>
+                    <p:cTn id="7" fill="hold">
+                      <p:stCondLst>
+                        <p:cond delay="indefinite"/>
+                      </p:stCondLst>
+                      <p:childTnLst>
+                        <p:par>
+                          <p:cTn id="8" fill="hold">
+                            <p:stCondLst>
+                              <p:cond delay="0"/>
+                            </p:stCondLst>
+                            <p:childTnLst>
+                              <p:par>
+                                <p:cTn id="9" presetID="1" presetClass="entr" presetSubtype="0" fill="hold" grpId="0" nodeType="clickEffect">
+                                  <p:stCondLst>
+                                    <p:cond delay="0"/>
+                                  </p:stCondLst>
+                                  <p:childTnLst>
+                                    <p:set>
+                                      <p:cBhvr>
+                                        <p:cTn id="10" dur="1" fill="hold">
+                                          <p:stCondLst>
+                                            <p:cond delay="0"/>
+                                          </p:stCondLst>
+                                        </p:cTn>
+                                        <p:tgtEl>
+                                          <p:spTgt spid="3"/>
+                                        </p:tgtEl>
+                                        <p:attrNameLst>
+                                          <p:attrName>style.visibility</p:attrName>
+                                        </p:attrNameLst>
+                                      </p:cBhvr>
+                                      <p:to>
+                                        <p:strVal val="visible"/>
+                                      </p:to>
+                                    </p:set>
+                                  </p:childTnLst>
+                                </p:cTn>
+                              </p:par>
+                            </p:childTnLst>
+                          </p:cTn>
+                        </p:par>
+                      </p:childTnLst>
+                    </p:cTn>
+                  </p:par>
+                </p:childTnLst>
+              </p:cTn>
+              <p:prevCondLst>
+                <p:cond evt="onPrev" delay="0">
+                  <p:tgtEl>
+                    <p:sldTgt/>
+                  </p:tgtEl>
+                </p:cond>
+              </p:prevCondLst>
+              <p:nextCondLst>
+                <p:cond evt="onNext" delay="0">
+                  <p:tgtEl>
+                    <p:sldTgt/>
+                  </p:tgtEl>
+                </p:cond>
+              </p:nextCondLst>
+            </p:seq>
+          </p:childTnLst>
+        </p:cTn>
+      </p:par>
+    </p:tnLst>
+    <p:bldLst>
+      <p:bldP spid="3" grpId="0"/>
+      <p:bldP spid="2" grpId="0"/>
+    </p:bldLst>
+  </p:timing>
 </p:sld>
 </file>
 
@@ -33681,13 +33411,13 @@
             </a:r>
             <a:r>
               <a:rPr lang="en-US" dirty="0"/>
-              <a:t>://https://github.com/jenparker1975'})</a:t>
+              <a:t>://github.com/jenparker1975'})</a:t>
             </a:r>
           </a:p>
           <a:p>
             <a:r>
               <a:rPr lang="en-US" dirty="0"/>
-              <a:t> – [:WORKS_AT] -&gt; (</a:t>
+              <a:t> – [:WORKS_AT {since: 2013}] -&gt; (</a:t>
             </a:r>
             <a:r>
               <a:rPr lang="en-US" dirty="0" err="1"/>
@@ -34097,12 +33827,20 @@
           <a:p>
             <a:pPr algn="l"/>
             <a:r>
+              <a:rPr lang="en-US" sz="4400" dirty="0" err="1">
+                <a:solidFill>
+                  <a:schemeClr val="bg1"/>
+                </a:solidFill>
+              </a:rPr>
+              <a:t>Diabook</a:t>
+            </a:r>
+            <a:r>
               <a:rPr lang="en-US" sz="4400" dirty="0">
                 <a:solidFill>
                   <a:schemeClr val="bg1"/>
                 </a:solidFill>
               </a:rPr>
-              <a:t>social network</a:t>
+              <a:t> – social network</a:t>
             </a:r>
           </a:p>
         </p:txBody>
@@ -34646,8 +34384,8 @@
         </p:nvSpPr>
         <p:spPr>
           <a:xfrm>
-            <a:off x="1413163" y="262171"/>
-            <a:ext cx="9905998" cy="1478570"/>
+            <a:off x="866897" y="143418"/>
+            <a:ext cx="10865923" cy="1139117"/>
           </a:xfrm>
         </p:spPr>
         <p:txBody>
@@ -34669,8 +34407,8 @@
         </p:nvSpPr>
         <p:spPr>
           <a:xfrm>
-            <a:off x="1537853" y="1482397"/>
-            <a:ext cx="8817429" cy="5262979"/>
+            <a:off x="1110341" y="1054885"/>
+            <a:ext cx="7641773" cy="5447645"/>
           </a:xfrm>
           <a:prstGeom prst="rect">
             <a:avLst/>
@@ -34683,596 +34421,409 @@
           <a:lstStyle/>
           <a:p>
             <a:r>
-              <a:rPr lang="en-US" sz="1200" b="1" dirty="0">
-                <a:latin typeface="Consolas" panose="020B0609020204030204" pitchFamily="49" charset="0"/>
-              </a:rPr>
+              <a:rPr lang="en-US" sz="1200" dirty="0"/>
               <a:t>SELECT </a:t>
             </a:r>
           </a:p>
           <a:p>
             <a:r>
-              <a:rPr lang="en-US" sz="1200" b="1" dirty="0">
-                <a:latin typeface="Consolas" panose="020B0609020204030204" pitchFamily="49" charset="0"/>
-              </a:rPr>
+              <a:rPr lang="en-US" sz="1200" dirty="0"/>
               <a:t>    </a:t>
             </a:r>
             <a:r>
-              <a:rPr lang="en-US" sz="1200" b="1" dirty="0" err="1">
-                <a:latin typeface="Consolas" panose="020B0609020204030204" pitchFamily="49" charset="0"/>
-              </a:rPr>
+              <a:rPr lang="en-US" sz="1200" dirty="0" err="1"/>
               <a:t>Me.PersonId</a:t>
             </a:r>
             <a:r>
-              <a:rPr lang="en-US" sz="1200" b="1" dirty="0">
-                <a:latin typeface="Consolas" panose="020B0609020204030204" pitchFamily="49" charset="0"/>
-              </a:rPr>
+              <a:rPr lang="en-US" sz="1200" dirty="0"/>
               <a:t>                      AS </a:t>
             </a:r>
             <a:r>
-              <a:rPr lang="en-US" sz="1200" b="1" dirty="0" err="1">
-                <a:latin typeface="Consolas" panose="020B0609020204030204" pitchFamily="49" charset="0"/>
-              </a:rPr>
+              <a:rPr lang="en-US" sz="1200" dirty="0" err="1"/>
               <a:t>MeId</a:t>
             </a:r>
             <a:r>
-              <a:rPr lang="en-US" sz="1200" b="1" dirty="0">
-                <a:latin typeface="Consolas" panose="020B0609020204030204" pitchFamily="49" charset="0"/>
-              </a:rPr>
+              <a:rPr lang="en-US" sz="1200" dirty="0"/>
               <a:t>, </a:t>
             </a:r>
           </a:p>
           <a:p>
             <a:r>
-              <a:rPr lang="en-US" sz="1200" b="1" dirty="0">
-                <a:latin typeface="Consolas" panose="020B0609020204030204" pitchFamily="49" charset="0"/>
-              </a:rPr>
+              <a:rPr lang="en-US" sz="1200" dirty="0"/>
               <a:t>    </a:t>
             </a:r>
             <a:r>
-              <a:rPr lang="en-US" sz="1200" b="1" dirty="0" err="1">
-                <a:latin typeface="Consolas" panose="020B0609020204030204" pitchFamily="49" charset="0"/>
-              </a:rPr>
+              <a:rPr lang="en-US" sz="1200" dirty="0" err="1"/>
               <a:t>Me.Name</a:t>
             </a:r>
             <a:r>
-              <a:rPr lang="en-US" sz="1200" b="1" dirty="0">
-                <a:latin typeface="Consolas" panose="020B0609020204030204" pitchFamily="49" charset="0"/>
-              </a:rPr>
+              <a:rPr lang="en-US" sz="1200" dirty="0"/>
               <a:t>,</a:t>
             </a:r>
           </a:p>
           <a:p>
             <a:r>
-              <a:rPr lang="en-US" sz="1200" b="1" dirty="0">
-                <a:latin typeface="Consolas" panose="020B0609020204030204" pitchFamily="49" charset="0"/>
-              </a:rPr>
+              <a:rPr lang="en-US" sz="1200" dirty="0"/>
               <a:t>    </a:t>
             </a:r>
             <a:r>
-              <a:rPr lang="en-US" sz="1200" b="1" dirty="0" err="1">
-                <a:latin typeface="Consolas" panose="020B0609020204030204" pitchFamily="49" charset="0"/>
-              </a:rPr>
+              <a:rPr lang="en-US" sz="1200" dirty="0" err="1"/>
               <a:t>FriendOfFriend.RelatedPersonId</a:t>
             </a:r>
             <a:r>
-              <a:rPr lang="en-US" sz="1200" b="1" dirty="0">
-                <a:latin typeface="Consolas" panose="020B0609020204030204" pitchFamily="49" charset="0"/>
-              </a:rPr>
+              <a:rPr lang="en-US" sz="1200" dirty="0"/>
               <a:t>    AS </a:t>
             </a:r>
             <a:r>
-              <a:rPr lang="en-US" sz="1200" b="1" dirty="0" err="1">
-                <a:latin typeface="Consolas" panose="020B0609020204030204" pitchFamily="49" charset="0"/>
-              </a:rPr>
+              <a:rPr lang="en-US" sz="1200" dirty="0" err="1"/>
               <a:t>SuggestedFriendId</a:t>
             </a:r>
             <a:r>
-              <a:rPr lang="en-US" sz="1200" b="1" dirty="0">
-                <a:latin typeface="Consolas" panose="020B0609020204030204" pitchFamily="49" charset="0"/>
-              </a:rPr>
+              <a:rPr lang="en-US" sz="1200" dirty="0"/>
               <a:t>,</a:t>
             </a:r>
           </a:p>
           <a:p>
             <a:r>
-              <a:rPr lang="en-US" sz="1200" b="1" dirty="0">
-                <a:latin typeface="Consolas" panose="020B0609020204030204" pitchFamily="49" charset="0"/>
-              </a:rPr>
+              <a:rPr lang="en-US" sz="1200" dirty="0"/>
               <a:t>    </a:t>
             </a:r>
             <a:r>
-              <a:rPr lang="en-US" sz="1200" b="1" dirty="0" err="1">
-                <a:latin typeface="Consolas" panose="020B0609020204030204" pitchFamily="49" charset="0"/>
-              </a:rPr>
+              <a:rPr lang="en-US" sz="1200" dirty="0" err="1"/>
               <a:t>FriendOfAFriend.Name</a:t>
             </a:r>
             <a:r>
-              <a:rPr lang="en-US" sz="1200" b="1" dirty="0">
-                <a:latin typeface="Consolas" panose="020B0609020204030204" pitchFamily="49" charset="0"/>
-              </a:rPr>
+              <a:rPr lang="en-US" sz="1200" dirty="0"/>
               <a:t>    </a:t>
             </a:r>
           </a:p>
           <a:p>
             <a:r>
-              <a:rPr lang="en-US" sz="1200" b="1" dirty="0">
-                <a:latin typeface="Consolas" panose="020B0609020204030204" pitchFamily="49" charset="0"/>
-              </a:rPr>
+              <a:rPr lang="en-US" sz="1200" dirty="0"/>
               <a:t>FROM </a:t>
             </a:r>
           </a:p>
           <a:p>
             <a:r>
-              <a:rPr lang="en-US" sz="1200" b="1" dirty="0">
-                <a:latin typeface="Consolas" panose="020B0609020204030204" pitchFamily="49" charset="0"/>
-              </a:rPr>
+              <a:rPr lang="en-US" sz="1200" dirty="0"/>
               <a:t>    Person         AS Me </a:t>
             </a:r>
           </a:p>
           <a:p>
             <a:r>
-              <a:rPr lang="en-US" sz="1200" b="1" dirty="0">
-                <a:latin typeface="Consolas" panose="020B0609020204030204" pitchFamily="49" charset="0"/>
-              </a:rPr>
+              <a:rPr lang="en-US" sz="1200" dirty="0"/>
               <a:t>INNER JOIN </a:t>
             </a:r>
           </a:p>
           <a:p>
             <a:r>
-              <a:rPr lang="en-US" sz="1200" b="1" dirty="0">
-                <a:latin typeface="Consolas" panose="020B0609020204030204" pitchFamily="49" charset="0"/>
-              </a:rPr>
+              <a:rPr lang="en-US" sz="1200" dirty="0"/>
               <a:t>      </a:t>
             </a:r>
             <a:r>
-              <a:rPr lang="en-US" sz="1200" b="1" dirty="0" err="1">
-                <a:latin typeface="Consolas" panose="020B0609020204030204" pitchFamily="49" charset="0"/>
-              </a:rPr>
+              <a:rPr lang="en-US" sz="1200" dirty="0" err="1"/>
               <a:t>PersonRelationship</a:t>
             </a:r>
             <a:r>
-              <a:rPr lang="en-US" sz="1200" b="1" dirty="0">
-                <a:latin typeface="Consolas" panose="020B0609020204030204" pitchFamily="49" charset="0"/>
-              </a:rPr>
+              <a:rPr lang="en-US" sz="1200" dirty="0"/>
               <a:t>    AS </a:t>
             </a:r>
             <a:r>
-              <a:rPr lang="en-US" sz="1200" b="1" dirty="0" err="1">
-                <a:latin typeface="Consolas" panose="020B0609020204030204" pitchFamily="49" charset="0"/>
-              </a:rPr>
+              <a:rPr lang="en-US" sz="1200" dirty="0" err="1"/>
               <a:t>MyFriends</a:t>
             </a:r>
             <a:r>
-              <a:rPr lang="en-US" sz="1200" b="1" dirty="0">
-                <a:latin typeface="Consolas" panose="020B0609020204030204" pitchFamily="49" charset="0"/>
-              </a:rPr>
+              <a:rPr lang="en-US" sz="1200" dirty="0"/>
               <a:t> </a:t>
             </a:r>
           </a:p>
           <a:p>
             <a:r>
-              <a:rPr lang="en-US" sz="1200" b="1" dirty="0">
-                <a:latin typeface="Consolas" panose="020B0609020204030204" pitchFamily="49" charset="0"/>
-              </a:rPr>
+              <a:rPr lang="en-US" sz="1200" dirty="0"/>
               <a:t>      ON </a:t>
             </a:r>
             <a:r>
-              <a:rPr lang="en-US" sz="1200" b="1" dirty="0" err="1">
-                <a:latin typeface="Consolas" panose="020B0609020204030204" pitchFamily="49" charset="0"/>
-              </a:rPr>
+              <a:rPr lang="en-US" sz="1200" dirty="0" err="1"/>
               <a:t>MyFriends.PersonId</a:t>
             </a:r>
             <a:r>
-              <a:rPr lang="en-US" sz="1200" b="1" dirty="0">
-                <a:latin typeface="Consolas" panose="020B0609020204030204" pitchFamily="49" charset="0"/>
-              </a:rPr>
+              <a:rPr lang="en-US" sz="1200" dirty="0"/>
               <a:t> = </a:t>
             </a:r>
             <a:r>
-              <a:rPr lang="en-US" sz="1200" b="1" dirty="0" err="1">
-                <a:latin typeface="Consolas" panose="020B0609020204030204" pitchFamily="49" charset="0"/>
-              </a:rPr>
+              <a:rPr lang="en-US" sz="1200" dirty="0" err="1"/>
               <a:t>Me.PersonId</a:t>
             </a:r>
             <a:r>
-              <a:rPr lang="en-US" sz="1200" b="1" dirty="0">
-                <a:latin typeface="Consolas" panose="020B0609020204030204" pitchFamily="49" charset="0"/>
-              </a:rPr>
+              <a:rPr lang="en-US" sz="1200" dirty="0"/>
               <a:t> </a:t>
             </a:r>
           </a:p>
           <a:p>
             <a:r>
-              <a:rPr lang="en-US" sz="1200" b="1" dirty="0">
-                <a:latin typeface="Consolas" panose="020B0609020204030204" pitchFamily="49" charset="0"/>
-              </a:rPr>
+              <a:rPr lang="en-US" sz="1200" dirty="0"/>
               <a:t>INNER JOIN </a:t>
             </a:r>
           </a:p>
           <a:p>
             <a:r>
-              <a:rPr lang="en-US" sz="1200" b="1" dirty="0">
-                <a:latin typeface="Consolas" panose="020B0609020204030204" pitchFamily="49" charset="0"/>
-              </a:rPr>
+              <a:rPr lang="en-US" sz="1200" dirty="0"/>
               <a:t>    </a:t>
             </a:r>
             <a:r>
-              <a:rPr lang="en-US" sz="1200" b="1" dirty="0" err="1">
-                <a:latin typeface="Consolas" panose="020B0609020204030204" pitchFamily="49" charset="0"/>
-              </a:rPr>
+              <a:rPr lang="en-US" sz="1200" dirty="0" err="1"/>
               <a:t>PersonRelationship</a:t>
             </a:r>
             <a:r>
-              <a:rPr lang="en-US" sz="1200" b="1" dirty="0">
-                <a:latin typeface="Consolas" panose="020B0609020204030204" pitchFamily="49" charset="0"/>
-              </a:rPr>
+              <a:rPr lang="en-US" sz="1200" dirty="0"/>
               <a:t>    AS </a:t>
             </a:r>
             <a:r>
-              <a:rPr lang="en-US" sz="1200" b="1" dirty="0" err="1">
-                <a:latin typeface="Consolas" panose="020B0609020204030204" pitchFamily="49" charset="0"/>
-              </a:rPr>
+              <a:rPr lang="en-US" sz="1200" dirty="0" err="1"/>
               <a:t>FriendOfFriend</a:t>
             </a:r>
             <a:r>
-              <a:rPr lang="en-US" sz="1200" b="1" dirty="0">
-                <a:latin typeface="Consolas" panose="020B0609020204030204" pitchFamily="49" charset="0"/>
-              </a:rPr>
+              <a:rPr lang="en-US" sz="1200" dirty="0"/>
               <a:t> </a:t>
             </a:r>
           </a:p>
           <a:p>
             <a:r>
-              <a:rPr lang="en-US" sz="1200" b="1" dirty="0">
-                <a:latin typeface="Consolas" panose="020B0609020204030204" pitchFamily="49" charset="0"/>
-              </a:rPr>
+              <a:rPr lang="en-US" sz="1200" dirty="0"/>
               <a:t>    ON </a:t>
             </a:r>
             <a:r>
-              <a:rPr lang="en-US" sz="1200" b="1" dirty="0" err="1">
-                <a:latin typeface="Consolas" panose="020B0609020204030204" pitchFamily="49" charset="0"/>
-              </a:rPr>
+              <a:rPr lang="en-US" sz="1200" dirty="0" err="1"/>
               <a:t>MyFriends.RelatedPersonId</a:t>
             </a:r>
             <a:r>
-              <a:rPr lang="en-US" sz="1200" b="1" dirty="0">
-                <a:latin typeface="Consolas" panose="020B0609020204030204" pitchFamily="49" charset="0"/>
-              </a:rPr>
+              <a:rPr lang="en-US" sz="1200" dirty="0"/>
               <a:t> = </a:t>
             </a:r>
             <a:r>
-              <a:rPr lang="en-US" sz="1200" b="1" dirty="0" err="1">
-                <a:latin typeface="Consolas" panose="020B0609020204030204" pitchFamily="49" charset="0"/>
-              </a:rPr>
+              <a:rPr lang="en-US" sz="1200" dirty="0" err="1"/>
               <a:t>FriendOfFriend.PersonId</a:t>
             </a:r>
             <a:r>
-              <a:rPr lang="en-US" sz="1200" b="1" dirty="0">
-                <a:latin typeface="Consolas" panose="020B0609020204030204" pitchFamily="49" charset="0"/>
-              </a:rPr>
+              <a:rPr lang="en-US" sz="1200" dirty="0"/>
               <a:t> </a:t>
             </a:r>
           </a:p>
           <a:p>
             <a:r>
-              <a:rPr lang="en-US" sz="1200" b="1" dirty="0">
-                <a:latin typeface="Consolas" panose="020B0609020204030204" pitchFamily="49" charset="0"/>
-              </a:rPr>
+              <a:rPr lang="en-US" sz="1200" dirty="0"/>
               <a:t>INNER JOIN</a:t>
             </a:r>
           </a:p>
           <a:p>
             <a:r>
-              <a:rPr lang="en-US" sz="1200" b="1" dirty="0">
-                <a:latin typeface="Consolas" panose="020B0609020204030204" pitchFamily="49" charset="0"/>
-              </a:rPr>
+              <a:rPr lang="en-US" sz="1200" dirty="0"/>
+              <a:t>    Person AS </a:t>
+            </a:r>
+            <a:r>
+              <a:rPr lang="en-US" sz="1200" dirty="0" err="1"/>
+              <a:t>FriendOfAFriend</a:t>
+            </a:r>
+            <a:endParaRPr lang="en-US" sz="1200" dirty="0"/>
+          </a:p>
+          <a:p>
+            <a:r>
+              <a:rPr lang="en-US" sz="1200" dirty="0"/>
+              <a:t>    ON </a:t>
+            </a:r>
+            <a:r>
+              <a:rPr lang="en-US" sz="1200" dirty="0" err="1"/>
+              <a:t>FriendOfFriend.RelatedPersonId</a:t>
+            </a:r>
+            <a:r>
+              <a:rPr lang="en-US" sz="1200" dirty="0"/>
+              <a:t> = </a:t>
+            </a:r>
+            <a:r>
+              <a:rPr lang="en-US" sz="1200" dirty="0" err="1"/>
+              <a:t>FriendOfAFriend.PersonId</a:t>
+            </a:r>
+            <a:endParaRPr lang="en-US" sz="1200" dirty="0"/>
+          </a:p>
+          <a:p>
+            <a:r>
+              <a:rPr lang="en-US" sz="1200" dirty="0"/>
+              <a:t>LEFT JOIN </a:t>
+            </a:r>
+          </a:p>
+          <a:p>
+            <a:r>
+              <a:rPr lang="en-US" sz="1200" dirty="0"/>
+              <a:t>      </a:t>
+            </a:r>
+            <a:r>
+              <a:rPr lang="en-US" sz="1200" dirty="0" err="1"/>
+              <a:t>PersonRelationship</a:t>
+            </a:r>
+            <a:r>
+              <a:rPr lang="en-US" sz="1200" dirty="0"/>
+              <a:t>    AS </a:t>
+            </a:r>
+            <a:r>
+              <a:rPr lang="en-US" sz="1200" dirty="0" err="1"/>
+              <a:t>FriendsWithMe</a:t>
+            </a:r>
+            <a:r>
+              <a:rPr lang="en-US" sz="1200" dirty="0"/>
               <a:t> </a:t>
             </a:r>
-            <a:r>
-              <a:rPr lang="en-US" sz="1200" b="1" dirty="0" err="1">
-                <a:latin typeface="Consolas" panose="020B0609020204030204" pitchFamily="49" charset="0"/>
-              </a:rPr>
-              <a:t>PersonAS</a:t>
-            </a:r>
-            <a:r>
-              <a:rPr lang="en-US" sz="1200" b="1" dirty="0">
-                <a:latin typeface="Consolas" panose="020B0609020204030204" pitchFamily="49" charset="0"/>
-              </a:rPr>
+          </a:p>
+          <a:p>
+            <a:r>
+              <a:rPr lang="en-US" sz="1200" dirty="0"/>
+              <a:t>      ON  </a:t>
+            </a:r>
+            <a:r>
+              <a:rPr lang="en-US" sz="1200" dirty="0" err="1"/>
+              <a:t>Me.PersonId</a:t>
+            </a:r>
+            <a:r>
+              <a:rPr lang="en-US" sz="1200" dirty="0"/>
+              <a:t> = </a:t>
+            </a:r>
+            <a:r>
+              <a:rPr lang="en-US" sz="1200" dirty="0" err="1"/>
+              <a:t>FriendsWithMe.PersonId</a:t>
+            </a:r>
+            <a:r>
+              <a:rPr lang="en-US" sz="1200" dirty="0"/>
               <a:t> </a:t>
             </a:r>
-            <a:r>
-              <a:rPr lang="en-US" sz="1200" b="1" dirty="0" err="1">
-                <a:latin typeface="Consolas" panose="020B0609020204030204" pitchFamily="49" charset="0"/>
-              </a:rPr>
-              <a:t>FriendOfAFriend</a:t>
-            </a:r>
+          </a:p>
+          <a:p>
+            <a:r>
+              <a:rPr lang="en-US" sz="1200" dirty="0"/>
+              <a:t>      AND </a:t>
+            </a:r>
+            <a:r>
+              <a:rPr lang="en-US" sz="1200" dirty="0" err="1"/>
+              <a:t>FriendOfFriend.RelatedPersonId</a:t>
+            </a:r>
+            <a:r>
+              <a:rPr lang="en-US" sz="1200" dirty="0"/>
+              <a:t> = </a:t>
+            </a:r>
+            <a:r>
+              <a:rPr lang="en-US" sz="1200" dirty="0" err="1"/>
+              <a:t>FriendsWithMe.RelatedPersonId</a:t>
+            </a:r>
+            <a:endParaRPr lang="en-US" sz="1200" dirty="0"/>
+          </a:p>
+          <a:p>
+            <a:r>
+              <a:rPr lang="en-US" sz="1200" dirty="0"/>
+              <a:t>INNER JOIN</a:t>
+            </a:r>
+          </a:p>
+          <a:p>
+            <a:r>
+              <a:rPr lang="en-US" sz="1200" dirty="0"/>
+              <a:t>   </a:t>
+            </a:r>
+            <a:r>
+              <a:rPr lang="en-US" sz="1200" dirty="0" err="1"/>
+              <a:t>PersonDisease</a:t>
+            </a:r>
+            <a:endParaRPr lang="en-US" sz="1200" dirty="0"/>
+          </a:p>
+          <a:p>
+            <a:r>
+              <a:rPr lang="en-US" sz="1200" dirty="0"/>
+              <a:t>   ON </a:t>
+            </a:r>
+            <a:r>
+              <a:rPr lang="en-US" sz="1200" dirty="0" err="1"/>
+              <a:t>PersonDisease.PersonId</a:t>
+            </a:r>
+            <a:r>
+              <a:rPr lang="en-US" sz="1200" dirty="0"/>
+              <a:t> = </a:t>
+            </a:r>
+            <a:r>
+              <a:rPr lang="en-US" sz="1200" dirty="0" err="1"/>
+              <a:t>FriendOfAFriend.PersonId</a:t>
+            </a:r>
+            <a:endParaRPr lang="en-US" sz="1200" dirty="0"/>
+          </a:p>
+          <a:p>
+            <a:r>
+              <a:rPr lang="en-US" sz="1200" dirty="0"/>
+              <a:t>WHERE </a:t>
+            </a:r>
+          </a:p>
+          <a:p>
+            <a:r>
+              <a:rPr lang="en-US" sz="1200" dirty="0"/>
+              <a:t>    </a:t>
+            </a:r>
+            <a:r>
+              <a:rPr lang="en-US" sz="1200" dirty="0" err="1"/>
+              <a:t>FriendsWithMe.PersonId</a:t>
+            </a:r>
+            <a:r>
+              <a:rPr lang="en-US" sz="1200" dirty="0"/>
+              <a:t> IS NULL </a:t>
+            </a:r>
+          </a:p>
+          <a:p>
+            <a:r>
+              <a:rPr lang="en-US" sz="1200" dirty="0"/>
+              <a:t>AND </a:t>
+            </a:r>
+            <a:r>
+              <a:rPr lang="en-US" sz="1200" dirty="0" err="1"/>
+              <a:t>Me.PersonId</a:t>
+            </a:r>
+            <a:r>
+              <a:rPr lang="en-US" sz="1200" dirty="0"/>
+              <a:t> &lt;&gt; </a:t>
+            </a:r>
+            <a:r>
+              <a:rPr lang="en-US" sz="1200" dirty="0" err="1"/>
+              <a:t>FriendOfFriend.RelatedPersonId</a:t>
+            </a:r>
+            <a:r>
+              <a:rPr lang="en-US" sz="1200" dirty="0"/>
+              <a:t>   </a:t>
+            </a:r>
+          </a:p>
+          <a:p>
+            <a:r>
+              <a:rPr lang="en-US" sz="1200" dirty="0"/>
+              <a:t>AND </a:t>
+            </a:r>
+            <a:r>
+              <a:rPr lang="en-US" sz="1200" dirty="0" err="1"/>
+              <a:t>Me.Name</a:t>
+            </a:r>
+            <a:r>
+              <a:rPr lang="en-US" sz="1200" dirty="0"/>
+              <a:t> = 'Bill'</a:t>
+            </a:r>
+          </a:p>
+          <a:p>
+            <a:r>
+              <a:rPr lang="en-US" sz="1200" dirty="0"/>
+              <a:t>AND </a:t>
+            </a:r>
+            <a:r>
+              <a:rPr lang="en-US" sz="1200" dirty="0" err="1"/>
+              <a:t>PersonDisease.DiseaseId</a:t>
+            </a:r>
+            <a:r>
+              <a:rPr lang="en-US" sz="1200" dirty="0"/>
+              <a:t> = 1</a:t>
+            </a:r>
+          </a:p>
+          <a:p>
             <a:endParaRPr lang="en-US" sz="1200" b="1" dirty="0">
               <a:latin typeface="Consolas" panose="020B0609020204030204" pitchFamily="49" charset="0"/>
             </a:endParaRPr>
-          </a:p>
-          <a:p>
-            <a:r>
-              <a:rPr lang="en-US" sz="1200" b="1" dirty="0">
-                <a:latin typeface="Consolas" panose="020B0609020204030204" pitchFamily="49" charset="0"/>
-              </a:rPr>
-              <a:t> ON </a:t>
-            </a:r>
-            <a:r>
-              <a:rPr lang="en-US" sz="1200" b="1" dirty="0" err="1">
-                <a:latin typeface="Consolas" panose="020B0609020204030204" pitchFamily="49" charset="0"/>
-              </a:rPr>
-              <a:t>FriendOfFriend.RelatedPersonId</a:t>
-            </a:r>
-            <a:r>
-              <a:rPr lang="en-US" sz="1200" b="1" dirty="0">
-                <a:latin typeface="Consolas" panose="020B0609020204030204" pitchFamily="49" charset="0"/>
-              </a:rPr>
-              <a:t> = </a:t>
-            </a:r>
-            <a:r>
-              <a:rPr lang="en-US" sz="1200" b="1" dirty="0" err="1">
-                <a:latin typeface="Consolas" panose="020B0609020204030204" pitchFamily="49" charset="0"/>
-              </a:rPr>
-              <a:t>FriendOfAFriend.PersonId</a:t>
-            </a:r>
-            <a:endParaRPr lang="en-US" sz="1200" b="1" dirty="0">
-              <a:latin typeface="Consolas" panose="020B0609020204030204" pitchFamily="49" charset="0"/>
-            </a:endParaRPr>
-          </a:p>
-          <a:p>
-            <a:r>
-              <a:rPr lang="en-US" sz="1200" b="1" dirty="0">
-                <a:latin typeface="Consolas" panose="020B0609020204030204" pitchFamily="49" charset="0"/>
-              </a:rPr>
-              <a:t>LEFT JOIN </a:t>
-            </a:r>
-          </a:p>
-          <a:p>
-            <a:r>
-              <a:rPr lang="en-US" sz="1200" b="1" dirty="0">
-                <a:latin typeface="Consolas" panose="020B0609020204030204" pitchFamily="49" charset="0"/>
-              </a:rPr>
-              <a:t>      </a:t>
-            </a:r>
-            <a:r>
-              <a:rPr lang="en-US" sz="1200" b="1" dirty="0" err="1">
-                <a:latin typeface="Consolas" panose="020B0609020204030204" pitchFamily="49" charset="0"/>
-              </a:rPr>
-              <a:t>PersonRelationship</a:t>
-            </a:r>
-            <a:r>
-              <a:rPr lang="en-US" sz="1200" b="1" dirty="0">
-                <a:latin typeface="Consolas" panose="020B0609020204030204" pitchFamily="49" charset="0"/>
-              </a:rPr>
-              <a:t>    AS </a:t>
-            </a:r>
-            <a:r>
-              <a:rPr lang="en-US" sz="1200" b="1" dirty="0" err="1">
-                <a:latin typeface="Consolas" panose="020B0609020204030204" pitchFamily="49" charset="0"/>
-              </a:rPr>
-              <a:t>FriendsWithMe</a:t>
-            </a:r>
-            <a:r>
-              <a:rPr lang="en-US" sz="1200" b="1" dirty="0">
-                <a:latin typeface="Consolas" panose="020B0609020204030204" pitchFamily="49" charset="0"/>
-              </a:rPr>
-              <a:t> </a:t>
-            </a:r>
-          </a:p>
-          <a:p>
-            <a:r>
-              <a:rPr lang="en-US" sz="1200" b="1" dirty="0">
-                <a:latin typeface="Consolas" panose="020B0609020204030204" pitchFamily="49" charset="0"/>
-              </a:rPr>
-              <a:t>      ON  </a:t>
-            </a:r>
-            <a:r>
-              <a:rPr lang="en-US" sz="1200" b="1" dirty="0" err="1">
-                <a:latin typeface="Consolas" panose="020B0609020204030204" pitchFamily="49" charset="0"/>
-              </a:rPr>
-              <a:t>Me.PersonId</a:t>
-            </a:r>
-            <a:r>
-              <a:rPr lang="en-US" sz="1200" b="1" dirty="0">
-                <a:latin typeface="Consolas" panose="020B0609020204030204" pitchFamily="49" charset="0"/>
-              </a:rPr>
-              <a:t> = </a:t>
-            </a:r>
-            <a:r>
-              <a:rPr lang="en-US" sz="1200" b="1" dirty="0" err="1">
-                <a:latin typeface="Consolas" panose="020B0609020204030204" pitchFamily="49" charset="0"/>
-              </a:rPr>
-              <a:t>FriendsWithMe.PersonId</a:t>
-            </a:r>
-            <a:r>
-              <a:rPr lang="en-US" sz="1200" b="1" dirty="0">
-                <a:latin typeface="Consolas" panose="020B0609020204030204" pitchFamily="49" charset="0"/>
-              </a:rPr>
-              <a:t> </a:t>
-            </a:r>
-          </a:p>
-          <a:p>
-            <a:r>
-              <a:rPr lang="en-US" sz="1200" b="1" dirty="0">
-                <a:latin typeface="Consolas" panose="020B0609020204030204" pitchFamily="49" charset="0"/>
-              </a:rPr>
-              <a:t>      AND </a:t>
-            </a:r>
-            <a:r>
-              <a:rPr lang="en-US" sz="1200" b="1" dirty="0" err="1">
-                <a:latin typeface="Consolas" panose="020B0609020204030204" pitchFamily="49" charset="0"/>
-              </a:rPr>
-              <a:t>FriendOfFriend.RelatedPersonId</a:t>
-            </a:r>
-            <a:r>
-              <a:rPr lang="en-US" sz="1200" b="1" dirty="0">
-                <a:latin typeface="Consolas" panose="020B0609020204030204" pitchFamily="49" charset="0"/>
-              </a:rPr>
-              <a:t> = </a:t>
-            </a:r>
-            <a:r>
-              <a:rPr lang="en-US" sz="1200" b="1" dirty="0" err="1">
-                <a:latin typeface="Consolas" panose="020B0609020204030204" pitchFamily="49" charset="0"/>
-              </a:rPr>
-              <a:t>FriendsWithMe.RelatedPersonId</a:t>
-            </a:r>
-            <a:endParaRPr lang="en-US" sz="1200" b="1" dirty="0">
-              <a:latin typeface="Consolas" panose="020B0609020204030204" pitchFamily="49" charset="0"/>
-            </a:endParaRPr>
-          </a:p>
-          <a:p>
-            <a:r>
-              <a:rPr lang="en-US" sz="1200" b="1" dirty="0">
-                <a:latin typeface="Consolas" panose="020B0609020204030204" pitchFamily="49" charset="0"/>
-              </a:rPr>
-              <a:t>INNER JOIN</a:t>
-            </a:r>
-          </a:p>
-          <a:p>
-            <a:r>
-              <a:rPr lang="en-US" sz="1200" b="1" dirty="0">
-                <a:latin typeface="Consolas" panose="020B0609020204030204" pitchFamily="49" charset="0"/>
-              </a:rPr>
-              <a:t>   </a:t>
-            </a:r>
-            <a:r>
-              <a:rPr lang="en-US" sz="1200" b="1" dirty="0" err="1">
-                <a:latin typeface="Consolas" panose="020B0609020204030204" pitchFamily="49" charset="0"/>
-              </a:rPr>
-              <a:t>PersonDisease</a:t>
-            </a:r>
-            <a:endParaRPr lang="en-US" sz="1200" b="1" dirty="0">
-              <a:latin typeface="Consolas" panose="020B0609020204030204" pitchFamily="49" charset="0"/>
-            </a:endParaRPr>
-          </a:p>
-          <a:p>
-            <a:r>
-              <a:rPr lang="en-US" sz="1200" b="1" dirty="0">
-                <a:latin typeface="Consolas" panose="020B0609020204030204" pitchFamily="49" charset="0"/>
-              </a:rPr>
-              <a:t>   ON </a:t>
-            </a:r>
-            <a:r>
-              <a:rPr lang="en-US" sz="1200" b="1" dirty="0" err="1">
-                <a:latin typeface="Consolas" panose="020B0609020204030204" pitchFamily="49" charset="0"/>
-              </a:rPr>
-              <a:t>PersonDisease.PersonId</a:t>
-            </a:r>
-            <a:r>
-              <a:rPr lang="en-US" sz="1200" b="1" dirty="0">
-                <a:latin typeface="Consolas" panose="020B0609020204030204" pitchFamily="49" charset="0"/>
-              </a:rPr>
-              <a:t> = </a:t>
-            </a:r>
-            <a:r>
-              <a:rPr lang="en-US" sz="1200" b="1" dirty="0" err="1">
-                <a:latin typeface="Consolas" panose="020B0609020204030204" pitchFamily="49" charset="0"/>
-              </a:rPr>
-              <a:t>FriendOfAFriend.PersonId</a:t>
-            </a:r>
-            <a:endParaRPr lang="en-US" sz="1200" b="1" dirty="0">
-              <a:latin typeface="Consolas" panose="020B0609020204030204" pitchFamily="49" charset="0"/>
-            </a:endParaRPr>
-          </a:p>
-          <a:p>
-            <a:r>
-              <a:rPr lang="en-US" sz="1200" b="1" dirty="0">
-                <a:latin typeface="Consolas" panose="020B0609020204030204" pitchFamily="49" charset="0"/>
-              </a:rPr>
-              <a:t>WHERE </a:t>
-            </a:r>
-          </a:p>
-          <a:p>
-            <a:r>
-              <a:rPr lang="en-US" sz="1200" b="1" dirty="0">
-                <a:latin typeface="Consolas" panose="020B0609020204030204" pitchFamily="49" charset="0"/>
-              </a:rPr>
-              <a:t>    </a:t>
-            </a:r>
-            <a:r>
-              <a:rPr lang="en-US" sz="1200" b="1" dirty="0" err="1">
-                <a:latin typeface="Consolas" panose="020B0609020204030204" pitchFamily="49" charset="0"/>
-              </a:rPr>
-              <a:t>FriendsWithMe.PersonId</a:t>
-            </a:r>
-            <a:r>
-              <a:rPr lang="en-US" sz="1200" b="1" dirty="0">
-                <a:latin typeface="Consolas" panose="020B0609020204030204" pitchFamily="49" charset="0"/>
-              </a:rPr>
-              <a:t> IS NULL </a:t>
-            </a:r>
-          </a:p>
-          <a:p>
-            <a:r>
-              <a:rPr lang="en-US" sz="1200" b="1" dirty="0">
-                <a:latin typeface="Consolas" panose="020B0609020204030204" pitchFamily="49" charset="0"/>
-              </a:rPr>
-              <a:t>AND </a:t>
-            </a:r>
-            <a:r>
-              <a:rPr lang="en-US" sz="1200" b="1" dirty="0" err="1">
-                <a:latin typeface="Consolas" panose="020B0609020204030204" pitchFamily="49" charset="0"/>
-              </a:rPr>
-              <a:t>Me.PersonId</a:t>
-            </a:r>
-            <a:r>
-              <a:rPr lang="en-US" sz="1200" b="1" dirty="0">
-                <a:latin typeface="Consolas" panose="020B0609020204030204" pitchFamily="49" charset="0"/>
-              </a:rPr>
-              <a:t> &lt;&gt; </a:t>
-            </a:r>
-            <a:r>
-              <a:rPr lang="en-US" sz="1200" b="1" dirty="0" err="1">
-                <a:latin typeface="Consolas" panose="020B0609020204030204" pitchFamily="49" charset="0"/>
-              </a:rPr>
-              <a:t>FriendOfFriend.RelatedPersonId</a:t>
-            </a:r>
-            <a:r>
-              <a:rPr lang="en-US" sz="1200" b="1" dirty="0">
-                <a:latin typeface="Consolas" panose="020B0609020204030204" pitchFamily="49" charset="0"/>
-              </a:rPr>
-              <a:t>   </a:t>
-            </a:r>
-          </a:p>
-          <a:p>
-            <a:r>
-              <a:rPr lang="en-US" sz="1200" b="1" dirty="0">
-                <a:latin typeface="Consolas" panose="020B0609020204030204" pitchFamily="49" charset="0"/>
-              </a:rPr>
-              <a:t>AND </a:t>
-            </a:r>
-            <a:r>
-              <a:rPr lang="en-US" sz="1200" b="1" dirty="0" err="1">
-                <a:latin typeface="Consolas" panose="020B0609020204030204" pitchFamily="49" charset="0"/>
-              </a:rPr>
-              <a:t>Me.Name</a:t>
-            </a:r>
-            <a:r>
-              <a:rPr lang="en-US" sz="1200" b="1" dirty="0">
-                <a:latin typeface="Consolas" panose="020B0609020204030204" pitchFamily="49" charset="0"/>
-              </a:rPr>
-              <a:t> = ‘Bill'</a:t>
-            </a:r>
-          </a:p>
-          <a:p>
-            <a:r>
-              <a:rPr lang="en-US" sz="1200" b="1" dirty="0">
-                <a:latin typeface="Consolas" panose="020B0609020204030204" pitchFamily="49" charset="0"/>
-              </a:rPr>
-              <a:t>AND </a:t>
-            </a:r>
-            <a:r>
-              <a:rPr lang="en-US" sz="1200" b="1" dirty="0" err="1">
-                <a:latin typeface="Consolas" panose="020B0609020204030204" pitchFamily="49" charset="0"/>
-              </a:rPr>
-              <a:t>PersonDisease.DiseaseId</a:t>
-            </a:r>
-            <a:r>
-              <a:rPr lang="en-US" sz="1200" b="1" dirty="0">
-                <a:latin typeface="Consolas" panose="020B0609020204030204" pitchFamily="49" charset="0"/>
-              </a:rPr>
-              <a:t> = 1</a:t>
-            </a:r>
           </a:p>
         </p:txBody>
       </p:sp>
@@ -35466,7 +35017,12 @@
             <p:ph type="title"/>
           </p:nvPr>
         </p:nvSpPr>
-        <p:spPr/>
+        <p:spPr>
+          <a:xfrm>
+            <a:off x="845997" y="288332"/>
+            <a:ext cx="11064953" cy="1499616"/>
+          </a:xfrm>
+        </p:spPr>
         <p:txBody>
           <a:bodyPr/>
           <a:lstStyle/>
@@ -35486,7 +35042,7 @@
         </p:nvSpPr>
         <p:spPr>
           <a:xfrm>
-            <a:off x="1206321" y="2093976"/>
+            <a:off x="1099444" y="1787948"/>
             <a:ext cx="8246772" cy="1200329"/>
           </a:xfrm>
           <a:prstGeom prst="rect">
@@ -36580,273 +36136,213 @@
       </p:grpSpPr>
       <p:sp>
         <p:nvSpPr>
-          <p:cNvPr id="7" name="Rectangle 6"/>
-          <p:cNvSpPr>
-            <a:spLocks noGrp="1" noRot="1" noChangeAspect="1" noMove="1" noResize="1" noEditPoints="1" noAdjustHandles="1" noChangeArrowheads="1" noChangeShapeType="1" noTextEdit="1"/>
-          </p:cNvSpPr>
-          <p:nvPr>
-            <p:extLst>
-              <p:ext uri="{386F3935-93C4-4BCD-93E2-E3B085C9AB24}">
-                <p16:designElem xmlns:p16="http://schemas.microsoft.com/office/powerpoint/2015/main" val="1"/>
-              </p:ext>
-            </p:extLst>
-          </p:nvPr>
-        </p:nvSpPr>
-        <p:spPr>
-          <a:xfrm flipH="1">
-            <a:off x="0" y="0"/>
-            <a:ext cx="12188726" cy="6858975"/>
-          </a:xfrm>
-          <a:prstGeom prst="rect">
-            <a:avLst/>
-          </a:prstGeom>
-          <a:solidFill>
-            <a:schemeClr val="bg1"/>
-          </a:solidFill>
-          <a:ln>
-            <a:noFill/>
-          </a:ln>
-        </p:spPr>
-        <p:style>
-          <a:lnRef idx="2">
-            <a:schemeClr val="accent1">
-              <a:shade val="50000"/>
-            </a:schemeClr>
-          </a:lnRef>
-          <a:fillRef idx="1">
-            <a:schemeClr val="accent1"/>
-          </a:fillRef>
-          <a:effectRef idx="0">
-            <a:schemeClr val="accent1"/>
-          </a:effectRef>
-          <a:fontRef idx="minor">
-            <a:schemeClr val="lt1"/>
-          </a:fontRef>
-        </p:style>
-        <p:txBody>
-          <a:bodyPr rtlCol="0" anchor="ctr"/>
-          <a:lstStyle/>
-          <a:p>
-            <a:pPr algn="ctr"/>
-            <a:endParaRPr lang="en-US"/>
-          </a:p>
-        </p:txBody>
-      </p:sp>
-      <p:sp>
-        <p:nvSpPr>
-          <p:cNvPr id="9" name="Rectangle 8"/>
-          <p:cNvSpPr>
-            <a:spLocks noGrp="1" noRot="1" noChangeAspect="1" noMove="1" noResize="1" noEditPoints="1" noAdjustHandles="1" noChangeArrowheads="1" noChangeShapeType="1" noTextEdit="1"/>
-          </p:cNvSpPr>
-          <p:nvPr>
-            <p:extLst>
-              <p:ext uri="{386F3935-93C4-4BCD-93E2-E3B085C9AB24}">
-                <p16:designElem xmlns:p16="http://schemas.microsoft.com/office/powerpoint/2015/main" val="1"/>
-              </p:ext>
-            </p:extLst>
-          </p:nvPr>
-        </p:nvSpPr>
-        <p:spPr>
-          <a:xfrm>
-            <a:off x="5109343" y="620720"/>
-            <a:ext cx="6442480" cy="5593163"/>
-          </a:xfrm>
-          <a:prstGeom prst="rect">
-            <a:avLst/>
-          </a:prstGeom>
-          <a:solidFill>
-            <a:schemeClr val="tx1">
-              <a:lumMod val="75000"/>
-              <a:lumOff val="25000"/>
-            </a:schemeClr>
-          </a:solidFill>
-          <a:ln>
-            <a:noFill/>
-          </a:ln>
-        </p:spPr>
-        <p:style>
-          <a:lnRef idx="2">
-            <a:schemeClr val="accent1">
-              <a:shade val="50000"/>
-            </a:schemeClr>
-          </a:lnRef>
-          <a:fillRef idx="1">
-            <a:schemeClr val="accent1"/>
-          </a:fillRef>
-          <a:effectRef idx="0">
-            <a:schemeClr val="accent1"/>
-          </a:effectRef>
-          <a:fontRef idx="minor">
-            <a:schemeClr val="lt1"/>
-          </a:fontRef>
-        </p:style>
-        <p:txBody>
-          <a:bodyPr rtlCol="0" anchor="ctr"/>
-          <a:lstStyle/>
-          <a:p>
-            <a:pPr algn="ctr"/>
-            <a:endParaRPr lang="en-US"/>
-          </a:p>
-        </p:txBody>
-      </p:sp>
-      <p:cxnSp>
-        <p:nvCxnSpPr>
-          <p:cNvPr id="11" name="Straight Connector 10"/>
-          <p:cNvCxnSpPr>
-            <a:cxnSpLocks noGrp="1" noRot="1" noChangeAspect="1" noMove="1" noResize="1" noEditPoints="1" noAdjustHandles="1" noChangeArrowheads="1" noChangeShapeType="1"/>
-          </p:cNvCxnSpPr>
-          <p:nvPr>
-            <p:extLst>
-              <p:ext uri="{386F3935-93C4-4BCD-93E2-E3B085C9AB24}">
-                <p16:designElem xmlns:p16="http://schemas.microsoft.com/office/powerpoint/2015/main" val="1"/>
-              </p:ext>
-            </p:extLst>
-          </p:nvPr>
-        </p:nvCxnSpPr>
-        <p:spPr>
-          <a:xfrm>
-            <a:off x="5609960" y="4214336"/>
-            <a:ext cx="5120640" cy="0"/>
-          </a:xfrm>
-          <a:prstGeom prst="line">
-            <a:avLst/>
-          </a:prstGeom>
-          <a:ln w="19050">
-            <a:solidFill>
-              <a:schemeClr val="bg1"/>
-            </a:solidFill>
-          </a:ln>
-        </p:spPr>
-        <p:style>
-          <a:lnRef idx="1">
-            <a:schemeClr val="accent1"/>
-          </a:lnRef>
-          <a:fillRef idx="0">
-            <a:schemeClr val="accent1"/>
-          </a:fillRef>
-          <a:effectRef idx="0">
-            <a:schemeClr val="accent1"/>
-          </a:effectRef>
-          <a:fontRef idx="minor">
-            <a:schemeClr val="tx1"/>
-          </a:fontRef>
-        </p:style>
-      </p:cxnSp>
-      <p:sp>
-        <p:nvSpPr>
-          <p:cNvPr id="13" name="Rectangle 12"/>
-          <p:cNvSpPr>
-            <a:spLocks noGrp="1" noRot="1" noChangeAspect="1" noMove="1" noResize="1" noEditPoints="1" noAdjustHandles="1" noChangeArrowheads="1" noChangeShapeType="1" noTextEdit="1"/>
-          </p:cNvSpPr>
-          <p:nvPr>
-            <p:extLst>
-              <p:ext uri="{386F3935-93C4-4BCD-93E2-E3B085C9AB24}">
-                <p16:designElem xmlns:p16="http://schemas.microsoft.com/office/powerpoint/2015/main" val="1"/>
-              </p:ext>
-            </p:extLst>
-          </p:nvPr>
-        </p:nvSpPr>
-        <p:spPr>
-          <a:xfrm>
-            <a:off x="643467" y="621695"/>
-            <a:ext cx="4305009" cy="5592188"/>
-          </a:xfrm>
-          <a:prstGeom prst="rect">
-            <a:avLst/>
-          </a:prstGeom>
-          <a:blipFill dpi="0" rotWithShape="1">
-            <a:blip r:embed="rId3">
-              <a:duotone>
-                <a:schemeClr val="accent1">
-                  <a:shade val="45000"/>
-                  <a:satMod val="135000"/>
-                </a:schemeClr>
-                <a:prstClr val="white"/>
-              </a:duotone>
-            </a:blip>
-            <a:srcRect/>
-            <a:tile tx="-444500" ty="-127000" sx="50000" sy="50000" flip="xy" algn="tl"/>
-          </a:blipFill>
-          <a:ln>
-            <a:noFill/>
-          </a:ln>
-        </p:spPr>
-        <p:style>
-          <a:lnRef idx="2">
-            <a:schemeClr val="accent1">
-              <a:shade val="50000"/>
-            </a:schemeClr>
-          </a:lnRef>
-          <a:fillRef idx="1">
-            <a:schemeClr val="accent1"/>
-          </a:fillRef>
-          <a:effectRef idx="0">
-            <a:schemeClr val="accent1"/>
-          </a:effectRef>
-          <a:fontRef idx="minor">
-            <a:schemeClr val="lt1"/>
-          </a:fontRef>
-        </p:style>
-        <p:txBody>
-          <a:bodyPr rtlCol="0" anchor="ctr"/>
-          <a:lstStyle/>
-          <a:p>
-            <a:pPr lvl="0" algn="ctr"/>
-            <a:endParaRPr lang="en-US" dirty="0">
-              <a:solidFill>
-                <a:prstClr val="white"/>
-              </a:solidFill>
-            </a:endParaRPr>
-          </a:p>
-        </p:txBody>
-      </p:sp>
-      <p:sp>
-        <p:nvSpPr>
           <p:cNvPr id="2" name="Title 1"/>
           <p:cNvSpPr>
             <a:spLocks noGrp="1"/>
           </p:cNvSpPr>
           <p:nvPr>
-            <p:ph type="ctrTitle"/>
+            <p:ph type="title"/>
           </p:nvPr>
         </p:nvSpPr>
-        <p:spPr>
-          <a:xfrm>
-            <a:off x="5590120" y="1105351"/>
-            <a:ext cx="5477071" cy="3023981"/>
-          </a:xfrm>
-        </p:spPr>
+        <p:spPr/>
         <p:txBody>
-          <a:bodyPr anchor="b">
-            <a:normAutofit/>
-          </a:bodyPr>
+          <a:bodyPr/>
           <a:lstStyle/>
           <a:p>
-            <a:pPr algn="l"/>
-            <a:r>
-              <a:rPr lang="en-US" sz="4400">
+            <a:r>
+              <a:rPr lang="en-US" dirty="0"/>
+              <a:t>agenda</a:t>
+            </a:r>
+          </a:p>
+        </p:txBody>
+      </p:sp>
+      <p:sp>
+        <p:nvSpPr>
+          <p:cNvPr id="3" name="Content Placeholder 2"/>
+          <p:cNvSpPr>
+            <a:spLocks noGrp="1"/>
+          </p:cNvSpPr>
+          <p:nvPr>
+            <p:ph idx="1"/>
+          </p:nvPr>
+        </p:nvSpPr>
+        <p:spPr/>
+        <p:txBody>
+          <a:bodyPr/>
+          <a:lstStyle/>
+          <a:p>
+            <a:pPr marL="342900" indent="-342900">
+              <a:buFont typeface="+mj-lt"/>
+              <a:buAutoNum type="arabicPeriod"/>
+            </a:pPr>
+            <a:r>
+              <a:rPr lang="en-US" dirty="0">
                 <a:solidFill>
-                  <a:schemeClr val="bg1"/>
+                  <a:schemeClr val="accent1">
+                    <a:lumMod val="75000"/>
+                  </a:schemeClr>
                 </a:solidFill>
               </a:rPr>
-              <a:t>What’s a GraphDB Anyway?</a:t>
-            </a:r>
+              <a:t>What’s a graph DB anyway?</a:t>
+            </a:r>
+          </a:p>
+          <a:p>
+            <a:pPr marL="342900" indent="-342900">
+              <a:buFont typeface="+mj-lt"/>
+              <a:buAutoNum type="arabicPeriod"/>
+            </a:pPr>
+            <a:r>
+              <a:rPr lang="en-US" dirty="0">
+                <a:solidFill>
+                  <a:schemeClr val="accent1">
+                    <a:lumMod val="75000"/>
+                  </a:schemeClr>
+                </a:solidFill>
+              </a:rPr>
+              <a:t>Core Concepts</a:t>
+            </a:r>
+          </a:p>
+          <a:p>
+            <a:pPr marL="342900" indent="-342900">
+              <a:buFont typeface="+mj-lt"/>
+              <a:buAutoNum type="arabicPeriod"/>
+            </a:pPr>
+            <a:r>
+              <a:rPr lang="en-US" dirty="0">
+                <a:solidFill>
+                  <a:schemeClr val="accent1">
+                    <a:lumMod val="75000"/>
+                  </a:schemeClr>
+                </a:solidFill>
+              </a:rPr>
+              <a:t>DBs with Benefits…</a:t>
+            </a:r>
+          </a:p>
+          <a:p>
+            <a:pPr marL="342900" indent="-342900">
+              <a:buFont typeface="+mj-lt"/>
+              <a:buAutoNum type="arabicPeriod"/>
+            </a:pPr>
+            <a:r>
+              <a:rPr lang="en-US" dirty="0">
+                <a:solidFill>
+                  <a:schemeClr val="accent1">
+                    <a:lumMod val="75000"/>
+                  </a:schemeClr>
+                </a:solidFill>
+              </a:rPr>
+              <a:t>Popular </a:t>
+            </a:r>
+            <a:r>
+              <a:rPr lang="en-US" dirty="0" err="1">
+                <a:solidFill>
+                  <a:schemeClr val="accent1">
+                    <a:lumMod val="75000"/>
+                  </a:schemeClr>
+                </a:solidFill>
+              </a:rPr>
+              <a:t>GraphDB</a:t>
+            </a:r>
+            <a:r>
+              <a:rPr lang="en-US" dirty="0">
+                <a:solidFill>
+                  <a:schemeClr val="accent1">
+                    <a:lumMod val="75000"/>
+                  </a:schemeClr>
+                </a:solidFill>
+              </a:rPr>
+              <a:t> Engines</a:t>
+            </a:r>
+          </a:p>
+          <a:p>
+            <a:pPr marL="342900" indent="-342900">
+              <a:buFont typeface="+mj-lt"/>
+              <a:buAutoNum type="arabicPeriod"/>
+            </a:pPr>
+            <a:r>
+              <a:rPr lang="en-US" dirty="0">
+                <a:solidFill>
+                  <a:schemeClr val="accent1">
+                    <a:lumMod val="75000"/>
+                  </a:schemeClr>
+                </a:solidFill>
+              </a:rPr>
+              <a:t>Complex Use Cases</a:t>
+            </a:r>
+          </a:p>
+          <a:p>
+            <a:pPr marL="342900" indent="-342900">
+              <a:buFont typeface="+mj-lt"/>
+              <a:buAutoNum type="arabicPeriod"/>
+            </a:pPr>
+            <a:r>
+              <a:rPr lang="en-US" dirty="0" err="1">
+                <a:solidFill>
+                  <a:schemeClr val="accent1">
+                    <a:lumMod val="75000"/>
+                  </a:schemeClr>
+                </a:solidFill>
+              </a:rPr>
+              <a:t>Diabook</a:t>
+            </a:r>
+            <a:r>
+              <a:rPr lang="en-US" dirty="0">
+                <a:solidFill>
+                  <a:schemeClr val="accent1">
+                    <a:lumMod val="75000"/>
+                  </a:schemeClr>
+                </a:solidFill>
+              </a:rPr>
+              <a:t> – Social Network</a:t>
+            </a:r>
+          </a:p>
+          <a:p>
+            <a:pPr marL="342900" indent="-342900">
+              <a:buFont typeface="+mj-lt"/>
+              <a:buAutoNum type="arabicPeriod"/>
+            </a:pPr>
+            <a:r>
+              <a:rPr lang="en-US" dirty="0">
+                <a:solidFill>
+                  <a:schemeClr val="accent1">
+                    <a:lumMod val="75000"/>
+                  </a:schemeClr>
+                </a:solidFill>
+              </a:rPr>
+              <a:t>Building the Network</a:t>
+            </a:r>
+          </a:p>
+          <a:p>
+            <a:pPr marL="342900" indent="-342900">
+              <a:buFont typeface="+mj-lt"/>
+              <a:buAutoNum type="arabicPeriod"/>
+            </a:pPr>
+            <a:r>
+              <a:rPr lang="en-US" dirty="0">
+                <a:solidFill>
+                  <a:schemeClr val="accent1">
+                    <a:lumMod val="75000"/>
+                  </a:schemeClr>
+                </a:solidFill>
+              </a:rPr>
+              <a:t>Questions/Links</a:t>
+            </a:r>
+          </a:p>
+          <a:p>
+            <a:endParaRPr lang="en-US" dirty="0"/>
           </a:p>
         </p:txBody>
       </p:sp>
     </p:spTree>
     <p:extLst>
       <p:ext uri="{BB962C8B-B14F-4D97-AF65-F5344CB8AC3E}">
-        <p14:creationId xmlns:p14="http://schemas.microsoft.com/office/powerpoint/2010/main" val="1597194294"/>
+        <p14:creationId xmlns:p14="http://schemas.microsoft.com/office/powerpoint/2010/main" val="3947646928"/>
       </p:ext>
     </p:extLst>
   </p:cSld>
   <p:clrMapOvr>
     <a:masterClrMapping/>
   </p:clrMapOvr>
-  <p:transition spd="slow">
-    <p:wipe/>
-  </p:transition>
 </p:sld>
 </file>
 
@@ -38146,7 +37642,7 @@
         <p:spPr>
           <a:xfrm>
             <a:off x="1069848" y="4609506"/>
-            <a:ext cx="10058400" cy="521431"/>
+            <a:ext cx="10058400" cy="675013"/>
           </a:xfrm>
           <a:prstGeom prst="rect">
             <a:avLst/>
@@ -38408,15 +37904,7 @@
             </a:pPr>
             <a:r>
               <a:rPr lang="en-US" sz="2400" dirty="0"/>
-              <a:t> Can be used to execute multiple statements </a:t>
-            </a:r>
-            <a:r>
-              <a:rPr lang="en-US" sz="2400"/>
-              <a:t>or begin, </a:t>
-            </a:r>
-            <a:r>
-              <a:rPr lang="en-US" sz="2400" dirty="0"/>
-              <a:t>rollback, or commit a transaction</a:t>
+              <a:t> Can be used to execute multiple statements or begin, rollback, or commit a transaction</a:t>
             </a:r>
           </a:p>
         </p:txBody>
@@ -39074,6 +38562,295 @@
       </p:grpSpPr>
       <p:sp>
         <p:nvSpPr>
+          <p:cNvPr id="7" name="Rectangle 6"/>
+          <p:cNvSpPr>
+            <a:spLocks noGrp="1" noRot="1" noChangeAspect="1" noMove="1" noResize="1" noEditPoints="1" noAdjustHandles="1" noChangeArrowheads="1" noChangeShapeType="1" noTextEdit="1"/>
+          </p:cNvSpPr>
+          <p:nvPr>
+            <p:extLst>
+              <p:ext uri="{386F3935-93C4-4BCD-93E2-E3B085C9AB24}">
+                <p16:designElem xmlns:p16="http://schemas.microsoft.com/office/powerpoint/2015/main" val="1"/>
+              </p:ext>
+            </p:extLst>
+          </p:nvPr>
+        </p:nvSpPr>
+        <p:spPr>
+          <a:xfrm flipH="1">
+            <a:off x="0" y="0"/>
+            <a:ext cx="12188726" cy="6858975"/>
+          </a:xfrm>
+          <a:prstGeom prst="rect">
+            <a:avLst/>
+          </a:prstGeom>
+          <a:solidFill>
+            <a:schemeClr val="bg1"/>
+          </a:solidFill>
+          <a:ln>
+            <a:noFill/>
+          </a:ln>
+        </p:spPr>
+        <p:style>
+          <a:lnRef idx="2">
+            <a:schemeClr val="accent1">
+              <a:shade val="50000"/>
+            </a:schemeClr>
+          </a:lnRef>
+          <a:fillRef idx="1">
+            <a:schemeClr val="accent1"/>
+          </a:fillRef>
+          <a:effectRef idx="0">
+            <a:schemeClr val="accent1"/>
+          </a:effectRef>
+          <a:fontRef idx="minor">
+            <a:schemeClr val="lt1"/>
+          </a:fontRef>
+        </p:style>
+        <p:txBody>
+          <a:bodyPr rtlCol="0" anchor="ctr"/>
+          <a:lstStyle/>
+          <a:p>
+            <a:pPr algn="ctr"/>
+            <a:endParaRPr lang="en-US"/>
+          </a:p>
+        </p:txBody>
+      </p:sp>
+      <p:sp>
+        <p:nvSpPr>
+          <p:cNvPr id="9" name="Rectangle 8"/>
+          <p:cNvSpPr>
+            <a:spLocks noGrp="1" noRot="1" noChangeAspect="1" noMove="1" noResize="1" noEditPoints="1" noAdjustHandles="1" noChangeArrowheads="1" noChangeShapeType="1" noTextEdit="1"/>
+          </p:cNvSpPr>
+          <p:nvPr>
+            <p:extLst>
+              <p:ext uri="{386F3935-93C4-4BCD-93E2-E3B085C9AB24}">
+                <p16:designElem xmlns:p16="http://schemas.microsoft.com/office/powerpoint/2015/main" val="1"/>
+              </p:ext>
+            </p:extLst>
+          </p:nvPr>
+        </p:nvSpPr>
+        <p:spPr>
+          <a:xfrm>
+            <a:off x="5109343" y="620720"/>
+            <a:ext cx="6442480" cy="5593163"/>
+          </a:xfrm>
+          <a:prstGeom prst="rect">
+            <a:avLst/>
+          </a:prstGeom>
+          <a:solidFill>
+            <a:schemeClr val="tx1">
+              <a:lumMod val="75000"/>
+              <a:lumOff val="25000"/>
+            </a:schemeClr>
+          </a:solidFill>
+          <a:ln>
+            <a:noFill/>
+          </a:ln>
+        </p:spPr>
+        <p:style>
+          <a:lnRef idx="2">
+            <a:schemeClr val="accent1">
+              <a:shade val="50000"/>
+            </a:schemeClr>
+          </a:lnRef>
+          <a:fillRef idx="1">
+            <a:schemeClr val="accent1"/>
+          </a:fillRef>
+          <a:effectRef idx="0">
+            <a:schemeClr val="accent1"/>
+          </a:effectRef>
+          <a:fontRef idx="minor">
+            <a:schemeClr val="lt1"/>
+          </a:fontRef>
+        </p:style>
+        <p:txBody>
+          <a:bodyPr rtlCol="0" anchor="ctr"/>
+          <a:lstStyle/>
+          <a:p>
+            <a:pPr algn="ctr"/>
+            <a:endParaRPr lang="en-US"/>
+          </a:p>
+        </p:txBody>
+      </p:sp>
+      <p:cxnSp>
+        <p:nvCxnSpPr>
+          <p:cNvPr id="11" name="Straight Connector 10"/>
+          <p:cNvCxnSpPr>
+            <a:cxnSpLocks noGrp="1" noRot="1" noChangeAspect="1" noMove="1" noResize="1" noEditPoints="1" noAdjustHandles="1" noChangeArrowheads="1" noChangeShapeType="1"/>
+          </p:cNvCxnSpPr>
+          <p:nvPr>
+            <p:extLst>
+              <p:ext uri="{386F3935-93C4-4BCD-93E2-E3B085C9AB24}">
+                <p16:designElem xmlns:p16="http://schemas.microsoft.com/office/powerpoint/2015/main" val="1"/>
+              </p:ext>
+            </p:extLst>
+          </p:nvPr>
+        </p:nvCxnSpPr>
+        <p:spPr>
+          <a:xfrm>
+            <a:off x="5609960" y="4214336"/>
+            <a:ext cx="5120640" cy="0"/>
+          </a:xfrm>
+          <a:prstGeom prst="line">
+            <a:avLst/>
+          </a:prstGeom>
+          <a:ln w="19050">
+            <a:solidFill>
+              <a:schemeClr val="bg1"/>
+            </a:solidFill>
+          </a:ln>
+        </p:spPr>
+        <p:style>
+          <a:lnRef idx="1">
+            <a:schemeClr val="accent1"/>
+          </a:lnRef>
+          <a:fillRef idx="0">
+            <a:schemeClr val="accent1"/>
+          </a:fillRef>
+          <a:effectRef idx="0">
+            <a:schemeClr val="accent1"/>
+          </a:effectRef>
+          <a:fontRef idx="minor">
+            <a:schemeClr val="tx1"/>
+          </a:fontRef>
+        </p:style>
+      </p:cxnSp>
+      <p:sp>
+        <p:nvSpPr>
+          <p:cNvPr id="13" name="Rectangle 12"/>
+          <p:cNvSpPr>
+            <a:spLocks noGrp="1" noRot="1" noChangeAspect="1" noMove="1" noResize="1" noEditPoints="1" noAdjustHandles="1" noChangeArrowheads="1" noChangeShapeType="1" noTextEdit="1"/>
+          </p:cNvSpPr>
+          <p:nvPr>
+            <p:extLst>
+              <p:ext uri="{386F3935-93C4-4BCD-93E2-E3B085C9AB24}">
+                <p16:designElem xmlns:p16="http://schemas.microsoft.com/office/powerpoint/2015/main" val="1"/>
+              </p:ext>
+            </p:extLst>
+          </p:nvPr>
+        </p:nvSpPr>
+        <p:spPr>
+          <a:xfrm>
+            <a:off x="643467" y="621695"/>
+            <a:ext cx="4305009" cy="5592188"/>
+          </a:xfrm>
+          <a:prstGeom prst="rect">
+            <a:avLst/>
+          </a:prstGeom>
+          <a:blipFill dpi="0" rotWithShape="1">
+            <a:blip r:embed="rId3">
+              <a:duotone>
+                <a:schemeClr val="accent1">
+                  <a:shade val="45000"/>
+                  <a:satMod val="135000"/>
+                </a:schemeClr>
+                <a:prstClr val="white"/>
+              </a:duotone>
+            </a:blip>
+            <a:srcRect/>
+            <a:tile tx="-444500" ty="-127000" sx="50000" sy="50000" flip="xy" algn="tl"/>
+          </a:blipFill>
+          <a:ln>
+            <a:noFill/>
+          </a:ln>
+        </p:spPr>
+        <p:style>
+          <a:lnRef idx="2">
+            <a:schemeClr val="accent1">
+              <a:shade val="50000"/>
+            </a:schemeClr>
+          </a:lnRef>
+          <a:fillRef idx="1">
+            <a:schemeClr val="accent1"/>
+          </a:fillRef>
+          <a:effectRef idx="0">
+            <a:schemeClr val="accent1"/>
+          </a:effectRef>
+          <a:fontRef idx="minor">
+            <a:schemeClr val="lt1"/>
+          </a:fontRef>
+        </p:style>
+        <p:txBody>
+          <a:bodyPr rtlCol="0" anchor="ctr"/>
+          <a:lstStyle/>
+          <a:p>
+            <a:pPr lvl="0" algn="ctr"/>
+            <a:endParaRPr lang="en-US" dirty="0">
+              <a:solidFill>
+                <a:prstClr val="white"/>
+              </a:solidFill>
+            </a:endParaRPr>
+          </a:p>
+        </p:txBody>
+      </p:sp>
+      <p:sp>
+        <p:nvSpPr>
+          <p:cNvPr id="2" name="Title 1"/>
+          <p:cNvSpPr>
+            <a:spLocks noGrp="1"/>
+          </p:cNvSpPr>
+          <p:nvPr>
+            <p:ph type="ctrTitle"/>
+          </p:nvPr>
+        </p:nvSpPr>
+        <p:spPr>
+          <a:xfrm>
+            <a:off x="5590120" y="1105351"/>
+            <a:ext cx="5477071" cy="3023981"/>
+          </a:xfrm>
+        </p:spPr>
+        <p:txBody>
+          <a:bodyPr anchor="b">
+            <a:normAutofit/>
+          </a:bodyPr>
+          <a:lstStyle/>
+          <a:p>
+            <a:pPr algn="l"/>
+            <a:r>
+              <a:rPr lang="en-US" sz="4400">
+                <a:solidFill>
+                  <a:schemeClr val="bg1"/>
+                </a:solidFill>
+              </a:rPr>
+              <a:t>What’s a GraphDB Anyway?</a:t>
+            </a:r>
+          </a:p>
+        </p:txBody>
+      </p:sp>
+    </p:spTree>
+    <p:extLst>
+      <p:ext uri="{BB962C8B-B14F-4D97-AF65-F5344CB8AC3E}">
+        <p14:creationId xmlns:p14="http://schemas.microsoft.com/office/powerpoint/2010/main" val="1597194294"/>
+      </p:ext>
+    </p:extLst>
+  </p:cSld>
+  <p:clrMapOvr>
+    <a:masterClrMapping/>
+  </p:clrMapOvr>
+  <p:transition spd="slow">
+    <p:wipe/>
+  </p:transition>
+</p:sld>
+</file>
+
+<file path=ppt/slides/slide6.xml><?xml version="1.0" encoding="utf-8"?>
+<p:sld xmlns:a="http://schemas.openxmlformats.org/drawingml/2006/main" xmlns:r="http://schemas.openxmlformats.org/officeDocument/2006/relationships" xmlns:p="http://schemas.openxmlformats.org/presentationml/2006/main">
+  <p:cSld>
+    <p:spTree>
+      <p:nvGrpSpPr>
+        <p:cNvPr id="1" name=""/>
+        <p:cNvGrpSpPr/>
+        <p:nvPr/>
+      </p:nvGrpSpPr>
+      <p:grpSpPr>
+        <a:xfrm>
+          <a:off x="0" y="0"/>
+          <a:ext cx="0" cy="0"/>
+          <a:chOff x="0" y="0"/>
+          <a:chExt cx="0" cy="0"/>
+        </a:xfrm>
+      </p:grpSpPr>
+      <p:sp>
+        <p:nvSpPr>
           <p:cNvPr id="2" name="Title 1"/>
           <p:cNvSpPr>
             <a:spLocks noGrp="1"/>
@@ -39207,7 +38984,7 @@
 </p:sld>
 </file>
 
-<file path=ppt/slides/slide6.xml><?xml version="1.0" encoding="utf-8"?>
+<file path=ppt/slides/slide7.xml><?xml version="1.0" encoding="utf-8"?>
 <p:sld xmlns:a="http://schemas.openxmlformats.org/drawingml/2006/main" xmlns:r="http://schemas.openxmlformats.org/officeDocument/2006/relationships" xmlns:p="http://schemas.openxmlformats.org/presentationml/2006/main">
   <p:cSld>
     <p:spTree>
@@ -39241,7 +39018,7 @@
           <a:p>
             <a:r>
               <a:rPr lang="en-US" dirty="0"/>
-              <a:t>What is a </a:t>
+              <a:t>So, What is a </a:t>
             </a:r>
             <a:r>
               <a:rPr lang="en-US" dirty="0" err="1"/>
@@ -39614,7 +39391,7 @@
 </p:sld>
 </file>
 
-<file path=ppt/slides/slide7.xml><?xml version="1.0" encoding="utf-8"?>
+<file path=ppt/slides/slide8.xml><?xml version="1.0" encoding="utf-8"?>
 <p:sld xmlns:a="http://schemas.openxmlformats.org/drawingml/2006/main" xmlns:r="http://schemas.openxmlformats.org/officeDocument/2006/relationships" xmlns:p="http://schemas.openxmlformats.org/presentationml/2006/main">
   <p:cSld>
     <p:spTree>
@@ -39762,7 +39539,7 @@
 </p:sld>
 </file>
 
-<file path=ppt/slides/slide8.xml><?xml version="1.0" encoding="utf-8"?>
+<file path=ppt/slides/slide9.xml><?xml version="1.0" encoding="utf-8"?>
 <p:sld xmlns:a="http://schemas.openxmlformats.org/drawingml/2006/main" xmlns:r="http://schemas.openxmlformats.org/officeDocument/2006/relationships" xmlns:p="http://schemas.openxmlformats.org/presentationml/2006/main">
   <p:cSld>
     <p:spTree>
@@ -40039,114 +39816,6 @@
     <p:extLst>
       <p:ext uri="{BB962C8B-B14F-4D97-AF65-F5344CB8AC3E}">
         <p14:creationId xmlns:p14="http://schemas.microsoft.com/office/powerpoint/2010/main" val="1224089754"/>
-      </p:ext>
-    </p:extLst>
-  </p:cSld>
-  <p:clrMapOvr>
-    <a:masterClrMapping/>
-  </p:clrMapOvr>
-</p:sld>
-</file>
-
-<file path=ppt/slides/slide9.xml><?xml version="1.0" encoding="utf-8"?>
-<p:sld xmlns:a="http://schemas.openxmlformats.org/drawingml/2006/main" xmlns:r="http://schemas.openxmlformats.org/officeDocument/2006/relationships" xmlns:p="http://schemas.openxmlformats.org/presentationml/2006/main">
-  <p:cSld>
-    <p:spTree>
-      <p:nvGrpSpPr>
-        <p:cNvPr id="1" name=""/>
-        <p:cNvGrpSpPr/>
-        <p:nvPr/>
-      </p:nvGrpSpPr>
-      <p:grpSpPr>
-        <a:xfrm>
-          <a:off x="0" y="0"/>
-          <a:ext cx="0" cy="0"/>
-          <a:chOff x="0" y="0"/>
-          <a:chExt cx="0" cy="0"/>
-        </a:xfrm>
-      </p:grpSpPr>
-      <p:sp>
-        <p:nvSpPr>
-          <p:cNvPr id="2" name="Title 1"/>
-          <p:cNvSpPr>
-            <a:spLocks noGrp="1"/>
-          </p:cNvSpPr>
-          <p:nvPr>
-            <p:ph type="title"/>
-          </p:nvPr>
-        </p:nvSpPr>
-        <p:spPr/>
-        <p:txBody>
-          <a:bodyPr/>
-          <a:lstStyle/>
-          <a:p>
-            <a:r>
-              <a:rPr lang="en-US" dirty="0"/>
-              <a:t>Building blocks</a:t>
-            </a:r>
-          </a:p>
-        </p:txBody>
-      </p:sp>
-      <p:sp>
-        <p:nvSpPr>
-          <p:cNvPr id="3" name="Content Placeholder 2"/>
-          <p:cNvSpPr>
-            <a:spLocks noGrp="1"/>
-          </p:cNvSpPr>
-          <p:nvPr>
-            <p:ph idx="1"/>
-          </p:nvPr>
-        </p:nvSpPr>
-        <p:spPr/>
-        <p:txBody>
-          <a:bodyPr/>
-          <a:lstStyle/>
-          <a:p>
-            <a:pPr>
-              <a:buFont typeface="Wingdings" panose="05000000000000000000" pitchFamily="2" charset="2"/>
-              <a:buChar char="ü"/>
-            </a:pPr>
-            <a:r>
-              <a:rPr lang="en-US" dirty="0"/>
-              <a:t>Nodes</a:t>
-            </a:r>
-          </a:p>
-          <a:p>
-            <a:pPr>
-              <a:buFont typeface="Wingdings" panose="05000000000000000000" pitchFamily="2" charset="2"/>
-              <a:buChar char="ü"/>
-            </a:pPr>
-            <a:r>
-              <a:rPr lang="en-US" dirty="0"/>
-              <a:t>Relationships</a:t>
-            </a:r>
-          </a:p>
-          <a:p>
-            <a:pPr>
-              <a:buFont typeface="Wingdings" panose="05000000000000000000" pitchFamily="2" charset="2"/>
-              <a:buChar char="ü"/>
-            </a:pPr>
-            <a:r>
-              <a:rPr lang="en-US" dirty="0"/>
-              <a:t>Properties</a:t>
-            </a:r>
-          </a:p>
-          <a:p>
-            <a:pPr>
-              <a:buFont typeface="Wingdings" panose="05000000000000000000" pitchFamily="2" charset="2"/>
-              <a:buChar char="ü"/>
-            </a:pPr>
-            <a:r>
-              <a:rPr lang="en-US" dirty="0"/>
-              <a:t>Labels</a:t>
-            </a:r>
-          </a:p>
-        </p:txBody>
-      </p:sp>
-    </p:spTree>
-    <p:extLst>
-      <p:ext uri="{BB962C8B-B14F-4D97-AF65-F5344CB8AC3E}">
-        <p14:creationId xmlns:p14="http://schemas.microsoft.com/office/powerpoint/2010/main" val="1722146423"/>
       </p:ext>
     </p:extLst>
   </p:cSld>

--- a/presentation/Graph DBs.pptx
+++ b/presentation/Graph DBs.pptx
@@ -6,7 +6,7 @@
     <p:sldMasterId id="2147484057" r:id="rId2"/>
   </p:sldMasterIdLst>
   <p:notesMasterIdLst>
-    <p:notesMasterId r:id="rId47"/>
+    <p:notesMasterId r:id="rId48"/>
   </p:notesMasterIdLst>
   <p:sldIdLst>
     <p:sldId id="256" r:id="rId3"/>
@@ -26,33 +26,34 @@
     <p:sldId id="290" r:id="rId17"/>
     <p:sldId id="261" r:id="rId18"/>
     <p:sldId id="260" r:id="rId19"/>
-    <p:sldId id="291" r:id="rId20"/>
-    <p:sldId id="258" r:id="rId21"/>
-    <p:sldId id="264" r:id="rId22"/>
-    <p:sldId id="263" r:id="rId23"/>
-    <p:sldId id="262" r:id="rId24"/>
-    <p:sldId id="265" r:id="rId25"/>
-    <p:sldId id="300" r:id="rId26"/>
-    <p:sldId id="286" r:id="rId27"/>
-    <p:sldId id="268" r:id="rId28"/>
-    <p:sldId id="269" r:id="rId29"/>
-    <p:sldId id="281" r:id="rId30"/>
-    <p:sldId id="267" r:id="rId31"/>
-    <p:sldId id="301" r:id="rId32"/>
-    <p:sldId id="271" r:id="rId33"/>
-    <p:sldId id="292" r:id="rId34"/>
-    <p:sldId id="272" r:id="rId35"/>
-    <p:sldId id="280" r:id="rId36"/>
-    <p:sldId id="279" r:id="rId37"/>
-    <p:sldId id="285" r:id="rId38"/>
-    <p:sldId id="273" r:id="rId39"/>
-    <p:sldId id="294" r:id="rId40"/>
-    <p:sldId id="275" r:id="rId41"/>
-    <p:sldId id="276" r:id="rId42"/>
-    <p:sldId id="277" r:id="rId43"/>
-    <p:sldId id="278" r:id="rId44"/>
-    <p:sldId id="282" r:id="rId45"/>
-    <p:sldId id="284" r:id="rId46"/>
+    <p:sldId id="305" r:id="rId20"/>
+    <p:sldId id="291" r:id="rId21"/>
+    <p:sldId id="258" r:id="rId22"/>
+    <p:sldId id="264" r:id="rId23"/>
+    <p:sldId id="263" r:id="rId24"/>
+    <p:sldId id="262" r:id="rId25"/>
+    <p:sldId id="265" r:id="rId26"/>
+    <p:sldId id="300" r:id="rId27"/>
+    <p:sldId id="286" r:id="rId28"/>
+    <p:sldId id="268" r:id="rId29"/>
+    <p:sldId id="269" r:id="rId30"/>
+    <p:sldId id="281" r:id="rId31"/>
+    <p:sldId id="267" r:id="rId32"/>
+    <p:sldId id="301" r:id="rId33"/>
+    <p:sldId id="271" r:id="rId34"/>
+    <p:sldId id="292" r:id="rId35"/>
+    <p:sldId id="272" r:id="rId36"/>
+    <p:sldId id="280" r:id="rId37"/>
+    <p:sldId id="279" r:id="rId38"/>
+    <p:sldId id="285" r:id="rId39"/>
+    <p:sldId id="273" r:id="rId40"/>
+    <p:sldId id="294" r:id="rId41"/>
+    <p:sldId id="275" r:id="rId42"/>
+    <p:sldId id="276" r:id="rId43"/>
+    <p:sldId id="277" r:id="rId44"/>
+    <p:sldId id="278" r:id="rId45"/>
+    <p:sldId id="282" r:id="rId46"/>
+    <p:sldId id="284" r:id="rId47"/>
   </p:sldIdLst>
   <p:sldSz cx="12192000" cy="6858000"/>
   <p:notesSz cx="6858000" cy="9144000"/>
@@ -185,6 +186,7 @@
             <p14:sldId id="290"/>
             <p14:sldId id="261"/>
             <p14:sldId id="260"/>
+            <p14:sldId id="305"/>
           </p14:sldIdLst>
         </p14:section>
         <p14:section name="popular graphDBs" id="{3B1727E6-89F9-40C9-BFF0-4D320CABFF97}">
@@ -328,7 +330,7 @@
           <a:p>
             <a:fld id="{F6529B8E-13CB-4C11-974D-DD895F60A2CF}" type="datetimeFigureOut">
               <a:rPr lang="en-US" smtClean="0"/>
-              <a:t>3/24/2017</a:t>
+              <a:t>3/25/17</a:t>
             </a:fld>
             <a:endParaRPr lang="en-US"/>
           </a:p>
@@ -639,50 +641,6 @@
           <a:bodyPr/>
           <a:lstStyle/>
           <a:p>
-            <a:r>
-              <a:rPr lang="en-US" dirty="0"/>
-              <a:t>I plan to cover:</a:t>
-            </a:r>
-          </a:p>
-          <a:p>
-            <a:r>
-              <a:rPr lang="en-US" dirty="0"/>
-              <a:t>Some general graph DB concepts</a:t>
-            </a:r>
-          </a:p>
-          <a:p>
-            <a:r>
-              <a:rPr lang="en-US" dirty="0"/>
-              <a:t>Some popular</a:t>
-            </a:r>
-            <a:r>
-              <a:rPr lang="en-US" baseline="0" dirty="0"/>
-              <a:t> graph DB engines</a:t>
-            </a:r>
-          </a:p>
-          <a:p>
-            <a:r>
-              <a:rPr lang="en-US" baseline="0" dirty="0"/>
-              <a:t>Why you might use graph DBs</a:t>
-            </a:r>
-          </a:p>
-          <a:p>
-            <a:r>
-              <a:rPr lang="en-US" baseline="0" dirty="0"/>
-              <a:t>Use cases and case studies</a:t>
-            </a:r>
-          </a:p>
-          <a:p>
-            <a:r>
-              <a:rPr lang="en-US" baseline="0" dirty="0"/>
-              <a:t>Query syntax for Neo4j – specifically the Cypher query language</a:t>
-            </a:r>
-          </a:p>
-          <a:p>
-            <a:r>
-              <a:rPr lang="en-US" baseline="0" dirty="0"/>
-              <a:t>And a brief web API showing Neo4j in action</a:t>
-            </a:r>
             <a:endParaRPr lang="en-US" dirty="0"/>
           </a:p>
         </p:txBody>
@@ -1171,7 +1129,7 @@
           <a:p>
             <a:fld id="{DEED50C7-8D19-4923-9863-FA7237BBE36B}" type="slidenum">
               <a:rPr lang="en-US" smtClean="0"/>
-              <a:t>19</a:t>
+              <a:t>20</a:t>
             </a:fld>
             <a:endParaRPr lang="en-US"/>
           </a:p>
@@ -1275,7 +1233,7 @@
           <a:p>
             <a:fld id="{DEED50C7-8D19-4923-9863-FA7237BBE36B}" type="slidenum">
               <a:rPr lang="en-US" smtClean="0"/>
-              <a:t>20</a:t>
+              <a:t>21</a:t>
             </a:fld>
             <a:endParaRPr lang="en-US"/>
           </a:p>
@@ -1377,7 +1335,7 @@
           <a:p>
             <a:fld id="{DEED50C7-8D19-4923-9863-FA7237BBE36B}" type="slidenum">
               <a:rPr lang="en-US" smtClean="0"/>
-              <a:t>21</a:t>
+              <a:t>22</a:t>
             </a:fld>
             <a:endParaRPr lang="en-US"/>
           </a:p>
@@ -1475,7 +1433,7 @@
           <a:p>
             <a:fld id="{DEED50C7-8D19-4923-9863-FA7237BBE36B}" type="slidenum">
               <a:rPr lang="en-US" smtClean="0"/>
-              <a:t>22</a:t>
+              <a:t>23</a:t>
             </a:fld>
             <a:endParaRPr lang="en-US"/>
           </a:p>
@@ -1578,7 +1536,7 @@
           <a:p>
             <a:fld id="{DEED50C7-8D19-4923-9863-FA7237BBE36B}" type="slidenum">
               <a:rPr lang="en-US" smtClean="0"/>
-              <a:t>23</a:t>
+              <a:t>24</a:t>
             </a:fld>
             <a:endParaRPr lang="en-US"/>
           </a:p>
@@ -1676,7 +1634,7 @@
           <a:p>
             <a:fld id="{DEED50C7-8D19-4923-9863-FA7237BBE36B}" type="slidenum">
               <a:rPr lang="en-US" smtClean="0"/>
-              <a:t>24</a:t>
+              <a:t>25</a:t>
             </a:fld>
             <a:endParaRPr lang="en-US"/>
           </a:p>
@@ -1852,7 +1810,7 @@
           <a:p>
             <a:fld id="{DEED50C7-8D19-4923-9863-FA7237BBE36B}" type="slidenum">
               <a:rPr lang="en-US" smtClean="0"/>
-              <a:t>25</a:t>
+              <a:t>26</a:t>
             </a:fld>
             <a:endParaRPr lang="en-US"/>
           </a:p>
@@ -1936,7 +1894,7 @@
           <a:p>
             <a:fld id="{DEED50C7-8D19-4923-9863-FA7237BBE36B}" type="slidenum">
               <a:rPr lang="en-US" smtClean="0"/>
-              <a:t>26</a:t>
+              <a:t>27</a:t>
             </a:fld>
             <a:endParaRPr lang="en-US"/>
           </a:p>
@@ -2020,7 +1978,7 @@
           <a:p>
             <a:fld id="{DEED50C7-8D19-4923-9863-FA7237BBE36B}" type="slidenum">
               <a:rPr lang="en-US" smtClean="0"/>
-              <a:t>27</a:t>
+              <a:t>28</a:t>
             </a:fld>
             <a:endParaRPr lang="en-US"/>
           </a:p>
@@ -2132,7 +2090,7 @@
           <a:p>
             <a:fld id="{DEED50C7-8D19-4923-9863-FA7237BBE36B}" type="slidenum">
               <a:rPr lang="en-US" smtClean="0"/>
-              <a:t>29</a:t>
+              <a:t>30</a:t>
             </a:fld>
             <a:endParaRPr lang="en-US"/>
           </a:p>
@@ -2225,7 +2183,7 @@
           <a:p>
             <a:fld id="{DEED50C7-8D19-4923-9863-FA7237BBE36B}" type="slidenum">
               <a:rPr lang="en-US" smtClean="0"/>
-              <a:t>31</a:t>
+              <a:t>32</a:t>
             </a:fld>
             <a:endParaRPr lang="en-US"/>
           </a:p>
@@ -11729,7 +11687,7 @@
             <a:fld id="{08B9EBBA-996F-894A-B54A-D6246ED52CEA}" type="datetimeFigureOut">
               <a:rPr lang="en-US" smtClean="0"/>
               <a:pPr/>
-              <a:t>3/24/2017</a:t>
+              <a:t>3/25/17</a:t>
             </a:fld>
             <a:endParaRPr lang="en-US" dirty="0"/>
           </a:p>
@@ -11938,7 +11896,7 @@
             <a:fld id="{C6C52C72-DE31-F449-A4ED-4C594FD91407}" type="datetimeFigureOut">
               <a:rPr lang="en-US" smtClean="0"/>
               <a:pPr/>
-              <a:t>3/24/2017</a:t>
+              <a:t>3/25/17</a:t>
             </a:fld>
             <a:endParaRPr lang="en-US" dirty="0"/>
           </a:p>
@@ -12120,7 +12078,7 @@
             <a:fld id="{ED62726E-379B-B349-9EED-81ED093FA806}" type="datetimeFigureOut">
               <a:rPr lang="en-US" smtClean="0"/>
               <a:pPr/>
-              <a:t>3/24/2017</a:t>
+              <a:t>3/25/17</a:t>
             </a:fld>
             <a:endParaRPr lang="en-US" dirty="0"/>
           </a:p>
@@ -12346,7 +12304,7 @@
           <a:p>
             <a:fld id="{0583BE9D-294E-419B-AA51-BB7BF28F4F06}" type="datetimeFigureOut">
               <a:rPr lang="en-US" smtClean="0"/>
-              <a:t>3/24/2017</a:t>
+              <a:t>3/25/17</a:t>
             </a:fld>
             <a:endParaRPr lang="en-US"/>
           </a:p>
@@ -12514,7 +12472,7 @@
           <a:p>
             <a:fld id="{0583BE9D-294E-419B-AA51-BB7BF28F4F06}" type="datetimeFigureOut">
               <a:rPr lang="en-US" smtClean="0"/>
-              <a:t>3/24/2017</a:t>
+              <a:t>3/25/17</a:t>
             </a:fld>
             <a:endParaRPr lang="en-US"/>
           </a:p>
@@ -12759,7 +12717,7 @@
           <a:p>
             <a:fld id="{0583BE9D-294E-419B-AA51-BB7BF28F4F06}" type="datetimeFigureOut">
               <a:rPr lang="en-US" smtClean="0"/>
-              <a:t>3/24/2017</a:t>
+              <a:t>3/25/17</a:t>
             </a:fld>
             <a:endParaRPr lang="en-US"/>
           </a:p>
@@ -12988,7 +12946,7 @@
           <a:p>
             <a:fld id="{0583BE9D-294E-419B-AA51-BB7BF28F4F06}" type="datetimeFigureOut">
               <a:rPr lang="en-US" smtClean="0"/>
-              <a:t>3/24/2017</a:t>
+              <a:t>3/25/17</a:t>
             </a:fld>
             <a:endParaRPr lang="en-US"/>
           </a:p>
@@ -13352,7 +13310,7 @@
           <a:p>
             <a:fld id="{0583BE9D-294E-419B-AA51-BB7BF28F4F06}" type="datetimeFigureOut">
               <a:rPr lang="en-US" smtClean="0"/>
-              <a:t>3/24/2017</a:t>
+              <a:t>3/25/17</a:t>
             </a:fld>
             <a:endParaRPr lang="en-US"/>
           </a:p>
@@ -13469,7 +13427,7 @@
           <a:p>
             <a:fld id="{0583BE9D-294E-419B-AA51-BB7BF28F4F06}" type="datetimeFigureOut">
               <a:rPr lang="en-US" smtClean="0"/>
-              <a:t>3/24/2017</a:t>
+              <a:t>3/25/17</a:t>
             </a:fld>
             <a:endParaRPr lang="en-US"/>
           </a:p>
@@ -13564,7 +13522,7 @@
           <a:p>
             <a:fld id="{0583BE9D-294E-419B-AA51-BB7BF28F4F06}" type="datetimeFigureOut">
               <a:rPr lang="en-US" smtClean="0"/>
-              <a:t>3/24/2017</a:t>
+              <a:t>3/25/17</a:t>
             </a:fld>
             <a:endParaRPr lang="en-US"/>
           </a:p>
@@ -13839,7 +13797,7 @@
           <a:p>
             <a:fld id="{0583BE9D-294E-419B-AA51-BB7BF28F4F06}" type="datetimeFigureOut">
               <a:rPr lang="en-US" smtClean="0"/>
-              <a:t>3/24/2017</a:t>
+              <a:t>3/25/17</a:t>
             </a:fld>
             <a:endParaRPr lang="en-US"/>
           </a:p>
@@ -14010,7 +13968,7 @@
             <a:fld id="{9B3A1323-8D79-1946-B0D7-40001CF92E9D}" type="datetimeFigureOut">
               <a:rPr lang="en-US" smtClean="0"/>
               <a:pPr/>
-              <a:t>3/24/2017</a:t>
+              <a:t>3/25/17</a:t>
             </a:fld>
             <a:endParaRPr lang="en-US" dirty="0"/>
           </a:p>
@@ -14263,7 +14221,7 @@
           <a:p>
             <a:fld id="{0583BE9D-294E-419B-AA51-BB7BF28F4F06}" type="datetimeFigureOut">
               <a:rPr lang="en-US" smtClean="0"/>
-              <a:t>3/24/2017</a:t>
+              <a:t>3/25/17</a:t>
             </a:fld>
             <a:endParaRPr lang="en-US"/>
           </a:p>
@@ -14431,7 +14389,7 @@
           <a:p>
             <a:fld id="{0583BE9D-294E-419B-AA51-BB7BF28F4F06}" type="datetimeFigureOut">
               <a:rPr lang="en-US" smtClean="0"/>
-              <a:t>3/24/2017</a:t>
+              <a:t>3/25/17</a:t>
             </a:fld>
             <a:endParaRPr lang="en-US"/>
           </a:p>
@@ -14609,7 +14567,7 @@
           <a:p>
             <a:fld id="{0583BE9D-294E-419B-AA51-BB7BF28F4F06}" type="datetimeFigureOut">
               <a:rPr lang="en-US" smtClean="0"/>
-              <a:t>3/24/2017</a:t>
+              <a:t>3/25/17</a:t>
             </a:fld>
             <a:endParaRPr lang="en-US"/>
           </a:p>
@@ -23508,7 +23466,7 @@
             <a:fld id="{8DFA1846-DA80-1C48-A609-854EA85C59AD}" type="datetimeFigureOut">
               <a:rPr lang="en-US" smtClean="0"/>
               <a:pPr/>
-              <a:t>3/24/2017</a:t>
+              <a:t>3/25/17</a:t>
             </a:fld>
             <a:endParaRPr lang="en-US" dirty="0"/>
           </a:p>
@@ -23784,7 +23742,7 @@
             <a:fld id="{57302355-E14B-8545-A8F8-0FE83CC9D524}" type="datetimeFigureOut">
               <a:rPr lang="en-US" smtClean="0"/>
               <a:pPr/>
-              <a:t>3/24/2017</a:t>
+              <a:t>3/25/17</a:t>
             </a:fld>
             <a:endParaRPr lang="en-US" dirty="0"/>
           </a:p>
@@ -24184,7 +24142,7 @@
             <a:fld id="{02640F58-564D-2B4F-AE67-E407BA4FCF45}" type="datetimeFigureOut">
               <a:rPr lang="en-US" smtClean="0"/>
               <a:pPr/>
-              <a:t>3/24/2017</a:t>
+              <a:t>3/25/17</a:t>
             </a:fld>
             <a:endParaRPr lang="en-US" dirty="0"/>
           </a:p>
@@ -24304,7 +24262,7 @@
             <a:fld id="{F13A34C8-038E-2045-AF43-DF7DBB8E0E9E}" type="datetimeFigureOut">
               <a:rPr lang="en-US" smtClean="0"/>
               <a:pPr/>
-              <a:t>3/24/2017</a:t>
+              <a:t>3/25/17</a:t>
             </a:fld>
             <a:endParaRPr lang="en-US" dirty="0"/>
           </a:p>
@@ -24401,7 +24359,7 @@
             <a:fld id="{8818C68F-D26B-8F47-958C-23B49CF8A634}" type="datetimeFigureOut">
               <a:rPr lang="en-US" smtClean="0"/>
               <a:pPr/>
-              <a:t>3/24/2017</a:t>
+              <a:t>3/25/17</a:t>
             </a:fld>
             <a:endParaRPr lang="en-US" dirty="0"/>
           </a:p>
@@ -24693,7 +24651,7 @@
             <a:fld id="{D0DF5E60-9974-AC48-9591-99C2BB44B7CF}" type="datetimeFigureOut">
               <a:rPr lang="en-US" smtClean="0"/>
               <a:pPr/>
-              <a:t>3/24/2017</a:t>
+              <a:t>3/25/17</a:t>
             </a:fld>
             <a:endParaRPr lang="en-US" dirty="0"/>
           </a:p>
@@ -24975,7 +24933,7 @@
             <a:fld id="{18C79C5D-2A6F-F04D-97DA-BEF2467B64E4}" type="datetimeFigureOut">
               <a:rPr lang="en-US" smtClean="0"/>
               <a:pPr/>
-              <a:t>3/24/2017</a:t>
+              <a:t>3/25/17</a:t>
             </a:fld>
             <a:endParaRPr lang="en-US" dirty="0"/>
           </a:p>
@@ -25227,7 +25185,7 @@
             <a:fld id="{09B482E8-6E0E-1B4F-B1FD-C69DB9E858D9}" type="datetimeFigureOut">
               <a:rPr lang="en-US" smtClean="0"/>
               <a:pPr/>
-              <a:t>3/24/2017</a:t>
+              <a:t>3/25/17</a:t>
             </a:fld>
             <a:endParaRPr lang="en-US" dirty="0"/>
           </a:p>
@@ -25864,7 +25822,7 @@
           <a:p>
             <a:fld id="{0583BE9D-294E-419B-AA51-BB7BF28F4F06}" type="datetimeFigureOut">
               <a:rPr lang="en-US" smtClean="0"/>
-              <a:t>3/24/2017</a:t>
+              <a:t>3/25/17</a:t>
             </a:fld>
             <a:endParaRPr lang="en-US"/>
           </a:p>
@@ -27873,6 +27831,60 @@
           <a:chExt cx="0" cy="0"/>
         </a:xfrm>
       </p:grpSpPr>
+      <p:pic>
+        <p:nvPicPr>
+          <p:cNvPr id="2" name="Picture 1"/>
+          <p:cNvPicPr>
+            <a:picLocks noChangeAspect="1"/>
+          </p:cNvPicPr>
+          <p:nvPr/>
+        </p:nvPicPr>
+        <p:blipFill>
+          <a:blip r:embed="rId2"/>
+          <a:stretch>
+            <a:fillRect/>
+          </a:stretch>
+        </p:blipFill>
+        <p:spPr>
+          <a:xfrm>
+            <a:off x="0" y="714991"/>
+            <a:ext cx="12192000" cy="5428018"/>
+          </a:xfrm>
+          <a:prstGeom prst="rect">
+            <a:avLst/>
+          </a:prstGeom>
+        </p:spPr>
+      </p:pic>
+    </p:spTree>
+    <p:extLst>
+      <p:ext uri="{BB962C8B-B14F-4D97-AF65-F5344CB8AC3E}">
+        <p14:creationId xmlns:p14="http://schemas.microsoft.com/office/powerpoint/2010/main" val="1326814687"/>
+      </p:ext>
+    </p:extLst>
+  </p:cSld>
+  <p:clrMapOvr>
+    <a:masterClrMapping/>
+  </p:clrMapOvr>
+</p:sld>
+</file>
+
+<file path=ppt/slides/slide19.xml><?xml version="1.0" encoding="utf-8"?>
+<p:sld xmlns:a="http://schemas.openxmlformats.org/drawingml/2006/main" xmlns:r="http://schemas.openxmlformats.org/officeDocument/2006/relationships" xmlns:p="http://schemas.openxmlformats.org/presentationml/2006/main">
+  <p:cSld>
+    <p:spTree>
+      <p:nvGrpSpPr>
+        <p:cNvPr id="1" name=""/>
+        <p:cNvGrpSpPr/>
+        <p:nvPr/>
+      </p:nvGrpSpPr>
+      <p:grpSpPr>
+        <a:xfrm>
+          <a:off x="0" y="0"/>
+          <a:ext cx="0" cy="0"/>
+          <a:chOff x="0" y="0"/>
+          <a:chExt cx="0" cy="0"/>
+        </a:xfrm>
+      </p:grpSpPr>
       <p:sp>
         <p:nvSpPr>
           <p:cNvPr id="7" name="Rectangle 6"/>
@@ -28149,299 +28161,6 @@
     <p:extLst>
       <p:ext uri="{BB962C8B-B14F-4D97-AF65-F5344CB8AC3E}">
         <p14:creationId xmlns:p14="http://schemas.microsoft.com/office/powerpoint/2010/main" val="218369270"/>
-      </p:ext>
-    </p:extLst>
-  </p:cSld>
-  <p:clrMapOvr>
-    <a:masterClrMapping/>
-  </p:clrMapOvr>
-</p:sld>
-</file>
-
-<file path=ppt/slides/slide19.xml><?xml version="1.0" encoding="utf-8"?>
-<p:sld xmlns:a="http://schemas.openxmlformats.org/drawingml/2006/main" xmlns:r="http://schemas.openxmlformats.org/officeDocument/2006/relationships" xmlns:p="http://schemas.openxmlformats.org/presentationml/2006/main" showMasterSp="0">
-  <p:cSld>
-    <p:spTree>
-      <p:nvGrpSpPr>
-        <p:cNvPr id="1" name=""/>
-        <p:cNvGrpSpPr/>
-        <p:nvPr/>
-      </p:nvGrpSpPr>
-      <p:grpSpPr>
-        <a:xfrm>
-          <a:off x="0" y="0"/>
-          <a:ext cx="0" cy="0"/>
-          <a:chOff x="0" y="0"/>
-          <a:chExt cx="0" cy="0"/>
-        </a:xfrm>
-      </p:grpSpPr>
-      <p:pic>
-        <p:nvPicPr>
-          <p:cNvPr id="5" name="Content Placeholder 4" descr="&lt;strong&gt;Neo4j&lt;/strong&gt;-2015-logo.png"/>
-          <p:cNvPicPr>
-            <a:picLocks noGrp="1" noChangeAspect="1"/>
-          </p:cNvPicPr>
-          <p:nvPr>
-            <p:ph idx="1"/>
-          </p:nvPr>
-        </p:nvPicPr>
-        <p:blipFill>
-          <a:blip r:embed="rId3"/>
-          <a:stretch>
-            <a:fillRect/>
-          </a:stretch>
-        </p:blipFill>
-        <p:spPr>
-          <a:xfrm>
-            <a:off x="1171588" y="3590562"/>
-            <a:ext cx="1733550" cy="771525"/>
-          </a:xfrm>
-        </p:spPr>
-      </p:pic>
-      <p:pic>
-        <p:nvPicPr>
-          <p:cNvPr id="6" name="Picture 5" descr="&lt;strong&gt;OrientDB&lt;/strong&gt; - Wikipedia"/>
-          <p:cNvPicPr>
-            <a:picLocks noChangeAspect="1"/>
-          </p:cNvPicPr>
-          <p:nvPr/>
-        </p:nvPicPr>
-        <p:blipFill>
-          <a:blip r:embed="rId4"/>
-          <a:stretch>
-            <a:fillRect/>
-          </a:stretch>
-        </p:blipFill>
-        <p:spPr>
-          <a:xfrm>
-            <a:off x="878141" y="615731"/>
-            <a:ext cx="2091686" cy="954024"/>
-          </a:xfrm>
-          <a:prstGeom prst="rect">
-            <a:avLst/>
-          </a:prstGeom>
-        </p:spPr>
-      </p:pic>
-      <p:pic>
-        <p:nvPicPr>
-          <p:cNvPr id="8" name="Picture 7"/>
-          <p:cNvPicPr>
-            <a:picLocks noChangeAspect="1"/>
-          </p:cNvPicPr>
-          <p:nvPr/>
-        </p:nvPicPr>
-        <p:blipFill>
-          <a:blip r:embed="rId5"/>
-          <a:stretch>
-            <a:fillRect/>
-          </a:stretch>
-        </p:blipFill>
-        <p:spPr>
-          <a:xfrm>
-            <a:off x="10324486" y="308571"/>
-            <a:ext cx="1619250" cy="266700"/>
-          </a:xfrm>
-          <a:prstGeom prst="rect">
-            <a:avLst/>
-          </a:prstGeom>
-        </p:spPr>
-      </p:pic>
-      <p:pic>
-        <p:nvPicPr>
-          <p:cNvPr id="9" name="Picture 8"/>
-          <p:cNvPicPr>
-            <a:picLocks noChangeAspect="1"/>
-          </p:cNvPicPr>
-          <p:nvPr/>
-        </p:nvPicPr>
-        <p:blipFill>
-          <a:blip r:embed="rId6"/>
-          <a:stretch>
-            <a:fillRect/>
-          </a:stretch>
-        </p:blipFill>
-        <p:spPr>
-          <a:xfrm>
-            <a:off x="7304010" y="150214"/>
-            <a:ext cx="2057400" cy="419100"/>
-          </a:xfrm>
-          <a:prstGeom prst="rect">
-            <a:avLst/>
-          </a:prstGeom>
-        </p:spPr>
-      </p:pic>
-      <p:pic>
-        <p:nvPicPr>
-          <p:cNvPr id="11" name="Picture 10"/>
-          <p:cNvPicPr>
-            <a:picLocks noChangeAspect="1"/>
-          </p:cNvPicPr>
-          <p:nvPr/>
-        </p:nvPicPr>
-        <p:blipFill>
-          <a:blip r:embed="rId7"/>
-          <a:stretch>
-            <a:fillRect/>
-          </a:stretch>
-        </p:blipFill>
-        <p:spPr>
-          <a:xfrm>
-            <a:off x="4969386" y="594870"/>
-            <a:ext cx="1840623" cy="995747"/>
-          </a:xfrm>
-          <a:prstGeom prst="rect">
-            <a:avLst/>
-          </a:prstGeom>
-        </p:spPr>
-      </p:pic>
-      <p:pic>
-        <p:nvPicPr>
-          <p:cNvPr id="13" name="Picture 12"/>
-          <p:cNvPicPr>
-            <a:picLocks noChangeAspect="1"/>
-          </p:cNvPicPr>
-          <p:nvPr/>
-        </p:nvPicPr>
-        <p:blipFill>
-          <a:blip r:embed="rId8"/>
-          <a:stretch>
-            <a:fillRect/>
-          </a:stretch>
-        </p:blipFill>
-        <p:spPr>
-          <a:xfrm>
-            <a:off x="3924764" y="2345453"/>
-            <a:ext cx="2445911" cy="736030"/>
-          </a:xfrm>
-          <a:prstGeom prst="rect">
-            <a:avLst/>
-          </a:prstGeom>
-        </p:spPr>
-      </p:pic>
-      <p:pic>
-        <p:nvPicPr>
-          <p:cNvPr id="14" name="Picture 13"/>
-          <p:cNvPicPr>
-            <a:picLocks noChangeAspect="1"/>
-          </p:cNvPicPr>
-          <p:nvPr/>
-        </p:nvPicPr>
-        <p:blipFill>
-          <a:blip r:embed="rId9"/>
-          <a:stretch>
-            <a:fillRect/>
-          </a:stretch>
-        </p:blipFill>
-        <p:spPr>
-          <a:xfrm>
-            <a:off x="4969386" y="3976324"/>
-            <a:ext cx="2590800" cy="1676400"/>
-          </a:xfrm>
-          <a:prstGeom prst="rect">
-            <a:avLst/>
-          </a:prstGeom>
-        </p:spPr>
-      </p:pic>
-      <p:pic>
-        <p:nvPicPr>
-          <p:cNvPr id="15" name="Picture 14"/>
-          <p:cNvPicPr>
-            <a:picLocks noChangeAspect="1"/>
-          </p:cNvPicPr>
-          <p:nvPr/>
-        </p:nvPicPr>
-        <p:blipFill>
-          <a:blip r:embed="rId10"/>
-          <a:stretch>
-            <a:fillRect/>
-          </a:stretch>
-        </p:blipFill>
-        <p:spPr>
-          <a:xfrm>
-            <a:off x="8362958" y="924967"/>
-            <a:ext cx="1331301" cy="1331301"/>
-          </a:xfrm>
-          <a:prstGeom prst="rect">
-            <a:avLst/>
-          </a:prstGeom>
-        </p:spPr>
-      </p:pic>
-      <p:pic>
-        <p:nvPicPr>
-          <p:cNvPr id="16" name="Picture 15"/>
-          <p:cNvPicPr>
-            <a:picLocks noChangeAspect="1"/>
-          </p:cNvPicPr>
-          <p:nvPr/>
-        </p:nvPicPr>
-        <p:blipFill>
-          <a:blip r:embed="rId11"/>
-          <a:stretch>
-            <a:fillRect/>
-          </a:stretch>
-        </p:blipFill>
-        <p:spPr>
-          <a:xfrm>
-            <a:off x="9350529" y="2807620"/>
-            <a:ext cx="1252669" cy="1252669"/>
-          </a:xfrm>
-          <a:prstGeom prst="rect">
-            <a:avLst/>
-          </a:prstGeom>
-        </p:spPr>
-      </p:pic>
-      <p:pic>
-        <p:nvPicPr>
-          <p:cNvPr id="17" name="Picture 16"/>
-          <p:cNvPicPr>
-            <a:picLocks noChangeAspect="1"/>
-          </p:cNvPicPr>
-          <p:nvPr/>
-        </p:nvPicPr>
-        <p:blipFill>
-          <a:blip r:embed="rId12"/>
-          <a:stretch>
-            <a:fillRect/>
-          </a:stretch>
-        </p:blipFill>
-        <p:spPr>
-          <a:xfrm>
-            <a:off x="8844933" y="4700906"/>
-            <a:ext cx="1269841" cy="1053968"/>
-          </a:xfrm>
-          <a:prstGeom prst="rect">
-            <a:avLst/>
-          </a:prstGeom>
-        </p:spPr>
-      </p:pic>
-      <p:pic>
-        <p:nvPicPr>
-          <p:cNvPr id="18" name="Picture 17"/>
-          <p:cNvPicPr>
-            <a:picLocks noChangeAspect="1"/>
-          </p:cNvPicPr>
-          <p:nvPr/>
-        </p:nvPicPr>
-        <p:blipFill>
-          <a:blip r:embed="rId13"/>
-          <a:stretch>
-            <a:fillRect/>
-          </a:stretch>
-        </p:blipFill>
-        <p:spPr>
-          <a:xfrm>
-            <a:off x="731949" y="5048600"/>
-            <a:ext cx="2612828" cy="706274"/>
-          </a:xfrm>
-          <a:prstGeom prst="rect">
-            <a:avLst/>
-          </a:prstGeom>
-        </p:spPr>
-      </p:pic>
-    </p:spTree>
-    <p:extLst>
-      <p:ext uri="{BB962C8B-B14F-4D97-AF65-F5344CB8AC3E}">
-        <p14:creationId xmlns:p14="http://schemas.microsoft.com/office/powerpoint/2010/main" val="3351228823"/>
       </p:ext>
     </p:extLst>
   </p:cSld>
@@ -29299,6 +29018,299 @@
 </file>
 
 <file path=ppt/slides/slide20.xml><?xml version="1.0" encoding="utf-8"?>
+<p:sld xmlns:a="http://schemas.openxmlformats.org/drawingml/2006/main" xmlns:r="http://schemas.openxmlformats.org/officeDocument/2006/relationships" xmlns:p="http://schemas.openxmlformats.org/presentationml/2006/main" showMasterSp="0">
+  <p:cSld>
+    <p:spTree>
+      <p:nvGrpSpPr>
+        <p:cNvPr id="1" name=""/>
+        <p:cNvGrpSpPr/>
+        <p:nvPr/>
+      </p:nvGrpSpPr>
+      <p:grpSpPr>
+        <a:xfrm>
+          <a:off x="0" y="0"/>
+          <a:ext cx="0" cy="0"/>
+          <a:chOff x="0" y="0"/>
+          <a:chExt cx="0" cy="0"/>
+        </a:xfrm>
+      </p:grpSpPr>
+      <p:pic>
+        <p:nvPicPr>
+          <p:cNvPr id="5" name="Content Placeholder 4" descr="&lt;strong&gt;Neo4j&lt;/strong&gt;-2015-logo.png"/>
+          <p:cNvPicPr>
+            <a:picLocks noGrp="1" noChangeAspect="1"/>
+          </p:cNvPicPr>
+          <p:nvPr>
+            <p:ph idx="1"/>
+          </p:nvPr>
+        </p:nvPicPr>
+        <p:blipFill>
+          <a:blip r:embed="rId3"/>
+          <a:stretch>
+            <a:fillRect/>
+          </a:stretch>
+        </p:blipFill>
+        <p:spPr>
+          <a:xfrm>
+            <a:off x="1171588" y="3590562"/>
+            <a:ext cx="1733550" cy="771525"/>
+          </a:xfrm>
+        </p:spPr>
+      </p:pic>
+      <p:pic>
+        <p:nvPicPr>
+          <p:cNvPr id="6" name="Picture 5" descr="&lt;strong&gt;OrientDB&lt;/strong&gt; - Wikipedia"/>
+          <p:cNvPicPr>
+            <a:picLocks noChangeAspect="1"/>
+          </p:cNvPicPr>
+          <p:nvPr/>
+        </p:nvPicPr>
+        <p:blipFill>
+          <a:blip r:embed="rId4"/>
+          <a:stretch>
+            <a:fillRect/>
+          </a:stretch>
+        </p:blipFill>
+        <p:spPr>
+          <a:xfrm>
+            <a:off x="878141" y="615731"/>
+            <a:ext cx="2091686" cy="954024"/>
+          </a:xfrm>
+          <a:prstGeom prst="rect">
+            <a:avLst/>
+          </a:prstGeom>
+        </p:spPr>
+      </p:pic>
+      <p:pic>
+        <p:nvPicPr>
+          <p:cNvPr id="8" name="Picture 7"/>
+          <p:cNvPicPr>
+            <a:picLocks noChangeAspect="1"/>
+          </p:cNvPicPr>
+          <p:nvPr/>
+        </p:nvPicPr>
+        <p:blipFill>
+          <a:blip r:embed="rId5"/>
+          <a:stretch>
+            <a:fillRect/>
+          </a:stretch>
+        </p:blipFill>
+        <p:spPr>
+          <a:xfrm>
+            <a:off x="10324486" y="308571"/>
+            <a:ext cx="1619250" cy="266700"/>
+          </a:xfrm>
+          <a:prstGeom prst="rect">
+            <a:avLst/>
+          </a:prstGeom>
+        </p:spPr>
+      </p:pic>
+      <p:pic>
+        <p:nvPicPr>
+          <p:cNvPr id="9" name="Picture 8"/>
+          <p:cNvPicPr>
+            <a:picLocks noChangeAspect="1"/>
+          </p:cNvPicPr>
+          <p:nvPr/>
+        </p:nvPicPr>
+        <p:blipFill>
+          <a:blip r:embed="rId6"/>
+          <a:stretch>
+            <a:fillRect/>
+          </a:stretch>
+        </p:blipFill>
+        <p:spPr>
+          <a:xfrm>
+            <a:off x="7304010" y="150214"/>
+            <a:ext cx="2057400" cy="419100"/>
+          </a:xfrm>
+          <a:prstGeom prst="rect">
+            <a:avLst/>
+          </a:prstGeom>
+        </p:spPr>
+      </p:pic>
+      <p:pic>
+        <p:nvPicPr>
+          <p:cNvPr id="11" name="Picture 10"/>
+          <p:cNvPicPr>
+            <a:picLocks noChangeAspect="1"/>
+          </p:cNvPicPr>
+          <p:nvPr/>
+        </p:nvPicPr>
+        <p:blipFill>
+          <a:blip r:embed="rId7"/>
+          <a:stretch>
+            <a:fillRect/>
+          </a:stretch>
+        </p:blipFill>
+        <p:spPr>
+          <a:xfrm>
+            <a:off x="4969386" y="594870"/>
+            <a:ext cx="1840623" cy="995747"/>
+          </a:xfrm>
+          <a:prstGeom prst="rect">
+            <a:avLst/>
+          </a:prstGeom>
+        </p:spPr>
+      </p:pic>
+      <p:pic>
+        <p:nvPicPr>
+          <p:cNvPr id="13" name="Picture 12"/>
+          <p:cNvPicPr>
+            <a:picLocks noChangeAspect="1"/>
+          </p:cNvPicPr>
+          <p:nvPr/>
+        </p:nvPicPr>
+        <p:blipFill>
+          <a:blip r:embed="rId8"/>
+          <a:stretch>
+            <a:fillRect/>
+          </a:stretch>
+        </p:blipFill>
+        <p:spPr>
+          <a:xfrm>
+            <a:off x="3924764" y="2345453"/>
+            <a:ext cx="2445911" cy="736030"/>
+          </a:xfrm>
+          <a:prstGeom prst="rect">
+            <a:avLst/>
+          </a:prstGeom>
+        </p:spPr>
+      </p:pic>
+      <p:pic>
+        <p:nvPicPr>
+          <p:cNvPr id="14" name="Picture 13"/>
+          <p:cNvPicPr>
+            <a:picLocks noChangeAspect="1"/>
+          </p:cNvPicPr>
+          <p:nvPr/>
+        </p:nvPicPr>
+        <p:blipFill>
+          <a:blip r:embed="rId9"/>
+          <a:stretch>
+            <a:fillRect/>
+          </a:stretch>
+        </p:blipFill>
+        <p:spPr>
+          <a:xfrm>
+            <a:off x="4969386" y="3976324"/>
+            <a:ext cx="2590800" cy="1676400"/>
+          </a:xfrm>
+          <a:prstGeom prst="rect">
+            <a:avLst/>
+          </a:prstGeom>
+        </p:spPr>
+      </p:pic>
+      <p:pic>
+        <p:nvPicPr>
+          <p:cNvPr id="15" name="Picture 14"/>
+          <p:cNvPicPr>
+            <a:picLocks noChangeAspect="1"/>
+          </p:cNvPicPr>
+          <p:nvPr/>
+        </p:nvPicPr>
+        <p:blipFill>
+          <a:blip r:embed="rId10"/>
+          <a:stretch>
+            <a:fillRect/>
+          </a:stretch>
+        </p:blipFill>
+        <p:spPr>
+          <a:xfrm>
+            <a:off x="8362958" y="924967"/>
+            <a:ext cx="1331301" cy="1331301"/>
+          </a:xfrm>
+          <a:prstGeom prst="rect">
+            <a:avLst/>
+          </a:prstGeom>
+        </p:spPr>
+      </p:pic>
+      <p:pic>
+        <p:nvPicPr>
+          <p:cNvPr id="16" name="Picture 15"/>
+          <p:cNvPicPr>
+            <a:picLocks noChangeAspect="1"/>
+          </p:cNvPicPr>
+          <p:nvPr/>
+        </p:nvPicPr>
+        <p:blipFill>
+          <a:blip r:embed="rId11"/>
+          <a:stretch>
+            <a:fillRect/>
+          </a:stretch>
+        </p:blipFill>
+        <p:spPr>
+          <a:xfrm>
+            <a:off x="9350529" y="2807620"/>
+            <a:ext cx="1252669" cy="1252669"/>
+          </a:xfrm>
+          <a:prstGeom prst="rect">
+            <a:avLst/>
+          </a:prstGeom>
+        </p:spPr>
+      </p:pic>
+      <p:pic>
+        <p:nvPicPr>
+          <p:cNvPr id="17" name="Picture 16"/>
+          <p:cNvPicPr>
+            <a:picLocks noChangeAspect="1"/>
+          </p:cNvPicPr>
+          <p:nvPr/>
+        </p:nvPicPr>
+        <p:blipFill>
+          <a:blip r:embed="rId12"/>
+          <a:stretch>
+            <a:fillRect/>
+          </a:stretch>
+        </p:blipFill>
+        <p:spPr>
+          <a:xfrm>
+            <a:off x="8844933" y="4700906"/>
+            <a:ext cx="1269841" cy="1053968"/>
+          </a:xfrm>
+          <a:prstGeom prst="rect">
+            <a:avLst/>
+          </a:prstGeom>
+        </p:spPr>
+      </p:pic>
+      <p:pic>
+        <p:nvPicPr>
+          <p:cNvPr id="18" name="Picture 17"/>
+          <p:cNvPicPr>
+            <a:picLocks noChangeAspect="1"/>
+          </p:cNvPicPr>
+          <p:nvPr/>
+        </p:nvPicPr>
+        <p:blipFill>
+          <a:blip r:embed="rId13"/>
+          <a:stretch>
+            <a:fillRect/>
+          </a:stretch>
+        </p:blipFill>
+        <p:spPr>
+          <a:xfrm>
+            <a:off x="731949" y="5048600"/>
+            <a:ext cx="2612828" cy="706274"/>
+          </a:xfrm>
+          <a:prstGeom prst="rect">
+            <a:avLst/>
+          </a:prstGeom>
+        </p:spPr>
+      </p:pic>
+    </p:spTree>
+    <p:extLst>
+      <p:ext uri="{BB962C8B-B14F-4D97-AF65-F5344CB8AC3E}">
+        <p14:creationId xmlns:p14="http://schemas.microsoft.com/office/powerpoint/2010/main" val="3351228823"/>
+      </p:ext>
+    </p:extLst>
+  </p:cSld>
+  <p:clrMapOvr>
+    <a:masterClrMapping/>
+  </p:clrMapOvr>
+</p:sld>
+</file>
+
+<file path=ppt/slides/slide21.xml><?xml version="1.0" encoding="utf-8"?>
 <p:sld xmlns:a="http://schemas.openxmlformats.org/drawingml/2006/main" xmlns:r="http://schemas.openxmlformats.org/officeDocument/2006/relationships" xmlns:p="http://schemas.openxmlformats.org/presentationml/2006/main">
   <p:cSld>
     <p:spTree>
@@ -29492,318 +29504,6 @@
     <p:extLst>
       <p:ext uri="{BB962C8B-B14F-4D97-AF65-F5344CB8AC3E}">
         <p14:creationId xmlns:p14="http://schemas.microsoft.com/office/powerpoint/2010/main" val="4227180807"/>
-      </p:ext>
-    </p:extLst>
-  </p:cSld>
-  <p:clrMapOvr>
-    <a:masterClrMapping/>
-  </p:clrMapOvr>
-  <p:timing>
-    <p:tnLst>
-      <p:par>
-        <p:cTn id="1" dur="indefinite" restart="never" nodeType="tmRoot">
-          <p:childTnLst>
-            <p:seq concurrent="1" nextAc="seek">
-              <p:cTn id="2" dur="indefinite" nodeType="mainSeq">
-                <p:childTnLst>
-                  <p:par>
-                    <p:cTn id="3" fill="hold">
-                      <p:stCondLst>
-                        <p:cond delay="indefinite"/>
-                      </p:stCondLst>
-                      <p:childTnLst>
-                        <p:par>
-                          <p:cTn id="4" fill="hold">
-                            <p:stCondLst>
-                              <p:cond delay="0"/>
-                            </p:stCondLst>
-                            <p:childTnLst>
-                              <p:par>
-                                <p:cTn id="5" presetID="1" presetClass="entr" presetSubtype="0" fill="hold" grpId="0" nodeType="clickEffect">
-                                  <p:stCondLst>
-                                    <p:cond delay="0"/>
-                                  </p:stCondLst>
-                                  <p:childTnLst>
-                                    <p:set>
-                                      <p:cBhvr>
-                                        <p:cTn id="6" dur="1" fill="hold">
-                                          <p:stCondLst>
-                                            <p:cond delay="0"/>
-                                          </p:stCondLst>
-                                        </p:cTn>
-                                        <p:tgtEl>
-                                          <p:spTgt spid="2"/>
-                                        </p:tgtEl>
-                                        <p:attrNameLst>
-                                          <p:attrName>style.visibility</p:attrName>
-                                        </p:attrNameLst>
-                                      </p:cBhvr>
-                                      <p:to>
-                                        <p:strVal val="visible"/>
-                                      </p:to>
-                                    </p:set>
-                                  </p:childTnLst>
-                                </p:cTn>
-                              </p:par>
-                            </p:childTnLst>
-                          </p:cTn>
-                        </p:par>
-                      </p:childTnLst>
-                    </p:cTn>
-                  </p:par>
-                  <p:par>
-                    <p:cTn id="7" fill="hold">
-                      <p:stCondLst>
-                        <p:cond delay="indefinite"/>
-                      </p:stCondLst>
-                      <p:childTnLst>
-                        <p:par>
-                          <p:cTn id="8" fill="hold">
-                            <p:stCondLst>
-                              <p:cond delay="0"/>
-                            </p:stCondLst>
-                            <p:childTnLst>
-                              <p:par>
-                                <p:cTn id="9" presetID="1" presetClass="entr" presetSubtype="0" fill="hold" grpId="0" nodeType="clickEffect">
-                                  <p:stCondLst>
-                                    <p:cond delay="0"/>
-                                  </p:stCondLst>
-                                  <p:childTnLst>
-                                    <p:set>
-                                      <p:cBhvr>
-                                        <p:cTn id="10" dur="1" fill="hold">
-                                          <p:stCondLst>
-                                            <p:cond delay="0"/>
-                                          </p:stCondLst>
-                                        </p:cTn>
-                                        <p:tgtEl>
-                                          <p:spTgt spid="3"/>
-                                        </p:tgtEl>
-                                        <p:attrNameLst>
-                                          <p:attrName>style.visibility</p:attrName>
-                                        </p:attrNameLst>
-                                      </p:cBhvr>
-                                      <p:to>
-                                        <p:strVal val="visible"/>
-                                      </p:to>
-                                    </p:set>
-                                  </p:childTnLst>
-                                </p:cTn>
-                              </p:par>
-                            </p:childTnLst>
-                          </p:cTn>
-                        </p:par>
-                      </p:childTnLst>
-                    </p:cTn>
-                  </p:par>
-                </p:childTnLst>
-              </p:cTn>
-              <p:prevCondLst>
-                <p:cond evt="onPrev" delay="0">
-                  <p:tgtEl>
-                    <p:sldTgt/>
-                  </p:tgtEl>
-                </p:cond>
-              </p:prevCondLst>
-              <p:nextCondLst>
-                <p:cond evt="onNext" delay="0">
-                  <p:tgtEl>
-                    <p:sldTgt/>
-                  </p:tgtEl>
-                </p:cond>
-              </p:nextCondLst>
-            </p:seq>
-          </p:childTnLst>
-        </p:cTn>
-      </p:par>
-    </p:tnLst>
-    <p:bldLst>
-      <p:bldP spid="3" grpId="0"/>
-      <p:bldP spid="2" grpId="0"/>
-    </p:bldLst>
-  </p:timing>
-</p:sld>
-</file>
-
-<file path=ppt/slides/slide21.xml><?xml version="1.0" encoding="utf-8"?>
-<p:sld xmlns:a="http://schemas.openxmlformats.org/drawingml/2006/main" xmlns:r="http://schemas.openxmlformats.org/officeDocument/2006/relationships" xmlns:p="http://schemas.openxmlformats.org/presentationml/2006/main">
-  <p:cSld>
-    <p:spTree>
-      <p:nvGrpSpPr>
-        <p:cNvPr id="1" name=""/>
-        <p:cNvGrpSpPr/>
-        <p:nvPr/>
-      </p:nvGrpSpPr>
-      <p:grpSpPr>
-        <a:xfrm>
-          <a:off x="0" y="0"/>
-          <a:ext cx="0" cy="0"/>
-          <a:chOff x="0" y="0"/>
-          <a:chExt cx="0" cy="0"/>
-        </a:xfrm>
-      </p:grpSpPr>
-      <p:sp>
-        <p:nvSpPr>
-          <p:cNvPr id="3" name="Content Placeholder 2"/>
-          <p:cNvSpPr>
-            <a:spLocks noGrp="1"/>
-          </p:cNvSpPr>
-          <p:nvPr>
-            <p:ph idx="1"/>
-          </p:nvPr>
-        </p:nvSpPr>
-        <p:spPr>
-          <a:xfrm>
-            <a:off x="5263077" y="3034144"/>
-            <a:ext cx="5891209" cy="2448297"/>
-          </a:xfrm>
-        </p:spPr>
-        <p:txBody>
-          <a:bodyPr>
-            <a:normAutofit/>
-          </a:bodyPr>
-          <a:lstStyle/>
-          <a:p>
-            <a:pPr marL="0" indent="0">
-              <a:buNone/>
-            </a:pPr>
-            <a:endParaRPr lang="en-US" dirty="0"/>
-          </a:p>
-          <a:p>
-            <a:pPr marL="0" indent="0">
-              <a:buNone/>
-            </a:pPr>
-            <a:r>
-              <a:rPr lang="en-US" sz="2400" b="1" dirty="0"/>
-              <a:t>Cons:</a:t>
-            </a:r>
-          </a:p>
-          <a:p>
-            <a:pPr>
-              <a:buFont typeface="Wingdings" panose="05000000000000000000" pitchFamily="2" charset="2"/>
-              <a:buChar char="Ø"/>
-            </a:pPr>
-            <a:r>
-              <a:rPr lang="en-US" dirty="0"/>
-              <a:t> No native windows service installation</a:t>
-            </a:r>
-          </a:p>
-          <a:p>
-            <a:pPr>
-              <a:buFont typeface="Wingdings" panose="05000000000000000000" pitchFamily="2" charset="2"/>
-              <a:buChar char="Ø"/>
-            </a:pPr>
-            <a:r>
-              <a:rPr lang="en-US" dirty="0"/>
-              <a:t> Requires more schema design up front</a:t>
-            </a:r>
-          </a:p>
-        </p:txBody>
-      </p:sp>
-      <p:pic>
-        <p:nvPicPr>
-          <p:cNvPr id="5" name="Picture 4" descr="&lt;strong&gt;OrientDB&lt;/strong&gt; - Wikipedia"/>
-          <p:cNvPicPr>
-            <a:picLocks noChangeAspect="1"/>
-          </p:cNvPicPr>
-          <p:nvPr/>
-        </p:nvPicPr>
-        <p:blipFill>
-          <a:blip r:embed="rId3"/>
-          <a:stretch>
-            <a:fillRect/>
-          </a:stretch>
-        </p:blipFill>
-        <p:spPr>
-          <a:xfrm>
-            <a:off x="1450345" y="283908"/>
-            <a:ext cx="3306687" cy="1508189"/>
-          </a:xfrm>
-          <a:prstGeom prst="rect">
-            <a:avLst/>
-          </a:prstGeom>
-        </p:spPr>
-      </p:pic>
-      <p:sp>
-        <p:nvSpPr>
-          <p:cNvPr id="2" name="TextBox 1"/>
-          <p:cNvSpPr txBox="1"/>
-          <p:nvPr/>
-        </p:nvSpPr>
-        <p:spPr>
-          <a:xfrm>
-            <a:off x="5263076" y="498763"/>
-            <a:ext cx="6267863" cy="2677656"/>
-          </a:xfrm>
-          <a:prstGeom prst="rect">
-            <a:avLst/>
-          </a:prstGeom>
-          <a:noFill/>
-        </p:spPr>
-        <p:txBody>
-          <a:bodyPr wrap="square" rtlCol="0">
-            <a:spAutoFit/>
-          </a:bodyPr>
-          <a:lstStyle/>
-          <a:p>
-            <a:pPr>
-              <a:lnSpc>
-                <a:spcPct val="150000"/>
-              </a:lnSpc>
-            </a:pPr>
-            <a:r>
-              <a:rPr lang="en-US" sz="2400" b="1" dirty="0"/>
-              <a:t>Pros:</a:t>
-            </a:r>
-          </a:p>
-          <a:p>
-            <a:pPr marL="342900" indent="-342900">
-              <a:lnSpc>
-                <a:spcPct val="150000"/>
-              </a:lnSpc>
-              <a:buFont typeface="Wingdings" panose="05000000000000000000" pitchFamily="2" charset="2"/>
-              <a:buChar char="Ø"/>
-            </a:pPr>
-            <a:r>
-              <a:rPr lang="en-US" sz="2400" dirty="0"/>
-              <a:t>Multi modal DB – both graph and document DB</a:t>
-            </a:r>
-          </a:p>
-          <a:p>
-            <a:pPr marL="342900" indent="-342900">
-              <a:lnSpc>
-                <a:spcPct val="150000"/>
-              </a:lnSpc>
-              <a:buFont typeface="Wingdings" panose="05000000000000000000" pitchFamily="2" charset="2"/>
-              <a:buChar char="Ø"/>
-            </a:pPr>
-            <a:r>
-              <a:rPr lang="en-US" sz="2400" dirty="0"/>
-              <a:t>Easily add users/roles</a:t>
-            </a:r>
-          </a:p>
-          <a:p>
-            <a:pPr marL="342900" indent="-342900">
-              <a:lnSpc>
-                <a:spcPct val="150000"/>
-              </a:lnSpc>
-              <a:buFont typeface="Wingdings" panose="05000000000000000000" pitchFamily="2" charset="2"/>
-              <a:buChar char="Ø"/>
-            </a:pPr>
-            <a:r>
-              <a:rPr lang="en-US" sz="2400" dirty="0"/>
-              <a:t>Supports multiple databases</a:t>
-            </a:r>
-          </a:p>
-          <a:p>
-            <a:endParaRPr lang="en-US" sz="2400" dirty="0"/>
-          </a:p>
-        </p:txBody>
-      </p:sp>
-    </p:spTree>
-    <p:extLst>
-      <p:ext uri="{BB962C8B-B14F-4D97-AF65-F5344CB8AC3E}">
-        <p14:creationId xmlns:p14="http://schemas.microsoft.com/office/powerpoint/2010/main" val="896595893"/>
       </p:ext>
     </p:extLst>
   </p:cSld>
@@ -29966,8 +29666,8 @@
         </p:nvSpPr>
         <p:spPr>
           <a:xfrm>
-            <a:off x="5159830" y="3625285"/>
-            <a:ext cx="5891209" cy="2364290"/>
+            <a:off x="5263077" y="3034144"/>
+            <a:ext cx="5891209" cy="2448297"/>
           </a:xfrm>
         </p:spPr>
         <p:txBody>
@@ -29997,17 +29697,24 @@
             </a:pPr>
             <a:r>
               <a:rPr lang="en-US" dirty="0"/>
-              <a:t> Only one DB can be running on one port at a time</a:t>
-            </a:r>
-          </a:p>
-          <a:p>
-            <a:endParaRPr lang="en-US" dirty="0"/>
+              <a:t> No native windows service installation</a:t>
+            </a:r>
+          </a:p>
+          <a:p>
+            <a:pPr>
+              <a:buFont typeface="Wingdings" panose="05000000000000000000" pitchFamily="2" charset="2"/>
+              <a:buChar char="Ø"/>
+            </a:pPr>
+            <a:r>
+              <a:rPr lang="en-US" dirty="0"/>
+              <a:t> Requires more schema design up front</a:t>
+            </a:r>
           </a:p>
         </p:txBody>
       </p:sp>
       <p:pic>
         <p:nvPicPr>
-          <p:cNvPr id="7" name="Picture 6" descr="&lt;strong&gt;Neo4j&lt;/strong&gt;-2015-logo.png"/>
+          <p:cNvPr id="5" name="Picture 4" descr="&lt;strong&gt;OrientDB&lt;/strong&gt; - Wikipedia"/>
           <p:cNvPicPr>
             <a:picLocks noChangeAspect="1"/>
           </p:cNvPicPr>
@@ -30021,8 +29728,8 @@
         </p:blipFill>
         <p:spPr>
           <a:xfrm>
-            <a:off x="1709785" y="451527"/>
-            <a:ext cx="2220948" cy="988444"/>
+            <a:off x="1450345" y="283908"/>
+            <a:ext cx="3306687" cy="1508189"/>
           </a:xfrm>
           <a:prstGeom prst="rect">
             <a:avLst/>
@@ -30037,8 +29744,8 @@
         </p:nvSpPr>
         <p:spPr>
           <a:xfrm>
-            <a:off x="5159830" y="451527"/>
-            <a:ext cx="6018228" cy="3785652"/>
+            <a:off x="5263076" y="498763"/>
+            <a:ext cx="6267863" cy="2677656"/>
           </a:xfrm>
           <a:prstGeom prst="rect">
             <a:avLst/>
@@ -30070,8 +29777,12 @@
               <a:buChar char="Ø"/>
             </a:pPr>
             <a:r>
+              <a:rPr lang="en-US" sz="2400"/>
+              <a:t>Multi model </a:t>
+            </a:r>
+            <a:r>
               <a:rPr lang="en-US" sz="2400" dirty="0"/>
-              <a:t>Runs on Windows natively - in either a console or as a service</a:t>
+              <a:t>DB – both graph and document DB</a:t>
             </a:r>
           </a:p>
           <a:p>
@@ -30084,7 +29795,7 @@
             </a:pPr>
             <a:r>
               <a:rPr lang="en-US" sz="2400" dirty="0"/>
-              <a:t>24/7 production support since 2003 – Mature</a:t>
+              <a:t>Easily add users/roles</a:t>
             </a:r>
           </a:p>
           <a:p>
@@ -30097,7 +29808,7 @@
             </a:pPr>
             <a:r>
               <a:rPr lang="en-US" sz="2400" dirty="0"/>
-              <a:t>Large and active user community</a:t>
+              <a:t>Supports multiple databases</a:t>
             </a:r>
           </a:p>
           <a:p>
@@ -30108,7 +29819,7 @@
     </p:spTree>
     <p:extLst>
       <p:ext uri="{BB962C8B-B14F-4D97-AF65-F5344CB8AC3E}">
-        <p14:creationId xmlns:p14="http://schemas.microsoft.com/office/powerpoint/2010/main" val="3344084035"/>
+        <p14:creationId xmlns:p14="http://schemas.microsoft.com/office/powerpoint/2010/main" val="896595893"/>
       </p:ext>
     </p:extLst>
   </p:cSld>
@@ -30261,6 +29972,311 @@
       </p:grpSpPr>
       <p:sp>
         <p:nvSpPr>
+          <p:cNvPr id="3" name="Content Placeholder 2"/>
+          <p:cNvSpPr>
+            <a:spLocks noGrp="1"/>
+          </p:cNvSpPr>
+          <p:nvPr>
+            <p:ph idx="1"/>
+          </p:nvPr>
+        </p:nvSpPr>
+        <p:spPr>
+          <a:xfrm>
+            <a:off x="5159830" y="3625285"/>
+            <a:ext cx="5891209" cy="2364290"/>
+          </a:xfrm>
+        </p:spPr>
+        <p:txBody>
+          <a:bodyPr>
+            <a:normAutofit/>
+          </a:bodyPr>
+          <a:lstStyle/>
+          <a:p>
+            <a:pPr marL="0" indent="0">
+              <a:buNone/>
+            </a:pPr>
+            <a:endParaRPr lang="en-US" dirty="0"/>
+          </a:p>
+          <a:p>
+            <a:pPr marL="0" indent="0">
+              <a:buNone/>
+            </a:pPr>
+            <a:r>
+              <a:rPr lang="en-US" sz="2400" b="1" dirty="0"/>
+              <a:t>Cons:</a:t>
+            </a:r>
+          </a:p>
+          <a:p>
+            <a:pPr>
+              <a:buFont typeface="Wingdings" panose="05000000000000000000" pitchFamily="2" charset="2"/>
+              <a:buChar char="Ø"/>
+            </a:pPr>
+            <a:r>
+              <a:rPr lang="en-US" dirty="0"/>
+              <a:t> Only one DB can be running on one port at a time</a:t>
+            </a:r>
+          </a:p>
+          <a:p>
+            <a:endParaRPr lang="en-US" dirty="0"/>
+          </a:p>
+        </p:txBody>
+      </p:sp>
+      <p:pic>
+        <p:nvPicPr>
+          <p:cNvPr id="7" name="Picture 6" descr="&lt;strong&gt;Neo4j&lt;/strong&gt;-2015-logo.png"/>
+          <p:cNvPicPr>
+            <a:picLocks noChangeAspect="1"/>
+          </p:cNvPicPr>
+          <p:nvPr/>
+        </p:nvPicPr>
+        <p:blipFill>
+          <a:blip r:embed="rId3"/>
+          <a:stretch>
+            <a:fillRect/>
+          </a:stretch>
+        </p:blipFill>
+        <p:spPr>
+          <a:xfrm>
+            <a:off x="1709785" y="451527"/>
+            <a:ext cx="2220948" cy="988444"/>
+          </a:xfrm>
+          <a:prstGeom prst="rect">
+            <a:avLst/>
+          </a:prstGeom>
+        </p:spPr>
+      </p:pic>
+      <p:sp>
+        <p:nvSpPr>
+          <p:cNvPr id="2" name="TextBox 1"/>
+          <p:cNvSpPr txBox="1"/>
+          <p:nvPr/>
+        </p:nvSpPr>
+        <p:spPr>
+          <a:xfrm>
+            <a:off x="5159830" y="451527"/>
+            <a:ext cx="6018228" cy="3785652"/>
+          </a:xfrm>
+          <a:prstGeom prst="rect">
+            <a:avLst/>
+          </a:prstGeom>
+          <a:noFill/>
+        </p:spPr>
+        <p:txBody>
+          <a:bodyPr wrap="square" rtlCol="0">
+            <a:spAutoFit/>
+          </a:bodyPr>
+          <a:lstStyle/>
+          <a:p>
+            <a:pPr>
+              <a:lnSpc>
+                <a:spcPct val="150000"/>
+              </a:lnSpc>
+            </a:pPr>
+            <a:r>
+              <a:rPr lang="en-US" sz="2400" b="1" dirty="0"/>
+              <a:t>Pros:</a:t>
+            </a:r>
+          </a:p>
+          <a:p>
+            <a:pPr marL="342900" indent="-342900">
+              <a:lnSpc>
+                <a:spcPct val="150000"/>
+              </a:lnSpc>
+              <a:buFont typeface="Wingdings" panose="05000000000000000000" pitchFamily="2" charset="2"/>
+              <a:buChar char="Ø"/>
+            </a:pPr>
+            <a:r>
+              <a:rPr lang="en-US" sz="2400" dirty="0"/>
+              <a:t>Runs on Windows natively - in either a console or as a service</a:t>
+            </a:r>
+          </a:p>
+          <a:p>
+            <a:pPr marL="342900" indent="-342900">
+              <a:lnSpc>
+                <a:spcPct val="150000"/>
+              </a:lnSpc>
+              <a:buFont typeface="Wingdings" panose="05000000000000000000" pitchFamily="2" charset="2"/>
+              <a:buChar char="Ø"/>
+            </a:pPr>
+            <a:r>
+              <a:rPr lang="en-US" sz="2400" dirty="0"/>
+              <a:t>24/7 production support since 2003 – Mature</a:t>
+            </a:r>
+          </a:p>
+          <a:p>
+            <a:pPr marL="342900" indent="-342900">
+              <a:lnSpc>
+                <a:spcPct val="150000"/>
+              </a:lnSpc>
+              <a:buFont typeface="Wingdings" panose="05000000000000000000" pitchFamily="2" charset="2"/>
+              <a:buChar char="Ø"/>
+            </a:pPr>
+            <a:r>
+              <a:rPr lang="en-US" sz="2400" dirty="0"/>
+              <a:t>Large and active user community</a:t>
+            </a:r>
+          </a:p>
+          <a:p>
+            <a:endParaRPr lang="en-US" sz="2400" dirty="0"/>
+          </a:p>
+        </p:txBody>
+      </p:sp>
+    </p:spTree>
+    <p:extLst>
+      <p:ext uri="{BB962C8B-B14F-4D97-AF65-F5344CB8AC3E}">
+        <p14:creationId xmlns:p14="http://schemas.microsoft.com/office/powerpoint/2010/main" val="3344084035"/>
+      </p:ext>
+    </p:extLst>
+  </p:cSld>
+  <p:clrMapOvr>
+    <a:masterClrMapping/>
+  </p:clrMapOvr>
+  <p:timing>
+    <p:tnLst>
+      <p:par>
+        <p:cTn id="1" dur="indefinite" restart="never" nodeType="tmRoot">
+          <p:childTnLst>
+            <p:seq concurrent="1" nextAc="seek">
+              <p:cTn id="2" dur="indefinite" nodeType="mainSeq">
+                <p:childTnLst>
+                  <p:par>
+                    <p:cTn id="3" fill="hold">
+                      <p:stCondLst>
+                        <p:cond delay="indefinite"/>
+                      </p:stCondLst>
+                      <p:childTnLst>
+                        <p:par>
+                          <p:cTn id="4" fill="hold">
+                            <p:stCondLst>
+                              <p:cond delay="0"/>
+                            </p:stCondLst>
+                            <p:childTnLst>
+                              <p:par>
+                                <p:cTn id="5" presetID="1" presetClass="entr" presetSubtype="0" fill="hold" grpId="0" nodeType="clickEffect">
+                                  <p:stCondLst>
+                                    <p:cond delay="0"/>
+                                  </p:stCondLst>
+                                  <p:childTnLst>
+                                    <p:set>
+                                      <p:cBhvr>
+                                        <p:cTn id="6" dur="1" fill="hold">
+                                          <p:stCondLst>
+                                            <p:cond delay="0"/>
+                                          </p:stCondLst>
+                                        </p:cTn>
+                                        <p:tgtEl>
+                                          <p:spTgt spid="2"/>
+                                        </p:tgtEl>
+                                        <p:attrNameLst>
+                                          <p:attrName>style.visibility</p:attrName>
+                                        </p:attrNameLst>
+                                      </p:cBhvr>
+                                      <p:to>
+                                        <p:strVal val="visible"/>
+                                      </p:to>
+                                    </p:set>
+                                  </p:childTnLst>
+                                </p:cTn>
+                              </p:par>
+                            </p:childTnLst>
+                          </p:cTn>
+                        </p:par>
+                      </p:childTnLst>
+                    </p:cTn>
+                  </p:par>
+                  <p:par>
+                    <p:cTn id="7" fill="hold">
+                      <p:stCondLst>
+                        <p:cond delay="indefinite"/>
+                      </p:stCondLst>
+                      <p:childTnLst>
+                        <p:par>
+                          <p:cTn id="8" fill="hold">
+                            <p:stCondLst>
+                              <p:cond delay="0"/>
+                            </p:stCondLst>
+                            <p:childTnLst>
+                              <p:par>
+                                <p:cTn id="9" presetID="1" presetClass="entr" presetSubtype="0" fill="hold" grpId="0" nodeType="clickEffect">
+                                  <p:stCondLst>
+                                    <p:cond delay="0"/>
+                                  </p:stCondLst>
+                                  <p:childTnLst>
+                                    <p:set>
+                                      <p:cBhvr>
+                                        <p:cTn id="10" dur="1" fill="hold">
+                                          <p:stCondLst>
+                                            <p:cond delay="0"/>
+                                          </p:stCondLst>
+                                        </p:cTn>
+                                        <p:tgtEl>
+                                          <p:spTgt spid="3"/>
+                                        </p:tgtEl>
+                                        <p:attrNameLst>
+                                          <p:attrName>style.visibility</p:attrName>
+                                        </p:attrNameLst>
+                                      </p:cBhvr>
+                                      <p:to>
+                                        <p:strVal val="visible"/>
+                                      </p:to>
+                                    </p:set>
+                                  </p:childTnLst>
+                                </p:cTn>
+                              </p:par>
+                            </p:childTnLst>
+                          </p:cTn>
+                        </p:par>
+                      </p:childTnLst>
+                    </p:cTn>
+                  </p:par>
+                </p:childTnLst>
+              </p:cTn>
+              <p:prevCondLst>
+                <p:cond evt="onPrev" delay="0">
+                  <p:tgtEl>
+                    <p:sldTgt/>
+                  </p:tgtEl>
+                </p:cond>
+              </p:prevCondLst>
+              <p:nextCondLst>
+                <p:cond evt="onNext" delay="0">
+                  <p:tgtEl>
+                    <p:sldTgt/>
+                  </p:tgtEl>
+                </p:cond>
+              </p:nextCondLst>
+            </p:seq>
+          </p:childTnLst>
+        </p:cTn>
+      </p:par>
+    </p:tnLst>
+    <p:bldLst>
+      <p:bldP spid="3" grpId="0"/>
+      <p:bldP spid="2" grpId="0"/>
+    </p:bldLst>
+  </p:timing>
+</p:sld>
+</file>
+
+<file path=ppt/slides/slide24.xml><?xml version="1.0" encoding="utf-8"?>
+<p:sld xmlns:a="http://schemas.openxmlformats.org/drawingml/2006/main" xmlns:r="http://schemas.openxmlformats.org/officeDocument/2006/relationships" xmlns:p="http://schemas.openxmlformats.org/presentationml/2006/main">
+  <p:cSld>
+    <p:spTree>
+      <p:nvGrpSpPr>
+        <p:cNvPr id="1" name=""/>
+        <p:cNvGrpSpPr/>
+        <p:nvPr/>
+      </p:nvGrpSpPr>
+      <p:grpSpPr>
+        <a:xfrm>
+          <a:off x="0" y="0"/>
+          <a:ext cx="0" cy="0"/>
+          <a:chOff x="0" y="0"/>
+          <a:chExt cx="0" cy="0"/>
+        </a:xfrm>
+      </p:grpSpPr>
+      <p:sp>
+        <p:nvSpPr>
           <p:cNvPr id="2" name="Title 1"/>
           <p:cNvSpPr>
             <a:spLocks noGrp="1"/>
@@ -30360,7 +30376,7 @@
 </p:sld>
 </file>
 
-<file path=ppt/slides/slide24.xml><?xml version="1.0" encoding="utf-8"?>
+<file path=ppt/slides/slide25.xml><?xml version="1.0" encoding="utf-8"?>
 <p:sld xmlns:a="http://schemas.openxmlformats.org/drawingml/2006/main" xmlns:r="http://schemas.openxmlformats.org/officeDocument/2006/relationships" xmlns:p="http://schemas.openxmlformats.org/presentationml/2006/main">
   <p:cSld>
     <p:spTree>
@@ -30747,7 +30763,7 @@
 </p:sld>
 </file>
 
-<file path=ppt/slides/slide25.xml><?xml version="1.0" encoding="utf-8"?>
+<file path=ppt/slides/slide26.xml><?xml version="1.0" encoding="utf-8"?>
 <p:sld xmlns:a="http://schemas.openxmlformats.org/drawingml/2006/main" xmlns:r="http://schemas.openxmlformats.org/officeDocument/2006/relationships" xmlns:p="http://schemas.openxmlformats.org/presentationml/2006/main">
   <p:cSld>
     <p:spTree>
@@ -31115,7 +31131,7 @@
 </p:sld>
 </file>
 
-<file path=ppt/slides/slide26.xml><?xml version="1.0" encoding="utf-8"?>
+<file path=ppt/slides/slide27.xml><?xml version="1.0" encoding="utf-8"?>
 <p:sld xmlns:a="http://schemas.openxmlformats.org/drawingml/2006/main" xmlns:r="http://schemas.openxmlformats.org/officeDocument/2006/relationships" xmlns:p="http://schemas.openxmlformats.org/presentationml/2006/main">
   <p:cSld>
     <p:spTree>
@@ -31401,7 +31417,7 @@
 </p:sld>
 </file>
 
-<file path=ppt/slides/slide27.xml><?xml version="1.0" encoding="utf-8"?>
+<file path=ppt/slides/slide28.xml><?xml version="1.0" encoding="utf-8"?>
 <p:sld xmlns:a="http://schemas.openxmlformats.org/drawingml/2006/main" xmlns:r="http://schemas.openxmlformats.org/officeDocument/2006/relationships" xmlns:p="http://schemas.openxmlformats.org/presentationml/2006/main">
   <p:cSld>
     <p:spTree>
@@ -32045,7 +32061,7 @@
 </p:sld>
 </file>
 
-<file path=ppt/slides/slide28.xml><?xml version="1.0" encoding="utf-8"?>
+<file path=ppt/slides/slide29.xml><?xml version="1.0" encoding="utf-8"?>
 <p:sld xmlns:a="http://schemas.openxmlformats.org/drawingml/2006/main" xmlns:r="http://schemas.openxmlformats.org/officeDocument/2006/relationships" xmlns:p="http://schemas.openxmlformats.org/presentationml/2006/main">
   <p:cSld>
     <p:spTree>
@@ -32395,926 +32411,6 @@
     <p:extLst>
       <p:ext uri="{BB962C8B-B14F-4D97-AF65-F5344CB8AC3E}">
         <p14:creationId xmlns:p14="http://schemas.microsoft.com/office/powerpoint/2010/main" val="2650693257"/>
-      </p:ext>
-    </p:extLst>
-  </p:cSld>
-  <p:clrMapOvr>
-    <a:masterClrMapping/>
-  </p:clrMapOvr>
-</p:sld>
-</file>
-
-<file path=ppt/slides/slide29.xml><?xml version="1.0" encoding="utf-8"?>
-<p:sld xmlns:a="http://schemas.openxmlformats.org/drawingml/2006/main" xmlns:r="http://schemas.openxmlformats.org/officeDocument/2006/relationships" xmlns:p="http://schemas.openxmlformats.org/presentationml/2006/main">
-  <p:cSld>
-    <p:spTree>
-      <p:nvGrpSpPr>
-        <p:cNvPr id="1" name=""/>
-        <p:cNvGrpSpPr/>
-        <p:nvPr/>
-      </p:nvGrpSpPr>
-      <p:grpSpPr>
-        <a:xfrm>
-          <a:off x="0" y="0"/>
-          <a:ext cx="0" cy="0"/>
-          <a:chOff x="0" y="0"/>
-          <a:chExt cx="0" cy="0"/>
-        </a:xfrm>
-      </p:grpSpPr>
-      <p:sp>
-        <p:nvSpPr>
-          <p:cNvPr id="2" name="Title 1"/>
-          <p:cNvSpPr>
-            <a:spLocks noGrp="1"/>
-          </p:cNvSpPr>
-          <p:nvPr>
-            <p:ph type="title"/>
-          </p:nvPr>
-        </p:nvSpPr>
-        <p:spPr>
-          <a:xfrm>
-            <a:off x="1271729" y="154394"/>
-            <a:ext cx="4516913" cy="1172496"/>
-          </a:xfrm>
-        </p:spPr>
-        <p:txBody>
-          <a:bodyPr/>
-          <a:lstStyle/>
-          <a:p>
-            <a:r>
-              <a:rPr lang="en-US" dirty="0"/>
-              <a:t>Fraud detection</a:t>
-            </a:r>
-          </a:p>
-        </p:txBody>
-      </p:sp>
-      <p:sp>
-        <p:nvSpPr>
-          <p:cNvPr id="3" name="Content Placeholder 2"/>
-          <p:cNvSpPr>
-            <a:spLocks noGrp="1"/>
-          </p:cNvSpPr>
-          <p:nvPr>
-            <p:ph idx="1"/>
-          </p:nvPr>
-        </p:nvSpPr>
-        <p:spPr/>
-        <p:txBody>
-          <a:bodyPr/>
-          <a:lstStyle/>
-          <a:p>
-            <a:pPr marL="0" indent="0">
-              <a:buNone/>
-            </a:pPr>
-            <a:endParaRPr lang="en-US" dirty="0"/>
-          </a:p>
-          <a:p>
-            <a:pPr marL="0" indent="0">
-              <a:buNone/>
-            </a:pPr>
-            <a:endParaRPr lang="en-US" dirty="0"/>
-          </a:p>
-          <a:p>
-            <a:endParaRPr lang="en-US" dirty="0"/>
-          </a:p>
-        </p:txBody>
-      </p:sp>
-      <p:sp>
-        <p:nvSpPr>
-          <p:cNvPr id="5" name="Rectangle 4"/>
-          <p:cNvSpPr/>
-          <p:nvPr/>
-        </p:nvSpPr>
-        <p:spPr>
-          <a:xfrm>
-            <a:off x="5696662" y="331336"/>
-            <a:ext cx="5947422" cy="646331"/>
-          </a:xfrm>
-          <a:prstGeom prst="rect">
-            <a:avLst/>
-          </a:prstGeom>
-        </p:spPr>
-        <p:txBody>
-          <a:bodyPr wrap="square">
-            <a:spAutoFit/>
-          </a:bodyPr>
-          <a:lstStyle/>
-          <a:p>
-            <a:r>
-              <a:rPr lang="en-US" dirty="0"/>
-              <a:t>https://neo4j.com/graphgist/9d627127-003b-411a-b3ce-f8d3970c2afa#listing_category=fraud-detection</a:t>
-            </a:r>
-          </a:p>
-        </p:txBody>
-      </p:sp>
-      <p:sp>
-        <p:nvSpPr>
-          <p:cNvPr id="6" name="Rectangle 5"/>
-          <p:cNvSpPr/>
-          <p:nvPr/>
-        </p:nvSpPr>
-        <p:spPr>
-          <a:xfrm>
-            <a:off x="1271729" y="1658059"/>
-            <a:ext cx="7952953" cy="3139321"/>
-          </a:xfrm>
-          <a:prstGeom prst="rect">
-            <a:avLst/>
-          </a:prstGeom>
-        </p:spPr>
-        <p:txBody>
-          <a:bodyPr wrap="square">
-            <a:spAutoFit/>
-          </a:bodyPr>
-          <a:lstStyle/>
-          <a:p>
-            <a:r>
-              <a:rPr lang="en-US" b="1" cap="all" dirty="0">
-                <a:solidFill>
-                  <a:srgbClr val="1D75B3"/>
-                </a:solidFill>
-                <a:latin typeface="Consolas" panose="020B0609020204030204" pitchFamily="49" charset="0"/>
-              </a:rPr>
-              <a:t>MATCH</a:t>
-            </a:r>
-            <a:r>
-              <a:rPr lang="en-US" b="1" dirty="0">
-                <a:solidFill>
-                  <a:srgbClr val="000000"/>
-                </a:solidFill>
-                <a:latin typeface="Consolas" panose="020B0609020204030204" pitchFamily="49" charset="0"/>
-              </a:rPr>
-              <a:t> </a:t>
-            </a:r>
-            <a:r>
-              <a:rPr lang="en-US" b="1" dirty="0">
-                <a:solidFill>
-                  <a:srgbClr val="9C3328"/>
-                </a:solidFill>
-                <a:latin typeface="Consolas" panose="020B0609020204030204" pitchFamily="49" charset="0"/>
-              </a:rPr>
-              <a:t>(</a:t>
-            </a:r>
-            <a:r>
-              <a:rPr lang="en-US" b="1" dirty="0" err="1">
-                <a:solidFill>
-                  <a:srgbClr val="75438A"/>
-                </a:solidFill>
-                <a:latin typeface="Consolas" panose="020B0609020204030204" pitchFamily="49" charset="0"/>
-              </a:rPr>
-              <a:t>accountHolder:AccountHolder</a:t>
-            </a:r>
-            <a:r>
-              <a:rPr lang="en-US" b="1" dirty="0">
-                <a:solidFill>
-                  <a:srgbClr val="9C3328"/>
-                </a:solidFill>
-                <a:latin typeface="Consolas" panose="020B0609020204030204" pitchFamily="49" charset="0"/>
-              </a:rPr>
-              <a:t>)</a:t>
-            </a:r>
-            <a:r>
-              <a:rPr lang="en-US" b="1" dirty="0">
-                <a:solidFill>
-                  <a:srgbClr val="000000"/>
-                </a:solidFill>
-                <a:latin typeface="Consolas" panose="020B0609020204030204" pitchFamily="49" charset="0"/>
-              </a:rPr>
-              <a:t>-</a:t>
-            </a:r>
-            <a:r>
-              <a:rPr lang="en-US" b="1" dirty="0">
-                <a:solidFill>
-                  <a:srgbClr val="9C3328"/>
-                </a:solidFill>
-                <a:latin typeface="Consolas" panose="020B0609020204030204" pitchFamily="49" charset="0"/>
-              </a:rPr>
-              <a:t>[]</a:t>
-            </a:r>
-            <a:r>
-              <a:rPr lang="en-US" b="1" dirty="0">
-                <a:solidFill>
-                  <a:srgbClr val="000000"/>
-                </a:solidFill>
-                <a:latin typeface="Consolas" panose="020B0609020204030204" pitchFamily="49" charset="0"/>
-              </a:rPr>
-              <a:t>-&gt;</a:t>
-            </a:r>
-            <a:r>
-              <a:rPr lang="en-US" b="1" dirty="0">
-                <a:solidFill>
-                  <a:srgbClr val="9C3328"/>
-                </a:solidFill>
-                <a:latin typeface="Consolas" panose="020B0609020204030204" pitchFamily="49" charset="0"/>
-              </a:rPr>
-              <a:t>(</a:t>
-            </a:r>
-            <a:r>
-              <a:rPr lang="en-US" b="1" dirty="0" err="1">
-                <a:solidFill>
-                  <a:srgbClr val="047D65"/>
-                </a:solidFill>
-                <a:latin typeface="Consolas" panose="020B0609020204030204" pitchFamily="49" charset="0"/>
-              </a:rPr>
-              <a:t>contactInformation</a:t>
-            </a:r>
-            <a:r>
-              <a:rPr lang="en-US" b="1" dirty="0">
-                <a:solidFill>
-                  <a:srgbClr val="9C3328"/>
-                </a:solidFill>
-                <a:latin typeface="Consolas" panose="020B0609020204030204" pitchFamily="49" charset="0"/>
-              </a:rPr>
-              <a:t>)</a:t>
-            </a:r>
-            <a:br>
-              <a:rPr lang="en-US" dirty="0"/>
-            </a:br>
-            <a:r>
-              <a:rPr lang="en-US" b="1" cap="all" dirty="0">
-                <a:solidFill>
-                  <a:srgbClr val="1D75B3"/>
-                </a:solidFill>
-                <a:latin typeface="Consolas" panose="020B0609020204030204" pitchFamily="49" charset="0"/>
-              </a:rPr>
-              <a:t>WITH</a:t>
-            </a:r>
-            <a:r>
-              <a:rPr lang="en-US" b="1" dirty="0">
-                <a:solidFill>
-                  <a:srgbClr val="000000"/>
-                </a:solidFill>
-                <a:latin typeface="Consolas" panose="020B0609020204030204" pitchFamily="49" charset="0"/>
-              </a:rPr>
-              <a:t> </a:t>
-            </a:r>
-            <a:r>
-              <a:rPr lang="en-US" b="1" dirty="0" err="1">
-                <a:solidFill>
-                  <a:srgbClr val="047D65"/>
-                </a:solidFill>
-                <a:latin typeface="Consolas" panose="020B0609020204030204" pitchFamily="49" charset="0"/>
-              </a:rPr>
-              <a:t>contactInformation</a:t>
-            </a:r>
-            <a:r>
-              <a:rPr lang="en-US" b="1" dirty="0">
-                <a:solidFill>
-                  <a:srgbClr val="9C3328"/>
-                </a:solidFill>
-                <a:latin typeface="Consolas" panose="020B0609020204030204" pitchFamily="49" charset="0"/>
-              </a:rPr>
-              <a:t>,</a:t>
-            </a:r>
-            <a:br>
-              <a:rPr lang="en-US" dirty="0"/>
-            </a:br>
-            <a:r>
-              <a:rPr lang="en-US" b="1" dirty="0">
-                <a:solidFill>
-                  <a:srgbClr val="000000"/>
-                </a:solidFill>
-                <a:latin typeface="Consolas" panose="020B0609020204030204" pitchFamily="49" charset="0"/>
-              </a:rPr>
-              <a:t>count</a:t>
-            </a:r>
-            <a:r>
-              <a:rPr lang="en-US" b="1" dirty="0">
-                <a:solidFill>
-                  <a:srgbClr val="9C3328"/>
-                </a:solidFill>
-                <a:latin typeface="Consolas" panose="020B0609020204030204" pitchFamily="49" charset="0"/>
-              </a:rPr>
-              <a:t>(</a:t>
-            </a:r>
-            <a:r>
-              <a:rPr lang="en-US" b="1" dirty="0" err="1">
-                <a:solidFill>
-                  <a:srgbClr val="047D65"/>
-                </a:solidFill>
-                <a:latin typeface="Consolas" panose="020B0609020204030204" pitchFamily="49" charset="0"/>
-              </a:rPr>
-              <a:t>accountHolder</a:t>
-            </a:r>
-            <a:r>
-              <a:rPr lang="en-US" b="1" dirty="0">
-                <a:solidFill>
-                  <a:srgbClr val="9C3328"/>
-                </a:solidFill>
-                <a:latin typeface="Consolas" panose="020B0609020204030204" pitchFamily="49" charset="0"/>
-              </a:rPr>
-              <a:t>)</a:t>
-            </a:r>
-            <a:r>
-              <a:rPr lang="en-US" b="1" dirty="0">
-                <a:solidFill>
-                  <a:srgbClr val="000000"/>
-                </a:solidFill>
-                <a:latin typeface="Consolas" panose="020B0609020204030204" pitchFamily="49" charset="0"/>
-              </a:rPr>
-              <a:t> </a:t>
-            </a:r>
-            <a:r>
-              <a:rPr lang="en-US" b="1" cap="all" dirty="0">
-                <a:solidFill>
-                  <a:srgbClr val="1D75B3"/>
-                </a:solidFill>
-                <a:latin typeface="Consolas" panose="020B0609020204030204" pitchFamily="49" charset="0"/>
-              </a:rPr>
-              <a:t>AS</a:t>
-            </a:r>
-            <a:r>
-              <a:rPr lang="en-US" b="1" dirty="0">
-                <a:solidFill>
-                  <a:srgbClr val="000000"/>
-                </a:solidFill>
-                <a:latin typeface="Consolas" panose="020B0609020204030204" pitchFamily="49" charset="0"/>
-              </a:rPr>
-              <a:t> </a:t>
-            </a:r>
-            <a:r>
-              <a:rPr lang="en-US" b="1" dirty="0" err="1">
-                <a:solidFill>
-                  <a:srgbClr val="047D65"/>
-                </a:solidFill>
-                <a:latin typeface="Consolas" panose="020B0609020204030204" pitchFamily="49" charset="0"/>
-              </a:rPr>
-              <a:t>RingSize</a:t>
-            </a:r>
-            <a:br>
-              <a:rPr lang="en-US" dirty="0"/>
-            </a:br>
-            <a:r>
-              <a:rPr lang="en-US" b="1" cap="all" dirty="0">
-                <a:solidFill>
-                  <a:srgbClr val="1D75B3"/>
-                </a:solidFill>
-                <a:latin typeface="Consolas" panose="020B0609020204030204" pitchFamily="49" charset="0"/>
-              </a:rPr>
-              <a:t>MATCH</a:t>
-            </a:r>
-            <a:r>
-              <a:rPr lang="en-US" b="1" dirty="0">
-                <a:solidFill>
-                  <a:srgbClr val="000000"/>
-                </a:solidFill>
-                <a:latin typeface="Consolas" panose="020B0609020204030204" pitchFamily="49" charset="0"/>
-              </a:rPr>
-              <a:t> </a:t>
-            </a:r>
-            <a:r>
-              <a:rPr lang="en-US" b="1" dirty="0">
-                <a:solidFill>
-                  <a:srgbClr val="9C3328"/>
-                </a:solidFill>
-                <a:latin typeface="Consolas" panose="020B0609020204030204" pitchFamily="49" charset="0"/>
-              </a:rPr>
-              <a:t>(</a:t>
-            </a:r>
-            <a:r>
-              <a:rPr lang="en-US" b="1" dirty="0" err="1">
-                <a:solidFill>
-                  <a:srgbClr val="047D65"/>
-                </a:solidFill>
-                <a:latin typeface="Consolas" panose="020B0609020204030204" pitchFamily="49" charset="0"/>
-              </a:rPr>
-              <a:t>contactInformation</a:t>
-            </a:r>
-            <a:r>
-              <a:rPr lang="en-US" b="1" dirty="0">
-                <a:solidFill>
-                  <a:srgbClr val="9C3328"/>
-                </a:solidFill>
-                <a:latin typeface="Consolas" panose="020B0609020204030204" pitchFamily="49" charset="0"/>
-              </a:rPr>
-              <a:t>)</a:t>
-            </a:r>
-            <a:r>
-              <a:rPr lang="en-US" b="1" dirty="0">
-                <a:solidFill>
-                  <a:srgbClr val="000000"/>
-                </a:solidFill>
-                <a:latin typeface="Consolas" panose="020B0609020204030204" pitchFamily="49" charset="0"/>
-              </a:rPr>
-              <a:t>&lt;-</a:t>
-            </a:r>
-            <a:r>
-              <a:rPr lang="en-US" b="1" dirty="0">
-                <a:solidFill>
-                  <a:srgbClr val="9C3328"/>
-                </a:solidFill>
-                <a:latin typeface="Consolas" panose="020B0609020204030204" pitchFamily="49" charset="0"/>
-              </a:rPr>
-              <a:t>[]</a:t>
-            </a:r>
-            <a:r>
-              <a:rPr lang="en-US" b="1" dirty="0">
-                <a:solidFill>
-                  <a:srgbClr val="000000"/>
-                </a:solidFill>
-                <a:latin typeface="Consolas" panose="020B0609020204030204" pitchFamily="49" charset="0"/>
-              </a:rPr>
-              <a:t>-</a:t>
-            </a:r>
-            <a:r>
-              <a:rPr lang="en-US" b="1" dirty="0">
-                <a:solidFill>
-                  <a:srgbClr val="9C3328"/>
-                </a:solidFill>
-                <a:latin typeface="Consolas" panose="020B0609020204030204" pitchFamily="49" charset="0"/>
-              </a:rPr>
-              <a:t>(</a:t>
-            </a:r>
-            <a:r>
-              <a:rPr lang="en-US" b="1" dirty="0" err="1">
-                <a:solidFill>
-                  <a:srgbClr val="047D65"/>
-                </a:solidFill>
-                <a:latin typeface="Consolas" panose="020B0609020204030204" pitchFamily="49" charset="0"/>
-              </a:rPr>
-              <a:t>accountHolder</a:t>
-            </a:r>
-            <a:r>
-              <a:rPr lang="en-US" b="1" dirty="0">
-                <a:solidFill>
-                  <a:srgbClr val="9C3328"/>
-                </a:solidFill>
-                <a:latin typeface="Consolas" panose="020B0609020204030204" pitchFamily="49" charset="0"/>
-              </a:rPr>
-              <a:t>)</a:t>
-            </a:r>
-            <a:br>
-              <a:rPr lang="en-US" dirty="0"/>
-            </a:br>
-            <a:r>
-              <a:rPr lang="en-US" b="1" cap="all" dirty="0">
-                <a:solidFill>
-                  <a:srgbClr val="1D75B3"/>
-                </a:solidFill>
-                <a:latin typeface="Consolas" panose="020B0609020204030204" pitchFamily="49" charset="0"/>
-              </a:rPr>
-              <a:t>WITH</a:t>
-            </a:r>
-            <a:r>
-              <a:rPr lang="en-US" b="1" dirty="0">
-                <a:solidFill>
-                  <a:srgbClr val="000000"/>
-                </a:solidFill>
-                <a:latin typeface="Consolas" panose="020B0609020204030204" pitchFamily="49" charset="0"/>
-              </a:rPr>
-              <a:t> collect</a:t>
-            </a:r>
-            <a:r>
-              <a:rPr lang="en-US" b="1" dirty="0">
-                <a:solidFill>
-                  <a:srgbClr val="9C3328"/>
-                </a:solidFill>
-                <a:latin typeface="Consolas" panose="020B0609020204030204" pitchFamily="49" charset="0"/>
-              </a:rPr>
-              <a:t>(</a:t>
-            </a:r>
-            <a:r>
-              <a:rPr lang="en-US" b="1" dirty="0" err="1">
-                <a:solidFill>
-                  <a:srgbClr val="047D65"/>
-                </a:solidFill>
-                <a:latin typeface="Consolas" panose="020B0609020204030204" pitchFamily="49" charset="0"/>
-              </a:rPr>
-              <a:t>accountHolder</a:t>
-            </a:r>
-            <a:r>
-              <a:rPr lang="en-US" b="1" dirty="0" err="1">
-                <a:solidFill>
-                  <a:srgbClr val="9C3328"/>
-                </a:solidFill>
-                <a:latin typeface="Consolas" panose="020B0609020204030204" pitchFamily="49" charset="0"/>
-              </a:rPr>
-              <a:t>.</a:t>
-            </a:r>
-            <a:r>
-              <a:rPr lang="en-US" b="1" dirty="0" err="1">
-                <a:solidFill>
-                  <a:srgbClr val="047D65"/>
-                </a:solidFill>
-                <a:latin typeface="Consolas" panose="020B0609020204030204" pitchFamily="49" charset="0"/>
-              </a:rPr>
-              <a:t>UniqueId</a:t>
-            </a:r>
-            <a:r>
-              <a:rPr lang="en-US" b="1" dirty="0">
-                <a:solidFill>
-                  <a:srgbClr val="9C3328"/>
-                </a:solidFill>
-                <a:latin typeface="Consolas" panose="020B0609020204030204" pitchFamily="49" charset="0"/>
-              </a:rPr>
-              <a:t>)</a:t>
-            </a:r>
-            <a:r>
-              <a:rPr lang="en-US" b="1" dirty="0">
-                <a:solidFill>
-                  <a:srgbClr val="000000"/>
-                </a:solidFill>
-                <a:latin typeface="Consolas" panose="020B0609020204030204" pitchFamily="49" charset="0"/>
-              </a:rPr>
-              <a:t> </a:t>
-            </a:r>
-            <a:r>
-              <a:rPr lang="en-US" b="1" cap="all" dirty="0">
-                <a:solidFill>
-                  <a:srgbClr val="1D75B3"/>
-                </a:solidFill>
-                <a:latin typeface="Consolas" panose="020B0609020204030204" pitchFamily="49" charset="0"/>
-              </a:rPr>
-              <a:t>AS</a:t>
-            </a:r>
-            <a:r>
-              <a:rPr lang="en-US" b="1" dirty="0">
-                <a:solidFill>
-                  <a:srgbClr val="000000"/>
-                </a:solidFill>
-                <a:latin typeface="Consolas" panose="020B0609020204030204" pitchFamily="49" charset="0"/>
-              </a:rPr>
-              <a:t> </a:t>
-            </a:r>
-            <a:r>
-              <a:rPr lang="en-US" b="1" dirty="0" err="1">
-                <a:solidFill>
-                  <a:srgbClr val="047D65"/>
-                </a:solidFill>
-                <a:latin typeface="Consolas" panose="020B0609020204030204" pitchFamily="49" charset="0"/>
-              </a:rPr>
-              <a:t>AccountHolders</a:t>
-            </a:r>
-            <a:r>
-              <a:rPr lang="en-US" b="1" dirty="0">
-                <a:solidFill>
-                  <a:srgbClr val="9C3328"/>
-                </a:solidFill>
-                <a:latin typeface="Consolas" panose="020B0609020204030204" pitchFamily="49" charset="0"/>
-              </a:rPr>
-              <a:t>,</a:t>
-            </a:r>
-            <a:br>
-              <a:rPr lang="en-US" dirty="0"/>
-            </a:br>
-            <a:r>
-              <a:rPr lang="en-US" b="1" dirty="0" err="1">
-                <a:solidFill>
-                  <a:srgbClr val="047D65"/>
-                </a:solidFill>
-                <a:latin typeface="Consolas" panose="020B0609020204030204" pitchFamily="49" charset="0"/>
-              </a:rPr>
-              <a:t>contactInformation</a:t>
-            </a:r>
-            <a:r>
-              <a:rPr lang="en-US" b="1" dirty="0">
-                <a:solidFill>
-                  <a:srgbClr val="9C3328"/>
-                </a:solidFill>
-                <a:latin typeface="Consolas" panose="020B0609020204030204" pitchFamily="49" charset="0"/>
-              </a:rPr>
-              <a:t>,</a:t>
-            </a:r>
-            <a:r>
-              <a:rPr lang="en-US" b="1" dirty="0">
-                <a:solidFill>
-                  <a:srgbClr val="000000"/>
-                </a:solidFill>
-                <a:latin typeface="Consolas" panose="020B0609020204030204" pitchFamily="49" charset="0"/>
-              </a:rPr>
-              <a:t> </a:t>
-            </a:r>
-            <a:r>
-              <a:rPr lang="en-US" b="1" dirty="0" err="1">
-                <a:solidFill>
-                  <a:srgbClr val="047D65"/>
-                </a:solidFill>
-                <a:latin typeface="Consolas" panose="020B0609020204030204" pitchFamily="49" charset="0"/>
-              </a:rPr>
-              <a:t>RingSize</a:t>
-            </a:r>
-            <a:br>
-              <a:rPr lang="en-US" dirty="0"/>
-            </a:br>
-            <a:r>
-              <a:rPr lang="en-US" b="1" cap="all" dirty="0">
-                <a:solidFill>
-                  <a:srgbClr val="1D75B3"/>
-                </a:solidFill>
-                <a:latin typeface="Consolas" panose="020B0609020204030204" pitchFamily="49" charset="0"/>
-              </a:rPr>
-              <a:t>WHERE</a:t>
-            </a:r>
-            <a:r>
-              <a:rPr lang="en-US" b="1" dirty="0">
-                <a:solidFill>
-                  <a:srgbClr val="000000"/>
-                </a:solidFill>
-                <a:latin typeface="Consolas" panose="020B0609020204030204" pitchFamily="49" charset="0"/>
-              </a:rPr>
-              <a:t> </a:t>
-            </a:r>
-            <a:r>
-              <a:rPr lang="en-US" b="1" dirty="0" err="1">
-                <a:solidFill>
-                  <a:srgbClr val="047D65"/>
-                </a:solidFill>
-                <a:latin typeface="Consolas" panose="020B0609020204030204" pitchFamily="49" charset="0"/>
-              </a:rPr>
-              <a:t>RingSize</a:t>
-            </a:r>
-            <a:r>
-              <a:rPr lang="en-US" b="1" dirty="0">
-                <a:solidFill>
-                  <a:srgbClr val="000000"/>
-                </a:solidFill>
-                <a:latin typeface="Consolas" panose="020B0609020204030204" pitchFamily="49" charset="0"/>
-              </a:rPr>
-              <a:t> &gt; </a:t>
-            </a:r>
-            <a:r>
-              <a:rPr lang="en-US" b="1" dirty="0">
-                <a:solidFill>
-                  <a:srgbClr val="047D65"/>
-                </a:solidFill>
-                <a:latin typeface="Consolas" panose="020B0609020204030204" pitchFamily="49" charset="0"/>
-              </a:rPr>
-              <a:t>1</a:t>
-            </a:r>
-            <a:br>
-              <a:rPr lang="en-US" dirty="0"/>
-            </a:br>
-            <a:r>
-              <a:rPr lang="en-US" b="1" cap="all" dirty="0">
-                <a:solidFill>
-                  <a:srgbClr val="1D75B3"/>
-                </a:solidFill>
-                <a:latin typeface="Consolas" panose="020B0609020204030204" pitchFamily="49" charset="0"/>
-              </a:rPr>
-              <a:t>RETURN</a:t>
-            </a:r>
-            <a:r>
-              <a:rPr lang="en-US" b="1" dirty="0">
-                <a:solidFill>
-                  <a:srgbClr val="000000"/>
-                </a:solidFill>
-                <a:latin typeface="Consolas" panose="020B0609020204030204" pitchFamily="49" charset="0"/>
-              </a:rPr>
-              <a:t> </a:t>
-            </a:r>
-            <a:r>
-              <a:rPr lang="en-US" b="1" dirty="0" err="1">
-                <a:solidFill>
-                  <a:srgbClr val="047D65"/>
-                </a:solidFill>
-                <a:latin typeface="Consolas" panose="020B0609020204030204" pitchFamily="49" charset="0"/>
-              </a:rPr>
-              <a:t>AccountHolders</a:t>
-            </a:r>
-            <a:r>
-              <a:rPr lang="en-US" b="1" dirty="0">
-                <a:solidFill>
-                  <a:srgbClr val="000000"/>
-                </a:solidFill>
-                <a:latin typeface="Consolas" panose="020B0609020204030204" pitchFamily="49" charset="0"/>
-              </a:rPr>
-              <a:t> </a:t>
-            </a:r>
-            <a:r>
-              <a:rPr lang="en-US" b="1" cap="all" dirty="0">
-                <a:solidFill>
-                  <a:srgbClr val="1D75B3"/>
-                </a:solidFill>
-                <a:latin typeface="Consolas" panose="020B0609020204030204" pitchFamily="49" charset="0"/>
-              </a:rPr>
-              <a:t>AS</a:t>
-            </a:r>
-            <a:r>
-              <a:rPr lang="en-US" b="1" dirty="0">
-                <a:solidFill>
-                  <a:srgbClr val="000000"/>
-                </a:solidFill>
-                <a:latin typeface="Consolas" panose="020B0609020204030204" pitchFamily="49" charset="0"/>
-              </a:rPr>
-              <a:t> </a:t>
-            </a:r>
-            <a:r>
-              <a:rPr lang="en-US" b="1" dirty="0" err="1">
-                <a:solidFill>
-                  <a:srgbClr val="047D65"/>
-                </a:solidFill>
-                <a:latin typeface="Consolas" panose="020B0609020204030204" pitchFamily="49" charset="0"/>
-              </a:rPr>
-              <a:t>FraudRing</a:t>
-            </a:r>
-            <a:r>
-              <a:rPr lang="en-US" b="1" dirty="0">
-                <a:solidFill>
-                  <a:srgbClr val="9C3328"/>
-                </a:solidFill>
-                <a:latin typeface="Consolas" panose="020B0609020204030204" pitchFamily="49" charset="0"/>
-              </a:rPr>
-              <a:t>,</a:t>
-            </a:r>
-            <a:br>
-              <a:rPr lang="en-US" dirty="0"/>
-            </a:br>
-            <a:r>
-              <a:rPr lang="en-US" b="1" dirty="0">
-                <a:solidFill>
-                  <a:srgbClr val="000000"/>
-                </a:solidFill>
-                <a:latin typeface="Consolas" panose="020B0609020204030204" pitchFamily="49" charset="0"/>
-              </a:rPr>
-              <a:t>labels</a:t>
-            </a:r>
-            <a:r>
-              <a:rPr lang="en-US" b="1" dirty="0">
-                <a:solidFill>
-                  <a:srgbClr val="9C3328"/>
-                </a:solidFill>
-                <a:latin typeface="Consolas" panose="020B0609020204030204" pitchFamily="49" charset="0"/>
-              </a:rPr>
-              <a:t>(</a:t>
-            </a:r>
-            <a:r>
-              <a:rPr lang="en-US" b="1" dirty="0" err="1">
-                <a:solidFill>
-                  <a:srgbClr val="047D65"/>
-                </a:solidFill>
-                <a:latin typeface="Consolas" panose="020B0609020204030204" pitchFamily="49" charset="0"/>
-              </a:rPr>
-              <a:t>contactInformation</a:t>
-            </a:r>
-            <a:r>
-              <a:rPr lang="en-US" b="1" dirty="0">
-                <a:solidFill>
-                  <a:srgbClr val="9C3328"/>
-                </a:solidFill>
-                <a:latin typeface="Consolas" panose="020B0609020204030204" pitchFamily="49" charset="0"/>
-              </a:rPr>
-              <a:t>)</a:t>
-            </a:r>
-            <a:r>
-              <a:rPr lang="en-US" b="1" dirty="0">
-                <a:solidFill>
-                  <a:srgbClr val="000000"/>
-                </a:solidFill>
-                <a:latin typeface="Consolas" panose="020B0609020204030204" pitchFamily="49" charset="0"/>
-              </a:rPr>
-              <a:t> </a:t>
-            </a:r>
-            <a:r>
-              <a:rPr lang="en-US" b="1" cap="all" dirty="0">
-                <a:solidFill>
-                  <a:srgbClr val="1D75B3"/>
-                </a:solidFill>
-                <a:latin typeface="Consolas" panose="020B0609020204030204" pitchFamily="49" charset="0"/>
-              </a:rPr>
-              <a:t>AS</a:t>
-            </a:r>
-            <a:r>
-              <a:rPr lang="en-US" b="1" dirty="0">
-                <a:solidFill>
-                  <a:srgbClr val="000000"/>
-                </a:solidFill>
-                <a:latin typeface="Consolas" panose="020B0609020204030204" pitchFamily="49" charset="0"/>
-              </a:rPr>
-              <a:t> </a:t>
-            </a:r>
-            <a:r>
-              <a:rPr lang="en-US" b="1" dirty="0" err="1">
-                <a:solidFill>
-                  <a:srgbClr val="047D65"/>
-                </a:solidFill>
-                <a:latin typeface="Consolas" panose="020B0609020204030204" pitchFamily="49" charset="0"/>
-              </a:rPr>
-              <a:t>ContactType</a:t>
-            </a:r>
-            <a:r>
-              <a:rPr lang="en-US" b="1" dirty="0">
-                <a:solidFill>
-                  <a:srgbClr val="9C3328"/>
-                </a:solidFill>
-                <a:latin typeface="Consolas" panose="020B0609020204030204" pitchFamily="49" charset="0"/>
-              </a:rPr>
-              <a:t>,</a:t>
-            </a:r>
-            <a:br>
-              <a:rPr lang="en-US" dirty="0"/>
-            </a:br>
-            <a:r>
-              <a:rPr lang="en-US" b="1" dirty="0" err="1">
-                <a:solidFill>
-                  <a:srgbClr val="047D65"/>
-                </a:solidFill>
-                <a:latin typeface="Consolas" panose="020B0609020204030204" pitchFamily="49" charset="0"/>
-              </a:rPr>
-              <a:t>RingSize</a:t>
-            </a:r>
-            <a:br>
-              <a:rPr lang="en-US" dirty="0"/>
-            </a:br>
-            <a:r>
-              <a:rPr lang="en-US" b="1" cap="all" dirty="0">
-                <a:solidFill>
-                  <a:srgbClr val="1D75B3"/>
-                </a:solidFill>
-                <a:latin typeface="Consolas" panose="020B0609020204030204" pitchFamily="49" charset="0"/>
-              </a:rPr>
-              <a:t>ORDER</a:t>
-            </a:r>
-            <a:r>
-              <a:rPr lang="en-US" b="1" dirty="0">
-                <a:solidFill>
-                  <a:srgbClr val="000000"/>
-                </a:solidFill>
-                <a:latin typeface="Consolas" panose="020B0609020204030204" pitchFamily="49" charset="0"/>
-              </a:rPr>
-              <a:t> </a:t>
-            </a:r>
-            <a:r>
-              <a:rPr lang="en-US" b="1" cap="all" dirty="0">
-                <a:solidFill>
-                  <a:srgbClr val="1D75B3"/>
-                </a:solidFill>
-                <a:latin typeface="Consolas" panose="020B0609020204030204" pitchFamily="49" charset="0"/>
-              </a:rPr>
-              <a:t>BY</a:t>
-            </a:r>
-            <a:r>
-              <a:rPr lang="en-US" b="1" dirty="0">
-                <a:solidFill>
-                  <a:srgbClr val="000000"/>
-                </a:solidFill>
-                <a:latin typeface="Consolas" panose="020B0609020204030204" pitchFamily="49" charset="0"/>
-              </a:rPr>
-              <a:t> </a:t>
-            </a:r>
-            <a:r>
-              <a:rPr lang="en-US" b="1" dirty="0" err="1">
-                <a:solidFill>
-                  <a:srgbClr val="047D65"/>
-                </a:solidFill>
-                <a:latin typeface="Consolas" panose="020B0609020204030204" pitchFamily="49" charset="0"/>
-              </a:rPr>
-              <a:t>RingSize</a:t>
-            </a:r>
-            <a:r>
-              <a:rPr lang="en-US" b="1" dirty="0">
-                <a:solidFill>
-                  <a:srgbClr val="000000"/>
-                </a:solidFill>
-                <a:latin typeface="Consolas" panose="020B0609020204030204" pitchFamily="49" charset="0"/>
-              </a:rPr>
-              <a:t> </a:t>
-            </a:r>
-            <a:r>
-              <a:rPr lang="en-US" b="1" cap="all" dirty="0">
-                <a:solidFill>
-                  <a:srgbClr val="1D75B3"/>
-                </a:solidFill>
-                <a:latin typeface="Consolas" panose="020B0609020204030204" pitchFamily="49" charset="0"/>
-              </a:rPr>
-              <a:t>DESC</a:t>
-            </a:r>
-            <a:endParaRPr lang="en-US" dirty="0"/>
-          </a:p>
-        </p:txBody>
-      </p:sp>
-      <p:sp>
-        <p:nvSpPr>
-          <p:cNvPr id="7" name="TextBox 6"/>
-          <p:cNvSpPr txBox="1"/>
-          <p:nvPr/>
-        </p:nvSpPr>
-        <p:spPr>
-          <a:xfrm>
-            <a:off x="1271729" y="1039446"/>
-            <a:ext cx="6871818" cy="369332"/>
-          </a:xfrm>
-          <a:prstGeom prst="rect">
-            <a:avLst/>
-          </a:prstGeom>
-          <a:noFill/>
-        </p:spPr>
-        <p:txBody>
-          <a:bodyPr wrap="none" rtlCol="0">
-            <a:spAutoFit/>
-          </a:bodyPr>
-          <a:lstStyle/>
-          <a:p>
-            <a:r>
-              <a:rPr lang="en-US" dirty="0"/>
-              <a:t>How many account holders have duplicate contact information?</a:t>
-            </a:r>
-          </a:p>
-        </p:txBody>
-      </p:sp>
-    </p:spTree>
-    <p:extLst>
-      <p:ext uri="{BB962C8B-B14F-4D97-AF65-F5344CB8AC3E}">
-        <p14:creationId xmlns:p14="http://schemas.microsoft.com/office/powerpoint/2010/main" val="738291220"/>
       </p:ext>
     </p:extLst>
   </p:cSld>
@@ -33527,6 +32623,926 @@
           <a:chExt cx="0" cy="0"/>
         </a:xfrm>
       </p:grpSpPr>
+      <p:sp>
+        <p:nvSpPr>
+          <p:cNvPr id="2" name="Title 1"/>
+          <p:cNvSpPr>
+            <a:spLocks noGrp="1"/>
+          </p:cNvSpPr>
+          <p:nvPr>
+            <p:ph type="title"/>
+          </p:nvPr>
+        </p:nvSpPr>
+        <p:spPr>
+          <a:xfrm>
+            <a:off x="1271729" y="154394"/>
+            <a:ext cx="4516913" cy="1172496"/>
+          </a:xfrm>
+        </p:spPr>
+        <p:txBody>
+          <a:bodyPr/>
+          <a:lstStyle/>
+          <a:p>
+            <a:r>
+              <a:rPr lang="en-US" dirty="0"/>
+              <a:t>Fraud detection</a:t>
+            </a:r>
+          </a:p>
+        </p:txBody>
+      </p:sp>
+      <p:sp>
+        <p:nvSpPr>
+          <p:cNvPr id="3" name="Content Placeholder 2"/>
+          <p:cNvSpPr>
+            <a:spLocks noGrp="1"/>
+          </p:cNvSpPr>
+          <p:nvPr>
+            <p:ph idx="1"/>
+          </p:nvPr>
+        </p:nvSpPr>
+        <p:spPr/>
+        <p:txBody>
+          <a:bodyPr/>
+          <a:lstStyle/>
+          <a:p>
+            <a:pPr marL="0" indent="0">
+              <a:buNone/>
+            </a:pPr>
+            <a:endParaRPr lang="en-US" dirty="0"/>
+          </a:p>
+          <a:p>
+            <a:pPr marL="0" indent="0">
+              <a:buNone/>
+            </a:pPr>
+            <a:endParaRPr lang="en-US" dirty="0"/>
+          </a:p>
+          <a:p>
+            <a:endParaRPr lang="en-US" dirty="0"/>
+          </a:p>
+        </p:txBody>
+      </p:sp>
+      <p:sp>
+        <p:nvSpPr>
+          <p:cNvPr id="5" name="Rectangle 4"/>
+          <p:cNvSpPr/>
+          <p:nvPr/>
+        </p:nvSpPr>
+        <p:spPr>
+          <a:xfrm>
+            <a:off x="5696662" y="331336"/>
+            <a:ext cx="5947422" cy="646331"/>
+          </a:xfrm>
+          <a:prstGeom prst="rect">
+            <a:avLst/>
+          </a:prstGeom>
+        </p:spPr>
+        <p:txBody>
+          <a:bodyPr wrap="square">
+            <a:spAutoFit/>
+          </a:bodyPr>
+          <a:lstStyle/>
+          <a:p>
+            <a:r>
+              <a:rPr lang="en-US" dirty="0"/>
+              <a:t>https://neo4j.com/graphgist/9d627127-003b-411a-b3ce-f8d3970c2afa#listing_category=fraud-detection</a:t>
+            </a:r>
+          </a:p>
+        </p:txBody>
+      </p:sp>
+      <p:sp>
+        <p:nvSpPr>
+          <p:cNvPr id="6" name="Rectangle 5"/>
+          <p:cNvSpPr/>
+          <p:nvPr/>
+        </p:nvSpPr>
+        <p:spPr>
+          <a:xfrm>
+            <a:off x="1271729" y="1658059"/>
+            <a:ext cx="7952953" cy="3139321"/>
+          </a:xfrm>
+          <a:prstGeom prst="rect">
+            <a:avLst/>
+          </a:prstGeom>
+        </p:spPr>
+        <p:txBody>
+          <a:bodyPr wrap="square">
+            <a:spAutoFit/>
+          </a:bodyPr>
+          <a:lstStyle/>
+          <a:p>
+            <a:r>
+              <a:rPr lang="en-US" b="1" cap="all" dirty="0">
+                <a:solidFill>
+                  <a:srgbClr val="1D75B3"/>
+                </a:solidFill>
+                <a:latin typeface="Consolas" panose="020B0609020204030204" pitchFamily="49" charset="0"/>
+              </a:rPr>
+              <a:t>MATCH</a:t>
+            </a:r>
+            <a:r>
+              <a:rPr lang="en-US" b="1" dirty="0">
+                <a:solidFill>
+                  <a:srgbClr val="000000"/>
+                </a:solidFill>
+                <a:latin typeface="Consolas" panose="020B0609020204030204" pitchFamily="49" charset="0"/>
+              </a:rPr>
+              <a:t> </a:t>
+            </a:r>
+            <a:r>
+              <a:rPr lang="en-US" b="1" dirty="0">
+                <a:solidFill>
+                  <a:srgbClr val="9C3328"/>
+                </a:solidFill>
+                <a:latin typeface="Consolas" panose="020B0609020204030204" pitchFamily="49" charset="0"/>
+              </a:rPr>
+              <a:t>(</a:t>
+            </a:r>
+            <a:r>
+              <a:rPr lang="en-US" b="1" dirty="0" err="1">
+                <a:solidFill>
+                  <a:srgbClr val="75438A"/>
+                </a:solidFill>
+                <a:latin typeface="Consolas" panose="020B0609020204030204" pitchFamily="49" charset="0"/>
+              </a:rPr>
+              <a:t>accountHolder:AccountHolder</a:t>
+            </a:r>
+            <a:r>
+              <a:rPr lang="en-US" b="1" dirty="0">
+                <a:solidFill>
+                  <a:srgbClr val="9C3328"/>
+                </a:solidFill>
+                <a:latin typeface="Consolas" panose="020B0609020204030204" pitchFamily="49" charset="0"/>
+              </a:rPr>
+              <a:t>)</a:t>
+            </a:r>
+            <a:r>
+              <a:rPr lang="en-US" b="1" dirty="0">
+                <a:solidFill>
+                  <a:srgbClr val="000000"/>
+                </a:solidFill>
+                <a:latin typeface="Consolas" panose="020B0609020204030204" pitchFamily="49" charset="0"/>
+              </a:rPr>
+              <a:t>-</a:t>
+            </a:r>
+            <a:r>
+              <a:rPr lang="en-US" b="1" dirty="0">
+                <a:solidFill>
+                  <a:srgbClr val="9C3328"/>
+                </a:solidFill>
+                <a:latin typeface="Consolas" panose="020B0609020204030204" pitchFamily="49" charset="0"/>
+              </a:rPr>
+              <a:t>[]</a:t>
+            </a:r>
+            <a:r>
+              <a:rPr lang="en-US" b="1" dirty="0">
+                <a:solidFill>
+                  <a:srgbClr val="000000"/>
+                </a:solidFill>
+                <a:latin typeface="Consolas" panose="020B0609020204030204" pitchFamily="49" charset="0"/>
+              </a:rPr>
+              <a:t>-&gt;</a:t>
+            </a:r>
+            <a:r>
+              <a:rPr lang="en-US" b="1" dirty="0">
+                <a:solidFill>
+                  <a:srgbClr val="9C3328"/>
+                </a:solidFill>
+                <a:latin typeface="Consolas" panose="020B0609020204030204" pitchFamily="49" charset="0"/>
+              </a:rPr>
+              <a:t>(</a:t>
+            </a:r>
+            <a:r>
+              <a:rPr lang="en-US" b="1" dirty="0" err="1">
+                <a:solidFill>
+                  <a:srgbClr val="047D65"/>
+                </a:solidFill>
+                <a:latin typeface="Consolas" panose="020B0609020204030204" pitchFamily="49" charset="0"/>
+              </a:rPr>
+              <a:t>contactInformation</a:t>
+            </a:r>
+            <a:r>
+              <a:rPr lang="en-US" b="1" dirty="0">
+                <a:solidFill>
+                  <a:srgbClr val="9C3328"/>
+                </a:solidFill>
+                <a:latin typeface="Consolas" panose="020B0609020204030204" pitchFamily="49" charset="0"/>
+              </a:rPr>
+              <a:t>)</a:t>
+            </a:r>
+            <a:br>
+              <a:rPr lang="en-US" dirty="0"/>
+            </a:br>
+            <a:r>
+              <a:rPr lang="en-US" b="1" cap="all" dirty="0">
+                <a:solidFill>
+                  <a:srgbClr val="1D75B3"/>
+                </a:solidFill>
+                <a:latin typeface="Consolas" panose="020B0609020204030204" pitchFamily="49" charset="0"/>
+              </a:rPr>
+              <a:t>WITH</a:t>
+            </a:r>
+            <a:r>
+              <a:rPr lang="en-US" b="1" dirty="0">
+                <a:solidFill>
+                  <a:srgbClr val="000000"/>
+                </a:solidFill>
+                <a:latin typeface="Consolas" panose="020B0609020204030204" pitchFamily="49" charset="0"/>
+              </a:rPr>
+              <a:t> </a:t>
+            </a:r>
+            <a:r>
+              <a:rPr lang="en-US" b="1" dirty="0" err="1">
+                <a:solidFill>
+                  <a:srgbClr val="047D65"/>
+                </a:solidFill>
+                <a:latin typeface="Consolas" panose="020B0609020204030204" pitchFamily="49" charset="0"/>
+              </a:rPr>
+              <a:t>contactInformation</a:t>
+            </a:r>
+            <a:r>
+              <a:rPr lang="en-US" b="1" dirty="0">
+                <a:solidFill>
+                  <a:srgbClr val="9C3328"/>
+                </a:solidFill>
+                <a:latin typeface="Consolas" panose="020B0609020204030204" pitchFamily="49" charset="0"/>
+              </a:rPr>
+              <a:t>,</a:t>
+            </a:r>
+            <a:br>
+              <a:rPr lang="en-US" dirty="0"/>
+            </a:br>
+            <a:r>
+              <a:rPr lang="en-US" b="1" dirty="0">
+                <a:solidFill>
+                  <a:srgbClr val="000000"/>
+                </a:solidFill>
+                <a:latin typeface="Consolas" panose="020B0609020204030204" pitchFamily="49" charset="0"/>
+              </a:rPr>
+              <a:t>count</a:t>
+            </a:r>
+            <a:r>
+              <a:rPr lang="en-US" b="1" dirty="0">
+                <a:solidFill>
+                  <a:srgbClr val="9C3328"/>
+                </a:solidFill>
+                <a:latin typeface="Consolas" panose="020B0609020204030204" pitchFamily="49" charset="0"/>
+              </a:rPr>
+              <a:t>(</a:t>
+            </a:r>
+            <a:r>
+              <a:rPr lang="en-US" b="1" dirty="0" err="1">
+                <a:solidFill>
+                  <a:srgbClr val="047D65"/>
+                </a:solidFill>
+                <a:latin typeface="Consolas" panose="020B0609020204030204" pitchFamily="49" charset="0"/>
+              </a:rPr>
+              <a:t>accountHolder</a:t>
+            </a:r>
+            <a:r>
+              <a:rPr lang="en-US" b="1" dirty="0">
+                <a:solidFill>
+                  <a:srgbClr val="9C3328"/>
+                </a:solidFill>
+                <a:latin typeface="Consolas" panose="020B0609020204030204" pitchFamily="49" charset="0"/>
+              </a:rPr>
+              <a:t>)</a:t>
+            </a:r>
+            <a:r>
+              <a:rPr lang="en-US" b="1" dirty="0">
+                <a:solidFill>
+                  <a:srgbClr val="000000"/>
+                </a:solidFill>
+                <a:latin typeface="Consolas" panose="020B0609020204030204" pitchFamily="49" charset="0"/>
+              </a:rPr>
+              <a:t> </a:t>
+            </a:r>
+            <a:r>
+              <a:rPr lang="en-US" b="1" cap="all" dirty="0">
+                <a:solidFill>
+                  <a:srgbClr val="1D75B3"/>
+                </a:solidFill>
+                <a:latin typeface="Consolas" panose="020B0609020204030204" pitchFamily="49" charset="0"/>
+              </a:rPr>
+              <a:t>AS</a:t>
+            </a:r>
+            <a:r>
+              <a:rPr lang="en-US" b="1" dirty="0">
+                <a:solidFill>
+                  <a:srgbClr val="000000"/>
+                </a:solidFill>
+                <a:latin typeface="Consolas" panose="020B0609020204030204" pitchFamily="49" charset="0"/>
+              </a:rPr>
+              <a:t> </a:t>
+            </a:r>
+            <a:r>
+              <a:rPr lang="en-US" b="1" dirty="0" err="1">
+                <a:solidFill>
+                  <a:srgbClr val="047D65"/>
+                </a:solidFill>
+                <a:latin typeface="Consolas" panose="020B0609020204030204" pitchFamily="49" charset="0"/>
+              </a:rPr>
+              <a:t>RingSize</a:t>
+            </a:r>
+            <a:br>
+              <a:rPr lang="en-US" dirty="0"/>
+            </a:br>
+            <a:r>
+              <a:rPr lang="en-US" b="1" cap="all" dirty="0">
+                <a:solidFill>
+                  <a:srgbClr val="1D75B3"/>
+                </a:solidFill>
+                <a:latin typeface="Consolas" panose="020B0609020204030204" pitchFamily="49" charset="0"/>
+              </a:rPr>
+              <a:t>MATCH</a:t>
+            </a:r>
+            <a:r>
+              <a:rPr lang="en-US" b="1" dirty="0">
+                <a:solidFill>
+                  <a:srgbClr val="000000"/>
+                </a:solidFill>
+                <a:latin typeface="Consolas" panose="020B0609020204030204" pitchFamily="49" charset="0"/>
+              </a:rPr>
+              <a:t> </a:t>
+            </a:r>
+            <a:r>
+              <a:rPr lang="en-US" b="1" dirty="0">
+                <a:solidFill>
+                  <a:srgbClr val="9C3328"/>
+                </a:solidFill>
+                <a:latin typeface="Consolas" panose="020B0609020204030204" pitchFamily="49" charset="0"/>
+              </a:rPr>
+              <a:t>(</a:t>
+            </a:r>
+            <a:r>
+              <a:rPr lang="en-US" b="1" dirty="0" err="1">
+                <a:solidFill>
+                  <a:srgbClr val="047D65"/>
+                </a:solidFill>
+                <a:latin typeface="Consolas" panose="020B0609020204030204" pitchFamily="49" charset="0"/>
+              </a:rPr>
+              <a:t>contactInformation</a:t>
+            </a:r>
+            <a:r>
+              <a:rPr lang="en-US" b="1" dirty="0">
+                <a:solidFill>
+                  <a:srgbClr val="9C3328"/>
+                </a:solidFill>
+                <a:latin typeface="Consolas" panose="020B0609020204030204" pitchFamily="49" charset="0"/>
+              </a:rPr>
+              <a:t>)</a:t>
+            </a:r>
+            <a:r>
+              <a:rPr lang="en-US" b="1" dirty="0">
+                <a:solidFill>
+                  <a:srgbClr val="000000"/>
+                </a:solidFill>
+                <a:latin typeface="Consolas" panose="020B0609020204030204" pitchFamily="49" charset="0"/>
+              </a:rPr>
+              <a:t>&lt;-</a:t>
+            </a:r>
+            <a:r>
+              <a:rPr lang="en-US" b="1" dirty="0">
+                <a:solidFill>
+                  <a:srgbClr val="9C3328"/>
+                </a:solidFill>
+                <a:latin typeface="Consolas" panose="020B0609020204030204" pitchFamily="49" charset="0"/>
+              </a:rPr>
+              <a:t>[]</a:t>
+            </a:r>
+            <a:r>
+              <a:rPr lang="en-US" b="1" dirty="0">
+                <a:solidFill>
+                  <a:srgbClr val="000000"/>
+                </a:solidFill>
+                <a:latin typeface="Consolas" panose="020B0609020204030204" pitchFamily="49" charset="0"/>
+              </a:rPr>
+              <a:t>-</a:t>
+            </a:r>
+            <a:r>
+              <a:rPr lang="en-US" b="1" dirty="0">
+                <a:solidFill>
+                  <a:srgbClr val="9C3328"/>
+                </a:solidFill>
+                <a:latin typeface="Consolas" panose="020B0609020204030204" pitchFamily="49" charset="0"/>
+              </a:rPr>
+              <a:t>(</a:t>
+            </a:r>
+            <a:r>
+              <a:rPr lang="en-US" b="1" dirty="0" err="1">
+                <a:solidFill>
+                  <a:srgbClr val="047D65"/>
+                </a:solidFill>
+                <a:latin typeface="Consolas" panose="020B0609020204030204" pitchFamily="49" charset="0"/>
+              </a:rPr>
+              <a:t>accountHolder</a:t>
+            </a:r>
+            <a:r>
+              <a:rPr lang="en-US" b="1" dirty="0">
+                <a:solidFill>
+                  <a:srgbClr val="9C3328"/>
+                </a:solidFill>
+                <a:latin typeface="Consolas" panose="020B0609020204030204" pitchFamily="49" charset="0"/>
+              </a:rPr>
+              <a:t>)</a:t>
+            </a:r>
+            <a:br>
+              <a:rPr lang="en-US" dirty="0"/>
+            </a:br>
+            <a:r>
+              <a:rPr lang="en-US" b="1" cap="all" dirty="0">
+                <a:solidFill>
+                  <a:srgbClr val="1D75B3"/>
+                </a:solidFill>
+                <a:latin typeface="Consolas" panose="020B0609020204030204" pitchFamily="49" charset="0"/>
+              </a:rPr>
+              <a:t>WITH</a:t>
+            </a:r>
+            <a:r>
+              <a:rPr lang="en-US" b="1" dirty="0">
+                <a:solidFill>
+                  <a:srgbClr val="000000"/>
+                </a:solidFill>
+                <a:latin typeface="Consolas" panose="020B0609020204030204" pitchFamily="49" charset="0"/>
+              </a:rPr>
+              <a:t> collect</a:t>
+            </a:r>
+            <a:r>
+              <a:rPr lang="en-US" b="1" dirty="0">
+                <a:solidFill>
+                  <a:srgbClr val="9C3328"/>
+                </a:solidFill>
+                <a:latin typeface="Consolas" panose="020B0609020204030204" pitchFamily="49" charset="0"/>
+              </a:rPr>
+              <a:t>(</a:t>
+            </a:r>
+            <a:r>
+              <a:rPr lang="en-US" b="1" dirty="0" err="1">
+                <a:solidFill>
+                  <a:srgbClr val="047D65"/>
+                </a:solidFill>
+                <a:latin typeface="Consolas" panose="020B0609020204030204" pitchFamily="49" charset="0"/>
+              </a:rPr>
+              <a:t>accountHolder</a:t>
+            </a:r>
+            <a:r>
+              <a:rPr lang="en-US" b="1" dirty="0" err="1">
+                <a:solidFill>
+                  <a:srgbClr val="9C3328"/>
+                </a:solidFill>
+                <a:latin typeface="Consolas" panose="020B0609020204030204" pitchFamily="49" charset="0"/>
+              </a:rPr>
+              <a:t>.</a:t>
+            </a:r>
+            <a:r>
+              <a:rPr lang="en-US" b="1" dirty="0" err="1">
+                <a:solidFill>
+                  <a:srgbClr val="047D65"/>
+                </a:solidFill>
+                <a:latin typeface="Consolas" panose="020B0609020204030204" pitchFamily="49" charset="0"/>
+              </a:rPr>
+              <a:t>UniqueId</a:t>
+            </a:r>
+            <a:r>
+              <a:rPr lang="en-US" b="1" dirty="0">
+                <a:solidFill>
+                  <a:srgbClr val="9C3328"/>
+                </a:solidFill>
+                <a:latin typeface="Consolas" panose="020B0609020204030204" pitchFamily="49" charset="0"/>
+              </a:rPr>
+              <a:t>)</a:t>
+            </a:r>
+            <a:r>
+              <a:rPr lang="en-US" b="1" dirty="0">
+                <a:solidFill>
+                  <a:srgbClr val="000000"/>
+                </a:solidFill>
+                <a:latin typeface="Consolas" panose="020B0609020204030204" pitchFamily="49" charset="0"/>
+              </a:rPr>
+              <a:t> </a:t>
+            </a:r>
+            <a:r>
+              <a:rPr lang="en-US" b="1" cap="all" dirty="0">
+                <a:solidFill>
+                  <a:srgbClr val="1D75B3"/>
+                </a:solidFill>
+                <a:latin typeface="Consolas" panose="020B0609020204030204" pitchFamily="49" charset="0"/>
+              </a:rPr>
+              <a:t>AS</a:t>
+            </a:r>
+            <a:r>
+              <a:rPr lang="en-US" b="1" dirty="0">
+                <a:solidFill>
+                  <a:srgbClr val="000000"/>
+                </a:solidFill>
+                <a:latin typeface="Consolas" panose="020B0609020204030204" pitchFamily="49" charset="0"/>
+              </a:rPr>
+              <a:t> </a:t>
+            </a:r>
+            <a:r>
+              <a:rPr lang="en-US" b="1" dirty="0" err="1">
+                <a:solidFill>
+                  <a:srgbClr val="047D65"/>
+                </a:solidFill>
+                <a:latin typeface="Consolas" panose="020B0609020204030204" pitchFamily="49" charset="0"/>
+              </a:rPr>
+              <a:t>AccountHolders</a:t>
+            </a:r>
+            <a:r>
+              <a:rPr lang="en-US" b="1" dirty="0">
+                <a:solidFill>
+                  <a:srgbClr val="9C3328"/>
+                </a:solidFill>
+                <a:latin typeface="Consolas" panose="020B0609020204030204" pitchFamily="49" charset="0"/>
+              </a:rPr>
+              <a:t>,</a:t>
+            </a:r>
+            <a:br>
+              <a:rPr lang="en-US" dirty="0"/>
+            </a:br>
+            <a:r>
+              <a:rPr lang="en-US" b="1" dirty="0" err="1">
+                <a:solidFill>
+                  <a:srgbClr val="047D65"/>
+                </a:solidFill>
+                <a:latin typeface="Consolas" panose="020B0609020204030204" pitchFamily="49" charset="0"/>
+              </a:rPr>
+              <a:t>contactInformation</a:t>
+            </a:r>
+            <a:r>
+              <a:rPr lang="en-US" b="1" dirty="0">
+                <a:solidFill>
+                  <a:srgbClr val="9C3328"/>
+                </a:solidFill>
+                <a:latin typeface="Consolas" panose="020B0609020204030204" pitchFamily="49" charset="0"/>
+              </a:rPr>
+              <a:t>,</a:t>
+            </a:r>
+            <a:r>
+              <a:rPr lang="en-US" b="1" dirty="0">
+                <a:solidFill>
+                  <a:srgbClr val="000000"/>
+                </a:solidFill>
+                <a:latin typeface="Consolas" panose="020B0609020204030204" pitchFamily="49" charset="0"/>
+              </a:rPr>
+              <a:t> </a:t>
+            </a:r>
+            <a:r>
+              <a:rPr lang="en-US" b="1" dirty="0" err="1">
+                <a:solidFill>
+                  <a:srgbClr val="047D65"/>
+                </a:solidFill>
+                <a:latin typeface="Consolas" panose="020B0609020204030204" pitchFamily="49" charset="0"/>
+              </a:rPr>
+              <a:t>RingSize</a:t>
+            </a:r>
+            <a:br>
+              <a:rPr lang="en-US" dirty="0"/>
+            </a:br>
+            <a:r>
+              <a:rPr lang="en-US" b="1" cap="all" dirty="0">
+                <a:solidFill>
+                  <a:srgbClr val="1D75B3"/>
+                </a:solidFill>
+                <a:latin typeface="Consolas" panose="020B0609020204030204" pitchFamily="49" charset="0"/>
+              </a:rPr>
+              <a:t>WHERE</a:t>
+            </a:r>
+            <a:r>
+              <a:rPr lang="en-US" b="1" dirty="0">
+                <a:solidFill>
+                  <a:srgbClr val="000000"/>
+                </a:solidFill>
+                <a:latin typeface="Consolas" panose="020B0609020204030204" pitchFamily="49" charset="0"/>
+              </a:rPr>
+              <a:t> </a:t>
+            </a:r>
+            <a:r>
+              <a:rPr lang="en-US" b="1" dirty="0" err="1">
+                <a:solidFill>
+                  <a:srgbClr val="047D65"/>
+                </a:solidFill>
+                <a:latin typeface="Consolas" panose="020B0609020204030204" pitchFamily="49" charset="0"/>
+              </a:rPr>
+              <a:t>RingSize</a:t>
+            </a:r>
+            <a:r>
+              <a:rPr lang="en-US" b="1" dirty="0">
+                <a:solidFill>
+                  <a:srgbClr val="000000"/>
+                </a:solidFill>
+                <a:latin typeface="Consolas" panose="020B0609020204030204" pitchFamily="49" charset="0"/>
+              </a:rPr>
+              <a:t> &gt; </a:t>
+            </a:r>
+            <a:r>
+              <a:rPr lang="en-US" b="1" dirty="0">
+                <a:solidFill>
+                  <a:srgbClr val="047D65"/>
+                </a:solidFill>
+                <a:latin typeface="Consolas" panose="020B0609020204030204" pitchFamily="49" charset="0"/>
+              </a:rPr>
+              <a:t>1</a:t>
+            </a:r>
+            <a:br>
+              <a:rPr lang="en-US" dirty="0"/>
+            </a:br>
+            <a:r>
+              <a:rPr lang="en-US" b="1" cap="all" dirty="0">
+                <a:solidFill>
+                  <a:srgbClr val="1D75B3"/>
+                </a:solidFill>
+                <a:latin typeface="Consolas" panose="020B0609020204030204" pitchFamily="49" charset="0"/>
+              </a:rPr>
+              <a:t>RETURN</a:t>
+            </a:r>
+            <a:r>
+              <a:rPr lang="en-US" b="1" dirty="0">
+                <a:solidFill>
+                  <a:srgbClr val="000000"/>
+                </a:solidFill>
+                <a:latin typeface="Consolas" panose="020B0609020204030204" pitchFamily="49" charset="0"/>
+              </a:rPr>
+              <a:t> </a:t>
+            </a:r>
+            <a:r>
+              <a:rPr lang="en-US" b="1" dirty="0" err="1">
+                <a:solidFill>
+                  <a:srgbClr val="047D65"/>
+                </a:solidFill>
+                <a:latin typeface="Consolas" panose="020B0609020204030204" pitchFamily="49" charset="0"/>
+              </a:rPr>
+              <a:t>AccountHolders</a:t>
+            </a:r>
+            <a:r>
+              <a:rPr lang="en-US" b="1" dirty="0">
+                <a:solidFill>
+                  <a:srgbClr val="000000"/>
+                </a:solidFill>
+                <a:latin typeface="Consolas" panose="020B0609020204030204" pitchFamily="49" charset="0"/>
+              </a:rPr>
+              <a:t> </a:t>
+            </a:r>
+            <a:r>
+              <a:rPr lang="en-US" b="1" cap="all" dirty="0">
+                <a:solidFill>
+                  <a:srgbClr val="1D75B3"/>
+                </a:solidFill>
+                <a:latin typeface="Consolas" panose="020B0609020204030204" pitchFamily="49" charset="0"/>
+              </a:rPr>
+              <a:t>AS</a:t>
+            </a:r>
+            <a:r>
+              <a:rPr lang="en-US" b="1" dirty="0">
+                <a:solidFill>
+                  <a:srgbClr val="000000"/>
+                </a:solidFill>
+                <a:latin typeface="Consolas" panose="020B0609020204030204" pitchFamily="49" charset="0"/>
+              </a:rPr>
+              <a:t> </a:t>
+            </a:r>
+            <a:r>
+              <a:rPr lang="en-US" b="1" dirty="0" err="1">
+                <a:solidFill>
+                  <a:srgbClr val="047D65"/>
+                </a:solidFill>
+                <a:latin typeface="Consolas" panose="020B0609020204030204" pitchFamily="49" charset="0"/>
+              </a:rPr>
+              <a:t>FraudRing</a:t>
+            </a:r>
+            <a:r>
+              <a:rPr lang="en-US" b="1" dirty="0">
+                <a:solidFill>
+                  <a:srgbClr val="9C3328"/>
+                </a:solidFill>
+                <a:latin typeface="Consolas" panose="020B0609020204030204" pitchFamily="49" charset="0"/>
+              </a:rPr>
+              <a:t>,</a:t>
+            </a:r>
+            <a:br>
+              <a:rPr lang="en-US" dirty="0"/>
+            </a:br>
+            <a:r>
+              <a:rPr lang="en-US" b="1" dirty="0">
+                <a:solidFill>
+                  <a:srgbClr val="000000"/>
+                </a:solidFill>
+                <a:latin typeface="Consolas" panose="020B0609020204030204" pitchFamily="49" charset="0"/>
+              </a:rPr>
+              <a:t>labels</a:t>
+            </a:r>
+            <a:r>
+              <a:rPr lang="en-US" b="1" dirty="0">
+                <a:solidFill>
+                  <a:srgbClr val="9C3328"/>
+                </a:solidFill>
+                <a:latin typeface="Consolas" panose="020B0609020204030204" pitchFamily="49" charset="0"/>
+              </a:rPr>
+              <a:t>(</a:t>
+            </a:r>
+            <a:r>
+              <a:rPr lang="en-US" b="1" dirty="0" err="1">
+                <a:solidFill>
+                  <a:srgbClr val="047D65"/>
+                </a:solidFill>
+                <a:latin typeface="Consolas" panose="020B0609020204030204" pitchFamily="49" charset="0"/>
+              </a:rPr>
+              <a:t>contactInformation</a:t>
+            </a:r>
+            <a:r>
+              <a:rPr lang="en-US" b="1" dirty="0">
+                <a:solidFill>
+                  <a:srgbClr val="9C3328"/>
+                </a:solidFill>
+                <a:latin typeface="Consolas" panose="020B0609020204030204" pitchFamily="49" charset="0"/>
+              </a:rPr>
+              <a:t>)</a:t>
+            </a:r>
+            <a:r>
+              <a:rPr lang="en-US" b="1" dirty="0">
+                <a:solidFill>
+                  <a:srgbClr val="000000"/>
+                </a:solidFill>
+                <a:latin typeface="Consolas" panose="020B0609020204030204" pitchFamily="49" charset="0"/>
+              </a:rPr>
+              <a:t> </a:t>
+            </a:r>
+            <a:r>
+              <a:rPr lang="en-US" b="1" cap="all" dirty="0">
+                <a:solidFill>
+                  <a:srgbClr val="1D75B3"/>
+                </a:solidFill>
+                <a:latin typeface="Consolas" panose="020B0609020204030204" pitchFamily="49" charset="0"/>
+              </a:rPr>
+              <a:t>AS</a:t>
+            </a:r>
+            <a:r>
+              <a:rPr lang="en-US" b="1" dirty="0">
+                <a:solidFill>
+                  <a:srgbClr val="000000"/>
+                </a:solidFill>
+                <a:latin typeface="Consolas" panose="020B0609020204030204" pitchFamily="49" charset="0"/>
+              </a:rPr>
+              <a:t> </a:t>
+            </a:r>
+            <a:r>
+              <a:rPr lang="en-US" b="1" dirty="0" err="1">
+                <a:solidFill>
+                  <a:srgbClr val="047D65"/>
+                </a:solidFill>
+                <a:latin typeface="Consolas" panose="020B0609020204030204" pitchFamily="49" charset="0"/>
+              </a:rPr>
+              <a:t>ContactType</a:t>
+            </a:r>
+            <a:r>
+              <a:rPr lang="en-US" b="1" dirty="0">
+                <a:solidFill>
+                  <a:srgbClr val="9C3328"/>
+                </a:solidFill>
+                <a:latin typeface="Consolas" panose="020B0609020204030204" pitchFamily="49" charset="0"/>
+              </a:rPr>
+              <a:t>,</a:t>
+            </a:r>
+            <a:br>
+              <a:rPr lang="en-US" dirty="0"/>
+            </a:br>
+            <a:r>
+              <a:rPr lang="en-US" b="1" dirty="0" err="1">
+                <a:solidFill>
+                  <a:srgbClr val="047D65"/>
+                </a:solidFill>
+                <a:latin typeface="Consolas" panose="020B0609020204030204" pitchFamily="49" charset="0"/>
+              </a:rPr>
+              <a:t>RingSize</a:t>
+            </a:r>
+            <a:br>
+              <a:rPr lang="en-US" dirty="0"/>
+            </a:br>
+            <a:r>
+              <a:rPr lang="en-US" b="1" cap="all" dirty="0">
+                <a:solidFill>
+                  <a:srgbClr val="1D75B3"/>
+                </a:solidFill>
+                <a:latin typeface="Consolas" panose="020B0609020204030204" pitchFamily="49" charset="0"/>
+              </a:rPr>
+              <a:t>ORDER</a:t>
+            </a:r>
+            <a:r>
+              <a:rPr lang="en-US" b="1" dirty="0">
+                <a:solidFill>
+                  <a:srgbClr val="000000"/>
+                </a:solidFill>
+                <a:latin typeface="Consolas" panose="020B0609020204030204" pitchFamily="49" charset="0"/>
+              </a:rPr>
+              <a:t> </a:t>
+            </a:r>
+            <a:r>
+              <a:rPr lang="en-US" b="1" cap="all" dirty="0">
+                <a:solidFill>
+                  <a:srgbClr val="1D75B3"/>
+                </a:solidFill>
+                <a:latin typeface="Consolas" panose="020B0609020204030204" pitchFamily="49" charset="0"/>
+              </a:rPr>
+              <a:t>BY</a:t>
+            </a:r>
+            <a:r>
+              <a:rPr lang="en-US" b="1" dirty="0">
+                <a:solidFill>
+                  <a:srgbClr val="000000"/>
+                </a:solidFill>
+                <a:latin typeface="Consolas" panose="020B0609020204030204" pitchFamily="49" charset="0"/>
+              </a:rPr>
+              <a:t> </a:t>
+            </a:r>
+            <a:r>
+              <a:rPr lang="en-US" b="1" dirty="0" err="1">
+                <a:solidFill>
+                  <a:srgbClr val="047D65"/>
+                </a:solidFill>
+                <a:latin typeface="Consolas" panose="020B0609020204030204" pitchFamily="49" charset="0"/>
+              </a:rPr>
+              <a:t>RingSize</a:t>
+            </a:r>
+            <a:r>
+              <a:rPr lang="en-US" b="1" dirty="0">
+                <a:solidFill>
+                  <a:srgbClr val="000000"/>
+                </a:solidFill>
+                <a:latin typeface="Consolas" panose="020B0609020204030204" pitchFamily="49" charset="0"/>
+              </a:rPr>
+              <a:t> </a:t>
+            </a:r>
+            <a:r>
+              <a:rPr lang="en-US" b="1" cap="all" dirty="0">
+                <a:solidFill>
+                  <a:srgbClr val="1D75B3"/>
+                </a:solidFill>
+                <a:latin typeface="Consolas" panose="020B0609020204030204" pitchFamily="49" charset="0"/>
+              </a:rPr>
+              <a:t>DESC</a:t>
+            </a:r>
+            <a:endParaRPr lang="en-US" dirty="0"/>
+          </a:p>
+        </p:txBody>
+      </p:sp>
+      <p:sp>
+        <p:nvSpPr>
+          <p:cNvPr id="7" name="TextBox 6"/>
+          <p:cNvSpPr txBox="1"/>
+          <p:nvPr/>
+        </p:nvSpPr>
+        <p:spPr>
+          <a:xfrm>
+            <a:off x="1271729" y="1039446"/>
+            <a:ext cx="6871818" cy="369332"/>
+          </a:xfrm>
+          <a:prstGeom prst="rect">
+            <a:avLst/>
+          </a:prstGeom>
+          <a:noFill/>
+        </p:spPr>
+        <p:txBody>
+          <a:bodyPr wrap="none" rtlCol="0">
+            <a:spAutoFit/>
+          </a:bodyPr>
+          <a:lstStyle/>
+          <a:p>
+            <a:r>
+              <a:rPr lang="en-US" dirty="0"/>
+              <a:t>How many account holders have duplicate contact information?</a:t>
+            </a:r>
+          </a:p>
+        </p:txBody>
+      </p:sp>
+    </p:spTree>
+    <p:extLst>
+      <p:ext uri="{BB962C8B-B14F-4D97-AF65-F5344CB8AC3E}">
+        <p14:creationId xmlns:p14="http://schemas.microsoft.com/office/powerpoint/2010/main" val="738291220"/>
+      </p:ext>
+    </p:extLst>
+  </p:cSld>
+  <p:clrMapOvr>
+    <a:masterClrMapping/>
+  </p:clrMapOvr>
+</p:sld>
+</file>
+
+<file path=ppt/slides/slide31.xml><?xml version="1.0" encoding="utf-8"?>
+<p:sld xmlns:a="http://schemas.openxmlformats.org/drawingml/2006/main" xmlns:r="http://schemas.openxmlformats.org/officeDocument/2006/relationships" xmlns:p="http://schemas.openxmlformats.org/presentationml/2006/main">
+  <p:cSld>
+    <p:spTree>
+      <p:nvGrpSpPr>
+        <p:cNvPr id="1" name=""/>
+        <p:cNvGrpSpPr/>
+        <p:nvPr/>
+      </p:nvGrpSpPr>
+      <p:grpSpPr>
+        <a:xfrm>
+          <a:off x="0" y="0"/>
+          <a:ext cx="0" cy="0"/>
+          <a:chOff x="0" y="0"/>
+          <a:chExt cx="0" cy="0"/>
+        </a:xfrm>
+      </p:grpSpPr>
       <p:pic>
         <p:nvPicPr>
           <p:cNvPr id="2" name="Picture 1"/>
@@ -33564,7 +33580,7 @@
 </p:sld>
 </file>
 
-<file path=ppt/slides/slide31.xml><?xml version="1.0" encoding="utf-8"?>
+<file path=ppt/slides/slide32.xml><?xml version="1.0" encoding="utf-8"?>
 <p:sld xmlns:a="http://schemas.openxmlformats.org/drawingml/2006/main" xmlns:r="http://schemas.openxmlformats.org/officeDocument/2006/relationships" xmlns:p="http://schemas.openxmlformats.org/presentationml/2006/main">
   <p:cSld>
     <p:spTree>
@@ -33901,7 +33917,7 @@
 </p:sld>
 </file>
 
-<file path=ppt/slides/slide32.xml><?xml version="1.0" encoding="utf-8"?>
+<file path=ppt/slides/slide33.xml><?xml version="1.0" encoding="utf-8"?>
 <p:sld xmlns:a="http://schemas.openxmlformats.org/drawingml/2006/main" xmlns:r="http://schemas.openxmlformats.org/officeDocument/2006/relationships" xmlns:p="http://schemas.openxmlformats.org/presentationml/2006/main">
   <p:cSld>
     <p:spTree>
@@ -34275,7 +34291,7 @@
 </p:sld>
 </file>
 
-<file path=ppt/slides/slide33.xml><?xml version="1.0" encoding="utf-8"?>
+<file path=ppt/slides/slide34.xml><?xml version="1.0" encoding="utf-8"?>
 <p:sld xmlns:a="http://schemas.openxmlformats.org/drawingml/2006/main" xmlns:r="http://schemas.openxmlformats.org/officeDocument/2006/relationships" xmlns:p="http://schemas.openxmlformats.org/presentationml/2006/main">
   <p:cSld>
     <p:spTree>
@@ -34355,7 +34371,7 @@
 </p:sld>
 </file>
 
-<file path=ppt/slides/slide34.xml><?xml version="1.0" encoding="utf-8"?>
+<file path=ppt/slides/slide35.xml><?xml version="1.0" encoding="utf-8"?>
 <p:sld xmlns:a="http://schemas.openxmlformats.org/drawingml/2006/main" xmlns:r="http://schemas.openxmlformats.org/officeDocument/2006/relationships" xmlns:p="http://schemas.openxmlformats.org/presentationml/2006/main">
   <p:cSld>
     <p:spTree>
@@ -34831,81 +34847,6 @@
     <p:extLst>
       <p:ext uri="{BB962C8B-B14F-4D97-AF65-F5344CB8AC3E}">
         <p14:creationId xmlns:p14="http://schemas.microsoft.com/office/powerpoint/2010/main" val="3360364818"/>
-      </p:ext>
-    </p:extLst>
-  </p:cSld>
-  <p:clrMapOvr>
-    <a:masterClrMapping/>
-  </p:clrMapOvr>
-</p:sld>
-</file>
-
-<file path=ppt/slides/slide35.xml><?xml version="1.0" encoding="utf-8"?>
-<p:sld xmlns:a="http://schemas.openxmlformats.org/drawingml/2006/main" xmlns:r="http://schemas.openxmlformats.org/officeDocument/2006/relationships" xmlns:p="http://schemas.openxmlformats.org/presentationml/2006/main">
-  <p:cSld>
-    <p:spTree>
-      <p:nvGrpSpPr>
-        <p:cNvPr id="1" name=""/>
-        <p:cNvGrpSpPr/>
-        <p:nvPr/>
-      </p:nvGrpSpPr>
-      <p:grpSpPr>
-        <a:xfrm>
-          <a:off x="0" y="0"/>
-          <a:ext cx="0" cy="0"/>
-          <a:chOff x="0" y="0"/>
-          <a:chExt cx="0" cy="0"/>
-        </a:xfrm>
-      </p:grpSpPr>
-      <p:sp>
-        <p:nvSpPr>
-          <p:cNvPr id="2" name="Title 1"/>
-          <p:cNvSpPr>
-            <a:spLocks noGrp="1"/>
-          </p:cNvSpPr>
-          <p:nvPr>
-            <p:ph type="title"/>
-          </p:nvPr>
-        </p:nvSpPr>
-        <p:spPr/>
-        <p:txBody>
-          <a:bodyPr/>
-          <a:lstStyle/>
-          <a:p>
-            <a:r>
-              <a:rPr lang="en-US" dirty="0"/>
-              <a:t>Neo4J Model</a:t>
-            </a:r>
-          </a:p>
-        </p:txBody>
-      </p:sp>
-      <p:pic>
-        <p:nvPicPr>
-          <p:cNvPr id="7" name="Content Placeholder 6"/>
-          <p:cNvPicPr>
-            <a:picLocks noGrp="1" noChangeAspect="1"/>
-          </p:cNvPicPr>
-          <p:nvPr>
-            <p:ph idx="1"/>
-          </p:nvPr>
-        </p:nvPicPr>
-        <p:blipFill>
-          <a:blip r:embed="rId2"/>
-          <a:stretch>
-            <a:fillRect/>
-          </a:stretch>
-        </p:blipFill>
-        <p:spPr>
-          <a:xfrm>
-            <a:off x="3174802" y="1760174"/>
-            <a:ext cx="5800176" cy="4051300"/>
-          </a:xfrm>
-        </p:spPr>
-      </p:pic>
-    </p:spTree>
-    <p:extLst>
-      <p:ext uri="{BB962C8B-B14F-4D97-AF65-F5344CB8AC3E}">
-        <p14:creationId xmlns:p14="http://schemas.microsoft.com/office/powerpoint/2010/main" val="1972807332"/>
       </p:ext>
     </p:extLst>
   </p:cSld>
@@ -34949,6 +34890,81 @@
           <a:p>
             <a:r>
               <a:rPr lang="en-US" dirty="0"/>
+              <a:t>Neo4J Model</a:t>
+            </a:r>
+          </a:p>
+        </p:txBody>
+      </p:sp>
+      <p:pic>
+        <p:nvPicPr>
+          <p:cNvPr id="7" name="Content Placeholder 6"/>
+          <p:cNvPicPr>
+            <a:picLocks noGrp="1" noChangeAspect="1"/>
+          </p:cNvPicPr>
+          <p:nvPr>
+            <p:ph idx="1"/>
+          </p:nvPr>
+        </p:nvPicPr>
+        <p:blipFill>
+          <a:blip r:embed="rId2"/>
+          <a:stretch>
+            <a:fillRect/>
+          </a:stretch>
+        </p:blipFill>
+        <p:spPr>
+          <a:xfrm>
+            <a:off x="3174802" y="1760174"/>
+            <a:ext cx="5800176" cy="4051300"/>
+          </a:xfrm>
+        </p:spPr>
+      </p:pic>
+    </p:spTree>
+    <p:extLst>
+      <p:ext uri="{BB962C8B-B14F-4D97-AF65-F5344CB8AC3E}">
+        <p14:creationId xmlns:p14="http://schemas.microsoft.com/office/powerpoint/2010/main" val="1972807332"/>
+      </p:ext>
+    </p:extLst>
+  </p:cSld>
+  <p:clrMapOvr>
+    <a:masterClrMapping/>
+  </p:clrMapOvr>
+</p:sld>
+</file>
+
+<file path=ppt/slides/slide37.xml><?xml version="1.0" encoding="utf-8"?>
+<p:sld xmlns:a="http://schemas.openxmlformats.org/drawingml/2006/main" xmlns:r="http://schemas.openxmlformats.org/officeDocument/2006/relationships" xmlns:p="http://schemas.openxmlformats.org/presentationml/2006/main">
+  <p:cSld>
+    <p:spTree>
+      <p:nvGrpSpPr>
+        <p:cNvPr id="1" name=""/>
+        <p:cNvGrpSpPr/>
+        <p:nvPr/>
+      </p:nvGrpSpPr>
+      <p:grpSpPr>
+        <a:xfrm>
+          <a:off x="0" y="0"/>
+          <a:ext cx="0" cy="0"/>
+          <a:chOff x="0" y="0"/>
+          <a:chExt cx="0" cy="0"/>
+        </a:xfrm>
+      </p:grpSpPr>
+      <p:sp>
+        <p:nvSpPr>
+          <p:cNvPr id="2" name="Title 1"/>
+          <p:cNvSpPr>
+            <a:spLocks noGrp="1"/>
+          </p:cNvSpPr>
+          <p:nvPr>
+            <p:ph type="title"/>
+          </p:nvPr>
+        </p:nvSpPr>
+        <p:spPr/>
+        <p:txBody>
+          <a:bodyPr/>
+          <a:lstStyle/>
+          <a:p>
+            <a:r>
+              <a:rPr lang="en-US" dirty="0"/>
               <a:t>Neo4j property graph</a:t>
             </a:r>
           </a:p>
@@ -34990,7 +35006,7 @@
 </p:sld>
 </file>
 
-<file path=ppt/slides/slide37.xml><?xml version="1.0" encoding="utf-8"?>
+<file path=ppt/slides/slide38.xml><?xml version="1.0" encoding="utf-8"?>
 <p:sld xmlns:a="http://schemas.openxmlformats.org/drawingml/2006/main" xmlns:r="http://schemas.openxmlformats.org/officeDocument/2006/relationships" xmlns:p="http://schemas.openxmlformats.org/presentationml/2006/main">
   <p:cSld>
     <p:spTree>
@@ -35110,7 +35126,7 @@
 </p:sld>
 </file>
 
-<file path=ppt/slides/slide38.xml><?xml version="1.0" encoding="utf-8"?>
+<file path=ppt/slides/slide39.xml><?xml version="1.0" encoding="utf-8"?>
 <p:sld xmlns:a="http://schemas.openxmlformats.org/drawingml/2006/main" xmlns:r="http://schemas.openxmlformats.org/officeDocument/2006/relationships" xmlns:p="http://schemas.openxmlformats.org/presentationml/2006/main">
   <p:cSld>
     <p:spTree>
@@ -35441,7 +35457,236 @@
 </p:sld>
 </file>
 
-<file path=ppt/slides/slide39.xml><?xml version="1.0" encoding="utf-8"?>
+<file path=ppt/slides/slide4.xml><?xml version="1.0" encoding="utf-8"?>
+<p:sld xmlns:a="http://schemas.openxmlformats.org/drawingml/2006/main" xmlns:r="http://schemas.openxmlformats.org/officeDocument/2006/relationships" xmlns:p="http://schemas.openxmlformats.org/presentationml/2006/main">
+  <p:cSld>
+    <p:spTree>
+      <p:nvGrpSpPr>
+        <p:cNvPr id="1" name=""/>
+        <p:cNvGrpSpPr/>
+        <p:nvPr/>
+      </p:nvGrpSpPr>
+      <p:grpSpPr>
+        <a:xfrm>
+          <a:off x="0" y="0"/>
+          <a:ext cx="0" cy="0"/>
+          <a:chOff x="0" y="0"/>
+          <a:chExt cx="0" cy="0"/>
+        </a:xfrm>
+      </p:grpSpPr>
+      <p:sp>
+        <p:nvSpPr>
+          <p:cNvPr id="2" name="Title 1"/>
+          <p:cNvSpPr>
+            <a:spLocks noGrp="1"/>
+          </p:cNvSpPr>
+          <p:nvPr>
+            <p:ph type="title"/>
+          </p:nvPr>
+        </p:nvSpPr>
+        <p:spPr/>
+        <p:txBody>
+          <a:bodyPr/>
+          <a:lstStyle/>
+          <a:p>
+            <a:r>
+              <a:rPr lang="en-US" dirty="0"/>
+              <a:t>agenda</a:t>
+            </a:r>
+          </a:p>
+        </p:txBody>
+      </p:sp>
+      <p:sp>
+        <p:nvSpPr>
+          <p:cNvPr id="3" name="Content Placeholder 2"/>
+          <p:cNvSpPr>
+            <a:spLocks noGrp="1"/>
+          </p:cNvSpPr>
+          <p:nvPr>
+            <p:ph idx="1"/>
+          </p:nvPr>
+        </p:nvSpPr>
+        <p:spPr/>
+        <p:txBody>
+          <a:bodyPr/>
+          <a:lstStyle/>
+          <a:p>
+            <a:pPr marL="342900" indent="-342900">
+              <a:buFont typeface="+mj-lt"/>
+              <a:buAutoNum type="arabicPeriod"/>
+            </a:pPr>
+            <a:r>
+              <a:rPr lang="en-US" dirty="0">
+                <a:solidFill>
+                  <a:schemeClr val="accent1">
+                    <a:lumMod val="75000"/>
+                  </a:schemeClr>
+                </a:solidFill>
+              </a:rPr>
+              <a:t>What’s a graph DB anyway?</a:t>
+            </a:r>
+          </a:p>
+          <a:p>
+            <a:pPr marL="342900" indent="-342900">
+              <a:buFont typeface="+mj-lt"/>
+              <a:buAutoNum type="arabicPeriod"/>
+            </a:pPr>
+            <a:r>
+              <a:rPr lang="en-US" dirty="0">
+                <a:solidFill>
+                  <a:schemeClr val="accent1">
+                    <a:lumMod val="75000"/>
+                  </a:schemeClr>
+                </a:solidFill>
+              </a:rPr>
+              <a:t>Core Concepts</a:t>
+            </a:r>
+          </a:p>
+          <a:p>
+            <a:pPr marL="342900" indent="-342900">
+              <a:buFont typeface="+mj-lt"/>
+              <a:buAutoNum type="arabicPeriod"/>
+            </a:pPr>
+            <a:r>
+              <a:rPr lang="en-US" dirty="0">
+                <a:solidFill>
+                  <a:schemeClr val="accent1">
+                    <a:lumMod val="75000"/>
+                  </a:schemeClr>
+                </a:solidFill>
+              </a:rPr>
+              <a:t>DBs with Benefits…</a:t>
+            </a:r>
+          </a:p>
+          <a:p>
+            <a:pPr marL="342900" indent="-342900">
+              <a:buFont typeface="+mj-lt"/>
+              <a:buAutoNum type="arabicPeriod"/>
+            </a:pPr>
+            <a:r>
+              <a:rPr lang="en-US" dirty="0">
+                <a:solidFill>
+                  <a:schemeClr val="accent1">
+                    <a:lumMod val="75000"/>
+                  </a:schemeClr>
+                </a:solidFill>
+              </a:rPr>
+              <a:t>Popular </a:t>
+            </a:r>
+            <a:r>
+              <a:rPr lang="en-US" dirty="0" err="1">
+                <a:solidFill>
+                  <a:schemeClr val="accent1">
+                    <a:lumMod val="75000"/>
+                  </a:schemeClr>
+                </a:solidFill>
+              </a:rPr>
+              <a:t>GraphDB</a:t>
+            </a:r>
+            <a:r>
+              <a:rPr lang="en-US" dirty="0">
+                <a:solidFill>
+                  <a:schemeClr val="accent1">
+                    <a:lumMod val="75000"/>
+                  </a:schemeClr>
+                </a:solidFill>
+              </a:rPr>
+              <a:t> Engines</a:t>
+            </a:r>
+          </a:p>
+          <a:p>
+            <a:pPr marL="342900" indent="-342900">
+              <a:buFont typeface="+mj-lt"/>
+              <a:buAutoNum type="arabicPeriod"/>
+            </a:pPr>
+            <a:r>
+              <a:rPr lang="en-US" dirty="0">
+                <a:solidFill>
+                  <a:schemeClr val="accent1">
+                    <a:lumMod val="75000"/>
+                  </a:schemeClr>
+                </a:solidFill>
+              </a:rPr>
+              <a:t>Complex Use Cases</a:t>
+            </a:r>
+          </a:p>
+          <a:p>
+            <a:pPr marL="342900" indent="-342900">
+              <a:buFont typeface="+mj-lt"/>
+              <a:buAutoNum type="arabicPeriod"/>
+            </a:pPr>
+            <a:r>
+              <a:rPr lang="en-US" dirty="0" err="1">
+                <a:solidFill>
+                  <a:schemeClr val="accent1">
+                    <a:lumMod val="75000"/>
+                  </a:schemeClr>
+                </a:solidFill>
+              </a:rPr>
+              <a:t>Diabook</a:t>
+            </a:r>
+            <a:r>
+              <a:rPr lang="en-US" dirty="0">
+                <a:solidFill>
+                  <a:schemeClr val="accent1">
+                    <a:lumMod val="75000"/>
+                  </a:schemeClr>
+                </a:solidFill>
+              </a:rPr>
+              <a:t> – Social Network</a:t>
+            </a:r>
+          </a:p>
+          <a:p>
+            <a:pPr marL="342900" indent="-342900">
+              <a:buFont typeface="+mj-lt"/>
+              <a:buAutoNum type="arabicPeriod"/>
+            </a:pPr>
+            <a:r>
+              <a:rPr lang="en-US" dirty="0">
+                <a:solidFill>
+                  <a:schemeClr val="accent1">
+                    <a:lumMod val="75000"/>
+                  </a:schemeClr>
+                </a:solidFill>
+              </a:rPr>
+              <a:t>Building the Network</a:t>
+            </a:r>
+          </a:p>
+          <a:p>
+            <a:pPr marL="342900" indent="-342900">
+              <a:buFont typeface="+mj-lt"/>
+              <a:buAutoNum type="arabicPeriod"/>
+            </a:pPr>
+            <a:r>
+              <a:rPr lang="en-US" dirty="0">
+                <a:solidFill>
+                  <a:schemeClr val="accent1">
+                    <a:lumMod val="75000"/>
+                  </a:schemeClr>
+                </a:solidFill>
+              </a:rPr>
+              <a:t>Questions/Links</a:t>
+            </a:r>
+          </a:p>
+          <a:p>
+            <a:endParaRPr lang="en-US" dirty="0"/>
+          </a:p>
+        </p:txBody>
+      </p:sp>
+    </p:spTree>
+    <p:extLst>
+      <p:ext uri="{BB962C8B-B14F-4D97-AF65-F5344CB8AC3E}">
+        <p14:creationId xmlns:p14="http://schemas.microsoft.com/office/powerpoint/2010/main" val="3947646928"/>
+      </p:ext>
+    </p:extLst>
+  </p:cSld>
+  <p:clrMapOvr>
+    <a:masterClrMapping/>
+  </p:clrMapOvr>
+</p:sld>
+</file>
+
+<file path=ppt/slides/slide40.xml><?xml version="1.0" encoding="utf-8"?>
 <p:sld xmlns:a="http://schemas.openxmlformats.org/drawingml/2006/main" xmlns:r="http://schemas.openxmlformats.org/officeDocument/2006/relationships" xmlns:p="http://schemas.openxmlformats.org/presentationml/2006/main">
   <p:cSld>
     <p:spTree>
@@ -36117,236 +36362,7 @@
 </p:sld>
 </file>
 
-<file path=ppt/slides/slide4.xml><?xml version="1.0" encoding="utf-8"?>
-<p:sld xmlns:a="http://schemas.openxmlformats.org/drawingml/2006/main" xmlns:r="http://schemas.openxmlformats.org/officeDocument/2006/relationships" xmlns:p="http://schemas.openxmlformats.org/presentationml/2006/main">
-  <p:cSld>
-    <p:spTree>
-      <p:nvGrpSpPr>
-        <p:cNvPr id="1" name=""/>
-        <p:cNvGrpSpPr/>
-        <p:nvPr/>
-      </p:nvGrpSpPr>
-      <p:grpSpPr>
-        <a:xfrm>
-          <a:off x="0" y="0"/>
-          <a:ext cx="0" cy="0"/>
-          <a:chOff x="0" y="0"/>
-          <a:chExt cx="0" cy="0"/>
-        </a:xfrm>
-      </p:grpSpPr>
-      <p:sp>
-        <p:nvSpPr>
-          <p:cNvPr id="2" name="Title 1"/>
-          <p:cNvSpPr>
-            <a:spLocks noGrp="1"/>
-          </p:cNvSpPr>
-          <p:nvPr>
-            <p:ph type="title"/>
-          </p:nvPr>
-        </p:nvSpPr>
-        <p:spPr/>
-        <p:txBody>
-          <a:bodyPr/>
-          <a:lstStyle/>
-          <a:p>
-            <a:r>
-              <a:rPr lang="en-US" dirty="0"/>
-              <a:t>agenda</a:t>
-            </a:r>
-          </a:p>
-        </p:txBody>
-      </p:sp>
-      <p:sp>
-        <p:nvSpPr>
-          <p:cNvPr id="3" name="Content Placeholder 2"/>
-          <p:cNvSpPr>
-            <a:spLocks noGrp="1"/>
-          </p:cNvSpPr>
-          <p:nvPr>
-            <p:ph idx="1"/>
-          </p:nvPr>
-        </p:nvSpPr>
-        <p:spPr/>
-        <p:txBody>
-          <a:bodyPr/>
-          <a:lstStyle/>
-          <a:p>
-            <a:pPr marL="342900" indent="-342900">
-              <a:buFont typeface="+mj-lt"/>
-              <a:buAutoNum type="arabicPeriod"/>
-            </a:pPr>
-            <a:r>
-              <a:rPr lang="en-US" dirty="0">
-                <a:solidFill>
-                  <a:schemeClr val="accent1">
-                    <a:lumMod val="75000"/>
-                  </a:schemeClr>
-                </a:solidFill>
-              </a:rPr>
-              <a:t>What’s a graph DB anyway?</a:t>
-            </a:r>
-          </a:p>
-          <a:p>
-            <a:pPr marL="342900" indent="-342900">
-              <a:buFont typeface="+mj-lt"/>
-              <a:buAutoNum type="arabicPeriod"/>
-            </a:pPr>
-            <a:r>
-              <a:rPr lang="en-US" dirty="0">
-                <a:solidFill>
-                  <a:schemeClr val="accent1">
-                    <a:lumMod val="75000"/>
-                  </a:schemeClr>
-                </a:solidFill>
-              </a:rPr>
-              <a:t>Core Concepts</a:t>
-            </a:r>
-          </a:p>
-          <a:p>
-            <a:pPr marL="342900" indent="-342900">
-              <a:buFont typeface="+mj-lt"/>
-              <a:buAutoNum type="arabicPeriod"/>
-            </a:pPr>
-            <a:r>
-              <a:rPr lang="en-US" dirty="0">
-                <a:solidFill>
-                  <a:schemeClr val="accent1">
-                    <a:lumMod val="75000"/>
-                  </a:schemeClr>
-                </a:solidFill>
-              </a:rPr>
-              <a:t>DBs with Benefits…</a:t>
-            </a:r>
-          </a:p>
-          <a:p>
-            <a:pPr marL="342900" indent="-342900">
-              <a:buFont typeface="+mj-lt"/>
-              <a:buAutoNum type="arabicPeriod"/>
-            </a:pPr>
-            <a:r>
-              <a:rPr lang="en-US" dirty="0">
-                <a:solidFill>
-                  <a:schemeClr val="accent1">
-                    <a:lumMod val="75000"/>
-                  </a:schemeClr>
-                </a:solidFill>
-              </a:rPr>
-              <a:t>Popular </a:t>
-            </a:r>
-            <a:r>
-              <a:rPr lang="en-US" dirty="0" err="1">
-                <a:solidFill>
-                  <a:schemeClr val="accent1">
-                    <a:lumMod val="75000"/>
-                  </a:schemeClr>
-                </a:solidFill>
-              </a:rPr>
-              <a:t>GraphDB</a:t>
-            </a:r>
-            <a:r>
-              <a:rPr lang="en-US" dirty="0">
-                <a:solidFill>
-                  <a:schemeClr val="accent1">
-                    <a:lumMod val="75000"/>
-                  </a:schemeClr>
-                </a:solidFill>
-              </a:rPr>
-              <a:t> Engines</a:t>
-            </a:r>
-          </a:p>
-          <a:p>
-            <a:pPr marL="342900" indent="-342900">
-              <a:buFont typeface="+mj-lt"/>
-              <a:buAutoNum type="arabicPeriod"/>
-            </a:pPr>
-            <a:r>
-              <a:rPr lang="en-US" dirty="0">
-                <a:solidFill>
-                  <a:schemeClr val="accent1">
-                    <a:lumMod val="75000"/>
-                  </a:schemeClr>
-                </a:solidFill>
-              </a:rPr>
-              <a:t>Complex Use Cases</a:t>
-            </a:r>
-          </a:p>
-          <a:p>
-            <a:pPr marL="342900" indent="-342900">
-              <a:buFont typeface="+mj-lt"/>
-              <a:buAutoNum type="arabicPeriod"/>
-            </a:pPr>
-            <a:r>
-              <a:rPr lang="en-US" dirty="0" err="1">
-                <a:solidFill>
-                  <a:schemeClr val="accent1">
-                    <a:lumMod val="75000"/>
-                  </a:schemeClr>
-                </a:solidFill>
-              </a:rPr>
-              <a:t>Diabook</a:t>
-            </a:r>
-            <a:r>
-              <a:rPr lang="en-US" dirty="0">
-                <a:solidFill>
-                  <a:schemeClr val="accent1">
-                    <a:lumMod val="75000"/>
-                  </a:schemeClr>
-                </a:solidFill>
-              </a:rPr>
-              <a:t> – Social Network</a:t>
-            </a:r>
-          </a:p>
-          <a:p>
-            <a:pPr marL="342900" indent="-342900">
-              <a:buFont typeface="+mj-lt"/>
-              <a:buAutoNum type="arabicPeriod"/>
-            </a:pPr>
-            <a:r>
-              <a:rPr lang="en-US" dirty="0">
-                <a:solidFill>
-                  <a:schemeClr val="accent1">
-                    <a:lumMod val="75000"/>
-                  </a:schemeClr>
-                </a:solidFill>
-              </a:rPr>
-              <a:t>Building the Network</a:t>
-            </a:r>
-          </a:p>
-          <a:p>
-            <a:pPr marL="342900" indent="-342900">
-              <a:buFont typeface="+mj-lt"/>
-              <a:buAutoNum type="arabicPeriod"/>
-            </a:pPr>
-            <a:r>
-              <a:rPr lang="en-US" dirty="0">
-                <a:solidFill>
-                  <a:schemeClr val="accent1">
-                    <a:lumMod val="75000"/>
-                  </a:schemeClr>
-                </a:solidFill>
-              </a:rPr>
-              <a:t>Questions/Links</a:t>
-            </a:r>
-          </a:p>
-          <a:p>
-            <a:endParaRPr lang="en-US" dirty="0"/>
-          </a:p>
-        </p:txBody>
-      </p:sp>
-    </p:spTree>
-    <p:extLst>
-      <p:ext uri="{BB962C8B-B14F-4D97-AF65-F5344CB8AC3E}">
-        <p14:creationId xmlns:p14="http://schemas.microsoft.com/office/powerpoint/2010/main" val="3947646928"/>
-      </p:ext>
-    </p:extLst>
-  </p:cSld>
-  <p:clrMapOvr>
-    <a:masterClrMapping/>
-  </p:clrMapOvr>
-</p:sld>
-</file>
-
-<file path=ppt/slides/slide40.xml><?xml version="1.0" encoding="utf-8"?>
+<file path=ppt/slides/slide41.xml><?xml version="1.0" encoding="utf-8"?>
 <p:sld xmlns:a="http://schemas.openxmlformats.org/drawingml/2006/main" xmlns:r="http://schemas.openxmlformats.org/officeDocument/2006/relationships" xmlns:p="http://schemas.openxmlformats.org/presentationml/2006/main">
   <p:cSld>
     <p:spTree>
@@ -36617,7 +36633,7 @@
 </p:sld>
 </file>
 
-<file path=ppt/slides/slide41.xml><?xml version="1.0" encoding="utf-8"?>
+<file path=ppt/slides/slide42.xml><?xml version="1.0" encoding="utf-8"?>
 <p:sld xmlns:a="http://schemas.openxmlformats.org/drawingml/2006/main" xmlns:r="http://schemas.openxmlformats.org/officeDocument/2006/relationships" xmlns:p="http://schemas.openxmlformats.org/presentationml/2006/main">
   <p:cSld>
     <p:spTree>
@@ -36882,7 +36898,7 @@
 </p:sld>
 </file>
 
-<file path=ppt/slides/slide42.xml><?xml version="1.0" encoding="utf-8"?>
+<file path=ppt/slides/slide43.xml><?xml version="1.0" encoding="utf-8"?>
 <p:sld xmlns:a="http://schemas.openxmlformats.org/drawingml/2006/main" xmlns:r="http://schemas.openxmlformats.org/officeDocument/2006/relationships" xmlns:p="http://schemas.openxmlformats.org/presentationml/2006/main">
   <p:cSld>
     <p:spTree>
@@ -37555,7 +37571,7 @@
 </p:sld>
 </file>
 
-<file path=ppt/slides/slide43.xml><?xml version="1.0" encoding="utf-8"?>
+<file path=ppt/slides/slide44.xml><?xml version="1.0" encoding="utf-8"?>
 <p:sld xmlns:a="http://schemas.openxmlformats.org/drawingml/2006/main" xmlns:r="http://schemas.openxmlformats.org/officeDocument/2006/relationships" xmlns:p="http://schemas.openxmlformats.org/presentationml/2006/main">
   <p:cSld>
     <p:spTree>
@@ -38144,7 +38160,7 @@
 </p:sld>
 </file>
 
-<file path=ppt/slides/slide44.xml><?xml version="1.0" encoding="utf-8"?>
+<file path=ppt/slides/slide45.xml><?xml version="1.0" encoding="utf-8"?>
 <p:sld xmlns:a="http://schemas.openxmlformats.org/drawingml/2006/main" xmlns:r="http://schemas.openxmlformats.org/officeDocument/2006/relationships" xmlns:p="http://schemas.openxmlformats.org/presentationml/2006/main">
   <p:cSld>
     <p:spTree>

--- a/presentation/Graph DBs.pptx
+++ b/presentation/Graph DBs.pptx
@@ -6,54 +6,52 @@
     <p:sldMasterId id="2147484057" r:id="rId2"/>
   </p:sldMasterIdLst>
   <p:notesMasterIdLst>
-    <p:notesMasterId r:id="rId48"/>
+    <p:notesMasterId r:id="rId46"/>
   </p:notesMasterIdLst>
   <p:sldIdLst>
     <p:sldId id="256" r:id="rId3"/>
-    <p:sldId id="302" r:id="rId4"/>
-    <p:sldId id="259" r:id="rId5"/>
-    <p:sldId id="304" r:id="rId6"/>
-    <p:sldId id="289" r:id="rId7"/>
-    <p:sldId id="287" r:id="rId8"/>
-    <p:sldId id="257" r:id="rId9"/>
-    <p:sldId id="266" r:id="rId10"/>
-    <p:sldId id="293" r:id="rId11"/>
-    <p:sldId id="295" r:id="rId12"/>
-    <p:sldId id="296" r:id="rId13"/>
-    <p:sldId id="297" r:id="rId14"/>
-    <p:sldId id="299" r:id="rId15"/>
-    <p:sldId id="298" r:id="rId16"/>
-    <p:sldId id="290" r:id="rId17"/>
-    <p:sldId id="261" r:id="rId18"/>
-    <p:sldId id="260" r:id="rId19"/>
-    <p:sldId id="305" r:id="rId20"/>
-    <p:sldId id="291" r:id="rId21"/>
-    <p:sldId id="258" r:id="rId22"/>
-    <p:sldId id="264" r:id="rId23"/>
-    <p:sldId id="263" r:id="rId24"/>
-    <p:sldId id="262" r:id="rId25"/>
-    <p:sldId id="265" r:id="rId26"/>
-    <p:sldId id="300" r:id="rId27"/>
-    <p:sldId id="286" r:id="rId28"/>
-    <p:sldId id="268" r:id="rId29"/>
-    <p:sldId id="269" r:id="rId30"/>
-    <p:sldId id="281" r:id="rId31"/>
-    <p:sldId id="267" r:id="rId32"/>
-    <p:sldId id="301" r:id="rId33"/>
-    <p:sldId id="271" r:id="rId34"/>
-    <p:sldId id="292" r:id="rId35"/>
-    <p:sldId id="272" r:id="rId36"/>
-    <p:sldId id="280" r:id="rId37"/>
-    <p:sldId id="279" r:id="rId38"/>
-    <p:sldId id="285" r:id="rId39"/>
-    <p:sldId id="273" r:id="rId40"/>
-    <p:sldId id="294" r:id="rId41"/>
-    <p:sldId id="275" r:id="rId42"/>
-    <p:sldId id="276" r:id="rId43"/>
-    <p:sldId id="277" r:id="rId44"/>
-    <p:sldId id="278" r:id="rId45"/>
-    <p:sldId id="282" r:id="rId46"/>
-    <p:sldId id="284" r:id="rId47"/>
+    <p:sldId id="259" r:id="rId4"/>
+    <p:sldId id="304" r:id="rId5"/>
+    <p:sldId id="289" r:id="rId6"/>
+    <p:sldId id="287" r:id="rId7"/>
+    <p:sldId id="257" r:id="rId8"/>
+    <p:sldId id="266" r:id="rId9"/>
+    <p:sldId id="293" r:id="rId10"/>
+    <p:sldId id="295" r:id="rId11"/>
+    <p:sldId id="296" r:id="rId12"/>
+    <p:sldId id="297" r:id="rId13"/>
+    <p:sldId id="299" r:id="rId14"/>
+    <p:sldId id="298" r:id="rId15"/>
+    <p:sldId id="290" r:id="rId16"/>
+    <p:sldId id="261" r:id="rId17"/>
+    <p:sldId id="260" r:id="rId18"/>
+    <p:sldId id="305" r:id="rId19"/>
+    <p:sldId id="291" r:id="rId20"/>
+    <p:sldId id="258" r:id="rId21"/>
+    <p:sldId id="264" r:id="rId22"/>
+    <p:sldId id="263" r:id="rId23"/>
+    <p:sldId id="262" r:id="rId24"/>
+    <p:sldId id="265" r:id="rId25"/>
+    <p:sldId id="300" r:id="rId26"/>
+    <p:sldId id="286" r:id="rId27"/>
+    <p:sldId id="268" r:id="rId28"/>
+    <p:sldId id="281" r:id="rId29"/>
+    <p:sldId id="267" r:id="rId30"/>
+    <p:sldId id="301" r:id="rId31"/>
+    <p:sldId id="271" r:id="rId32"/>
+    <p:sldId id="292" r:id="rId33"/>
+    <p:sldId id="272" r:id="rId34"/>
+    <p:sldId id="280" r:id="rId35"/>
+    <p:sldId id="279" r:id="rId36"/>
+    <p:sldId id="285" r:id="rId37"/>
+    <p:sldId id="273" r:id="rId38"/>
+    <p:sldId id="294" r:id="rId39"/>
+    <p:sldId id="275" r:id="rId40"/>
+    <p:sldId id="276" r:id="rId41"/>
+    <p:sldId id="277" r:id="rId42"/>
+    <p:sldId id="278" r:id="rId43"/>
+    <p:sldId id="282" r:id="rId44"/>
+    <p:sldId id="284" r:id="rId45"/>
   </p:sldIdLst>
   <p:sldSz cx="12192000" cy="6858000"/>
   <p:notesSz cx="6858000" cy="9144000"/>
@@ -158,7 +156,6 @@
         <p14:section name="Intro" id="{025B0794-FCBA-4111-A16C-F53BD9B70CDD}">
           <p14:sldIdLst>
             <p14:sldId id="256"/>
-            <p14:sldId id="302"/>
             <p14:sldId id="259"/>
             <p14:sldId id="304"/>
           </p14:sldIdLst>
@@ -208,7 +205,6 @@
         <p14:section name="Complex Use Cases" id="{C5B56D8B-81C2-4883-A294-C39ED6B65345}">
           <p14:sldIdLst>
             <p14:sldId id="268"/>
-            <p14:sldId id="269"/>
             <p14:sldId id="281"/>
             <p14:sldId id="267"/>
             <p14:sldId id="301"/>
@@ -330,7 +326,7 @@
           <a:p>
             <a:fld id="{F6529B8E-13CB-4C11-974D-DD895F60A2CF}" type="datetimeFigureOut">
               <a:rPr lang="en-US" smtClean="0"/>
-              <a:t>3/25/17</a:t>
+              <a:t>8/8/2017</a:t>
             </a:fld>
             <a:endParaRPr lang="en-US"/>
           </a:p>
@@ -746,7 +742,7 @@
           <a:p>
             <a:fld id="{DEED50C7-8D19-4923-9863-FA7237BBE36B}" type="slidenum">
               <a:rPr lang="en-US" smtClean="0"/>
-              <a:t>13</a:t>
+              <a:t>14</a:t>
             </a:fld>
             <a:endParaRPr lang="en-US"/>
           </a:p>
@@ -755,7 +751,7 @@
     </p:spTree>
     <p:extLst>
       <p:ext uri="{BB962C8B-B14F-4D97-AF65-F5344CB8AC3E}">
-        <p14:creationId xmlns:p14="http://schemas.microsoft.com/office/powerpoint/2010/main" val="2983051738"/>
+        <p14:creationId xmlns:p14="http://schemas.microsoft.com/office/powerpoint/2010/main" val="716299051"/>
       </p:ext>
     </p:extLst>
   </p:cSld>
@@ -809,6 +805,20 @@
           <a:bodyPr/>
           <a:lstStyle/>
           <a:p>
+            <a:r>
+              <a:rPr lang="en-US" dirty="0"/>
+              <a:t>Relational</a:t>
+            </a:r>
+            <a:r>
+              <a:rPr lang="en-US" baseline="0" dirty="0"/>
+              <a:t> – data in tabular format – focused on making sure there is no duplicate data – making querying costly</a:t>
+            </a:r>
+          </a:p>
+          <a:p>
+            <a:r>
+              <a:rPr lang="en-US" baseline="0" dirty="0"/>
+              <a:t>Graphs – focus on the connections, making path finding and querying straight forward</a:t>
+            </a:r>
             <a:endParaRPr lang="en-US" dirty="0"/>
           </a:p>
         </p:txBody>
@@ -839,7 +849,7 @@
     </p:spTree>
     <p:extLst>
       <p:ext uri="{BB962C8B-B14F-4D97-AF65-F5344CB8AC3E}">
-        <p14:creationId xmlns:p14="http://schemas.microsoft.com/office/powerpoint/2010/main" val="716299051"/>
+        <p14:creationId xmlns:p14="http://schemas.microsoft.com/office/powerpoint/2010/main" val="1812334159"/>
       </p:ext>
     </p:extLst>
   </p:cSld>
@@ -895,17 +905,33 @@
           <a:p>
             <a:r>
               <a:rPr lang="en-US" dirty="0"/>
-              <a:t>Relational</a:t>
+              <a:t>Cons – instead</a:t>
             </a:r>
             <a:r>
               <a:rPr lang="en-US" baseline="0" dirty="0"/>
-              <a:t> – data in tabular format – focused on making sure there is no duplicate data – making querying costly</a:t>
-            </a:r>
-          </a:p>
-          <a:p>
+              <a:t> of looking at data as 3</a:t>
+            </a:r>
+            <a:r>
+              <a:rPr lang="en-US" baseline="30000" dirty="0"/>
+              <a:t>rd</a:t>
+            </a:r>
             <a:r>
               <a:rPr lang="en-US" baseline="0" dirty="0"/>
-              <a:t>Graphs – focus on the connections, making path finding and querying straight forward</a:t>
+              <a:t> normal form with all your candidate keys and foreign keys, you have to start thinking about the data in terms of its interconnectivity.</a:t>
+            </a:r>
+          </a:p>
+          <a:p>
+            <a:r>
+              <a:rPr lang="en-US" baseline="0" dirty="0"/>
+              <a:t>Cons – Cypher, </a:t>
+            </a:r>
+            <a:r>
+              <a:rPr lang="en-US" baseline="0" dirty="0" err="1"/>
+              <a:t>tinkerpop</a:t>
+            </a:r>
+            <a:r>
+              <a:rPr lang="en-US" baseline="0" dirty="0"/>
+              <a:t>, Gremlin, SPARQL</a:t>
             </a:r>
             <a:endParaRPr lang="en-US" dirty="0"/>
           </a:p>
@@ -937,7 +963,7 @@
     </p:spTree>
     <p:extLst>
       <p:ext uri="{BB962C8B-B14F-4D97-AF65-F5344CB8AC3E}">
-        <p14:creationId xmlns:p14="http://schemas.microsoft.com/office/powerpoint/2010/main" val="1812334159"/>
+        <p14:creationId xmlns:p14="http://schemas.microsoft.com/office/powerpoint/2010/main" val="1951698221"/>
       </p:ext>
     </p:extLst>
   </p:cSld>
@@ -992,36 +1018,9 @@
           <a:lstStyle/>
           <a:p>
             <a:r>
-              <a:rPr lang="en-US" dirty="0"/>
-              <a:t>Cons – instead</a:t>
-            </a:r>
-            <a:r>
               <a:rPr lang="en-US" baseline="0" dirty="0"/>
-              <a:t> of looking at data as 3</a:t>
-            </a:r>
-            <a:r>
-              <a:rPr lang="en-US" baseline="30000" dirty="0"/>
-              <a:t>rd</a:t>
-            </a:r>
-            <a:r>
-              <a:rPr lang="en-US" baseline="0" dirty="0"/>
-              <a:t> normal form with all your candidate keys and foreign keys, you have to start thinking about the data in terms of its interconnectivity.</a:t>
-            </a:r>
-          </a:p>
-          <a:p>
-            <a:r>
-              <a:rPr lang="en-US" baseline="0" dirty="0"/>
-              <a:t>Cons – Cypher, </a:t>
-            </a:r>
-            <a:r>
-              <a:rPr lang="en-US" baseline="0" dirty="0" err="1"/>
-              <a:t>tinkerpop</a:t>
-            </a:r>
-            <a:r>
-              <a:rPr lang="en-US" baseline="0" dirty="0"/>
-              <a:t>, Gremlin, SPARQL</a:t>
-            </a:r>
-            <a:endParaRPr lang="en-US" dirty="0"/>
+              <a:t>As you can see there are many different graph DB players in the market.   I’m going to compare a few of them next, but there are many others out there as well.</a:t>
+            </a:r>
           </a:p>
         </p:txBody>
       </p:sp>
@@ -1042,7 +1041,7 @@
           <a:p>
             <a:fld id="{DEED50C7-8D19-4923-9863-FA7237BBE36B}" type="slidenum">
               <a:rPr lang="en-US" smtClean="0"/>
-              <a:t>17</a:t>
+              <a:t>19</a:t>
             </a:fld>
             <a:endParaRPr lang="en-US"/>
           </a:p>
@@ -1051,7 +1050,7 @@
     </p:spTree>
     <p:extLst>
       <p:ext uri="{BB962C8B-B14F-4D97-AF65-F5344CB8AC3E}">
-        <p14:creationId xmlns:p14="http://schemas.microsoft.com/office/powerpoint/2010/main" val="1951698221"/>
+        <p14:creationId xmlns:p14="http://schemas.microsoft.com/office/powerpoint/2010/main" val="3332592352"/>
       </p:ext>
     </p:extLst>
   </p:cSld>
@@ -1106,9 +1105,26 @@
           <a:lstStyle/>
           <a:p>
             <a:r>
+              <a:rPr lang="en-US" dirty="0" err="1"/>
+              <a:t>GraphQL</a:t>
+            </a:r>
+            <a:r>
               <a:rPr lang="en-US" baseline="0" dirty="0"/>
-              <a:t>As you can see there are many different graph DB players in the market.   I’m going to compare a few of them next, but there are many others out there as well.</a:t>
-            </a:r>
+              <a:t> – a query language for your API</a:t>
+            </a:r>
+          </a:p>
+          <a:p>
+            <a:r>
+              <a:rPr lang="en-US" baseline="0" dirty="0"/>
+              <a:t>Pros – Up and comer</a:t>
+            </a:r>
+          </a:p>
+          <a:p>
+            <a:r>
+              <a:rPr lang="en-US" baseline="0" dirty="0"/>
+              <a:t>Cons – not mature, not a lot of community support, and absolutely no ability to run it in Windows in production.</a:t>
+            </a:r>
+            <a:endParaRPr lang="en-US" dirty="0"/>
           </a:p>
         </p:txBody>
       </p:sp>
@@ -1138,7 +1154,7 @@
     </p:spTree>
     <p:extLst>
       <p:ext uri="{BB962C8B-B14F-4D97-AF65-F5344CB8AC3E}">
-        <p14:creationId xmlns:p14="http://schemas.microsoft.com/office/powerpoint/2010/main" val="3332592352"/>
+        <p14:creationId xmlns:p14="http://schemas.microsoft.com/office/powerpoint/2010/main" val="4249862613"/>
       </p:ext>
     </p:extLst>
   </p:cSld>
@@ -1193,25 +1209,23 @@
           <a:lstStyle/>
           <a:p>
             <a:r>
-              <a:rPr lang="en-US" dirty="0" err="1"/>
-              <a:t>GraphQL</a:t>
+              <a:rPr lang="en-US" dirty="0"/>
+              <a:t>Cons</a:t>
             </a:r>
             <a:r>
               <a:rPr lang="en-US" baseline="0" dirty="0"/>
-              <a:t> – a query language for your API</a:t>
-            </a:r>
-          </a:p>
-          <a:p>
+              <a:t> – need to wrap the java application in something like </a:t>
+            </a:r>
+            <a:r>
+              <a:rPr lang="en-US" baseline="0" dirty="0" err="1"/>
+              <a:t>Procrun</a:t>
+            </a:r>
             <a:r>
               <a:rPr lang="en-US" baseline="0" dirty="0"/>
-              <a:t>Pros – Up and comer</a:t>
-            </a:r>
-          </a:p>
-          <a:p>
-            <a:r>
-              <a:rPr lang="en-US" baseline="0" dirty="0"/>
-              <a:t>Cons – not mature, not a lot of community support, and absolutely no ability to run it in Windows in production.</a:t>
-            </a:r>
+              <a:t> in order to run as a windows service – no production support for windows service installation</a:t>
+            </a:r>
+          </a:p>
+          <a:p>
             <a:endParaRPr lang="en-US" dirty="0"/>
           </a:p>
         </p:txBody>
@@ -1242,7 +1256,7 @@
     </p:spTree>
     <p:extLst>
       <p:ext uri="{BB962C8B-B14F-4D97-AF65-F5344CB8AC3E}">
-        <p14:creationId xmlns:p14="http://schemas.microsoft.com/office/powerpoint/2010/main" val="4249862613"/>
+        <p14:creationId xmlns:p14="http://schemas.microsoft.com/office/powerpoint/2010/main" val="750881907"/>
       </p:ext>
     </p:extLst>
   </p:cSld>
@@ -1298,22 +1312,18 @@
           <a:p>
             <a:r>
               <a:rPr lang="en-US" dirty="0"/>
-              <a:t>Cons</a:t>
+              <a:t>Pros</a:t>
             </a:r>
             <a:r>
               <a:rPr lang="en-US" baseline="0" dirty="0"/>
-              <a:t> – need to wrap the java application in something like </a:t>
-            </a:r>
-            <a:r>
-              <a:rPr lang="en-US" baseline="0" dirty="0" err="1"/>
-              <a:t>Procrun</a:t>
-            </a:r>
+              <a:t> – you can find answers easily, very mature, there are yearly neo4j conferences available and lots of training options</a:t>
+            </a:r>
+          </a:p>
+          <a:p>
             <a:r>
               <a:rPr lang="en-US" baseline="0" dirty="0"/>
-              <a:t> in order to run as a windows service – no production support for windows service installation</a:t>
-            </a:r>
-          </a:p>
-          <a:p>
+              <a:t>Cons – means you cannot segment your data at the database level.  If you need that kind of segmentation, you need to create root nodes and query based on your root nodes.</a:t>
+            </a:r>
             <a:endParaRPr lang="en-US" dirty="0"/>
           </a:p>
         </p:txBody>
@@ -1344,7 +1354,7 @@
     </p:spTree>
     <p:extLst>
       <p:ext uri="{BB962C8B-B14F-4D97-AF65-F5344CB8AC3E}">
-        <p14:creationId xmlns:p14="http://schemas.microsoft.com/office/powerpoint/2010/main" val="750881907"/>
+        <p14:creationId xmlns:p14="http://schemas.microsoft.com/office/powerpoint/2010/main" val="3431311784"/>
       </p:ext>
     </p:extLst>
   </p:cSld>
@@ -1400,17 +1410,22 @@
           <a:p>
             <a:r>
               <a:rPr lang="en-US" dirty="0"/>
-              <a:t>Pros</a:t>
+              <a:t>Lucene index – elastic search and </a:t>
+            </a:r>
+            <a:r>
+              <a:rPr lang="en-US" dirty="0" err="1"/>
+              <a:t>solr</a:t>
+            </a:r>
+            <a:endParaRPr lang="en-US" dirty="0"/>
+          </a:p>
+          <a:p>
+            <a:r>
+              <a:rPr lang="en-US" dirty="0"/>
+              <a:t>REST API – all crud operations can be performed using</a:t>
             </a:r>
             <a:r>
               <a:rPr lang="en-US" baseline="0" dirty="0"/>
-              <a:t> – you can find answers easily, very mature, there are yearly neo4j conferences available and lots of training options</a:t>
-            </a:r>
-          </a:p>
-          <a:p>
-            <a:r>
-              <a:rPr lang="en-US" baseline="0" dirty="0"/>
-              <a:t>Cons – means you cannot segment your data at the database level.  If you need that kind of segmentation, you need to create root nodes and query based on your root nodes.</a:t>
+              <a:t> the REST API or one of the SDKs available.</a:t>
             </a:r>
             <a:endParaRPr lang="en-US" dirty="0"/>
           </a:p>
@@ -1442,7 +1457,7 @@
     </p:spTree>
     <p:extLst>
       <p:ext uri="{BB962C8B-B14F-4D97-AF65-F5344CB8AC3E}">
-        <p14:creationId xmlns:p14="http://schemas.microsoft.com/office/powerpoint/2010/main" val="3431311784"/>
+        <p14:creationId xmlns:p14="http://schemas.microsoft.com/office/powerpoint/2010/main" val="3992437412"/>
       </p:ext>
     </p:extLst>
   </p:cSld>
@@ -1498,22 +1513,17 @@
           <a:p>
             <a:r>
               <a:rPr lang="en-US" dirty="0"/>
-              <a:t>Lucene index – elastic search and </a:t>
-            </a:r>
-            <a:r>
-              <a:rPr lang="en-US" dirty="0" err="1"/>
-              <a:t>solr</a:t>
-            </a:r>
-            <a:endParaRPr lang="en-US" dirty="0"/>
+              <a:t>CTE or cursor or stored proc</a:t>
+            </a:r>
           </a:p>
           <a:p>
             <a:r>
               <a:rPr lang="en-US" dirty="0"/>
-              <a:t>REST API – all crud operations can be performed using</a:t>
+              <a:t>Self – joins,</a:t>
             </a:r>
             <a:r>
               <a:rPr lang="en-US" baseline="0" dirty="0"/>
-              <a:t> the REST API or one of the SDKs available.</a:t>
+              <a:t> hierarchical data</a:t>
             </a:r>
             <a:endParaRPr lang="en-US" dirty="0"/>
           </a:p>
@@ -1545,7 +1555,7 @@
     </p:spTree>
     <p:extLst>
       <p:ext uri="{BB962C8B-B14F-4D97-AF65-F5344CB8AC3E}">
-        <p14:creationId xmlns:p14="http://schemas.microsoft.com/office/powerpoint/2010/main" val="3992437412"/>
+        <p14:creationId xmlns:p14="http://schemas.microsoft.com/office/powerpoint/2010/main" val="951891663"/>
       </p:ext>
     </p:extLst>
   </p:cSld>
@@ -1599,20 +1609,6 @@
           <a:bodyPr/>
           <a:lstStyle/>
           <a:p>
-            <a:r>
-              <a:rPr lang="en-US" dirty="0"/>
-              <a:t>CTE or cursor or stored proc</a:t>
-            </a:r>
-          </a:p>
-          <a:p>
-            <a:r>
-              <a:rPr lang="en-US" dirty="0"/>
-              <a:t>Self – joins,</a:t>
-            </a:r>
-            <a:r>
-              <a:rPr lang="en-US" baseline="0" dirty="0"/>
-              <a:t> hierarchical data</a:t>
-            </a:r>
             <a:endParaRPr lang="en-US" dirty="0"/>
           </a:p>
         </p:txBody>
@@ -1643,7 +1639,7 @@
     </p:spTree>
     <p:extLst>
       <p:ext uri="{BB962C8B-B14F-4D97-AF65-F5344CB8AC3E}">
-        <p14:creationId xmlns:p14="http://schemas.microsoft.com/office/powerpoint/2010/main" val="951891663"/>
+        <p14:creationId xmlns:p14="http://schemas.microsoft.com/office/powerpoint/2010/main" val="3609070906"/>
       </p:ext>
     </p:extLst>
   </p:cSld>
@@ -1699,13 +1695,31 @@
           <a:p>
             <a:r>
               <a:rPr lang="en-US" dirty="0"/>
-              <a:t>First,</a:t>
+              <a:t>Talk</a:t>
             </a:r>
             <a:r>
               <a:rPr lang="en-US" baseline="0" dirty="0"/>
-              <a:t> I wanted to give a big thanks to our sponsors.  They make events like these possible, so thank you!</a:t>
-            </a:r>
-            <a:endParaRPr lang="en-US" dirty="0"/>
+              <a:t> about my career a little bit – almost 20 years experience in development, most of that full-stack – gravitate toward back end</a:t>
+            </a:r>
+          </a:p>
+          <a:p>
+            <a:r>
+              <a:rPr lang="en-US" baseline="0" dirty="0"/>
+              <a:t>Started looking at data modelling outside the scope of relational databases a few years ago – started with full text search and elastic search, evolving to </a:t>
+            </a:r>
+            <a:r>
+              <a:rPr lang="en-US" baseline="0" dirty="0" err="1"/>
+              <a:t>nosql</a:t>
+            </a:r>
+            <a:r>
+              <a:rPr lang="en-US" baseline="0" dirty="0"/>
+              <a:t> databases and now to graph </a:t>
+            </a:r>
+            <a:r>
+              <a:rPr lang="en-US" baseline="0" dirty="0" err="1"/>
+              <a:t>dbs</a:t>
+            </a:r>
+            <a:endParaRPr lang="en-US" baseline="0" dirty="0"/>
           </a:p>
         </p:txBody>
       </p:sp>
@@ -1735,7 +1749,7 @@
     </p:spTree>
     <p:extLst>
       <p:ext uri="{BB962C8B-B14F-4D97-AF65-F5344CB8AC3E}">
-        <p14:creationId xmlns:p14="http://schemas.microsoft.com/office/powerpoint/2010/main" val="2143176017"/>
+        <p14:creationId xmlns:p14="http://schemas.microsoft.com/office/powerpoint/2010/main" val="941184426"/>
       </p:ext>
     </p:extLst>
   </p:cSld>
@@ -1819,7 +1833,7 @@
     </p:spTree>
     <p:extLst>
       <p:ext uri="{BB962C8B-B14F-4D97-AF65-F5344CB8AC3E}">
-        <p14:creationId xmlns:p14="http://schemas.microsoft.com/office/powerpoint/2010/main" val="3609070906"/>
+        <p14:creationId xmlns:p14="http://schemas.microsoft.com/office/powerpoint/2010/main" val="2745185784"/>
       </p:ext>
     </p:extLst>
   </p:cSld>
@@ -1873,6 +1887,34 @@
           <a:bodyPr/>
           <a:lstStyle/>
           <a:p>
+            <a:r>
+              <a:rPr lang="en-US" dirty="0"/>
+              <a:t>The with clause allows query parts to be chained together, and passed the results on</a:t>
+            </a:r>
+            <a:r>
+              <a:rPr lang="en-US" baseline="0" dirty="0"/>
+              <a:t> in the query</a:t>
+            </a:r>
+          </a:p>
+          <a:p>
+            <a:r>
+              <a:rPr lang="en-US" baseline="0" dirty="0"/>
+              <a:t>Collect – collects values into a list</a:t>
+            </a:r>
+          </a:p>
+          <a:p>
+            <a:r>
+              <a:rPr lang="en-US" baseline="0" dirty="0"/>
+              <a:t>Unwind transforms back into individual rows</a:t>
+            </a:r>
+          </a:p>
+          <a:p>
+            <a:r>
+              <a:rPr lang="en-US" baseline="0" dirty="0"/>
+              <a:t>Labels – returns a string representation for the labels attached to a node as an array</a:t>
+            </a:r>
+          </a:p>
+          <a:p>
             <a:endParaRPr lang="en-US" dirty="0"/>
           </a:p>
         </p:txBody>
@@ -1894,7 +1936,7 @@
           <a:p>
             <a:fld id="{DEED50C7-8D19-4923-9863-FA7237BBE36B}" type="slidenum">
               <a:rPr lang="en-US" smtClean="0"/>
-              <a:t>27</a:t>
+              <a:t>28</a:t>
             </a:fld>
             <a:endParaRPr lang="en-US"/>
           </a:p>
@@ -1903,7 +1945,7 @@
     </p:spTree>
     <p:extLst>
       <p:ext uri="{BB962C8B-B14F-4D97-AF65-F5344CB8AC3E}">
-        <p14:creationId xmlns:p14="http://schemas.microsoft.com/office/powerpoint/2010/main" val="2745185784"/>
+        <p14:creationId xmlns:p14="http://schemas.microsoft.com/office/powerpoint/2010/main" val="1933768834"/>
       </p:ext>
     </p:extLst>
   </p:cSld>
@@ -1957,7 +1999,16 @@
           <a:bodyPr/>
           <a:lstStyle/>
           <a:p>
-            <a:endParaRPr lang="en-US" dirty="0"/>
+            <a:r>
+              <a:rPr lang="en-US" baseline="0" dirty="0"/>
+              <a:t>Describe the problem:</a:t>
+            </a:r>
+          </a:p>
+          <a:p>
+            <a:r>
+              <a:rPr lang="en-US" baseline="0" dirty="0"/>
+              <a:t>I want to create a social network of people that have Type 1 diabetes.  This should allow them to connect for support and to share what’s working for them and not working for them.  I want to be able to connect to friends-of-friends that have Type 1 diabetes and also keep track of where people are being seen and what medications they are taking.</a:t>
+            </a:r>
           </a:p>
         </p:txBody>
       </p:sp>
@@ -1978,212 +2029,7 @@
           <a:p>
             <a:fld id="{DEED50C7-8D19-4923-9863-FA7237BBE36B}" type="slidenum">
               <a:rPr lang="en-US" smtClean="0"/>
-              <a:t>28</a:t>
-            </a:fld>
-            <a:endParaRPr lang="en-US"/>
-          </a:p>
-        </p:txBody>
-      </p:sp>
-    </p:spTree>
-    <p:extLst>
-      <p:ext uri="{BB962C8B-B14F-4D97-AF65-F5344CB8AC3E}">
-        <p14:creationId xmlns:p14="http://schemas.microsoft.com/office/powerpoint/2010/main" val="543897719"/>
-      </p:ext>
-    </p:extLst>
-  </p:cSld>
-  <p:clrMapOvr>
-    <a:masterClrMapping/>
-  </p:clrMapOvr>
-</p:notes>
-</file>
-
-<file path=ppt/notesSlides/notesSlide23.xml><?xml version="1.0" encoding="utf-8"?>
-<p:notes xmlns:a="http://schemas.openxmlformats.org/drawingml/2006/main" xmlns:r="http://schemas.openxmlformats.org/officeDocument/2006/relationships" xmlns:p="http://schemas.openxmlformats.org/presentationml/2006/main">
-  <p:cSld>
-    <p:spTree>
-      <p:nvGrpSpPr>
-        <p:cNvPr id="1" name=""/>
-        <p:cNvGrpSpPr/>
-        <p:nvPr/>
-      </p:nvGrpSpPr>
-      <p:grpSpPr>
-        <a:xfrm>
-          <a:off x="0" y="0"/>
-          <a:ext cx="0" cy="0"/>
-          <a:chOff x="0" y="0"/>
-          <a:chExt cx="0" cy="0"/>
-        </a:xfrm>
-      </p:grpSpPr>
-      <p:sp>
-        <p:nvSpPr>
-          <p:cNvPr id="2" name="Slide Image Placeholder 1"/>
-          <p:cNvSpPr>
-            <a:spLocks noGrp="1" noRot="1" noChangeAspect="1"/>
-          </p:cNvSpPr>
-          <p:nvPr>
-            <p:ph type="sldImg"/>
-          </p:nvPr>
-        </p:nvSpPr>
-        <p:spPr/>
-      </p:sp>
-      <p:sp>
-        <p:nvSpPr>
-          <p:cNvPr id="3" name="Notes Placeholder 2"/>
-          <p:cNvSpPr>
-            <a:spLocks noGrp="1"/>
-          </p:cNvSpPr>
-          <p:nvPr>
-            <p:ph type="body" idx="1"/>
-          </p:nvPr>
-        </p:nvSpPr>
-        <p:spPr/>
-        <p:txBody>
-          <a:bodyPr/>
-          <a:lstStyle/>
-          <a:p>
-            <a:r>
-              <a:rPr lang="en-US" dirty="0"/>
-              <a:t>The with clause allows query parts to be chained together, and passed the results on</a:t>
-            </a:r>
-            <a:r>
-              <a:rPr lang="en-US" baseline="0" dirty="0"/>
-              <a:t> in the query</a:t>
-            </a:r>
-          </a:p>
-          <a:p>
-            <a:r>
-              <a:rPr lang="en-US" baseline="0" dirty="0"/>
-              <a:t>Collect – collects values into a list</a:t>
-            </a:r>
-          </a:p>
-          <a:p>
-            <a:r>
-              <a:rPr lang="en-US" baseline="0" dirty="0"/>
-              <a:t>Unwind transforms back into individual rows</a:t>
-            </a:r>
-          </a:p>
-          <a:p>
-            <a:r>
-              <a:rPr lang="en-US" baseline="0" dirty="0"/>
-              <a:t>Labels – returns a string representation for the labels attached to a node as an array</a:t>
-            </a:r>
-          </a:p>
-          <a:p>
-            <a:endParaRPr lang="en-US" dirty="0"/>
-          </a:p>
-        </p:txBody>
-      </p:sp>
-      <p:sp>
-        <p:nvSpPr>
-          <p:cNvPr id="4" name="Slide Number Placeholder 3"/>
-          <p:cNvSpPr>
-            <a:spLocks noGrp="1"/>
-          </p:cNvSpPr>
-          <p:nvPr>
-            <p:ph type="sldNum" sz="quarter" idx="10"/>
-          </p:nvPr>
-        </p:nvSpPr>
-        <p:spPr/>
-        <p:txBody>
-          <a:bodyPr/>
-          <a:lstStyle/>
-          <a:p>
-            <a:fld id="{DEED50C7-8D19-4923-9863-FA7237BBE36B}" type="slidenum">
-              <a:rPr lang="en-US" smtClean="0"/>
               <a:t>30</a:t>
-            </a:fld>
-            <a:endParaRPr lang="en-US"/>
-          </a:p>
-        </p:txBody>
-      </p:sp>
-    </p:spTree>
-    <p:extLst>
-      <p:ext uri="{BB962C8B-B14F-4D97-AF65-F5344CB8AC3E}">
-        <p14:creationId xmlns:p14="http://schemas.microsoft.com/office/powerpoint/2010/main" val="1933768834"/>
-      </p:ext>
-    </p:extLst>
-  </p:cSld>
-  <p:clrMapOvr>
-    <a:masterClrMapping/>
-  </p:clrMapOvr>
-</p:notes>
-</file>
-
-<file path=ppt/notesSlides/notesSlide24.xml><?xml version="1.0" encoding="utf-8"?>
-<p:notes xmlns:a="http://schemas.openxmlformats.org/drawingml/2006/main" xmlns:r="http://schemas.openxmlformats.org/officeDocument/2006/relationships" xmlns:p="http://schemas.openxmlformats.org/presentationml/2006/main">
-  <p:cSld>
-    <p:spTree>
-      <p:nvGrpSpPr>
-        <p:cNvPr id="1" name=""/>
-        <p:cNvGrpSpPr/>
-        <p:nvPr/>
-      </p:nvGrpSpPr>
-      <p:grpSpPr>
-        <a:xfrm>
-          <a:off x="0" y="0"/>
-          <a:ext cx="0" cy="0"/>
-          <a:chOff x="0" y="0"/>
-          <a:chExt cx="0" cy="0"/>
-        </a:xfrm>
-      </p:grpSpPr>
-      <p:sp>
-        <p:nvSpPr>
-          <p:cNvPr id="2" name="Slide Image Placeholder 1"/>
-          <p:cNvSpPr>
-            <a:spLocks noGrp="1" noRot="1" noChangeAspect="1"/>
-          </p:cNvSpPr>
-          <p:nvPr>
-            <p:ph type="sldImg"/>
-          </p:nvPr>
-        </p:nvSpPr>
-        <p:spPr/>
-      </p:sp>
-      <p:sp>
-        <p:nvSpPr>
-          <p:cNvPr id="3" name="Notes Placeholder 2"/>
-          <p:cNvSpPr>
-            <a:spLocks noGrp="1"/>
-          </p:cNvSpPr>
-          <p:nvPr>
-            <p:ph type="body" idx="1"/>
-          </p:nvPr>
-        </p:nvSpPr>
-        <p:spPr/>
-        <p:txBody>
-          <a:bodyPr/>
-          <a:lstStyle/>
-          <a:p>
-            <a:r>
-              <a:rPr lang="en-US" baseline="0" dirty="0"/>
-              <a:t>Describe the problem:</a:t>
-            </a:r>
-          </a:p>
-          <a:p>
-            <a:r>
-              <a:rPr lang="en-US" baseline="0" dirty="0"/>
-              <a:t>I want to create a social network of people that have Type 1 diabetes.  This should allow them to connect for support and to share what’s working for them and not working for them.  I want to be able to connect to friends-of-friends that have Type 1 diabetes and also keep track of where people are being seen and what medications they are taking.</a:t>
-            </a:r>
-          </a:p>
-        </p:txBody>
-      </p:sp>
-      <p:sp>
-        <p:nvSpPr>
-          <p:cNvPr id="4" name="Slide Number Placeholder 3"/>
-          <p:cNvSpPr>
-            <a:spLocks noGrp="1"/>
-          </p:cNvSpPr>
-          <p:nvPr>
-            <p:ph type="sldNum" sz="quarter" idx="10"/>
-          </p:nvPr>
-        </p:nvSpPr>
-        <p:spPr/>
-        <p:txBody>
-          <a:bodyPr/>
-          <a:lstStyle/>
-          <a:p>
-            <a:fld id="{DEED50C7-8D19-4923-9863-FA7237BBE36B}" type="slidenum">
-              <a:rPr lang="en-US" smtClean="0"/>
-              <a:t>32</a:t>
             </a:fld>
             <a:endParaRPr lang="en-US"/>
           </a:p>
@@ -2248,31 +2094,25 @@
           <a:p>
             <a:r>
               <a:rPr lang="en-US" dirty="0"/>
-              <a:t>Talk</a:t>
+              <a:t>Not a pie graph or chart</a:t>
+            </a:r>
+          </a:p>
+          <a:p>
+            <a:r>
+              <a:rPr lang="en-US" dirty="0"/>
+              <a:t>Not</a:t>
             </a:r>
             <a:r>
               <a:rPr lang="en-US" baseline="0" dirty="0"/>
-              <a:t> about my career a little bit – almost 20 years experience in development, most of that full-stack – gravitate toward back end</a:t>
+              <a:t> reporting</a:t>
             </a:r>
           </a:p>
           <a:p>
             <a:r>
               <a:rPr lang="en-US" baseline="0" dirty="0"/>
-              <a:t>Started looking at data modelling outside the scope of relational databases a few years ago – started with full text search and elastic search, evolving to </a:t>
-            </a:r>
-            <a:r>
-              <a:rPr lang="en-US" baseline="0" dirty="0" err="1"/>
-              <a:t>nosql</a:t>
-            </a:r>
-            <a:r>
-              <a:rPr lang="en-US" baseline="0" dirty="0"/>
-              <a:t> databases and now to graph </a:t>
-            </a:r>
-            <a:r>
-              <a:rPr lang="en-US" baseline="0" dirty="0" err="1"/>
-              <a:t>dbs</a:t>
-            </a:r>
-            <a:endParaRPr lang="en-US" baseline="0" dirty="0"/>
+              <a:t>Talking about modelling the data as nodes and relationships</a:t>
+            </a:r>
+            <a:endParaRPr lang="en-US" dirty="0"/>
           </a:p>
         </p:txBody>
       </p:sp>
@@ -2293,7 +2133,7 @@
           <a:p>
             <a:fld id="{DEED50C7-8D19-4923-9863-FA7237BBE36B}" type="slidenum">
               <a:rPr lang="en-US" smtClean="0"/>
-              <a:t>3</a:t>
+              <a:t>4</a:t>
             </a:fld>
             <a:endParaRPr lang="en-US"/>
           </a:p>
@@ -2302,7 +2142,7 @@
     </p:spTree>
     <p:extLst>
       <p:ext uri="{BB962C8B-B14F-4D97-AF65-F5344CB8AC3E}">
-        <p14:creationId xmlns:p14="http://schemas.microsoft.com/office/powerpoint/2010/main" val="941184426"/>
+        <p14:creationId xmlns:p14="http://schemas.microsoft.com/office/powerpoint/2010/main" val="1356644729"/>
       </p:ext>
     </p:extLst>
   </p:cSld>
@@ -2358,23 +2198,17 @@
           <a:p>
             <a:r>
               <a:rPr lang="en-US" dirty="0"/>
-              <a:t>Not a pie graph or chart</a:t>
-            </a:r>
-          </a:p>
-          <a:p>
-            <a:r>
-              <a:rPr lang="en-US" dirty="0"/>
-              <a:t>Not</a:t>
+              <a:t>Illustrate the various</a:t>
             </a:r>
             <a:r>
               <a:rPr lang="en-US" baseline="0" dirty="0"/>
-              <a:t> reporting</a:t>
+              <a:t> uses of graphs</a:t>
             </a:r>
           </a:p>
           <a:p>
             <a:r>
               <a:rPr lang="en-US" baseline="0" dirty="0"/>
-              <a:t>Talking about modelling the data as nodes and relationships</a:t>
+              <a:t>Talk about white boarding and object modelling as a natural precursor to graph DBs</a:t>
             </a:r>
             <a:endParaRPr lang="en-US" dirty="0"/>
           </a:p>
@@ -2406,7 +2240,7 @@
     </p:spTree>
     <p:extLst>
       <p:ext uri="{BB962C8B-B14F-4D97-AF65-F5344CB8AC3E}">
-        <p14:creationId xmlns:p14="http://schemas.microsoft.com/office/powerpoint/2010/main" val="1356644729"/>
+        <p14:creationId xmlns:p14="http://schemas.microsoft.com/office/powerpoint/2010/main" val="892401305"/>
       </p:ext>
     </p:extLst>
   </p:cSld>
@@ -2462,17 +2296,11 @@
           <a:p>
             <a:r>
               <a:rPr lang="en-US" dirty="0"/>
-              <a:t>Illustrate the various</a:t>
+              <a:t>Talk about relationships</a:t>
             </a:r>
             <a:r>
               <a:rPr lang="en-US" baseline="0" dirty="0"/>
-              <a:t> uses of graphs</a:t>
-            </a:r>
-          </a:p>
-          <a:p>
-            <a:r>
-              <a:rPr lang="en-US" baseline="0" dirty="0"/>
-              <a:t>Talk about white boarding and object modelling as a natural precursor to graph DBs</a:t>
+              <a:t> being emphasized and relationships having their own properties</a:t>
             </a:r>
             <a:endParaRPr lang="en-US" dirty="0"/>
           </a:p>
@@ -2504,7 +2332,7 @@
     </p:spTree>
     <p:extLst>
       <p:ext uri="{BB962C8B-B14F-4D97-AF65-F5344CB8AC3E}">
-        <p14:creationId xmlns:p14="http://schemas.microsoft.com/office/powerpoint/2010/main" val="892401305"/>
+        <p14:creationId xmlns:p14="http://schemas.microsoft.com/office/powerpoint/2010/main" val="3305115276"/>
       </p:ext>
     </p:extLst>
   </p:cSld>
@@ -2560,13 +2388,18 @@
           <a:p>
             <a:r>
               <a:rPr lang="en-US" dirty="0"/>
-              <a:t>Talk about relationships</a:t>
+              <a:t>Facebook,</a:t>
             </a:r>
             <a:r>
               <a:rPr lang="en-US" baseline="0" dirty="0"/>
-              <a:t> being emphasized and relationships having their own properties</a:t>
-            </a:r>
-            <a:endParaRPr lang="en-US" dirty="0"/>
+              <a:t> Linked in</a:t>
+            </a:r>
+          </a:p>
+          <a:p>
+            <a:r>
+              <a:rPr lang="en-US" baseline="0" dirty="0"/>
+              <a:t>Path finding – airline hubs and routes – how do I get from Boston to San Diego in the shortest path?  What’s the quickest driving route between here and New York City?  Also, linked in – how do I connect with person A in company x – how many connections do I have to make to get to that person?</a:t>
+            </a:r>
           </a:p>
         </p:txBody>
       </p:sp>
@@ -2596,7 +2429,7 @@
     </p:spTree>
     <p:extLst>
       <p:ext uri="{BB962C8B-B14F-4D97-AF65-F5344CB8AC3E}">
-        <p14:creationId xmlns:p14="http://schemas.microsoft.com/office/powerpoint/2010/main" val="3305115276"/>
+        <p14:creationId xmlns:p14="http://schemas.microsoft.com/office/powerpoint/2010/main" val="4007776910"/>
       </p:ext>
     </p:extLst>
   </p:cSld>
@@ -2652,18 +2485,19 @@
           <a:p>
             <a:r>
               <a:rPr lang="en-US" dirty="0"/>
-              <a:t>Facebook,</a:t>
+              <a:t>Nodes</a:t>
             </a:r>
             <a:r>
               <a:rPr lang="en-US" baseline="0" dirty="0"/>
-              <a:t> Linked in</a:t>
+              <a:t> – also sometimes called Vertices</a:t>
             </a:r>
           </a:p>
           <a:p>
             <a:r>
               <a:rPr lang="en-US" baseline="0" dirty="0"/>
-              <a:t>Path finding – airline hubs and routes – how do I get from Boston to San Diego in the shortest path?  What’s the quickest driving route between here and New York City?  Also, linked in – how do I connect with person A in company x – how many connections do I have to make to get to that person?</a:t>
-            </a:r>
+              <a:t>Relationships – also sometimes called Edges</a:t>
+            </a:r>
+            <a:endParaRPr lang="en-US" dirty="0"/>
           </a:p>
         </p:txBody>
       </p:sp>
@@ -2684,7 +2518,7 @@
           <a:p>
             <a:fld id="{DEED50C7-8D19-4923-9863-FA7237BBE36B}" type="slidenum">
               <a:rPr lang="en-US" smtClean="0"/>
-              <a:t>8</a:t>
+              <a:t>9</a:t>
             </a:fld>
             <a:endParaRPr lang="en-US"/>
           </a:p>
@@ -2693,7 +2527,7 @@
     </p:spTree>
     <p:extLst>
       <p:ext uri="{BB962C8B-B14F-4D97-AF65-F5344CB8AC3E}">
-        <p14:creationId xmlns:p14="http://schemas.microsoft.com/office/powerpoint/2010/main" val="4007776910"/>
+        <p14:creationId xmlns:p14="http://schemas.microsoft.com/office/powerpoint/2010/main" val="1673890603"/>
       </p:ext>
     </p:extLst>
   </p:cSld>
@@ -2749,17 +2583,11 @@
           <a:p>
             <a:r>
               <a:rPr lang="en-US" dirty="0"/>
-              <a:t>Nodes</a:t>
+              <a:t>Best practices – create one relationship in</a:t>
             </a:r>
             <a:r>
               <a:rPr lang="en-US" baseline="0" dirty="0"/>
-              <a:t> – also sometimes called Vertices</a:t>
-            </a:r>
-          </a:p>
-          <a:p>
-            <a:r>
-              <a:rPr lang="en-US" baseline="0" dirty="0"/>
-              <a:t>Relationships – also sometimes called Edges</a:t>
+              <a:t> one direction between node a and b but query without that direction if needed – why?  Because otherwise, you have to have two relationships, between a and b and b and a</a:t>
             </a:r>
             <a:endParaRPr lang="en-US" dirty="0"/>
           </a:p>
@@ -2782,7 +2610,7 @@
           <a:p>
             <a:fld id="{DEED50C7-8D19-4923-9863-FA7237BBE36B}" type="slidenum">
               <a:rPr lang="en-US" smtClean="0"/>
-              <a:t>10</a:t>
+              <a:t>11</a:t>
             </a:fld>
             <a:endParaRPr lang="en-US"/>
           </a:p>
@@ -2791,7 +2619,7 @@
     </p:spTree>
     <p:extLst>
       <p:ext uri="{BB962C8B-B14F-4D97-AF65-F5344CB8AC3E}">
-        <p14:creationId xmlns:p14="http://schemas.microsoft.com/office/powerpoint/2010/main" val="1673890603"/>
+        <p14:creationId xmlns:p14="http://schemas.microsoft.com/office/powerpoint/2010/main" val="2868090885"/>
       </p:ext>
     </p:extLst>
   </p:cSld>
@@ -2845,14 +2673,6 @@
           <a:bodyPr/>
           <a:lstStyle/>
           <a:p>
-            <a:r>
-              <a:rPr lang="en-US" dirty="0"/>
-              <a:t>Best practices – create one relationship in</a:t>
-            </a:r>
-            <a:r>
-              <a:rPr lang="en-US" baseline="0" dirty="0"/>
-              <a:t> one direction between node a and b but query without that direction if needed – why?  Because otherwise, you have to have two relationships, between a and b and b and a</a:t>
-            </a:r>
             <a:endParaRPr lang="en-US" dirty="0"/>
           </a:p>
         </p:txBody>
@@ -2883,7 +2703,7 @@
     </p:spTree>
     <p:extLst>
       <p:ext uri="{BB962C8B-B14F-4D97-AF65-F5344CB8AC3E}">
-        <p14:creationId xmlns:p14="http://schemas.microsoft.com/office/powerpoint/2010/main" val="2868090885"/>
+        <p14:creationId xmlns:p14="http://schemas.microsoft.com/office/powerpoint/2010/main" val="2983051738"/>
       </p:ext>
     </p:extLst>
   </p:cSld>
@@ -11687,7 +11507,7 @@
             <a:fld id="{08B9EBBA-996F-894A-B54A-D6246ED52CEA}" type="datetimeFigureOut">
               <a:rPr lang="en-US" smtClean="0"/>
               <a:pPr/>
-              <a:t>3/25/17</a:t>
+              <a:t>8/8/2017</a:t>
             </a:fld>
             <a:endParaRPr lang="en-US" dirty="0"/>
           </a:p>
@@ -11896,7 +11716,7 @@
             <a:fld id="{C6C52C72-DE31-F449-A4ED-4C594FD91407}" type="datetimeFigureOut">
               <a:rPr lang="en-US" smtClean="0"/>
               <a:pPr/>
-              <a:t>3/25/17</a:t>
+              <a:t>8/8/2017</a:t>
             </a:fld>
             <a:endParaRPr lang="en-US" dirty="0"/>
           </a:p>
@@ -12078,7 +11898,7 @@
             <a:fld id="{ED62726E-379B-B349-9EED-81ED093FA806}" type="datetimeFigureOut">
               <a:rPr lang="en-US" smtClean="0"/>
               <a:pPr/>
-              <a:t>3/25/17</a:t>
+              <a:t>8/8/2017</a:t>
             </a:fld>
             <a:endParaRPr lang="en-US" dirty="0"/>
           </a:p>
@@ -12304,7 +12124,7 @@
           <a:p>
             <a:fld id="{0583BE9D-294E-419B-AA51-BB7BF28F4F06}" type="datetimeFigureOut">
               <a:rPr lang="en-US" smtClean="0"/>
-              <a:t>3/25/17</a:t>
+              <a:t>8/8/2017</a:t>
             </a:fld>
             <a:endParaRPr lang="en-US"/>
           </a:p>
@@ -12472,7 +12292,7 @@
           <a:p>
             <a:fld id="{0583BE9D-294E-419B-AA51-BB7BF28F4F06}" type="datetimeFigureOut">
               <a:rPr lang="en-US" smtClean="0"/>
-              <a:t>3/25/17</a:t>
+              <a:t>8/8/2017</a:t>
             </a:fld>
             <a:endParaRPr lang="en-US"/>
           </a:p>
@@ -12717,7 +12537,7 @@
           <a:p>
             <a:fld id="{0583BE9D-294E-419B-AA51-BB7BF28F4F06}" type="datetimeFigureOut">
               <a:rPr lang="en-US" smtClean="0"/>
-              <a:t>3/25/17</a:t>
+              <a:t>8/8/2017</a:t>
             </a:fld>
             <a:endParaRPr lang="en-US"/>
           </a:p>
@@ -12946,7 +12766,7 @@
           <a:p>
             <a:fld id="{0583BE9D-294E-419B-AA51-BB7BF28F4F06}" type="datetimeFigureOut">
               <a:rPr lang="en-US" smtClean="0"/>
-              <a:t>3/25/17</a:t>
+              <a:t>8/8/2017</a:t>
             </a:fld>
             <a:endParaRPr lang="en-US"/>
           </a:p>
@@ -13310,7 +13130,7 @@
           <a:p>
             <a:fld id="{0583BE9D-294E-419B-AA51-BB7BF28F4F06}" type="datetimeFigureOut">
               <a:rPr lang="en-US" smtClean="0"/>
-              <a:t>3/25/17</a:t>
+              <a:t>8/8/2017</a:t>
             </a:fld>
             <a:endParaRPr lang="en-US"/>
           </a:p>
@@ -13427,7 +13247,7 @@
           <a:p>
             <a:fld id="{0583BE9D-294E-419B-AA51-BB7BF28F4F06}" type="datetimeFigureOut">
               <a:rPr lang="en-US" smtClean="0"/>
-              <a:t>3/25/17</a:t>
+              <a:t>8/8/2017</a:t>
             </a:fld>
             <a:endParaRPr lang="en-US"/>
           </a:p>
@@ -13522,7 +13342,7 @@
           <a:p>
             <a:fld id="{0583BE9D-294E-419B-AA51-BB7BF28F4F06}" type="datetimeFigureOut">
               <a:rPr lang="en-US" smtClean="0"/>
-              <a:t>3/25/17</a:t>
+              <a:t>8/8/2017</a:t>
             </a:fld>
             <a:endParaRPr lang="en-US"/>
           </a:p>
@@ -13797,7 +13617,7 @@
           <a:p>
             <a:fld id="{0583BE9D-294E-419B-AA51-BB7BF28F4F06}" type="datetimeFigureOut">
               <a:rPr lang="en-US" smtClean="0"/>
-              <a:t>3/25/17</a:t>
+              <a:t>8/8/2017</a:t>
             </a:fld>
             <a:endParaRPr lang="en-US"/>
           </a:p>
@@ -13968,7 +13788,7 @@
             <a:fld id="{9B3A1323-8D79-1946-B0D7-40001CF92E9D}" type="datetimeFigureOut">
               <a:rPr lang="en-US" smtClean="0"/>
               <a:pPr/>
-              <a:t>3/25/17</a:t>
+              <a:t>8/8/2017</a:t>
             </a:fld>
             <a:endParaRPr lang="en-US" dirty="0"/>
           </a:p>
@@ -14221,7 +14041,7 @@
           <a:p>
             <a:fld id="{0583BE9D-294E-419B-AA51-BB7BF28F4F06}" type="datetimeFigureOut">
               <a:rPr lang="en-US" smtClean="0"/>
-              <a:t>3/25/17</a:t>
+              <a:t>8/8/2017</a:t>
             </a:fld>
             <a:endParaRPr lang="en-US"/>
           </a:p>
@@ -14389,7 +14209,7 @@
           <a:p>
             <a:fld id="{0583BE9D-294E-419B-AA51-BB7BF28F4F06}" type="datetimeFigureOut">
               <a:rPr lang="en-US" smtClean="0"/>
-              <a:t>3/25/17</a:t>
+              <a:t>8/8/2017</a:t>
             </a:fld>
             <a:endParaRPr lang="en-US"/>
           </a:p>
@@ -14567,7 +14387,7 @@
           <a:p>
             <a:fld id="{0583BE9D-294E-419B-AA51-BB7BF28F4F06}" type="datetimeFigureOut">
               <a:rPr lang="en-US" smtClean="0"/>
-              <a:t>3/25/17</a:t>
+              <a:t>8/8/2017</a:t>
             </a:fld>
             <a:endParaRPr lang="en-US"/>
           </a:p>
@@ -23466,7 +23286,7 @@
             <a:fld id="{8DFA1846-DA80-1C48-A609-854EA85C59AD}" type="datetimeFigureOut">
               <a:rPr lang="en-US" smtClean="0"/>
               <a:pPr/>
-              <a:t>3/25/17</a:t>
+              <a:t>8/8/2017</a:t>
             </a:fld>
             <a:endParaRPr lang="en-US" dirty="0"/>
           </a:p>
@@ -23742,7 +23562,7 @@
             <a:fld id="{57302355-E14B-8545-A8F8-0FE83CC9D524}" type="datetimeFigureOut">
               <a:rPr lang="en-US" smtClean="0"/>
               <a:pPr/>
-              <a:t>3/25/17</a:t>
+              <a:t>8/8/2017</a:t>
             </a:fld>
             <a:endParaRPr lang="en-US" dirty="0"/>
           </a:p>
@@ -24142,7 +23962,7 @@
             <a:fld id="{02640F58-564D-2B4F-AE67-E407BA4FCF45}" type="datetimeFigureOut">
               <a:rPr lang="en-US" smtClean="0"/>
               <a:pPr/>
-              <a:t>3/25/17</a:t>
+              <a:t>8/8/2017</a:t>
             </a:fld>
             <a:endParaRPr lang="en-US" dirty="0"/>
           </a:p>
@@ -24262,7 +24082,7 @@
             <a:fld id="{F13A34C8-038E-2045-AF43-DF7DBB8E0E9E}" type="datetimeFigureOut">
               <a:rPr lang="en-US" smtClean="0"/>
               <a:pPr/>
-              <a:t>3/25/17</a:t>
+              <a:t>8/8/2017</a:t>
             </a:fld>
             <a:endParaRPr lang="en-US" dirty="0"/>
           </a:p>
@@ -24359,7 +24179,7 @@
             <a:fld id="{8818C68F-D26B-8F47-958C-23B49CF8A634}" type="datetimeFigureOut">
               <a:rPr lang="en-US" smtClean="0"/>
               <a:pPr/>
-              <a:t>3/25/17</a:t>
+              <a:t>8/8/2017</a:t>
             </a:fld>
             <a:endParaRPr lang="en-US" dirty="0"/>
           </a:p>
@@ -24651,7 +24471,7 @@
             <a:fld id="{D0DF5E60-9974-AC48-9591-99C2BB44B7CF}" type="datetimeFigureOut">
               <a:rPr lang="en-US" smtClean="0"/>
               <a:pPr/>
-              <a:t>3/25/17</a:t>
+              <a:t>8/8/2017</a:t>
             </a:fld>
             <a:endParaRPr lang="en-US" dirty="0"/>
           </a:p>
@@ -24933,7 +24753,7 @@
             <a:fld id="{18C79C5D-2A6F-F04D-97DA-BEF2467B64E4}" type="datetimeFigureOut">
               <a:rPr lang="en-US" smtClean="0"/>
               <a:pPr/>
-              <a:t>3/25/17</a:t>
+              <a:t>8/8/2017</a:t>
             </a:fld>
             <a:endParaRPr lang="en-US" dirty="0"/>
           </a:p>
@@ -25185,7 +25005,7 @@
             <a:fld id="{09B482E8-6E0E-1B4F-B1FD-C69DB9E858D9}" type="datetimeFigureOut">
               <a:rPr lang="en-US" smtClean="0"/>
               <a:pPr/>
-              <a:t>3/25/17</a:t>
+              <a:t>8/8/2017</a:t>
             </a:fld>
             <a:endParaRPr lang="en-US" dirty="0"/>
           </a:p>
@@ -25822,7 +25642,7 @@
           <a:p>
             <a:fld id="{0583BE9D-294E-419B-AA51-BB7BF28F4F06}" type="datetimeFigureOut">
               <a:rPr lang="en-US" smtClean="0"/>
-              <a:t>3/25/17</a:t>
+              <a:t>8/8/2017</a:t>
             </a:fld>
             <a:endParaRPr lang="en-US"/>
           </a:p>
@@ -26691,7 +26511,7 @@
           <a:p>
             <a:r>
               <a:rPr lang="en-US" dirty="0"/>
-              <a:t>Building blocks</a:t>
+              <a:t>Nodes</a:t>
             </a:r>
           </a:p>
         </p:txBody>
@@ -26713,41 +26533,31 @@
           <a:p>
             <a:pPr>
               <a:buFont typeface="Wingdings" panose="05000000000000000000" pitchFamily="2" charset="2"/>
-              <a:buChar char="ü"/>
+              <a:buChar char="Ø"/>
             </a:pPr>
             <a:r>
               <a:rPr lang="en-US" dirty="0"/>
-              <a:t>Nodes</a:t>
+              <a:t>Nodes represent entities and complex types</a:t>
             </a:r>
           </a:p>
           <a:p>
             <a:pPr>
               <a:buFont typeface="Wingdings" panose="05000000000000000000" pitchFamily="2" charset="2"/>
-              <a:buChar char="ü"/>
+              <a:buChar char="Ø"/>
             </a:pPr>
             <a:r>
               <a:rPr lang="en-US" dirty="0"/>
-              <a:t>Relationships</a:t>
+              <a:t>Nodes can contain properties</a:t>
             </a:r>
           </a:p>
           <a:p>
             <a:pPr>
               <a:buFont typeface="Wingdings" panose="05000000000000000000" pitchFamily="2" charset="2"/>
-              <a:buChar char="ü"/>
+              <a:buChar char="Ø"/>
             </a:pPr>
             <a:r>
               <a:rPr lang="en-US" dirty="0"/>
-              <a:t>Properties</a:t>
-            </a:r>
-          </a:p>
-          <a:p>
-            <a:pPr>
-              <a:buFont typeface="Wingdings" panose="05000000000000000000" pitchFamily="2" charset="2"/>
-              <a:buChar char="ü"/>
-            </a:pPr>
-            <a:r>
-              <a:rPr lang="en-US" dirty="0"/>
-              <a:t>Labels</a:t>
+              <a:t>Each node can have different properties</a:t>
             </a:r>
           </a:p>
         </p:txBody>
@@ -26755,7 +26565,7 @@
     </p:spTree>
     <p:extLst>
       <p:ext uri="{BB962C8B-B14F-4D97-AF65-F5344CB8AC3E}">
-        <p14:creationId xmlns:p14="http://schemas.microsoft.com/office/powerpoint/2010/main" val="1722146423"/>
+        <p14:creationId xmlns:p14="http://schemas.microsoft.com/office/powerpoint/2010/main" val="303320234"/>
       </p:ext>
     </p:extLst>
   </p:cSld>
@@ -26799,7 +26609,7 @@
           <a:p>
             <a:r>
               <a:rPr lang="en-US" dirty="0"/>
-              <a:t>Nodes</a:t>
+              <a:t>Relationships</a:t>
             </a:r>
           </a:p>
         </p:txBody>
@@ -26825,7 +26635,7 @@
             </a:pPr>
             <a:r>
               <a:rPr lang="en-US" dirty="0"/>
-              <a:t>Nodes represent entities and complex types</a:t>
+              <a:t>Every relationship has a name and direction</a:t>
             </a:r>
           </a:p>
           <a:p>
@@ -26835,7 +26645,7 @@
             </a:pPr>
             <a:r>
               <a:rPr lang="en-US" dirty="0"/>
-              <a:t>Nodes can contain properties</a:t>
+              <a:t>Relationships can contain properties, which can further clarify the relationship</a:t>
             </a:r>
           </a:p>
           <a:p>
@@ -26845,7 +26655,7 @@
             </a:pPr>
             <a:r>
               <a:rPr lang="en-US" dirty="0"/>
-              <a:t>Each node can have different properties</a:t>
+              <a:t>Must have a start and end node</a:t>
             </a:r>
           </a:p>
         </p:txBody>
@@ -26853,7 +26663,7 @@
     </p:spTree>
     <p:extLst>
       <p:ext uri="{BB962C8B-B14F-4D97-AF65-F5344CB8AC3E}">
-        <p14:creationId xmlns:p14="http://schemas.microsoft.com/office/powerpoint/2010/main" val="303320234"/>
+        <p14:creationId xmlns:p14="http://schemas.microsoft.com/office/powerpoint/2010/main" val="1281301520"/>
       </p:ext>
     </p:extLst>
   </p:cSld>
@@ -26897,7 +26707,7 @@
           <a:p>
             <a:r>
               <a:rPr lang="en-US" dirty="0"/>
-              <a:t>Relationships</a:t>
+              <a:t>Properties</a:t>
             </a:r>
           </a:p>
         </p:txBody>
@@ -26923,7 +26733,7 @@
             </a:pPr>
             <a:r>
               <a:rPr lang="en-US" dirty="0"/>
-              <a:t>Every relationship has a name and direction</a:t>
+              <a:t>Key value pairs used for nodes and relationships</a:t>
             </a:r>
           </a:p>
           <a:p>
@@ -26933,7 +26743,7 @@
             </a:pPr>
             <a:r>
               <a:rPr lang="en-US" dirty="0"/>
-              <a:t>Relationships can contain properties, which can further clarify the relationship</a:t>
+              <a:t>Adds metadata to your nodes and relationships</a:t>
             </a:r>
           </a:p>
           <a:p>
@@ -26943,7 +26753,17 @@
             </a:pPr>
             <a:r>
               <a:rPr lang="en-US" dirty="0"/>
-              <a:t>Must have a start and end node</a:t>
+              <a:t>Entity attributes</a:t>
+            </a:r>
+          </a:p>
+          <a:p>
+            <a:pPr>
+              <a:buFont typeface="Wingdings" panose="05000000000000000000" pitchFamily="2" charset="2"/>
+              <a:buChar char="Ø"/>
+            </a:pPr>
+            <a:r>
+              <a:rPr lang="en-US" dirty="0"/>
+              <a:t>Relationship qualities</a:t>
             </a:r>
           </a:p>
         </p:txBody>
@@ -26951,7 +26771,7 @@
     </p:spTree>
     <p:extLst>
       <p:ext uri="{BB962C8B-B14F-4D97-AF65-F5344CB8AC3E}">
-        <p14:creationId xmlns:p14="http://schemas.microsoft.com/office/powerpoint/2010/main" val="1281301520"/>
+        <p14:creationId xmlns:p14="http://schemas.microsoft.com/office/powerpoint/2010/main" val="2637711824"/>
       </p:ext>
     </p:extLst>
   </p:cSld>
@@ -26995,7 +26815,7 @@
           <a:p>
             <a:r>
               <a:rPr lang="en-US" dirty="0"/>
-              <a:t>Properties</a:t>
+              <a:t>Labels</a:t>
             </a:r>
           </a:p>
         </p:txBody>
@@ -27021,114 +26841,6 @@
             </a:pPr>
             <a:r>
               <a:rPr lang="en-US" dirty="0"/>
-              <a:t>Key value pairs used for nodes and relationships</a:t>
-            </a:r>
-          </a:p>
-          <a:p>
-            <a:pPr>
-              <a:buFont typeface="Wingdings" panose="05000000000000000000" pitchFamily="2" charset="2"/>
-              <a:buChar char="Ø"/>
-            </a:pPr>
-            <a:r>
-              <a:rPr lang="en-US" dirty="0"/>
-              <a:t>Adds metadata to your nodes and relationships</a:t>
-            </a:r>
-          </a:p>
-          <a:p>
-            <a:pPr>
-              <a:buFont typeface="Wingdings" panose="05000000000000000000" pitchFamily="2" charset="2"/>
-              <a:buChar char="Ø"/>
-            </a:pPr>
-            <a:r>
-              <a:rPr lang="en-US" dirty="0"/>
-              <a:t>Entity attributes</a:t>
-            </a:r>
-          </a:p>
-          <a:p>
-            <a:pPr>
-              <a:buFont typeface="Wingdings" panose="05000000000000000000" pitchFamily="2" charset="2"/>
-              <a:buChar char="Ø"/>
-            </a:pPr>
-            <a:r>
-              <a:rPr lang="en-US" dirty="0"/>
-              <a:t>Relationship qualities</a:t>
-            </a:r>
-          </a:p>
-        </p:txBody>
-      </p:sp>
-    </p:spTree>
-    <p:extLst>
-      <p:ext uri="{BB962C8B-B14F-4D97-AF65-F5344CB8AC3E}">
-        <p14:creationId xmlns:p14="http://schemas.microsoft.com/office/powerpoint/2010/main" val="2637711824"/>
-      </p:ext>
-    </p:extLst>
-  </p:cSld>
-  <p:clrMapOvr>
-    <a:masterClrMapping/>
-  </p:clrMapOvr>
-</p:sld>
-</file>
-
-<file path=ppt/slides/slide14.xml><?xml version="1.0" encoding="utf-8"?>
-<p:sld xmlns:a="http://schemas.openxmlformats.org/drawingml/2006/main" xmlns:r="http://schemas.openxmlformats.org/officeDocument/2006/relationships" xmlns:p="http://schemas.openxmlformats.org/presentationml/2006/main">
-  <p:cSld>
-    <p:spTree>
-      <p:nvGrpSpPr>
-        <p:cNvPr id="1" name=""/>
-        <p:cNvGrpSpPr/>
-        <p:nvPr/>
-      </p:nvGrpSpPr>
-      <p:grpSpPr>
-        <a:xfrm>
-          <a:off x="0" y="0"/>
-          <a:ext cx="0" cy="0"/>
-          <a:chOff x="0" y="0"/>
-          <a:chExt cx="0" cy="0"/>
-        </a:xfrm>
-      </p:grpSpPr>
-      <p:sp>
-        <p:nvSpPr>
-          <p:cNvPr id="2" name="Title 1"/>
-          <p:cNvSpPr>
-            <a:spLocks noGrp="1"/>
-          </p:cNvSpPr>
-          <p:nvPr>
-            <p:ph type="title"/>
-          </p:nvPr>
-        </p:nvSpPr>
-        <p:spPr/>
-        <p:txBody>
-          <a:bodyPr/>
-          <a:lstStyle/>
-          <a:p>
-            <a:r>
-              <a:rPr lang="en-US" dirty="0"/>
-              <a:t>Labels</a:t>
-            </a:r>
-          </a:p>
-        </p:txBody>
-      </p:sp>
-      <p:sp>
-        <p:nvSpPr>
-          <p:cNvPr id="3" name="Content Placeholder 2"/>
-          <p:cNvSpPr>
-            <a:spLocks noGrp="1"/>
-          </p:cNvSpPr>
-          <p:nvPr>
-            <p:ph idx="1"/>
-          </p:nvPr>
-        </p:nvSpPr>
-        <p:spPr/>
-        <p:txBody>
-          <a:bodyPr/>
-          <a:lstStyle/>
-          <a:p>
-            <a:pPr>
-              <a:buFont typeface="Wingdings" panose="05000000000000000000" pitchFamily="2" charset="2"/>
-              <a:buChar char="Ø"/>
-            </a:pPr>
-            <a:r>
-              <a:rPr lang="en-US" dirty="0"/>
               <a:t>Used to represent objects in your domain (e.g. user, person, movie)</a:t>
             </a:r>
           </a:p>
@@ -27167,7 +26879,7 @@
 </p:sld>
 </file>
 
-<file path=ppt/slides/slide15.xml><?xml version="1.0" encoding="utf-8"?>
+<file path=ppt/slides/slide14.xml><?xml version="1.0" encoding="utf-8"?>
 <p:sld xmlns:a="http://schemas.openxmlformats.org/drawingml/2006/main" xmlns:r="http://schemas.openxmlformats.org/officeDocument/2006/relationships" xmlns:p="http://schemas.openxmlformats.org/presentationml/2006/main">
   <p:cSld>
     <p:spTree>
@@ -27498,7 +27210,7 @@
 </p:sld>
 </file>
 
-<file path=ppt/slides/slide16.xml><?xml version="1.0" encoding="utf-8"?>
+<file path=ppt/slides/slide15.xml><?xml version="1.0" encoding="utf-8"?>
 <p:sld xmlns:a="http://schemas.openxmlformats.org/drawingml/2006/main" xmlns:r="http://schemas.openxmlformats.org/officeDocument/2006/relationships" xmlns:p="http://schemas.openxmlformats.org/presentationml/2006/main">
   <p:cSld>
     <p:spTree>
@@ -27646,7 +27358,7 @@
 </p:sld>
 </file>
 
-<file path=ppt/slides/slide17.xml><?xml version="1.0" encoding="utf-8"?>
+<file path=ppt/slides/slide16.xml><?xml version="1.0" encoding="utf-8"?>
 <p:sld xmlns:a="http://schemas.openxmlformats.org/drawingml/2006/main" xmlns:r="http://schemas.openxmlformats.org/officeDocument/2006/relationships" xmlns:p="http://schemas.openxmlformats.org/presentationml/2006/main">
   <p:cSld>
     <p:spTree>
@@ -27814,7 +27526,7 @@
 </p:sld>
 </file>
 
-<file path=ppt/slides/slide18.xml><?xml version="1.0" encoding="utf-8"?>
+<file path=ppt/slides/slide17.xml><?xml version="1.0" encoding="utf-8"?>
 <p:sld xmlns:a="http://schemas.openxmlformats.org/drawingml/2006/main" xmlns:r="http://schemas.openxmlformats.org/officeDocument/2006/relationships" xmlns:p="http://schemas.openxmlformats.org/presentationml/2006/main">
   <p:cSld>
     <p:spTree>
@@ -27868,7 +27580,7 @@
 </p:sld>
 </file>
 
-<file path=ppt/slides/slide19.xml><?xml version="1.0" encoding="utf-8"?>
+<file path=ppt/slides/slide18.xml><?xml version="1.0" encoding="utf-8"?>
 <p:sld xmlns:a="http://schemas.openxmlformats.org/drawingml/2006/main" xmlns:r="http://schemas.openxmlformats.org/officeDocument/2006/relationships" xmlns:p="http://schemas.openxmlformats.org/presentationml/2006/main">
   <p:cSld>
     <p:spTree>
@@ -28170,854 +27882,7 @@
 </p:sld>
 </file>
 
-<file path=ppt/slides/slide2.xml><?xml version="1.0" encoding="utf-8"?>
-<p:sld xmlns:a="http://schemas.openxmlformats.org/drawingml/2006/main" xmlns:r="http://schemas.openxmlformats.org/officeDocument/2006/relationships" xmlns:p="http://schemas.openxmlformats.org/presentationml/2006/main">
-  <p:cSld>
-    <p:spTree>
-      <p:nvGrpSpPr>
-        <p:cNvPr id="1" name=""/>
-        <p:cNvGrpSpPr/>
-        <p:nvPr/>
-      </p:nvGrpSpPr>
-      <p:grpSpPr>
-        <a:xfrm>
-          <a:off x="0" y="0"/>
-          <a:ext cx="0" cy="0"/>
-          <a:chOff x="0" y="0"/>
-          <a:chExt cx="0" cy="0"/>
-        </a:xfrm>
-      </p:grpSpPr>
-      <p:sp>
-        <p:nvSpPr>
-          <p:cNvPr id="4" name="Title 3"/>
-          <p:cNvSpPr>
-            <a:spLocks noGrp="1"/>
-          </p:cNvSpPr>
-          <p:nvPr>
-            <p:ph type="title"/>
-          </p:nvPr>
-        </p:nvSpPr>
-        <p:spPr>
-          <a:xfrm>
-            <a:off x="862914" y="165324"/>
-            <a:ext cx="10515600" cy="638175"/>
-          </a:xfrm>
-        </p:spPr>
-        <p:txBody>
-          <a:bodyPr>
-            <a:normAutofit fontScale="90000"/>
-          </a:bodyPr>
-          <a:lstStyle/>
-          <a:p>
-            <a:r>
-              <a:rPr lang="en-US" b="1" dirty="0">
-                <a:latin typeface="+mn-lt"/>
-              </a:rPr>
-              <a:t>Boston Code </a:t>
-            </a:r>
-            <a:r>
-              <a:rPr lang="en-US" b="1">
-                <a:latin typeface="+mn-lt"/>
-              </a:rPr>
-              <a:t>Camp 27 </a:t>
-            </a:r>
-            <a:r>
-              <a:rPr lang="en-US" b="1" dirty="0">
-                <a:latin typeface="+mn-lt"/>
-              </a:rPr>
-              <a:t>- Thanks to our Sponsors!</a:t>
-            </a:r>
-            <a:endParaRPr lang="en-US" dirty="0">
-              <a:latin typeface="+mn-lt"/>
-            </a:endParaRPr>
-          </a:p>
-        </p:txBody>
-      </p:sp>
-      <p:sp>
-        <p:nvSpPr>
-          <p:cNvPr id="5" name="Content Placeholder 4"/>
-          <p:cNvSpPr>
-            <a:spLocks noGrp="1"/>
-          </p:cNvSpPr>
-          <p:nvPr>
-            <p:ph sz="half" idx="1"/>
-          </p:nvPr>
-        </p:nvSpPr>
-        <p:spPr>
-          <a:xfrm>
-            <a:off x="381000" y="1079500"/>
-            <a:ext cx="7467600" cy="5626100"/>
-          </a:xfrm>
-        </p:spPr>
-        <p:txBody>
-          <a:bodyPr/>
-          <a:lstStyle/>
-          <a:p>
-            <a:r>
-              <a:rPr lang="en-US" dirty="0"/>
-              <a:t>Platinum</a:t>
-            </a:r>
-            <a:br>
-              <a:rPr lang="en-US" dirty="0"/>
-            </a:br>
-            <a:endParaRPr lang="en-US" sz="4000" dirty="0"/>
-          </a:p>
-          <a:p>
-            <a:r>
-              <a:rPr lang="en-US" dirty="0"/>
-              <a:t>Gold</a:t>
-            </a:r>
-          </a:p>
-          <a:p>
-            <a:endParaRPr lang="en-US" dirty="0"/>
-          </a:p>
-          <a:p>
-            <a:endParaRPr lang="en-US" sz="1200" dirty="0"/>
-          </a:p>
-          <a:p>
-            <a:r>
-              <a:rPr lang="en-US" dirty="0"/>
-              <a:t>Silver</a:t>
-            </a:r>
-            <a:br>
-              <a:rPr lang="en-US" dirty="0"/>
-            </a:br>
-            <a:endParaRPr lang="en-US" dirty="0"/>
-          </a:p>
-          <a:p>
-            <a:r>
-              <a:rPr lang="en-US" dirty="0"/>
-              <a:t>Bronze</a:t>
-            </a:r>
-          </a:p>
-        </p:txBody>
-      </p:sp>
-      <p:sp>
-        <p:nvSpPr>
-          <p:cNvPr id="6" name="Content Placeholder 5"/>
-          <p:cNvSpPr>
-            <a:spLocks noGrp="1"/>
-          </p:cNvSpPr>
-          <p:nvPr>
-            <p:ph sz="half" idx="2"/>
-          </p:nvPr>
-        </p:nvSpPr>
-        <p:spPr>
-          <a:xfrm>
-            <a:off x="9287053" y="1079500"/>
-            <a:ext cx="2700321" cy="5537200"/>
-          </a:xfrm>
-        </p:spPr>
-        <p:txBody>
-          <a:bodyPr/>
-          <a:lstStyle/>
-          <a:p>
-            <a:r>
-              <a:rPr lang="en-US" sz="2400" dirty="0"/>
-              <a:t>In-Kind Donations</a:t>
-            </a:r>
-            <a:endParaRPr lang="en-US" dirty="0"/>
-          </a:p>
-        </p:txBody>
-      </p:sp>
-      <p:pic>
-        <p:nvPicPr>
-          <p:cNvPr id="9" name="Picture 8"/>
-          <p:cNvPicPr>
-            <a:picLocks noChangeAspect="1"/>
-          </p:cNvPicPr>
-          <p:nvPr/>
-        </p:nvPicPr>
-        <p:blipFill>
-          <a:blip r:embed="rId3">
-            <a:extLst>
-              <a:ext uri="{28A0092B-C50C-407E-A947-70E740481C1C}">
-                <a14:useLocalDpi xmlns:a14="http://schemas.microsoft.com/office/drawing/2010/main" val="0"/>
-              </a:ext>
-            </a:extLst>
-          </a:blip>
-          <a:stretch>
-            <a:fillRect/>
-          </a:stretch>
-        </p:blipFill>
-        <p:spPr>
-          <a:xfrm>
-            <a:off x="2072602" y="2938517"/>
-            <a:ext cx="1772846" cy="917789"/>
-          </a:xfrm>
-          <a:prstGeom prst="rect">
-            <a:avLst/>
-          </a:prstGeom>
-        </p:spPr>
-      </p:pic>
-      <p:pic>
-        <p:nvPicPr>
-          <p:cNvPr id="13" name="Picture 12"/>
-          <p:cNvPicPr>
-            <a:picLocks noChangeAspect="1"/>
-          </p:cNvPicPr>
-          <p:nvPr/>
-        </p:nvPicPr>
-        <p:blipFill>
-          <a:blip r:embed="rId4"/>
-          <a:stretch>
-            <a:fillRect/>
-          </a:stretch>
-        </p:blipFill>
-        <p:spPr>
-          <a:xfrm>
-            <a:off x="1991944" y="4253253"/>
-            <a:ext cx="1465229" cy="647981"/>
-          </a:xfrm>
-          <a:prstGeom prst="rect">
-            <a:avLst/>
-          </a:prstGeom>
-        </p:spPr>
-      </p:pic>
-      <p:pic>
-        <p:nvPicPr>
-          <p:cNvPr id="16" name="Picture 15"/>
-          <p:cNvPicPr>
-            <a:picLocks noChangeAspect="1"/>
-          </p:cNvPicPr>
-          <p:nvPr/>
-        </p:nvPicPr>
-        <p:blipFill>
-          <a:blip r:embed="rId5">
-            <a:extLst>
-              <a:ext uri="{28A0092B-C50C-407E-A947-70E740481C1C}">
-                <a14:useLocalDpi xmlns:a14="http://schemas.microsoft.com/office/drawing/2010/main" val="0"/>
-              </a:ext>
-            </a:extLst>
-          </a:blip>
-          <a:stretch>
-            <a:fillRect/>
-          </a:stretch>
-        </p:blipFill>
-        <p:spPr>
-          <a:xfrm>
-            <a:off x="10232256" y="2230822"/>
-            <a:ext cx="809911" cy="778519"/>
-          </a:xfrm>
-          <a:prstGeom prst="rect">
-            <a:avLst/>
-          </a:prstGeom>
-        </p:spPr>
-      </p:pic>
-      <p:pic>
-        <p:nvPicPr>
-          <p:cNvPr id="21" name="Picture 20"/>
-          <p:cNvPicPr>
-            <a:picLocks noChangeAspect="1"/>
-          </p:cNvPicPr>
-          <p:nvPr/>
-        </p:nvPicPr>
-        <p:blipFill>
-          <a:blip r:embed="rId6">
-            <a:extLst>
-              <a:ext uri="{28A0092B-C50C-407E-A947-70E740481C1C}">
-                <a14:useLocalDpi xmlns:a14="http://schemas.microsoft.com/office/drawing/2010/main" val="0"/>
-              </a:ext>
-            </a:extLst>
-          </a:blip>
-          <a:stretch>
-            <a:fillRect/>
-          </a:stretch>
-        </p:blipFill>
-        <p:spPr>
-          <a:xfrm>
-            <a:off x="3930255" y="4279253"/>
-            <a:ext cx="2091156" cy="595979"/>
-          </a:xfrm>
-          <a:prstGeom prst="rect">
-            <a:avLst/>
-          </a:prstGeom>
-        </p:spPr>
-      </p:pic>
-      <p:pic>
-        <p:nvPicPr>
-          <p:cNvPr id="24" name="Picture 23"/>
-          <p:cNvPicPr>
-            <a:picLocks noChangeAspect="1"/>
-          </p:cNvPicPr>
-          <p:nvPr/>
-        </p:nvPicPr>
-        <p:blipFill>
-          <a:blip r:embed="rId7" cstate="print">
-            <a:extLst>
-              <a:ext uri="{28A0092B-C50C-407E-A947-70E740481C1C}">
-                <a14:useLocalDpi xmlns:a14="http://schemas.microsoft.com/office/drawing/2010/main" val="0"/>
-              </a:ext>
-            </a:extLst>
-          </a:blip>
-          <a:stretch>
-            <a:fillRect/>
-          </a:stretch>
-        </p:blipFill>
-        <p:spPr>
-          <a:xfrm>
-            <a:off x="2637327" y="590787"/>
-            <a:ext cx="3408427" cy="1117011"/>
-          </a:xfrm>
-          <a:prstGeom prst="rect">
-            <a:avLst/>
-          </a:prstGeom>
-        </p:spPr>
-      </p:pic>
-      <p:pic>
-        <p:nvPicPr>
-          <p:cNvPr id="7" name="Picture 6"/>
-          <p:cNvPicPr>
-            <a:picLocks noChangeAspect="1"/>
-          </p:cNvPicPr>
-          <p:nvPr/>
-        </p:nvPicPr>
-        <p:blipFill>
-          <a:blip r:embed="rId8">
-            <a:extLst>
-              <a:ext uri="{28A0092B-C50C-407E-A947-70E740481C1C}">
-                <a14:useLocalDpi xmlns:a14="http://schemas.microsoft.com/office/drawing/2010/main" val="0"/>
-              </a:ext>
-            </a:extLst>
-          </a:blip>
-          <a:stretch>
-            <a:fillRect/>
-          </a:stretch>
-        </p:blipFill>
-        <p:spPr>
-          <a:xfrm>
-            <a:off x="9981103" y="5053006"/>
-            <a:ext cx="1241865" cy="256652"/>
-          </a:xfrm>
-          <a:prstGeom prst="rect">
-            <a:avLst/>
-          </a:prstGeom>
-        </p:spPr>
-      </p:pic>
-      <p:pic>
-        <p:nvPicPr>
-          <p:cNvPr id="3" name="Picture 2"/>
-          <p:cNvPicPr>
-            <a:picLocks noChangeAspect="1"/>
-          </p:cNvPicPr>
-          <p:nvPr/>
-        </p:nvPicPr>
-        <p:blipFill>
-          <a:blip r:embed="rId9" cstate="print">
-            <a:extLst>
-              <a:ext uri="{28A0092B-C50C-407E-A947-70E740481C1C}">
-                <a14:useLocalDpi xmlns:a14="http://schemas.microsoft.com/office/drawing/2010/main" val="0"/>
-              </a:ext>
-            </a:extLst>
-          </a:blip>
-          <a:stretch>
-            <a:fillRect/>
-          </a:stretch>
-        </p:blipFill>
-        <p:spPr>
-          <a:xfrm>
-            <a:off x="6265247" y="3490841"/>
-            <a:ext cx="2479375" cy="513439"/>
-          </a:xfrm>
-          <a:prstGeom prst="rect">
-            <a:avLst/>
-          </a:prstGeom>
-        </p:spPr>
-      </p:pic>
-      <p:pic>
-        <p:nvPicPr>
-          <p:cNvPr id="14" name="Picture 13"/>
-          <p:cNvPicPr>
-            <a:picLocks noChangeAspect="1"/>
-          </p:cNvPicPr>
-          <p:nvPr/>
-        </p:nvPicPr>
-        <p:blipFill>
-          <a:blip r:embed="rId10">
-            <a:extLst>
-              <a:ext uri="{28A0092B-C50C-407E-A947-70E740481C1C}">
-                <a14:useLocalDpi xmlns:a14="http://schemas.microsoft.com/office/drawing/2010/main" val="0"/>
-              </a:ext>
-            </a:extLst>
-          </a:blip>
-          <a:stretch>
-            <a:fillRect/>
-          </a:stretch>
-        </p:blipFill>
-        <p:spPr>
-          <a:xfrm>
-            <a:off x="9734176" y="1626052"/>
-            <a:ext cx="1735721" cy="452305"/>
-          </a:xfrm>
-          <a:prstGeom prst="rect">
-            <a:avLst/>
-          </a:prstGeom>
-        </p:spPr>
-      </p:pic>
-      <p:cxnSp>
-        <p:nvCxnSpPr>
-          <p:cNvPr id="10" name="Straight Connector 9"/>
-          <p:cNvCxnSpPr/>
-          <p:nvPr/>
-        </p:nvCxnSpPr>
-        <p:spPr>
-          <a:xfrm>
-            <a:off x="9129475" y="1141285"/>
-            <a:ext cx="0" cy="4876800"/>
-          </a:xfrm>
-          <a:prstGeom prst="line">
-            <a:avLst/>
-          </a:prstGeom>
-        </p:spPr>
-        <p:style>
-          <a:lnRef idx="1">
-            <a:schemeClr val="accent1"/>
-          </a:lnRef>
-          <a:fillRef idx="0">
-            <a:schemeClr val="accent1"/>
-          </a:fillRef>
-          <a:effectRef idx="0">
-            <a:schemeClr val="accent1"/>
-          </a:effectRef>
-          <a:fontRef idx="minor">
-            <a:schemeClr val="tx1"/>
-          </a:fontRef>
-        </p:style>
-      </p:cxnSp>
-      <p:pic>
-        <p:nvPicPr>
-          <p:cNvPr id="11" name="Picture 10"/>
-          <p:cNvPicPr>
-            <a:picLocks noChangeAspect="1"/>
-          </p:cNvPicPr>
-          <p:nvPr/>
-        </p:nvPicPr>
-        <p:blipFill>
-          <a:blip r:embed="rId11">
-            <a:extLst>
-              <a:ext uri="{28A0092B-C50C-407E-A947-70E740481C1C}">
-                <a14:useLocalDpi xmlns:a14="http://schemas.microsoft.com/office/drawing/2010/main" val="0"/>
-              </a:ext>
-            </a:extLst>
-          </a:blip>
-          <a:stretch>
-            <a:fillRect/>
-          </a:stretch>
-        </p:blipFill>
-        <p:spPr>
-          <a:xfrm>
-            <a:off x="2113132" y="1627024"/>
-            <a:ext cx="2460804" cy="1119666"/>
-          </a:xfrm>
-          <a:prstGeom prst="rect">
-            <a:avLst/>
-          </a:prstGeom>
-        </p:spPr>
-      </p:pic>
-      <p:pic>
-        <p:nvPicPr>
-          <p:cNvPr id="2" name="Picture 1"/>
-          <p:cNvPicPr>
-            <a:picLocks noChangeAspect="1"/>
-          </p:cNvPicPr>
-          <p:nvPr/>
-        </p:nvPicPr>
-        <p:blipFill>
-          <a:blip r:embed="rId12">
-            <a:extLst>
-              <a:ext uri="{28A0092B-C50C-407E-A947-70E740481C1C}">
-                <a14:useLocalDpi xmlns:a14="http://schemas.microsoft.com/office/drawing/2010/main" val="0"/>
-              </a:ext>
-            </a:extLst>
-          </a:blip>
-          <a:stretch>
-            <a:fillRect/>
-          </a:stretch>
-        </p:blipFill>
-        <p:spPr>
-          <a:xfrm>
-            <a:off x="1709537" y="5048671"/>
-            <a:ext cx="2135911" cy="477020"/>
-          </a:xfrm>
-          <a:prstGeom prst="rect">
-            <a:avLst/>
-          </a:prstGeom>
-        </p:spPr>
-      </p:pic>
-      <p:pic>
-        <p:nvPicPr>
-          <p:cNvPr id="12" name="Picture 11"/>
-          <p:cNvPicPr>
-            <a:picLocks noChangeAspect="1"/>
-          </p:cNvPicPr>
-          <p:nvPr/>
-        </p:nvPicPr>
-        <p:blipFill>
-          <a:blip r:embed="rId13">
-            <a:extLst>
-              <a:ext uri="{28A0092B-C50C-407E-A947-70E740481C1C}">
-                <a14:useLocalDpi xmlns:a14="http://schemas.microsoft.com/office/drawing/2010/main" val="0"/>
-              </a:ext>
-            </a:extLst>
-          </a:blip>
-          <a:stretch>
-            <a:fillRect/>
-          </a:stretch>
-        </p:blipFill>
-        <p:spPr>
-          <a:xfrm>
-            <a:off x="9208261" y="3175975"/>
-            <a:ext cx="2857899" cy="762106"/>
-          </a:xfrm>
-          <a:prstGeom prst="rect">
-            <a:avLst/>
-          </a:prstGeom>
-        </p:spPr>
-      </p:pic>
-      <p:pic>
-        <p:nvPicPr>
-          <p:cNvPr id="17" name="Picture 16"/>
-          <p:cNvPicPr>
-            <a:picLocks noChangeAspect="1"/>
-          </p:cNvPicPr>
-          <p:nvPr/>
-        </p:nvPicPr>
-        <p:blipFill>
-          <a:blip r:embed="rId14">
-            <a:extLst>
-              <a:ext uri="{28A0092B-C50C-407E-A947-70E740481C1C}">
-                <a14:useLocalDpi xmlns:a14="http://schemas.microsoft.com/office/drawing/2010/main" val="0"/>
-              </a:ext>
-            </a:extLst>
-          </a:blip>
-          <a:stretch>
-            <a:fillRect/>
-          </a:stretch>
-        </p:blipFill>
-        <p:spPr>
-          <a:xfrm>
-            <a:off x="5109729" y="1763339"/>
-            <a:ext cx="3123724" cy="995900"/>
-          </a:xfrm>
-          <a:prstGeom prst="rect">
-            <a:avLst/>
-          </a:prstGeom>
-        </p:spPr>
-      </p:pic>
-      <p:pic>
-        <p:nvPicPr>
-          <p:cNvPr id="18" name="Picture 17"/>
-          <p:cNvPicPr>
-            <a:picLocks noChangeAspect="1"/>
-          </p:cNvPicPr>
-          <p:nvPr/>
-        </p:nvPicPr>
-        <p:blipFill>
-          <a:blip r:embed="rId15">
-            <a:extLst>
-              <a:ext uri="{28A0092B-C50C-407E-A947-70E740481C1C}">
-                <a14:useLocalDpi xmlns:a14="http://schemas.microsoft.com/office/drawing/2010/main" val="0"/>
-              </a:ext>
-            </a:extLst>
-          </a:blip>
-          <a:stretch>
-            <a:fillRect/>
-          </a:stretch>
-        </p:blipFill>
-        <p:spPr>
-          <a:xfrm>
-            <a:off x="4015064" y="2906132"/>
-            <a:ext cx="2933551" cy="488925"/>
-          </a:xfrm>
-          <a:prstGeom prst="rect">
-            <a:avLst/>
-          </a:prstGeom>
-        </p:spPr>
-      </p:pic>
-      <p:cxnSp>
-        <p:nvCxnSpPr>
-          <p:cNvPr id="22" name="Straight Connector 21"/>
-          <p:cNvCxnSpPr/>
-          <p:nvPr/>
-        </p:nvCxnSpPr>
-        <p:spPr>
-          <a:xfrm flipH="1" flipV="1">
-            <a:off x="1565741" y="1564796"/>
-            <a:ext cx="5309619" cy="9277"/>
-          </a:xfrm>
-          <a:prstGeom prst="line">
-            <a:avLst/>
-          </a:prstGeom>
-        </p:spPr>
-        <p:style>
-          <a:lnRef idx="1">
-            <a:schemeClr val="accent1"/>
-          </a:lnRef>
-          <a:fillRef idx="0">
-            <a:schemeClr val="accent1"/>
-          </a:fillRef>
-          <a:effectRef idx="0">
-            <a:schemeClr val="accent1"/>
-          </a:effectRef>
-          <a:fontRef idx="minor">
-            <a:schemeClr val="tx1"/>
-          </a:fontRef>
-        </p:style>
-      </p:cxnSp>
-      <p:cxnSp>
-        <p:nvCxnSpPr>
-          <p:cNvPr id="25" name="Straight Connector 24"/>
-          <p:cNvCxnSpPr/>
-          <p:nvPr/>
-        </p:nvCxnSpPr>
-        <p:spPr>
-          <a:xfrm flipH="1" flipV="1">
-            <a:off x="1565740" y="2765246"/>
-            <a:ext cx="5309619" cy="9277"/>
-          </a:xfrm>
-          <a:prstGeom prst="line">
-            <a:avLst/>
-          </a:prstGeom>
-        </p:spPr>
-        <p:style>
-          <a:lnRef idx="1">
-            <a:schemeClr val="accent1"/>
-          </a:lnRef>
-          <a:fillRef idx="0">
-            <a:schemeClr val="accent1"/>
-          </a:fillRef>
-          <a:effectRef idx="0">
-            <a:schemeClr val="accent1"/>
-          </a:effectRef>
-          <a:fontRef idx="minor">
-            <a:schemeClr val="tx1"/>
-          </a:fontRef>
-        </p:style>
-      </p:cxnSp>
-      <p:cxnSp>
-        <p:nvCxnSpPr>
-          <p:cNvPr id="26" name="Straight Connector 25"/>
-          <p:cNvCxnSpPr/>
-          <p:nvPr/>
-        </p:nvCxnSpPr>
-        <p:spPr>
-          <a:xfrm flipH="1" flipV="1">
-            <a:off x="1565739" y="4115995"/>
-            <a:ext cx="5309619" cy="9277"/>
-          </a:xfrm>
-          <a:prstGeom prst="line">
-            <a:avLst/>
-          </a:prstGeom>
-        </p:spPr>
-        <p:style>
-          <a:lnRef idx="1">
-            <a:schemeClr val="accent1"/>
-          </a:lnRef>
-          <a:fillRef idx="0">
-            <a:schemeClr val="accent1"/>
-          </a:fillRef>
-          <a:effectRef idx="0">
-            <a:schemeClr val="accent1"/>
-          </a:effectRef>
-          <a:fontRef idx="minor">
-            <a:schemeClr val="tx1"/>
-          </a:fontRef>
-        </p:style>
-      </p:cxnSp>
-      <p:pic>
-        <p:nvPicPr>
-          <p:cNvPr id="27" name="Picture 26"/>
-          <p:cNvPicPr>
-            <a:picLocks noChangeAspect="1"/>
-          </p:cNvPicPr>
-          <p:nvPr/>
-        </p:nvPicPr>
-        <p:blipFill>
-          <a:blip r:embed="rId16">
-            <a:extLst>
-              <a:ext uri="{28A0092B-C50C-407E-A947-70E740481C1C}">
-                <a14:useLocalDpi xmlns:a14="http://schemas.microsoft.com/office/drawing/2010/main" val="0"/>
-              </a:ext>
-            </a:extLst>
-          </a:blip>
-          <a:stretch>
-            <a:fillRect/>
-          </a:stretch>
-        </p:blipFill>
-        <p:spPr>
-          <a:xfrm>
-            <a:off x="6326348" y="4204615"/>
-            <a:ext cx="2540644" cy="745256"/>
-          </a:xfrm>
-          <a:prstGeom prst="rect">
-            <a:avLst/>
-          </a:prstGeom>
-        </p:spPr>
-      </p:pic>
-      <p:pic>
-        <p:nvPicPr>
-          <p:cNvPr id="29" name="Picture 28"/>
-          <p:cNvPicPr>
-            <a:picLocks noChangeAspect="1"/>
-          </p:cNvPicPr>
-          <p:nvPr/>
-        </p:nvPicPr>
-        <p:blipFill>
-          <a:blip r:embed="rId17">
-            <a:extLst>
-              <a:ext uri="{28A0092B-C50C-407E-A947-70E740481C1C}">
-                <a14:useLocalDpi xmlns:a14="http://schemas.microsoft.com/office/drawing/2010/main" val="0"/>
-              </a:ext>
-            </a:extLst>
-          </a:blip>
-          <a:stretch>
-            <a:fillRect/>
-          </a:stretch>
-        </p:blipFill>
-        <p:spPr>
-          <a:xfrm>
-            <a:off x="4086099" y="5031392"/>
-            <a:ext cx="1855105" cy="556532"/>
-          </a:xfrm>
-          <a:prstGeom prst="rect">
-            <a:avLst/>
-          </a:prstGeom>
-        </p:spPr>
-      </p:pic>
-      <p:pic>
-        <p:nvPicPr>
-          <p:cNvPr id="30" name="Picture 29"/>
-          <p:cNvPicPr>
-            <a:picLocks noChangeAspect="1"/>
-          </p:cNvPicPr>
-          <p:nvPr/>
-        </p:nvPicPr>
-        <p:blipFill>
-          <a:blip r:embed="rId18">
-            <a:extLst>
-              <a:ext uri="{28A0092B-C50C-407E-A947-70E740481C1C}">
-                <a14:useLocalDpi xmlns:a14="http://schemas.microsoft.com/office/drawing/2010/main" val="0"/>
-              </a:ext>
-            </a:extLst>
-          </a:blip>
-          <a:stretch>
-            <a:fillRect/>
-          </a:stretch>
-        </p:blipFill>
-        <p:spPr>
-          <a:xfrm>
-            <a:off x="6203978" y="4909470"/>
-            <a:ext cx="2400240" cy="720072"/>
-          </a:xfrm>
-          <a:prstGeom prst="rect">
-            <a:avLst/>
-          </a:prstGeom>
-        </p:spPr>
-      </p:pic>
-      <p:pic>
-        <p:nvPicPr>
-          <p:cNvPr id="31" name="Picture 30"/>
-          <p:cNvPicPr>
-            <a:picLocks noChangeAspect="1"/>
-          </p:cNvPicPr>
-          <p:nvPr/>
-        </p:nvPicPr>
-        <p:blipFill>
-          <a:blip r:embed="rId19">
-            <a:extLst>
-              <a:ext uri="{28A0092B-C50C-407E-A947-70E740481C1C}">
-                <a14:useLocalDpi xmlns:a14="http://schemas.microsoft.com/office/drawing/2010/main" val="0"/>
-              </a:ext>
-            </a:extLst>
-          </a:blip>
-          <a:stretch>
-            <a:fillRect/>
-          </a:stretch>
-        </p:blipFill>
-        <p:spPr>
-          <a:xfrm>
-            <a:off x="1624728" y="5664327"/>
-            <a:ext cx="2305527" cy="691658"/>
-          </a:xfrm>
-          <a:prstGeom prst="rect">
-            <a:avLst/>
-          </a:prstGeom>
-        </p:spPr>
-      </p:pic>
-      <p:pic>
-        <p:nvPicPr>
-          <p:cNvPr id="32" name="Picture 31"/>
-          <p:cNvPicPr>
-            <a:picLocks noChangeAspect="1"/>
-          </p:cNvPicPr>
-          <p:nvPr/>
-        </p:nvPicPr>
-        <p:blipFill>
-          <a:blip r:embed="rId20" cstate="print">
-            <a:extLst>
-              <a:ext uri="{28A0092B-C50C-407E-A947-70E740481C1C}">
-                <a14:useLocalDpi xmlns:a14="http://schemas.microsoft.com/office/drawing/2010/main" val="0"/>
-              </a:ext>
-            </a:extLst>
-          </a:blip>
-          <a:stretch>
-            <a:fillRect/>
-          </a:stretch>
-        </p:blipFill>
-        <p:spPr>
-          <a:xfrm>
-            <a:off x="4204758" y="5733505"/>
-            <a:ext cx="1897194" cy="569159"/>
-          </a:xfrm>
-          <a:prstGeom prst="rect">
-            <a:avLst/>
-          </a:prstGeom>
-        </p:spPr>
-      </p:pic>
-      <p:pic>
-        <p:nvPicPr>
-          <p:cNvPr id="33" name="Picture 32"/>
-          <p:cNvPicPr>
-            <a:picLocks noChangeAspect="1"/>
-          </p:cNvPicPr>
-          <p:nvPr/>
-        </p:nvPicPr>
-        <p:blipFill>
-          <a:blip r:embed="rId21" cstate="print">
-            <a:extLst>
-              <a:ext uri="{28A0092B-C50C-407E-A947-70E740481C1C}">
-                <a14:useLocalDpi xmlns:a14="http://schemas.microsoft.com/office/drawing/2010/main" val="0"/>
-              </a:ext>
-            </a:extLst>
-          </a:blip>
-          <a:stretch>
-            <a:fillRect/>
-          </a:stretch>
-        </p:blipFill>
-        <p:spPr>
-          <a:xfrm>
-            <a:off x="9722572" y="4084251"/>
-            <a:ext cx="1829276" cy="733163"/>
-          </a:xfrm>
-          <a:prstGeom prst="rect">
-            <a:avLst/>
-          </a:prstGeom>
-        </p:spPr>
-      </p:pic>
-    </p:spTree>
-    <p:extLst>
-      <p:ext uri="{BB962C8B-B14F-4D97-AF65-F5344CB8AC3E}">
-        <p14:creationId xmlns:p14="http://schemas.microsoft.com/office/powerpoint/2010/main" val="3328722600"/>
-      </p:ext>
-    </p:extLst>
-  </p:cSld>
-  <p:clrMapOvr>
-    <a:masterClrMapping/>
-  </p:clrMapOvr>
-</p:sld>
-</file>
-
-<file path=ppt/slides/slide20.xml><?xml version="1.0" encoding="utf-8"?>
+<file path=ppt/slides/slide19.xml><?xml version="1.0" encoding="utf-8"?>
 <p:sld xmlns:a="http://schemas.openxmlformats.org/drawingml/2006/main" xmlns:r="http://schemas.openxmlformats.org/officeDocument/2006/relationships" xmlns:p="http://schemas.openxmlformats.org/presentationml/2006/main" showMasterSp="0">
   <p:cSld>
     <p:spTree>
@@ -29310,7 +28175,193 @@
 </p:sld>
 </file>
 
-<file path=ppt/slides/slide21.xml><?xml version="1.0" encoding="utf-8"?>
+<file path=ppt/slides/slide2.xml><?xml version="1.0" encoding="utf-8"?>
+<p:sld xmlns:a="http://schemas.openxmlformats.org/drawingml/2006/main" xmlns:r="http://schemas.openxmlformats.org/officeDocument/2006/relationships" xmlns:p="http://schemas.openxmlformats.org/presentationml/2006/main">
+  <p:cSld>
+    <p:spTree>
+      <p:nvGrpSpPr>
+        <p:cNvPr id="1" name=""/>
+        <p:cNvGrpSpPr/>
+        <p:nvPr/>
+      </p:nvGrpSpPr>
+      <p:grpSpPr>
+        <a:xfrm>
+          <a:off x="0" y="0"/>
+          <a:ext cx="0" cy="0"/>
+          <a:chOff x="0" y="0"/>
+          <a:chExt cx="0" cy="0"/>
+        </a:xfrm>
+      </p:grpSpPr>
+      <p:sp>
+        <p:nvSpPr>
+          <p:cNvPr id="2" name="Title 1"/>
+          <p:cNvSpPr>
+            <a:spLocks noGrp="1"/>
+          </p:cNvSpPr>
+          <p:nvPr>
+            <p:ph type="title"/>
+          </p:nvPr>
+        </p:nvSpPr>
+        <p:spPr/>
+        <p:txBody>
+          <a:bodyPr/>
+          <a:lstStyle/>
+          <a:p>
+            <a:r>
+              <a:rPr lang="en-US" dirty="0"/>
+              <a:t>About Me</a:t>
+            </a:r>
+          </a:p>
+        </p:txBody>
+      </p:sp>
+      <p:sp>
+        <p:nvSpPr>
+          <p:cNvPr id="8" name="TextBox 7"/>
+          <p:cNvSpPr txBox="1"/>
+          <p:nvPr/>
+        </p:nvSpPr>
+        <p:spPr>
+          <a:xfrm>
+            <a:off x="743445" y="2018844"/>
+            <a:ext cx="5700511" cy="3416320"/>
+          </a:xfrm>
+          <a:prstGeom prst="rect">
+            <a:avLst/>
+          </a:prstGeom>
+          <a:noFill/>
+        </p:spPr>
+        <p:txBody>
+          <a:bodyPr wrap="square" rtlCol="0">
+            <a:spAutoFit/>
+          </a:bodyPr>
+          <a:lstStyle/>
+          <a:p>
+            <a:r>
+              <a:rPr lang="en-US" dirty="0"/>
+              <a:t>CREATE p = (</a:t>
+            </a:r>
+            <a:r>
+              <a:rPr lang="en-US" dirty="0" err="1"/>
+              <a:t>person:Person</a:t>
+            </a:r>
+            <a:r>
+              <a:rPr lang="en-US" dirty="0"/>
+              <a:t> {name: 'Jen', </a:t>
+            </a:r>
+          </a:p>
+          <a:p>
+            <a:r>
+              <a:rPr lang="en-US" dirty="0"/>
+              <a:t>email: 'jenparker1975@gmail.com', </a:t>
+            </a:r>
+          </a:p>
+          <a:p>
+            <a:r>
+              <a:rPr lang="en-US" dirty="0" err="1"/>
+              <a:t>github:'https</a:t>
+            </a:r>
+            <a:r>
+              <a:rPr lang="en-US" dirty="0"/>
+              <a:t>://github.com/jenparker1975'})</a:t>
+            </a:r>
+          </a:p>
+          <a:p>
+            <a:r>
+              <a:rPr lang="en-US" dirty="0"/>
+              <a:t> – [:WORKS_AT {since: 2013}] -&gt; (</a:t>
+            </a:r>
+            <a:r>
+              <a:rPr lang="en-US" dirty="0" err="1"/>
+              <a:t>company:Company</a:t>
+            </a:r>
+            <a:r>
+              <a:rPr lang="en-US" dirty="0"/>
+              <a:t> {name: 'HealthcareSource', </a:t>
+            </a:r>
+          </a:p>
+          <a:p>
+            <a:r>
+              <a:rPr lang="en-US" dirty="0"/>
+              <a:t>tag: 'Leading provider of talent management solutions for Healthcare' }) </a:t>
+            </a:r>
+          </a:p>
+          <a:p>
+            <a:r>
+              <a:rPr lang="en-US" dirty="0"/>
+              <a:t>RETURN p </a:t>
+            </a:r>
+          </a:p>
+          <a:p>
+            <a:endParaRPr lang="en-US" dirty="0"/>
+          </a:p>
+          <a:p>
+            <a:r>
+              <a:rPr lang="en-US" dirty="0"/>
+              <a:t>MATCH (</a:t>
+            </a:r>
+            <a:r>
+              <a:rPr lang="en-US" dirty="0" err="1"/>
+              <a:t>person:Person</a:t>
+            </a:r>
+            <a:r>
+              <a:rPr lang="en-US" dirty="0"/>
+              <a:t> {name: 'Jen'}) </a:t>
+            </a:r>
+          </a:p>
+          <a:p>
+            <a:r>
+              <a:rPr lang="en-US" dirty="0"/>
+              <a:t>CREATE (person) -[:IS_LEARNING]-&gt;(</a:t>
+            </a:r>
+            <a:r>
+              <a:rPr lang="en-US" dirty="0" err="1"/>
+              <a:t>technology:Technology</a:t>
+            </a:r>
+            <a:r>
+              <a:rPr lang="en-US" dirty="0"/>
+              <a:t> {name: 'Neo4j'})</a:t>
+            </a:r>
+          </a:p>
+        </p:txBody>
+      </p:sp>
+      <p:pic>
+        <p:nvPicPr>
+          <p:cNvPr id="4" name="Picture 3"/>
+          <p:cNvPicPr>
+            <a:picLocks noChangeAspect="1"/>
+          </p:cNvPicPr>
+          <p:nvPr/>
+        </p:nvPicPr>
+        <p:blipFill>
+          <a:blip r:embed="rId3"/>
+          <a:stretch>
+            <a:fillRect/>
+          </a:stretch>
+        </p:blipFill>
+        <p:spPr>
+          <a:xfrm>
+            <a:off x="6443956" y="0"/>
+            <a:ext cx="6152620" cy="6858000"/>
+          </a:xfrm>
+          <a:prstGeom prst="rect">
+            <a:avLst/>
+          </a:prstGeom>
+        </p:spPr>
+      </p:pic>
+    </p:spTree>
+    <p:extLst>
+      <p:ext uri="{BB962C8B-B14F-4D97-AF65-F5344CB8AC3E}">
+        <p14:creationId xmlns:p14="http://schemas.microsoft.com/office/powerpoint/2010/main" val="16365372"/>
+      </p:ext>
+    </p:extLst>
+  </p:cSld>
+  <p:clrMapOvr>
+    <a:masterClrMapping/>
+  </p:clrMapOvr>
+</p:sld>
+</file>
+
+<file path=ppt/slides/slide20.xml><?xml version="1.0" encoding="utf-8"?>
 <p:sld xmlns:a="http://schemas.openxmlformats.org/drawingml/2006/main" xmlns:r="http://schemas.openxmlformats.org/officeDocument/2006/relationships" xmlns:p="http://schemas.openxmlformats.org/presentationml/2006/main">
   <p:cSld>
     <p:spTree>
@@ -29504,6 +28555,322 @@
     <p:extLst>
       <p:ext uri="{BB962C8B-B14F-4D97-AF65-F5344CB8AC3E}">
         <p14:creationId xmlns:p14="http://schemas.microsoft.com/office/powerpoint/2010/main" val="4227180807"/>
+      </p:ext>
+    </p:extLst>
+  </p:cSld>
+  <p:clrMapOvr>
+    <a:masterClrMapping/>
+  </p:clrMapOvr>
+  <p:timing>
+    <p:tnLst>
+      <p:par>
+        <p:cTn id="1" dur="indefinite" restart="never" nodeType="tmRoot">
+          <p:childTnLst>
+            <p:seq concurrent="1" nextAc="seek">
+              <p:cTn id="2" dur="indefinite" nodeType="mainSeq">
+                <p:childTnLst>
+                  <p:par>
+                    <p:cTn id="3" fill="hold">
+                      <p:stCondLst>
+                        <p:cond delay="indefinite"/>
+                      </p:stCondLst>
+                      <p:childTnLst>
+                        <p:par>
+                          <p:cTn id="4" fill="hold">
+                            <p:stCondLst>
+                              <p:cond delay="0"/>
+                            </p:stCondLst>
+                            <p:childTnLst>
+                              <p:par>
+                                <p:cTn id="5" presetID="1" presetClass="entr" presetSubtype="0" fill="hold" grpId="0" nodeType="clickEffect">
+                                  <p:stCondLst>
+                                    <p:cond delay="0"/>
+                                  </p:stCondLst>
+                                  <p:childTnLst>
+                                    <p:set>
+                                      <p:cBhvr>
+                                        <p:cTn id="6" dur="1" fill="hold">
+                                          <p:stCondLst>
+                                            <p:cond delay="0"/>
+                                          </p:stCondLst>
+                                        </p:cTn>
+                                        <p:tgtEl>
+                                          <p:spTgt spid="2"/>
+                                        </p:tgtEl>
+                                        <p:attrNameLst>
+                                          <p:attrName>style.visibility</p:attrName>
+                                        </p:attrNameLst>
+                                      </p:cBhvr>
+                                      <p:to>
+                                        <p:strVal val="visible"/>
+                                      </p:to>
+                                    </p:set>
+                                  </p:childTnLst>
+                                </p:cTn>
+                              </p:par>
+                            </p:childTnLst>
+                          </p:cTn>
+                        </p:par>
+                      </p:childTnLst>
+                    </p:cTn>
+                  </p:par>
+                  <p:par>
+                    <p:cTn id="7" fill="hold">
+                      <p:stCondLst>
+                        <p:cond delay="indefinite"/>
+                      </p:stCondLst>
+                      <p:childTnLst>
+                        <p:par>
+                          <p:cTn id="8" fill="hold">
+                            <p:stCondLst>
+                              <p:cond delay="0"/>
+                            </p:stCondLst>
+                            <p:childTnLst>
+                              <p:par>
+                                <p:cTn id="9" presetID="1" presetClass="entr" presetSubtype="0" fill="hold" grpId="0" nodeType="clickEffect">
+                                  <p:stCondLst>
+                                    <p:cond delay="0"/>
+                                  </p:stCondLst>
+                                  <p:childTnLst>
+                                    <p:set>
+                                      <p:cBhvr>
+                                        <p:cTn id="10" dur="1" fill="hold">
+                                          <p:stCondLst>
+                                            <p:cond delay="0"/>
+                                          </p:stCondLst>
+                                        </p:cTn>
+                                        <p:tgtEl>
+                                          <p:spTgt spid="3"/>
+                                        </p:tgtEl>
+                                        <p:attrNameLst>
+                                          <p:attrName>style.visibility</p:attrName>
+                                        </p:attrNameLst>
+                                      </p:cBhvr>
+                                      <p:to>
+                                        <p:strVal val="visible"/>
+                                      </p:to>
+                                    </p:set>
+                                  </p:childTnLst>
+                                </p:cTn>
+                              </p:par>
+                            </p:childTnLst>
+                          </p:cTn>
+                        </p:par>
+                      </p:childTnLst>
+                    </p:cTn>
+                  </p:par>
+                </p:childTnLst>
+              </p:cTn>
+              <p:prevCondLst>
+                <p:cond evt="onPrev" delay="0">
+                  <p:tgtEl>
+                    <p:sldTgt/>
+                  </p:tgtEl>
+                </p:cond>
+              </p:prevCondLst>
+              <p:nextCondLst>
+                <p:cond evt="onNext" delay="0">
+                  <p:tgtEl>
+                    <p:sldTgt/>
+                  </p:tgtEl>
+                </p:cond>
+              </p:nextCondLst>
+            </p:seq>
+          </p:childTnLst>
+        </p:cTn>
+      </p:par>
+    </p:tnLst>
+    <p:bldLst>
+      <p:bldP spid="3" grpId="0"/>
+      <p:bldP spid="2" grpId="0"/>
+    </p:bldLst>
+  </p:timing>
+</p:sld>
+</file>
+
+<file path=ppt/slides/slide21.xml><?xml version="1.0" encoding="utf-8"?>
+<p:sld xmlns:a="http://schemas.openxmlformats.org/drawingml/2006/main" xmlns:r="http://schemas.openxmlformats.org/officeDocument/2006/relationships" xmlns:p="http://schemas.openxmlformats.org/presentationml/2006/main">
+  <p:cSld>
+    <p:spTree>
+      <p:nvGrpSpPr>
+        <p:cNvPr id="1" name=""/>
+        <p:cNvGrpSpPr/>
+        <p:nvPr/>
+      </p:nvGrpSpPr>
+      <p:grpSpPr>
+        <a:xfrm>
+          <a:off x="0" y="0"/>
+          <a:ext cx="0" cy="0"/>
+          <a:chOff x="0" y="0"/>
+          <a:chExt cx="0" cy="0"/>
+        </a:xfrm>
+      </p:grpSpPr>
+      <p:sp>
+        <p:nvSpPr>
+          <p:cNvPr id="3" name="Content Placeholder 2"/>
+          <p:cNvSpPr>
+            <a:spLocks noGrp="1"/>
+          </p:cNvSpPr>
+          <p:nvPr>
+            <p:ph idx="1"/>
+          </p:nvPr>
+        </p:nvSpPr>
+        <p:spPr>
+          <a:xfrm>
+            <a:off x="5263077" y="3034144"/>
+            <a:ext cx="5891209" cy="2448297"/>
+          </a:xfrm>
+        </p:spPr>
+        <p:txBody>
+          <a:bodyPr>
+            <a:normAutofit/>
+          </a:bodyPr>
+          <a:lstStyle/>
+          <a:p>
+            <a:pPr marL="0" indent="0">
+              <a:buNone/>
+            </a:pPr>
+            <a:endParaRPr lang="en-US" dirty="0"/>
+          </a:p>
+          <a:p>
+            <a:pPr marL="0" indent="0">
+              <a:buNone/>
+            </a:pPr>
+            <a:r>
+              <a:rPr lang="en-US" sz="2400" b="1" dirty="0"/>
+              <a:t>Cons:</a:t>
+            </a:r>
+          </a:p>
+          <a:p>
+            <a:pPr>
+              <a:buFont typeface="Wingdings" panose="05000000000000000000" pitchFamily="2" charset="2"/>
+              <a:buChar char="Ø"/>
+            </a:pPr>
+            <a:r>
+              <a:rPr lang="en-US" dirty="0"/>
+              <a:t> No native windows service installation</a:t>
+            </a:r>
+          </a:p>
+          <a:p>
+            <a:pPr>
+              <a:buFont typeface="Wingdings" panose="05000000000000000000" pitchFamily="2" charset="2"/>
+              <a:buChar char="Ø"/>
+            </a:pPr>
+            <a:r>
+              <a:rPr lang="en-US" dirty="0"/>
+              <a:t> Requires more schema design up front</a:t>
+            </a:r>
+          </a:p>
+        </p:txBody>
+      </p:sp>
+      <p:pic>
+        <p:nvPicPr>
+          <p:cNvPr id="5" name="Picture 4" descr="&lt;strong&gt;OrientDB&lt;/strong&gt; - Wikipedia"/>
+          <p:cNvPicPr>
+            <a:picLocks noChangeAspect="1"/>
+          </p:cNvPicPr>
+          <p:nvPr/>
+        </p:nvPicPr>
+        <p:blipFill>
+          <a:blip r:embed="rId3"/>
+          <a:stretch>
+            <a:fillRect/>
+          </a:stretch>
+        </p:blipFill>
+        <p:spPr>
+          <a:xfrm>
+            <a:off x="1450345" y="283908"/>
+            <a:ext cx="3306687" cy="1508189"/>
+          </a:xfrm>
+          <a:prstGeom prst="rect">
+            <a:avLst/>
+          </a:prstGeom>
+        </p:spPr>
+      </p:pic>
+      <p:sp>
+        <p:nvSpPr>
+          <p:cNvPr id="2" name="TextBox 1"/>
+          <p:cNvSpPr txBox="1"/>
+          <p:nvPr/>
+        </p:nvSpPr>
+        <p:spPr>
+          <a:xfrm>
+            <a:off x="5263076" y="498763"/>
+            <a:ext cx="6267863" cy="2677656"/>
+          </a:xfrm>
+          <a:prstGeom prst="rect">
+            <a:avLst/>
+          </a:prstGeom>
+          <a:noFill/>
+        </p:spPr>
+        <p:txBody>
+          <a:bodyPr wrap="square" rtlCol="0">
+            <a:spAutoFit/>
+          </a:bodyPr>
+          <a:lstStyle/>
+          <a:p>
+            <a:pPr>
+              <a:lnSpc>
+                <a:spcPct val="150000"/>
+              </a:lnSpc>
+            </a:pPr>
+            <a:r>
+              <a:rPr lang="en-US" sz="2400" b="1" dirty="0"/>
+              <a:t>Pros:</a:t>
+            </a:r>
+          </a:p>
+          <a:p>
+            <a:pPr marL="342900" indent="-342900">
+              <a:lnSpc>
+                <a:spcPct val="150000"/>
+              </a:lnSpc>
+              <a:buFont typeface="Wingdings" panose="05000000000000000000" pitchFamily="2" charset="2"/>
+              <a:buChar char="Ø"/>
+            </a:pPr>
+            <a:r>
+              <a:rPr lang="en-US" sz="2400"/>
+              <a:t>Multi model </a:t>
+            </a:r>
+            <a:r>
+              <a:rPr lang="en-US" sz="2400" dirty="0"/>
+              <a:t>DB – both graph and document DB</a:t>
+            </a:r>
+          </a:p>
+          <a:p>
+            <a:pPr marL="342900" indent="-342900">
+              <a:lnSpc>
+                <a:spcPct val="150000"/>
+              </a:lnSpc>
+              <a:buFont typeface="Wingdings" panose="05000000000000000000" pitchFamily="2" charset="2"/>
+              <a:buChar char="Ø"/>
+            </a:pPr>
+            <a:r>
+              <a:rPr lang="en-US" sz="2400" dirty="0"/>
+              <a:t>Easily add users/roles</a:t>
+            </a:r>
+          </a:p>
+          <a:p>
+            <a:pPr marL="342900" indent="-342900">
+              <a:lnSpc>
+                <a:spcPct val="150000"/>
+              </a:lnSpc>
+              <a:buFont typeface="Wingdings" panose="05000000000000000000" pitchFamily="2" charset="2"/>
+              <a:buChar char="Ø"/>
+            </a:pPr>
+            <a:r>
+              <a:rPr lang="en-US" sz="2400" dirty="0"/>
+              <a:t>Supports multiple databases</a:t>
+            </a:r>
+          </a:p>
+          <a:p>
+            <a:endParaRPr lang="en-US" sz="2400" dirty="0"/>
+          </a:p>
+        </p:txBody>
+      </p:sp>
+    </p:spTree>
+    <p:extLst>
+      <p:ext uri="{BB962C8B-B14F-4D97-AF65-F5344CB8AC3E}">
+        <p14:creationId xmlns:p14="http://schemas.microsoft.com/office/powerpoint/2010/main" val="896595893"/>
       </p:ext>
     </p:extLst>
   </p:cSld>
@@ -29666,8 +29033,8 @@
         </p:nvSpPr>
         <p:spPr>
           <a:xfrm>
-            <a:off x="5263077" y="3034144"/>
-            <a:ext cx="5891209" cy="2448297"/>
+            <a:off x="5159830" y="3625285"/>
+            <a:ext cx="5891209" cy="2364290"/>
           </a:xfrm>
         </p:spPr>
         <p:txBody>
@@ -29697,24 +29064,17 @@
             </a:pPr>
             <a:r>
               <a:rPr lang="en-US" dirty="0"/>
-              <a:t> No native windows service installation</a:t>
-            </a:r>
-          </a:p>
-          <a:p>
-            <a:pPr>
-              <a:buFont typeface="Wingdings" panose="05000000000000000000" pitchFamily="2" charset="2"/>
-              <a:buChar char="Ø"/>
-            </a:pPr>
-            <a:r>
-              <a:rPr lang="en-US" dirty="0"/>
-              <a:t> Requires more schema design up front</a:t>
-            </a:r>
+              <a:t> Only one DB can be running on one port at a time</a:t>
+            </a:r>
+          </a:p>
+          <a:p>
+            <a:endParaRPr lang="en-US" dirty="0"/>
           </a:p>
         </p:txBody>
       </p:sp>
       <p:pic>
         <p:nvPicPr>
-          <p:cNvPr id="5" name="Picture 4" descr="&lt;strong&gt;OrientDB&lt;/strong&gt; - Wikipedia"/>
+          <p:cNvPr id="7" name="Picture 6" descr="&lt;strong&gt;Neo4j&lt;/strong&gt;-2015-logo.png"/>
           <p:cNvPicPr>
             <a:picLocks noChangeAspect="1"/>
           </p:cNvPicPr>
@@ -29728,8 +29088,8 @@
         </p:blipFill>
         <p:spPr>
           <a:xfrm>
-            <a:off x="1450345" y="283908"/>
-            <a:ext cx="3306687" cy="1508189"/>
+            <a:off x="1709785" y="451527"/>
+            <a:ext cx="2220948" cy="988444"/>
           </a:xfrm>
           <a:prstGeom prst="rect">
             <a:avLst/>
@@ -29744,8 +29104,8 @@
         </p:nvSpPr>
         <p:spPr>
           <a:xfrm>
-            <a:off x="5263076" y="498763"/>
-            <a:ext cx="6267863" cy="2677656"/>
+            <a:off x="5159830" y="451527"/>
+            <a:ext cx="6018228" cy="3785652"/>
           </a:xfrm>
           <a:prstGeom prst="rect">
             <a:avLst/>
@@ -29777,12 +29137,8 @@
               <a:buChar char="Ø"/>
             </a:pPr>
             <a:r>
-              <a:rPr lang="en-US" sz="2400"/>
-              <a:t>Multi model </a:t>
-            </a:r>
-            <a:r>
               <a:rPr lang="en-US" sz="2400" dirty="0"/>
-              <a:t>DB – both graph and document DB</a:t>
+              <a:t>Runs on Windows natively - in either a console or as a service</a:t>
             </a:r>
           </a:p>
           <a:p>
@@ -29795,7 +29151,7 @@
             </a:pPr>
             <a:r>
               <a:rPr lang="en-US" sz="2400" dirty="0"/>
-              <a:t>Easily add users/roles</a:t>
+              <a:t>24/7 production support since 2003 – Mature</a:t>
             </a:r>
           </a:p>
           <a:p>
@@ -29808,7 +29164,7 @@
             </a:pPr>
             <a:r>
               <a:rPr lang="en-US" sz="2400" dirty="0"/>
-              <a:t>Supports multiple databases</a:t>
+              <a:t>Large and active user community</a:t>
             </a:r>
           </a:p>
           <a:p>
@@ -29819,7 +29175,7 @@
     </p:spTree>
     <p:extLst>
       <p:ext uri="{BB962C8B-B14F-4D97-AF65-F5344CB8AC3E}">
-        <p14:creationId xmlns:p14="http://schemas.microsoft.com/office/powerpoint/2010/main" val="896595893"/>
+        <p14:creationId xmlns:p14="http://schemas.microsoft.com/office/powerpoint/2010/main" val="3344084035"/>
       </p:ext>
     </p:extLst>
   </p:cSld>
@@ -29972,311 +29328,6 @@
       </p:grpSpPr>
       <p:sp>
         <p:nvSpPr>
-          <p:cNvPr id="3" name="Content Placeholder 2"/>
-          <p:cNvSpPr>
-            <a:spLocks noGrp="1"/>
-          </p:cNvSpPr>
-          <p:nvPr>
-            <p:ph idx="1"/>
-          </p:nvPr>
-        </p:nvSpPr>
-        <p:spPr>
-          <a:xfrm>
-            <a:off x="5159830" y="3625285"/>
-            <a:ext cx="5891209" cy="2364290"/>
-          </a:xfrm>
-        </p:spPr>
-        <p:txBody>
-          <a:bodyPr>
-            <a:normAutofit/>
-          </a:bodyPr>
-          <a:lstStyle/>
-          <a:p>
-            <a:pPr marL="0" indent="0">
-              <a:buNone/>
-            </a:pPr>
-            <a:endParaRPr lang="en-US" dirty="0"/>
-          </a:p>
-          <a:p>
-            <a:pPr marL="0" indent="0">
-              <a:buNone/>
-            </a:pPr>
-            <a:r>
-              <a:rPr lang="en-US" sz="2400" b="1" dirty="0"/>
-              <a:t>Cons:</a:t>
-            </a:r>
-          </a:p>
-          <a:p>
-            <a:pPr>
-              <a:buFont typeface="Wingdings" panose="05000000000000000000" pitchFamily="2" charset="2"/>
-              <a:buChar char="Ø"/>
-            </a:pPr>
-            <a:r>
-              <a:rPr lang="en-US" dirty="0"/>
-              <a:t> Only one DB can be running on one port at a time</a:t>
-            </a:r>
-          </a:p>
-          <a:p>
-            <a:endParaRPr lang="en-US" dirty="0"/>
-          </a:p>
-        </p:txBody>
-      </p:sp>
-      <p:pic>
-        <p:nvPicPr>
-          <p:cNvPr id="7" name="Picture 6" descr="&lt;strong&gt;Neo4j&lt;/strong&gt;-2015-logo.png"/>
-          <p:cNvPicPr>
-            <a:picLocks noChangeAspect="1"/>
-          </p:cNvPicPr>
-          <p:nvPr/>
-        </p:nvPicPr>
-        <p:blipFill>
-          <a:blip r:embed="rId3"/>
-          <a:stretch>
-            <a:fillRect/>
-          </a:stretch>
-        </p:blipFill>
-        <p:spPr>
-          <a:xfrm>
-            <a:off x="1709785" y="451527"/>
-            <a:ext cx="2220948" cy="988444"/>
-          </a:xfrm>
-          <a:prstGeom prst="rect">
-            <a:avLst/>
-          </a:prstGeom>
-        </p:spPr>
-      </p:pic>
-      <p:sp>
-        <p:nvSpPr>
-          <p:cNvPr id="2" name="TextBox 1"/>
-          <p:cNvSpPr txBox="1"/>
-          <p:nvPr/>
-        </p:nvSpPr>
-        <p:spPr>
-          <a:xfrm>
-            <a:off x="5159830" y="451527"/>
-            <a:ext cx="6018228" cy="3785652"/>
-          </a:xfrm>
-          <a:prstGeom prst="rect">
-            <a:avLst/>
-          </a:prstGeom>
-          <a:noFill/>
-        </p:spPr>
-        <p:txBody>
-          <a:bodyPr wrap="square" rtlCol="0">
-            <a:spAutoFit/>
-          </a:bodyPr>
-          <a:lstStyle/>
-          <a:p>
-            <a:pPr>
-              <a:lnSpc>
-                <a:spcPct val="150000"/>
-              </a:lnSpc>
-            </a:pPr>
-            <a:r>
-              <a:rPr lang="en-US" sz="2400" b="1" dirty="0"/>
-              <a:t>Pros:</a:t>
-            </a:r>
-          </a:p>
-          <a:p>
-            <a:pPr marL="342900" indent="-342900">
-              <a:lnSpc>
-                <a:spcPct val="150000"/>
-              </a:lnSpc>
-              <a:buFont typeface="Wingdings" panose="05000000000000000000" pitchFamily="2" charset="2"/>
-              <a:buChar char="Ø"/>
-            </a:pPr>
-            <a:r>
-              <a:rPr lang="en-US" sz="2400" dirty="0"/>
-              <a:t>Runs on Windows natively - in either a console or as a service</a:t>
-            </a:r>
-          </a:p>
-          <a:p>
-            <a:pPr marL="342900" indent="-342900">
-              <a:lnSpc>
-                <a:spcPct val="150000"/>
-              </a:lnSpc>
-              <a:buFont typeface="Wingdings" panose="05000000000000000000" pitchFamily="2" charset="2"/>
-              <a:buChar char="Ø"/>
-            </a:pPr>
-            <a:r>
-              <a:rPr lang="en-US" sz="2400" dirty="0"/>
-              <a:t>24/7 production support since 2003 – Mature</a:t>
-            </a:r>
-          </a:p>
-          <a:p>
-            <a:pPr marL="342900" indent="-342900">
-              <a:lnSpc>
-                <a:spcPct val="150000"/>
-              </a:lnSpc>
-              <a:buFont typeface="Wingdings" panose="05000000000000000000" pitchFamily="2" charset="2"/>
-              <a:buChar char="Ø"/>
-            </a:pPr>
-            <a:r>
-              <a:rPr lang="en-US" sz="2400" dirty="0"/>
-              <a:t>Large and active user community</a:t>
-            </a:r>
-          </a:p>
-          <a:p>
-            <a:endParaRPr lang="en-US" sz="2400" dirty="0"/>
-          </a:p>
-        </p:txBody>
-      </p:sp>
-    </p:spTree>
-    <p:extLst>
-      <p:ext uri="{BB962C8B-B14F-4D97-AF65-F5344CB8AC3E}">
-        <p14:creationId xmlns:p14="http://schemas.microsoft.com/office/powerpoint/2010/main" val="3344084035"/>
-      </p:ext>
-    </p:extLst>
-  </p:cSld>
-  <p:clrMapOvr>
-    <a:masterClrMapping/>
-  </p:clrMapOvr>
-  <p:timing>
-    <p:tnLst>
-      <p:par>
-        <p:cTn id="1" dur="indefinite" restart="never" nodeType="tmRoot">
-          <p:childTnLst>
-            <p:seq concurrent="1" nextAc="seek">
-              <p:cTn id="2" dur="indefinite" nodeType="mainSeq">
-                <p:childTnLst>
-                  <p:par>
-                    <p:cTn id="3" fill="hold">
-                      <p:stCondLst>
-                        <p:cond delay="indefinite"/>
-                      </p:stCondLst>
-                      <p:childTnLst>
-                        <p:par>
-                          <p:cTn id="4" fill="hold">
-                            <p:stCondLst>
-                              <p:cond delay="0"/>
-                            </p:stCondLst>
-                            <p:childTnLst>
-                              <p:par>
-                                <p:cTn id="5" presetID="1" presetClass="entr" presetSubtype="0" fill="hold" grpId="0" nodeType="clickEffect">
-                                  <p:stCondLst>
-                                    <p:cond delay="0"/>
-                                  </p:stCondLst>
-                                  <p:childTnLst>
-                                    <p:set>
-                                      <p:cBhvr>
-                                        <p:cTn id="6" dur="1" fill="hold">
-                                          <p:stCondLst>
-                                            <p:cond delay="0"/>
-                                          </p:stCondLst>
-                                        </p:cTn>
-                                        <p:tgtEl>
-                                          <p:spTgt spid="2"/>
-                                        </p:tgtEl>
-                                        <p:attrNameLst>
-                                          <p:attrName>style.visibility</p:attrName>
-                                        </p:attrNameLst>
-                                      </p:cBhvr>
-                                      <p:to>
-                                        <p:strVal val="visible"/>
-                                      </p:to>
-                                    </p:set>
-                                  </p:childTnLst>
-                                </p:cTn>
-                              </p:par>
-                            </p:childTnLst>
-                          </p:cTn>
-                        </p:par>
-                      </p:childTnLst>
-                    </p:cTn>
-                  </p:par>
-                  <p:par>
-                    <p:cTn id="7" fill="hold">
-                      <p:stCondLst>
-                        <p:cond delay="indefinite"/>
-                      </p:stCondLst>
-                      <p:childTnLst>
-                        <p:par>
-                          <p:cTn id="8" fill="hold">
-                            <p:stCondLst>
-                              <p:cond delay="0"/>
-                            </p:stCondLst>
-                            <p:childTnLst>
-                              <p:par>
-                                <p:cTn id="9" presetID="1" presetClass="entr" presetSubtype="0" fill="hold" grpId="0" nodeType="clickEffect">
-                                  <p:stCondLst>
-                                    <p:cond delay="0"/>
-                                  </p:stCondLst>
-                                  <p:childTnLst>
-                                    <p:set>
-                                      <p:cBhvr>
-                                        <p:cTn id="10" dur="1" fill="hold">
-                                          <p:stCondLst>
-                                            <p:cond delay="0"/>
-                                          </p:stCondLst>
-                                        </p:cTn>
-                                        <p:tgtEl>
-                                          <p:spTgt spid="3"/>
-                                        </p:tgtEl>
-                                        <p:attrNameLst>
-                                          <p:attrName>style.visibility</p:attrName>
-                                        </p:attrNameLst>
-                                      </p:cBhvr>
-                                      <p:to>
-                                        <p:strVal val="visible"/>
-                                      </p:to>
-                                    </p:set>
-                                  </p:childTnLst>
-                                </p:cTn>
-                              </p:par>
-                            </p:childTnLst>
-                          </p:cTn>
-                        </p:par>
-                      </p:childTnLst>
-                    </p:cTn>
-                  </p:par>
-                </p:childTnLst>
-              </p:cTn>
-              <p:prevCondLst>
-                <p:cond evt="onPrev" delay="0">
-                  <p:tgtEl>
-                    <p:sldTgt/>
-                  </p:tgtEl>
-                </p:cond>
-              </p:prevCondLst>
-              <p:nextCondLst>
-                <p:cond evt="onNext" delay="0">
-                  <p:tgtEl>
-                    <p:sldTgt/>
-                  </p:tgtEl>
-                </p:cond>
-              </p:nextCondLst>
-            </p:seq>
-          </p:childTnLst>
-        </p:cTn>
-      </p:par>
-    </p:tnLst>
-    <p:bldLst>
-      <p:bldP spid="3" grpId="0"/>
-      <p:bldP spid="2" grpId="0"/>
-    </p:bldLst>
-  </p:timing>
-</p:sld>
-</file>
-
-<file path=ppt/slides/slide24.xml><?xml version="1.0" encoding="utf-8"?>
-<p:sld xmlns:a="http://schemas.openxmlformats.org/drawingml/2006/main" xmlns:r="http://schemas.openxmlformats.org/officeDocument/2006/relationships" xmlns:p="http://schemas.openxmlformats.org/presentationml/2006/main">
-  <p:cSld>
-    <p:spTree>
-      <p:nvGrpSpPr>
-        <p:cNvPr id="1" name=""/>
-        <p:cNvGrpSpPr/>
-        <p:nvPr/>
-      </p:nvGrpSpPr>
-      <p:grpSpPr>
-        <a:xfrm>
-          <a:off x="0" y="0"/>
-          <a:ext cx="0" cy="0"/>
-          <a:chOff x="0" y="0"/>
-          <a:chExt cx="0" cy="0"/>
-        </a:xfrm>
-      </p:grpSpPr>
-      <p:sp>
-        <p:nvSpPr>
           <p:cNvPr id="2" name="Title 1"/>
           <p:cNvSpPr>
             <a:spLocks noGrp="1"/>
@@ -30376,7 +29427,7 @@
 </p:sld>
 </file>
 
-<file path=ppt/slides/slide25.xml><?xml version="1.0" encoding="utf-8"?>
+<file path=ppt/slides/slide24.xml><?xml version="1.0" encoding="utf-8"?>
 <p:sld xmlns:a="http://schemas.openxmlformats.org/drawingml/2006/main" xmlns:r="http://schemas.openxmlformats.org/officeDocument/2006/relationships" xmlns:p="http://schemas.openxmlformats.org/presentationml/2006/main">
   <p:cSld>
     <p:spTree>
@@ -30763,7 +29814,7 @@
 </p:sld>
 </file>
 
-<file path=ppt/slides/slide26.xml><?xml version="1.0" encoding="utf-8"?>
+<file path=ppt/slides/slide25.xml><?xml version="1.0" encoding="utf-8"?>
 <p:sld xmlns:a="http://schemas.openxmlformats.org/drawingml/2006/main" xmlns:r="http://schemas.openxmlformats.org/officeDocument/2006/relationships" xmlns:p="http://schemas.openxmlformats.org/presentationml/2006/main">
   <p:cSld>
     <p:spTree>
@@ -31131,7 +30182,7 @@
 </p:sld>
 </file>
 
-<file path=ppt/slides/slide27.xml><?xml version="1.0" encoding="utf-8"?>
+<file path=ppt/slides/slide26.xml><?xml version="1.0" encoding="utf-8"?>
 <p:sld xmlns:a="http://schemas.openxmlformats.org/drawingml/2006/main" xmlns:r="http://schemas.openxmlformats.org/officeDocument/2006/relationships" xmlns:p="http://schemas.openxmlformats.org/presentationml/2006/main">
   <p:cSld>
     <p:spTree>
@@ -31417,651 +30468,7 @@
 </p:sld>
 </file>
 
-<file path=ppt/slides/slide28.xml><?xml version="1.0" encoding="utf-8"?>
-<p:sld xmlns:a="http://schemas.openxmlformats.org/drawingml/2006/main" xmlns:r="http://schemas.openxmlformats.org/officeDocument/2006/relationships" xmlns:p="http://schemas.openxmlformats.org/presentationml/2006/main">
-  <p:cSld>
-    <p:spTree>
-      <p:nvGrpSpPr>
-        <p:cNvPr id="1" name=""/>
-        <p:cNvGrpSpPr/>
-        <p:nvPr/>
-      </p:nvGrpSpPr>
-      <p:grpSpPr>
-        <a:xfrm>
-          <a:off x="0" y="0"/>
-          <a:ext cx="0" cy="0"/>
-          <a:chOff x="0" y="0"/>
-          <a:chExt cx="0" cy="0"/>
-        </a:xfrm>
-      </p:grpSpPr>
-      <p:sp>
-        <p:nvSpPr>
-          <p:cNvPr id="2" name="Title 1"/>
-          <p:cNvSpPr>
-            <a:spLocks noGrp="1"/>
-          </p:cNvSpPr>
-          <p:nvPr>
-            <p:ph type="title"/>
-          </p:nvPr>
-        </p:nvSpPr>
-        <p:spPr>
-          <a:xfrm>
-            <a:off x="1704110" y="380853"/>
-            <a:ext cx="9905998" cy="1352139"/>
-          </a:xfrm>
-        </p:spPr>
-        <p:txBody>
-          <a:bodyPr/>
-          <a:lstStyle/>
-          <a:p>
-            <a:r>
-              <a:rPr lang="en-US" dirty="0"/>
-              <a:t>NBA Sneakers</a:t>
-            </a:r>
-          </a:p>
-        </p:txBody>
-      </p:sp>
-      <p:sp>
-        <p:nvSpPr>
-          <p:cNvPr id="3" name="Content Placeholder 2"/>
-          <p:cNvSpPr>
-            <a:spLocks noGrp="1"/>
-          </p:cNvSpPr>
-          <p:nvPr>
-            <p:ph idx="1"/>
-          </p:nvPr>
-        </p:nvSpPr>
-        <p:spPr>
-          <a:xfrm>
-            <a:off x="5111149" y="719233"/>
-            <a:ext cx="5443516" cy="633046"/>
-          </a:xfrm>
-        </p:spPr>
-        <p:txBody>
-          <a:bodyPr>
-            <a:normAutofit fontScale="77500" lnSpcReduction="20000"/>
-          </a:bodyPr>
-          <a:lstStyle/>
-          <a:p>
-            <a:pPr marL="0" indent="0">
-              <a:buNone/>
-            </a:pPr>
-            <a:r>
-              <a:rPr lang="en-US" dirty="0"/>
-              <a:t>https://neo4j.com/graphgist/52ce6522-605e-4721-9ffe-706d252ffb5c#listing_category=sports-and-recreation</a:t>
-            </a:r>
-          </a:p>
-        </p:txBody>
-      </p:sp>
-      <p:pic>
-        <p:nvPicPr>
-          <p:cNvPr id="4" name="Picture 3"/>
-          <p:cNvPicPr>
-            <a:picLocks noChangeAspect="1"/>
-          </p:cNvPicPr>
-          <p:nvPr/>
-        </p:nvPicPr>
-        <p:blipFill>
-          <a:blip r:embed="rId3"/>
-          <a:stretch>
-            <a:fillRect/>
-          </a:stretch>
-        </p:blipFill>
-        <p:spPr>
-          <a:xfrm>
-            <a:off x="1748479" y="3431033"/>
-            <a:ext cx="6084428" cy="3228180"/>
-          </a:xfrm>
-          <a:prstGeom prst="rect">
-            <a:avLst/>
-          </a:prstGeom>
-        </p:spPr>
-      </p:pic>
-      <p:sp>
-        <p:nvSpPr>
-          <p:cNvPr id="5" name="Rectangle 4"/>
-          <p:cNvSpPr/>
-          <p:nvPr/>
-        </p:nvSpPr>
-        <p:spPr>
-          <a:xfrm>
-            <a:off x="1704110" y="2102324"/>
-            <a:ext cx="8752113" cy="1200329"/>
-          </a:xfrm>
-          <a:prstGeom prst="rect">
-            <a:avLst/>
-          </a:prstGeom>
-        </p:spPr>
-        <p:txBody>
-          <a:bodyPr wrap="square">
-            <a:spAutoFit/>
-          </a:bodyPr>
-          <a:lstStyle/>
-          <a:p>
-            <a:r>
-              <a:rPr lang="en-US" b="1" cap="all" dirty="0">
-                <a:solidFill>
-                  <a:srgbClr val="1D75B3"/>
-                </a:solidFill>
-                <a:latin typeface="Consolas" panose="020B0609020204030204" pitchFamily="49" charset="0"/>
-              </a:rPr>
-              <a:t>MATCH</a:t>
-            </a:r>
-            <a:r>
-              <a:rPr lang="en-US" b="1" dirty="0">
-                <a:solidFill>
-                  <a:srgbClr val="000000"/>
-                </a:solidFill>
-                <a:latin typeface="Consolas" panose="020B0609020204030204" pitchFamily="49" charset="0"/>
-              </a:rPr>
-              <a:t> </a:t>
-            </a:r>
-            <a:r>
-              <a:rPr lang="en-US" b="1" dirty="0">
-                <a:solidFill>
-                  <a:srgbClr val="9C3328"/>
-                </a:solidFill>
-                <a:latin typeface="Consolas" panose="020B0609020204030204" pitchFamily="49" charset="0"/>
-              </a:rPr>
-              <a:t>(</a:t>
-            </a:r>
-            <a:r>
-              <a:rPr lang="en-US" b="1" dirty="0" err="1">
-                <a:solidFill>
-                  <a:srgbClr val="75438A"/>
-                </a:solidFill>
-                <a:latin typeface="Consolas" panose="020B0609020204030204" pitchFamily="49" charset="0"/>
-              </a:rPr>
-              <a:t>n:Brand</a:t>
-            </a:r>
-            <a:r>
-              <a:rPr lang="en-US" b="1" dirty="0">
-                <a:solidFill>
-                  <a:srgbClr val="9C3328"/>
-                </a:solidFill>
-                <a:latin typeface="Consolas" panose="020B0609020204030204" pitchFamily="49" charset="0"/>
-              </a:rPr>
-              <a:t>)</a:t>
-            </a:r>
-            <a:r>
-              <a:rPr lang="en-US" b="1" dirty="0">
-                <a:solidFill>
-                  <a:srgbClr val="000000"/>
-                </a:solidFill>
-                <a:latin typeface="Consolas" panose="020B0609020204030204" pitchFamily="49" charset="0"/>
-              </a:rPr>
-              <a:t>-</a:t>
-            </a:r>
-            <a:r>
-              <a:rPr lang="en-US" b="1" dirty="0">
-                <a:solidFill>
-                  <a:srgbClr val="9C3328"/>
-                </a:solidFill>
-                <a:latin typeface="Consolas" panose="020B0609020204030204" pitchFamily="49" charset="0"/>
-              </a:rPr>
-              <a:t>[</a:t>
-            </a:r>
-            <a:r>
-              <a:rPr lang="en-US" b="1" dirty="0">
-                <a:solidFill>
-                  <a:srgbClr val="000000"/>
-                </a:solidFill>
-                <a:latin typeface="Consolas" panose="020B0609020204030204" pitchFamily="49" charset="0"/>
-              </a:rPr>
-              <a:t>*</a:t>
-            </a:r>
-            <a:r>
-              <a:rPr lang="en-US" b="1" dirty="0">
-                <a:solidFill>
-                  <a:srgbClr val="047D65"/>
-                </a:solidFill>
-                <a:latin typeface="Consolas" panose="020B0609020204030204" pitchFamily="49" charset="0"/>
-              </a:rPr>
-              <a:t>2</a:t>
-            </a:r>
-            <a:r>
-              <a:rPr lang="en-US" b="1" dirty="0">
-                <a:solidFill>
-                  <a:srgbClr val="9C3328"/>
-                </a:solidFill>
-                <a:latin typeface="Consolas" panose="020B0609020204030204" pitchFamily="49" charset="0"/>
-              </a:rPr>
-              <a:t>]</a:t>
-            </a:r>
-            <a:r>
-              <a:rPr lang="en-US" b="1" dirty="0">
-                <a:solidFill>
-                  <a:srgbClr val="000000"/>
-                </a:solidFill>
-                <a:latin typeface="Consolas" panose="020B0609020204030204" pitchFamily="49" charset="0"/>
-              </a:rPr>
-              <a:t>-</a:t>
-            </a:r>
-            <a:r>
-              <a:rPr lang="en-US" b="1" dirty="0">
-                <a:solidFill>
-                  <a:srgbClr val="9C3328"/>
-                </a:solidFill>
-                <a:latin typeface="Consolas" panose="020B0609020204030204" pitchFamily="49" charset="0"/>
-              </a:rPr>
-              <a:t>(</a:t>
-            </a:r>
-            <a:r>
-              <a:rPr lang="en-US" b="1" dirty="0" err="1">
-                <a:solidFill>
-                  <a:srgbClr val="75438A"/>
-                </a:solidFill>
-                <a:latin typeface="Consolas" panose="020B0609020204030204" pitchFamily="49" charset="0"/>
-              </a:rPr>
-              <a:t>p:Player</a:t>
-            </a:r>
-            <a:r>
-              <a:rPr lang="en-US" b="1" dirty="0">
-                <a:solidFill>
-                  <a:srgbClr val="9C3328"/>
-                </a:solidFill>
-                <a:latin typeface="Consolas" panose="020B0609020204030204" pitchFamily="49" charset="0"/>
-              </a:rPr>
-              <a:t>)</a:t>
-            </a:r>
-            <a:br>
-              <a:rPr lang="en-US" dirty="0"/>
-            </a:br>
-            <a:r>
-              <a:rPr lang="en-US" b="1" cap="all" dirty="0">
-                <a:solidFill>
-                  <a:srgbClr val="1D75B3"/>
-                </a:solidFill>
-                <a:latin typeface="Consolas" panose="020B0609020204030204" pitchFamily="49" charset="0"/>
-              </a:rPr>
-              <a:t>WITH</a:t>
-            </a:r>
-            <a:r>
-              <a:rPr lang="en-US" b="1" dirty="0">
-                <a:solidFill>
-                  <a:srgbClr val="000000"/>
-                </a:solidFill>
-                <a:latin typeface="Consolas" panose="020B0609020204030204" pitchFamily="49" charset="0"/>
-              </a:rPr>
-              <a:t> </a:t>
-            </a:r>
-            <a:r>
-              <a:rPr lang="en-US" b="1" dirty="0">
-                <a:solidFill>
-                  <a:srgbClr val="047D65"/>
-                </a:solidFill>
-                <a:latin typeface="Consolas" panose="020B0609020204030204" pitchFamily="49" charset="0"/>
-              </a:rPr>
-              <a:t>n</a:t>
-            </a:r>
-            <a:r>
-              <a:rPr lang="en-US" b="1" dirty="0">
-                <a:solidFill>
-                  <a:srgbClr val="9C3328"/>
-                </a:solidFill>
-                <a:latin typeface="Consolas" panose="020B0609020204030204" pitchFamily="49" charset="0"/>
-              </a:rPr>
-              <a:t>.</a:t>
-            </a:r>
-            <a:r>
-              <a:rPr lang="en-US" b="1" dirty="0">
-                <a:solidFill>
-                  <a:srgbClr val="047D65"/>
-                </a:solidFill>
-                <a:latin typeface="Consolas" panose="020B0609020204030204" pitchFamily="49" charset="0"/>
-              </a:rPr>
-              <a:t>name</a:t>
-            </a:r>
-            <a:r>
-              <a:rPr lang="en-US" b="1" dirty="0">
-                <a:solidFill>
-                  <a:srgbClr val="000000"/>
-                </a:solidFill>
-                <a:latin typeface="Consolas" panose="020B0609020204030204" pitchFamily="49" charset="0"/>
-              </a:rPr>
-              <a:t> </a:t>
-            </a:r>
-            <a:r>
-              <a:rPr lang="en-US" b="1" cap="all" dirty="0">
-                <a:solidFill>
-                  <a:srgbClr val="1D75B3"/>
-                </a:solidFill>
-                <a:latin typeface="Consolas" panose="020B0609020204030204" pitchFamily="49" charset="0"/>
-              </a:rPr>
-              <a:t>AS</a:t>
-            </a:r>
-            <a:r>
-              <a:rPr lang="en-US" b="1" dirty="0">
-                <a:solidFill>
-                  <a:srgbClr val="000000"/>
-                </a:solidFill>
-                <a:latin typeface="Consolas" panose="020B0609020204030204" pitchFamily="49" charset="0"/>
-              </a:rPr>
-              <a:t> </a:t>
-            </a:r>
-            <a:r>
-              <a:rPr lang="en-US" b="1" dirty="0">
-                <a:solidFill>
-                  <a:srgbClr val="047D65"/>
-                </a:solidFill>
-                <a:latin typeface="Consolas" panose="020B0609020204030204" pitchFamily="49" charset="0"/>
-              </a:rPr>
-              <a:t>brand</a:t>
-            </a:r>
-            <a:r>
-              <a:rPr lang="en-US" b="1" dirty="0">
-                <a:solidFill>
-                  <a:srgbClr val="9C3328"/>
-                </a:solidFill>
-                <a:latin typeface="Consolas" panose="020B0609020204030204" pitchFamily="49" charset="0"/>
-              </a:rPr>
-              <a:t>,</a:t>
-            </a:r>
-            <a:r>
-              <a:rPr lang="en-US" b="1" dirty="0">
-                <a:solidFill>
-                  <a:srgbClr val="000000"/>
-                </a:solidFill>
-                <a:latin typeface="Consolas" panose="020B0609020204030204" pitchFamily="49" charset="0"/>
-              </a:rPr>
-              <a:t> count</a:t>
-            </a:r>
-            <a:r>
-              <a:rPr lang="en-US" b="1" dirty="0">
-                <a:solidFill>
-                  <a:srgbClr val="9C3328"/>
-                </a:solidFill>
-                <a:latin typeface="Consolas" panose="020B0609020204030204" pitchFamily="49" charset="0"/>
-              </a:rPr>
-              <a:t>(</a:t>
-            </a:r>
-            <a:r>
-              <a:rPr lang="en-US" b="1" cap="all" dirty="0">
-                <a:solidFill>
-                  <a:srgbClr val="1D75B3"/>
-                </a:solidFill>
-                <a:latin typeface="Consolas" panose="020B0609020204030204" pitchFamily="49" charset="0"/>
-              </a:rPr>
-              <a:t>DISTINCT</a:t>
-            </a:r>
-            <a:r>
-              <a:rPr lang="en-US" b="1" dirty="0">
-                <a:solidFill>
-                  <a:srgbClr val="000000"/>
-                </a:solidFill>
-                <a:latin typeface="Consolas" panose="020B0609020204030204" pitchFamily="49" charset="0"/>
-              </a:rPr>
-              <a:t> </a:t>
-            </a:r>
-            <a:r>
-              <a:rPr lang="en-US" b="1" dirty="0">
-                <a:solidFill>
-                  <a:srgbClr val="047D65"/>
-                </a:solidFill>
-                <a:latin typeface="Consolas" panose="020B0609020204030204" pitchFamily="49" charset="0"/>
-              </a:rPr>
-              <a:t>p</a:t>
-            </a:r>
-            <a:r>
-              <a:rPr lang="en-US" b="1" dirty="0">
-                <a:solidFill>
-                  <a:srgbClr val="9C3328"/>
-                </a:solidFill>
-                <a:latin typeface="Consolas" panose="020B0609020204030204" pitchFamily="49" charset="0"/>
-              </a:rPr>
-              <a:t>)</a:t>
-            </a:r>
-            <a:r>
-              <a:rPr lang="en-US" b="1" dirty="0">
-                <a:solidFill>
-                  <a:srgbClr val="000000"/>
-                </a:solidFill>
-                <a:latin typeface="Consolas" panose="020B0609020204030204" pitchFamily="49" charset="0"/>
-              </a:rPr>
-              <a:t> </a:t>
-            </a:r>
-            <a:r>
-              <a:rPr lang="en-US" b="1" cap="all" dirty="0">
-                <a:solidFill>
-                  <a:srgbClr val="1D75B3"/>
-                </a:solidFill>
-                <a:latin typeface="Consolas" panose="020B0609020204030204" pitchFamily="49" charset="0"/>
-              </a:rPr>
-              <a:t>AS</a:t>
-            </a:r>
-            <a:r>
-              <a:rPr lang="en-US" b="1" dirty="0">
-                <a:solidFill>
-                  <a:srgbClr val="000000"/>
-                </a:solidFill>
-                <a:latin typeface="Consolas" panose="020B0609020204030204" pitchFamily="49" charset="0"/>
-              </a:rPr>
-              <a:t> </a:t>
-            </a:r>
-            <a:r>
-              <a:rPr lang="en-US" b="1" dirty="0" err="1">
-                <a:solidFill>
-                  <a:srgbClr val="047D65"/>
-                </a:solidFill>
-                <a:latin typeface="Consolas" panose="020B0609020204030204" pitchFamily="49" charset="0"/>
-              </a:rPr>
-              <a:t>numberOfPlayers</a:t>
-            </a:r>
-            <a:br>
-              <a:rPr lang="en-US" dirty="0"/>
-            </a:br>
-            <a:r>
-              <a:rPr lang="en-US" b="1" cap="all" dirty="0">
-                <a:solidFill>
-                  <a:srgbClr val="1D75B3"/>
-                </a:solidFill>
-                <a:latin typeface="Consolas" panose="020B0609020204030204" pitchFamily="49" charset="0"/>
-              </a:rPr>
-              <a:t>RETURN</a:t>
-            </a:r>
-            <a:r>
-              <a:rPr lang="en-US" b="1" dirty="0">
-                <a:solidFill>
-                  <a:srgbClr val="000000"/>
-                </a:solidFill>
-                <a:latin typeface="Consolas" panose="020B0609020204030204" pitchFamily="49" charset="0"/>
-              </a:rPr>
-              <a:t> </a:t>
-            </a:r>
-            <a:r>
-              <a:rPr lang="en-US" b="1" dirty="0">
-                <a:solidFill>
-                  <a:srgbClr val="047D65"/>
-                </a:solidFill>
-                <a:latin typeface="Consolas" panose="020B0609020204030204" pitchFamily="49" charset="0"/>
-              </a:rPr>
-              <a:t>brand</a:t>
-            </a:r>
-            <a:r>
-              <a:rPr lang="en-US" b="1" dirty="0">
-                <a:solidFill>
-                  <a:srgbClr val="9C3328"/>
-                </a:solidFill>
-                <a:latin typeface="Consolas" panose="020B0609020204030204" pitchFamily="49" charset="0"/>
-              </a:rPr>
-              <a:t>,</a:t>
-            </a:r>
-            <a:r>
-              <a:rPr lang="en-US" b="1" dirty="0">
-                <a:solidFill>
-                  <a:srgbClr val="000000"/>
-                </a:solidFill>
-                <a:latin typeface="Consolas" panose="020B0609020204030204" pitchFamily="49" charset="0"/>
-              </a:rPr>
-              <a:t> </a:t>
-            </a:r>
-            <a:r>
-              <a:rPr lang="en-US" b="1" dirty="0" err="1">
-                <a:solidFill>
-                  <a:srgbClr val="047D65"/>
-                </a:solidFill>
-                <a:latin typeface="Consolas" panose="020B0609020204030204" pitchFamily="49" charset="0"/>
-              </a:rPr>
-              <a:t>numberOfPlayers</a:t>
-            </a:r>
-            <a:br>
-              <a:rPr lang="en-US" dirty="0"/>
-            </a:br>
-            <a:r>
-              <a:rPr lang="en-US" b="1" cap="all" dirty="0">
-                <a:solidFill>
-                  <a:srgbClr val="1D75B3"/>
-                </a:solidFill>
-                <a:latin typeface="Consolas" panose="020B0609020204030204" pitchFamily="49" charset="0"/>
-              </a:rPr>
-              <a:t>ORDER</a:t>
-            </a:r>
-            <a:r>
-              <a:rPr lang="en-US" b="1" dirty="0">
-                <a:solidFill>
-                  <a:srgbClr val="000000"/>
-                </a:solidFill>
-                <a:latin typeface="Consolas" panose="020B0609020204030204" pitchFamily="49" charset="0"/>
-              </a:rPr>
-              <a:t> </a:t>
-            </a:r>
-            <a:r>
-              <a:rPr lang="en-US" b="1" cap="all" dirty="0">
-                <a:solidFill>
-                  <a:srgbClr val="1D75B3"/>
-                </a:solidFill>
-                <a:latin typeface="Consolas" panose="020B0609020204030204" pitchFamily="49" charset="0"/>
-              </a:rPr>
-              <a:t>BY</a:t>
-            </a:r>
-            <a:r>
-              <a:rPr lang="en-US" b="1" dirty="0">
-                <a:solidFill>
-                  <a:srgbClr val="000000"/>
-                </a:solidFill>
-                <a:latin typeface="Consolas" panose="020B0609020204030204" pitchFamily="49" charset="0"/>
-              </a:rPr>
-              <a:t> </a:t>
-            </a:r>
-            <a:r>
-              <a:rPr lang="en-US" b="1" dirty="0" err="1">
-                <a:solidFill>
-                  <a:srgbClr val="047D65"/>
-                </a:solidFill>
-                <a:latin typeface="Consolas" panose="020B0609020204030204" pitchFamily="49" charset="0"/>
-              </a:rPr>
-              <a:t>numberOfPlayers</a:t>
-            </a:r>
-            <a:r>
-              <a:rPr lang="en-US" b="1" dirty="0">
-                <a:solidFill>
-                  <a:srgbClr val="000000"/>
-                </a:solidFill>
-                <a:latin typeface="Consolas" panose="020B0609020204030204" pitchFamily="49" charset="0"/>
-              </a:rPr>
-              <a:t> </a:t>
-            </a:r>
-            <a:r>
-              <a:rPr lang="en-US" b="1" cap="all" dirty="0">
-                <a:solidFill>
-                  <a:srgbClr val="1D75B3"/>
-                </a:solidFill>
-                <a:latin typeface="Consolas" panose="020B0609020204030204" pitchFamily="49" charset="0"/>
-              </a:rPr>
-              <a:t>DESC</a:t>
-            </a:r>
-            <a:r>
-              <a:rPr lang="en-US" b="1" dirty="0">
-                <a:solidFill>
-                  <a:srgbClr val="000000"/>
-                </a:solidFill>
-                <a:latin typeface="Consolas" panose="020B0609020204030204" pitchFamily="49" charset="0"/>
-              </a:rPr>
-              <a:t> </a:t>
-            </a:r>
-            <a:r>
-              <a:rPr lang="en-US" b="1" cap="all" dirty="0">
-                <a:solidFill>
-                  <a:srgbClr val="1D75B3"/>
-                </a:solidFill>
-                <a:latin typeface="Consolas" panose="020B0609020204030204" pitchFamily="49" charset="0"/>
-              </a:rPr>
-              <a:t>LIMIT</a:t>
-            </a:r>
-            <a:r>
-              <a:rPr lang="en-US" b="1" dirty="0">
-                <a:solidFill>
-                  <a:srgbClr val="000000"/>
-                </a:solidFill>
-                <a:latin typeface="Consolas" panose="020B0609020204030204" pitchFamily="49" charset="0"/>
-              </a:rPr>
-              <a:t> </a:t>
-            </a:r>
-            <a:r>
-              <a:rPr lang="en-US" b="1" dirty="0">
-                <a:solidFill>
-                  <a:srgbClr val="047D65"/>
-                </a:solidFill>
-                <a:latin typeface="Consolas" panose="020B0609020204030204" pitchFamily="49" charset="0"/>
-              </a:rPr>
-              <a:t>5</a:t>
-            </a:r>
-            <a:r>
-              <a:rPr lang="en-US" b="1" dirty="0">
-                <a:solidFill>
-                  <a:srgbClr val="9C3328"/>
-                </a:solidFill>
-                <a:latin typeface="Consolas" panose="020B0609020204030204" pitchFamily="49" charset="0"/>
-              </a:rPr>
-              <a:t>;</a:t>
-            </a:r>
-            <a:endParaRPr lang="en-US" dirty="0"/>
-          </a:p>
-        </p:txBody>
-      </p:sp>
-      <p:sp>
-        <p:nvSpPr>
-          <p:cNvPr id="6" name="TextBox 5"/>
-          <p:cNvSpPr txBox="1"/>
-          <p:nvPr/>
-        </p:nvSpPr>
-        <p:spPr>
-          <a:xfrm>
-            <a:off x="1704110" y="1732992"/>
-            <a:ext cx="4590230" cy="369332"/>
-          </a:xfrm>
-          <a:prstGeom prst="rect">
-            <a:avLst/>
-          </a:prstGeom>
-          <a:noFill/>
-        </p:spPr>
-        <p:txBody>
-          <a:bodyPr wrap="square" rtlCol="0">
-            <a:spAutoFit/>
-          </a:bodyPr>
-          <a:lstStyle/>
-          <a:p>
-            <a:r>
-              <a:rPr lang="en-US" dirty="0"/>
-              <a:t>List the top 5 brands worn by NBA Players</a:t>
-            </a:r>
-          </a:p>
-        </p:txBody>
-      </p:sp>
-    </p:spTree>
-    <p:extLst>
-      <p:ext uri="{BB962C8B-B14F-4D97-AF65-F5344CB8AC3E}">
-        <p14:creationId xmlns:p14="http://schemas.microsoft.com/office/powerpoint/2010/main" val="1289534074"/>
-      </p:ext>
-    </p:extLst>
-  </p:cSld>
-  <p:clrMapOvr>
-    <a:masterClrMapping/>
-  </p:clrMapOvr>
-</p:sld>
-</file>
-
-<file path=ppt/slides/slide29.xml><?xml version="1.0" encoding="utf-8"?>
+<file path=ppt/slides/slide27.xml><?xml version="1.0" encoding="utf-8"?>
 <p:sld xmlns:a="http://schemas.openxmlformats.org/drawingml/2006/main" xmlns:r="http://schemas.openxmlformats.org/officeDocument/2006/relationships" xmlns:p="http://schemas.openxmlformats.org/presentationml/2006/main">
   <p:cSld>
     <p:spTree>
@@ -32420,193 +30827,7 @@
 </p:sld>
 </file>
 
-<file path=ppt/slides/slide3.xml><?xml version="1.0" encoding="utf-8"?>
-<p:sld xmlns:a="http://schemas.openxmlformats.org/drawingml/2006/main" xmlns:r="http://schemas.openxmlformats.org/officeDocument/2006/relationships" xmlns:p="http://schemas.openxmlformats.org/presentationml/2006/main">
-  <p:cSld>
-    <p:spTree>
-      <p:nvGrpSpPr>
-        <p:cNvPr id="1" name=""/>
-        <p:cNvGrpSpPr/>
-        <p:nvPr/>
-      </p:nvGrpSpPr>
-      <p:grpSpPr>
-        <a:xfrm>
-          <a:off x="0" y="0"/>
-          <a:ext cx="0" cy="0"/>
-          <a:chOff x="0" y="0"/>
-          <a:chExt cx="0" cy="0"/>
-        </a:xfrm>
-      </p:grpSpPr>
-      <p:sp>
-        <p:nvSpPr>
-          <p:cNvPr id="2" name="Title 1"/>
-          <p:cNvSpPr>
-            <a:spLocks noGrp="1"/>
-          </p:cNvSpPr>
-          <p:nvPr>
-            <p:ph type="title"/>
-          </p:nvPr>
-        </p:nvSpPr>
-        <p:spPr/>
-        <p:txBody>
-          <a:bodyPr/>
-          <a:lstStyle/>
-          <a:p>
-            <a:r>
-              <a:rPr lang="en-US" dirty="0"/>
-              <a:t>About Me</a:t>
-            </a:r>
-          </a:p>
-        </p:txBody>
-      </p:sp>
-      <p:sp>
-        <p:nvSpPr>
-          <p:cNvPr id="8" name="TextBox 7"/>
-          <p:cNvSpPr txBox="1"/>
-          <p:nvPr/>
-        </p:nvSpPr>
-        <p:spPr>
-          <a:xfrm>
-            <a:off x="743445" y="2018844"/>
-            <a:ext cx="5700511" cy="3416320"/>
-          </a:xfrm>
-          <a:prstGeom prst="rect">
-            <a:avLst/>
-          </a:prstGeom>
-          <a:noFill/>
-        </p:spPr>
-        <p:txBody>
-          <a:bodyPr wrap="square" rtlCol="0">
-            <a:spAutoFit/>
-          </a:bodyPr>
-          <a:lstStyle/>
-          <a:p>
-            <a:r>
-              <a:rPr lang="en-US" dirty="0"/>
-              <a:t>CREATE p = (</a:t>
-            </a:r>
-            <a:r>
-              <a:rPr lang="en-US" dirty="0" err="1"/>
-              <a:t>person:Person</a:t>
-            </a:r>
-            <a:r>
-              <a:rPr lang="en-US" dirty="0"/>
-              <a:t> {name: 'Jen', </a:t>
-            </a:r>
-          </a:p>
-          <a:p>
-            <a:r>
-              <a:rPr lang="en-US" dirty="0"/>
-              <a:t>email: 'jenparker1975@gmail.com', </a:t>
-            </a:r>
-          </a:p>
-          <a:p>
-            <a:r>
-              <a:rPr lang="en-US" dirty="0" err="1"/>
-              <a:t>github:'https</a:t>
-            </a:r>
-            <a:r>
-              <a:rPr lang="en-US" dirty="0"/>
-              <a:t>://github.com/jenparker1975'})</a:t>
-            </a:r>
-          </a:p>
-          <a:p>
-            <a:r>
-              <a:rPr lang="en-US" dirty="0"/>
-              <a:t> – [:WORKS_AT {since: 2013}] -&gt; (</a:t>
-            </a:r>
-            <a:r>
-              <a:rPr lang="en-US" dirty="0" err="1"/>
-              <a:t>company:Company</a:t>
-            </a:r>
-            <a:r>
-              <a:rPr lang="en-US" dirty="0"/>
-              <a:t> {name: 'HealthcareSource', </a:t>
-            </a:r>
-          </a:p>
-          <a:p>
-            <a:r>
-              <a:rPr lang="en-US" dirty="0"/>
-              <a:t>tag: 'Leading provider of talent management solutions for Healthcare' }) </a:t>
-            </a:r>
-          </a:p>
-          <a:p>
-            <a:r>
-              <a:rPr lang="en-US" dirty="0"/>
-              <a:t>RETURN p </a:t>
-            </a:r>
-          </a:p>
-          <a:p>
-            <a:endParaRPr lang="en-US" dirty="0"/>
-          </a:p>
-          <a:p>
-            <a:r>
-              <a:rPr lang="en-US" dirty="0"/>
-              <a:t>MATCH (</a:t>
-            </a:r>
-            <a:r>
-              <a:rPr lang="en-US" dirty="0" err="1"/>
-              <a:t>person:Person</a:t>
-            </a:r>
-            <a:r>
-              <a:rPr lang="en-US" dirty="0"/>
-              <a:t> {name: 'Jen'}) </a:t>
-            </a:r>
-          </a:p>
-          <a:p>
-            <a:r>
-              <a:rPr lang="en-US" dirty="0"/>
-              <a:t>CREATE (person) -[:IS_LEARNING]-&gt;(</a:t>
-            </a:r>
-            <a:r>
-              <a:rPr lang="en-US" dirty="0" err="1"/>
-              <a:t>technology:Technology</a:t>
-            </a:r>
-            <a:r>
-              <a:rPr lang="en-US" dirty="0"/>
-              <a:t> {name: 'Neo4j'})</a:t>
-            </a:r>
-          </a:p>
-        </p:txBody>
-      </p:sp>
-      <p:pic>
-        <p:nvPicPr>
-          <p:cNvPr id="4" name="Picture 3"/>
-          <p:cNvPicPr>
-            <a:picLocks noChangeAspect="1"/>
-          </p:cNvPicPr>
-          <p:nvPr/>
-        </p:nvPicPr>
-        <p:blipFill>
-          <a:blip r:embed="rId3"/>
-          <a:stretch>
-            <a:fillRect/>
-          </a:stretch>
-        </p:blipFill>
-        <p:spPr>
-          <a:xfrm>
-            <a:off x="6443956" y="0"/>
-            <a:ext cx="6152620" cy="6858000"/>
-          </a:xfrm>
-          <a:prstGeom prst="rect">
-            <a:avLst/>
-          </a:prstGeom>
-        </p:spPr>
-      </p:pic>
-    </p:spTree>
-    <p:extLst>
-      <p:ext uri="{BB962C8B-B14F-4D97-AF65-F5344CB8AC3E}">
-        <p14:creationId xmlns:p14="http://schemas.microsoft.com/office/powerpoint/2010/main" val="16365372"/>
-      </p:ext>
-    </p:extLst>
-  </p:cSld>
-  <p:clrMapOvr>
-    <a:masterClrMapping/>
-  </p:clrMapOvr>
-</p:sld>
-</file>
-
-<file path=ppt/slides/slide30.xml><?xml version="1.0" encoding="utf-8"?>
+<file path=ppt/slides/slide28.xml><?xml version="1.0" encoding="utf-8"?>
 <p:sld xmlns:a="http://schemas.openxmlformats.org/drawingml/2006/main" xmlns:r="http://schemas.openxmlformats.org/officeDocument/2006/relationships" xmlns:p="http://schemas.openxmlformats.org/presentationml/2006/main">
   <p:cSld>
     <p:spTree>
@@ -33526,7 +31747,7 @@
 </p:sld>
 </file>
 
-<file path=ppt/slides/slide31.xml><?xml version="1.0" encoding="utf-8"?>
+<file path=ppt/slides/slide29.xml><?xml version="1.0" encoding="utf-8"?>
 <p:sld xmlns:a="http://schemas.openxmlformats.org/drawingml/2006/main" xmlns:r="http://schemas.openxmlformats.org/officeDocument/2006/relationships" xmlns:p="http://schemas.openxmlformats.org/presentationml/2006/main">
   <p:cSld>
     <p:spTree>
@@ -33580,7 +31801,236 @@
 </p:sld>
 </file>
 
-<file path=ppt/slides/slide32.xml><?xml version="1.0" encoding="utf-8"?>
+<file path=ppt/slides/slide3.xml><?xml version="1.0" encoding="utf-8"?>
+<p:sld xmlns:a="http://schemas.openxmlformats.org/drawingml/2006/main" xmlns:r="http://schemas.openxmlformats.org/officeDocument/2006/relationships" xmlns:p="http://schemas.openxmlformats.org/presentationml/2006/main">
+  <p:cSld>
+    <p:spTree>
+      <p:nvGrpSpPr>
+        <p:cNvPr id="1" name=""/>
+        <p:cNvGrpSpPr/>
+        <p:nvPr/>
+      </p:nvGrpSpPr>
+      <p:grpSpPr>
+        <a:xfrm>
+          <a:off x="0" y="0"/>
+          <a:ext cx="0" cy="0"/>
+          <a:chOff x="0" y="0"/>
+          <a:chExt cx="0" cy="0"/>
+        </a:xfrm>
+      </p:grpSpPr>
+      <p:sp>
+        <p:nvSpPr>
+          <p:cNvPr id="2" name="Title 1"/>
+          <p:cNvSpPr>
+            <a:spLocks noGrp="1"/>
+          </p:cNvSpPr>
+          <p:nvPr>
+            <p:ph type="title"/>
+          </p:nvPr>
+        </p:nvSpPr>
+        <p:spPr/>
+        <p:txBody>
+          <a:bodyPr/>
+          <a:lstStyle/>
+          <a:p>
+            <a:r>
+              <a:rPr lang="en-US" dirty="0"/>
+              <a:t>agenda</a:t>
+            </a:r>
+          </a:p>
+        </p:txBody>
+      </p:sp>
+      <p:sp>
+        <p:nvSpPr>
+          <p:cNvPr id="3" name="Content Placeholder 2"/>
+          <p:cNvSpPr>
+            <a:spLocks noGrp="1"/>
+          </p:cNvSpPr>
+          <p:nvPr>
+            <p:ph idx="1"/>
+          </p:nvPr>
+        </p:nvSpPr>
+        <p:spPr/>
+        <p:txBody>
+          <a:bodyPr/>
+          <a:lstStyle/>
+          <a:p>
+            <a:pPr marL="342900" indent="-342900">
+              <a:buFont typeface="+mj-lt"/>
+              <a:buAutoNum type="arabicPeriod"/>
+            </a:pPr>
+            <a:r>
+              <a:rPr lang="en-US" dirty="0">
+                <a:solidFill>
+                  <a:schemeClr val="accent1">
+                    <a:lumMod val="75000"/>
+                  </a:schemeClr>
+                </a:solidFill>
+              </a:rPr>
+              <a:t>What’s a graph DB anyway?</a:t>
+            </a:r>
+          </a:p>
+          <a:p>
+            <a:pPr marL="342900" indent="-342900">
+              <a:buFont typeface="+mj-lt"/>
+              <a:buAutoNum type="arabicPeriod"/>
+            </a:pPr>
+            <a:r>
+              <a:rPr lang="en-US" dirty="0">
+                <a:solidFill>
+                  <a:schemeClr val="accent1">
+                    <a:lumMod val="75000"/>
+                  </a:schemeClr>
+                </a:solidFill>
+              </a:rPr>
+              <a:t>Core Concepts</a:t>
+            </a:r>
+          </a:p>
+          <a:p>
+            <a:pPr marL="342900" indent="-342900">
+              <a:buFont typeface="+mj-lt"/>
+              <a:buAutoNum type="arabicPeriod"/>
+            </a:pPr>
+            <a:r>
+              <a:rPr lang="en-US" dirty="0">
+                <a:solidFill>
+                  <a:schemeClr val="accent1">
+                    <a:lumMod val="75000"/>
+                  </a:schemeClr>
+                </a:solidFill>
+              </a:rPr>
+              <a:t>DBs with Benefits…</a:t>
+            </a:r>
+          </a:p>
+          <a:p>
+            <a:pPr marL="342900" indent="-342900">
+              <a:buFont typeface="+mj-lt"/>
+              <a:buAutoNum type="arabicPeriod"/>
+            </a:pPr>
+            <a:r>
+              <a:rPr lang="en-US" dirty="0">
+                <a:solidFill>
+                  <a:schemeClr val="accent1">
+                    <a:lumMod val="75000"/>
+                  </a:schemeClr>
+                </a:solidFill>
+              </a:rPr>
+              <a:t>Popular </a:t>
+            </a:r>
+            <a:r>
+              <a:rPr lang="en-US" dirty="0" err="1">
+                <a:solidFill>
+                  <a:schemeClr val="accent1">
+                    <a:lumMod val="75000"/>
+                  </a:schemeClr>
+                </a:solidFill>
+              </a:rPr>
+              <a:t>GraphDB</a:t>
+            </a:r>
+            <a:r>
+              <a:rPr lang="en-US" dirty="0">
+                <a:solidFill>
+                  <a:schemeClr val="accent1">
+                    <a:lumMod val="75000"/>
+                  </a:schemeClr>
+                </a:solidFill>
+              </a:rPr>
+              <a:t> Engines</a:t>
+            </a:r>
+          </a:p>
+          <a:p>
+            <a:pPr marL="342900" indent="-342900">
+              <a:buFont typeface="+mj-lt"/>
+              <a:buAutoNum type="arabicPeriod"/>
+            </a:pPr>
+            <a:r>
+              <a:rPr lang="en-US" dirty="0">
+                <a:solidFill>
+                  <a:schemeClr val="accent1">
+                    <a:lumMod val="75000"/>
+                  </a:schemeClr>
+                </a:solidFill>
+              </a:rPr>
+              <a:t>Complex Use Cases</a:t>
+            </a:r>
+          </a:p>
+          <a:p>
+            <a:pPr marL="342900" indent="-342900">
+              <a:buFont typeface="+mj-lt"/>
+              <a:buAutoNum type="arabicPeriod"/>
+            </a:pPr>
+            <a:r>
+              <a:rPr lang="en-US" dirty="0" err="1">
+                <a:solidFill>
+                  <a:schemeClr val="accent1">
+                    <a:lumMod val="75000"/>
+                  </a:schemeClr>
+                </a:solidFill>
+              </a:rPr>
+              <a:t>Diabook</a:t>
+            </a:r>
+            <a:r>
+              <a:rPr lang="en-US" dirty="0">
+                <a:solidFill>
+                  <a:schemeClr val="accent1">
+                    <a:lumMod val="75000"/>
+                  </a:schemeClr>
+                </a:solidFill>
+              </a:rPr>
+              <a:t> – Social Network</a:t>
+            </a:r>
+          </a:p>
+          <a:p>
+            <a:pPr marL="342900" indent="-342900">
+              <a:buFont typeface="+mj-lt"/>
+              <a:buAutoNum type="arabicPeriod"/>
+            </a:pPr>
+            <a:r>
+              <a:rPr lang="en-US" dirty="0">
+                <a:solidFill>
+                  <a:schemeClr val="accent1">
+                    <a:lumMod val="75000"/>
+                  </a:schemeClr>
+                </a:solidFill>
+              </a:rPr>
+              <a:t>Building the Network</a:t>
+            </a:r>
+          </a:p>
+          <a:p>
+            <a:pPr marL="342900" indent="-342900">
+              <a:buFont typeface="+mj-lt"/>
+              <a:buAutoNum type="arabicPeriod"/>
+            </a:pPr>
+            <a:r>
+              <a:rPr lang="en-US" dirty="0">
+                <a:solidFill>
+                  <a:schemeClr val="accent1">
+                    <a:lumMod val="75000"/>
+                  </a:schemeClr>
+                </a:solidFill>
+              </a:rPr>
+              <a:t>Questions/Links</a:t>
+            </a:r>
+          </a:p>
+          <a:p>
+            <a:endParaRPr lang="en-US" dirty="0"/>
+          </a:p>
+        </p:txBody>
+      </p:sp>
+    </p:spTree>
+    <p:extLst>
+      <p:ext uri="{BB962C8B-B14F-4D97-AF65-F5344CB8AC3E}">
+        <p14:creationId xmlns:p14="http://schemas.microsoft.com/office/powerpoint/2010/main" val="3947646928"/>
+      </p:ext>
+    </p:extLst>
+  </p:cSld>
+  <p:clrMapOvr>
+    <a:masterClrMapping/>
+  </p:clrMapOvr>
+</p:sld>
+</file>
+
+<file path=ppt/slides/slide30.xml><?xml version="1.0" encoding="utf-8"?>
 <p:sld xmlns:a="http://schemas.openxmlformats.org/drawingml/2006/main" xmlns:r="http://schemas.openxmlformats.org/officeDocument/2006/relationships" xmlns:p="http://schemas.openxmlformats.org/presentationml/2006/main">
   <p:cSld>
     <p:spTree>
@@ -33917,7 +32367,7 @@
 </p:sld>
 </file>
 
-<file path=ppt/slides/slide33.xml><?xml version="1.0" encoding="utf-8"?>
+<file path=ppt/slides/slide31.xml><?xml version="1.0" encoding="utf-8"?>
 <p:sld xmlns:a="http://schemas.openxmlformats.org/drawingml/2006/main" xmlns:r="http://schemas.openxmlformats.org/officeDocument/2006/relationships" xmlns:p="http://schemas.openxmlformats.org/presentationml/2006/main">
   <p:cSld>
     <p:spTree>
@@ -34291,7 +32741,7 @@
 </p:sld>
 </file>
 
-<file path=ppt/slides/slide34.xml><?xml version="1.0" encoding="utf-8"?>
+<file path=ppt/slides/slide32.xml><?xml version="1.0" encoding="utf-8"?>
 <p:sld xmlns:a="http://schemas.openxmlformats.org/drawingml/2006/main" xmlns:r="http://schemas.openxmlformats.org/officeDocument/2006/relationships" xmlns:p="http://schemas.openxmlformats.org/presentationml/2006/main">
   <p:cSld>
     <p:spTree>
@@ -34371,7 +32821,7 @@
 </p:sld>
 </file>
 
-<file path=ppt/slides/slide35.xml><?xml version="1.0" encoding="utf-8"?>
+<file path=ppt/slides/slide33.xml><?xml version="1.0" encoding="utf-8"?>
 <p:sld xmlns:a="http://schemas.openxmlformats.org/drawingml/2006/main" xmlns:r="http://schemas.openxmlformats.org/officeDocument/2006/relationships" xmlns:p="http://schemas.openxmlformats.org/presentationml/2006/main">
   <p:cSld>
     <p:spTree>
@@ -34856,7 +33306,7 @@
 </p:sld>
 </file>
 
-<file path=ppt/slides/slide36.xml><?xml version="1.0" encoding="utf-8"?>
+<file path=ppt/slides/slide34.xml><?xml version="1.0" encoding="utf-8"?>
 <p:sld xmlns:a="http://schemas.openxmlformats.org/drawingml/2006/main" xmlns:r="http://schemas.openxmlformats.org/officeDocument/2006/relationships" xmlns:p="http://schemas.openxmlformats.org/presentationml/2006/main">
   <p:cSld>
     <p:spTree>
@@ -34931,7 +33381,7 @@
 </p:sld>
 </file>
 
-<file path=ppt/slides/slide37.xml><?xml version="1.0" encoding="utf-8"?>
+<file path=ppt/slides/slide35.xml><?xml version="1.0" encoding="utf-8"?>
 <p:sld xmlns:a="http://schemas.openxmlformats.org/drawingml/2006/main" xmlns:r="http://schemas.openxmlformats.org/officeDocument/2006/relationships" xmlns:p="http://schemas.openxmlformats.org/presentationml/2006/main">
   <p:cSld>
     <p:spTree>
@@ -35006,7 +33456,7 @@
 </p:sld>
 </file>
 
-<file path=ppt/slides/slide38.xml><?xml version="1.0" encoding="utf-8"?>
+<file path=ppt/slides/slide36.xml><?xml version="1.0" encoding="utf-8"?>
 <p:sld xmlns:a="http://schemas.openxmlformats.org/drawingml/2006/main" xmlns:r="http://schemas.openxmlformats.org/officeDocument/2006/relationships" xmlns:p="http://schemas.openxmlformats.org/presentationml/2006/main">
   <p:cSld>
     <p:spTree>
@@ -35126,7 +33576,7 @@
 </p:sld>
 </file>
 
-<file path=ppt/slides/slide39.xml><?xml version="1.0" encoding="utf-8"?>
+<file path=ppt/slides/slide37.xml><?xml version="1.0" encoding="utf-8"?>
 <p:sld xmlns:a="http://schemas.openxmlformats.org/drawingml/2006/main" xmlns:r="http://schemas.openxmlformats.org/officeDocument/2006/relationships" xmlns:p="http://schemas.openxmlformats.org/presentationml/2006/main">
   <p:cSld>
     <p:spTree>
@@ -35457,236 +33907,7 @@
 </p:sld>
 </file>
 
-<file path=ppt/slides/slide4.xml><?xml version="1.0" encoding="utf-8"?>
-<p:sld xmlns:a="http://schemas.openxmlformats.org/drawingml/2006/main" xmlns:r="http://schemas.openxmlformats.org/officeDocument/2006/relationships" xmlns:p="http://schemas.openxmlformats.org/presentationml/2006/main">
-  <p:cSld>
-    <p:spTree>
-      <p:nvGrpSpPr>
-        <p:cNvPr id="1" name=""/>
-        <p:cNvGrpSpPr/>
-        <p:nvPr/>
-      </p:nvGrpSpPr>
-      <p:grpSpPr>
-        <a:xfrm>
-          <a:off x="0" y="0"/>
-          <a:ext cx="0" cy="0"/>
-          <a:chOff x="0" y="0"/>
-          <a:chExt cx="0" cy="0"/>
-        </a:xfrm>
-      </p:grpSpPr>
-      <p:sp>
-        <p:nvSpPr>
-          <p:cNvPr id="2" name="Title 1"/>
-          <p:cNvSpPr>
-            <a:spLocks noGrp="1"/>
-          </p:cNvSpPr>
-          <p:nvPr>
-            <p:ph type="title"/>
-          </p:nvPr>
-        </p:nvSpPr>
-        <p:spPr/>
-        <p:txBody>
-          <a:bodyPr/>
-          <a:lstStyle/>
-          <a:p>
-            <a:r>
-              <a:rPr lang="en-US" dirty="0"/>
-              <a:t>agenda</a:t>
-            </a:r>
-          </a:p>
-        </p:txBody>
-      </p:sp>
-      <p:sp>
-        <p:nvSpPr>
-          <p:cNvPr id="3" name="Content Placeholder 2"/>
-          <p:cNvSpPr>
-            <a:spLocks noGrp="1"/>
-          </p:cNvSpPr>
-          <p:nvPr>
-            <p:ph idx="1"/>
-          </p:nvPr>
-        </p:nvSpPr>
-        <p:spPr/>
-        <p:txBody>
-          <a:bodyPr/>
-          <a:lstStyle/>
-          <a:p>
-            <a:pPr marL="342900" indent="-342900">
-              <a:buFont typeface="+mj-lt"/>
-              <a:buAutoNum type="arabicPeriod"/>
-            </a:pPr>
-            <a:r>
-              <a:rPr lang="en-US" dirty="0">
-                <a:solidFill>
-                  <a:schemeClr val="accent1">
-                    <a:lumMod val="75000"/>
-                  </a:schemeClr>
-                </a:solidFill>
-              </a:rPr>
-              <a:t>What’s a graph DB anyway?</a:t>
-            </a:r>
-          </a:p>
-          <a:p>
-            <a:pPr marL="342900" indent="-342900">
-              <a:buFont typeface="+mj-lt"/>
-              <a:buAutoNum type="arabicPeriod"/>
-            </a:pPr>
-            <a:r>
-              <a:rPr lang="en-US" dirty="0">
-                <a:solidFill>
-                  <a:schemeClr val="accent1">
-                    <a:lumMod val="75000"/>
-                  </a:schemeClr>
-                </a:solidFill>
-              </a:rPr>
-              <a:t>Core Concepts</a:t>
-            </a:r>
-          </a:p>
-          <a:p>
-            <a:pPr marL="342900" indent="-342900">
-              <a:buFont typeface="+mj-lt"/>
-              <a:buAutoNum type="arabicPeriod"/>
-            </a:pPr>
-            <a:r>
-              <a:rPr lang="en-US" dirty="0">
-                <a:solidFill>
-                  <a:schemeClr val="accent1">
-                    <a:lumMod val="75000"/>
-                  </a:schemeClr>
-                </a:solidFill>
-              </a:rPr>
-              <a:t>DBs with Benefits…</a:t>
-            </a:r>
-          </a:p>
-          <a:p>
-            <a:pPr marL="342900" indent="-342900">
-              <a:buFont typeface="+mj-lt"/>
-              <a:buAutoNum type="arabicPeriod"/>
-            </a:pPr>
-            <a:r>
-              <a:rPr lang="en-US" dirty="0">
-                <a:solidFill>
-                  <a:schemeClr val="accent1">
-                    <a:lumMod val="75000"/>
-                  </a:schemeClr>
-                </a:solidFill>
-              </a:rPr>
-              <a:t>Popular </a:t>
-            </a:r>
-            <a:r>
-              <a:rPr lang="en-US" dirty="0" err="1">
-                <a:solidFill>
-                  <a:schemeClr val="accent1">
-                    <a:lumMod val="75000"/>
-                  </a:schemeClr>
-                </a:solidFill>
-              </a:rPr>
-              <a:t>GraphDB</a:t>
-            </a:r>
-            <a:r>
-              <a:rPr lang="en-US" dirty="0">
-                <a:solidFill>
-                  <a:schemeClr val="accent1">
-                    <a:lumMod val="75000"/>
-                  </a:schemeClr>
-                </a:solidFill>
-              </a:rPr>
-              <a:t> Engines</a:t>
-            </a:r>
-          </a:p>
-          <a:p>
-            <a:pPr marL="342900" indent="-342900">
-              <a:buFont typeface="+mj-lt"/>
-              <a:buAutoNum type="arabicPeriod"/>
-            </a:pPr>
-            <a:r>
-              <a:rPr lang="en-US" dirty="0">
-                <a:solidFill>
-                  <a:schemeClr val="accent1">
-                    <a:lumMod val="75000"/>
-                  </a:schemeClr>
-                </a:solidFill>
-              </a:rPr>
-              <a:t>Complex Use Cases</a:t>
-            </a:r>
-          </a:p>
-          <a:p>
-            <a:pPr marL="342900" indent="-342900">
-              <a:buFont typeface="+mj-lt"/>
-              <a:buAutoNum type="arabicPeriod"/>
-            </a:pPr>
-            <a:r>
-              <a:rPr lang="en-US" dirty="0" err="1">
-                <a:solidFill>
-                  <a:schemeClr val="accent1">
-                    <a:lumMod val="75000"/>
-                  </a:schemeClr>
-                </a:solidFill>
-              </a:rPr>
-              <a:t>Diabook</a:t>
-            </a:r>
-            <a:r>
-              <a:rPr lang="en-US" dirty="0">
-                <a:solidFill>
-                  <a:schemeClr val="accent1">
-                    <a:lumMod val="75000"/>
-                  </a:schemeClr>
-                </a:solidFill>
-              </a:rPr>
-              <a:t> – Social Network</a:t>
-            </a:r>
-          </a:p>
-          <a:p>
-            <a:pPr marL="342900" indent="-342900">
-              <a:buFont typeface="+mj-lt"/>
-              <a:buAutoNum type="arabicPeriod"/>
-            </a:pPr>
-            <a:r>
-              <a:rPr lang="en-US" dirty="0">
-                <a:solidFill>
-                  <a:schemeClr val="accent1">
-                    <a:lumMod val="75000"/>
-                  </a:schemeClr>
-                </a:solidFill>
-              </a:rPr>
-              <a:t>Building the Network</a:t>
-            </a:r>
-          </a:p>
-          <a:p>
-            <a:pPr marL="342900" indent="-342900">
-              <a:buFont typeface="+mj-lt"/>
-              <a:buAutoNum type="arabicPeriod"/>
-            </a:pPr>
-            <a:r>
-              <a:rPr lang="en-US" dirty="0">
-                <a:solidFill>
-                  <a:schemeClr val="accent1">
-                    <a:lumMod val="75000"/>
-                  </a:schemeClr>
-                </a:solidFill>
-              </a:rPr>
-              <a:t>Questions/Links</a:t>
-            </a:r>
-          </a:p>
-          <a:p>
-            <a:endParaRPr lang="en-US" dirty="0"/>
-          </a:p>
-        </p:txBody>
-      </p:sp>
-    </p:spTree>
-    <p:extLst>
-      <p:ext uri="{BB962C8B-B14F-4D97-AF65-F5344CB8AC3E}">
-        <p14:creationId xmlns:p14="http://schemas.microsoft.com/office/powerpoint/2010/main" val="3947646928"/>
-      </p:ext>
-    </p:extLst>
-  </p:cSld>
-  <p:clrMapOvr>
-    <a:masterClrMapping/>
-  </p:clrMapOvr>
-</p:sld>
-</file>
-
-<file path=ppt/slides/slide40.xml><?xml version="1.0" encoding="utf-8"?>
+<file path=ppt/slides/slide38.xml><?xml version="1.0" encoding="utf-8"?>
 <p:sld xmlns:a="http://schemas.openxmlformats.org/drawingml/2006/main" xmlns:r="http://schemas.openxmlformats.org/officeDocument/2006/relationships" xmlns:p="http://schemas.openxmlformats.org/presentationml/2006/main">
   <p:cSld>
     <p:spTree>
@@ -36362,7 +34583,7 @@
 </p:sld>
 </file>
 
-<file path=ppt/slides/slide41.xml><?xml version="1.0" encoding="utf-8"?>
+<file path=ppt/slides/slide39.xml><?xml version="1.0" encoding="utf-8"?>
 <p:sld xmlns:a="http://schemas.openxmlformats.org/drawingml/2006/main" xmlns:r="http://schemas.openxmlformats.org/officeDocument/2006/relationships" xmlns:p="http://schemas.openxmlformats.org/presentationml/2006/main">
   <p:cSld>
     <p:spTree>
@@ -36633,7 +34854,296 @@
 </p:sld>
 </file>
 
-<file path=ppt/slides/slide42.xml><?xml version="1.0" encoding="utf-8"?>
+<file path=ppt/slides/slide4.xml><?xml version="1.0" encoding="utf-8"?>
+<p:sld xmlns:a="http://schemas.openxmlformats.org/drawingml/2006/main" xmlns:r="http://schemas.openxmlformats.org/officeDocument/2006/relationships" xmlns:p="http://schemas.openxmlformats.org/presentationml/2006/main">
+  <p:cSld>
+    <p:spTree>
+      <p:nvGrpSpPr>
+        <p:cNvPr id="1" name=""/>
+        <p:cNvGrpSpPr/>
+        <p:nvPr/>
+      </p:nvGrpSpPr>
+      <p:grpSpPr>
+        <a:xfrm>
+          <a:off x="0" y="0"/>
+          <a:ext cx="0" cy="0"/>
+          <a:chOff x="0" y="0"/>
+          <a:chExt cx="0" cy="0"/>
+        </a:xfrm>
+      </p:grpSpPr>
+      <p:sp>
+        <p:nvSpPr>
+          <p:cNvPr id="7" name="Rectangle 6"/>
+          <p:cNvSpPr>
+            <a:spLocks noGrp="1" noRot="1" noChangeAspect="1" noMove="1" noResize="1" noEditPoints="1" noAdjustHandles="1" noChangeArrowheads="1" noChangeShapeType="1" noTextEdit="1"/>
+          </p:cNvSpPr>
+          <p:nvPr>
+            <p:extLst>
+              <p:ext uri="{386F3935-93C4-4BCD-93E2-E3B085C9AB24}">
+                <p16:designElem xmlns:p16="http://schemas.microsoft.com/office/powerpoint/2015/main" val="1"/>
+              </p:ext>
+            </p:extLst>
+          </p:nvPr>
+        </p:nvSpPr>
+        <p:spPr>
+          <a:xfrm flipH="1">
+            <a:off x="0" y="0"/>
+            <a:ext cx="12188726" cy="6858975"/>
+          </a:xfrm>
+          <a:prstGeom prst="rect">
+            <a:avLst/>
+          </a:prstGeom>
+          <a:solidFill>
+            <a:schemeClr val="bg1"/>
+          </a:solidFill>
+          <a:ln>
+            <a:noFill/>
+          </a:ln>
+        </p:spPr>
+        <p:style>
+          <a:lnRef idx="2">
+            <a:schemeClr val="accent1">
+              <a:shade val="50000"/>
+            </a:schemeClr>
+          </a:lnRef>
+          <a:fillRef idx="1">
+            <a:schemeClr val="accent1"/>
+          </a:fillRef>
+          <a:effectRef idx="0">
+            <a:schemeClr val="accent1"/>
+          </a:effectRef>
+          <a:fontRef idx="minor">
+            <a:schemeClr val="lt1"/>
+          </a:fontRef>
+        </p:style>
+        <p:txBody>
+          <a:bodyPr rtlCol="0" anchor="ctr"/>
+          <a:lstStyle/>
+          <a:p>
+            <a:pPr algn="ctr"/>
+            <a:endParaRPr lang="en-US"/>
+          </a:p>
+        </p:txBody>
+      </p:sp>
+      <p:sp>
+        <p:nvSpPr>
+          <p:cNvPr id="9" name="Rectangle 8"/>
+          <p:cNvSpPr>
+            <a:spLocks noGrp="1" noRot="1" noChangeAspect="1" noMove="1" noResize="1" noEditPoints="1" noAdjustHandles="1" noChangeArrowheads="1" noChangeShapeType="1" noTextEdit="1"/>
+          </p:cNvSpPr>
+          <p:nvPr>
+            <p:extLst>
+              <p:ext uri="{386F3935-93C4-4BCD-93E2-E3B085C9AB24}">
+                <p16:designElem xmlns:p16="http://schemas.microsoft.com/office/powerpoint/2015/main" val="1"/>
+              </p:ext>
+            </p:extLst>
+          </p:nvPr>
+        </p:nvSpPr>
+        <p:spPr>
+          <a:xfrm>
+            <a:off x="5109343" y="620720"/>
+            <a:ext cx="6442480" cy="5593163"/>
+          </a:xfrm>
+          <a:prstGeom prst="rect">
+            <a:avLst/>
+          </a:prstGeom>
+          <a:solidFill>
+            <a:schemeClr val="tx1">
+              <a:lumMod val="75000"/>
+              <a:lumOff val="25000"/>
+            </a:schemeClr>
+          </a:solidFill>
+          <a:ln>
+            <a:noFill/>
+          </a:ln>
+        </p:spPr>
+        <p:style>
+          <a:lnRef idx="2">
+            <a:schemeClr val="accent1">
+              <a:shade val="50000"/>
+            </a:schemeClr>
+          </a:lnRef>
+          <a:fillRef idx="1">
+            <a:schemeClr val="accent1"/>
+          </a:fillRef>
+          <a:effectRef idx="0">
+            <a:schemeClr val="accent1"/>
+          </a:effectRef>
+          <a:fontRef idx="minor">
+            <a:schemeClr val="lt1"/>
+          </a:fontRef>
+        </p:style>
+        <p:txBody>
+          <a:bodyPr rtlCol="0" anchor="ctr"/>
+          <a:lstStyle/>
+          <a:p>
+            <a:pPr algn="ctr"/>
+            <a:endParaRPr lang="en-US"/>
+          </a:p>
+        </p:txBody>
+      </p:sp>
+      <p:cxnSp>
+        <p:nvCxnSpPr>
+          <p:cNvPr id="11" name="Straight Connector 10"/>
+          <p:cNvCxnSpPr>
+            <a:cxnSpLocks noGrp="1" noRot="1" noChangeAspect="1" noMove="1" noResize="1" noEditPoints="1" noAdjustHandles="1" noChangeArrowheads="1" noChangeShapeType="1"/>
+          </p:cNvCxnSpPr>
+          <p:nvPr>
+            <p:extLst>
+              <p:ext uri="{386F3935-93C4-4BCD-93E2-E3B085C9AB24}">
+                <p16:designElem xmlns:p16="http://schemas.microsoft.com/office/powerpoint/2015/main" val="1"/>
+              </p:ext>
+            </p:extLst>
+          </p:nvPr>
+        </p:nvCxnSpPr>
+        <p:spPr>
+          <a:xfrm>
+            <a:off x="5609960" y="4214336"/>
+            <a:ext cx="5120640" cy="0"/>
+          </a:xfrm>
+          <a:prstGeom prst="line">
+            <a:avLst/>
+          </a:prstGeom>
+          <a:ln w="19050">
+            <a:solidFill>
+              <a:schemeClr val="bg1"/>
+            </a:solidFill>
+          </a:ln>
+        </p:spPr>
+        <p:style>
+          <a:lnRef idx="1">
+            <a:schemeClr val="accent1"/>
+          </a:lnRef>
+          <a:fillRef idx="0">
+            <a:schemeClr val="accent1"/>
+          </a:fillRef>
+          <a:effectRef idx="0">
+            <a:schemeClr val="accent1"/>
+          </a:effectRef>
+          <a:fontRef idx="minor">
+            <a:schemeClr val="tx1"/>
+          </a:fontRef>
+        </p:style>
+      </p:cxnSp>
+      <p:sp>
+        <p:nvSpPr>
+          <p:cNvPr id="13" name="Rectangle 12"/>
+          <p:cNvSpPr>
+            <a:spLocks noGrp="1" noRot="1" noChangeAspect="1" noMove="1" noResize="1" noEditPoints="1" noAdjustHandles="1" noChangeArrowheads="1" noChangeShapeType="1" noTextEdit="1"/>
+          </p:cNvSpPr>
+          <p:nvPr>
+            <p:extLst>
+              <p:ext uri="{386F3935-93C4-4BCD-93E2-E3B085C9AB24}">
+                <p16:designElem xmlns:p16="http://schemas.microsoft.com/office/powerpoint/2015/main" val="1"/>
+              </p:ext>
+            </p:extLst>
+          </p:nvPr>
+        </p:nvSpPr>
+        <p:spPr>
+          <a:xfrm>
+            <a:off x="643467" y="621695"/>
+            <a:ext cx="4305009" cy="5592188"/>
+          </a:xfrm>
+          <a:prstGeom prst="rect">
+            <a:avLst/>
+          </a:prstGeom>
+          <a:blipFill dpi="0" rotWithShape="1">
+            <a:blip r:embed="rId3">
+              <a:duotone>
+                <a:schemeClr val="accent1">
+                  <a:shade val="45000"/>
+                  <a:satMod val="135000"/>
+                </a:schemeClr>
+                <a:prstClr val="white"/>
+              </a:duotone>
+            </a:blip>
+            <a:srcRect/>
+            <a:tile tx="-444500" ty="-127000" sx="50000" sy="50000" flip="xy" algn="tl"/>
+          </a:blipFill>
+          <a:ln>
+            <a:noFill/>
+          </a:ln>
+        </p:spPr>
+        <p:style>
+          <a:lnRef idx="2">
+            <a:schemeClr val="accent1">
+              <a:shade val="50000"/>
+            </a:schemeClr>
+          </a:lnRef>
+          <a:fillRef idx="1">
+            <a:schemeClr val="accent1"/>
+          </a:fillRef>
+          <a:effectRef idx="0">
+            <a:schemeClr val="accent1"/>
+          </a:effectRef>
+          <a:fontRef idx="minor">
+            <a:schemeClr val="lt1"/>
+          </a:fontRef>
+        </p:style>
+        <p:txBody>
+          <a:bodyPr rtlCol="0" anchor="ctr"/>
+          <a:lstStyle/>
+          <a:p>
+            <a:pPr lvl="0" algn="ctr"/>
+            <a:endParaRPr lang="en-US" dirty="0">
+              <a:solidFill>
+                <a:prstClr val="white"/>
+              </a:solidFill>
+            </a:endParaRPr>
+          </a:p>
+        </p:txBody>
+      </p:sp>
+      <p:sp>
+        <p:nvSpPr>
+          <p:cNvPr id="2" name="Title 1"/>
+          <p:cNvSpPr>
+            <a:spLocks noGrp="1"/>
+          </p:cNvSpPr>
+          <p:nvPr>
+            <p:ph type="ctrTitle"/>
+          </p:nvPr>
+        </p:nvSpPr>
+        <p:spPr>
+          <a:xfrm>
+            <a:off x="5590120" y="1105351"/>
+            <a:ext cx="5477071" cy="3023981"/>
+          </a:xfrm>
+        </p:spPr>
+        <p:txBody>
+          <a:bodyPr anchor="b">
+            <a:normAutofit/>
+          </a:bodyPr>
+          <a:lstStyle/>
+          <a:p>
+            <a:pPr algn="l"/>
+            <a:r>
+              <a:rPr lang="en-US" sz="4400">
+                <a:solidFill>
+                  <a:schemeClr val="bg1"/>
+                </a:solidFill>
+              </a:rPr>
+              <a:t>What’s a GraphDB Anyway?</a:t>
+            </a:r>
+          </a:p>
+        </p:txBody>
+      </p:sp>
+    </p:spTree>
+    <p:extLst>
+      <p:ext uri="{BB962C8B-B14F-4D97-AF65-F5344CB8AC3E}">
+        <p14:creationId xmlns:p14="http://schemas.microsoft.com/office/powerpoint/2010/main" val="1597194294"/>
+      </p:ext>
+    </p:extLst>
+  </p:cSld>
+  <p:clrMapOvr>
+    <a:masterClrMapping/>
+  </p:clrMapOvr>
+  <p:transition spd="slow">
+    <p:wipe/>
+  </p:transition>
+</p:sld>
+</file>
+
+<file path=ppt/slides/slide40.xml><?xml version="1.0" encoding="utf-8"?>
 <p:sld xmlns:a="http://schemas.openxmlformats.org/drawingml/2006/main" xmlns:r="http://schemas.openxmlformats.org/officeDocument/2006/relationships" xmlns:p="http://schemas.openxmlformats.org/presentationml/2006/main">
   <p:cSld>
     <p:spTree>
@@ -36898,7 +35408,7 @@
 </p:sld>
 </file>
 
-<file path=ppt/slides/slide43.xml><?xml version="1.0" encoding="utf-8"?>
+<file path=ppt/slides/slide41.xml><?xml version="1.0" encoding="utf-8"?>
 <p:sld xmlns:a="http://schemas.openxmlformats.org/drawingml/2006/main" xmlns:r="http://schemas.openxmlformats.org/officeDocument/2006/relationships" xmlns:p="http://schemas.openxmlformats.org/presentationml/2006/main">
   <p:cSld>
     <p:spTree>
@@ -37571,7 +36081,7 @@
 </p:sld>
 </file>
 
-<file path=ppt/slides/slide44.xml><?xml version="1.0" encoding="utf-8"?>
+<file path=ppt/slides/slide42.xml><?xml version="1.0" encoding="utf-8"?>
 <p:sld xmlns:a="http://schemas.openxmlformats.org/drawingml/2006/main" xmlns:r="http://schemas.openxmlformats.org/officeDocument/2006/relationships" xmlns:p="http://schemas.openxmlformats.org/presentationml/2006/main">
   <p:cSld>
     <p:spTree>
@@ -38160,7 +36670,7 @@
 </p:sld>
 </file>
 
-<file path=ppt/slides/slide45.xml><?xml version="1.0" encoding="utf-8"?>
+<file path=ppt/slides/slide43.xml><?xml version="1.0" encoding="utf-8"?>
 <p:sld xmlns:a="http://schemas.openxmlformats.org/drawingml/2006/main" xmlns:r="http://schemas.openxmlformats.org/officeDocument/2006/relationships" xmlns:p="http://schemas.openxmlformats.org/presentationml/2006/main">
   <p:cSld>
     <p:spTree>
@@ -38560,295 +37070,6 @@
 </file>
 
 <file path=ppt/slides/slide5.xml><?xml version="1.0" encoding="utf-8"?>
-<p:sld xmlns:a="http://schemas.openxmlformats.org/drawingml/2006/main" xmlns:r="http://schemas.openxmlformats.org/officeDocument/2006/relationships" xmlns:p="http://schemas.openxmlformats.org/presentationml/2006/main">
-  <p:cSld>
-    <p:spTree>
-      <p:nvGrpSpPr>
-        <p:cNvPr id="1" name=""/>
-        <p:cNvGrpSpPr/>
-        <p:nvPr/>
-      </p:nvGrpSpPr>
-      <p:grpSpPr>
-        <a:xfrm>
-          <a:off x="0" y="0"/>
-          <a:ext cx="0" cy="0"/>
-          <a:chOff x="0" y="0"/>
-          <a:chExt cx="0" cy="0"/>
-        </a:xfrm>
-      </p:grpSpPr>
-      <p:sp>
-        <p:nvSpPr>
-          <p:cNvPr id="7" name="Rectangle 6"/>
-          <p:cNvSpPr>
-            <a:spLocks noGrp="1" noRot="1" noChangeAspect="1" noMove="1" noResize="1" noEditPoints="1" noAdjustHandles="1" noChangeArrowheads="1" noChangeShapeType="1" noTextEdit="1"/>
-          </p:cNvSpPr>
-          <p:nvPr>
-            <p:extLst>
-              <p:ext uri="{386F3935-93C4-4BCD-93E2-E3B085C9AB24}">
-                <p16:designElem xmlns:p16="http://schemas.microsoft.com/office/powerpoint/2015/main" val="1"/>
-              </p:ext>
-            </p:extLst>
-          </p:nvPr>
-        </p:nvSpPr>
-        <p:spPr>
-          <a:xfrm flipH="1">
-            <a:off x="0" y="0"/>
-            <a:ext cx="12188726" cy="6858975"/>
-          </a:xfrm>
-          <a:prstGeom prst="rect">
-            <a:avLst/>
-          </a:prstGeom>
-          <a:solidFill>
-            <a:schemeClr val="bg1"/>
-          </a:solidFill>
-          <a:ln>
-            <a:noFill/>
-          </a:ln>
-        </p:spPr>
-        <p:style>
-          <a:lnRef idx="2">
-            <a:schemeClr val="accent1">
-              <a:shade val="50000"/>
-            </a:schemeClr>
-          </a:lnRef>
-          <a:fillRef idx="1">
-            <a:schemeClr val="accent1"/>
-          </a:fillRef>
-          <a:effectRef idx="0">
-            <a:schemeClr val="accent1"/>
-          </a:effectRef>
-          <a:fontRef idx="minor">
-            <a:schemeClr val="lt1"/>
-          </a:fontRef>
-        </p:style>
-        <p:txBody>
-          <a:bodyPr rtlCol="0" anchor="ctr"/>
-          <a:lstStyle/>
-          <a:p>
-            <a:pPr algn="ctr"/>
-            <a:endParaRPr lang="en-US"/>
-          </a:p>
-        </p:txBody>
-      </p:sp>
-      <p:sp>
-        <p:nvSpPr>
-          <p:cNvPr id="9" name="Rectangle 8"/>
-          <p:cNvSpPr>
-            <a:spLocks noGrp="1" noRot="1" noChangeAspect="1" noMove="1" noResize="1" noEditPoints="1" noAdjustHandles="1" noChangeArrowheads="1" noChangeShapeType="1" noTextEdit="1"/>
-          </p:cNvSpPr>
-          <p:nvPr>
-            <p:extLst>
-              <p:ext uri="{386F3935-93C4-4BCD-93E2-E3B085C9AB24}">
-                <p16:designElem xmlns:p16="http://schemas.microsoft.com/office/powerpoint/2015/main" val="1"/>
-              </p:ext>
-            </p:extLst>
-          </p:nvPr>
-        </p:nvSpPr>
-        <p:spPr>
-          <a:xfrm>
-            <a:off x="5109343" y="620720"/>
-            <a:ext cx="6442480" cy="5593163"/>
-          </a:xfrm>
-          <a:prstGeom prst="rect">
-            <a:avLst/>
-          </a:prstGeom>
-          <a:solidFill>
-            <a:schemeClr val="tx1">
-              <a:lumMod val="75000"/>
-              <a:lumOff val="25000"/>
-            </a:schemeClr>
-          </a:solidFill>
-          <a:ln>
-            <a:noFill/>
-          </a:ln>
-        </p:spPr>
-        <p:style>
-          <a:lnRef idx="2">
-            <a:schemeClr val="accent1">
-              <a:shade val="50000"/>
-            </a:schemeClr>
-          </a:lnRef>
-          <a:fillRef idx="1">
-            <a:schemeClr val="accent1"/>
-          </a:fillRef>
-          <a:effectRef idx="0">
-            <a:schemeClr val="accent1"/>
-          </a:effectRef>
-          <a:fontRef idx="minor">
-            <a:schemeClr val="lt1"/>
-          </a:fontRef>
-        </p:style>
-        <p:txBody>
-          <a:bodyPr rtlCol="0" anchor="ctr"/>
-          <a:lstStyle/>
-          <a:p>
-            <a:pPr algn="ctr"/>
-            <a:endParaRPr lang="en-US"/>
-          </a:p>
-        </p:txBody>
-      </p:sp>
-      <p:cxnSp>
-        <p:nvCxnSpPr>
-          <p:cNvPr id="11" name="Straight Connector 10"/>
-          <p:cNvCxnSpPr>
-            <a:cxnSpLocks noGrp="1" noRot="1" noChangeAspect="1" noMove="1" noResize="1" noEditPoints="1" noAdjustHandles="1" noChangeArrowheads="1" noChangeShapeType="1"/>
-          </p:cNvCxnSpPr>
-          <p:nvPr>
-            <p:extLst>
-              <p:ext uri="{386F3935-93C4-4BCD-93E2-E3B085C9AB24}">
-                <p16:designElem xmlns:p16="http://schemas.microsoft.com/office/powerpoint/2015/main" val="1"/>
-              </p:ext>
-            </p:extLst>
-          </p:nvPr>
-        </p:nvCxnSpPr>
-        <p:spPr>
-          <a:xfrm>
-            <a:off x="5609960" y="4214336"/>
-            <a:ext cx="5120640" cy="0"/>
-          </a:xfrm>
-          <a:prstGeom prst="line">
-            <a:avLst/>
-          </a:prstGeom>
-          <a:ln w="19050">
-            <a:solidFill>
-              <a:schemeClr val="bg1"/>
-            </a:solidFill>
-          </a:ln>
-        </p:spPr>
-        <p:style>
-          <a:lnRef idx="1">
-            <a:schemeClr val="accent1"/>
-          </a:lnRef>
-          <a:fillRef idx="0">
-            <a:schemeClr val="accent1"/>
-          </a:fillRef>
-          <a:effectRef idx="0">
-            <a:schemeClr val="accent1"/>
-          </a:effectRef>
-          <a:fontRef idx="minor">
-            <a:schemeClr val="tx1"/>
-          </a:fontRef>
-        </p:style>
-      </p:cxnSp>
-      <p:sp>
-        <p:nvSpPr>
-          <p:cNvPr id="13" name="Rectangle 12"/>
-          <p:cNvSpPr>
-            <a:spLocks noGrp="1" noRot="1" noChangeAspect="1" noMove="1" noResize="1" noEditPoints="1" noAdjustHandles="1" noChangeArrowheads="1" noChangeShapeType="1" noTextEdit="1"/>
-          </p:cNvSpPr>
-          <p:nvPr>
-            <p:extLst>
-              <p:ext uri="{386F3935-93C4-4BCD-93E2-E3B085C9AB24}">
-                <p16:designElem xmlns:p16="http://schemas.microsoft.com/office/powerpoint/2015/main" val="1"/>
-              </p:ext>
-            </p:extLst>
-          </p:nvPr>
-        </p:nvSpPr>
-        <p:spPr>
-          <a:xfrm>
-            <a:off x="643467" y="621695"/>
-            <a:ext cx="4305009" cy="5592188"/>
-          </a:xfrm>
-          <a:prstGeom prst="rect">
-            <a:avLst/>
-          </a:prstGeom>
-          <a:blipFill dpi="0" rotWithShape="1">
-            <a:blip r:embed="rId3">
-              <a:duotone>
-                <a:schemeClr val="accent1">
-                  <a:shade val="45000"/>
-                  <a:satMod val="135000"/>
-                </a:schemeClr>
-                <a:prstClr val="white"/>
-              </a:duotone>
-            </a:blip>
-            <a:srcRect/>
-            <a:tile tx="-444500" ty="-127000" sx="50000" sy="50000" flip="xy" algn="tl"/>
-          </a:blipFill>
-          <a:ln>
-            <a:noFill/>
-          </a:ln>
-        </p:spPr>
-        <p:style>
-          <a:lnRef idx="2">
-            <a:schemeClr val="accent1">
-              <a:shade val="50000"/>
-            </a:schemeClr>
-          </a:lnRef>
-          <a:fillRef idx="1">
-            <a:schemeClr val="accent1"/>
-          </a:fillRef>
-          <a:effectRef idx="0">
-            <a:schemeClr val="accent1"/>
-          </a:effectRef>
-          <a:fontRef idx="minor">
-            <a:schemeClr val="lt1"/>
-          </a:fontRef>
-        </p:style>
-        <p:txBody>
-          <a:bodyPr rtlCol="0" anchor="ctr"/>
-          <a:lstStyle/>
-          <a:p>
-            <a:pPr lvl="0" algn="ctr"/>
-            <a:endParaRPr lang="en-US" dirty="0">
-              <a:solidFill>
-                <a:prstClr val="white"/>
-              </a:solidFill>
-            </a:endParaRPr>
-          </a:p>
-        </p:txBody>
-      </p:sp>
-      <p:sp>
-        <p:nvSpPr>
-          <p:cNvPr id="2" name="Title 1"/>
-          <p:cNvSpPr>
-            <a:spLocks noGrp="1"/>
-          </p:cNvSpPr>
-          <p:nvPr>
-            <p:ph type="ctrTitle"/>
-          </p:nvPr>
-        </p:nvSpPr>
-        <p:spPr>
-          <a:xfrm>
-            <a:off x="5590120" y="1105351"/>
-            <a:ext cx="5477071" cy="3023981"/>
-          </a:xfrm>
-        </p:spPr>
-        <p:txBody>
-          <a:bodyPr anchor="b">
-            <a:normAutofit/>
-          </a:bodyPr>
-          <a:lstStyle/>
-          <a:p>
-            <a:pPr algn="l"/>
-            <a:r>
-              <a:rPr lang="en-US" sz="4400">
-                <a:solidFill>
-                  <a:schemeClr val="bg1"/>
-                </a:solidFill>
-              </a:rPr>
-              <a:t>What’s a GraphDB Anyway?</a:t>
-            </a:r>
-          </a:p>
-        </p:txBody>
-      </p:sp>
-    </p:spTree>
-    <p:extLst>
-      <p:ext uri="{BB962C8B-B14F-4D97-AF65-F5344CB8AC3E}">
-        <p14:creationId xmlns:p14="http://schemas.microsoft.com/office/powerpoint/2010/main" val="1597194294"/>
-      </p:ext>
-    </p:extLst>
-  </p:cSld>
-  <p:clrMapOvr>
-    <a:masterClrMapping/>
-  </p:clrMapOvr>
-  <p:transition spd="slow">
-    <p:wipe/>
-  </p:transition>
-</p:sld>
-</file>
-
-<file path=ppt/slides/slide6.xml><?xml version="1.0" encoding="utf-8"?>
 <p:sld xmlns:a="http://schemas.openxmlformats.org/drawingml/2006/main" xmlns:r="http://schemas.openxmlformats.org/officeDocument/2006/relationships" xmlns:p="http://schemas.openxmlformats.org/presentationml/2006/main">
   <p:cSld>
     <p:spTree>
@@ -39000,7 +37221,7 @@
 </p:sld>
 </file>
 
-<file path=ppt/slides/slide7.xml><?xml version="1.0" encoding="utf-8"?>
+<file path=ppt/slides/slide6.xml><?xml version="1.0" encoding="utf-8"?>
 <p:sld xmlns:a="http://schemas.openxmlformats.org/drawingml/2006/main" xmlns:r="http://schemas.openxmlformats.org/officeDocument/2006/relationships" xmlns:p="http://schemas.openxmlformats.org/presentationml/2006/main">
   <p:cSld>
     <p:spTree>
@@ -39407,7 +37628,7 @@
 </p:sld>
 </file>
 
-<file path=ppt/slides/slide8.xml><?xml version="1.0" encoding="utf-8"?>
+<file path=ppt/slides/slide7.xml><?xml version="1.0" encoding="utf-8"?>
 <p:sld xmlns:a="http://schemas.openxmlformats.org/drawingml/2006/main" xmlns:r="http://schemas.openxmlformats.org/officeDocument/2006/relationships" xmlns:p="http://schemas.openxmlformats.org/presentationml/2006/main">
   <p:cSld>
     <p:spTree>
@@ -39555,7 +37776,7 @@
 </p:sld>
 </file>
 
-<file path=ppt/slides/slide9.xml><?xml version="1.0" encoding="utf-8"?>
+<file path=ppt/slides/slide8.xml><?xml version="1.0" encoding="utf-8"?>
 <p:sld xmlns:a="http://schemas.openxmlformats.org/drawingml/2006/main" xmlns:r="http://schemas.openxmlformats.org/officeDocument/2006/relationships" xmlns:p="http://schemas.openxmlformats.org/presentationml/2006/main">
   <p:cSld>
     <p:spTree>
@@ -39832,6 +38053,114 @@
     <p:extLst>
       <p:ext uri="{BB962C8B-B14F-4D97-AF65-F5344CB8AC3E}">
         <p14:creationId xmlns:p14="http://schemas.microsoft.com/office/powerpoint/2010/main" val="1224089754"/>
+      </p:ext>
+    </p:extLst>
+  </p:cSld>
+  <p:clrMapOvr>
+    <a:masterClrMapping/>
+  </p:clrMapOvr>
+</p:sld>
+</file>
+
+<file path=ppt/slides/slide9.xml><?xml version="1.0" encoding="utf-8"?>
+<p:sld xmlns:a="http://schemas.openxmlformats.org/drawingml/2006/main" xmlns:r="http://schemas.openxmlformats.org/officeDocument/2006/relationships" xmlns:p="http://schemas.openxmlformats.org/presentationml/2006/main">
+  <p:cSld>
+    <p:spTree>
+      <p:nvGrpSpPr>
+        <p:cNvPr id="1" name=""/>
+        <p:cNvGrpSpPr/>
+        <p:nvPr/>
+      </p:nvGrpSpPr>
+      <p:grpSpPr>
+        <a:xfrm>
+          <a:off x="0" y="0"/>
+          <a:ext cx="0" cy="0"/>
+          <a:chOff x="0" y="0"/>
+          <a:chExt cx="0" cy="0"/>
+        </a:xfrm>
+      </p:grpSpPr>
+      <p:sp>
+        <p:nvSpPr>
+          <p:cNvPr id="2" name="Title 1"/>
+          <p:cNvSpPr>
+            <a:spLocks noGrp="1"/>
+          </p:cNvSpPr>
+          <p:nvPr>
+            <p:ph type="title"/>
+          </p:nvPr>
+        </p:nvSpPr>
+        <p:spPr/>
+        <p:txBody>
+          <a:bodyPr/>
+          <a:lstStyle/>
+          <a:p>
+            <a:r>
+              <a:rPr lang="en-US" dirty="0"/>
+              <a:t>Building blocks</a:t>
+            </a:r>
+          </a:p>
+        </p:txBody>
+      </p:sp>
+      <p:sp>
+        <p:nvSpPr>
+          <p:cNvPr id="3" name="Content Placeholder 2"/>
+          <p:cNvSpPr>
+            <a:spLocks noGrp="1"/>
+          </p:cNvSpPr>
+          <p:nvPr>
+            <p:ph idx="1"/>
+          </p:nvPr>
+        </p:nvSpPr>
+        <p:spPr/>
+        <p:txBody>
+          <a:bodyPr/>
+          <a:lstStyle/>
+          <a:p>
+            <a:pPr>
+              <a:buFont typeface="Wingdings" panose="05000000000000000000" pitchFamily="2" charset="2"/>
+              <a:buChar char="ü"/>
+            </a:pPr>
+            <a:r>
+              <a:rPr lang="en-US" dirty="0"/>
+              <a:t>Nodes</a:t>
+            </a:r>
+          </a:p>
+          <a:p>
+            <a:pPr>
+              <a:buFont typeface="Wingdings" panose="05000000000000000000" pitchFamily="2" charset="2"/>
+              <a:buChar char="ü"/>
+            </a:pPr>
+            <a:r>
+              <a:rPr lang="en-US" dirty="0"/>
+              <a:t>Relationships</a:t>
+            </a:r>
+          </a:p>
+          <a:p>
+            <a:pPr>
+              <a:buFont typeface="Wingdings" panose="05000000000000000000" pitchFamily="2" charset="2"/>
+              <a:buChar char="ü"/>
+            </a:pPr>
+            <a:r>
+              <a:rPr lang="en-US" dirty="0"/>
+              <a:t>Properties</a:t>
+            </a:r>
+          </a:p>
+          <a:p>
+            <a:pPr>
+              <a:buFont typeface="Wingdings" panose="05000000000000000000" pitchFamily="2" charset="2"/>
+              <a:buChar char="ü"/>
+            </a:pPr>
+            <a:r>
+              <a:rPr lang="en-US" dirty="0"/>
+              <a:t>Labels</a:t>
+            </a:r>
+          </a:p>
+        </p:txBody>
+      </p:sp>
+    </p:spTree>
+    <p:extLst>
+      <p:ext uri="{BB962C8B-B14F-4D97-AF65-F5344CB8AC3E}">
+        <p14:creationId xmlns:p14="http://schemas.microsoft.com/office/powerpoint/2010/main" val="1722146423"/>
       </p:ext>
     </p:extLst>
   </p:cSld>

--- a/presentation/Graph DBs.pptx
+++ b/presentation/Graph DBs.pptx
@@ -326,7 +326,7 @@
           <a:p>
             <a:fld id="{F6529B8E-13CB-4C11-974D-DD895F60A2CF}" type="datetimeFigureOut">
               <a:rPr lang="en-US" smtClean="0"/>
-              <a:t>8/8/2017</a:t>
+              <a:t>8/12/2017</a:t>
             </a:fld>
             <a:endParaRPr lang="en-US"/>
           </a:p>
@@ -903,36 +903,6 @@
           <a:bodyPr/>
           <a:lstStyle/>
           <a:p>
-            <a:r>
-              <a:rPr lang="en-US" dirty="0"/>
-              <a:t>Cons – instead</a:t>
-            </a:r>
-            <a:r>
-              <a:rPr lang="en-US" baseline="0" dirty="0"/>
-              <a:t> of looking at data as 3</a:t>
-            </a:r>
-            <a:r>
-              <a:rPr lang="en-US" baseline="30000" dirty="0"/>
-              <a:t>rd</a:t>
-            </a:r>
-            <a:r>
-              <a:rPr lang="en-US" baseline="0" dirty="0"/>
-              <a:t> normal form with all your candidate keys and foreign keys, you have to start thinking about the data in terms of its interconnectivity.</a:t>
-            </a:r>
-          </a:p>
-          <a:p>
-            <a:r>
-              <a:rPr lang="en-US" baseline="0" dirty="0"/>
-              <a:t>Cons – Cypher, </a:t>
-            </a:r>
-            <a:r>
-              <a:rPr lang="en-US" baseline="0" dirty="0" err="1"/>
-              <a:t>tinkerpop</a:t>
-            </a:r>
-            <a:r>
-              <a:rPr lang="en-US" baseline="0" dirty="0"/>
-              <a:t>, Gremlin, SPARQL</a:t>
-            </a:r>
             <a:endParaRPr lang="en-US" dirty="0"/>
           </a:p>
         </p:txBody>
@@ -1017,10 +987,7 @@
           <a:bodyPr/>
           <a:lstStyle/>
           <a:p>
-            <a:r>
-              <a:rPr lang="en-US" baseline="0" dirty="0"/>
-              <a:t>As you can see there are many different graph DB players in the market.   I’m going to compare a few of them next, but there are many others out there as well.</a:t>
-            </a:r>
+            <a:endParaRPr lang="en-US" baseline="0" dirty="0"/>
           </a:p>
         </p:txBody>
       </p:sp>
@@ -1104,26 +1071,6 @@
           <a:bodyPr/>
           <a:lstStyle/>
           <a:p>
-            <a:r>
-              <a:rPr lang="en-US" dirty="0" err="1"/>
-              <a:t>GraphQL</a:t>
-            </a:r>
-            <a:r>
-              <a:rPr lang="en-US" baseline="0" dirty="0"/>
-              <a:t> – a query language for your API</a:t>
-            </a:r>
-          </a:p>
-          <a:p>
-            <a:r>
-              <a:rPr lang="en-US" baseline="0" dirty="0"/>
-              <a:t>Pros – Up and comer</a:t>
-            </a:r>
-          </a:p>
-          <a:p>
-            <a:r>
-              <a:rPr lang="en-US" baseline="0" dirty="0"/>
-              <a:t>Cons – not mature, not a lot of community support, and absolutely no ability to run it in Windows in production.</a:t>
-            </a:r>
             <a:endParaRPr lang="en-US" dirty="0"/>
           </a:p>
         </p:txBody>
@@ -1208,24 +1155,6 @@
           <a:bodyPr/>
           <a:lstStyle/>
           <a:p>
-            <a:r>
-              <a:rPr lang="en-US" dirty="0"/>
-              <a:t>Cons</a:t>
-            </a:r>
-            <a:r>
-              <a:rPr lang="en-US" baseline="0" dirty="0"/>
-              <a:t> – need to wrap the java application in something like </a:t>
-            </a:r>
-            <a:r>
-              <a:rPr lang="en-US" baseline="0" dirty="0" err="1"/>
-              <a:t>Procrun</a:t>
-            </a:r>
-            <a:r>
-              <a:rPr lang="en-US" baseline="0" dirty="0"/>
-              <a:t> in order to run as a windows service – no production support for windows service installation</a:t>
-            </a:r>
-          </a:p>
-          <a:p>
             <a:endParaRPr lang="en-US" dirty="0"/>
           </a:p>
         </p:txBody>
@@ -1310,20 +1239,6 @@
           <a:bodyPr/>
           <a:lstStyle/>
           <a:p>
-            <a:r>
-              <a:rPr lang="en-US" dirty="0"/>
-              <a:t>Pros</a:t>
-            </a:r>
-            <a:r>
-              <a:rPr lang="en-US" baseline="0" dirty="0"/>
-              <a:t> – you can find answers easily, very mature, there are yearly neo4j conferences available and lots of training options</a:t>
-            </a:r>
-          </a:p>
-          <a:p>
-            <a:r>
-              <a:rPr lang="en-US" baseline="0" dirty="0"/>
-              <a:t>Cons – means you cannot segment your data at the database level.  If you need that kind of segmentation, you need to create root nodes and query based on your root nodes.</a:t>
-            </a:r>
             <a:endParaRPr lang="en-US" dirty="0"/>
           </a:p>
         </p:txBody>
@@ -1408,25 +1323,6 @@
           <a:bodyPr/>
           <a:lstStyle/>
           <a:p>
-            <a:r>
-              <a:rPr lang="en-US" dirty="0"/>
-              <a:t>Lucene index – elastic search and </a:t>
-            </a:r>
-            <a:r>
-              <a:rPr lang="en-US" dirty="0" err="1"/>
-              <a:t>solr</a:t>
-            </a:r>
-            <a:endParaRPr lang="en-US" dirty="0"/>
-          </a:p>
-          <a:p>
-            <a:r>
-              <a:rPr lang="en-US" dirty="0"/>
-              <a:t>REST API – all crud operations can be performed using</a:t>
-            </a:r>
-            <a:r>
-              <a:rPr lang="en-US" baseline="0" dirty="0"/>
-              <a:t> the REST API or one of the SDKs available.</a:t>
-            </a:r>
             <a:endParaRPr lang="en-US" dirty="0"/>
           </a:p>
         </p:txBody>
@@ -1511,20 +1407,6 @@
           <a:bodyPr/>
           <a:lstStyle/>
           <a:p>
-            <a:r>
-              <a:rPr lang="en-US" dirty="0"/>
-              <a:t>CTE or cursor or stored proc</a:t>
-            </a:r>
-          </a:p>
-          <a:p>
-            <a:r>
-              <a:rPr lang="en-US" dirty="0"/>
-              <a:t>Self – joins,</a:t>
-            </a:r>
-            <a:r>
-              <a:rPr lang="en-US" baseline="0" dirty="0"/>
-              <a:t> hierarchical data</a:t>
-            </a:r>
             <a:endParaRPr lang="en-US" dirty="0"/>
           </a:p>
         </p:txBody>
@@ -1693,32 +1575,6 @@
           <a:bodyPr/>
           <a:lstStyle/>
           <a:p>
-            <a:r>
-              <a:rPr lang="en-US" dirty="0"/>
-              <a:t>Talk</a:t>
-            </a:r>
-            <a:r>
-              <a:rPr lang="en-US" baseline="0" dirty="0"/>
-              <a:t> about my career a little bit – almost 20 years experience in development, most of that full-stack – gravitate toward back end</a:t>
-            </a:r>
-          </a:p>
-          <a:p>
-            <a:r>
-              <a:rPr lang="en-US" baseline="0" dirty="0"/>
-              <a:t>Started looking at data modelling outside the scope of relational databases a few years ago – started with full text search and elastic search, evolving to </a:t>
-            </a:r>
-            <a:r>
-              <a:rPr lang="en-US" baseline="0" dirty="0" err="1"/>
-              <a:t>nosql</a:t>
-            </a:r>
-            <a:r>
-              <a:rPr lang="en-US" baseline="0" dirty="0"/>
-              <a:t> databases and now to graph </a:t>
-            </a:r>
-            <a:r>
-              <a:rPr lang="en-US" baseline="0" dirty="0" err="1"/>
-              <a:t>dbs</a:t>
-            </a:r>
             <a:endParaRPr lang="en-US" baseline="0" dirty="0"/>
           </a:p>
         </p:txBody>
@@ -2092,26 +1948,6 @@
           <a:bodyPr/>
           <a:lstStyle/>
           <a:p>
-            <a:r>
-              <a:rPr lang="en-US" dirty="0"/>
-              <a:t>Not a pie graph or chart</a:t>
-            </a:r>
-          </a:p>
-          <a:p>
-            <a:r>
-              <a:rPr lang="en-US" dirty="0"/>
-              <a:t>Not</a:t>
-            </a:r>
-            <a:r>
-              <a:rPr lang="en-US" baseline="0" dirty="0"/>
-              <a:t> reporting</a:t>
-            </a:r>
-          </a:p>
-          <a:p>
-            <a:r>
-              <a:rPr lang="en-US" baseline="0" dirty="0"/>
-              <a:t>Talking about modelling the data as nodes and relationships</a:t>
-            </a:r>
             <a:endParaRPr lang="en-US" dirty="0"/>
           </a:p>
         </p:txBody>
@@ -2196,20 +2032,6 @@
           <a:bodyPr/>
           <a:lstStyle/>
           <a:p>
-            <a:r>
-              <a:rPr lang="en-US" dirty="0"/>
-              <a:t>Illustrate the various</a:t>
-            </a:r>
-            <a:r>
-              <a:rPr lang="en-US" baseline="0" dirty="0"/>
-              <a:t> uses of graphs</a:t>
-            </a:r>
-          </a:p>
-          <a:p>
-            <a:r>
-              <a:rPr lang="en-US" baseline="0" dirty="0"/>
-              <a:t>Talk about white boarding and object modelling as a natural precursor to graph DBs</a:t>
-            </a:r>
             <a:endParaRPr lang="en-US" dirty="0"/>
           </a:p>
         </p:txBody>
@@ -2294,14 +2116,6 @@
           <a:bodyPr/>
           <a:lstStyle/>
           <a:p>
-            <a:r>
-              <a:rPr lang="en-US" dirty="0"/>
-              <a:t>Talk about relationships</a:t>
-            </a:r>
-            <a:r>
-              <a:rPr lang="en-US" baseline="0" dirty="0"/>
-              <a:t> being emphasized and relationships having their own properties</a:t>
-            </a:r>
             <a:endParaRPr lang="en-US" dirty="0"/>
           </a:p>
         </p:txBody>
@@ -2386,20 +2200,7 @@
           <a:bodyPr/>
           <a:lstStyle/>
           <a:p>
-            <a:r>
-              <a:rPr lang="en-US" dirty="0"/>
-              <a:t>Facebook,</a:t>
-            </a:r>
-            <a:r>
-              <a:rPr lang="en-US" baseline="0" dirty="0"/>
-              <a:t> Linked in</a:t>
-            </a:r>
-          </a:p>
-          <a:p>
-            <a:r>
-              <a:rPr lang="en-US" baseline="0" dirty="0"/>
-              <a:t>Path finding – airline hubs and routes – how do I get from Boston to San Diego in the shortest path?  What’s the quickest driving route between here and New York City?  Also, linked in – how do I connect with person A in company x – how many connections do I have to make to get to that person?</a:t>
-            </a:r>
+            <a:endParaRPr lang="en-US" baseline="0" dirty="0"/>
           </a:p>
         </p:txBody>
       </p:sp>
@@ -2483,20 +2284,6 @@
           <a:bodyPr/>
           <a:lstStyle/>
           <a:p>
-            <a:r>
-              <a:rPr lang="en-US" dirty="0"/>
-              <a:t>Nodes</a:t>
-            </a:r>
-            <a:r>
-              <a:rPr lang="en-US" baseline="0" dirty="0"/>
-              <a:t> – also sometimes called Vertices</a:t>
-            </a:r>
-          </a:p>
-          <a:p>
-            <a:r>
-              <a:rPr lang="en-US" baseline="0" dirty="0"/>
-              <a:t>Relationships – also sometimes called Edges</a:t>
-            </a:r>
             <a:endParaRPr lang="en-US" dirty="0"/>
           </a:p>
         </p:txBody>
@@ -2581,14 +2368,6 @@
           <a:bodyPr/>
           <a:lstStyle/>
           <a:p>
-            <a:r>
-              <a:rPr lang="en-US" dirty="0"/>
-              <a:t>Best practices – create one relationship in</a:t>
-            </a:r>
-            <a:r>
-              <a:rPr lang="en-US" baseline="0" dirty="0"/>
-              <a:t> one direction between node a and b but query without that direction if needed – why?  Because otherwise, you have to have two relationships, between a and b and b and a</a:t>
-            </a:r>
             <a:endParaRPr lang="en-US" dirty="0"/>
           </a:p>
         </p:txBody>
@@ -11507,7 +11286,7 @@
             <a:fld id="{08B9EBBA-996F-894A-B54A-D6246ED52CEA}" type="datetimeFigureOut">
               <a:rPr lang="en-US" smtClean="0"/>
               <a:pPr/>
-              <a:t>8/8/2017</a:t>
+              <a:t>8/12/2017</a:t>
             </a:fld>
             <a:endParaRPr lang="en-US" dirty="0"/>
           </a:p>
@@ -11716,7 +11495,7 @@
             <a:fld id="{C6C52C72-DE31-F449-A4ED-4C594FD91407}" type="datetimeFigureOut">
               <a:rPr lang="en-US" smtClean="0"/>
               <a:pPr/>
-              <a:t>8/8/2017</a:t>
+              <a:t>8/12/2017</a:t>
             </a:fld>
             <a:endParaRPr lang="en-US" dirty="0"/>
           </a:p>
@@ -11898,7 +11677,7 @@
             <a:fld id="{ED62726E-379B-B349-9EED-81ED093FA806}" type="datetimeFigureOut">
               <a:rPr lang="en-US" smtClean="0"/>
               <a:pPr/>
-              <a:t>8/8/2017</a:t>
+              <a:t>8/12/2017</a:t>
             </a:fld>
             <a:endParaRPr lang="en-US" dirty="0"/>
           </a:p>
@@ -12124,7 +11903,7 @@
           <a:p>
             <a:fld id="{0583BE9D-294E-419B-AA51-BB7BF28F4F06}" type="datetimeFigureOut">
               <a:rPr lang="en-US" smtClean="0"/>
-              <a:t>8/8/2017</a:t>
+              <a:t>8/12/2017</a:t>
             </a:fld>
             <a:endParaRPr lang="en-US"/>
           </a:p>
@@ -12292,7 +12071,7 @@
           <a:p>
             <a:fld id="{0583BE9D-294E-419B-AA51-BB7BF28F4F06}" type="datetimeFigureOut">
               <a:rPr lang="en-US" smtClean="0"/>
-              <a:t>8/8/2017</a:t>
+              <a:t>8/12/2017</a:t>
             </a:fld>
             <a:endParaRPr lang="en-US"/>
           </a:p>
@@ -12537,7 +12316,7 @@
           <a:p>
             <a:fld id="{0583BE9D-294E-419B-AA51-BB7BF28F4F06}" type="datetimeFigureOut">
               <a:rPr lang="en-US" smtClean="0"/>
-              <a:t>8/8/2017</a:t>
+              <a:t>8/12/2017</a:t>
             </a:fld>
             <a:endParaRPr lang="en-US"/>
           </a:p>
@@ -12766,7 +12545,7 @@
           <a:p>
             <a:fld id="{0583BE9D-294E-419B-AA51-BB7BF28F4F06}" type="datetimeFigureOut">
               <a:rPr lang="en-US" smtClean="0"/>
-              <a:t>8/8/2017</a:t>
+              <a:t>8/12/2017</a:t>
             </a:fld>
             <a:endParaRPr lang="en-US"/>
           </a:p>
@@ -13130,7 +12909,7 @@
           <a:p>
             <a:fld id="{0583BE9D-294E-419B-AA51-BB7BF28F4F06}" type="datetimeFigureOut">
               <a:rPr lang="en-US" smtClean="0"/>
-              <a:t>8/8/2017</a:t>
+              <a:t>8/12/2017</a:t>
             </a:fld>
             <a:endParaRPr lang="en-US"/>
           </a:p>
@@ -13247,7 +13026,7 @@
           <a:p>
             <a:fld id="{0583BE9D-294E-419B-AA51-BB7BF28F4F06}" type="datetimeFigureOut">
               <a:rPr lang="en-US" smtClean="0"/>
-              <a:t>8/8/2017</a:t>
+              <a:t>8/12/2017</a:t>
             </a:fld>
             <a:endParaRPr lang="en-US"/>
           </a:p>
@@ -13342,7 +13121,7 @@
           <a:p>
             <a:fld id="{0583BE9D-294E-419B-AA51-BB7BF28F4F06}" type="datetimeFigureOut">
               <a:rPr lang="en-US" smtClean="0"/>
-              <a:t>8/8/2017</a:t>
+              <a:t>8/12/2017</a:t>
             </a:fld>
             <a:endParaRPr lang="en-US"/>
           </a:p>
@@ -13617,7 +13396,7 @@
           <a:p>
             <a:fld id="{0583BE9D-294E-419B-AA51-BB7BF28F4F06}" type="datetimeFigureOut">
               <a:rPr lang="en-US" smtClean="0"/>
-              <a:t>8/8/2017</a:t>
+              <a:t>8/12/2017</a:t>
             </a:fld>
             <a:endParaRPr lang="en-US"/>
           </a:p>
@@ -13788,7 +13567,7 @@
             <a:fld id="{9B3A1323-8D79-1946-B0D7-40001CF92E9D}" type="datetimeFigureOut">
               <a:rPr lang="en-US" smtClean="0"/>
               <a:pPr/>
-              <a:t>8/8/2017</a:t>
+              <a:t>8/12/2017</a:t>
             </a:fld>
             <a:endParaRPr lang="en-US" dirty="0"/>
           </a:p>
@@ -14041,7 +13820,7 @@
           <a:p>
             <a:fld id="{0583BE9D-294E-419B-AA51-BB7BF28F4F06}" type="datetimeFigureOut">
               <a:rPr lang="en-US" smtClean="0"/>
-              <a:t>8/8/2017</a:t>
+              <a:t>8/12/2017</a:t>
             </a:fld>
             <a:endParaRPr lang="en-US"/>
           </a:p>
@@ -14209,7 +13988,7 @@
           <a:p>
             <a:fld id="{0583BE9D-294E-419B-AA51-BB7BF28F4F06}" type="datetimeFigureOut">
               <a:rPr lang="en-US" smtClean="0"/>
-              <a:t>8/8/2017</a:t>
+              <a:t>8/12/2017</a:t>
             </a:fld>
             <a:endParaRPr lang="en-US"/>
           </a:p>
@@ -14387,7 +14166,7 @@
           <a:p>
             <a:fld id="{0583BE9D-294E-419B-AA51-BB7BF28F4F06}" type="datetimeFigureOut">
               <a:rPr lang="en-US" smtClean="0"/>
-              <a:t>8/8/2017</a:t>
+              <a:t>8/12/2017</a:t>
             </a:fld>
             <a:endParaRPr lang="en-US"/>
           </a:p>
@@ -23286,7 +23065,7 @@
             <a:fld id="{8DFA1846-DA80-1C48-A609-854EA85C59AD}" type="datetimeFigureOut">
               <a:rPr lang="en-US" smtClean="0"/>
               <a:pPr/>
-              <a:t>8/8/2017</a:t>
+              <a:t>8/12/2017</a:t>
             </a:fld>
             <a:endParaRPr lang="en-US" dirty="0"/>
           </a:p>
@@ -23562,7 +23341,7 @@
             <a:fld id="{57302355-E14B-8545-A8F8-0FE83CC9D524}" type="datetimeFigureOut">
               <a:rPr lang="en-US" smtClean="0"/>
               <a:pPr/>
-              <a:t>8/8/2017</a:t>
+              <a:t>8/12/2017</a:t>
             </a:fld>
             <a:endParaRPr lang="en-US" dirty="0"/>
           </a:p>
@@ -23962,7 +23741,7 @@
             <a:fld id="{02640F58-564D-2B4F-AE67-E407BA4FCF45}" type="datetimeFigureOut">
               <a:rPr lang="en-US" smtClean="0"/>
               <a:pPr/>
-              <a:t>8/8/2017</a:t>
+              <a:t>8/12/2017</a:t>
             </a:fld>
             <a:endParaRPr lang="en-US" dirty="0"/>
           </a:p>
@@ -24082,7 +23861,7 @@
             <a:fld id="{F13A34C8-038E-2045-AF43-DF7DBB8E0E9E}" type="datetimeFigureOut">
               <a:rPr lang="en-US" smtClean="0"/>
               <a:pPr/>
-              <a:t>8/8/2017</a:t>
+              <a:t>8/12/2017</a:t>
             </a:fld>
             <a:endParaRPr lang="en-US" dirty="0"/>
           </a:p>
@@ -24179,7 +23958,7 @@
             <a:fld id="{8818C68F-D26B-8F47-958C-23B49CF8A634}" type="datetimeFigureOut">
               <a:rPr lang="en-US" smtClean="0"/>
               <a:pPr/>
-              <a:t>8/8/2017</a:t>
+              <a:t>8/12/2017</a:t>
             </a:fld>
             <a:endParaRPr lang="en-US" dirty="0"/>
           </a:p>
@@ -24471,7 +24250,7 @@
             <a:fld id="{D0DF5E60-9974-AC48-9591-99C2BB44B7CF}" type="datetimeFigureOut">
               <a:rPr lang="en-US" smtClean="0"/>
               <a:pPr/>
-              <a:t>8/8/2017</a:t>
+              <a:t>8/12/2017</a:t>
             </a:fld>
             <a:endParaRPr lang="en-US" dirty="0"/>
           </a:p>
@@ -24753,7 +24532,7 @@
             <a:fld id="{18C79C5D-2A6F-F04D-97DA-BEF2467B64E4}" type="datetimeFigureOut">
               <a:rPr lang="en-US" smtClean="0"/>
               <a:pPr/>
-              <a:t>8/8/2017</a:t>
+              <a:t>8/12/2017</a:t>
             </a:fld>
             <a:endParaRPr lang="en-US" dirty="0"/>
           </a:p>
@@ -25005,7 +24784,7 @@
             <a:fld id="{09B482E8-6E0E-1B4F-B1FD-C69DB9E858D9}" type="datetimeFigureOut">
               <a:rPr lang="en-US" smtClean="0"/>
               <a:pPr/>
-              <a:t>8/8/2017</a:t>
+              <a:t>8/12/2017</a:t>
             </a:fld>
             <a:endParaRPr lang="en-US" dirty="0"/>
           </a:p>
@@ -25642,7 +25421,7 @@
           <a:p>
             <a:fld id="{0583BE9D-294E-419B-AA51-BB7BF28F4F06}" type="datetimeFigureOut">
               <a:rPr lang="en-US" smtClean="0"/>
-              <a:t>8/8/2017</a:t>
+              <a:t>8/12/2017</a:t>
             </a:fld>
             <a:endParaRPr lang="en-US"/>
           </a:p>
